--- a/Presentatie_powerpoint.pptx
+++ b/Presentatie_powerpoint.pptx
@@ -4,6 +4,9 @@
   <p:sldMasterIdLst>
     <p:sldMasterId id="2147483648" r:id="rId1"/>
   </p:sldMasterIdLst>
+  <p:notesMasterIdLst>
+    <p:notesMasterId r:id="rId9"/>
+  </p:notesMasterIdLst>
   <p:sldIdLst>
     <p:sldId id="256" r:id="rId2"/>
     <p:sldId id="257" r:id="rId3"/>
@@ -1159,7 +1162,7 @@
 <dgm:dataModel xmlns:dgm="http://schemas.openxmlformats.org/drawingml/2006/diagram" xmlns:a="http://schemas.openxmlformats.org/drawingml/2006/main">
   <dgm:ptLst>
     <dgm:pt modelId="{83A1DB12-05CA-416C-8564-43039C54A3AE}" type="doc">
-      <dgm:prSet loTypeId="urn:microsoft.com/office/officeart/2005/8/layout/vList2" loCatId="list" qsTypeId="urn:microsoft.com/office/officeart/2005/8/quickstyle/simple4" qsCatId="simple" csTypeId="urn:microsoft.com/office/officeart/2005/8/colors/colorful2" csCatId="colorful"/>
+      <dgm:prSet loTypeId="urn:microsoft.com/office/officeart/2005/8/layout/vList2" loCatId="list" qsTypeId="urn:microsoft.com/office/officeart/2005/8/quickstyle/simple4" qsCatId="simple" csTypeId="urn:microsoft.com/office/officeart/2005/8/colors/colorful2" csCatId="colorful" phldr="1"/>
       <dgm:spPr/>
       <dgm:t>
         <a:bodyPr/>
@@ -1177,10 +1180,10 @@
         <a:lstStyle/>
         <a:p>
           <a:r>
-            <a:rPr lang="nl-BE"/>
-            <a:t>IT dat sporten helpt</a:t>
+            <a:rPr lang="nl-BE" dirty="0"/>
+            <a:t>IT als hulpmiddel</a:t>
           </a:r>
-          <a:endParaRPr lang="en-US"/>
+          <a:endParaRPr lang="en-US" dirty="0"/>
         </a:p>
       </dgm:t>
     </dgm:pt>
@@ -1214,10 +1217,10 @@
         <a:lstStyle/>
         <a:p>
           <a:r>
-            <a:rPr lang="nl-BE"/>
+            <a:rPr lang="nl-BE" dirty="0"/>
             <a:t>Gezondheidstracking</a:t>
           </a:r>
-          <a:endParaRPr lang="en-US"/>
+          <a:endParaRPr lang="en-US" dirty="0"/>
         </a:p>
       </dgm:t>
     </dgm:pt>
@@ -1251,10 +1254,10 @@
         <a:lstStyle/>
         <a:p>
           <a:r>
-            <a:rPr lang="nl-BE"/>
-            <a:t>IT in sportclubs</a:t>
+            <a:rPr lang="nl-BE" dirty="0"/>
+            <a:t>IT binnen sportclubs</a:t>
           </a:r>
-          <a:endParaRPr lang="en-US"/>
+          <a:endParaRPr lang="en-US" dirty="0"/>
         </a:p>
       </dgm:t>
     </dgm:pt>
@@ -1288,10 +1291,10 @@
         <a:lstStyle/>
         <a:p>
           <a:r>
-            <a:rPr lang="nl-BE"/>
+            <a:rPr lang="nl-BE" dirty="0"/>
             <a:t>Conclusie</a:t>
           </a:r>
-          <a:endParaRPr lang="en-US"/>
+          <a:endParaRPr lang="en-US" dirty="0"/>
         </a:p>
       </dgm:t>
     </dgm:pt>
@@ -1493,10 +1496,10 @@
             <a:buNone/>
           </a:pPr>
           <a:r>
-            <a:rPr lang="nl-BE" sz="4600" kern="1200"/>
-            <a:t>IT dat sporten helpt</a:t>
+            <a:rPr lang="nl-BE" sz="4600" kern="1200" dirty="0"/>
+            <a:t>IT als hulpmiddel</a:t>
           </a:r>
-          <a:endParaRPr lang="en-US" sz="4600" kern="1200"/>
+          <a:endParaRPr lang="en-US" sz="4600" kern="1200" dirty="0"/>
         </a:p>
       </dsp:txBody>
       <dsp:txXfrm>
@@ -1586,10 +1589,10 @@
             <a:buNone/>
           </a:pPr>
           <a:r>
-            <a:rPr lang="nl-BE" sz="4600" kern="1200"/>
+            <a:rPr lang="nl-BE" sz="4600" kern="1200" dirty="0"/>
             <a:t>Gezondheidstracking</a:t>
           </a:r>
-          <a:endParaRPr lang="en-US" sz="4600" kern="1200"/>
+          <a:endParaRPr lang="en-US" sz="4600" kern="1200" dirty="0"/>
         </a:p>
       </dsp:txBody>
       <dsp:txXfrm>
@@ -1679,10 +1682,10 @@
             <a:buNone/>
           </a:pPr>
           <a:r>
-            <a:rPr lang="nl-BE" sz="4600" kern="1200"/>
-            <a:t>IT in sportclubs</a:t>
+            <a:rPr lang="nl-BE" sz="4600" kern="1200" dirty="0"/>
+            <a:t>IT binnen sportclubs</a:t>
           </a:r>
-          <a:endParaRPr lang="en-US" sz="4600" kern="1200"/>
+          <a:endParaRPr lang="en-US" sz="4600" kern="1200" dirty="0"/>
         </a:p>
       </dsp:txBody>
       <dsp:txXfrm>
@@ -1772,10 +1775,10 @@
             <a:buNone/>
           </a:pPr>
           <a:r>
-            <a:rPr lang="nl-BE" sz="4600" kern="1200"/>
+            <a:rPr lang="nl-BE" sz="4600" kern="1200" dirty="0"/>
             <a:t>Conclusie</a:t>
           </a:r>
-          <a:endParaRPr lang="en-US" sz="4600" kern="1200"/>
+          <a:endParaRPr lang="en-US" sz="4600" kern="1200" dirty="0"/>
         </a:p>
       </dsp:txBody>
       <dsp:txXfrm>
@@ -2988,6 +2991,681 @@
 </dgm:styleDef>
 </file>
 
+<file path=ppt/notesMasters/notesMaster1.xml><?xml version="1.0" encoding="utf-8"?>
+<p:notesMaster xmlns:a="http://schemas.openxmlformats.org/drawingml/2006/main" xmlns:r="http://schemas.openxmlformats.org/officeDocument/2006/relationships" xmlns:p="http://schemas.openxmlformats.org/presentationml/2006/main">
+  <p:cSld>
+    <p:bg>
+      <p:bgRef idx="1001">
+        <a:schemeClr val="bg1"/>
+      </p:bgRef>
+    </p:bg>
+    <p:spTree>
+      <p:nvGrpSpPr>
+        <p:cNvPr id="1" name=""/>
+        <p:cNvGrpSpPr/>
+        <p:nvPr/>
+      </p:nvGrpSpPr>
+      <p:grpSpPr>
+        <a:xfrm>
+          <a:off x="0" y="0"/>
+          <a:ext cx="0" cy="0"/>
+          <a:chOff x="0" y="0"/>
+          <a:chExt cx="0" cy="0"/>
+        </a:xfrm>
+      </p:grpSpPr>
+      <p:sp>
+        <p:nvSpPr>
+          <p:cNvPr id="2" name="Tijdelijke aanduiding voor koptekst 1"/>
+          <p:cNvSpPr>
+            <a:spLocks noGrp="1"/>
+          </p:cNvSpPr>
+          <p:nvPr>
+            <p:ph type="hdr" sz="quarter"/>
+          </p:nvPr>
+        </p:nvSpPr>
+        <p:spPr>
+          <a:xfrm>
+            <a:off x="0" y="0"/>
+            <a:ext cx="2971800" cy="458788"/>
+          </a:xfrm>
+          <a:prstGeom prst="rect">
+            <a:avLst/>
+          </a:prstGeom>
+        </p:spPr>
+        <p:txBody>
+          <a:bodyPr vert="horz" lIns="91440" tIns="45720" rIns="91440" bIns="45720" rtlCol="0"/>
+          <a:lstStyle>
+            <a:lvl1pPr algn="l">
+              <a:defRPr sz="1200"/>
+            </a:lvl1pPr>
+          </a:lstStyle>
+          <a:p>
+            <a:endParaRPr lang="nl-NL"/>
+          </a:p>
+        </p:txBody>
+      </p:sp>
+      <p:sp>
+        <p:nvSpPr>
+          <p:cNvPr id="3" name="Tijdelijke aanduiding voor datum 2"/>
+          <p:cNvSpPr>
+            <a:spLocks noGrp="1"/>
+          </p:cNvSpPr>
+          <p:nvPr>
+            <p:ph type="dt" idx="1"/>
+          </p:nvPr>
+        </p:nvSpPr>
+        <p:spPr>
+          <a:xfrm>
+            <a:off x="3884613" y="0"/>
+            <a:ext cx="2971800" cy="458788"/>
+          </a:xfrm>
+          <a:prstGeom prst="rect">
+            <a:avLst/>
+          </a:prstGeom>
+        </p:spPr>
+        <p:txBody>
+          <a:bodyPr vert="horz" lIns="91440" tIns="45720" rIns="91440" bIns="45720" rtlCol="0"/>
+          <a:lstStyle>
+            <a:lvl1pPr algn="r">
+              <a:defRPr sz="1200"/>
+            </a:lvl1pPr>
+          </a:lstStyle>
+          <a:p>
+            <a:fld id="{C722F3E1-CB26-48F9-850F-095D388C7B08}" type="datetimeFigureOut">
+              <a:rPr lang="nl-NL" smtClean="0"/>
+              <a:t>7-10-2024</a:t>
+            </a:fld>
+            <a:endParaRPr lang="nl-NL"/>
+          </a:p>
+        </p:txBody>
+      </p:sp>
+      <p:sp>
+        <p:nvSpPr>
+          <p:cNvPr id="4" name="Tijdelijke aanduiding voor dia-afbeelding 3"/>
+          <p:cNvSpPr>
+            <a:spLocks noGrp="1" noRot="1" noChangeAspect="1"/>
+          </p:cNvSpPr>
+          <p:nvPr>
+            <p:ph type="sldImg" idx="2"/>
+          </p:nvPr>
+        </p:nvSpPr>
+        <p:spPr>
+          <a:xfrm>
+            <a:off x="685800" y="1143000"/>
+            <a:ext cx="5486400" cy="3086100"/>
+          </a:xfrm>
+          <a:prstGeom prst="rect">
+            <a:avLst/>
+          </a:prstGeom>
+          <a:noFill/>
+          <a:ln w="12700">
+            <a:solidFill>
+              <a:prstClr val="black"/>
+            </a:solidFill>
+          </a:ln>
+        </p:spPr>
+        <p:txBody>
+          <a:bodyPr vert="horz" lIns="91440" tIns="45720" rIns="91440" bIns="45720" rtlCol="0" anchor="ctr"/>
+          <a:lstStyle/>
+          <a:p>
+            <a:endParaRPr lang="nl-NL"/>
+          </a:p>
+        </p:txBody>
+      </p:sp>
+      <p:sp>
+        <p:nvSpPr>
+          <p:cNvPr id="5" name="Tijdelijke aanduiding voor notities 4"/>
+          <p:cNvSpPr>
+            <a:spLocks noGrp="1"/>
+          </p:cNvSpPr>
+          <p:nvPr>
+            <p:ph type="body" sz="quarter" idx="3"/>
+          </p:nvPr>
+        </p:nvSpPr>
+        <p:spPr>
+          <a:xfrm>
+            <a:off x="685800" y="4400550"/>
+            <a:ext cx="5486400" cy="3600450"/>
+          </a:xfrm>
+          <a:prstGeom prst="rect">
+            <a:avLst/>
+          </a:prstGeom>
+        </p:spPr>
+        <p:txBody>
+          <a:bodyPr vert="horz" lIns="91440" tIns="45720" rIns="91440" bIns="45720" rtlCol="0"/>
+          <a:lstStyle/>
+          <a:p>
+            <a:pPr lvl="0"/>
+            <a:r>
+              <a:rPr lang="nl-NL"/>
+              <a:t>Klikken om de tekststijl van het model te bewerken</a:t>
+            </a:r>
+          </a:p>
+          <a:p>
+            <a:pPr lvl="1"/>
+            <a:r>
+              <a:rPr lang="nl-NL"/>
+              <a:t>Tweede niveau</a:t>
+            </a:r>
+          </a:p>
+          <a:p>
+            <a:pPr lvl="2"/>
+            <a:r>
+              <a:rPr lang="nl-NL"/>
+              <a:t>Derde niveau</a:t>
+            </a:r>
+          </a:p>
+          <a:p>
+            <a:pPr lvl="3"/>
+            <a:r>
+              <a:rPr lang="nl-NL"/>
+              <a:t>Vierde niveau</a:t>
+            </a:r>
+          </a:p>
+          <a:p>
+            <a:pPr lvl="4"/>
+            <a:r>
+              <a:rPr lang="nl-NL"/>
+              <a:t>Vijfde niveau</a:t>
+            </a:r>
+          </a:p>
+        </p:txBody>
+      </p:sp>
+      <p:sp>
+        <p:nvSpPr>
+          <p:cNvPr id="6" name="Tijdelijke aanduiding voor voettekst 5"/>
+          <p:cNvSpPr>
+            <a:spLocks noGrp="1"/>
+          </p:cNvSpPr>
+          <p:nvPr>
+            <p:ph type="ftr" sz="quarter" idx="4"/>
+          </p:nvPr>
+        </p:nvSpPr>
+        <p:spPr>
+          <a:xfrm>
+            <a:off x="0" y="8685213"/>
+            <a:ext cx="2971800" cy="458787"/>
+          </a:xfrm>
+          <a:prstGeom prst="rect">
+            <a:avLst/>
+          </a:prstGeom>
+        </p:spPr>
+        <p:txBody>
+          <a:bodyPr vert="horz" lIns="91440" tIns="45720" rIns="91440" bIns="45720" rtlCol="0" anchor="b"/>
+          <a:lstStyle>
+            <a:lvl1pPr algn="l">
+              <a:defRPr sz="1200"/>
+            </a:lvl1pPr>
+          </a:lstStyle>
+          <a:p>
+            <a:endParaRPr lang="nl-NL"/>
+          </a:p>
+        </p:txBody>
+      </p:sp>
+      <p:sp>
+        <p:nvSpPr>
+          <p:cNvPr id="7" name="Tijdelijke aanduiding voor dianummer 6"/>
+          <p:cNvSpPr>
+            <a:spLocks noGrp="1"/>
+          </p:cNvSpPr>
+          <p:nvPr>
+            <p:ph type="sldNum" sz="quarter" idx="5"/>
+          </p:nvPr>
+        </p:nvSpPr>
+        <p:spPr>
+          <a:xfrm>
+            <a:off x="3884613" y="8685213"/>
+            <a:ext cx="2971800" cy="458787"/>
+          </a:xfrm>
+          <a:prstGeom prst="rect">
+            <a:avLst/>
+          </a:prstGeom>
+        </p:spPr>
+        <p:txBody>
+          <a:bodyPr vert="horz" lIns="91440" tIns="45720" rIns="91440" bIns="45720" rtlCol="0" anchor="b"/>
+          <a:lstStyle>
+            <a:lvl1pPr algn="r">
+              <a:defRPr sz="1200"/>
+            </a:lvl1pPr>
+          </a:lstStyle>
+          <a:p>
+            <a:fld id="{AB363037-1310-4CF1-84A3-3BF13FF51853}" type="slidenum">
+              <a:rPr lang="nl-NL" smtClean="0"/>
+              <a:t>‹nr.›</a:t>
+            </a:fld>
+            <a:endParaRPr lang="nl-NL"/>
+          </a:p>
+        </p:txBody>
+      </p:sp>
+    </p:spTree>
+    <p:extLst>
+      <p:ext uri="{BB962C8B-B14F-4D97-AF65-F5344CB8AC3E}">
+        <p14:creationId xmlns:p14="http://schemas.microsoft.com/office/powerpoint/2010/main" val="1922099806"/>
+      </p:ext>
+    </p:extLst>
+  </p:cSld>
+  <p:clrMap bg1="lt1" tx1="dk1" bg2="lt2" tx2="dk2" accent1="accent1" accent2="accent2" accent3="accent3" accent4="accent4" accent5="accent5" accent6="accent6" hlink="hlink" folHlink="folHlink"/>
+  <p:notesStyle>
+    <a:lvl1pPr marL="0" algn="l" defTabSz="914400" rtl="0" eaLnBrk="1" latinLnBrk="0" hangingPunct="1">
+      <a:defRPr sz="1200" kern="1200">
+        <a:solidFill>
+          <a:schemeClr val="tx1"/>
+        </a:solidFill>
+        <a:latin typeface="+mn-lt"/>
+        <a:ea typeface="+mn-ea"/>
+        <a:cs typeface="+mn-cs"/>
+      </a:defRPr>
+    </a:lvl1pPr>
+    <a:lvl2pPr marL="457200" algn="l" defTabSz="914400" rtl="0" eaLnBrk="1" latinLnBrk="0" hangingPunct="1">
+      <a:defRPr sz="1200" kern="1200">
+        <a:solidFill>
+          <a:schemeClr val="tx1"/>
+        </a:solidFill>
+        <a:latin typeface="+mn-lt"/>
+        <a:ea typeface="+mn-ea"/>
+        <a:cs typeface="+mn-cs"/>
+      </a:defRPr>
+    </a:lvl2pPr>
+    <a:lvl3pPr marL="914400" algn="l" defTabSz="914400" rtl="0" eaLnBrk="1" latinLnBrk="0" hangingPunct="1">
+      <a:defRPr sz="1200" kern="1200">
+        <a:solidFill>
+          <a:schemeClr val="tx1"/>
+        </a:solidFill>
+        <a:latin typeface="+mn-lt"/>
+        <a:ea typeface="+mn-ea"/>
+        <a:cs typeface="+mn-cs"/>
+      </a:defRPr>
+    </a:lvl3pPr>
+    <a:lvl4pPr marL="1371600" algn="l" defTabSz="914400" rtl="0" eaLnBrk="1" latinLnBrk="0" hangingPunct="1">
+      <a:defRPr sz="1200" kern="1200">
+        <a:solidFill>
+          <a:schemeClr val="tx1"/>
+        </a:solidFill>
+        <a:latin typeface="+mn-lt"/>
+        <a:ea typeface="+mn-ea"/>
+        <a:cs typeface="+mn-cs"/>
+      </a:defRPr>
+    </a:lvl4pPr>
+    <a:lvl5pPr marL="1828800" algn="l" defTabSz="914400" rtl="0" eaLnBrk="1" latinLnBrk="0" hangingPunct="1">
+      <a:defRPr sz="1200" kern="1200">
+        <a:solidFill>
+          <a:schemeClr val="tx1"/>
+        </a:solidFill>
+        <a:latin typeface="+mn-lt"/>
+        <a:ea typeface="+mn-ea"/>
+        <a:cs typeface="+mn-cs"/>
+      </a:defRPr>
+    </a:lvl5pPr>
+    <a:lvl6pPr marL="2286000" algn="l" defTabSz="914400" rtl="0" eaLnBrk="1" latinLnBrk="0" hangingPunct="1">
+      <a:defRPr sz="1200" kern="1200">
+        <a:solidFill>
+          <a:schemeClr val="tx1"/>
+        </a:solidFill>
+        <a:latin typeface="+mn-lt"/>
+        <a:ea typeface="+mn-ea"/>
+        <a:cs typeface="+mn-cs"/>
+      </a:defRPr>
+    </a:lvl6pPr>
+    <a:lvl7pPr marL="2743200" algn="l" defTabSz="914400" rtl="0" eaLnBrk="1" latinLnBrk="0" hangingPunct="1">
+      <a:defRPr sz="1200" kern="1200">
+        <a:solidFill>
+          <a:schemeClr val="tx1"/>
+        </a:solidFill>
+        <a:latin typeface="+mn-lt"/>
+        <a:ea typeface="+mn-ea"/>
+        <a:cs typeface="+mn-cs"/>
+      </a:defRPr>
+    </a:lvl7pPr>
+    <a:lvl8pPr marL="3200400" algn="l" defTabSz="914400" rtl="0" eaLnBrk="1" latinLnBrk="0" hangingPunct="1">
+      <a:defRPr sz="1200" kern="1200">
+        <a:solidFill>
+          <a:schemeClr val="tx1"/>
+        </a:solidFill>
+        <a:latin typeface="+mn-lt"/>
+        <a:ea typeface="+mn-ea"/>
+        <a:cs typeface="+mn-cs"/>
+      </a:defRPr>
+    </a:lvl8pPr>
+    <a:lvl9pPr marL="3657600" algn="l" defTabSz="914400" rtl="0" eaLnBrk="1" latinLnBrk="0" hangingPunct="1">
+      <a:defRPr sz="1200" kern="1200">
+        <a:solidFill>
+          <a:schemeClr val="tx1"/>
+        </a:solidFill>
+        <a:latin typeface="+mn-lt"/>
+        <a:ea typeface="+mn-ea"/>
+        <a:cs typeface="+mn-cs"/>
+      </a:defRPr>
+    </a:lvl9pPr>
+  </p:notesStyle>
+</p:notesMaster>
+</file>
+
+<file path=ppt/notesSlides/notesSlide1.xml><?xml version="1.0" encoding="utf-8"?>
+<p:notes xmlns:a="http://schemas.openxmlformats.org/drawingml/2006/main" xmlns:r="http://schemas.openxmlformats.org/officeDocument/2006/relationships" xmlns:p="http://schemas.openxmlformats.org/presentationml/2006/main">
+  <p:cSld>
+    <p:spTree>
+      <p:nvGrpSpPr>
+        <p:cNvPr id="1" name=""/>
+        <p:cNvGrpSpPr/>
+        <p:nvPr/>
+      </p:nvGrpSpPr>
+      <p:grpSpPr>
+        <a:xfrm>
+          <a:off x="0" y="0"/>
+          <a:ext cx="0" cy="0"/>
+          <a:chOff x="0" y="0"/>
+          <a:chExt cx="0" cy="0"/>
+        </a:xfrm>
+      </p:grpSpPr>
+      <p:sp>
+        <p:nvSpPr>
+          <p:cNvPr id="2" name="Tijdelijke aanduiding voor dia-afbeelding 1"/>
+          <p:cNvSpPr>
+            <a:spLocks noGrp="1" noRot="1" noChangeAspect="1"/>
+          </p:cNvSpPr>
+          <p:nvPr>
+            <p:ph type="sldImg"/>
+          </p:nvPr>
+        </p:nvSpPr>
+        <p:spPr/>
+      </p:sp>
+      <p:sp>
+        <p:nvSpPr>
+          <p:cNvPr id="3" name="Tijdelijke aanduiding voor notities 2"/>
+          <p:cNvSpPr>
+            <a:spLocks noGrp="1"/>
+          </p:cNvSpPr>
+          <p:nvPr>
+            <p:ph type="body" idx="1"/>
+          </p:nvPr>
+        </p:nvSpPr>
+        <p:spPr/>
+        <p:txBody>
+          <a:bodyPr/>
+          <a:lstStyle/>
+          <a:p>
+            <a:r>
+              <a:rPr lang="nl-BE" sz="3200" dirty="0"/>
+              <a:t>Sporttoestellen</a:t>
+            </a:r>
+          </a:p>
+          <a:p>
+            <a:r>
+              <a:rPr lang="nl-BE" sz="3200" dirty="0"/>
+              <a:t>Krachtmetingen</a:t>
+            </a:r>
+          </a:p>
+          <a:p>
+            <a:r>
+              <a:rPr lang="nl-BE" sz="3200" dirty="0"/>
+              <a:t>Revalidatie</a:t>
+            </a:r>
+          </a:p>
+          <a:p>
+            <a:r>
+              <a:rPr lang="nl-BE" sz="3200" dirty="0"/>
+              <a:t>Hartslag</a:t>
+            </a:r>
+          </a:p>
+          <a:p>
+            <a:pPr lvl="1"/>
+            <a:r>
+              <a:rPr lang="nl-BE" sz="3000" dirty="0"/>
+              <a:t>Meten</a:t>
+            </a:r>
+          </a:p>
+          <a:p>
+            <a:pPr lvl="1"/>
+            <a:r>
+              <a:rPr lang="nl-BE" sz="3000" dirty="0"/>
+              <a:t>Stabiel houden (pacemaker)</a:t>
+            </a:r>
+          </a:p>
+          <a:p>
+            <a:endParaRPr lang="nl-NL" dirty="0"/>
+          </a:p>
+        </p:txBody>
+      </p:sp>
+      <p:sp>
+        <p:nvSpPr>
+          <p:cNvPr id="4" name="Tijdelijke aanduiding voor dianummer 3"/>
+          <p:cNvSpPr>
+            <a:spLocks noGrp="1"/>
+          </p:cNvSpPr>
+          <p:nvPr>
+            <p:ph type="sldNum" sz="quarter" idx="5"/>
+          </p:nvPr>
+        </p:nvSpPr>
+        <p:spPr/>
+        <p:txBody>
+          <a:bodyPr/>
+          <a:lstStyle/>
+          <a:p>
+            <a:fld id="{AB363037-1310-4CF1-84A3-3BF13FF51853}" type="slidenum">
+              <a:rPr lang="nl-NL" smtClean="0"/>
+              <a:t>3</a:t>
+            </a:fld>
+            <a:endParaRPr lang="nl-NL"/>
+          </a:p>
+        </p:txBody>
+      </p:sp>
+    </p:spTree>
+    <p:extLst>
+      <p:ext uri="{BB962C8B-B14F-4D97-AF65-F5344CB8AC3E}">
+        <p14:creationId xmlns:p14="http://schemas.microsoft.com/office/powerpoint/2010/main" val="2341590838"/>
+      </p:ext>
+    </p:extLst>
+  </p:cSld>
+  <p:clrMapOvr>
+    <a:masterClrMapping/>
+  </p:clrMapOvr>
+</p:notes>
+</file>
+
+<file path=ppt/notesSlides/notesSlide2.xml><?xml version="1.0" encoding="utf-8"?>
+<p:notes xmlns:a="http://schemas.openxmlformats.org/drawingml/2006/main" xmlns:r="http://schemas.openxmlformats.org/officeDocument/2006/relationships" xmlns:p="http://schemas.openxmlformats.org/presentationml/2006/main">
+  <p:cSld>
+    <p:spTree>
+      <p:nvGrpSpPr>
+        <p:cNvPr id="1" name=""/>
+        <p:cNvGrpSpPr/>
+        <p:nvPr/>
+      </p:nvGrpSpPr>
+      <p:grpSpPr>
+        <a:xfrm>
+          <a:off x="0" y="0"/>
+          <a:ext cx="0" cy="0"/>
+          <a:chOff x="0" y="0"/>
+          <a:chExt cx="0" cy="0"/>
+        </a:xfrm>
+      </p:grpSpPr>
+      <p:sp>
+        <p:nvSpPr>
+          <p:cNvPr id="2" name="Tijdelijke aanduiding voor dia-afbeelding 1"/>
+          <p:cNvSpPr>
+            <a:spLocks noGrp="1" noRot="1" noChangeAspect="1"/>
+          </p:cNvSpPr>
+          <p:nvPr>
+            <p:ph type="sldImg"/>
+          </p:nvPr>
+        </p:nvSpPr>
+        <p:spPr/>
+      </p:sp>
+      <p:sp>
+        <p:nvSpPr>
+          <p:cNvPr id="3" name="Tijdelijke aanduiding voor notities 2"/>
+          <p:cNvSpPr>
+            <a:spLocks noGrp="1"/>
+          </p:cNvSpPr>
+          <p:nvPr>
+            <p:ph type="body" idx="1"/>
+          </p:nvPr>
+        </p:nvSpPr>
+        <p:spPr/>
+        <p:txBody>
+          <a:bodyPr/>
+          <a:lstStyle/>
+          <a:p>
+            <a:r>
+              <a:rPr lang="nl-BE" sz="1200" dirty="0"/>
+              <a:t>Database bijhouden</a:t>
+            </a:r>
+          </a:p>
+          <a:p>
+            <a:r>
+              <a:rPr lang="nl-BE" sz="1200" dirty="0"/>
+              <a:t>Scoretelling</a:t>
+            </a:r>
+          </a:p>
+          <a:p>
+            <a:r>
+              <a:rPr lang="nl-BE" sz="1200" dirty="0"/>
+              <a:t>Websites toeschouwers</a:t>
+            </a:r>
+          </a:p>
+          <a:p>
+            <a:r>
+              <a:rPr lang="nl-BE" sz="1200" dirty="0"/>
+              <a:t>Klassementen bijhouden</a:t>
+            </a:r>
+          </a:p>
+          <a:p>
+            <a:endParaRPr lang="nl-NL" dirty="0"/>
+          </a:p>
+        </p:txBody>
+      </p:sp>
+      <p:sp>
+        <p:nvSpPr>
+          <p:cNvPr id="4" name="Tijdelijke aanduiding voor dianummer 3"/>
+          <p:cNvSpPr>
+            <a:spLocks noGrp="1"/>
+          </p:cNvSpPr>
+          <p:nvPr>
+            <p:ph type="sldNum" sz="quarter" idx="5"/>
+          </p:nvPr>
+        </p:nvSpPr>
+        <p:spPr/>
+        <p:txBody>
+          <a:bodyPr/>
+          <a:lstStyle/>
+          <a:p>
+            <a:fld id="{AB363037-1310-4CF1-84A3-3BF13FF51853}" type="slidenum">
+              <a:rPr lang="nl-NL" smtClean="0"/>
+              <a:t>5</a:t>
+            </a:fld>
+            <a:endParaRPr lang="nl-NL"/>
+          </a:p>
+        </p:txBody>
+      </p:sp>
+    </p:spTree>
+    <p:extLst>
+      <p:ext uri="{BB962C8B-B14F-4D97-AF65-F5344CB8AC3E}">
+        <p14:creationId xmlns:p14="http://schemas.microsoft.com/office/powerpoint/2010/main" val="895495498"/>
+      </p:ext>
+    </p:extLst>
+  </p:cSld>
+  <p:clrMapOvr>
+    <a:masterClrMapping/>
+  </p:clrMapOvr>
+</p:notes>
+</file>
+
+<file path=ppt/notesSlides/notesSlide3.xml><?xml version="1.0" encoding="utf-8"?>
+<p:notes xmlns:a="http://schemas.openxmlformats.org/drawingml/2006/main" xmlns:r="http://schemas.openxmlformats.org/officeDocument/2006/relationships" xmlns:p="http://schemas.openxmlformats.org/presentationml/2006/main">
+  <p:cSld>
+    <p:spTree>
+      <p:nvGrpSpPr>
+        <p:cNvPr id="1" name=""/>
+        <p:cNvGrpSpPr/>
+        <p:nvPr/>
+      </p:nvGrpSpPr>
+      <p:grpSpPr>
+        <a:xfrm>
+          <a:off x="0" y="0"/>
+          <a:ext cx="0" cy="0"/>
+          <a:chOff x="0" y="0"/>
+          <a:chExt cx="0" cy="0"/>
+        </a:xfrm>
+      </p:grpSpPr>
+      <p:sp>
+        <p:nvSpPr>
+          <p:cNvPr id="2" name="Tijdelijke aanduiding voor dia-afbeelding 1"/>
+          <p:cNvSpPr>
+            <a:spLocks noGrp="1" noRot="1" noChangeAspect="1"/>
+          </p:cNvSpPr>
+          <p:nvPr>
+            <p:ph type="sldImg"/>
+          </p:nvPr>
+        </p:nvSpPr>
+        <p:spPr/>
+      </p:sp>
+      <p:sp>
+        <p:nvSpPr>
+          <p:cNvPr id="3" name="Tijdelijke aanduiding voor notities 2"/>
+          <p:cNvSpPr>
+            <a:spLocks noGrp="1"/>
+          </p:cNvSpPr>
+          <p:nvPr>
+            <p:ph type="body" idx="1"/>
+          </p:nvPr>
+        </p:nvSpPr>
+        <p:spPr/>
+        <p:txBody>
+          <a:bodyPr/>
+          <a:lstStyle/>
+          <a:p>
+            <a:r>
+              <a:rPr lang="nl-BE" sz="1200" dirty="0"/>
+              <a:t>Diverse gebruikswijzen</a:t>
+            </a:r>
+          </a:p>
+          <a:p>
+            <a:r>
+              <a:rPr lang="nl-BE" sz="1200" dirty="0"/>
+              <a:t>Niet enkel informatie bijhouden</a:t>
+            </a:r>
+          </a:p>
+          <a:p>
+            <a:endParaRPr lang="nl-NL" dirty="0"/>
+          </a:p>
+        </p:txBody>
+      </p:sp>
+      <p:sp>
+        <p:nvSpPr>
+          <p:cNvPr id="4" name="Tijdelijke aanduiding voor dianummer 3"/>
+          <p:cNvSpPr>
+            <a:spLocks noGrp="1"/>
+          </p:cNvSpPr>
+          <p:nvPr>
+            <p:ph type="sldNum" sz="quarter" idx="5"/>
+          </p:nvPr>
+        </p:nvSpPr>
+        <p:spPr/>
+        <p:txBody>
+          <a:bodyPr/>
+          <a:lstStyle/>
+          <a:p>
+            <a:fld id="{AB363037-1310-4CF1-84A3-3BF13FF51853}" type="slidenum">
+              <a:rPr lang="nl-NL" smtClean="0"/>
+              <a:t>6</a:t>
+            </a:fld>
+            <a:endParaRPr lang="nl-NL"/>
+          </a:p>
+        </p:txBody>
+      </p:sp>
+    </p:spTree>
+    <p:extLst>
+      <p:ext uri="{BB962C8B-B14F-4D97-AF65-F5344CB8AC3E}">
+        <p14:creationId xmlns:p14="http://schemas.microsoft.com/office/powerpoint/2010/main" val="1812045418"/>
+      </p:ext>
+    </p:extLst>
+  </p:cSld>
+  <p:clrMapOvr>
+    <a:masterClrMapping/>
+  </p:clrMapOvr>
+</p:notes>
+</file>
+
 <file path=ppt/slideLayouts/slideLayout1.xml><?xml version="1.0" encoding="utf-8"?>
 <p:sldLayout xmlns:a="http://schemas.openxmlformats.org/drawingml/2006/main" xmlns:r="http://schemas.openxmlformats.org/officeDocument/2006/relationships" xmlns:p="http://schemas.openxmlformats.org/presentationml/2006/main" type="title" preserve="1">
   <p:cSld name="Titeldia">
@@ -3218,7 +3896,7 @@
             <a:fld id="{B61BEF0D-F0BB-DE4B-95CE-6DB70DBA9567}" type="datetimeFigureOut">
               <a:rPr lang="en-US" dirty="0"/>
               <a:pPr/>
-              <a:t>10/6/2024</a:t>
+              <a:t>10/7/2024</a:t>
             </a:fld>
             <a:endParaRPr lang="en-US" dirty="0"/>
           </a:p>
@@ -3549,7 +4227,7 @@
             <a:fld id="{B61BEF0D-F0BB-DE4B-95CE-6DB70DBA9567}" type="datetimeFigureOut">
               <a:rPr lang="en-US" dirty="0"/>
               <a:pPr/>
-              <a:t>10/6/2024</a:t>
+              <a:t>10/7/2024</a:t>
             </a:fld>
             <a:endParaRPr lang="en-US" dirty="0"/>
           </a:p>
@@ -3824,7 +4502,7 @@
             <a:fld id="{B61BEF0D-F0BB-DE4B-95CE-6DB70DBA9567}" type="datetimeFigureOut">
               <a:rPr lang="en-US" dirty="0"/>
               <a:pPr/>
-              <a:t>10/6/2024</a:t>
+              <a:t>10/7/2024</a:t>
             </a:fld>
             <a:endParaRPr lang="en-US" dirty="0"/>
           </a:p>
@@ -4389,7 +5067,7 @@
             <a:fld id="{B61BEF0D-F0BB-DE4B-95CE-6DB70DBA9567}" type="datetimeFigureOut">
               <a:rPr lang="en-US" dirty="0"/>
               <a:pPr/>
-              <a:t>10/6/2024</a:t>
+              <a:t>10/7/2024</a:t>
             </a:fld>
             <a:endParaRPr lang="en-US" dirty="0"/>
           </a:p>
@@ -4664,7 +5342,7 @@
             <a:fld id="{B61BEF0D-F0BB-DE4B-95CE-6DB70DBA9567}" type="datetimeFigureOut">
               <a:rPr lang="en-US" dirty="0"/>
               <a:pPr/>
-              <a:t>10/6/2024</a:t>
+              <a:t>10/7/2024</a:t>
             </a:fld>
             <a:endParaRPr lang="en-US" dirty="0"/>
           </a:p>
@@ -5223,7 +5901,7 @@
             <a:fld id="{B61BEF0D-F0BB-DE4B-95CE-6DB70DBA9567}" type="datetimeFigureOut">
               <a:rPr lang="en-US" dirty="0"/>
               <a:pPr/>
-              <a:t>10/6/2024</a:t>
+              <a:t>10/7/2024</a:t>
             </a:fld>
             <a:endParaRPr lang="en-US" dirty="0"/>
           </a:p>
@@ -5547,7 +6225,7 @@
             <a:fld id="{B61BEF0D-F0BB-DE4B-95CE-6DB70DBA9567}" type="datetimeFigureOut">
               <a:rPr lang="en-US" dirty="0"/>
               <a:pPr/>
-              <a:t>10/6/2024</a:t>
+              <a:t>10/7/2024</a:t>
             </a:fld>
             <a:endParaRPr lang="en-US" dirty="0"/>
           </a:p>
@@ -5721,7 +6399,7 @@
             <a:fld id="{B61BEF0D-F0BB-DE4B-95CE-6DB70DBA9567}" type="datetimeFigureOut">
               <a:rPr lang="en-US" dirty="0"/>
               <a:pPr/>
-              <a:t>10/6/2024</a:t>
+              <a:t>10/7/2024</a:t>
             </a:fld>
             <a:endParaRPr lang="en-US" dirty="0"/>
           </a:p>
@@ -5956,7 +6634,7 @@
             <a:fld id="{B61BEF0D-F0BB-DE4B-95CE-6DB70DBA9567}" type="datetimeFigureOut">
               <a:rPr lang="en-US" dirty="0"/>
               <a:pPr/>
-              <a:t>10/6/2024</a:t>
+              <a:t>10/7/2024</a:t>
             </a:fld>
             <a:endParaRPr lang="en-US" dirty="0"/>
           </a:p>
@@ -6153,7 +6831,7 @@
             <a:fld id="{B61BEF0D-F0BB-DE4B-95CE-6DB70DBA9567}" type="datetimeFigureOut">
               <a:rPr lang="en-US" dirty="0"/>
               <a:pPr/>
-              <a:t>10/6/2024</a:t>
+              <a:t>10/7/2024</a:t>
             </a:fld>
             <a:endParaRPr lang="en-US" dirty="0"/>
           </a:p>
@@ -6426,7 +7104,7 @@
             <a:fld id="{B61BEF0D-F0BB-DE4B-95CE-6DB70DBA9567}" type="datetimeFigureOut">
               <a:rPr lang="en-US" dirty="0"/>
               <a:pPr/>
-              <a:t>10/6/2024</a:t>
+              <a:t>10/7/2024</a:t>
             </a:fld>
             <a:endParaRPr lang="en-US" dirty="0"/>
           </a:p>
@@ -6689,7 +7367,7 @@
             <a:fld id="{B61BEF0D-F0BB-DE4B-95CE-6DB70DBA9567}" type="datetimeFigureOut">
               <a:rPr lang="en-US" dirty="0"/>
               <a:pPr/>
-              <a:t>10/6/2024</a:t>
+              <a:t>10/7/2024</a:t>
             </a:fld>
             <a:endParaRPr lang="en-US" dirty="0"/>
           </a:p>
@@ -7060,7 +7738,7 @@
             <a:fld id="{B61BEF0D-F0BB-DE4B-95CE-6DB70DBA9567}" type="datetimeFigureOut">
               <a:rPr lang="en-US" dirty="0"/>
               <a:pPr/>
-              <a:t>10/6/2024</a:t>
+              <a:t>10/7/2024</a:t>
             </a:fld>
             <a:endParaRPr lang="en-US" dirty="0"/>
           </a:p>
@@ -7205,7 +7883,7 @@
             <a:fld id="{B61BEF0D-F0BB-DE4B-95CE-6DB70DBA9567}" type="datetimeFigureOut">
               <a:rPr lang="en-US" dirty="0"/>
               <a:pPr/>
-              <a:t>10/6/2024</a:t>
+              <a:t>10/7/2024</a:t>
             </a:fld>
             <a:endParaRPr lang="en-US" dirty="0"/>
           </a:p>
@@ -7327,7 +8005,7 @@
             <a:fld id="{B61BEF0D-F0BB-DE4B-95CE-6DB70DBA9567}" type="datetimeFigureOut">
               <a:rPr lang="en-US" dirty="0"/>
               <a:pPr/>
-              <a:t>10/6/2024</a:t>
+              <a:t>10/7/2024</a:t>
             </a:fld>
             <a:endParaRPr lang="en-US" dirty="0"/>
           </a:p>
@@ -7609,7 +8287,7 @@
             <a:fld id="{B61BEF0D-F0BB-DE4B-95CE-6DB70DBA9567}" type="datetimeFigureOut">
               <a:rPr lang="en-US" dirty="0"/>
               <a:pPr/>
-              <a:t>10/6/2024</a:t>
+              <a:t>10/7/2024</a:t>
             </a:fld>
             <a:endParaRPr lang="en-US" dirty="0"/>
           </a:p>
@@ -7930,7 +8608,7 @@
             <a:fld id="{B61BEF0D-F0BB-DE4B-95CE-6DB70DBA9567}" type="datetimeFigureOut">
               <a:rPr lang="en-US" dirty="0"/>
               <a:pPr/>
-              <a:t>10/6/2024</a:t>
+              <a:t>10/7/2024</a:t>
             </a:fld>
             <a:endParaRPr lang="en-US" dirty="0"/>
           </a:p>
@@ -8141,7 +8819,7 @@
             <a:fld id="{B61BEF0D-F0BB-DE4B-95CE-6DB70DBA9567}" type="datetimeFigureOut">
               <a:rPr lang="en-US" dirty="0"/>
               <a:pPr/>
-              <a:t>10/6/2024</a:t>
+              <a:t>10/7/2024</a:t>
             </a:fld>
             <a:endParaRPr lang="en-US" dirty="0"/>
           </a:p>
@@ -9084,7 +9762,7 @@
             <p:ph idx="1"/>
             <p:extLst>
               <p:ext uri="{D42A27DB-BD31-4B8C-83A1-F6EECF244321}">
-                <p14:modId xmlns:p14="http://schemas.microsoft.com/office/powerpoint/2010/main" val="185748636"/>
+                <p14:modId xmlns:p14="http://schemas.microsoft.com/office/powerpoint/2010/main" val="2060882439"/>
               </p:ext>
             </p:extLst>
           </p:nvPr>
@@ -9154,7 +9832,7 @@
           <a:p>
             <a:r>
               <a:rPr lang="nl-BE" sz="4800" dirty="0"/>
-              <a:t>IT dat sporten helpt</a:t>
+              <a:t>IT als hulpmiddel</a:t>
             </a:r>
           </a:p>
         </p:txBody>
@@ -9178,47 +9856,9 @@
         <p:spPr/>
         <p:txBody>
           <a:bodyPr>
-            <a:normAutofit lnSpcReduction="10000"/>
+            <a:normAutofit/>
           </a:bodyPr>
           <a:lstStyle/>
-          <a:p>
-            <a:r>
-              <a:rPr lang="nl-BE" sz="3200" dirty="0"/>
-              <a:t>Sporttoestellen</a:t>
-            </a:r>
-          </a:p>
-          <a:p>
-            <a:r>
-              <a:rPr lang="nl-BE" sz="3200" dirty="0"/>
-              <a:t>Krachtmetingen</a:t>
-            </a:r>
-          </a:p>
-          <a:p>
-            <a:r>
-              <a:rPr lang="nl-BE" sz="3200" dirty="0"/>
-              <a:t>Revalidatie</a:t>
-            </a:r>
-          </a:p>
-          <a:p>
-            <a:r>
-              <a:rPr lang="nl-BE" sz="3200" dirty="0"/>
-              <a:t>Hartslag</a:t>
-            </a:r>
-          </a:p>
-          <a:p>
-            <a:pPr lvl="1"/>
-            <a:r>
-              <a:rPr lang="nl-BE" sz="3000" dirty="0"/>
-              <a:t>Meten</a:t>
-            </a:r>
-          </a:p>
-          <a:p>
-            <a:pPr lvl="1"/>
-            <a:r>
-              <a:rPr lang="nl-BE" sz="3000" dirty="0"/>
-              <a:t>Stabiel houden (pacemaker)</a:t>
-            </a:r>
-          </a:p>
           <a:p>
             <a:endParaRPr lang="nl-BE" sz="3200" dirty="0"/>
           </a:p>
@@ -9239,7 +9879,7 @@
           <p:nvPr/>
         </p:nvPicPr>
         <p:blipFill>
-          <a:blip r:embed="rId2">
+          <a:blip r:embed="rId3">
             <a:extLst>
               <a:ext uri="{28A0092B-C50C-407E-A947-70E740481C1C}">
                 <a14:useLocalDpi xmlns:a14="http://schemas.microsoft.com/office/drawing/2010/main" val="0"/>
@@ -9502,7 +10142,7 @@
           <a:p>
             <a:r>
               <a:rPr lang="nl-BE" sz="4800" dirty="0"/>
-              <a:t>IT in sportclubs</a:t>
+              <a:t>IT binnen sportclubs</a:t>
             </a:r>
           </a:p>
         </p:txBody>
@@ -9530,28 +10170,7 @@
           </a:bodyPr>
           <a:lstStyle/>
           <a:p>
-            <a:r>
-              <a:rPr lang="nl-BE" sz="3200" dirty="0"/>
-              <a:t>Database bijhouden</a:t>
-            </a:r>
-          </a:p>
-          <a:p>
-            <a:r>
-              <a:rPr lang="nl-BE" sz="3200" dirty="0"/>
-              <a:t>Scoretelling</a:t>
-            </a:r>
-          </a:p>
-          <a:p>
-            <a:r>
-              <a:rPr lang="nl-BE" sz="3200" dirty="0"/>
-              <a:t>Websites toeschouwers</a:t>
-            </a:r>
-          </a:p>
-          <a:p>
-            <a:r>
-              <a:rPr lang="nl-BE" sz="3200" dirty="0"/>
-              <a:t>Klassementen bijhouden</a:t>
-            </a:r>
+            <a:endParaRPr lang="nl-BE" sz="3200" dirty="0"/>
           </a:p>
         </p:txBody>
       </p:sp>
@@ -9638,16 +10257,7 @@
           </a:bodyPr>
           <a:lstStyle/>
           <a:p>
-            <a:r>
-              <a:rPr lang="nl-BE" sz="3200" dirty="0"/>
-              <a:t>Diverse gebruikswijzen</a:t>
-            </a:r>
-          </a:p>
-          <a:p>
-            <a:r>
-              <a:rPr lang="nl-BE" sz="3200" dirty="0"/>
-              <a:t>Niet enkel informatie bijhouden</a:t>
-            </a:r>
+            <a:endParaRPr lang="nl-BE" sz="3200" dirty="0"/>
           </a:p>
         </p:txBody>
       </p:sp>
@@ -9734,10 +10344,7 @@
           </a:bodyPr>
           <a:lstStyle/>
           <a:p>
-            <a:r>
-              <a:rPr lang="nl-BE" sz="3200" dirty="0"/>
-              <a:t>AA</a:t>
-            </a:r>
+            <a:endParaRPr lang="nl-BE" sz="3200" dirty="0"/>
           </a:p>
         </p:txBody>
       </p:sp>
@@ -10001,4 +10608,319 @@
     </a:ext>
   </a:extLst>
 </a:theme>
+</file>
+
+<file path=ppt/theme/theme2.xml><?xml version="1.0" encoding="utf-8"?>
+<a:theme xmlns:a="http://schemas.openxmlformats.org/drawingml/2006/main" name="Kantoorthema">
+  <a:themeElements>
+    <a:clrScheme name="Office">
+      <a:dk1>
+        <a:sysClr val="windowText" lastClr="000000"/>
+      </a:dk1>
+      <a:lt1>
+        <a:sysClr val="window" lastClr="FFFFFF"/>
+      </a:lt1>
+      <a:dk2>
+        <a:srgbClr val="0E2841"/>
+      </a:dk2>
+      <a:lt2>
+        <a:srgbClr val="E8E8E8"/>
+      </a:lt2>
+      <a:accent1>
+        <a:srgbClr val="156082"/>
+      </a:accent1>
+      <a:accent2>
+        <a:srgbClr val="E97132"/>
+      </a:accent2>
+      <a:accent3>
+        <a:srgbClr val="196B24"/>
+      </a:accent3>
+      <a:accent4>
+        <a:srgbClr val="0F9ED5"/>
+      </a:accent4>
+      <a:accent5>
+        <a:srgbClr val="A02B93"/>
+      </a:accent5>
+      <a:accent6>
+        <a:srgbClr val="4EA72E"/>
+      </a:accent6>
+      <a:hlink>
+        <a:srgbClr val="467886"/>
+      </a:hlink>
+      <a:folHlink>
+        <a:srgbClr val="96607D"/>
+      </a:folHlink>
+    </a:clrScheme>
+    <a:fontScheme name="Office">
+      <a:majorFont>
+        <a:latin typeface="Aptos Display" panose="02110004020202020204"/>
+        <a:ea typeface=""/>
+        <a:cs typeface=""/>
+        <a:font script="Jpan" typeface="游ゴシック Light"/>
+        <a:font script="Hang" typeface="맑은 고딕"/>
+        <a:font script="Hans" typeface="等线 Light"/>
+        <a:font script="Hant" typeface="新細明體"/>
+        <a:font script="Arab" typeface="Times New Roman"/>
+        <a:font script="Hebr" typeface="Times New Roman"/>
+        <a:font script="Thai" typeface="Angsana New"/>
+        <a:font script="Ethi" typeface="Nyala"/>
+        <a:font script="Beng" typeface="Vrinda"/>
+        <a:font script="Gujr" typeface="Shruti"/>
+        <a:font script="Khmr" typeface="MoolBoran"/>
+        <a:font script="Knda" typeface="Tunga"/>
+        <a:font script="Guru" typeface="Raavi"/>
+        <a:font script="Cans" typeface="Euphemia"/>
+        <a:font script="Cher" typeface="Plantagenet Cherokee"/>
+        <a:font script="Yiii" typeface="Microsoft Yi Baiti"/>
+        <a:font script="Tibt" typeface="Microsoft Himalaya"/>
+        <a:font script="Thaa" typeface="MV Boli"/>
+        <a:font script="Deva" typeface="Mangal"/>
+        <a:font script="Telu" typeface="Gautami"/>
+        <a:font script="Taml" typeface="Latha"/>
+        <a:font script="Syrc" typeface="Estrangelo Edessa"/>
+        <a:font script="Orya" typeface="Kalinga"/>
+        <a:font script="Mlym" typeface="Kartika"/>
+        <a:font script="Laoo" typeface="DokChampa"/>
+        <a:font script="Sinh" typeface="Iskoola Pota"/>
+        <a:font script="Mong" typeface="Mongolian Baiti"/>
+        <a:font script="Viet" typeface="Times New Roman"/>
+        <a:font script="Uigh" typeface="Microsoft Uighur"/>
+        <a:font script="Geor" typeface="Sylfaen"/>
+        <a:font script="Armn" typeface="Arial"/>
+        <a:font script="Bugi" typeface="Leelawadee UI"/>
+        <a:font script="Bopo" typeface="Microsoft JhengHei"/>
+        <a:font script="Java" typeface="Javanese Text"/>
+        <a:font script="Lisu" typeface="Segoe UI"/>
+        <a:font script="Mymr" typeface="Myanmar Text"/>
+        <a:font script="Nkoo" typeface="Ebrima"/>
+        <a:font script="Olck" typeface="Nirmala UI"/>
+        <a:font script="Osma" typeface="Ebrima"/>
+        <a:font script="Phag" typeface="Phagspa"/>
+        <a:font script="Syrn" typeface="Estrangelo Edessa"/>
+        <a:font script="Syrj" typeface="Estrangelo Edessa"/>
+        <a:font script="Syre" typeface="Estrangelo Edessa"/>
+        <a:font script="Sora" typeface="Nirmala UI"/>
+        <a:font script="Tale" typeface="Microsoft Tai Le"/>
+        <a:font script="Talu" typeface="Microsoft New Tai Lue"/>
+        <a:font script="Tfng" typeface="Ebrima"/>
+      </a:majorFont>
+      <a:minorFont>
+        <a:latin typeface="Aptos" panose="02110004020202020204"/>
+        <a:ea typeface=""/>
+        <a:cs typeface=""/>
+        <a:font script="Jpan" typeface="游ゴシック"/>
+        <a:font script="Hang" typeface="맑은 고딕"/>
+        <a:font script="Hans" typeface="等线"/>
+        <a:font script="Hant" typeface="新細明體"/>
+        <a:font script="Arab" typeface="Arial"/>
+        <a:font script="Hebr" typeface="Arial"/>
+        <a:font script="Thai" typeface="Cordia New"/>
+        <a:font script="Ethi" typeface="Nyala"/>
+        <a:font script="Beng" typeface="Vrinda"/>
+        <a:font script="Gujr" typeface="Shruti"/>
+        <a:font script="Khmr" typeface="DaunPenh"/>
+        <a:font script="Knda" typeface="Tunga"/>
+        <a:font script="Guru" typeface="Raavi"/>
+        <a:font script="Cans" typeface="Euphemia"/>
+        <a:font script="Cher" typeface="Plantagenet Cherokee"/>
+        <a:font script="Yiii" typeface="Microsoft Yi Baiti"/>
+        <a:font script="Tibt" typeface="Microsoft Himalaya"/>
+        <a:font script="Thaa" typeface="MV Boli"/>
+        <a:font script="Deva" typeface="Mangal"/>
+        <a:font script="Telu" typeface="Gautami"/>
+        <a:font script="Taml" typeface="Latha"/>
+        <a:font script="Syrc" typeface="Estrangelo Edessa"/>
+        <a:font script="Orya" typeface="Kalinga"/>
+        <a:font script="Mlym" typeface="Kartika"/>
+        <a:font script="Laoo" typeface="DokChampa"/>
+        <a:font script="Sinh" typeface="Iskoola Pota"/>
+        <a:font script="Mong" typeface="Mongolian Baiti"/>
+        <a:font script="Viet" typeface="Arial"/>
+        <a:font script="Uigh" typeface="Microsoft Uighur"/>
+        <a:font script="Geor" typeface="Sylfaen"/>
+        <a:font script="Armn" typeface="Arial"/>
+        <a:font script="Bugi" typeface="Leelawadee UI"/>
+        <a:font script="Bopo" typeface="Microsoft JhengHei"/>
+        <a:font script="Java" typeface="Javanese Text"/>
+        <a:font script="Lisu" typeface="Segoe UI"/>
+        <a:font script="Mymr" typeface="Myanmar Text"/>
+        <a:font script="Nkoo" typeface="Ebrima"/>
+        <a:font script="Olck" typeface="Nirmala UI"/>
+        <a:font script="Osma" typeface="Ebrima"/>
+        <a:font script="Phag" typeface="Phagspa"/>
+        <a:font script="Syrn" typeface="Estrangelo Edessa"/>
+        <a:font script="Syrj" typeface="Estrangelo Edessa"/>
+        <a:font script="Syre" typeface="Estrangelo Edessa"/>
+        <a:font script="Sora" typeface="Nirmala UI"/>
+        <a:font script="Tale" typeface="Microsoft Tai Le"/>
+        <a:font script="Talu" typeface="Microsoft New Tai Lue"/>
+        <a:font script="Tfng" typeface="Ebrima"/>
+      </a:minorFont>
+    </a:fontScheme>
+    <a:fmtScheme name="Office">
+      <a:fillStyleLst>
+        <a:solidFill>
+          <a:schemeClr val="phClr"/>
+        </a:solidFill>
+        <a:gradFill rotWithShape="1">
+          <a:gsLst>
+            <a:gs pos="0">
+              <a:schemeClr val="phClr">
+                <a:lumMod val="110000"/>
+                <a:satMod val="105000"/>
+                <a:tint val="67000"/>
+              </a:schemeClr>
+            </a:gs>
+            <a:gs pos="50000">
+              <a:schemeClr val="phClr">
+                <a:lumMod val="105000"/>
+                <a:satMod val="103000"/>
+                <a:tint val="73000"/>
+              </a:schemeClr>
+            </a:gs>
+            <a:gs pos="100000">
+              <a:schemeClr val="phClr">
+                <a:lumMod val="105000"/>
+                <a:satMod val="109000"/>
+                <a:tint val="81000"/>
+              </a:schemeClr>
+            </a:gs>
+          </a:gsLst>
+          <a:lin ang="5400000" scaled="0"/>
+        </a:gradFill>
+        <a:gradFill rotWithShape="1">
+          <a:gsLst>
+            <a:gs pos="0">
+              <a:schemeClr val="phClr">
+                <a:satMod val="103000"/>
+                <a:lumMod val="102000"/>
+                <a:tint val="94000"/>
+              </a:schemeClr>
+            </a:gs>
+            <a:gs pos="50000">
+              <a:schemeClr val="phClr">
+                <a:satMod val="110000"/>
+                <a:lumMod val="100000"/>
+                <a:shade val="100000"/>
+              </a:schemeClr>
+            </a:gs>
+            <a:gs pos="100000">
+              <a:schemeClr val="phClr">
+                <a:lumMod val="99000"/>
+                <a:satMod val="120000"/>
+                <a:shade val="78000"/>
+              </a:schemeClr>
+            </a:gs>
+          </a:gsLst>
+          <a:lin ang="5400000" scaled="0"/>
+        </a:gradFill>
+      </a:fillStyleLst>
+      <a:lnStyleLst>
+        <a:ln w="12700" cap="flat" cmpd="sng" algn="ctr">
+          <a:solidFill>
+            <a:schemeClr val="phClr"/>
+          </a:solidFill>
+          <a:prstDash val="solid"/>
+          <a:miter lim="800000"/>
+        </a:ln>
+        <a:ln w="19050" cap="flat" cmpd="sng" algn="ctr">
+          <a:solidFill>
+            <a:schemeClr val="phClr"/>
+          </a:solidFill>
+          <a:prstDash val="solid"/>
+          <a:miter lim="800000"/>
+        </a:ln>
+        <a:ln w="25400" cap="flat" cmpd="sng" algn="ctr">
+          <a:solidFill>
+            <a:schemeClr val="phClr"/>
+          </a:solidFill>
+          <a:prstDash val="solid"/>
+          <a:miter lim="800000"/>
+        </a:ln>
+      </a:lnStyleLst>
+      <a:effectStyleLst>
+        <a:effectStyle>
+          <a:effectLst/>
+        </a:effectStyle>
+        <a:effectStyle>
+          <a:effectLst/>
+        </a:effectStyle>
+        <a:effectStyle>
+          <a:effectLst>
+            <a:outerShdw blurRad="57150" dist="19050" dir="5400000" algn="ctr" rotWithShape="0">
+              <a:srgbClr val="000000">
+                <a:alpha val="63000"/>
+              </a:srgbClr>
+            </a:outerShdw>
+          </a:effectLst>
+        </a:effectStyle>
+      </a:effectStyleLst>
+      <a:bgFillStyleLst>
+        <a:solidFill>
+          <a:schemeClr val="phClr"/>
+        </a:solidFill>
+        <a:solidFill>
+          <a:schemeClr val="phClr">
+            <a:tint val="95000"/>
+            <a:satMod val="170000"/>
+          </a:schemeClr>
+        </a:solidFill>
+        <a:gradFill rotWithShape="1">
+          <a:gsLst>
+            <a:gs pos="0">
+              <a:schemeClr val="phClr">
+                <a:tint val="93000"/>
+                <a:satMod val="150000"/>
+                <a:shade val="98000"/>
+                <a:lumMod val="102000"/>
+              </a:schemeClr>
+            </a:gs>
+            <a:gs pos="50000">
+              <a:schemeClr val="phClr">
+                <a:tint val="98000"/>
+                <a:satMod val="130000"/>
+                <a:shade val="90000"/>
+                <a:lumMod val="103000"/>
+              </a:schemeClr>
+            </a:gs>
+            <a:gs pos="100000">
+              <a:schemeClr val="phClr">
+                <a:shade val="63000"/>
+                <a:satMod val="120000"/>
+              </a:schemeClr>
+            </a:gs>
+          </a:gsLst>
+          <a:lin ang="5400000" scaled="0"/>
+        </a:gradFill>
+      </a:bgFillStyleLst>
+    </a:fmtScheme>
+  </a:themeElements>
+  <a:objectDefaults>
+    <a:lnDef>
+      <a:spPr/>
+      <a:bodyPr/>
+      <a:lstStyle/>
+      <a:style>
+        <a:lnRef idx="2">
+          <a:schemeClr val="accent1"/>
+        </a:lnRef>
+        <a:fillRef idx="0">
+          <a:schemeClr val="accent1"/>
+        </a:fillRef>
+        <a:effectRef idx="1">
+          <a:schemeClr val="accent1"/>
+        </a:effectRef>
+        <a:fontRef idx="minor">
+          <a:schemeClr val="tx1"/>
+        </a:fontRef>
+      </a:style>
+    </a:lnDef>
+  </a:objectDefaults>
+  <a:extraClrSchemeLst/>
+  <a:extLst>
+    <a:ext uri="{05A4C25C-085E-4340-85A3-A5531E510DB2}">
+      <thm15:themeFamily xmlns:thm15="http://schemas.microsoft.com/office/thememl/2012/main" name="Office Theme" id="{2E142A2C-CD16-42D6-873A-C26D2A0506FA}" vid="{1BDDFF52-6CD6-40A5-AB3C-68EB2F1E4D0A}"/>
+    </a:ext>
+  </a:extLst>
+</a:theme>
 </file>
--- a/Presentatie_powerpoint.pptx
+++ b/Presentatie_powerpoint.pptx
@@ -5,16 +5,17 @@
     <p:sldMasterId id="2147483648" r:id="rId1"/>
   </p:sldMasterIdLst>
   <p:notesMasterIdLst>
-    <p:notesMasterId r:id="rId9"/>
+    <p:notesMasterId r:id="rId10"/>
   </p:notesMasterIdLst>
   <p:sldIdLst>
     <p:sldId id="256" r:id="rId2"/>
     <p:sldId id="257" r:id="rId3"/>
-    <p:sldId id="258" r:id="rId4"/>
+    <p:sldId id="260" r:id="rId4"/>
     <p:sldId id="259" r:id="rId5"/>
-    <p:sldId id="260" r:id="rId6"/>
+    <p:sldId id="258" r:id="rId6"/>
     <p:sldId id="261" r:id="rId7"/>
     <p:sldId id="262" r:id="rId8"/>
+    <p:sldId id="263" r:id="rId9"/>
   </p:sldIdLst>
   <p:sldSz cx="12192000" cy="6858000"/>
   <p:notesSz cx="6858000" cy="9144000"/>
@@ -377,15 +378,15 @@
 </file>
 
 <file path=ppt/diagrams/colors1.xml><?xml version="1.0" encoding="utf-8"?>
-<dgm:colorsDef xmlns:dgm="http://schemas.openxmlformats.org/drawingml/2006/diagram" xmlns:a="http://schemas.openxmlformats.org/drawingml/2006/main" uniqueId="urn:microsoft.com/office/officeart/2005/8/colors/colorful2">
+<dgm:colorsDef xmlns:dgm="http://schemas.openxmlformats.org/drawingml/2006/diagram" xmlns:a="http://schemas.openxmlformats.org/drawingml/2006/main" uniqueId="urn:microsoft.com/office/officeart/2005/8/colors/colorful5">
   <dgm:title val=""/>
   <dgm:desc val=""/>
   <dgm:catLst>
-    <dgm:cat type="colorful" pri="10200"/>
+    <dgm:cat type="colorful" pri="10500"/>
   </dgm:catLst>
   <dgm:styleLbl name="node0">
     <dgm:fillClrLst meth="repeat">
-      <a:schemeClr val="accent1"/>
+      <a:schemeClr val="accent4"/>
     </dgm:fillClrLst>
     <dgm:linClrLst meth="repeat">
       <a:schemeClr val="lt1"/>
@@ -397,8 +398,8 @@
   </dgm:styleLbl>
   <dgm:styleLbl name="node1">
     <dgm:fillClrLst>
-      <a:schemeClr val="accent2"/>
-      <a:schemeClr val="accent3"/>
+      <a:schemeClr val="accent5"/>
+      <a:schemeClr val="accent6"/>
     </dgm:fillClrLst>
     <dgm:linClrLst meth="repeat">
       <a:schemeClr val="lt1"/>
@@ -410,12 +411,12 @@
   </dgm:styleLbl>
   <dgm:styleLbl name="alignNode1">
     <dgm:fillClrLst>
-      <a:schemeClr val="accent2"/>
-      <a:schemeClr val="accent3"/>
+      <a:schemeClr val="accent5"/>
+      <a:schemeClr val="accent6"/>
     </dgm:fillClrLst>
     <dgm:linClrLst>
-      <a:schemeClr val="accent2"/>
-      <a:schemeClr val="accent3"/>
+      <a:schemeClr val="accent5"/>
+      <a:schemeClr val="accent6"/>
     </dgm:linClrLst>
     <dgm:effectClrLst/>
     <dgm:txLinClrLst/>
@@ -424,8 +425,8 @@
   </dgm:styleLbl>
   <dgm:styleLbl name="lnNode1">
     <dgm:fillClrLst>
-      <a:schemeClr val="accent2"/>
-      <a:schemeClr val="accent3"/>
+      <a:schemeClr val="accent5"/>
+      <a:schemeClr val="accent6"/>
     </dgm:fillClrLst>
     <dgm:linClrLst meth="repeat">
       <a:schemeClr val="lt1"/>
@@ -437,10 +438,10 @@
   </dgm:styleLbl>
   <dgm:styleLbl name="vennNode1">
     <dgm:fillClrLst>
-      <a:schemeClr val="accent2">
+      <a:schemeClr val="accent5">
         <a:alpha val="50000"/>
       </a:schemeClr>
-      <a:schemeClr val="accent3">
+      <a:schemeClr val="accent6">
         <a:alpha val="50000"/>
       </a:schemeClr>
     </dgm:fillClrLst>
@@ -454,7 +455,7 @@
   </dgm:styleLbl>
   <dgm:styleLbl name="node2">
     <dgm:fillClrLst>
-      <a:schemeClr val="accent3"/>
+      <a:schemeClr val="accent6"/>
     </dgm:fillClrLst>
     <dgm:linClrLst meth="repeat">
       <a:schemeClr val="lt1"/>
@@ -466,7 +467,7 @@
   </dgm:styleLbl>
   <dgm:styleLbl name="node3">
     <dgm:fillClrLst>
-      <a:schemeClr val="accent4"/>
+      <a:schemeClr val="accent1"/>
     </dgm:fillClrLst>
     <dgm:linClrLst meth="repeat">
       <a:schemeClr val="lt1"/>
@@ -478,7 +479,7 @@
   </dgm:styleLbl>
   <dgm:styleLbl name="node4">
     <dgm:fillClrLst>
-      <a:schemeClr val="accent5"/>
+      <a:schemeClr val="accent2"/>
     </dgm:fillClrLst>
     <dgm:linClrLst meth="repeat">
       <a:schemeClr val="lt1"/>
@@ -490,10 +491,10 @@
   </dgm:styleLbl>
   <dgm:styleLbl name="fgImgPlace1">
     <dgm:fillClrLst>
-      <a:schemeClr val="accent2">
+      <a:schemeClr val="accent5">
         <a:tint val="50000"/>
       </a:schemeClr>
-      <a:schemeClr val="accent3">
+      <a:schemeClr val="accent6">
         <a:tint val="50000"/>
       </a:schemeClr>
     </dgm:fillClrLst>
@@ -509,10 +510,10 @@
   </dgm:styleLbl>
   <dgm:styleLbl name="alignImgPlace1">
     <dgm:fillClrLst>
-      <a:schemeClr val="accent2">
+      <a:schemeClr val="accent5">
         <a:tint val="50000"/>
       </a:schemeClr>
-      <a:schemeClr val="accent3">
+      <a:schemeClr val="accent6">
         <a:tint val="20000"/>
       </a:schemeClr>
     </dgm:fillClrLst>
@@ -528,10 +529,10 @@
   </dgm:styleLbl>
   <dgm:styleLbl name="bgImgPlace1">
     <dgm:fillClrLst>
-      <a:schemeClr val="accent2">
+      <a:schemeClr val="accent5">
         <a:tint val="50000"/>
       </a:schemeClr>
-      <a:schemeClr val="accent3">
+      <a:schemeClr val="accent6">
         <a:tint val="20000"/>
       </a:schemeClr>
     </dgm:fillClrLst>
@@ -547,8 +548,8 @@
   </dgm:styleLbl>
   <dgm:styleLbl name="sibTrans2D1">
     <dgm:fillClrLst>
-      <a:schemeClr val="accent2"/>
-      <a:schemeClr val="accent3"/>
+      <a:schemeClr val="accent5"/>
+      <a:schemeClr val="accent6"/>
     </dgm:fillClrLst>
     <dgm:linClrLst meth="repeat">
       <a:schemeClr val="lt1"/>
@@ -560,8 +561,8 @@
   </dgm:styleLbl>
   <dgm:styleLbl name="fgSibTrans2D1">
     <dgm:fillClrLst>
-      <a:schemeClr val="accent2"/>
-      <a:schemeClr val="accent3"/>
+      <a:schemeClr val="accent5"/>
+      <a:schemeClr val="accent6"/>
     </dgm:fillClrLst>
     <dgm:linClrLst meth="repeat">
       <a:schemeClr val="lt1"/>
@@ -575,8 +576,8 @@
   </dgm:styleLbl>
   <dgm:styleLbl name="bgSibTrans2D1">
     <dgm:fillClrLst>
-      <a:schemeClr val="accent2"/>
-      <a:schemeClr val="accent3"/>
+      <a:schemeClr val="accent5"/>
+      <a:schemeClr val="accent6"/>
     </dgm:fillClrLst>
     <dgm:linClrLst meth="repeat">
       <a:schemeClr val="lt1"/>
@@ -591,8 +592,8 @@
   <dgm:styleLbl name="sibTrans1D1">
     <dgm:fillClrLst/>
     <dgm:linClrLst>
-      <a:schemeClr val="accent2"/>
-      <a:schemeClr val="accent3"/>
+      <a:schemeClr val="accent5"/>
+      <a:schemeClr val="accent6"/>
     </dgm:linClrLst>
     <dgm:effectClrLst/>
     <dgm:txLinClrLst/>
@@ -603,10 +604,10 @@
   </dgm:styleLbl>
   <dgm:styleLbl name="callout">
     <dgm:fillClrLst meth="repeat">
-      <a:schemeClr val="accent2"/>
+      <a:schemeClr val="accent5"/>
     </dgm:fillClrLst>
     <dgm:linClrLst meth="repeat">
-      <a:schemeClr val="accent2">
+      <a:schemeClr val="accent5">
         <a:tint val="50000"/>
       </a:schemeClr>
     </dgm:linClrLst>
@@ -619,7 +620,7 @@
   </dgm:styleLbl>
   <dgm:styleLbl name="asst0">
     <dgm:fillClrLst meth="repeat">
-      <a:schemeClr val="accent2"/>
+      <a:schemeClr val="accent5"/>
     </dgm:fillClrLst>
     <dgm:linClrLst meth="repeat">
       <a:schemeClr val="lt1">
@@ -633,7 +634,7 @@
   </dgm:styleLbl>
   <dgm:styleLbl name="asst1">
     <dgm:fillClrLst meth="repeat">
-      <a:schemeClr val="accent3"/>
+      <a:schemeClr val="accent6"/>
     </dgm:fillClrLst>
     <dgm:linClrLst meth="repeat">
       <a:schemeClr val="lt1">
@@ -647,7 +648,7 @@
   </dgm:styleLbl>
   <dgm:styleLbl name="asst2">
     <dgm:fillClrLst>
-      <a:schemeClr val="accent4"/>
+      <a:schemeClr val="accent1"/>
     </dgm:fillClrLst>
     <dgm:linClrLst meth="repeat">
       <a:schemeClr val="lt1"/>
@@ -659,7 +660,7 @@
   </dgm:styleLbl>
   <dgm:styleLbl name="asst3">
     <dgm:fillClrLst>
-      <a:schemeClr val="accent5"/>
+      <a:schemeClr val="accent2"/>
     </dgm:fillClrLst>
     <dgm:linClrLst meth="repeat">
       <a:schemeClr val="lt1"/>
@@ -671,7 +672,7 @@
   </dgm:styleLbl>
   <dgm:styleLbl name="asst4">
     <dgm:fillClrLst>
-      <a:schemeClr val="accent6"/>
+      <a:schemeClr val="accent3"/>
     </dgm:fillClrLst>
     <dgm:linClrLst meth="repeat">
       <a:schemeClr val="lt1"/>
@@ -683,7 +684,7 @@
   </dgm:styleLbl>
   <dgm:styleLbl name="parChTrans2D1">
     <dgm:fillClrLst meth="repeat">
-      <a:schemeClr val="accent2"/>
+      <a:schemeClr val="accent5"/>
     </dgm:fillClrLst>
     <dgm:linClrLst meth="repeat">
       <a:schemeClr val="lt1"/>
@@ -697,7 +698,7 @@
   </dgm:styleLbl>
   <dgm:styleLbl name="parChTrans2D2">
     <dgm:fillClrLst meth="repeat">
-      <a:schemeClr val="accent3"/>
+      <a:schemeClr val="accent6"/>
     </dgm:fillClrLst>
     <dgm:linClrLst meth="repeat">
       <a:schemeClr val="lt1"/>
@@ -709,7 +710,7 @@
   </dgm:styleLbl>
   <dgm:styleLbl name="parChTrans2D3">
     <dgm:fillClrLst meth="repeat">
-      <a:schemeClr val="accent4"/>
+      <a:schemeClr val="accent6"/>
     </dgm:fillClrLst>
     <dgm:linClrLst meth="repeat">
       <a:schemeClr val="lt1"/>
@@ -721,7 +722,7 @@
   </dgm:styleLbl>
   <dgm:styleLbl name="parChTrans2D4">
     <dgm:fillClrLst meth="repeat">
-      <a:schemeClr val="accent5"/>
+      <a:schemeClr val="accent1"/>
     </dgm:fillClrLst>
     <dgm:linClrLst meth="repeat">
       <a:schemeClr val="lt1"/>
@@ -735,10 +736,10 @@
   </dgm:styleLbl>
   <dgm:styleLbl name="parChTrans1D1">
     <dgm:fillClrLst meth="repeat">
-      <a:schemeClr val="accent2"/>
+      <a:schemeClr val="accent5"/>
     </dgm:fillClrLst>
     <dgm:linClrLst meth="repeat">
-      <a:schemeClr val="accent2"/>
+      <a:schemeClr val="accent5"/>
     </dgm:linClrLst>
     <dgm:effectClrLst/>
     <dgm:txLinClrLst/>
@@ -749,12 +750,12 @@
   </dgm:styleLbl>
   <dgm:styleLbl name="parChTrans1D2">
     <dgm:fillClrLst meth="repeat">
-      <a:schemeClr val="accent2">
+      <a:schemeClr val="accent6">
         <a:tint val="90000"/>
       </a:schemeClr>
     </dgm:fillClrLst>
     <dgm:linClrLst meth="repeat">
-      <a:schemeClr val="accent3"/>
+      <a:schemeClr val="accent6"/>
     </dgm:linClrLst>
     <dgm:effectClrLst/>
     <dgm:txLinClrLst/>
@@ -765,12 +766,12 @@
   </dgm:styleLbl>
   <dgm:styleLbl name="parChTrans1D3">
     <dgm:fillClrLst meth="repeat">
-      <a:schemeClr val="accent2">
+      <a:schemeClr val="accent6">
         <a:tint val="70000"/>
       </a:schemeClr>
     </dgm:fillClrLst>
     <dgm:linClrLst meth="repeat">
-      <a:schemeClr val="accent4"/>
+      <a:schemeClr val="accent1"/>
     </dgm:linClrLst>
     <dgm:effectClrLst/>
     <dgm:txLinClrLst/>
@@ -781,12 +782,12 @@
   </dgm:styleLbl>
   <dgm:styleLbl name="parChTrans1D4">
     <dgm:fillClrLst meth="repeat">
-      <a:schemeClr val="accent2">
+      <a:schemeClr val="accent6">
         <a:tint val="50000"/>
       </a:schemeClr>
     </dgm:fillClrLst>
     <dgm:linClrLst meth="repeat">
-      <a:schemeClr val="accent5"/>
+      <a:schemeClr val="accent2"/>
     </dgm:linClrLst>
     <dgm:effectClrLst/>
     <dgm:txLinClrLst/>
@@ -802,8 +803,8 @@
       </a:schemeClr>
     </dgm:fillClrLst>
     <dgm:linClrLst>
-      <a:schemeClr val="accent2"/>
-      <a:schemeClr val="accent3"/>
+      <a:schemeClr val="accent5"/>
+      <a:schemeClr val="accent6"/>
     </dgm:linClrLst>
     <dgm:effectClrLst/>
     <dgm:txLinClrLst/>
@@ -819,8 +820,8 @@
       </a:schemeClr>
     </dgm:fillClrLst>
     <dgm:linClrLst>
-      <a:schemeClr val="accent2"/>
-      <a:schemeClr val="accent3"/>
+      <a:schemeClr val="accent5"/>
+      <a:schemeClr val="accent6"/>
     </dgm:linClrLst>
     <dgm:effectClrLst/>
     <dgm:txLinClrLst/>
@@ -836,8 +837,8 @@
       </a:schemeClr>
     </dgm:fillClrLst>
     <dgm:linClrLst>
-      <a:schemeClr val="accent2"/>
-      <a:schemeClr val="accent3"/>
+      <a:schemeClr val="accent5"/>
+      <a:schemeClr val="accent6"/>
     </dgm:linClrLst>
     <dgm:effectClrLst/>
     <dgm:txLinClrLst/>
@@ -853,7 +854,7 @@
       </a:schemeClr>
     </dgm:fillClrLst>
     <dgm:linClrLst meth="repeat">
-      <a:schemeClr val="accent2"/>
+      <a:schemeClr val="accent5"/>
     </dgm:linClrLst>
     <dgm:effectClrLst/>
     <dgm:txLinClrLst/>
@@ -869,8 +870,8 @@
       </a:schemeClr>
     </dgm:fillClrLst>
     <dgm:linClrLst>
-      <a:schemeClr val="accent2"/>
-      <a:schemeClr val="accent3"/>
+      <a:schemeClr val="accent5"/>
+      <a:schemeClr val="accent6"/>
     </dgm:linClrLst>
     <dgm:effectClrLst/>
     <dgm:txLinClrLst/>
@@ -884,8 +885,8 @@
       <a:schemeClr val="lt1"/>
     </dgm:fillClrLst>
     <dgm:linClrLst>
-      <a:schemeClr val="accent2"/>
-      <a:schemeClr val="accent3"/>
+      <a:schemeClr val="accent5"/>
+      <a:schemeClr val="accent6"/>
     </dgm:linClrLst>
     <dgm:effectClrLst/>
     <dgm:txLinClrLst/>
@@ -899,8 +900,8 @@
       <a:schemeClr val="lt1"/>
     </dgm:fillClrLst>
     <dgm:linClrLst>
-      <a:schemeClr val="accent2"/>
-      <a:schemeClr val="accent3"/>
+      <a:schemeClr val="accent5"/>
+      <a:schemeClr val="accent6"/>
     </dgm:linClrLst>
     <dgm:effectClrLst/>
     <dgm:txLinClrLst/>
@@ -914,8 +915,8 @@
       <a:schemeClr val="lt1"/>
     </dgm:fillClrLst>
     <dgm:linClrLst>
-      <a:schemeClr val="accent2"/>
-      <a:schemeClr val="accent3"/>
+      <a:schemeClr val="accent5"/>
+      <a:schemeClr val="accent6"/>
     </dgm:linClrLst>
     <dgm:effectClrLst/>
     <dgm:txLinClrLst/>
@@ -926,21 +927,21 @@
   </dgm:styleLbl>
   <dgm:styleLbl name="fgAccFollowNode1">
     <dgm:fillClrLst>
-      <a:schemeClr val="accent2">
+      <a:schemeClr val="accent5">
         <a:tint val="40000"/>
         <a:alpha val="90000"/>
       </a:schemeClr>
-      <a:schemeClr val="accent3">
+      <a:schemeClr val="accent6">
         <a:tint val="40000"/>
         <a:alpha val="90000"/>
       </a:schemeClr>
     </dgm:fillClrLst>
     <dgm:linClrLst>
-      <a:schemeClr val="accent2">
+      <a:schemeClr val="accent5">
         <a:tint val="40000"/>
         <a:alpha val="90000"/>
       </a:schemeClr>
-      <a:schemeClr val="accent3">
+      <a:schemeClr val="accent5">
         <a:tint val="40000"/>
         <a:alpha val="90000"/>
       </a:schemeClr>
@@ -954,21 +955,21 @@
   </dgm:styleLbl>
   <dgm:styleLbl name="alignAccFollowNode1">
     <dgm:fillClrLst>
-      <a:schemeClr val="accent2">
+      <a:schemeClr val="accent5">
         <a:tint val="40000"/>
         <a:alpha val="90000"/>
       </a:schemeClr>
-      <a:schemeClr val="accent3">
+      <a:schemeClr val="accent6">
         <a:tint val="40000"/>
         <a:alpha val="90000"/>
       </a:schemeClr>
     </dgm:fillClrLst>
     <dgm:linClrLst>
-      <a:schemeClr val="accent2">
+      <a:schemeClr val="accent5">
         <a:tint val="40000"/>
         <a:alpha val="90000"/>
       </a:schemeClr>
-      <a:schemeClr val="accent3">
+      <a:schemeClr val="accent6">
         <a:tint val="40000"/>
         <a:alpha val="90000"/>
       </a:schemeClr>
@@ -982,21 +983,21 @@
   </dgm:styleLbl>
   <dgm:styleLbl name="bgAccFollowNode1">
     <dgm:fillClrLst>
-      <a:schemeClr val="accent2">
+      <a:schemeClr val="accent5">
         <a:tint val="40000"/>
         <a:alpha val="90000"/>
       </a:schemeClr>
-      <a:schemeClr val="accent3">
+      <a:schemeClr val="accent6">
         <a:tint val="40000"/>
         <a:alpha val="90000"/>
       </a:schemeClr>
     </dgm:fillClrLst>
     <dgm:linClrLst>
-      <a:schemeClr val="accent2">
+      <a:schemeClr val="accent5">
         <a:tint val="40000"/>
         <a:alpha val="90000"/>
       </a:schemeClr>
-      <a:schemeClr val="accent3">
+      <a:schemeClr val="accent6">
         <a:tint val="40000"/>
         <a:alpha val="90000"/>
       </a:schemeClr>
@@ -1015,7 +1016,7 @@
       </a:schemeClr>
     </dgm:fillClrLst>
     <dgm:linClrLst>
-      <a:schemeClr val="accent1"/>
+      <a:schemeClr val="accent4"/>
     </dgm:linClrLst>
     <dgm:effectClrLst/>
     <dgm:txLinClrLst/>
@@ -1031,7 +1032,7 @@
       </a:schemeClr>
     </dgm:fillClrLst>
     <dgm:linClrLst>
-      <a:schemeClr val="accent3"/>
+      <a:schemeClr val="accent6"/>
     </dgm:linClrLst>
     <dgm:effectClrLst/>
     <dgm:txLinClrLst/>
@@ -1047,7 +1048,7 @@
       </a:schemeClr>
     </dgm:fillClrLst>
     <dgm:linClrLst>
-      <a:schemeClr val="accent4"/>
+      <a:schemeClr val="accent1"/>
     </dgm:linClrLst>
     <dgm:effectClrLst/>
     <dgm:txLinClrLst/>
@@ -1063,7 +1064,7 @@
       </a:schemeClr>
     </dgm:fillClrLst>
     <dgm:linClrLst>
-      <a:schemeClr val="accent5"/>
+      <a:schemeClr val="accent2"/>
     </dgm:linClrLst>
     <dgm:effectClrLst/>
     <dgm:txLinClrLst/>
@@ -1074,7 +1075,7 @@
   </dgm:styleLbl>
   <dgm:styleLbl name="bgShp">
     <dgm:fillClrLst meth="repeat">
-      <a:schemeClr val="accent2">
+      <a:schemeClr val="accent5">
         <a:tint val="40000"/>
       </a:schemeClr>
     </dgm:fillClrLst>
@@ -1090,7 +1091,7 @@
   </dgm:styleLbl>
   <dgm:styleLbl name="dkBgShp">
     <dgm:fillClrLst meth="repeat">
-      <a:schemeClr val="accent2">
+      <a:schemeClr val="accent5">
         <a:shade val="90000"/>
       </a:schemeClr>
     </dgm:fillClrLst>
@@ -1106,13 +1107,13 @@
   </dgm:styleLbl>
   <dgm:styleLbl name="trBgShp">
     <dgm:fillClrLst meth="repeat">
-      <a:schemeClr val="accent2">
+      <a:schemeClr val="accent5">
         <a:tint val="50000"/>
         <a:alpha val="40000"/>
       </a:schemeClr>
     </dgm:fillClrLst>
     <dgm:linClrLst meth="repeat">
-      <a:schemeClr val="accent2"/>
+      <a:schemeClr val="accent5"/>
     </dgm:linClrLst>
     <dgm:effectClrLst/>
     <dgm:txLinClrLst/>
@@ -1123,7 +1124,7 @@
   </dgm:styleLbl>
   <dgm:styleLbl name="fgShp">
     <dgm:fillClrLst meth="repeat">
-      <a:schemeClr val="accent2">
+      <a:schemeClr val="accent5">
         <a:tint val="40000"/>
       </a:schemeClr>
     </dgm:fillClrLst>
@@ -1162,7 +1163,7 @@
 <dgm:dataModel xmlns:dgm="http://schemas.openxmlformats.org/drawingml/2006/diagram" xmlns:a="http://schemas.openxmlformats.org/drawingml/2006/main">
   <dgm:ptLst>
     <dgm:pt modelId="{83A1DB12-05CA-416C-8564-43039C54A3AE}" type="doc">
-      <dgm:prSet loTypeId="urn:microsoft.com/office/officeart/2005/8/layout/vList2" loCatId="list" qsTypeId="urn:microsoft.com/office/officeart/2005/8/quickstyle/simple4" qsCatId="simple" csTypeId="urn:microsoft.com/office/officeart/2005/8/colors/colorful2" csCatId="colorful" phldr="1"/>
+      <dgm:prSet loTypeId="urn:microsoft.com/office/officeart/2005/8/layout/vProcess5" loCatId="process" qsTypeId="urn:microsoft.com/office/officeart/2005/8/quickstyle/simple4" qsCatId="simple" csTypeId="urn:microsoft.com/office/officeart/2005/8/colors/colorful5" csCatId="colorful" phldr="1"/>
       <dgm:spPr/>
       <dgm:t>
         <a:bodyPr/>
@@ -1181,7 +1182,7 @@
         <a:p>
           <a:r>
             <a:rPr lang="nl-BE" dirty="0"/>
-            <a:t>IT als hulpmiddel</a:t>
+            <a:t>IT in sportscholen</a:t>
           </a:r>
           <a:endParaRPr lang="en-US" dirty="0"/>
         </a:p>
@@ -1320,58 +1321,105 @@
         </a:p>
       </dgm:t>
     </dgm:pt>
-    <dgm:pt modelId="{85B31F96-B206-432C-8DED-AB31E541C0F0}" type="pres">
-      <dgm:prSet presAssocID="{83A1DB12-05CA-416C-8564-43039C54A3AE}" presName="linear" presStyleCnt="0">
+    <dgm:pt modelId="{35E7C1BC-3D17-45E2-A225-E3D4AA8DC769}" type="pres">
+      <dgm:prSet presAssocID="{83A1DB12-05CA-416C-8564-43039C54A3AE}" presName="outerComposite" presStyleCnt="0">
         <dgm:presLayoutVars>
-          <dgm:animLvl val="lvl"/>
+          <dgm:chMax val="5"/>
+          <dgm:dir/>
           <dgm:resizeHandles val="exact"/>
         </dgm:presLayoutVars>
       </dgm:prSet>
       <dgm:spPr/>
     </dgm:pt>
-    <dgm:pt modelId="{B4A937C5-4400-4202-BB87-C9677F29104F}" type="pres">
-      <dgm:prSet presAssocID="{E2B026C2-A6DE-4AA4-B638-20AE24E6FA46}" presName="parentText" presStyleLbl="node1" presStyleIdx="0" presStyleCnt="4">
+    <dgm:pt modelId="{DEDCEA67-F2E5-4D44-9C6B-1045159948F6}" type="pres">
+      <dgm:prSet presAssocID="{83A1DB12-05CA-416C-8564-43039C54A3AE}" presName="dummyMaxCanvas" presStyleCnt="0">
+        <dgm:presLayoutVars/>
+      </dgm:prSet>
+      <dgm:spPr/>
+    </dgm:pt>
+    <dgm:pt modelId="{450BEDB3-B6AC-4A2B-A478-7E6B44655F02}" type="pres">
+      <dgm:prSet presAssocID="{83A1DB12-05CA-416C-8564-43039C54A3AE}" presName="FourNodes_1" presStyleLbl="node1" presStyleIdx="0" presStyleCnt="4">
         <dgm:presLayoutVars>
-          <dgm:chMax val="0"/>
           <dgm:bulletEnabled val="1"/>
         </dgm:presLayoutVars>
       </dgm:prSet>
       <dgm:spPr/>
     </dgm:pt>
-    <dgm:pt modelId="{0A03C885-7EB7-4284-B4F6-F148D06058F7}" type="pres">
-      <dgm:prSet presAssocID="{66B3F912-9725-42C5-93D8-726E104B2BDF}" presName="spacer" presStyleCnt="0"/>
-      <dgm:spPr/>
-    </dgm:pt>
-    <dgm:pt modelId="{B1C199EE-336B-4D3D-8F04-62FFF6521632}" type="pres">
-      <dgm:prSet presAssocID="{41F02600-CEEC-4EFC-BD9E-D6309E692D90}" presName="parentText" presStyleLbl="node1" presStyleIdx="1" presStyleCnt="4">
+    <dgm:pt modelId="{B65142A8-87BF-4D55-A70C-38D5EC1F7AAF}" type="pres">
+      <dgm:prSet presAssocID="{83A1DB12-05CA-416C-8564-43039C54A3AE}" presName="FourNodes_2" presStyleLbl="node1" presStyleIdx="1" presStyleCnt="4">
         <dgm:presLayoutVars>
-          <dgm:chMax val="0"/>
           <dgm:bulletEnabled val="1"/>
         </dgm:presLayoutVars>
       </dgm:prSet>
       <dgm:spPr/>
     </dgm:pt>
-    <dgm:pt modelId="{13BB5C00-2342-4874-B0BA-2DB0DEC56A4E}" type="pres">
-      <dgm:prSet presAssocID="{89CDB0AE-E020-4BB7-80FC-D11F0DD13044}" presName="spacer" presStyleCnt="0"/>
-      <dgm:spPr/>
-    </dgm:pt>
-    <dgm:pt modelId="{5D925B11-65FF-464C-8AF4-5E3562792F8F}" type="pres">
-      <dgm:prSet presAssocID="{B0CAB23E-75FC-498D-9FD3-67C5046D63E7}" presName="parentText" presStyleLbl="node1" presStyleIdx="2" presStyleCnt="4">
+    <dgm:pt modelId="{7058F285-8002-4465-9E71-9F495C784C91}" type="pres">
+      <dgm:prSet presAssocID="{83A1DB12-05CA-416C-8564-43039C54A3AE}" presName="FourNodes_3" presStyleLbl="node1" presStyleIdx="2" presStyleCnt="4">
         <dgm:presLayoutVars>
-          <dgm:chMax val="0"/>
           <dgm:bulletEnabled val="1"/>
         </dgm:presLayoutVars>
       </dgm:prSet>
       <dgm:spPr/>
     </dgm:pt>
-    <dgm:pt modelId="{1D3BAA01-EA1D-48B3-8B46-14C908494DB6}" type="pres">
-      <dgm:prSet presAssocID="{45F977A9-5884-4497-A781-CE2AAB8C8B72}" presName="spacer" presStyleCnt="0"/>
+    <dgm:pt modelId="{3EC47E6B-AB30-4D7A-8180-D5828D668C66}" type="pres">
+      <dgm:prSet presAssocID="{83A1DB12-05CA-416C-8564-43039C54A3AE}" presName="FourNodes_4" presStyleLbl="node1" presStyleIdx="3" presStyleCnt="4">
+        <dgm:presLayoutVars>
+          <dgm:bulletEnabled val="1"/>
+        </dgm:presLayoutVars>
+      </dgm:prSet>
       <dgm:spPr/>
     </dgm:pt>
-    <dgm:pt modelId="{6FBDE440-1378-4AD1-8470-3609C580C7D4}" type="pres">
-      <dgm:prSet presAssocID="{3DDFE797-D85D-4F2D-AE7A-3C692B803B0E}" presName="parentText" presStyleLbl="node1" presStyleIdx="3" presStyleCnt="4">
+    <dgm:pt modelId="{59F08D83-D108-4C75-B5BB-4FA4BC723340}" type="pres">
+      <dgm:prSet presAssocID="{83A1DB12-05CA-416C-8564-43039C54A3AE}" presName="FourConn_1-2" presStyleLbl="fgAccFollowNode1" presStyleIdx="0" presStyleCnt="3">
         <dgm:presLayoutVars>
-          <dgm:chMax val="0"/>
+          <dgm:bulletEnabled val="1"/>
+        </dgm:presLayoutVars>
+      </dgm:prSet>
+      <dgm:spPr/>
+    </dgm:pt>
+    <dgm:pt modelId="{974C9B2F-8CE4-4286-9BC8-25216AA6FBD2}" type="pres">
+      <dgm:prSet presAssocID="{83A1DB12-05CA-416C-8564-43039C54A3AE}" presName="FourConn_2-3" presStyleLbl="fgAccFollowNode1" presStyleIdx="1" presStyleCnt="3">
+        <dgm:presLayoutVars>
+          <dgm:bulletEnabled val="1"/>
+        </dgm:presLayoutVars>
+      </dgm:prSet>
+      <dgm:spPr/>
+    </dgm:pt>
+    <dgm:pt modelId="{09D07063-49BD-47F2-A054-E2731A1637D6}" type="pres">
+      <dgm:prSet presAssocID="{83A1DB12-05CA-416C-8564-43039C54A3AE}" presName="FourConn_3-4" presStyleLbl="fgAccFollowNode1" presStyleIdx="2" presStyleCnt="3">
+        <dgm:presLayoutVars>
+          <dgm:bulletEnabled val="1"/>
+        </dgm:presLayoutVars>
+      </dgm:prSet>
+      <dgm:spPr/>
+    </dgm:pt>
+    <dgm:pt modelId="{B7A7D6A8-89BE-43C1-822B-CA9865F0E933}" type="pres">
+      <dgm:prSet presAssocID="{83A1DB12-05CA-416C-8564-43039C54A3AE}" presName="FourNodes_1_text" presStyleLbl="node1" presStyleIdx="3" presStyleCnt="4">
+        <dgm:presLayoutVars>
+          <dgm:bulletEnabled val="1"/>
+        </dgm:presLayoutVars>
+      </dgm:prSet>
+      <dgm:spPr/>
+    </dgm:pt>
+    <dgm:pt modelId="{78399C9A-A2E2-4701-A1B8-461E77E272D6}" type="pres">
+      <dgm:prSet presAssocID="{83A1DB12-05CA-416C-8564-43039C54A3AE}" presName="FourNodes_2_text" presStyleLbl="node1" presStyleIdx="3" presStyleCnt="4">
+        <dgm:presLayoutVars>
+          <dgm:bulletEnabled val="1"/>
+        </dgm:presLayoutVars>
+      </dgm:prSet>
+      <dgm:spPr/>
+    </dgm:pt>
+    <dgm:pt modelId="{36CAE754-6CBA-48BE-AC53-08A180672608}" type="pres">
+      <dgm:prSet presAssocID="{83A1DB12-05CA-416C-8564-43039C54A3AE}" presName="FourNodes_3_text" presStyleLbl="node1" presStyleIdx="3" presStyleCnt="4">
+        <dgm:presLayoutVars>
+          <dgm:bulletEnabled val="1"/>
+        </dgm:presLayoutVars>
+      </dgm:prSet>
+      <dgm:spPr/>
+    </dgm:pt>
+    <dgm:pt modelId="{B0BE4370-C8D7-46AB-8F49-33698C822199}" type="pres">
+      <dgm:prSet presAssocID="{83A1DB12-05CA-416C-8564-43039C54A3AE}" presName="FourNodes_4_text" presStyleLbl="node1" presStyleIdx="3" presStyleCnt="4">
+        <dgm:presLayoutVars>
           <dgm:bulletEnabled val="1"/>
         </dgm:presLayoutVars>
       </dgm:prSet>
@@ -1379,28 +1427,40 @@
     </dgm:pt>
   </dgm:ptLst>
   <dgm:cxnLst>
-    <dgm:cxn modelId="{16E78B05-A42F-4A9E-B382-E9C38ED75742}" type="presOf" srcId="{3DDFE797-D85D-4F2D-AE7A-3C692B803B0E}" destId="{6FBDE440-1378-4AD1-8470-3609C580C7D4}" srcOrd="0" destOrd="0" presId="urn:microsoft.com/office/officeart/2005/8/layout/vList2"/>
+    <dgm:cxn modelId="{D2C40212-DC4B-4D17-BB48-5559904885C5}" type="presOf" srcId="{E2B026C2-A6DE-4AA4-B638-20AE24E6FA46}" destId="{B7A7D6A8-89BE-43C1-822B-CA9865F0E933}" srcOrd="1" destOrd="0" presId="urn:microsoft.com/office/officeart/2005/8/layout/vProcess5"/>
+    <dgm:cxn modelId="{223F8816-24EE-494F-A13C-E1201E286E3C}" type="presOf" srcId="{83A1DB12-05CA-416C-8564-43039C54A3AE}" destId="{35E7C1BC-3D17-45E2-A225-E3D4AA8DC769}" srcOrd="0" destOrd="0" presId="urn:microsoft.com/office/officeart/2005/8/layout/vProcess5"/>
+    <dgm:cxn modelId="{D2776319-649A-4750-B563-15614118A432}" type="presOf" srcId="{89CDB0AE-E020-4BB7-80FC-D11F0DD13044}" destId="{974C9B2F-8CE4-4286-9BC8-25216AA6FBD2}" srcOrd="0" destOrd="0" presId="urn:microsoft.com/office/officeart/2005/8/layout/vProcess5"/>
+    <dgm:cxn modelId="{4466B730-85BB-435E-8E16-3A9396605E83}" type="presOf" srcId="{B0CAB23E-75FC-498D-9FD3-67C5046D63E7}" destId="{7058F285-8002-4465-9E71-9F495C784C91}" srcOrd="0" destOrd="0" presId="urn:microsoft.com/office/officeart/2005/8/layout/vProcess5"/>
     <dgm:cxn modelId="{31EC835C-FBFA-40A9-99F7-5A4DBDC9D950}" srcId="{83A1DB12-05CA-416C-8564-43039C54A3AE}" destId="{E2B026C2-A6DE-4AA4-B638-20AE24E6FA46}" srcOrd="0" destOrd="0" parTransId="{B1A18598-573B-499E-BCDD-B1D7B05F41C6}" sibTransId="{66B3F912-9725-42C5-93D8-726E104B2BDF}"/>
-    <dgm:cxn modelId="{BC5EA244-EC4B-496A-8CBC-A03B9C220E03}" type="presOf" srcId="{E2B026C2-A6DE-4AA4-B638-20AE24E6FA46}" destId="{B4A937C5-4400-4202-BB87-C9677F29104F}" srcOrd="0" destOrd="0" presId="urn:microsoft.com/office/officeart/2005/8/layout/vList2"/>
-    <dgm:cxn modelId="{0995F375-CBBF-4803-8CAB-A0EDCF10F465}" type="presOf" srcId="{B0CAB23E-75FC-498D-9FD3-67C5046D63E7}" destId="{5D925B11-65FF-464C-8AF4-5E3562792F8F}" srcOrd="0" destOrd="0" presId="urn:microsoft.com/office/officeart/2005/8/layout/vList2"/>
-    <dgm:cxn modelId="{271F2557-DE8A-4B8C-8DB5-2BF8B4E026E8}" type="presOf" srcId="{41F02600-CEEC-4EFC-BD9E-D6309E692D90}" destId="{B1C199EE-336B-4D3D-8F04-62FFF6521632}" srcOrd="0" destOrd="0" presId="urn:microsoft.com/office/officeart/2005/8/layout/vList2"/>
     <dgm:cxn modelId="{715BBA7B-B07C-4B4D-9170-340E929D6227}" srcId="{83A1DB12-05CA-416C-8564-43039C54A3AE}" destId="{41F02600-CEEC-4EFC-BD9E-D6309E692D90}" srcOrd="1" destOrd="0" parTransId="{0E52AD0F-346A-4AB2-939A-D44A62490ABC}" sibTransId="{89CDB0AE-E020-4BB7-80FC-D11F0DD13044}"/>
+    <dgm:cxn modelId="{7C8BBD7D-4E09-4AA5-BEE6-251020B2D94A}" type="presOf" srcId="{3DDFE797-D85D-4F2D-AE7A-3C692B803B0E}" destId="{3EC47E6B-AB30-4D7A-8180-D5828D668C66}" srcOrd="0" destOrd="0" presId="urn:microsoft.com/office/officeart/2005/8/layout/vProcess5"/>
+    <dgm:cxn modelId="{D2CB9380-80BE-4897-B511-C6DF9A20EE7D}" type="presOf" srcId="{E2B026C2-A6DE-4AA4-B638-20AE24E6FA46}" destId="{450BEDB3-B6AC-4A2B-A478-7E6B44655F02}" srcOrd="0" destOrd="0" presId="urn:microsoft.com/office/officeart/2005/8/layout/vProcess5"/>
+    <dgm:cxn modelId="{D0990A96-8BFC-4E12-AB48-89306DA80935}" type="presOf" srcId="{41F02600-CEEC-4EFC-BD9E-D6309E692D90}" destId="{78399C9A-A2E2-4701-A1B8-461E77E272D6}" srcOrd="1" destOrd="0" presId="urn:microsoft.com/office/officeart/2005/8/layout/vProcess5"/>
+    <dgm:cxn modelId="{F0C77997-EA18-4A7D-A886-5B4B38D3F1DD}" type="presOf" srcId="{41F02600-CEEC-4EFC-BD9E-D6309E692D90}" destId="{B65142A8-87BF-4D55-A70C-38D5EC1F7AAF}" srcOrd="0" destOrd="0" presId="urn:microsoft.com/office/officeart/2005/8/layout/vProcess5"/>
+    <dgm:cxn modelId="{5DF038A7-C9E0-468D-8625-016586EEA279}" type="presOf" srcId="{66B3F912-9725-42C5-93D8-726E104B2BDF}" destId="{59F08D83-D108-4C75-B5BB-4FA4BC723340}" srcOrd="0" destOrd="0" presId="urn:microsoft.com/office/officeart/2005/8/layout/vProcess5"/>
     <dgm:cxn modelId="{5C8BB3A8-38F4-4C18-B626-868C734732C8}" srcId="{83A1DB12-05CA-416C-8564-43039C54A3AE}" destId="{B0CAB23E-75FC-498D-9FD3-67C5046D63E7}" srcOrd="2" destOrd="0" parTransId="{951B08BC-BFF3-462D-87BC-991EDC1CDE9C}" sibTransId="{45F977A9-5884-4497-A781-CE2AAB8C8B72}"/>
-    <dgm:cxn modelId="{D7E7A2D5-5521-4A10-B6EC-2AA6322D9B8C}" type="presOf" srcId="{83A1DB12-05CA-416C-8564-43039C54A3AE}" destId="{85B31F96-B206-432C-8DED-AB31E541C0F0}" srcOrd="0" destOrd="0" presId="urn:microsoft.com/office/officeart/2005/8/layout/vList2"/>
+    <dgm:cxn modelId="{0A7CE4C7-FA76-411F-B7DC-4577DB538CA1}" type="presOf" srcId="{45F977A9-5884-4497-A781-CE2AAB8C8B72}" destId="{09D07063-49BD-47F2-A054-E2731A1637D6}" srcOrd="0" destOrd="0" presId="urn:microsoft.com/office/officeart/2005/8/layout/vProcess5"/>
     <dgm:cxn modelId="{90D643DE-8C85-43CC-AEE8-28E5678681A4}" srcId="{83A1DB12-05CA-416C-8564-43039C54A3AE}" destId="{3DDFE797-D85D-4F2D-AE7A-3C692B803B0E}" srcOrd="3" destOrd="0" parTransId="{50EF7EC6-5F00-4FD3-A4A4-BA560C4EA1F5}" sibTransId="{67EF54F7-265E-48F6-9643-8F589AC2640A}"/>
-    <dgm:cxn modelId="{B369275B-60CF-4A3F-853F-DA6964F9B041}" type="presParOf" srcId="{85B31F96-B206-432C-8DED-AB31E541C0F0}" destId="{B4A937C5-4400-4202-BB87-C9677F29104F}" srcOrd="0" destOrd="0" presId="urn:microsoft.com/office/officeart/2005/8/layout/vList2"/>
-    <dgm:cxn modelId="{53A395C4-FBA3-49CB-ACAF-6BA195DE2C7A}" type="presParOf" srcId="{85B31F96-B206-432C-8DED-AB31E541C0F0}" destId="{0A03C885-7EB7-4284-B4F6-F148D06058F7}" srcOrd="1" destOrd="0" presId="urn:microsoft.com/office/officeart/2005/8/layout/vList2"/>
-    <dgm:cxn modelId="{FF7F3E56-9ADA-469F-A3B4-2B4DAD958BFC}" type="presParOf" srcId="{85B31F96-B206-432C-8DED-AB31E541C0F0}" destId="{B1C199EE-336B-4D3D-8F04-62FFF6521632}" srcOrd="2" destOrd="0" presId="urn:microsoft.com/office/officeart/2005/8/layout/vList2"/>
-    <dgm:cxn modelId="{FBD04494-84B2-46FC-B3E1-ED1DF46F076B}" type="presParOf" srcId="{85B31F96-B206-432C-8DED-AB31E541C0F0}" destId="{13BB5C00-2342-4874-B0BA-2DB0DEC56A4E}" srcOrd="3" destOrd="0" presId="urn:microsoft.com/office/officeart/2005/8/layout/vList2"/>
-    <dgm:cxn modelId="{ED8AB4E2-AB62-432E-B298-250A81523533}" type="presParOf" srcId="{85B31F96-B206-432C-8DED-AB31E541C0F0}" destId="{5D925B11-65FF-464C-8AF4-5E3562792F8F}" srcOrd="4" destOrd="0" presId="urn:microsoft.com/office/officeart/2005/8/layout/vList2"/>
-    <dgm:cxn modelId="{DB1AE991-DFBE-4872-94B6-AFF1F51118E1}" type="presParOf" srcId="{85B31F96-B206-432C-8DED-AB31E541C0F0}" destId="{1D3BAA01-EA1D-48B3-8B46-14C908494DB6}" srcOrd="5" destOrd="0" presId="urn:microsoft.com/office/officeart/2005/8/layout/vList2"/>
-    <dgm:cxn modelId="{27F1E414-1D2D-4D10-83E7-A84512AA0685}" type="presParOf" srcId="{85B31F96-B206-432C-8DED-AB31E541C0F0}" destId="{6FBDE440-1378-4AD1-8470-3609C580C7D4}" srcOrd="6" destOrd="0" presId="urn:microsoft.com/office/officeart/2005/8/layout/vList2"/>
+    <dgm:cxn modelId="{284B60EB-0249-4E26-8458-D747D8466115}" type="presOf" srcId="{B0CAB23E-75FC-498D-9FD3-67C5046D63E7}" destId="{36CAE754-6CBA-48BE-AC53-08A180672608}" srcOrd="1" destOrd="0" presId="urn:microsoft.com/office/officeart/2005/8/layout/vProcess5"/>
+    <dgm:cxn modelId="{35E237F6-D451-49AB-803E-253A007FCD7D}" type="presOf" srcId="{3DDFE797-D85D-4F2D-AE7A-3C692B803B0E}" destId="{B0BE4370-C8D7-46AB-8F49-33698C822199}" srcOrd="1" destOrd="0" presId="urn:microsoft.com/office/officeart/2005/8/layout/vProcess5"/>
+    <dgm:cxn modelId="{44CA8F98-2BEB-404C-8E5F-8A03344B0C0F}" type="presParOf" srcId="{35E7C1BC-3D17-45E2-A225-E3D4AA8DC769}" destId="{DEDCEA67-F2E5-4D44-9C6B-1045159948F6}" srcOrd="0" destOrd="0" presId="urn:microsoft.com/office/officeart/2005/8/layout/vProcess5"/>
+    <dgm:cxn modelId="{9775E545-D195-4615-9AFB-4C46B043ABDB}" type="presParOf" srcId="{35E7C1BC-3D17-45E2-A225-E3D4AA8DC769}" destId="{450BEDB3-B6AC-4A2B-A478-7E6B44655F02}" srcOrd="1" destOrd="0" presId="urn:microsoft.com/office/officeart/2005/8/layout/vProcess5"/>
+    <dgm:cxn modelId="{B28735CB-356A-4F29-A48F-46C1AF1E52CD}" type="presParOf" srcId="{35E7C1BC-3D17-45E2-A225-E3D4AA8DC769}" destId="{B65142A8-87BF-4D55-A70C-38D5EC1F7AAF}" srcOrd="2" destOrd="0" presId="urn:microsoft.com/office/officeart/2005/8/layout/vProcess5"/>
+    <dgm:cxn modelId="{770A1BBC-782A-4D36-A5F6-51E7CB5B4738}" type="presParOf" srcId="{35E7C1BC-3D17-45E2-A225-E3D4AA8DC769}" destId="{7058F285-8002-4465-9E71-9F495C784C91}" srcOrd="3" destOrd="0" presId="urn:microsoft.com/office/officeart/2005/8/layout/vProcess5"/>
+    <dgm:cxn modelId="{65A43188-AEC4-4E68-8A20-89825DA71355}" type="presParOf" srcId="{35E7C1BC-3D17-45E2-A225-E3D4AA8DC769}" destId="{3EC47E6B-AB30-4D7A-8180-D5828D668C66}" srcOrd="4" destOrd="0" presId="urn:microsoft.com/office/officeart/2005/8/layout/vProcess5"/>
+    <dgm:cxn modelId="{315F76B3-9646-426F-9B34-51ABF645B214}" type="presParOf" srcId="{35E7C1BC-3D17-45E2-A225-E3D4AA8DC769}" destId="{59F08D83-D108-4C75-B5BB-4FA4BC723340}" srcOrd="5" destOrd="0" presId="urn:microsoft.com/office/officeart/2005/8/layout/vProcess5"/>
+    <dgm:cxn modelId="{82675397-7FC8-4F0E-8251-F13F0120FE0D}" type="presParOf" srcId="{35E7C1BC-3D17-45E2-A225-E3D4AA8DC769}" destId="{974C9B2F-8CE4-4286-9BC8-25216AA6FBD2}" srcOrd="6" destOrd="0" presId="urn:microsoft.com/office/officeart/2005/8/layout/vProcess5"/>
+    <dgm:cxn modelId="{C0552E4E-5A22-4FAB-B362-D97958A859F5}" type="presParOf" srcId="{35E7C1BC-3D17-45E2-A225-E3D4AA8DC769}" destId="{09D07063-49BD-47F2-A054-E2731A1637D6}" srcOrd="7" destOrd="0" presId="urn:microsoft.com/office/officeart/2005/8/layout/vProcess5"/>
+    <dgm:cxn modelId="{94ED4933-8BE3-420F-A8AE-D756FB2566DB}" type="presParOf" srcId="{35E7C1BC-3D17-45E2-A225-E3D4AA8DC769}" destId="{B7A7D6A8-89BE-43C1-822B-CA9865F0E933}" srcOrd="8" destOrd="0" presId="urn:microsoft.com/office/officeart/2005/8/layout/vProcess5"/>
+    <dgm:cxn modelId="{BC214F0A-7BE9-4363-A826-2575411D7E66}" type="presParOf" srcId="{35E7C1BC-3D17-45E2-A225-E3D4AA8DC769}" destId="{78399C9A-A2E2-4701-A1B8-461E77E272D6}" srcOrd="9" destOrd="0" presId="urn:microsoft.com/office/officeart/2005/8/layout/vProcess5"/>
+    <dgm:cxn modelId="{55CC1E33-8028-402D-B310-7011299C24E7}" type="presParOf" srcId="{35E7C1BC-3D17-45E2-A225-E3D4AA8DC769}" destId="{36CAE754-6CBA-48BE-AC53-08A180672608}" srcOrd="10" destOrd="0" presId="urn:microsoft.com/office/officeart/2005/8/layout/vProcess5"/>
+    <dgm:cxn modelId="{06476616-9783-4978-BFA4-EE65B81165D7}" type="presParOf" srcId="{35E7C1BC-3D17-45E2-A225-E3D4AA8DC769}" destId="{B0BE4370-C8D7-46AB-8F49-33698C822199}" srcOrd="11" destOrd="0" presId="urn:microsoft.com/office/officeart/2005/8/layout/vProcess5"/>
   </dgm:cxnLst>
   <dgm:bg/>
   <dgm:whole/>
   <dgm:extLst>
     <a:ext uri="http://schemas.microsoft.com/office/drawing/2008/diagram">
-      <dsp:dataModelExt xmlns:dsp="http://schemas.microsoft.com/office/drawing/2008/diagram" relId="rId7" minVer="http://schemas.openxmlformats.org/drawingml/2006/diagram"/>
+      <dsp:dataModelExt xmlns:dsp="http://schemas.microsoft.com/office/drawing/2008/diagram" relId="rId8" minVer="http://schemas.openxmlformats.org/drawingml/2006/diagram"/>
     </a:ext>
   </dgm:extLst>
 </dgm:dataModel>
@@ -1414,23 +1474,25 @@
       <dsp:cNvGrpSpPr/>
     </dsp:nvGrpSpPr>
     <dsp:grpSpPr/>
-    <dsp:sp modelId="{B4A937C5-4400-4202-BB87-C9677F29104F}">
+    <dsp:sp modelId="{450BEDB3-B6AC-4A2B-A478-7E6B44655F02}">
       <dsp:nvSpPr>
         <dsp:cNvPr id="0" name=""/>
         <dsp:cNvSpPr/>
       </dsp:nvSpPr>
       <dsp:spPr>
         <a:xfrm>
-          <a:off x="0" y="4750"/>
-          <a:ext cx="6545199" cy="1103310"/>
+          <a:off x="0" y="0"/>
+          <a:ext cx="5274460" cy="873891"/>
         </a:xfrm>
         <a:prstGeom prst="roundRect">
-          <a:avLst/>
+          <a:avLst>
+            <a:gd name="adj" fmla="val 10000"/>
+          </a:avLst>
         </a:prstGeom>
         <a:gradFill rotWithShape="0">
           <a:gsLst>
             <a:gs pos="0">
-              <a:schemeClr val="accent2">
+              <a:schemeClr val="accent5">
                 <a:hueOff val="0"/>
                 <a:satOff val="0"/>
                 <a:lumOff val="0"/>
@@ -1440,7 +1502,7 @@
               </a:schemeClr>
             </a:gs>
             <a:gs pos="100000">
-              <a:schemeClr val="accent2">
+              <a:schemeClr val="accent5">
                 <a:hueOff val="0"/>
                 <a:satOff val="0"/>
                 <a:lumOff val="0"/>
@@ -1478,12 +1540,12 @@
         </a:fontRef>
       </dsp:style>
       <dsp:txBody>
-        <a:bodyPr spcFirstLastPara="0" vert="horz" wrap="square" lIns="175260" tIns="175260" rIns="175260" bIns="175260" numCol="1" spcCol="1270" anchor="ctr" anchorCtr="0">
+        <a:bodyPr spcFirstLastPara="0" vert="horz" wrap="square" lIns="137160" tIns="137160" rIns="137160" bIns="137160" numCol="1" spcCol="1270" anchor="ctr" anchorCtr="0">
           <a:noAutofit/>
         </a:bodyPr>
         <a:lstStyle/>
         <a:p>
-          <a:pPr marL="0" lvl="0" indent="0" algn="l" defTabSz="2044700">
+          <a:pPr marL="0" lvl="0" indent="0" algn="l" defTabSz="1600200">
             <a:lnSpc>
               <a:spcPct val="90000"/>
             </a:lnSpc>
@@ -1496,47 +1558,49 @@
             <a:buNone/>
           </a:pPr>
           <a:r>
-            <a:rPr lang="nl-BE" sz="4600" kern="1200" dirty="0"/>
-            <a:t>IT als hulpmiddel</a:t>
+            <a:rPr lang="nl-BE" sz="3600" kern="1200" dirty="0"/>
+            <a:t>IT in sportscholen</a:t>
           </a:r>
-          <a:endParaRPr lang="en-US" sz="4600" kern="1200" dirty="0"/>
+          <a:endParaRPr lang="en-US" sz="3600" kern="1200" dirty="0"/>
         </a:p>
       </dsp:txBody>
       <dsp:txXfrm>
-        <a:off x="53859" y="58609"/>
-        <a:ext cx="6437481" cy="995592"/>
+        <a:off x="25595" y="25595"/>
+        <a:ext cx="4257620" cy="822701"/>
       </dsp:txXfrm>
     </dsp:sp>
-    <dsp:sp modelId="{B1C199EE-336B-4D3D-8F04-62FFF6521632}">
+    <dsp:sp modelId="{B65142A8-87BF-4D55-A70C-38D5EC1F7AAF}">
       <dsp:nvSpPr>
         <dsp:cNvPr id="0" name=""/>
         <dsp:cNvSpPr/>
       </dsp:nvSpPr>
       <dsp:spPr>
         <a:xfrm>
-          <a:off x="0" y="1240540"/>
-          <a:ext cx="6545199" cy="1103310"/>
+          <a:off x="441736" y="1032780"/>
+          <a:ext cx="5274460" cy="873891"/>
         </a:xfrm>
         <a:prstGeom prst="roundRect">
-          <a:avLst/>
+          <a:avLst>
+            <a:gd name="adj" fmla="val 10000"/>
+          </a:avLst>
         </a:prstGeom>
         <a:gradFill rotWithShape="0">
           <a:gsLst>
             <a:gs pos="0">
-              <a:schemeClr val="accent2">
-                <a:hueOff val="-1036716"/>
-                <a:satOff val="-5484"/>
-                <a:lumOff val="-2091"/>
+              <a:schemeClr val="accent5">
+                <a:hueOff val="-668312"/>
+                <a:satOff val="367"/>
+                <a:lumOff val="1765"/>
                 <a:alphaOff val="0"/>
                 <a:tint val="98000"/>
                 <a:lumMod val="100000"/>
               </a:schemeClr>
             </a:gs>
             <a:gs pos="100000">
-              <a:schemeClr val="accent2">
-                <a:hueOff val="-1036716"/>
-                <a:satOff val="-5484"/>
-                <a:lumOff val="-2091"/>
+              <a:schemeClr val="accent5">
+                <a:hueOff val="-668312"/>
+                <a:satOff val="367"/>
+                <a:lumOff val="1765"/>
                 <a:alphaOff val="0"/>
                 <a:shade val="88000"/>
                 <a:lumMod val="88000"/>
@@ -1571,12 +1635,12 @@
         </a:fontRef>
       </dsp:style>
       <dsp:txBody>
-        <a:bodyPr spcFirstLastPara="0" vert="horz" wrap="square" lIns="175260" tIns="175260" rIns="175260" bIns="175260" numCol="1" spcCol="1270" anchor="ctr" anchorCtr="0">
+        <a:bodyPr spcFirstLastPara="0" vert="horz" wrap="square" lIns="137160" tIns="137160" rIns="137160" bIns="137160" numCol="1" spcCol="1270" anchor="ctr" anchorCtr="0">
           <a:noAutofit/>
         </a:bodyPr>
         <a:lstStyle/>
         <a:p>
-          <a:pPr marL="0" lvl="0" indent="0" algn="l" defTabSz="2044700">
+          <a:pPr marL="0" lvl="0" indent="0" algn="l" defTabSz="1600200">
             <a:lnSpc>
               <a:spcPct val="90000"/>
             </a:lnSpc>
@@ -1589,47 +1653,49 @@
             <a:buNone/>
           </a:pPr>
           <a:r>
-            <a:rPr lang="nl-BE" sz="4600" kern="1200" dirty="0"/>
+            <a:rPr lang="nl-BE" sz="3600" kern="1200" dirty="0"/>
             <a:t>Gezondheidstracking</a:t>
           </a:r>
-          <a:endParaRPr lang="en-US" sz="4600" kern="1200" dirty="0"/>
+          <a:endParaRPr lang="en-US" sz="3600" kern="1200" dirty="0"/>
         </a:p>
       </dsp:txBody>
       <dsp:txXfrm>
-        <a:off x="53859" y="1294399"/>
-        <a:ext cx="6437481" cy="995592"/>
+        <a:off x="467331" y="1058375"/>
+        <a:ext cx="4213504" cy="822701"/>
       </dsp:txXfrm>
     </dsp:sp>
-    <dsp:sp modelId="{5D925B11-65FF-464C-8AF4-5E3562792F8F}">
+    <dsp:sp modelId="{7058F285-8002-4465-9E71-9F495C784C91}">
       <dsp:nvSpPr>
         <dsp:cNvPr id="0" name=""/>
         <dsp:cNvSpPr/>
       </dsp:nvSpPr>
       <dsp:spPr>
         <a:xfrm>
-          <a:off x="0" y="2476331"/>
-          <a:ext cx="6545199" cy="1103310"/>
+          <a:off x="876878" y="2065560"/>
+          <a:ext cx="5274460" cy="873891"/>
         </a:xfrm>
         <a:prstGeom prst="roundRect">
-          <a:avLst/>
+          <a:avLst>
+            <a:gd name="adj" fmla="val 10000"/>
+          </a:avLst>
         </a:prstGeom>
         <a:gradFill rotWithShape="0">
           <a:gsLst>
             <a:gs pos="0">
-              <a:schemeClr val="accent2">
-                <a:hueOff val="-2073432"/>
-                <a:satOff val="-10969"/>
-                <a:lumOff val="-4183"/>
+              <a:schemeClr val="accent5">
+                <a:hueOff val="-1336625"/>
+                <a:satOff val="735"/>
+                <a:lumOff val="3529"/>
                 <a:alphaOff val="0"/>
                 <a:tint val="98000"/>
                 <a:lumMod val="100000"/>
               </a:schemeClr>
             </a:gs>
             <a:gs pos="100000">
-              <a:schemeClr val="accent2">
-                <a:hueOff val="-2073432"/>
-                <a:satOff val="-10969"/>
-                <a:lumOff val="-4183"/>
+              <a:schemeClr val="accent5">
+                <a:hueOff val="-1336625"/>
+                <a:satOff val="735"/>
+                <a:lumOff val="3529"/>
                 <a:alphaOff val="0"/>
                 <a:shade val="88000"/>
                 <a:lumMod val="88000"/>
@@ -1664,12 +1730,12 @@
         </a:fontRef>
       </dsp:style>
       <dsp:txBody>
-        <a:bodyPr spcFirstLastPara="0" vert="horz" wrap="square" lIns="175260" tIns="175260" rIns="175260" bIns="175260" numCol="1" spcCol="1270" anchor="ctr" anchorCtr="0">
+        <a:bodyPr spcFirstLastPara="0" vert="horz" wrap="square" lIns="137160" tIns="137160" rIns="137160" bIns="137160" numCol="1" spcCol="1270" anchor="ctr" anchorCtr="0">
           <a:noAutofit/>
         </a:bodyPr>
         <a:lstStyle/>
         <a:p>
-          <a:pPr marL="0" lvl="0" indent="0" algn="l" defTabSz="2044700">
+          <a:pPr marL="0" lvl="0" indent="0" algn="l" defTabSz="1600200">
             <a:lnSpc>
               <a:spcPct val="90000"/>
             </a:lnSpc>
@@ -1682,47 +1748,49 @@
             <a:buNone/>
           </a:pPr>
           <a:r>
-            <a:rPr lang="nl-BE" sz="4600" kern="1200" dirty="0"/>
+            <a:rPr lang="nl-BE" sz="3600" kern="1200" dirty="0"/>
             <a:t>IT binnen sportclubs</a:t>
           </a:r>
-          <a:endParaRPr lang="en-US" sz="4600" kern="1200" dirty="0"/>
+          <a:endParaRPr lang="en-US" sz="3600" kern="1200" dirty="0"/>
         </a:p>
       </dsp:txBody>
       <dsp:txXfrm>
-        <a:off x="53859" y="2530190"/>
-        <a:ext cx="6437481" cy="995592"/>
+        <a:off x="902473" y="2091155"/>
+        <a:ext cx="4220097" cy="822701"/>
       </dsp:txXfrm>
     </dsp:sp>
-    <dsp:sp modelId="{6FBDE440-1378-4AD1-8470-3609C580C7D4}">
+    <dsp:sp modelId="{3EC47E6B-AB30-4D7A-8180-D5828D668C66}">
       <dsp:nvSpPr>
         <dsp:cNvPr id="0" name=""/>
         <dsp:cNvSpPr/>
       </dsp:nvSpPr>
       <dsp:spPr>
         <a:xfrm>
-          <a:off x="0" y="3712121"/>
-          <a:ext cx="6545199" cy="1103310"/>
+          <a:off x="1318614" y="3098340"/>
+          <a:ext cx="5274460" cy="873891"/>
         </a:xfrm>
         <a:prstGeom prst="roundRect">
-          <a:avLst/>
+          <a:avLst>
+            <a:gd name="adj" fmla="val 10000"/>
+          </a:avLst>
         </a:prstGeom>
         <a:gradFill rotWithShape="0">
           <a:gsLst>
             <a:gs pos="0">
-              <a:schemeClr val="accent2">
-                <a:hueOff val="-3110148"/>
-                <a:satOff val="-16453"/>
-                <a:lumOff val="-6274"/>
+              <a:schemeClr val="accent5">
+                <a:hueOff val="-2004937"/>
+                <a:satOff val="1102"/>
+                <a:lumOff val="5294"/>
                 <a:alphaOff val="0"/>
                 <a:tint val="98000"/>
                 <a:lumMod val="100000"/>
               </a:schemeClr>
             </a:gs>
             <a:gs pos="100000">
-              <a:schemeClr val="accent2">
-                <a:hueOff val="-3110148"/>
-                <a:satOff val="-16453"/>
-                <a:lumOff val="-6274"/>
+              <a:schemeClr val="accent5">
+                <a:hueOff val="-2004937"/>
+                <a:satOff val="1102"/>
+                <a:lumOff val="5294"/>
                 <a:alphaOff val="0"/>
                 <a:shade val="88000"/>
                 <a:lumMod val="88000"/>
@@ -1757,12 +1825,12 @@
         </a:fontRef>
       </dsp:style>
       <dsp:txBody>
-        <a:bodyPr spcFirstLastPara="0" vert="horz" wrap="square" lIns="175260" tIns="175260" rIns="175260" bIns="175260" numCol="1" spcCol="1270" anchor="ctr" anchorCtr="0">
+        <a:bodyPr spcFirstLastPara="0" vert="horz" wrap="square" lIns="137160" tIns="137160" rIns="137160" bIns="137160" numCol="1" spcCol="1270" anchor="ctr" anchorCtr="0">
           <a:noAutofit/>
         </a:bodyPr>
         <a:lstStyle/>
         <a:p>
-          <a:pPr marL="0" lvl="0" indent="0" algn="l" defTabSz="2044700">
+          <a:pPr marL="0" lvl="0" indent="0" algn="l" defTabSz="1600200">
             <a:lnSpc>
               <a:spcPct val="90000"/>
             </a:lnSpc>
@@ -1775,15 +1843,252 @@
             <a:buNone/>
           </a:pPr>
           <a:r>
-            <a:rPr lang="nl-BE" sz="4600" kern="1200" dirty="0"/>
+            <a:rPr lang="nl-BE" sz="3600" kern="1200" dirty="0"/>
             <a:t>Conclusie</a:t>
           </a:r>
-          <a:endParaRPr lang="en-US" sz="4600" kern="1200" dirty="0"/>
+          <a:endParaRPr lang="en-US" sz="3600" kern="1200" dirty="0"/>
         </a:p>
       </dsp:txBody>
       <dsp:txXfrm>
-        <a:off x="53859" y="3765980"/>
-        <a:ext cx="6437481" cy="995592"/>
+        <a:off x="1344209" y="3123935"/>
+        <a:ext cx="4213504" cy="822701"/>
+      </dsp:txXfrm>
+    </dsp:sp>
+    <dsp:sp modelId="{59F08D83-D108-4C75-B5BB-4FA4BC723340}">
+      <dsp:nvSpPr>
+        <dsp:cNvPr id="0" name=""/>
+        <dsp:cNvSpPr/>
+      </dsp:nvSpPr>
+      <dsp:spPr>
+        <a:xfrm>
+          <a:off x="4706430" y="669321"/>
+          <a:ext cx="568029" cy="568029"/>
+        </a:xfrm>
+        <a:prstGeom prst="downArrow">
+          <a:avLst>
+            <a:gd name="adj1" fmla="val 55000"/>
+            <a:gd name="adj2" fmla="val 45000"/>
+          </a:avLst>
+        </a:prstGeom>
+        <a:solidFill>
+          <a:schemeClr val="accent5">
+            <a:tint val="40000"/>
+            <a:alpha val="90000"/>
+            <a:hueOff val="0"/>
+            <a:satOff val="0"/>
+            <a:lumOff val="0"/>
+            <a:alphaOff val="0"/>
+          </a:schemeClr>
+        </a:solidFill>
+        <a:ln w="9525" cap="rnd" cmpd="sng" algn="ctr">
+          <a:solidFill>
+            <a:schemeClr val="accent5">
+              <a:tint val="40000"/>
+              <a:alpha val="90000"/>
+              <a:hueOff val="0"/>
+              <a:satOff val="0"/>
+              <a:lumOff val="0"/>
+              <a:alphaOff val="0"/>
+            </a:schemeClr>
+          </a:solidFill>
+          <a:prstDash val="solid"/>
+        </a:ln>
+        <a:effectLst/>
+      </dsp:spPr>
+      <dsp:style>
+        <a:lnRef idx="1">
+          <a:scrgbClr r="0" g="0" b="0"/>
+        </a:lnRef>
+        <a:fillRef idx="1">
+          <a:scrgbClr r="0" g="0" b="0"/>
+        </a:fillRef>
+        <a:effectRef idx="0">
+          <a:scrgbClr r="0" g="0" b="0"/>
+        </a:effectRef>
+        <a:fontRef idx="minor"/>
+      </dsp:style>
+      <dsp:txBody>
+        <a:bodyPr spcFirstLastPara="0" vert="horz" wrap="square" lIns="31750" tIns="31750" rIns="31750" bIns="31750" numCol="1" spcCol="1270" anchor="ctr" anchorCtr="0">
+          <a:noAutofit/>
+        </a:bodyPr>
+        <a:lstStyle/>
+        <a:p>
+          <a:pPr marL="0" lvl="0" indent="0" algn="ctr" defTabSz="1111250">
+            <a:lnSpc>
+              <a:spcPct val="90000"/>
+            </a:lnSpc>
+            <a:spcBef>
+              <a:spcPct val="0"/>
+            </a:spcBef>
+            <a:spcAft>
+              <a:spcPct val="35000"/>
+            </a:spcAft>
+            <a:buNone/>
+          </a:pPr>
+          <a:endParaRPr lang="en-US" sz="2500" kern="1200"/>
+        </a:p>
+      </dsp:txBody>
+      <dsp:txXfrm>
+        <a:off x="4834237" y="669321"/>
+        <a:ext cx="312415" cy="427442"/>
+      </dsp:txXfrm>
+    </dsp:sp>
+    <dsp:sp modelId="{974C9B2F-8CE4-4286-9BC8-25216AA6FBD2}">
+      <dsp:nvSpPr>
+        <dsp:cNvPr id="0" name=""/>
+        <dsp:cNvSpPr/>
+      </dsp:nvSpPr>
+      <dsp:spPr>
+        <a:xfrm>
+          <a:off x="5148166" y="1702101"/>
+          <a:ext cx="568029" cy="568029"/>
+        </a:xfrm>
+        <a:prstGeom prst="downArrow">
+          <a:avLst>
+            <a:gd name="adj1" fmla="val 55000"/>
+            <a:gd name="adj2" fmla="val 45000"/>
+          </a:avLst>
+        </a:prstGeom>
+        <a:solidFill>
+          <a:schemeClr val="accent5">
+            <a:tint val="40000"/>
+            <a:alpha val="90000"/>
+            <a:hueOff val="-783884"/>
+            <a:satOff val="1750"/>
+            <a:lumOff val="363"/>
+            <a:alphaOff val="0"/>
+          </a:schemeClr>
+        </a:solidFill>
+        <a:ln w="9525" cap="rnd" cmpd="sng" algn="ctr">
+          <a:solidFill>
+            <a:schemeClr val="accent5">
+              <a:tint val="40000"/>
+              <a:alpha val="90000"/>
+              <a:hueOff val="0"/>
+              <a:satOff val="0"/>
+              <a:lumOff val="0"/>
+              <a:alphaOff val="0"/>
+            </a:schemeClr>
+          </a:solidFill>
+          <a:prstDash val="solid"/>
+        </a:ln>
+        <a:effectLst/>
+      </dsp:spPr>
+      <dsp:style>
+        <a:lnRef idx="1">
+          <a:scrgbClr r="0" g="0" b="0"/>
+        </a:lnRef>
+        <a:fillRef idx="1">
+          <a:scrgbClr r="0" g="0" b="0"/>
+        </a:fillRef>
+        <a:effectRef idx="0">
+          <a:scrgbClr r="0" g="0" b="0"/>
+        </a:effectRef>
+        <a:fontRef idx="minor"/>
+      </dsp:style>
+      <dsp:txBody>
+        <a:bodyPr spcFirstLastPara="0" vert="horz" wrap="square" lIns="31750" tIns="31750" rIns="31750" bIns="31750" numCol="1" spcCol="1270" anchor="ctr" anchorCtr="0">
+          <a:noAutofit/>
+        </a:bodyPr>
+        <a:lstStyle/>
+        <a:p>
+          <a:pPr marL="0" lvl="0" indent="0" algn="ctr" defTabSz="1111250">
+            <a:lnSpc>
+              <a:spcPct val="90000"/>
+            </a:lnSpc>
+            <a:spcBef>
+              <a:spcPct val="0"/>
+            </a:spcBef>
+            <a:spcAft>
+              <a:spcPct val="35000"/>
+            </a:spcAft>
+            <a:buNone/>
+          </a:pPr>
+          <a:endParaRPr lang="en-US" sz="2500" kern="1200"/>
+        </a:p>
+      </dsp:txBody>
+      <dsp:txXfrm>
+        <a:off x="5275973" y="1702101"/>
+        <a:ext cx="312415" cy="427442"/>
+      </dsp:txXfrm>
+    </dsp:sp>
+    <dsp:sp modelId="{09D07063-49BD-47F2-A054-E2731A1637D6}">
+      <dsp:nvSpPr>
+        <dsp:cNvPr id="0" name=""/>
+        <dsp:cNvSpPr/>
+      </dsp:nvSpPr>
+      <dsp:spPr>
+        <a:xfrm>
+          <a:off x="5583309" y="2734881"/>
+          <a:ext cx="568029" cy="568029"/>
+        </a:xfrm>
+        <a:prstGeom prst="downArrow">
+          <a:avLst>
+            <a:gd name="adj1" fmla="val 55000"/>
+            <a:gd name="adj2" fmla="val 45000"/>
+          </a:avLst>
+        </a:prstGeom>
+        <a:solidFill>
+          <a:schemeClr val="accent5">
+            <a:tint val="40000"/>
+            <a:alpha val="90000"/>
+            <a:hueOff val="-1567769"/>
+            <a:satOff val="3499"/>
+            <a:lumOff val="727"/>
+            <a:alphaOff val="0"/>
+          </a:schemeClr>
+        </a:solidFill>
+        <a:ln w="9525" cap="rnd" cmpd="sng" algn="ctr">
+          <a:solidFill>
+            <a:schemeClr val="accent5">
+              <a:tint val="40000"/>
+              <a:alpha val="90000"/>
+              <a:hueOff val="0"/>
+              <a:satOff val="0"/>
+              <a:lumOff val="0"/>
+              <a:alphaOff val="0"/>
+            </a:schemeClr>
+          </a:solidFill>
+          <a:prstDash val="solid"/>
+        </a:ln>
+        <a:effectLst/>
+      </dsp:spPr>
+      <dsp:style>
+        <a:lnRef idx="1">
+          <a:scrgbClr r="0" g="0" b="0"/>
+        </a:lnRef>
+        <a:fillRef idx="1">
+          <a:scrgbClr r="0" g="0" b="0"/>
+        </a:fillRef>
+        <a:effectRef idx="0">
+          <a:scrgbClr r="0" g="0" b="0"/>
+        </a:effectRef>
+        <a:fontRef idx="minor"/>
+      </dsp:style>
+      <dsp:txBody>
+        <a:bodyPr spcFirstLastPara="0" vert="horz" wrap="square" lIns="31750" tIns="31750" rIns="31750" bIns="31750" numCol="1" spcCol="1270" anchor="ctr" anchorCtr="0">
+          <a:noAutofit/>
+        </a:bodyPr>
+        <a:lstStyle/>
+        <a:p>
+          <a:pPr marL="0" lvl="0" indent="0" algn="ctr" defTabSz="1111250">
+            <a:lnSpc>
+              <a:spcPct val="90000"/>
+            </a:lnSpc>
+            <a:spcBef>
+              <a:spcPct val="0"/>
+            </a:spcBef>
+            <a:spcAft>
+              <a:spcPct val="35000"/>
+            </a:spcAft>
+            <a:buNone/>
+          </a:pPr>
+          <a:endParaRPr lang="en-US" sz="2500" kern="1200"/>
+        </a:p>
+      </dsp:txBody>
+      <dsp:txXfrm>
+        <a:off x="5711116" y="2734881"/>
+        <a:ext cx="312415" cy="427442"/>
       </dsp:txXfrm>
     </dsp:sp>
   </dsp:spTree>
@@ -1791,12 +2096,11 @@
 </file>
 
 <file path=ppt/diagrams/layout1.xml><?xml version="1.0" encoding="utf-8"?>
-<dgm:layoutDef xmlns:dgm="http://schemas.openxmlformats.org/drawingml/2006/diagram" xmlns:a="http://schemas.openxmlformats.org/drawingml/2006/main" uniqueId="urn:microsoft.com/office/officeart/2005/8/layout/vList2">
+<dgm:layoutDef xmlns:dgm="http://schemas.openxmlformats.org/drawingml/2006/diagram" xmlns:a="http://schemas.openxmlformats.org/drawingml/2006/main" uniqueId="urn:microsoft.com/office/officeart/2005/8/layout/vProcess5">
   <dgm:title val=""/>
   <dgm:desc val=""/>
   <dgm:catLst>
-    <dgm:cat type="list" pri="3000"/>
-    <dgm:cat type="convert" pri="1000"/>
+    <dgm:cat type="process" pri="14000"/>
   </dgm:catLst>
   <dgm:sampData>
     <dgm:dataModel>
@@ -1805,21 +2109,17 @@
         <dgm:pt modelId="1">
           <dgm:prSet phldr="1"/>
         </dgm:pt>
-        <dgm:pt modelId="11">
-          <dgm:prSet phldr="1"/>
-        </dgm:pt>
         <dgm:pt modelId="2">
           <dgm:prSet phldr="1"/>
         </dgm:pt>
-        <dgm:pt modelId="21">
+        <dgm:pt modelId="3">
           <dgm:prSet phldr="1"/>
         </dgm:pt>
       </dgm:ptLst>
       <dgm:cxnLst>
-        <dgm:cxn modelId="4" srcId="0" destId="1" srcOrd="0" destOrd="0"/>
-        <dgm:cxn modelId="5" srcId="0" destId="2" srcOrd="1" destOrd="0"/>
-        <dgm:cxn modelId="12" srcId="1" destId="11" srcOrd="0" destOrd="0"/>
-        <dgm:cxn modelId="23" srcId="2" destId="21" srcOrd="0" destOrd="0"/>
+        <dgm:cxn modelId="5" srcId="0" destId="1" srcOrd="0" destOrd="0"/>
+        <dgm:cxn modelId="6" srcId="0" destId="2" srcOrd="1" destOrd="0"/>
+        <dgm:cxn modelId="7" srcId="0" destId="3" srcOrd="2" destOrd="0"/>
       </dgm:cxnLst>
       <dgm:bg/>
       <dgm:whole/>
@@ -1850,109 +2150,1173 @@
         <dgm:pt modelId="4"/>
       </dgm:ptLst>
       <dgm:cxnLst>
-        <dgm:cxn modelId="5" srcId="0" destId="1" srcOrd="0" destOrd="0"/>
-        <dgm:cxn modelId="6" srcId="0" destId="2" srcOrd="1" destOrd="0"/>
-        <dgm:cxn modelId="7" srcId="0" destId="3" srcOrd="2" destOrd="0"/>
-        <dgm:cxn modelId="8" srcId="0" destId="4" srcOrd="3" destOrd="0"/>
+        <dgm:cxn modelId="6" srcId="0" destId="1" srcOrd="0" destOrd="0"/>
+        <dgm:cxn modelId="7" srcId="0" destId="2" srcOrd="1" destOrd="0"/>
+        <dgm:cxn modelId="8" srcId="0" destId="3" srcOrd="2" destOrd="0"/>
+        <dgm:cxn modelId="9" srcId="0" destId="4" srcOrd="3" destOrd="0"/>
       </dgm:cxnLst>
       <dgm:bg/>
       <dgm:whole/>
     </dgm:dataModel>
   </dgm:clrData>
-  <dgm:layoutNode name="linear">
+  <dgm:layoutNode name="outerComposite">
     <dgm:varLst>
-      <dgm:animLvl val="lvl"/>
+      <dgm:chMax val="5"/>
+      <dgm:dir/>
       <dgm:resizeHandles val="exact"/>
     </dgm:varLst>
-    <dgm:alg type="lin">
-      <dgm:param type="linDir" val="fromT"/>
-      <dgm:param type="vertAlign" val="mid"/>
-    </dgm:alg>
+    <dgm:alg type="composite"/>
     <dgm:shape xmlns:r="http://schemas.openxmlformats.org/officeDocument/2006/relationships" r:blip="">
       <dgm:adjLst/>
     </dgm:shape>
     <dgm:presOf/>
-    <dgm:constrLst>
-      <dgm:constr type="w" for="ch" forName="parentText" refType="w"/>
-      <dgm:constr type="h" for="ch" forName="parentText" refType="primFontSz" refFor="ch" refForName="parentText" fact="0.52"/>
-      <dgm:constr type="w" for="ch" forName="childText" refType="w"/>
-      <dgm:constr type="h" for="ch" forName="childText" refType="primFontSz" refFor="ch" refForName="parentText" fact="0.46"/>
-      <dgm:constr type="h" for="ch" forName="parentText" op="equ"/>
-      <dgm:constr type="primFontSz" for="ch" forName="parentText" op="equ" val="65"/>
-      <dgm:constr type="primFontSz" for="ch" forName="childText" refType="primFontSz" refFor="ch" refForName="parentText" op="equ"/>
-      <dgm:constr type="h" for="ch" forName="spacer" refType="primFontSz" refFor="ch" refForName="parentText" fact="0.08"/>
-    </dgm:constrLst>
-    <dgm:ruleLst>
-      <dgm:rule type="primFontSz" for="ch" forName="parentText" val="5" fact="NaN" max="NaN"/>
-    </dgm:ruleLst>
-    <dgm:forEach name="Name0" axis="ch" ptType="node">
-      <dgm:layoutNode name="parentText" styleLbl="node1">
-        <dgm:varLst>
-          <dgm:chMax val="0"/>
-          <dgm:bulletEnabled val="1"/>
-        </dgm:varLst>
-        <dgm:alg type="tx">
-          <dgm:param type="parTxLTRAlign" val="l"/>
-          <dgm:param type="parTxRTLAlign" val="r"/>
-        </dgm:alg>
-        <dgm:shape xmlns:r="http://schemas.openxmlformats.org/officeDocument/2006/relationships" type="roundRect" r:blip="">
-          <dgm:adjLst/>
-        </dgm:shape>
-        <dgm:presOf axis="self"/>
+    <dgm:choose name="Name0">
+      <dgm:if name="Name1" func="var" arg="dir" op="equ" val="norm">
         <dgm:constrLst>
-          <dgm:constr type="tMarg" refType="primFontSz" fact="0.3"/>
-          <dgm:constr type="bMarg" refType="primFontSz" fact="0.3"/>
-          <dgm:constr type="lMarg" refType="primFontSz" fact="0.3"/>
-          <dgm:constr type="rMarg" refType="primFontSz" fact="0.3"/>
+          <dgm:constr type="primFontSz" for="ch" ptType="node" op="equ" val="65"/>
+          <dgm:constr type="w" for="ch" forName="dummyMaxCanvas" refType="w"/>
+          <dgm:constr type="h" for="ch" forName="dummyMaxCanvas" refType="h"/>
+          <dgm:constr type="w" for="ch" forName="OneNode_1" refType="w"/>
+          <dgm:constr type="h" for="ch" forName="OneNode_1" refType="h" fact="0.5"/>
+          <dgm:constr type="ctrY" for="ch" forName="OneNode_1" refType="h" fact="0.5"/>
+          <dgm:constr type="w" for="ch" forName="TwoNodes_1" refType="w" fact="0.85"/>
+          <dgm:constr type="h" for="ch" forName="TwoNodes_1" refType="h" fact="0.45"/>
+          <dgm:constr type="t" for="ch" forName="TwoNodes_1"/>
+          <dgm:constr type="l" for="ch" forName="TwoNodes_1"/>
+          <dgm:constr type="w" for="ch" forName="TwoNodes_2" refType="w" fact="0.85"/>
+          <dgm:constr type="h" for="ch" forName="TwoNodes_2" refType="h" fact="0.45"/>
+          <dgm:constr type="b" for="ch" forName="TwoNodes_2" refType="h"/>
+          <dgm:constr type="r" for="ch" forName="TwoNodes_2" refType="w"/>
+          <dgm:constr type="w" for="ch" forName="TwoConn_1-2" refType="h" refFor="ch" refForName="TwoNodes_1" fact="0.65"/>
+          <dgm:constr type="h" for="ch" forName="TwoConn_1-2" refType="h" refFor="ch" refForName="TwoNodes_1" fact="0.65"/>
+          <dgm:constr type="ctrY" for="ch" forName="TwoConn_1-2" refType="h" fact="0.5"/>
+          <dgm:constr type="r" for="ch" forName="TwoConn_1-2" refType="r" refFor="ch" refForName="TwoNodes_1"/>
+          <dgm:constr type="r" for="ch" forName="TwoNodes_1_text" refType="l" refFor="ch" refForName="TwoConn_1-2"/>
+          <dgm:constr type="rOff" for="ch" forName="TwoNodes_1_text" refType="w" refFor="ch" refForName="TwoConn_1-2" fact="-0.5"/>
+          <dgm:constr type="t" for="ch" forName="TwoNodes_1_text" refType="t" refFor="ch" refForName="TwoNodes_1"/>
+          <dgm:constr type="b" for="ch" forName="TwoNodes_1_text" refType="b" refFor="ch" refForName="TwoNodes_1"/>
+          <dgm:constr type="l" for="ch" forName="TwoNodes_1_text" refType="l" refFor="ch" refForName="TwoNodes_1"/>
+          <dgm:constr type="r" for="ch" forName="TwoNodes_2_text" refType="l" refFor="ch" refForName="TwoConn_1-2"/>
+          <dgm:constr type="t" for="ch" forName="TwoNodes_2_text" refType="t" refFor="ch" refForName="TwoNodes_2"/>
+          <dgm:constr type="b" for="ch" forName="TwoNodes_2_text" refType="b" refFor="ch" refForName="TwoNodes_2"/>
+          <dgm:constr type="l" for="ch" forName="TwoNodes_2_text" refType="l" refFor="ch" refForName="TwoNodes_2"/>
+          <dgm:constr type="w" for="ch" forName="ThreeNodes_1" refType="w" fact="0.85"/>
+          <dgm:constr type="h" for="ch" forName="ThreeNodes_1" refType="h" fact="0.3"/>
+          <dgm:constr type="t" for="ch" forName="ThreeNodes_1"/>
+          <dgm:constr type="l" for="ch" forName="ThreeNodes_1"/>
+          <dgm:constr type="w" for="ch" forName="ThreeNodes_2" refType="w" fact="0.85"/>
+          <dgm:constr type="h" for="ch" forName="ThreeNodes_2" refType="h" fact="0.3"/>
+          <dgm:constr type="ctrY" for="ch" forName="ThreeNodes_2" refType="h" fact="0.5"/>
+          <dgm:constr type="ctrX" for="ch" forName="ThreeNodes_2" refType="w" fact="0.5"/>
+          <dgm:constr type="w" for="ch" forName="ThreeNodes_3" refType="w" fact="0.85"/>
+          <dgm:constr type="h" for="ch" forName="ThreeNodes_3" refType="h" fact="0.3"/>
+          <dgm:constr type="b" for="ch" forName="ThreeNodes_3" refType="h"/>
+          <dgm:constr type="r" for="ch" forName="ThreeNodes_3" refType="w"/>
+          <dgm:constr type="w" for="ch" forName="ThreeConn_1-2" refType="h" refFor="ch" refForName="ThreeNodes_1" fact="0.65"/>
+          <dgm:constr type="h" for="ch" forName="ThreeConn_1-2" refType="h" refFor="ch" refForName="ThreeNodes_1" fact="0.65"/>
+          <dgm:constr type="ctrY" for="ch" forName="ThreeConn_1-2" refType="h" fact="0.325"/>
+          <dgm:constr type="r" for="ch" forName="ThreeConn_1-2" refType="r" refFor="ch" refForName="ThreeNodes_1"/>
+          <dgm:constr type="w" for="ch" forName="ThreeConn_2-3" refType="h" refFor="ch" refForName="ThreeNodes_2" fact="0.65"/>
+          <dgm:constr type="h" for="ch" forName="ThreeConn_2-3" refType="h" refFor="ch" refForName="ThreeNodes_2" fact="0.65"/>
+          <dgm:constr type="ctrY" for="ch" forName="ThreeConn_2-3" refType="h" fact="0.673"/>
+          <dgm:constr type="r" for="ch" forName="ThreeConn_2-3" refType="r" refFor="ch" refForName="ThreeNodes_2"/>
+          <dgm:constr type="r" for="ch" forName="ThreeNodes_1_text" refType="l" refFor="ch" refForName="ThreeConn_1-2"/>
+          <dgm:constr type="rOff" for="ch" forName="ThreeNodes_1_text" refType="w" refFor="ch" refForName="ThreeConn_1-2" fact="-0.57"/>
+          <dgm:constr type="t" for="ch" forName="ThreeNodes_1_text" refType="t" refFor="ch" refForName="ThreeNodes_1"/>
+          <dgm:constr type="b" for="ch" forName="ThreeNodes_1_text" refType="b" refFor="ch" refForName="ThreeNodes_1"/>
+          <dgm:constr type="l" for="ch" forName="ThreeNodes_1_text" refType="l" refFor="ch" refForName="ThreeNodes_1"/>
+          <dgm:constr type="r" for="ch" forName="ThreeNodes_2_text" refType="l" refFor="ch" refForName="ThreeConn_1-2"/>
+          <dgm:constr type="t" for="ch" forName="ThreeNodes_2_text" refType="t" refFor="ch" refForName="ThreeNodes_2"/>
+          <dgm:constr type="b" for="ch" forName="ThreeNodes_2_text" refType="b" refFor="ch" refForName="ThreeNodes_2"/>
+          <dgm:constr type="l" for="ch" forName="ThreeNodes_2_text" refType="l" refFor="ch" refForName="ThreeNodes_2"/>
+          <dgm:constr type="r" for="ch" forName="ThreeNodes_3_text" refType="l" refFor="ch" refForName="ThreeConn_2-3"/>
+          <dgm:constr type="t" for="ch" forName="ThreeNodes_3_text" refType="t" refFor="ch" refForName="ThreeNodes_3"/>
+          <dgm:constr type="b" for="ch" forName="ThreeNodes_3_text" refType="b" refFor="ch" refForName="ThreeNodes_3"/>
+          <dgm:constr type="l" for="ch" forName="ThreeNodes_3_text" refType="l" refFor="ch" refForName="ThreeNodes_3"/>
+          <dgm:constr type="w" for="ch" forName="FourNodes_1" refType="w" fact="0.8"/>
+          <dgm:constr type="h" for="ch" forName="FourNodes_1" refType="h" fact="0.22"/>
+          <dgm:constr type="t" for="ch" forName="FourNodes_1"/>
+          <dgm:constr type="l" for="ch" forName="FourNodes_1"/>
+          <dgm:constr type="w" for="ch" forName="FourNodes_2" refType="w" fact="0.8"/>
+          <dgm:constr type="h" for="ch" forName="FourNodes_2" refType="h" fact="0.22"/>
+          <dgm:constr type="ctrY" for="ch" forName="FourNodes_2" refType="h" fact="0.37"/>
+          <dgm:constr type="ctrX" for="ch" forName="FourNodes_2" refType="w" fact="0.467"/>
+          <dgm:constr type="w" for="ch" forName="FourNodes_3" refType="w" fact="0.8"/>
+          <dgm:constr type="h" for="ch" forName="FourNodes_3" refType="h" fact="0.22"/>
+          <dgm:constr type="ctrY" for="ch" forName="FourNodes_3" refType="h" fact="0.63"/>
+          <dgm:constr type="ctrX" for="ch" forName="FourNodes_3" refType="w" fact="0.533"/>
+          <dgm:constr type="w" for="ch" forName="FourNodes_4" refType="w" fact="0.8"/>
+          <dgm:constr type="h" for="ch" forName="FourNodes_4" refType="h" fact="0.22"/>
+          <dgm:constr type="b" for="ch" forName="FourNodes_4" refType="h"/>
+          <dgm:constr type="r" for="ch" forName="FourNodes_4" refType="w"/>
+          <dgm:constr type="w" for="ch" forName="FourConn_1-2" refType="h" refFor="ch" refForName="FourNodes_1" fact="0.65"/>
+          <dgm:constr type="h" for="ch" forName="FourConn_1-2" refType="h" refFor="ch" refForName="FourNodes_1" fact="0.65"/>
+          <dgm:constr type="ctrY" for="ch" forName="FourConn_1-2" refType="h" fact="0.24"/>
+          <dgm:constr type="r" for="ch" forName="FourConn_1-2" refType="r" refFor="ch" refForName="FourNodes_1"/>
+          <dgm:constr type="w" for="ch" forName="FourConn_2-3" refType="h" refFor="ch" refForName="FourNodes_2" fact="0.65"/>
+          <dgm:constr type="h" for="ch" forName="FourConn_2-3" refType="h" refFor="ch" refForName="FourNodes_2" fact="0.65"/>
+          <dgm:constr type="ctrY" for="ch" forName="FourConn_2-3" refType="h" fact="0.5"/>
+          <dgm:constr type="r" for="ch" forName="FourConn_2-3" refType="r" refFor="ch" refForName="FourNodes_2"/>
+          <dgm:constr type="w" for="ch" forName="FourConn_3-4" refType="h" refFor="ch" refForName="FourNodes_3" fact="0.65"/>
+          <dgm:constr type="h" for="ch" forName="FourConn_3-4" refType="h" refFor="ch" refForName="FourNodes_3" fact="0.65"/>
+          <dgm:constr type="ctrY" for="ch" forName="FourConn_3-4" refType="h" fact="0.76"/>
+          <dgm:constr type="r" for="ch" forName="FourConn_3-4" refType="r" refFor="ch" refForName="FourNodes_3"/>
+          <dgm:constr type="r" for="ch" forName="FourNodes_1_text" refType="l" refFor="ch" refForName="FourConn_1-2"/>
+          <dgm:constr type="rOff" for="ch" forName="FourNodes_1_text" refType="w" refFor="ch" refForName="FourConn_1-2" fact="-0.7"/>
+          <dgm:constr type="t" for="ch" forName="FourNodes_1_text" refType="t" refFor="ch" refForName="FourNodes_1"/>
+          <dgm:constr type="b" for="ch" forName="FourNodes_1_text" refType="b" refFor="ch" refForName="FourNodes_1"/>
+          <dgm:constr type="l" for="ch" forName="FourNodes_1_text" refType="l" refFor="ch" refForName="FourNodes_1"/>
+          <dgm:constr type="r" for="ch" forName="FourNodes_2_text" refType="l" refFor="ch" refForName="FourConn_1-2"/>
+          <dgm:constr type="t" for="ch" forName="FourNodes_2_text" refType="t" refFor="ch" refForName="FourNodes_2"/>
+          <dgm:constr type="b" for="ch" forName="FourNodes_2_text" refType="b" refFor="ch" refForName="FourNodes_2"/>
+          <dgm:constr type="l" for="ch" forName="FourNodes_2_text" refType="l" refFor="ch" refForName="FourNodes_2"/>
+          <dgm:constr type="r" for="ch" forName="FourNodes_3_text" refType="l" refFor="ch" refForName="FourConn_2-3"/>
+          <dgm:constr type="t" for="ch" forName="FourNodes_3_text" refType="t" refFor="ch" refForName="FourNodes_3"/>
+          <dgm:constr type="b" for="ch" forName="FourNodes_3_text" refType="b" refFor="ch" refForName="FourNodes_3"/>
+          <dgm:constr type="l" for="ch" forName="FourNodes_3_text" refType="l" refFor="ch" refForName="FourNodes_3"/>
+          <dgm:constr type="r" for="ch" forName="FourNodes_4_text" refType="l" refFor="ch" refForName="FourConn_3-4"/>
+          <dgm:constr type="t" for="ch" forName="FourNodes_4_text" refType="t" refFor="ch" refForName="FourNodes_4"/>
+          <dgm:constr type="b" for="ch" forName="FourNodes_4_text" refType="b" refFor="ch" refForName="FourNodes_4"/>
+          <dgm:constr type="l" for="ch" forName="FourNodes_4_text" refType="l" refFor="ch" refForName="FourNodes_4"/>
+          <dgm:constr type="w" for="ch" forName="FiveNodes_1" refType="w" fact="0.77"/>
+          <dgm:constr type="h" for="ch" forName="FiveNodes_1" refType="h" fact="0.18"/>
+          <dgm:constr type="t" for="ch" forName="FiveNodes_1"/>
+          <dgm:constr type="l" for="ch" forName="FiveNodes_1"/>
+          <dgm:constr type="w" for="ch" forName="FiveNodes_2" refType="w" fact="0.77"/>
+          <dgm:constr type="h" for="ch" forName="FiveNodes_2" refType="h" fact="0.18"/>
+          <dgm:constr type="ctrY" for="ch" forName="FiveNodes_2" refType="h" fact="0.295"/>
+          <dgm:constr type="ctrX" for="ch" forName="FiveNodes_2" refType="w" fact="0.4425"/>
+          <dgm:constr type="w" for="ch" forName="FiveNodes_3" refType="w" fact="0.77"/>
+          <dgm:constr type="h" for="ch" forName="FiveNodes_3" refType="h" fact="0.18"/>
+          <dgm:constr type="ctrY" for="ch" forName="FiveNodes_3" refType="h" fact="0.5"/>
+          <dgm:constr type="ctrX" for="ch" forName="FiveNodes_3" refType="w" fact="0.5"/>
+          <dgm:constr type="w" for="ch" forName="FiveNodes_4" refType="w" fact="0.77"/>
+          <dgm:constr type="h" for="ch" forName="FiveNodes_4" refType="h" fact="0.18"/>
+          <dgm:constr type="ctrY" for="ch" forName="FiveNodes_4" refType="h" fact="0.705"/>
+          <dgm:constr type="ctrX" for="ch" forName="FiveNodes_4" refType="w" fact="0.5575"/>
+          <dgm:constr type="w" for="ch" forName="FiveNodes_5" refType="w" fact="0.77"/>
+          <dgm:constr type="h" for="ch" forName="FiveNodes_5" refType="h" fact="0.18"/>
+          <dgm:constr type="b" for="ch" forName="FiveNodes_5" refType="h"/>
+          <dgm:constr type="r" for="ch" forName="FiveNodes_5" refType="w"/>
+          <dgm:constr type="w" for="ch" forName="FiveConn_1-2" refType="h" refFor="ch" refForName="FiveNodes_1" fact="0.65"/>
+          <dgm:constr type="h" for="ch" forName="FiveConn_1-2" refType="h" refFor="ch" refForName="FiveNodes_1" fact="0.65"/>
+          <dgm:constr type="ctrY" for="ch" forName="FiveConn_1-2" refType="h" fact="0.19"/>
+          <dgm:constr type="r" for="ch" forName="FiveConn_1-2" refType="r" refFor="ch" refForName="FiveNodes_1"/>
+          <dgm:constr type="w" for="ch" forName="FiveConn_2-3" refType="h" refFor="ch" refForName="FiveNodes_2" fact="0.65"/>
+          <dgm:constr type="h" for="ch" forName="FiveConn_2-3" refType="h" refFor="ch" refForName="FiveNodes_2" fact="0.65"/>
+          <dgm:constr type="ctrY" for="ch" forName="FiveConn_2-3" refType="h" fact="0.395"/>
+          <dgm:constr type="r" for="ch" forName="FiveConn_2-3" refType="r" refFor="ch" refForName="FiveNodes_2"/>
+          <dgm:constr type="w" for="ch" forName="FiveConn_3-4" refType="h" refFor="ch" refForName="FiveNodes_3" fact="0.65"/>
+          <dgm:constr type="h" for="ch" forName="FiveConn_3-4" refType="h" refFor="ch" refForName="FiveNodes_3" fact="0.65"/>
+          <dgm:constr type="ctrY" for="ch" forName="FiveConn_3-4" refType="h" fact="0.597"/>
+          <dgm:constr type="r" for="ch" forName="FiveConn_3-4" refType="r" refFor="ch" refForName="FiveNodes_3"/>
+          <dgm:constr type="w" for="ch" forName="FiveConn_4-5" refType="h" refFor="ch" refForName="FiveNodes_4" fact="0.65"/>
+          <dgm:constr type="h" for="ch" forName="FiveConn_4-5" refType="h" refFor="ch" refForName="FiveNodes_4" fact="0.65"/>
+          <dgm:constr type="ctrY" for="ch" forName="FiveConn_4-5" refType="h" fact="0.804"/>
+          <dgm:constr type="r" for="ch" forName="FiveConn_4-5" refType="r" refFor="ch" refForName="FiveNodes_4"/>
+          <dgm:constr type="r" for="ch" forName="FiveNodes_1_text" refType="l" refFor="ch" refForName="FiveConn_1-2"/>
+          <dgm:constr type="rOff" for="ch" forName="FiveNodes_1_text" refType="w" refFor="ch" refForName="FiveConn_1-2" fact="-0.75"/>
+          <dgm:constr type="t" for="ch" forName="FiveNodes_1_text" refType="t" refFor="ch" refForName="FiveNodes_1"/>
+          <dgm:constr type="b" for="ch" forName="FiveNodes_1_text" refType="b" refFor="ch" refForName="FiveNodes_1"/>
+          <dgm:constr type="l" for="ch" forName="FiveNodes_1_text" refType="l" refFor="ch" refForName="FiveNodes_1"/>
+          <dgm:constr type="r" for="ch" forName="FiveNodes_2_text" refType="l" refFor="ch" refForName="FiveConn_1-2"/>
+          <dgm:constr type="t" for="ch" forName="FiveNodes_2_text" refType="t" refFor="ch" refForName="FiveNodes_2"/>
+          <dgm:constr type="b" for="ch" forName="FiveNodes_2_text" refType="b" refFor="ch" refForName="FiveNodes_2"/>
+          <dgm:constr type="l" for="ch" forName="FiveNodes_2_text" refType="l" refFor="ch" refForName="FiveNodes_2"/>
+          <dgm:constr type="r" for="ch" forName="FiveNodes_3_text" refType="l" refFor="ch" refForName="FiveConn_2-3"/>
+          <dgm:constr type="t" for="ch" forName="FiveNodes_3_text" refType="t" refFor="ch" refForName="FiveNodes_3"/>
+          <dgm:constr type="b" for="ch" forName="FiveNodes_3_text" refType="b" refFor="ch" refForName="FiveNodes_3"/>
+          <dgm:constr type="l" for="ch" forName="FiveNodes_3_text" refType="l" refFor="ch" refForName="FiveNodes_3"/>
+          <dgm:constr type="r" for="ch" forName="FiveNodes_4_text" refType="l" refFor="ch" refForName="FiveConn_3-4"/>
+          <dgm:constr type="t" for="ch" forName="FiveNodes_4_text" refType="t" refFor="ch" refForName="FiveNodes_4"/>
+          <dgm:constr type="b" for="ch" forName="FiveNodes_4_text" refType="b" refFor="ch" refForName="FiveNodes_4"/>
+          <dgm:constr type="l" for="ch" forName="FiveNodes_4_text" refType="l" refFor="ch" refForName="FiveNodes_4"/>
+          <dgm:constr type="r" for="ch" forName="FiveNodes_5_text" refType="l" refFor="ch" refForName="FiveConn_4-5"/>
+          <dgm:constr type="t" for="ch" forName="FiveNodes_5_text" refType="t" refFor="ch" refForName="FiveNodes_5"/>
+          <dgm:constr type="b" for="ch" forName="FiveNodes_5_text" refType="b" refFor="ch" refForName="FiveNodes_5"/>
+          <dgm:constr type="l" for="ch" forName="FiveNodes_5_text" refType="l" refFor="ch" refForName="FiveNodes_5"/>
         </dgm:constrLst>
-        <dgm:ruleLst>
-          <dgm:rule type="h" val="INF" fact="NaN" max="NaN"/>
-        </dgm:ruleLst>
-      </dgm:layoutNode>
-      <dgm:choose name="Name1">
-        <dgm:if name="Name2" axis="ch" ptType="node" func="cnt" op="gte" val="1">
-          <dgm:layoutNode name="childText" styleLbl="revTx">
-            <dgm:varLst>
-              <dgm:bulletEnabled val="1"/>
-            </dgm:varLst>
-            <dgm:alg type="tx">
-              <dgm:param type="stBulletLvl" val="1"/>
-              <dgm:param type="lnSpAfChP" val="20"/>
-            </dgm:alg>
-            <dgm:shape xmlns:r="http://schemas.openxmlformats.org/officeDocument/2006/relationships" type="rect" r:blip="">
-              <dgm:adjLst/>
-            </dgm:shape>
-            <dgm:presOf axis="des" ptType="node"/>
-            <dgm:constrLst>
-              <dgm:constr type="tMarg" refType="primFontSz" fact="0.1"/>
-              <dgm:constr type="bMarg" refType="primFontSz" fact="0.1"/>
-              <dgm:constr type="lMarg" refType="w" fact="0.09"/>
-            </dgm:constrLst>
-            <dgm:ruleLst>
-              <dgm:rule type="h" val="INF" fact="NaN" max="NaN"/>
-            </dgm:ruleLst>
-          </dgm:layoutNode>
-        </dgm:if>
-        <dgm:else name="Name3">
-          <dgm:choose name="Name4">
-            <dgm:if name="Name5" axis="par ch" ptType="doc node" func="cnt" op="gte" val="2">
-              <dgm:forEach name="Name6" axis="followSib" ptType="sibTrans" cnt="1">
-                <dgm:layoutNode name="spacer">
+      </dgm:if>
+      <dgm:else name="Name2">
+        <dgm:constrLst>
+          <dgm:constr type="primFontSz" for="ch" ptType="node" op="equ" val="65"/>
+          <dgm:constr type="w" for="ch" forName="dummyMaxCanvas" refType="w"/>
+          <dgm:constr type="h" for="ch" forName="dummyMaxCanvas" refType="h"/>
+          <dgm:constr type="w" for="ch" forName="OneNode_1" refType="w"/>
+          <dgm:constr type="h" for="ch" forName="OneNode_1" refType="h" fact="0.5"/>
+          <dgm:constr type="ctrY" for="ch" forName="OneNode_1" refType="h" fact="0.5"/>
+          <dgm:constr type="w" for="ch" forName="TwoNodes_1" refType="w" fact="0.85"/>
+          <dgm:constr type="h" for="ch" forName="TwoNodes_1" refType="h" fact="0.45"/>
+          <dgm:constr type="t" for="ch" forName="TwoNodes_1"/>
+          <dgm:constr type="r" for="ch" forName="TwoNodes_1" refType="w"/>
+          <dgm:constr type="w" for="ch" forName="TwoNodes_2" refType="w" fact="0.85"/>
+          <dgm:constr type="h" for="ch" forName="TwoNodes_2" refType="h" fact="0.45"/>
+          <dgm:constr type="b" for="ch" forName="TwoNodes_2" refType="h"/>
+          <dgm:constr type="l" for="ch" forName="TwoNodes_2"/>
+          <dgm:constr type="w" for="ch" forName="TwoConn_1-2" refType="h" refFor="ch" refForName="TwoNodes_1" fact="0.65"/>
+          <dgm:constr type="h" for="ch" forName="TwoConn_1-2" refType="h" refFor="ch" refForName="TwoNodes_1" fact="0.65"/>
+          <dgm:constr type="ctrY" for="ch" forName="TwoConn_1-2" refType="h" fact="0.5"/>
+          <dgm:constr type="l" for="ch" forName="TwoConn_1-2" refType="l" refFor="ch" refForName="TwoNodes_1"/>
+          <dgm:constr type="l" for="ch" forName="TwoNodes_1_text" refType="r" refFor="ch" refForName="TwoConn_1-2"/>
+          <dgm:constr type="lOff" for="ch" forName="TwoNodes_1_text" refType="w" refFor="ch" refForName="TwoConn_1-2" fact="0.5"/>
+          <dgm:constr type="t" for="ch" forName="TwoNodes_1_text" refType="t" refFor="ch" refForName="TwoNodes_1"/>
+          <dgm:constr type="b" for="ch" forName="TwoNodes_1_text" refType="b" refFor="ch" refForName="TwoNodes_1"/>
+          <dgm:constr type="r" for="ch" forName="TwoNodes_1_text" refType="r" refFor="ch" refForName="TwoNodes_1"/>
+          <dgm:constr type="l" for="ch" forName="TwoNodes_2_text" refType="r" refFor="ch" refForName="TwoConn_1-2"/>
+          <dgm:constr type="t" for="ch" forName="TwoNodes_2_text" refType="t" refFor="ch" refForName="TwoNodes_2"/>
+          <dgm:constr type="b" for="ch" forName="TwoNodes_2_text" refType="b" refFor="ch" refForName="TwoNodes_2"/>
+          <dgm:constr type="r" for="ch" forName="TwoNodes_2_text" refType="r" refFor="ch" refForName="TwoNodes_2"/>
+          <dgm:constr type="w" for="ch" forName="ThreeNodes_1" refType="w" fact="0.85"/>
+          <dgm:constr type="h" for="ch" forName="ThreeNodes_1" refType="h" fact="0.3"/>
+          <dgm:constr type="t" for="ch" forName="ThreeNodes_1"/>
+          <dgm:constr type="r" for="ch" forName="ThreeNodes_1" refType="w"/>
+          <dgm:constr type="w" for="ch" forName="ThreeNodes_2" refType="w" fact="0.85"/>
+          <dgm:constr type="h" for="ch" forName="ThreeNodes_2" refType="h" fact="0.3"/>
+          <dgm:constr type="ctrY" for="ch" forName="ThreeNodes_2" refType="h" fact="0.5"/>
+          <dgm:constr type="ctrX" for="ch" forName="ThreeNodes_2" refType="w" fact="0.5"/>
+          <dgm:constr type="w" for="ch" forName="ThreeNodes_3" refType="w" fact="0.85"/>
+          <dgm:constr type="h" for="ch" forName="ThreeNodes_3" refType="h" fact="0.3"/>
+          <dgm:constr type="b" for="ch" forName="ThreeNodes_3" refType="h"/>
+          <dgm:constr type="l" for="ch" forName="ThreeNodes_3"/>
+          <dgm:constr type="w" for="ch" forName="ThreeConn_1-2" refType="h" refFor="ch" refForName="ThreeNodes_1" fact="0.65"/>
+          <dgm:constr type="h" for="ch" forName="ThreeConn_1-2" refType="h" refFor="ch" refForName="ThreeNodes_1" fact="0.65"/>
+          <dgm:constr type="ctrY" for="ch" forName="ThreeConn_1-2" refType="h" fact="0.325"/>
+          <dgm:constr type="l" for="ch" forName="ThreeConn_1-2" refType="l" refFor="ch" refForName="ThreeNodes_1"/>
+          <dgm:constr type="w" for="ch" forName="ThreeConn_2-3" refType="h" refFor="ch" refForName="ThreeNodes_2" fact="0.65"/>
+          <dgm:constr type="h" for="ch" forName="ThreeConn_2-3" refType="h" refFor="ch" refForName="ThreeNodes_2" fact="0.65"/>
+          <dgm:constr type="ctrY" for="ch" forName="ThreeConn_2-3" refType="h" fact="0.673"/>
+          <dgm:constr type="l" for="ch" forName="ThreeConn_2-3" refType="l" refFor="ch" refForName="ThreeNodes_2"/>
+          <dgm:constr type="l" for="ch" forName="ThreeNodes_1_text" refType="r" refFor="ch" refForName="ThreeConn_1-2"/>
+          <dgm:constr type="lOff" for="ch" forName="ThreeNodes_1_text" refType="w" refFor="ch" refForName="ThreeConn_1-2" fact="0.55"/>
+          <dgm:constr type="t" for="ch" forName="ThreeNodes_1_text" refType="t" refFor="ch" refForName="ThreeNodes_1"/>
+          <dgm:constr type="b" for="ch" forName="ThreeNodes_1_text" refType="b" refFor="ch" refForName="ThreeNodes_1"/>
+          <dgm:constr type="r" for="ch" forName="ThreeNodes_1_text" refType="r" refFor="ch" refForName="ThreeNodes_1"/>
+          <dgm:constr type="l" for="ch" forName="ThreeNodes_2_text" refType="r" refFor="ch" refForName="ThreeConn_1-2"/>
+          <dgm:constr type="t" for="ch" forName="ThreeNodes_2_text" refType="t" refFor="ch" refForName="ThreeNodes_2"/>
+          <dgm:constr type="b" for="ch" forName="ThreeNodes_2_text" refType="b" refFor="ch" refForName="ThreeNodes_2"/>
+          <dgm:constr type="r" for="ch" forName="ThreeNodes_2_text" refType="r" refFor="ch" refForName="ThreeNodes_2"/>
+          <dgm:constr type="l" for="ch" forName="ThreeNodes_3_text" refType="r" refFor="ch" refForName="ThreeConn_2-3"/>
+          <dgm:constr type="t" for="ch" forName="ThreeNodes_3_text" refType="t" refFor="ch" refForName="ThreeNodes_3"/>
+          <dgm:constr type="b" for="ch" forName="ThreeNodes_3_text" refType="b" refFor="ch" refForName="ThreeNodes_3"/>
+          <dgm:constr type="r" for="ch" forName="ThreeNodes_3_text" refType="r" refFor="ch" refForName="ThreeNodes_3"/>
+          <dgm:constr type="w" for="ch" forName="FourNodes_1" refType="w" fact="0.8"/>
+          <dgm:constr type="h" for="ch" forName="FourNodes_1" refType="h" fact="0.22"/>
+          <dgm:constr type="t" for="ch" forName="FourNodes_1"/>
+          <dgm:constr type="r" for="ch" forName="FourNodes_1" refType="w"/>
+          <dgm:constr type="w" for="ch" forName="FourNodes_2" refType="w" fact="0.8"/>
+          <dgm:constr type="h" for="ch" forName="FourNodes_2" refType="h" fact="0.22"/>
+          <dgm:constr type="ctrY" for="ch" forName="FourNodes_2" refType="h" fact="0.37"/>
+          <dgm:constr type="ctrX" for="ch" forName="FourNodes_2" refType="w" fact="0.533"/>
+          <dgm:constr type="w" for="ch" forName="FourNodes_3" refType="w" fact="0.8"/>
+          <dgm:constr type="h" for="ch" forName="FourNodes_3" refType="h" fact="0.22"/>
+          <dgm:constr type="ctrY" for="ch" forName="FourNodes_3" refType="h" fact="0.63"/>
+          <dgm:constr type="ctrX" for="ch" forName="FourNodes_3" refType="w" fact="0.467"/>
+          <dgm:constr type="w" for="ch" forName="FourNodes_4" refType="w" fact="0.8"/>
+          <dgm:constr type="h" for="ch" forName="FourNodes_4" refType="h" fact="0.22"/>
+          <dgm:constr type="b" for="ch" forName="FourNodes_4" refType="h"/>
+          <dgm:constr type="l" for="ch" forName="FourNodes_4"/>
+          <dgm:constr type="w" for="ch" forName="FourConn_1-2" refType="h" refFor="ch" refForName="FourNodes_1" fact="0.65"/>
+          <dgm:constr type="h" for="ch" forName="FourConn_1-2" refType="h" refFor="ch" refForName="FourNodes_1" fact="0.65"/>
+          <dgm:constr type="ctrY" for="ch" forName="FourConn_1-2" refType="h" fact="0.24"/>
+          <dgm:constr type="l" for="ch" forName="FourConn_1-2" refType="l" refFor="ch" refForName="FourNodes_1"/>
+          <dgm:constr type="w" for="ch" forName="FourConn_2-3" refType="h" refFor="ch" refForName="FourNodes_2" fact="0.65"/>
+          <dgm:constr type="h" for="ch" forName="FourConn_2-3" refType="h" refFor="ch" refForName="FourNodes_2" fact="0.65"/>
+          <dgm:constr type="ctrY" for="ch" forName="FourConn_2-3" refType="h" fact="0.5"/>
+          <dgm:constr type="l" for="ch" forName="FourConn_2-3" refType="l" refFor="ch" refForName="FourNodes_2"/>
+          <dgm:constr type="w" for="ch" forName="FourConn_3-4" refType="h" refFor="ch" refForName="FourNodes_3" fact="0.65"/>
+          <dgm:constr type="h" for="ch" forName="FourConn_3-4" refType="h" refFor="ch" refForName="FourNodes_3" fact="0.65"/>
+          <dgm:constr type="ctrY" for="ch" forName="FourConn_3-4" refType="h" fact="0.76"/>
+          <dgm:constr type="l" for="ch" forName="FourConn_3-4" refType="l" refFor="ch" refForName="FourNodes_3"/>
+          <dgm:constr type="l" for="ch" forName="FourNodes_1_text" refType="r" refFor="ch" refForName="FourConn_1-2"/>
+          <dgm:constr type="lOff" for="ch" forName="FourNodes_1_text" refType="w" refFor="ch" refForName="FourConn_1-2" fact="0.69"/>
+          <dgm:constr type="t" for="ch" forName="FourNodes_1_text" refType="t" refFor="ch" refForName="FourNodes_1"/>
+          <dgm:constr type="b" for="ch" forName="FourNodes_1_text" refType="b" refFor="ch" refForName="FourNodes_1"/>
+          <dgm:constr type="r" for="ch" forName="FourNodes_1_text" refType="r" refFor="ch" refForName="FourNodes_1"/>
+          <dgm:constr type="l" for="ch" forName="FourNodes_2_text" refType="r" refFor="ch" refForName="FourConn_1-2"/>
+          <dgm:constr type="t" for="ch" forName="FourNodes_2_text" refType="t" refFor="ch" refForName="FourNodes_2"/>
+          <dgm:constr type="b" for="ch" forName="FourNodes_2_text" refType="b" refFor="ch" refForName="FourNodes_2"/>
+          <dgm:constr type="r" for="ch" forName="FourNodes_2_text" refType="r" refFor="ch" refForName="FourNodes_2"/>
+          <dgm:constr type="l" for="ch" forName="FourNodes_3_text" refType="r" refFor="ch" refForName="FourConn_2-3"/>
+          <dgm:constr type="t" for="ch" forName="FourNodes_3_text" refType="t" refFor="ch" refForName="FourNodes_3"/>
+          <dgm:constr type="b" for="ch" forName="FourNodes_3_text" refType="b" refFor="ch" refForName="FourNodes_3"/>
+          <dgm:constr type="r" for="ch" forName="FourNodes_3_text" refType="r" refFor="ch" refForName="FourNodes_3"/>
+          <dgm:constr type="l" for="ch" forName="FourNodes_4_text" refType="r" refFor="ch" refForName="FourConn_3-4"/>
+          <dgm:constr type="t" for="ch" forName="FourNodes_4_text" refType="t" refFor="ch" refForName="FourNodes_4"/>
+          <dgm:constr type="b" for="ch" forName="FourNodes_4_text" refType="b" refFor="ch" refForName="FourNodes_4"/>
+          <dgm:constr type="r" for="ch" forName="FourNodes_4_text" refType="r" refFor="ch" refForName="FourNodes_4"/>
+          <dgm:constr type="w" for="ch" forName="FiveNodes_1" refType="w" fact="0.77"/>
+          <dgm:constr type="h" for="ch" forName="FiveNodes_1" refType="h" fact="0.18"/>
+          <dgm:constr type="t" for="ch" forName="FiveNodes_1"/>
+          <dgm:constr type="r" for="ch" forName="FiveNodes_1" refType="w"/>
+          <dgm:constr type="w" for="ch" forName="FiveNodes_2" refType="w" fact="0.77"/>
+          <dgm:constr type="h" for="ch" forName="FiveNodes_2" refType="h" fact="0.18"/>
+          <dgm:constr type="ctrY" for="ch" forName="FiveNodes_2" refType="h" fact="0.295"/>
+          <dgm:constr type="ctrX" for="ch" forName="FiveNodes_2" refType="w" fact="0.5575"/>
+          <dgm:constr type="w" for="ch" forName="FiveNodes_3" refType="w" fact="0.77"/>
+          <dgm:constr type="h" for="ch" forName="FiveNodes_3" refType="h" fact="0.18"/>
+          <dgm:constr type="ctrY" for="ch" forName="FiveNodes_3" refType="h" fact="0.5"/>
+          <dgm:constr type="ctrX" for="ch" forName="FiveNodes_3" refType="w" fact="0.5"/>
+          <dgm:constr type="w" for="ch" forName="FiveNodes_4" refType="w" fact="0.77"/>
+          <dgm:constr type="h" for="ch" forName="FiveNodes_4" refType="h" fact="0.18"/>
+          <dgm:constr type="ctrY" for="ch" forName="FiveNodes_4" refType="h" fact="0.705"/>
+          <dgm:constr type="ctrX" for="ch" forName="FiveNodes_4" refType="w" fact="0.4425"/>
+          <dgm:constr type="w" for="ch" forName="FiveNodes_5" refType="w" fact="0.77"/>
+          <dgm:constr type="h" for="ch" forName="FiveNodes_5" refType="h" fact="0.18"/>
+          <dgm:constr type="b" for="ch" forName="FiveNodes_5" refType="h"/>
+          <dgm:constr type="l" for="ch" forName="FiveNodes_5"/>
+          <dgm:constr type="w" for="ch" forName="FiveConn_1-2" refType="h" refFor="ch" refForName="FiveNodes_1" fact="0.65"/>
+          <dgm:constr type="h" for="ch" forName="FiveConn_1-2" refType="h" refFor="ch" refForName="FiveNodes_1" fact="0.65"/>
+          <dgm:constr type="ctrY" for="ch" forName="FiveConn_1-2" refType="h" fact="0.19"/>
+          <dgm:constr type="l" for="ch" forName="FiveConn_1-2" refType="l" refFor="ch" refForName="FiveNodes_1"/>
+          <dgm:constr type="w" for="ch" forName="FiveConn_2-3" refType="h" refFor="ch" refForName="FiveNodes_2" fact="0.65"/>
+          <dgm:constr type="h" for="ch" forName="FiveConn_2-3" refType="h" refFor="ch" refForName="FiveNodes_2" fact="0.65"/>
+          <dgm:constr type="ctrY" for="ch" forName="FiveConn_2-3" refType="h" fact="0.395"/>
+          <dgm:constr type="l" for="ch" forName="FiveConn_2-3" refType="l" refFor="ch" refForName="FiveNodes_2"/>
+          <dgm:constr type="w" for="ch" forName="FiveConn_3-4" refType="h" refFor="ch" refForName="FiveNodes_3" fact="0.65"/>
+          <dgm:constr type="h" for="ch" forName="FiveConn_3-4" refType="h" refFor="ch" refForName="FiveNodes_3" fact="0.65"/>
+          <dgm:constr type="ctrY" for="ch" forName="FiveConn_3-4" refType="h" fact="0.597"/>
+          <dgm:constr type="l" for="ch" forName="FiveConn_3-4" refType="l" refFor="ch" refForName="FiveNodes_3"/>
+          <dgm:constr type="w" for="ch" forName="FiveConn_4-5" refType="h" refFor="ch" refForName="FiveNodes_4" fact="0.65"/>
+          <dgm:constr type="h" for="ch" forName="FiveConn_4-5" refType="h" refFor="ch" refForName="FiveNodes_4" fact="0.65"/>
+          <dgm:constr type="ctrY" for="ch" forName="FiveConn_4-5" refType="h" fact="0.804"/>
+          <dgm:constr type="l" for="ch" forName="FiveConn_4-5" refType="l" refFor="ch" refForName="FiveNodes_4"/>
+          <dgm:constr type="l" for="ch" forName="FiveNodes_1_text" refType="r" refFor="ch" refForName="FiveConn_1-2"/>
+          <dgm:constr type="lOff" for="ch" forName="FiveNodes_1_text" refType="w" refFor="ch" refForName="FiveConn_1-2" fact="0.73"/>
+          <dgm:constr type="t" for="ch" forName="FiveNodes_1_text" refType="t" refFor="ch" refForName="FiveNodes_1"/>
+          <dgm:constr type="b" for="ch" forName="FiveNodes_1_text" refType="b" refFor="ch" refForName="FiveNodes_1"/>
+          <dgm:constr type="r" for="ch" forName="FiveNodes_1_text" refType="r" refFor="ch" refForName="FiveNodes_1"/>
+          <dgm:constr type="l" for="ch" forName="FiveNodes_2_text" refType="r" refFor="ch" refForName="FiveConn_1-2"/>
+          <dgm:constr type="t" for="ch" forName="FiveNodes_2_text" refType="t" refFor="ch" refForName="FiveNodes_2"/>
+          <dgm:constr type="b" for="ch" forName="FiveNodes_2_text" refType="b" refFor="ch" refForName="FiveNodes_2"/>
+          <dgm:constr type="r" for="ch" forName="FiveNodes_2_text" refType="r" refFor="ch" refForName="FiveNodes_2"/>
+          <dgm:constr type="l" for="ch" forName="FiveNodes_3_text" refType="r" refFor="ch" refForName="FiveConn_2-3"/>
+          <dgm:constr type="t" for="ch" forName="FiveNodes_3_text" refType="t" refFor="ch" refForName="FiveNodes_3"/>
+          <dgm:constr type="b" for="ch" forName="FiveNodes_3_text" refType="b" refFor="ch" refForName="FiveNodes_3"/>
+          <dgm:constr type="r" for="ch" forName="FiveNodes_3_text" refType="r" refFor="ch" refForName="FiveNodes_3"/>
+          <dgm:constr type="l" for="ch" forName="FiveNodes_4_text" refType="r" refFor="ch" refForName="FiveConn_3-4"/>
+          <dgm:constr type="t" for="ch" forName="FiveNodes_4_text" refType="t" refFor="ch" refForName="FiveNodes_4"/>
+          <dgm:constr type="b" for="ch" forName="FiveNodes_4_text" refType="b" refFor="ch" refForName="FiveNodes_4"/>
+          <dgm:constr type="r" for="ch" forName="FiveNodes_4_text" refType="r" refFor="ch" refForName="FiveNodes_4"/>
+          <dgm:constr type="l" for="ch" forName="FiveNodes_5_text" refType="r" refFor="ch" refForName="FiveConn_4-5"/>
+          <dgm:constr type="t" for="ch" forName="FiveNodes_5_text" refType="t" refFor="ch" refForName="FiveNodes_5"/>
+          <dgm:constr type="b" for="ch" forName="FiveNodes_5_text" refType="b" refFor="ch" refForName="FiveNodes_5"/>
+          <dgm:constr type="r" for="ch" forName="FiveNodes_5_text" refType="r" refFor="ch" refForName="FiveNodes_5"/>
+        </dgm:constrLst>
+      </dgm:else>
+    </dgm:choose>
+    <dgm:ruleLst/>
+    <dgm:layoutNode name="dummyMaxCanvas">
+      <dgm:varLst/>
+      <dgm:alg type="sp"/>
+      <dgm:shape xmlns:r="http://schemas.openxmlformats.org/officeDocument/2006/relationships" r:blip="">
+        <dgm:adjLst/>
+      </dgm:shape>
+      <dgm:presOf/>
+      <dgm:constrLst/>
+      <dgm:ruleLst/>
+    </dgm:layoutNode>
+    <dgm:choose name="Name3">
+      <dgm:if name="Name4" axis="ch" ptType="node" func="cnt" op="equ" val="1">
+        <dgm:layoutNode name="OneNode_1">
+          <dgm:varLst>
+            <dgm:bulletEnabled val="1"/>
+          </dgm:varLst>
+          <dgm:alg type="tx"/>
+          <dgm:shape xmlns:r="http://schemas.openxmlformats.org/officeDocument/2006/relationships" type="roundRect" r:blip="">
+            <dgm:adjLst>
+              <dgm:adj idx="1" val="0.1"/>
+            </dgm:adjLst>
+          </dgm:shape>
+          <dgm:presOf axis="ch desOrSelf" ptType="node node" st="1 1" cnt="1 0"/>
+          <dgm:constrLst>
+            <dgm:constr type="lMarg" refType="primFontSz" fact="0.3"/>
+            <dgm:constr type="rMarg" refType="primFontSz" fact="0.3"/>
+            <dgm:constr type="tMarg" refType="primFontSz" fact="0.3"/>
+            <dgm:constr type="bMarg" refType="primFontSz" fact="0.3"/>
+          </dgm:constrLst>
+          <dgm:ruleLst>
+            <dgm:rule type="primFontSz" val="5" fact="NaN" max="NaN"/>
+          </dgm:ruleLst>
+        </dgm:layoutNode>
+      </dgm:if>
+      <dgm:else name="Name5">
+        <dgm:choose name="Name6">
+          <dgm:if name="Name7" axis="ch" ptType="node" func="cnt" op="equ" val="2">
+            <dgm:layoutNode name="TwoNodes_1">
+              <dgm:varLst>
+                <dgm:bulletEnabled val="1"/>
+              </dgm:varLst>
+              <dgm:alg type="sp"/>
+              <dgm:shape xmlns:r="http://schemas.openxmlformats.org/officeDocument/2006/relationships" type="roundRect" r:blip="">
+                <dgm:adjLst>
+                  <dgm:adj idx="1" val="0.1"/>
+                </dgm:adjLst>
+              </dgm:shape>
+              <dgm:presOf axis="ch desOrSelf" ptType="node node" st="1 1" cnt="1 0"/>
+              <dgm:constrLst/>
+              <dgm:ruleLst/>
+            </dgm:layoutNode>
+            <dgm:layoutNode name="TwoNodes_2">
+              <dgm:varLst>
+                <dgm:bulletEnabled val="1"/>
+              </dgm:varLst>
+              <dgm:alg type="sp"/>
+              <dgm:shape xmlns:r="http://schemas.openxmlformats.org/officeDocument/2006/relationships" type="roundRect" r:blip="">
+                <dgm:adjLst>
+                  <dgm:adj idx="1" val="0.1"/>
+                </dgm:adjLst>
+              </dgm:shape>
+              <dgm:presOf axis="ch desOrSelf" ptType="node node" st="2 1" cnt="1 0"/>
+              <dgm:constrLst/>
+              <dgm:ruleLst/>
+            </dgm:layoutNode>
+            <dgm:layoutNode name="TwoConn_1-2" styleLbl="fgAccFollowNode1">
+              <dgm:varLst>
+                <dgm:bulletEnabled val="1"/>
+              </dgm:varLst>
+              <dgm:alg type="tx"/>
+              <dgm:shape xmlns:r="http://schemas.openxmlformats.org/officeDocument/2006/relationships" type="downArrow" r:blip="">
+                <dgm:adjLst>
+                  <dgm:adj idx="1" val="0.55"/>
+                  <dgm:adj idx="2" val="0.45"/>
+                </dgm:adjLst>
+              </dgm:shape>
+              <dgm:presOf axis="ch" ptType="sibTrans" cnt="1"/>
+              <dgm:constrLst>
+                <dgm:constr type="lMarg" refType="primFontSz" fact="0.1"/>
+                <dgm:constr type="rMarg" refType="primFontSz" fact="0.1"/>
+                <dgm:constr type="tMarg" refType="primFontSz" fact="0.1"/>
+                <dgm:constr type="bMarg" refType="primFontSz" fact="0.1"/>
+              </dgm:constrLst>
+              <dgm:ruleLst>
+                <dgm:rule type="primFontSz" val="5" fact="NaN" max="NaN"/>
+              </dgm:ruleLst>
+            </dgm:layoutNode>
+            <dgm:layoutNode name="TwoNodes_1_text">
+              <dgm:varLst>
+                <dgm:bulletEnabled val="1"/>
+              </dgm:varLst>
+              <dgm:alg type="tx">
+                <dgm:param type="parTxLTRAlign" val="l"/>
+                <dgm:param type="txAnchorVertCh" val="mid"/>
+              </dgm:alg>
+              <dgm:shape xmlns:r="http://schemas.openxmlformats.org/officeDocument/2006/relationships" type="roundRect" r:blip="" hideGeom="1">
+                <dgm:adjLst>
+                  <dgm:adj idx="1" val="0.1"/>
+                </dgm:adjLst>
+              </dgm:shape>
+              <dgm:presOf axis="ch desOrSelf" ptType="node node" st="1 1" cnt="1 0"/>
+              <dgm:constrLst>
+                <dgm:constr type="lMarg" refType="primFontSz" fact="0.3"/>
+                <dgm:constr type="rMarg" refType="primFontSz" fact="0.3"/>
+                <dgm:constr type="tMarg" refType="primFontSz" fact="0.3"/>
+                <dgm:constr type="bMarg" refType="primFontSz" fact="0.3"/>
+              </dgm:constrLst>
+              <dgm:ruleLst>
+                <dgm:rule type="primFontSz" val="5" fact="NaN" max="NaN"/>
+              </dgm:ruleLst>
+            </dgm:layoutNode>
+            <dgm:layoutNode name="TwoNodes_2_text">
+              <dgm:varLst>
+                <dgm:bulletEnabled val="1"/>
+              </dgm:varLst>
+              <dgm:alg type="tx">
+                <dgm:param type="parTxLTRAlign" val="l"/>
+                <dgm:param type="txAnchorVertCh" val="mid"/>
+              </dgm:alg>
+              <dgm:shape xmlns:r="http://schemas.openxmlformats.org/officeDocument/2006/relationships" type="roundRect" r:blip="" hideGeom="1">
+                <dgm:adjLst>
+                  <dgm:adj idx="1" val="0.1"/>
+                </dgm:adjLst>
+              </dgm:shape>
+              <dgm:presOf axis="ch desOrSelf" ptType="node node" st="2 1" cnt="1 0"/>
+              <dgm:constrLst>
+                <dgm:constr type="lMarg" refType="primFontSz" fact="0.3"/>
+                <dgm:constr type="rMarg" refType="primFontSz" fact="0.3"/>
+                <dgm:constr type="tMarg" refType="primFontSz" fact="0.3"/>
+                <dgm:constr type="bMarg" refType="primFontSz" fact="0.3"/>
+              </dgm:constrLst>
+              <dgm:ruleLst>
+                <dgm:rule type="primFontSz" val="5" fact="NaN" max="NaN"/>
+              </dgm:ruleLst>
+            </dgm:layoutNode>
+          </dgm:if>
+          <dgm:else name="Name8">
+            <dgm:choose name="Name9">
+              <dgm:if name="Name10" axis="ch" ptType="node" func="cnt" op="equ" val="3">
+                <dgm:layoutNode name="ThreeNodes_1">
+                  <dgm:varLst>
+                    <dgm:bulletEnabled val="1"/>
+                  </dgm:varLst>
                   <dgm:alg type="sp"/>
-                  <dgm:shape xmlns:r="http://schemas.openxmlformats.org/officeDocument/2006/relationships" r:blip="">
-                    <dgm:adjLst/>
+                  <dgm:shape xmlns:r="http://schemas.openxmlformats.org/officeDocument/2006/relationships" type="roundRect" r:blip="">
+                    <dgm:adjLst>
+                      <dgm:adj idx="1" val="0.1"/>
+                    </dgm:adjLst>
                   </dgm:shape>
-                  <dgm:presOf/>
+                  <dgm:presOf axis="ch desOrSelf" ptType="node node" st="1 1" cnt="1 0"/>
                   <dgm:constrLst/>
                   <dgm:ruleLst/>
                 </dgm:layoutNode>
-              </dgm:forEach>
-            </dgm:if>
-            <dgm:else name="Name7"/>
-          </dgm:choose>
-        </dgm:else>
-      </dgm:choose>
-    </dgm:forEach>
+                <dgm:layoutNode name="ThreeNodes_2">
+                  <dgm:varLst>
+                    <dgm:bulletEnabled val="1"/>
+                  </dgm:varLst>
+                  <dgm:alg type="sp"/>
+                  <dgm:shape xmlns:r="http://schemas.openxmlformats.org/officeDocument/2006/relationships" type="roundRect" r:blip="">
+                    <dgm:adjLst>
+                      <dgm:adj idx="1" val="0.1"/>
+                    </dgm:adjLst>
+                  </dgm:shape>
+                  <dgm:presOf axis="ch desOrSelf" ptType="node node" st="2 1" cnt="1 0"/>
+                  <dgm:constrLst/>
+                  <dgm:ruleLst/>
+                </dgm:layoutNode>
+                <dgm:layoutNode name="ThreeNodes_3">
+                  <dgm:varLst>
+                    <dgm:bulletEnabled val="1"/>
+                  </dgm:varLst>
+                  <dgm:alg type="sp"/>
+                  <dgm:shape xmlns:r="http://schemas.openxmlformats.org/officeDocument/2006/relationships" type="roundRect" r:blip="">
+                    <dgm:adjLst>
+                      <dgm:adj idx="1" val="0.1"/>
+                    </dgm:adjLst>
+                  </dgm:shape>
+                  <dgm:presOf axis="ch desOrSelf" ptType="node node" st="3 1" cnt="1 0"/>
+                  <dgm:constrLst/>
+                  <dgm:ruleLst/>
+                </dgm:layoutNode>
+                <dgm:layoutNode name="ThreeConn_1-2" styleLbl="fgAccFollowNode1">
+                  <dgm:varLst>
+                    <dgm:bulletEnabled val="1"/>
+                  </dgm:varLst>
+                  <dgm:alg type="tx"/>
+                  <dgm:shape xmlns:r="http://schemas.openxmlformats.org/officeDocument/2006/relationships" type="downArrow" r:blip="">
+                    <dgm:adjLst>
+                      <dgm:adj idx="1" val="0.55"/>
+                      <dgm:adj idx="2" val="0.45"/>
+                    </dgm:adjLst>
+                  </dgm:shape>
+                  <dgm:presOf axis="ch" ptType="sibTrans" cnt="1"/>
+                  <dgm:constrLst>
+                    <dgm:constr type="lMarg" refType="primFontSz" fact="0.1"/>
+                    <dgm:constr type="rMarg" refType="primFontSz" fact="0.1"/>
+                    <dgm:constr type="tMarg" refType="primFontSz" fact="0.1"/>
+                    <dgm:constr type="bMarg" refType="primFontSz" fact="0.1"/>
+                  </dgm:constrLst>
+                  <dgm:ruleLst>
+                    <dgm:rule type="primFontSz" val="5" fact="NaN" max="NaN"/>
+                  </dgm:ruleLst>
+                </dgm:layoutNode>
+                <dgm:layoutNode name="ThreeConn_2-3" styleLbl="fgAccFollowNode1">
+                  <dgm:varLst>
+                    <dgm:bulletEnabled val="1"/>
+                  </dgm:varLst>
+                  <dgm:alg type="tx"/>
+                  <dgm:shape xmlns:r="http://schemas.openxmlformats.org/officeDocument/2006/relationships" type="downArrow" r:blip="">
+                    <dgm:adjLst>
+                      <dgm:adj idx="1" val="0.55"/>
+                      <dgm:adj idx="2" val="0.45"/>
+                    </dgm:adjLst>
+                  </dgm:shape>
+                  <dgm:presOf axis="ch" ptType="sibTrans" st="2" cnt="1"/>
+                  <dgm:constrLst>
+                    <dgm:constr type="lMarg" refType="primFontSz" fact="0.1"/>
+                    <dgm:constr type="rMarg" refType="primFontSz" fact="0.1"/>
+                    <dgm:constr type="tMarg" refType="primFontSz" fact="0.1"/>
+                    <dgm:constr type="bMarg" refType="primFontSz" fact="0.1"/>
+                  </dgm:constrLst>
+                  <dgm:ruleLst>
+                    <dgm:rule type="primFontSz" val="5" fact="NaN" max="NaN"/>
+                  </dgm:ruleLst>
+                </dgm:layoutNode>
+                <dgm:layoutNode name="ThreeNodes_1_text">
+                  <dgm:varLst>
+                    <dgm:bulletEnabled val="1"/>
+                  </dgm:varLst>
+                  <dgm:alg type="tx">
+                    <dgm:param type="parTxLTRAlign" val="l"/>
+                    <dgm:param type="txAnchorVertCh" val="mid"/>
+                  </dgm:alg>
+                  <dgm:shape xmlns:r="http://schemas.openxmlformats.org/officeDocument/2006/relationships" type="roundRect" r:blip="" hideGeom="1">
+                    <dgm:adjLst>
+                      <dgm:adj idx="1" val="0.1"/>
+                    </dgm:adjLst>
+                  </dgm:shape>
+                  <dgm:presOf axis="ch desOrSelf" ptType="node node" st="1 1" cnt="1 0"/>
+                  <dgm:constrLst>
+                    <dgm:constr type="lMarg" refType="primFontSz" fact="0.3"/>
+                    <dgm:constr type="rMarg" refType="primFontSz" fact="0.3"/>
+                    <dgm:constr type="tMarg" refType="primFontSz" fact="0.3"/>
+                    <dgm:constr type="bMarg" refType="primFontSz" fact="0.3"/>
+                  </dgm:constrLst>
+                  <dgm:ruleLst>
+                    <dgm:rule type="primFontSz" val="5" fact="NaN" max="NaN"/>
+                  </dgm:ruleLst>
+                </dgm:layoutNode>
+                <dgm:layoutNode name="ThreeNodes_2_text">
+                  <dgm:varLst>
+                    <dgm:bulletEnabled val="1"/>
+                  </dgm:varLst>
+                  <dgm:alg type="tx">
+                    <dgm:param type="parTxLTRAlign" val="l"/>
+                    <dgm:param type="txAnchorVertCh" val="mid"/>
+                  </dgm:alg>
+                  <dgm:shape xmlns:r="http://schemas.openxmlformats.org/officeDocument/2006/relationships" type="roundRect" r:blip="" hideGeom="1">
+                    <dgm:adjLst>
+                      <dgm:adj idx="1" val="0.1"/>
+                    </dgm:adjLst>
+                  </dgm:shape>
+                  <dgm:presOf axis="ch desOrSelf" ptType="node node" st="2 1" cnt="1 0"/>
+                  <dgm:constrLst>
+                    <dgm:constr type="lMarg" refType="primFontSz" fact="0.3"/>
+                    <dgm:constr type="rMarg" refType="primFontSz" fact="0.3"/>
+                    <dgm:constr type="tMarg" refType="primFontSz" fact="0.3"/>
+                    <dgm:constr type="bMarg" refType="primFontSz" fact="0.3"/>
+                  </dgm:constrLst>
+                  <dgm:ruleLst>
+                    <dgm:rule type="primFontSz" val="5" fact="NaN" max="NaN"/>
+                  </dgm:ruleLst>
+                </dgm:layoutNode>
+                <dgm:layoutNode name="ThreeNodes_3_text">
+                  <dgm:varLst>
+                    <dgm:bulletEnabled val="1"/>
+                  </dgm:varLst>
+                  <dgm:alg type="tx">
+                    <dgm:param type="parTxLTRAlign" val="l"/>
+                    <dgm:param type="txAnchorVertCh" val="mid"/>
+                  </dgm:alg>
+                  <dgm:shape xmlns:r="http://schemas.openxmlformats.org/officeDocument/2006/relationships" type="roundRect" r:blip="" hideGeom="1">
+                    <dgm:adjLst>
+                      <dgm:adj idx="1" val="0.1"/>
+                    </dgm:adjLst>
+                  </dgm:shape>
+                  <dgm:presOf axis="ch desOrSelf" ptType="node node" st="3 1" cnt="1 0"/>
+                  <dgm:constrLst>
+                    <dgm:constr type="lMarg" refType="primFontSz" fact="0.3"/>
+                    <dgm:constr type="rMarg" refType="primFontSz" fact="0.3"/>
+                    <dgm:constr type="tMarg" refType="primFontSz" fact="0.3"/>
+                    <dgm:constr type="bMarg" refType="primFontSz" fact="0.3"/>
+                  </dgm:constrLst>
+                  <dgm:ruleLst>
+                    <dgm:rule type="primFontSz" val="5" fact="NaN" max="NaN"/>
+                  </dgm:ruleLst>
+                </dgm:layoutNode>
+              </dgm:if>
+              <dgm:else name="Name11">
+                <dgm:choose name="Name12">
+                  <dgm:if name="Name13" axis="ch" ptType="node" func="cnt" op="equ" val="4">
+                    <dgm:layoutNode name="FourNodes_1">
+                      <dgm:varLst>
+                        <dgm:bulletEnabled val="1"/>
+                      </dgm:varLst>
+                      <dgm:alg type="sp"/>
+                      <dgm:shape xmlns:r="http://schemas.openxmlformats.org/officeDocument/2006/relationships" type="roundRect" r:blip="">
+                        <dgm:adjLst>
+                          <dgm:adj idx="1" val="0.1"/>
+                        </dgm:adjLst>
+                      </dgm:shape>
+                      <dgm:presOf axis="ch desOrSelf" ptType="node node" st="1 1" cnt="1 0"/>
+                      <dgm:constrLst/>
+                      <dgm:ruleLst/>
+                    </dgm:layoutNode>
+                    <dgm:layoutNode name="FourNodes_2">
+                      <dgm:varLst>
+                        <dgm:bulletEnabled val="1"/>
+                      </dgm:varLst>
+                      <dgm:alg type="sp"/>
+                      <dgm:shape xmlns:r="http://schemas.openxmlformats.org/officeDocument/2006/relationships" type="roundRect" r:blip="">
+                        <dgm:adjLst>
+                          <dgm:adj idx="1" val="0.1"/>
+                        </dgm:adjLst>
+                      </dgm:shape>
+                      <dgm:presOf axis="ch desOrSelf" ptType="node node" st="2 1" cnt="1 0"/>
+                      <dgm:constrLst/>
+                      <dgm:ruleLst/>
+                    </dgm:layoutNode>
+                    <dgm:layoutNode name="FourNodes_3">
+                      <dgm:varLst>
+                        <dgm:bulletEnabled val="1"/>
+                      </dgm:varLst>
+                      <dgm:alg type="sp"/>
+                      <dgm:shape xmlns:r="http://schemas.openxmlformats.org/officeDocument/2006/relationships" type="roundRect" r:blip="">
+                        <dgm:adjLst>
+                          <dgm:adj idx="1" val="0.1"/>
+                        </dgm:adjLst>
+                      </dgm:shape>
+                      <dgm:presOf axis="ch desOrSelf" ptType="node node" st="3 1" cnt="1 0"/>
+                      <dgm:constrLst/>
+                      <dgm:ruleLst/>
+                    </dgm:layoutNode>
+                    <dgm:layoutNode name="FourNodes_4">
+                      <dgm:varLst>
+                        <dgm:bulletEnabled val="1"/>
+                      </dgm:varLst>
+                      <dgm:alg type="sp"/>
+                      <dgm:shape xmlns:r="http://schemas.openxmlformats.org/officeDocument/2006/relationships" type="roundRect" r:blip="">
+                        <dgm:adjLst>
+                          <dgm:adj idx="1" val="0.1"/>
+                        </dgm:adjLst>
+                      </dgm:shape>
+                      <dgm:presOf axis="ch desOrSelf" ptType="node node" st="4 1" cnt="1 0"/>
+                      <dgm:constrLst/>
+                      <dgm:ruleLst/>
+                    </dgm:layoutNode>
+                    <dgm:layoutNode name="FourConn_1-2" styleLbl="fgAccFollowNode1">
+                      <dgm:varLst>
+                        <dgm:bulletEnabled val="1"/>
+                      </dgm:varLst>
+                      <dgm:alg type="tx"/>
+                      <dgm:shape xmlns:r="http://schemas.openxmlformats.org/officeDocument/2006/relationships" type="downArrow" r:blip="">
+                        <dgm:adjLst>
+                          <dgm:adj idx="1" val="0.55"/>
+                          <dgm:adj idx="2" val="0.45"/>
+                        </dgm:adjLst>
+                      </dgm:shape>
+                      <dgm:presOf axis="ch" ptType="sibTrans" cnt="1"/>
+                      <dgm:constrLst>
+                        <dgm:constr type="lMarg" refType="primFontSz" fact="0.1"/>
+                        <dgm:constr type="rMarg" refType="primFontSz" fact="0.1"/>
+                        <dgm:constr type="tMarg" refType="primFontSz" fact="0.1"/>
+                        <dgm:constr type="bMarg" refType="primFontSz" fact="0.1"/>
+                      </dgm:constrLst>
+                      <dgm:ruleLst>
+                        <dgm:rule type="primFontSz" val="5" fact="NaN" max="NaN"/>
+                      </dgm:ruleLst>
+                    </dgm:layoutNode>
+                    <dgm:layoutNode name="FourConn_2-3" styleLbl="fgAccFollowNode1">
+                      <dgm:varLst>
+                        <dgm:bulletEnabled val="1"/>
+                      </dgm:varLst>
+                      <dgm:alg type="tx"/>
+                      <dgm:shape xmlns:r="http://schemas.openxmlformats.org/officeDocument/2006/relationships" type="downArrow" r:blip="">
+                        <dgm:adjLst>
+                          <dgm:adj idx="1" val="0.55"/>
+                          <dgm:adj idx="2" val="0.45"/>
+                        </dgm:adjLst>
+                      </dgm:shape>
+                      <dgm:presOf axis="ch" ptType="sibTrans" st="2" cnt="1"/>
+                      <dgm:constrLst>
+                        <dgm:constr type="lMarg" refType="primFontSz" fact="0.1"/>
+                        <dgm:constr type="rMarg" refType="primFontSz" fact="0.1"/>
+                        <dgm:constr type="tMarg" refType="primFontSz" fact="0.1"/>
+                        <dgm:constr type="bMarg" refType="primFontSz" fact="0.1"/>
+                      </dgm:constrLst>
+                      <dgm:ruleLst>
+                        <dgm:rule type="primFontSz" val="5" fact="NaN" max="NaN"/>
+                      </dgm:ruleLst>
+                    </dgm:layoutNode>
+                    <dgm:layoutNode name="FourConn_3-4" styleLbl="fgAccFollowNode1">
+                      <dgm:varLst>
+                        <dgm:bulletEnabled val="1"/>
+                      </dgm:varLst>
+                      <dgm:alg type="tx"/>
+                      <dgm:shape xmlns:r="http://schemas.openxmlformats.org/officeDocument/2006/relationships" type="downArrow" r:blip="">
+                        <dgm:adjLst>
+                          <dgm:adj idx="1" val="0.55"/>
+                          <dgm:adj idx="2" val="0.45"/>
+                        </dgm:adjLst>
+                      </dgm:shape>
+                      <dgm:presOf axis="ch" ptType="sibTrans" st="3" cnt="1"/>
+                      <dgm:constrLst>
+                        <dgm:constr type="lMarg" refType="primFontSz" fact="0.1"/>
+                        <dgm:constr type="rMarg" refType="primFontSz" fact="0.1"/>
+                        <dgm:constr type="tMarg" refType="primFontSz" fact="0.1"/>
+                        <dgm:constr type="bMarg" refType="primFontSz" fact="0.1"/>
+                      </dgm:constrLst>
+                      <dgm:ruleLst>
+                        <dgm:rule type="primFontSz" val="5" fact="NaN" max="NaN"/>
+                      </dgm:ruleLst>
+                    </dgm:layoutNode>
+                    <dgm:layoutNode name="FourNodes_1_text">
+                      <dgm:varLst>
+                        <dgm:bulletEnabled val="1"/>
+                      </dgm:varLst>
+                      <dgm:alg type="tx">
+                        <dgm:param type="parTxLTRAlign" val="l"/>
+                        <dgm:param type="txAnchorVertCh" val="mid"/>
+                      </dgm:alg>
+                      <dgm:shape xmlns:r="http://schemas.openxmlformats.org/officeDocument/2006/relationships" type="roundRect" r:blip="" hideGeom="1">
+                        <dgm:adjLst>
+                          <dgm:adj idx="1" val="0.1"/>
+                        </dgm:adjLst>
+                      </dgm:shape>
+                      <dgm:presOf axis="ch desOrSelf" ptType="node node" st="1 1" cnt="1 0"/>
+                      <dgm:constrLst>
+                        <dgm:constr type="lMarg" refType="primFontSz" fact="0.3"/>
+                        <dgm:constr type="rMarg" refType="primFontSz" fact="0.3"/>
+                        <dgm:constr type="tMarg" refType="primFontSz" fact="0.3"/>
+                        <dgm:constr type="bMarg" refType="primFontSz" fact="0.3"/>
+                      </dgm:constrLst>
+                      <dgm:ruleLst>
+                        <dgm:rule type="primFontSz" val="5" fact="NaN" max="NaN"/>
+                      </dgm:ruleLst>
+                    </dgm:layoutNode>
+                    <dgm:layoutNode name="FourNodes_2_text">
+                      <dgm:varLst>
+                        <dgm:bulletEnabled val="1"/>
+                      </dgm:varLst>
+                      <dgm:alg type="tx">
+                        <dgm:param type="parTxLTRAlign" val="l"/>
+                        <dgm:param type="txAnchorVertCh" val="mid"/>
+                      </dgm:alg>
+                      <dgm:shape xmlns:r="http://schemas.openxmlformats.org/officeDocument/2006/relationships" type="roundRect" r:blip="" hideGeom="1">
+                        <dgm:adjLst>
+                          <dgm:adj idx="1" val="0.1"/>
+                        </dgm:adjLst>
+                      </dgm:shape>
+                      <dgm:presOf axis="ch desOrSelf" ptType="node node" st="2 1" cnt="1 0"/>
+                      <dgm:constrLst>
+                        <dgm:constr type="lMarg" refType="primFontSz" fact="0.3"/>
+                        <dgm:constr type="rMarg" refType="primFontSz" fact="0.3"/>
+                        <dgm:constr type="tMarg" refType="primFontSz" fact="0.3"/>
+                        <dgm:constr type="bMarg" refType="primFontSz" fact="0.3"/>
+                      </dgm:constrLst>
+                      <dgm:ruleLst>
+                        <dgm:rule type="primFontSz" val="5" fact="NaN" max="NaN"/>
+                      </dgm:ruleLst>
+                    </dgm:layoutNode>
+                    <dgm:layoutNode name="FourNodes_3_text">
+                      <dgm:varLst>
+                        <dgm:bulletEnabled val="1"/>
+                      </dgm:varLst>
+                      <dgm:alg type="tx">
+                        <dgm:param type="parTxLTRAlign" val="l"/>
+                        <dgm:param type="txAnchorVertCh" val="mid"/>
+                      </dgm:alg>
+                      <dgm:shape xmlns:r="http://schemas.openxmlformats.org/officeDocument/2006/relationships" type="roundRect" r:blip="" hideGeom="1">
+                        <dgm:adjLst>
+                          <dgm:adj idx="1" val="0.1"/>
+                        </dgm:adjLst>
+                      </dgm:shape>
+                      <dgm:presOf axis="ch desOrSelf" ptType="node node" st="3 1" cnt="1 0"/>
+                      <dgm:constrLst>
+                        <dgm:constr type="lMarg" refType="primFontSz" fact="0.3"/>
+                        <dgm:constr type="rMarg" refType="primFontSz" fact="0.3"/>
+                        <dgm:constr type="tMarg" refType="primFontSz" fact="0.3"/>
+                        <dgm:constr type="bMarg" refType="primFontSz" fact="0.3"/>
+                      </dgm:constrLst>
+                      <dgm:ruleLst>
+                        <dgm:rule type="primFontSz" val="5" fact="NaN" max="NaN"/>
+                      </dgm:ruleLst>
+                    </dgm:layoutNode>
+                    <dgm:layoutNode name="FourNodes_4_text">
+                      <dgm:varLst>
+                        <dgm:bulletEnabled val="1"/>
+                      </dgm:varLst>
+                      <dgm:alg type="tx">
+                        <dgm:param type="parTxLTRAlign" val="l"/>
+                        <dgm:param type="txAnchorVertCh" val="mid"/>
+                      </dgm:alg>
+                      <dgm:shape xmlns:r="http://schemas.openxmlformats.org/officeDocument/2006/relationships" type="roundRect" r:blip="" hideGeom="1">
+                        <dgm:adjLst>
+                          <dgm:adj idx="1" val="0.1"/>
+                        </dgm:adjLst>
+                      </dgm:shape>
+                      <dgm:presOf axis="ch desOrSelf" ptType="node node" st="4 1" cnt="1 0"/>
+                      <dgm:constrLst>
+                        <dgm:constr type="lMarg" refType="primFontSz" fact="0.3"/>
+                        <dgm:constr type="rMarg" refType="primFontSz" fact="0.3"/>
+                        <dgm:constr type="tMarg" refType="primFontSz" fact="0.3"/>
+                        <dgm:constr type="bMarg" refType="primFontSz" fact="0.3"/>
+                      </dgm:constrLst>
+                      <dgm:ruleLst>
+                        <dgm:rule type="primFontSz" val="5" fact="NaN" max="NaN"/>
+                      </dgm:ruleLst>
+                    </dgm:layoutNode>
+                  </dgm:if>
+                  <dgm:else name="Name14">
+                    <dgm:choose name="Name15">
+                      <dgm:if name="Name16" axis="ch" ptType="node" func="cnt" op="gte" val="5">
+                        <dgm:layoutNode name="FiveNodes_1">
+                          <dgm:varLst>
+                            <dgm:bulletEnabled val="1"/>
+                          </dgm:varLst>
+                          <dgm:alg type="sp"/>
+                          <dgm:shape xmlns:r="http://schemas.openxmlformats.org/officeDocument/2006/relationships" type="roundRect" r:blip="">
+                            <dgm:adjLst>
+                              <dgm:adj idx="1" val="0.1"/>
+                            </dgm:adjLst>
+                          </dgm:shape>
+                          <dgm:presOf axis="ch desOrSelf" ptType="node node" st="1 1" cnt="1 0"/>
+                          <dgm:constrLst/>
+                          <dgm:ruleLst/>
+                        </dgm:layoutNode>
+                        <dgm:layoutNode name="FiveNodes_2">
+                          <dgm:varLst>
+                            <dgm:bulletEnabled val="1"/>
+                          </dgm:varLst>
+                          <dgm:alg type="sp"/>
+                          <dgm:shape xmlns:r="http://schemas.openxmlformats.org/officeDocument/2006/relationships" type="roundRect" r:blip="">
+                            <dgm:adjLst>
+                              <dgm:adj idx="1" val="0.1"/>
+                            </dgm:adjLst>
+                          </dgm:shape>
+                          <dgm:presOf axis="ch desOrSelf" ptType="node node" st="2 1" cnt="1 0"/>
+                          <dgm:constrLst/>
+                          <dgm:ruleLst/>
+                        </dgm:layoutNode>
+                        <dgm:layoutNode name="FiveNodes_3">
+                          <dgm:varLst>
+                            <dgm:bulletEnabled val="1"/>
+                          </dgm:varLst>
+                          <dgm:alg type="sp"/>
+                          <dgm:shape xmlns:r="http://schemas.openxmlformats.org/officeDocument/2006/relationships" type="roundRect" r:blip="">
+                            <dgm:adjLst>
+                              <dgm:adj idx="1" val="0.1"/>
+                            </dgm:adjLst>
+                          </dgm:shape>
+                          <dgm:presOf axis="ch desOrSelf" ptType="node node" st="3 1" cnt="1 0"/>
+                          <dgm:constrLst/>
+                          <dgm:ruleLst/>
+                        </dgm:layoutNode>
+                        <dgm:layoutNode name="FiveNodes_4">
+                          <dgm:varLst>
+                            <dgm:bulletEnabled val="1"/>
+                          </dgm:varLst>
+                          <dgm:alg type="sp"/>
+                          <dgm:shape xmlns:r="http://schemas.openxmlformats.org/officeDocument/2006/relationships" type="roundRect" r:blip="">
+                            <dgm:adjLst>
+                              <dgm:adj idx="1" val="0.1"/>
+                            </dgm:adjLst>
+                          </dgm:shape>
+                          <dgm:presOf axis="ch desOrSelf" ptType="node node" st="4 1" cnt="1 0"/>
+                          <dgm:constrLst/>
+                          <dgm:ruleLst/>
+                        </dgm:layoutNode>
+                        <dgm:layoutNode name="FiveNodes_5">
+                          <dgm:varLst>
+                            <dgm:bulletEnabled val="1"/>
+                          </dgm:varLst>
+                          <dgm:alg type="sp"/>
+                          <dgm:shape xmlns:r="http://schemas.openxmlformats.org/officeDocument/2006/relationships" type="roundRect" r:blip="">
+                            <dgm:adjLst>
+                              <dgm:adj idx="1" val="0.1"/>
+                            </dgm:adjLst>
+                          </dgm:shape>
+                          <dgm:presOf axis="ch desOrSelf" ptType="node node" st="5 1" cnt="1 0"/>
+                          <dgm:constrLst/>
+                          <dgm:ruleLst/>
+                        </dgm:layoutNode>
+                        <dgm:layoutNode name="FiveConn_1-2" styleLbl="fgAccFollowNode1">
+                          <dgm:varLst>
+                            <dgm:bulletEnabled val="1"/>
+                          </dgm:varLst>
+                          <dgm:alg type="tx"/>
+                          <dgm:shape xmlns:r="http://schemas.openxmlformats.org/officeDocument/2006/relationships" type="downArrow" r:blip="">
+                            <dgm:adjLst>
+                              <dgm:adj idx="1" val="0.55"/>
+                              <dgm:adj idx="2" val="0.45"/>
+                            </dgm:adjLst>
+                          </dgm:shape>
+                          <dgm:presOf axis="ch" ptType="sibTrans" cnt="1"/>
+                          <dgm:constrLst>
+                            <dgm:constr type="lMarg" refType="primFontSz" fact="0.1"/>
+                            <dgm:constr type="rMarg" refType="primFontSz" fact="0.1"/>
+                            <dgm:constr type="tMarg" refType="primFontSz" fact="0.1"/>
+                            <dgm:constr type="bMarg" refType="primFontSz" fact="0.1"/>
+                          </dgm:constrLst>
+                          <dgm:ruleLst>
+                            <dgm:rule type="primFontSz" val="5" fact="NaN" max="NaN"/>
+                          </dgm:ruleLst>
+                        </dgm:layoutNode>
+                        <dgm:layoutNode name="FiveConn_2-3" styleLbl="fgAccFollowNode1">
+                          <dgm:varLst>
+                            <dgm:bulletEnabled val="1"/>
+                          </dgm:varLst>
+                          <dgm:alg type="tx"/>
+                          <dgm:shape xmlns:r="http://schemas.openxmlformats.org/officeDocument/2006/relationships" type="downArrow" r:blip="">
+                            <dgm:adjLst>
+                              <dgm:adj idx="1" val="0.55"/>
+                              <dgm:adj idx="2" val="0.45"/>
+                            </dgm:adjLst>
+                          </dgm:shape>
+                          <dgm:presOf axis="ch" ptType="sibTrans" st="2" cnt="1"/>
+                          <dgm:constrLst>
+                            <dgm:constr type="lMarg" refType="primFontSz" fact="0.1"/>
+                            <dgm:constr type="rMarg" refType="primFontSz" fact="0.1"/>
+                            <dgm:constr type="tMarg" refType="primFontSz" fact="0.1"/>
+                            <dgm:constr type="bMarg" refType="primFontSz" fact="0.1"/>
+                          </dgm:constrLst>
+                          <dgm:ruleLst>
+                            <dgm:rule type="primFontSz" val="5" fact="NaN" max="NaN"/>
+                          </dgm:ruleLst>
+                        </dgm:layoutNode>
+                        <dgm:layoutNode name="FiveConn_3-4" styleLbl="fgAccFollowNode1">
+                          <dgm:varLst>
+                            <dgm:bulletEnabled val="1"/>
+                          </dgm:varLst>
+                          <dgm:alg type="tx"/>
+                          <dgm:shape xmlns:r="http://schemas.openxmlformats.org/officeDocument/2006/relationships" type="downArrow" r:blip="">
+                            <dgm:adjLst>
+                              <dgm:adj idx="1" val="0.55"/>
+                              <dgm:adj idx="2" val="0.45"/>
+                            </dgm:adjLst>
+                          </dgm:shape>
+                          <dgm:presOf axis="ch" ptType="sibTrans" st="3" cnt="1"/>
+                          <dgm:constrLst>
+                            <dgm:constr type="lMarg" refType="primFontSz" fact="0.1"/>
+                            <dgm:constr type="rMarg" refType="primFontSz" fact="0.1"/>
+                            <dgm:constr type="tMarg" refType="primFontSz" fact="0.1"/>
+                            <dgm:constr type="bMarg" refType="primFontSz" fact="0.1"/>
+                          </dgm:constrLst>
+                          <dgm:ruleLst>
+                            <dgm:rule type="primFontSz" val="5" fact="NaN" max="NaN"/>
+                          </dgm:ruleLst>
+                        </dgm:layoutNode>
+                        <dgm:layoutNode name="FiveConn_4-5" styleLbl="fgAccFollowNode1">
+                          <dgm:varLst>
+                            <dgm:bulletEnabled val="1"/>
+                          </dgm:varLst>
+                          <dgm:alg type="tx"/>
+                          <dgm:shape xmlns:r="http://schemas.openxmlformats.org/officeDocument/2006/relationships" type="downArrow" r:blip="">
+                            <dgm:adjLst>
+                              <dgm:adj idx="1" val="0.55"/>
+                              <dgm:adj idx="2" val="0.45"/>
+                            </dgm:adjLst>
+                          </dgm:shape>
+                          <dgm:presOf axis="ch" ptType="sibTrans" st="4" cnt="1"/>
+                          <dgm:constrLst>
+                            <dgm:constr type="lMarg" refType="primFontSz" fact="0.1"/>
+                            <dgm:constr type="rMarg" refType="primFontSz" fact="0.1"/>
+                            <dgm:constr type="tMarg" refType="primFontSz" fact="0.1"/>
+                            <dgm:constr type="bMarg" refType="primFontSz" fact="0.1"/>
+                          </dgm:constrLst>
+                          <dgm:ruleLst>
+                            <dgm:rule type="primFontSz" val="5" fact="NaN" max="NaN"/>
+                          </dgm:ruleLst>
+                        </dgm:layoutNode>
+                        <dgm:layoutNode name="FiveNodes_1_text">
+                          <dgm:varLst>
+                            <dgm:bulletEnabled val="1"/>
+                          </dgm:varLst>
+                          <dgm:alg type="tx">
+                            <dgm:param type="parTxLTRAlign" val="l"/>
+                            <dgm:param type="txAnchorVertCh" val="mid"/>
+                          </dgm:alg>
+                          <dgm:shape xmlns:r="http://schemas.openxmlformats.org/officeDocument/2006/relationships" type="roundRect" r:blip="" hideGeom="1">
+                            <dgm:adjLst>
+                              <dgm:adj idx="1" val="0.1"/>
+                            </dgm:adjLst>
+                          </dgm:shape>
+                          <dgm:presOf axis="ch desOrSelf" ptType="node node" st="1 1" cnt="1 0"/>
+                          <dgm:constrLst>
+                            <dgm:constr type="lMarg" refType="primFontSz" fact="0.3"/>
+                            <dgm:constr type="rMarg" refType="primFontSz" fact="0.3"/>
+                            <dgm:constr type="tMarg" refType="primFontSz" fact="0.3"/>
+                            <dgm:constr type="bMarg" refType="primFontSz" fact="0.3"/>
+                          </dgm:constrLst>
+                          <dgm:ruleLst>
+                            <dgm:rule type="primFontSz" val="5" fact="NaN" max="NaN"/>
+                          </dgm:ruleLst>
+                        </dgm:layoutNode>
+                        <dgm:layoutNode name="FiveNodes_2_text">
+                          <dgm:varLst>
+                            <dgm:bulletEnabled val="1"/>
+                          </dgm:varLst>
+                          <dgm:alg type="tx">
+                            <dgm:param type="parTxLTRAlign" val="l"/>
+                            <dgm:param type="txAnchorVertCh" val="mid"/>
+                          </dgm:alg>
+                          <dgm:shape xmlns:r="http://schemas.openxmlformats.org/officeDocument/2006/relationships" type="roundRect" r:blip="" hideGeom="1">
+                            <dgm:adjLst>
+                              <dgm:adj idx="1" val="0.1"/>
+                            </dgm:adjLst>
+                          </dgm:shape>
+                          <dgm:presOf axis="ch desOrSelf" ptType="node node" st="2 1" cnt="1 0"/>
+                          <dgm:constrLst>
+                            <dgm:constr type="lMarg" refType="primFontSz" fact="0.3"/>
+                            <dgm:constr type="rMarg" refType="primFontSz" fact="0.3"/>
+                            <dgm:constr type="tMarg" refType="primFontSz" fact="0.3"/>
+                            <dgm:constr type="bMarg" refType="primFontSz" fact="0.3"/>
+                          </dgm:constrLst>
+                          <dgm:ruleLst>
+                            <dgm:rule type="primFontSz" val="5" fact="NaN" max="NaN"/>
+                          </dgm:ruleLst>
+                        </dgm:layoutNode>
+                        <dgm:layoutNode name="FiveNodes_3_text">
+                          <dgm:varLst>
+                            <dgm:bulletEnabled val="1"/>
+                          </dgm:varLst>
+                          <dgm:alg type="tx">
+                            <dgm:param type="parTxLTRAlign" val="l"/>
+                            <dgm:param type="txAnchorVertCh" val="mid"/>
+                          </dgm:alg>
+                          <dgm:shape xmlns:r="http://schemas.openxmlformats.org/officeDocument/2006/relationships" type="roundRect" r:blip="" hideGeom="1">
+                            <dgm:adjLst>
+                              <dgm:adj idx="1" val="0.1"/>
+                            </dgm:adjLst>
+                          </dgm:shape>
+                          <dgm:presOf axis="ch desOrSelf" ptType="node node" st="3 1" cnt="1 0"/>
+                          <dgm:constrLst>
+                            <dgm:constr type="lMarg" refType="primFontSz" fact="0.3"/>
+                            <dgm:constr type="rMarg" refType="primFontSz" fact="0.3"/>
+                            <dgm:constr type="tMarg" refType="primFontSz" fact="0.3"/>
+                            <dgm:constr type="bMarg" refType="primFontSz" fact="0.3"/>
+                          </dgm:constrLst>
+                          <dgm:ruleLst>
+                            <dgm:rule type="primFontSz" val="5" fact="NaN" max="NaN"/>
+                          </dgm:ruleLst>
+                        </dgm:layoutNode>
+                        <dgm:layoutNode name="FiveNodes_4_text">
+                          <dgm:varLst>
+                            <dgm:bulletEnabled val="1"/>
+                          </dgm:varLst>
+                          <dgm:alg type="tx">
+                            <dgm:param type="parTxLTRAlign" val="l"/>
+                            <dgm:param type="txAnchorVertCh" val="mid"/>
+                          </dgm:alg>
+                          <dgm:shape xmlns:r="http://schemas.openxmlformats.org/officeDocument/2006/relationships" type="roundRect" r:blip="" hideGeom="1">
+                            <dgm:adjLst>
+                              <dgm:adj idx="1" val="0.1"/>
+                            </dgm:adjLst>
+                          </dgm:shape>
+                          <dgm:presOf axis="ch desOrSelf" ptType="node node" st="4 1" cnt="1 0"/>
+                          <dgm:constrLst>
+                            <dgm:constr type="lMarg" refType="primFontSz" fact="0.3"/>
+                            <dgm:constr type="rMarg" refType="primFontSz" fact="0.3"/>
+                            <dgm:constr type="tMarg" refType="primFontSz" fact="0.3"/>
+                            <dgm:constr type="bMarg" refType="primFontSz" fact="0.3"/>
+                          </dgm:constrLst>
+                          <dgm:ruleLst>
+                            <dgm:rule type="primFontSz" val="5" fact="NaN" max="NaN"/>
+                          </dgm:ruleLst>
+                        </dgm:layoutNode>
+                        <dgm:layoutNode name="FiveNodes_5_text">
+                          <dgm:varLst>
+                            <dgm:bulletEnabled val="1"/>
+                          </dgm:varLst>
+                          <dgm:alg type="tx">
+                            <dgm:param type="parTxLTRAlign" val="l"/>
+                            <dgm:param type="txAnchorVertCh" val="mid"/>
+                          </dgm:alg>
+                          <dgm:shape xmlns:r="http://schemas.openxmlformats.org/officeDocument/2006/relationships" type="roundRect" r:blip="" hideGeom="1">
+                            <dgm:adjLst>
+                              <dgm:adj idx="1" val="0.1"/>
+                            </dgm:adjLst>
+                          </dgm:shape>
+                          <dgm:presOf axis="ch desOrSelf" ptType="node node" st="5 1" cnt="1 0"/>
+                          <dgm:constrLst>
+                            <dgm:constr type="lMarg" refType="primFontSz" fact="0.3"/>
+                            <dgm:constr type="rMarg" refType="primFontSz" fact="0.3"/>
+                            <dgm:constr type="tMarg" refType="primFontSz" fact="0.3"/>
+                            <dgm:constr type="bMarg" refType="primFontSz" fact="0.3"/>
+                          </dgm:constrLst>
+                          <dgm:ruleLst>
+                            <dgm:rule type="primFontSz" val="5" fact="NaN" max="NaN"/>
+                          </dgm:ruleLst>
+                        </dgm:layoutNode>
+                      </dgm:if>
+                      <dgm:else name="Name17"/>
+                    </dgm:choose>
+                  </dgm:else>
+                </dgm:choose>
+              </dgm:else>
+            </dgm:choose>
+          </dgm:else>
+        </dgm:choose>
+      </dgm:else>
+    </dgm:choose>
   </dgm:layoutNode>
 </dgm:layoutDef>
 </file>
@@ -3384,45 +4748,7 @@
           <a:bodyPr/>
           <a:lstStyle/>
           <a:p>
-            <a:r>
-              <a:rPr lang="nl-BE" sz="3200" dirty="0"/>
-              <a:t>Sporttoestellen</a:t>
-            </a:r>
-          </a:p>
-          <a:p>
-            <a:r>
-              <a:rPr lang="nl-BE" sz="3200" dirty="0"/>
-              <a:t>Krachtmetingen</a:t>
-            </a:r>
-          </a:p>
-          <a:p>
-            <a:r>
-              <a:rPr lang="nl-BE" sz="3200" dirty="0"/>
-              <a:t>Revalidatie</a:t>
-            </a:r>
-          </a:p>
-          <a:p>
-            <a:r>
-              <a:rPr lang="nl-BE" sz="3200" dirty="0"/>
-              <a:t>Hartslag</a:t>
-            </a:r>
-          </a:p>
-          <a:p>
-            <a:pPr lvl="1"/>
-            <a:r>
-              <a:rPr lang="nl-BE" sz="3000" dirty="0"/>
-              <a:t>Meten</a:t>
-            </a:r>
-          </a:p>
-          <a:p>
-            <a:pPr lvl="1"/>
-            <a:r>
-              <a:rPr lang="nl-BE" sz="3000" dirty="0"/>
-              <a:t>Stabiel houden (pacemaker)</a:t>
-            </a:r>
-          </a:p>
-          <a:p>
-            <a:endParaRPr lang="nl-NL" dirty="0"/>
+            <a:endParaRPr lang="nl-BE" dirty="0"/>
           </a:p>
         </p:txBody>
       </p:sp>
@@ -3443,7 +4769,7 @@
           <a:p>
             <a:fld id="{AB363037-1310-4CF1-84A3-3BF13FF51853}" type="slidenum">
               <a:rPr lang="nl-NL" smtClean="0"/>
-              <a:t>3</a:t>
+              <a:t>1</a:t>
             </a:fld>
             <a:endParaRPr lang="nl-NL"/>
           </a:p>
@@ -3452,7 +4778,7 @@
     </p:spTree>
     <p:extLst>
       <p:ext uri="{BB962C8B-B14F-4D97-AF65-F5344CB8AC3E}">
-        <p14:creationId xmlns:p14="http://schemas.microsoft.com/office/powerpoint/2010/main" val="2341590838"/>
+        <p14:creationId xmlns:p14="http://schemas.microsoft.com/office/powerpoint/2010/main" val="513018331"/>
       </p:ext>
     </p:extLst>
   </p:cSld>
@@ -3506,30 +4832,6 @@
           <a:bodyPr/>
           <a:lstStyle/>
           <a:p>
-            <a:r>
-              <a:rPr lang="nl-BE" sz="1200" dirty="0"/>
-              <a:t>Database bijhouden</a:t>
-            </a:r>
-          </a:p>
-          <a:p>
-            <a:r>
-              <a:rPr lang="nl-BE" sz="1200" dirty="0"/>
-              <a:t>Scoretelling</a:t>
-            </a:r>
-          </a:p>
-          <a:p>
-            <a:r>
-              <a:rPr lang="nl-BE" sz="1200" dirty="0"/>
-              <a:t>Websites toeschouwers</a:t>
-            </a:r>
-          </a:p>
-          <a:p>
-            <a:r>
-              <a:rPr lang="nl-BE" sz="1200" dirty="0"/>
-              <a:t>Klassementen bijhouden</a:t>
-            </a:r>
-          </a:p>
-          <a:p>
             <a:endParaRPr lang="nl-NL" dirty="0"/>
           </a:p>
         </p:txBody>
@@ -3551,7 +4853,7 @@
           <a:p>
             <a:fld id="{AB363037-1310-4CF1-84A3-3BF13FF51853}" type="slidenum">
               <a:rPr lang="nl-NL" smtClean="0"/>
-              <a:t>5</a:t>
+              <a:t>3</a:t>
             </a:fld>
             <a:endParaRPr lang="nl-NL"/>
           </a:p>
@@ -3615,16 +4917,255 @@
           <a:lstStyle/>
           <a:p>
             <a:r>
-              <a:rPr lang="nl-BE" sz="1200" dirty="0"/>
-              <a:t>Diverse gebruikswijzen</a:t>
-            </a:r>
-          </a:p>
-          <a:p>
-            <a:r>
-              <a:rPr lang="nl-BE" sz="1200" dirty="0"/>
-              <a:t>Niet enkel informatie bijhouden</a:t>
-            </a:r>
-          </a:p>
+              <a:rPr lang="nl-BE" sz="3200" dirty="0"/>
+              <a:t>Weegschaal</a:t>
+            </a:r>
+          </a:p>
+          <a:p>
+            <a:pPr lvl="1"/>
+            <a:r>
+              <a:rPr lang="nl-BE" sz="3000" dirty="0"/>
+              <a:t>Spiermassa, eiwitgehalte, …</a:t>
+            </a:r>
+          </a:p>
+          <a:p>
+            <a:r>
+              <a:rPr lang="nl-BE" sz="3200" dirty="0"/>
+              <a:t>Horloges</a:t>
+            </a:r>
+          </a:p>
+          <a:p>
+            <a:pPr lvl="1"/>
+            <a:r>
+              <a:rPr lang="nl-BE" sz="3000" dirty="0"/>
+              <a:t>Calorieën, meters, …</a:t>
+            </a:r>
+          </a:p>
+          <a:p>
+            <a:r>
+              <a:rPr lang="nl-BE" sz="3200" dirty="0"/>
+              <a:t>Dieet apps</a:t>
+            </a:r>
+          </a:p>
+          <a:p>
+            <a:r>
+              <a:rPr lang="nl-BE" sz="3200" dirty="0"/>
+              <a:t>Revalidatie</a:t>
+            </a:r>
+          </a:p>
+          <a:p>
+            <a:pPr lvl="1"/>
+            <a:r>
+              <a:rPr lang="nl-BE" sz="3000" dirty="0"/>
+              <a:t>Krachtmetingen, scans, …</a:t>
+            </a:r>
+          </a:p>
+          <a:p>
+            <a:endParaRPr lang="nl-BE" dirty="0"/>
+          </a:p>
+        </p:txBody>
+      </p:sp>
+      <p:sp>
+        <p:nvSpPr>
+          <p:cNvPr id="4" name="Tijdelijke aanduiding voor dianummer 3"/>
+          <p:cNvSpPr>
+            <a:spLocks noGrp="1"/>
+          </p:cNvSpPr>
+          <p:nvPr>
+            <p:ph type="sldNum" sz="quarter" idx="5"/>
+          </p:nvPr>
+        </p:nvSpPr>
+        <p:spPr/>
+        <p:txBody>
+          <a:bodyPr/>
+          <a:lstStyle/>
+          <a:p>
+            <a:fld id="{AB363037-1310-4CF1-84A3-3BF13FF51853}" type="slidenum">
+              <a:rPr lang="nl-NL" smtClean="0"/>
+              <a:t>4</a:t>
+            </a:fld>
+            <a:endParaRPr lang="nl-NL"/>
+          </a:p>
+        </p:txBody>
+      </p:sp>
+    </p:spTree>
+    <p:extLst>
+      <p:ext uri="{BB962C8B-B14F-4D97-AF65-F5344CB8AC3E}">
+        <p14:creationId xmlns:p14="http://schemas.microsoft.com/office/powerpoint/2010/main" val="2474943307"/>
+      </p:ext>
+    </p:extLst>
+  </p:cSld>
+  <p:clrMapOvr>
+    <a:masterClrMapping/>
+  </p:clrMapOvr>
+</p:notes>
+</file>
+
+<file path=ppt/notesSlides/notesSlide4.xml><?xml version="1.0" encoding="utf-8"?>
+<p:notes xmlns:a="http://schemas.openxmlformats.org/drawingml/2006/main" xmlns:r="http://schemas.openxmlformats.org/officeDocument/2006/relationships" xmlns:p="http://schemas.openxmlformats.org/presentationml/2006/main">
+  <p:cSld>
+    <p:spTree>
+      <p:nvGrpSpPr>
+        <p:cNvPr id="1" name=""/>
+        <p:cNvGrpSpPr/>
+        <p:nvPr/>
+      </p:nvGrpSpPr>
+      <p:grpSpPr>
+        <a:xfrm>
+          <a:off x="0" y="0"/>
+          <a:ext cx="0" cy="0"/>
+          <a:chOff x="0" y="0"/>
+          <a:chExt cx="0" cy="0"/>
+        </a:xfrm>
+      </p:grpSpPr>
+      <p:sp>
+        <p:nvSpPr>
+          <p:cNvPr id="2" name="Tijdelijke aanduiding voor dia-afbeelding 1"/>
+          <p:cNvSpPr>
+            <a:spLocks noGrp="1" noRot="1" noChangeAspect="1"/>
+          </p:cNvSpPr>
+          <p:nvPr>
+            <p:ph type="sldImg"/>
+          </p:nvPr>
+        </p:nvSpPr>
+        <p:spPr/>
+      </p:sp>
+      <p:sp>
+        <p:nvSpPr>
+          <p:cNvPr id="3" name="Tijdelijke aanduiding voor notities 2"/>
+          <p:cNvSpPr>
+            <a:spLocks noGrp="1"/>
+          </p:cNvSpPr>
+          <p:nvPr>
+            <p:ph type="body" idx="1"/>
+          </p:nvPr>
+        </p:nvSpPr>
+        <p:spPr/>
+        <p:txBody>
+          <a:bodyPr/>
+          <a:lstStyle/>
+          <a:p>
+            <a:r>
+              <a:rPr lang="nl-BE" sz="3200" dirty="0"/>
+              <a:t>Sporttoestellen</a:t>
+            </a:r>
+          </a:p>
+          <a:p>
+            <a:r>
+              <a:rPr lang="nl-BE" sz="3200" dirty="0"/>
+              <a:t>Krachtmetingen</a:t>
+            </a:r>
+          </a:p>
+          <a:p>
+            <a:r>
+              <a:rPr lang="nl-BE" sz="3200" dirty="0"/>
+              <a:t>Revalidatie</a:t>
+            </a:r>
+          </a:p>
+          <a:p>
+            <a:r>
+              <a:rPr lang="nl-BE" sz="3200" dirty="0"/>
+              <a:t>Hartslag</a:t>
+            </a:r>
+          </a:p>
+          <a:p>
+            <a:pPr lvl="1"/>
+            <a:r>
+              <a:rPr lang="nl-BE" sz="3000" dirty="0"/>
+              <a:t>Meten</a:t>
+            </a:r>
+          </a:p>
+          <a:p>
+            <a:pPr lvl="1"/>
+            <a:r>
+              <a:rPr lang="nl-BE" sz="3000" dirty="0"/>
+              <a:t>Stabiel houden (pacemaker)</a:t>
+            </a:r>
+          </a:p>
+          <a:p>
+            <a:endParaRPr lang="nl-NL" dirty="0"/>
+          </a:p>
+        </p:txBody>
+      </p:sp>
+      <p:sp>
+        <p:nvSpPr>
+          <p:cNvPr id="4" name="Tijdelijke aanduiding voor dianummer 3"/>
+          <p:cNvSpPr>
+            <a:spLocks noGrp="1"/>
+          </p:cNvSpPr>
+          <p:nvPr>
+            <p:ph type="sldNum" sz="quarter" idx="5"/>
+          </p:nvPr>
+        </p:nvSpPr>
+        <p:spPr/>
+        <p:txBody>
+          <a:bodyPr/>
+          <a:lstStyle/>
+          <a:p>
+            <a:fld id="{AB363037-1310-4CF1-84A3-3BF13FF51853}" type="slidenum">
+              <a:rPr lang="nl-NL" smtClean="0"/>
+              <a:t>5</a:t>
+            </a:fld>
+            <a:endParaRPr lang="nl-NL"/>
+          </a:p>
+        </p:txBody>
+      </p:sp>
+    </p:spTree>
+    <p:extLst>
+      <p:ext uri="{BB962C8B-B14F-4D97-AF65-F5344CB8AC3E}">
+        <p14:creationId xmlns:p14="http://schemas.microsoft.com/office/powerpoint/2010/main" val="2341590838"/>
+      </p:ext>
+    </p:extLst>
+  </p:cSld>
+  <p:clrMapOvr>
+    <a:masterClrMapping/>
+  </p:clrMapOvr>
+</p:notes>
+</file>
+
+<file path=ppt/notesSlides/notesSlide5.xml><?xml version="1.0" encoding="utf-8"?>
+<p:notes xmlns:a="http://schemas.openxmlformats.org/drawingml/2006/main" xmlns:r="http://schemas.openxmlformats.org/officeDocument/2006/relationships" xmlns:p="http://schemas.openxmlformats.org/presentationml/2006/main">
+  <p:cSld>
+    <p:spTree>
+      <p:nvGrpSpPr>
+        <p:cNvPr id="1" name=""/>
+        <p:cNvGrpSpPr/>
+        <p:nvPr/>
+      </p:nvGrpSpPr>
+      <p:grpSpPr>
+        <a:xfrm>
+          <a:off x="0" y="0"/>
+          <a:ext cx="0" cy="0"/>
+          <a:chOff x="0" y="0"/>
+          <a:chExt cx="0" cy="0"/>
+        </a:xfrm>
+      </p:grpSpPr>
+      <p:sp>
+        <p:nvSpPr>
+          <p:cNvPr id="2" name="Tijdelijke aanduiding voor dia-afbeelding 1"/>
+          <p:cNvSpPr>
+            <a:spLocks noGrp="1" noRot="1" noChangeAspect="1"/>
+          </p:cNvSpPr>
+          <p:nvPr>
+            <p:ph type="sldImg"/>
+          </p:nvPr>
+        </p:nvSpPr>
+        <p:spPr/>
+      </p:sp>
+      <p:sp>
+        <p:nvSpPr>
+          <p:cNvPr id="3" name="Tijdelijke aanduiding voor notities 2"/>
+          <p:cNvSpPr>
+            <a:spLocks noGrp="1"/>
+          </p:cNvSpPr>
+          <p:nvPr>
+            <p:ph type="body" idx="1"/>
+          </p:nvPr>
+        </p:nvSpPr>
+        <p:spPr/>
+        <p:txBody>
+          <a:bodyPr/>
+          <a:lstStyle/>
           <a:p>
             <a:endParaRPr lang="nl-NL" dirty="0"/>
           </a:p>
@@ -9314,6 +10855,433 @@
 <file path=ppt/slides/slide1.xml><?xml version="1.0" encoding="utf-8"?>
 <p:sld xmlns:a="http://schemas.openxmlformats.org/drawingml/2006/main" xmlns:r="http://schemas.openxmlformats.org/officeDocument/2006/relationships" xmlns:p="http://schemas.openxmlformats.org/presentationml/2006/main">
   <p:cSld>
+    <p:bg>
+      <p:bgPr>
+        <a:blipFill>
+          <a:blip r:embed="rId3"/>
+          <a:stretch/>
+        </a:blipFill>
+        <a:effectLst/>
+      </p:bgPr>
+    </p:bg>
+    <p:spTree>
+      <p:nvGrpSpPr>
+        <p:cNvPr id="1" name=""/>
+        <p:cNvGrpSpPr/>
+        <p:nvPr/>
+      </p:nvGrpSpPr>
+      <p:grpSpPr>
+        <a:xfrm>
+          <a:off x="0" y="0"/>
+          <a:ext cx="0" cy="0"/>
+          <a:chOff x="0" y="0"/>
+          <a:chExt cx="0" cy="0"/>
+        </a:xfrm>
+      </p:grpSpPr>
+      <p:pic>
+        <p:nvPicPr>
+          <p:cNvPr id="2050" name="Picture 2" descr="Technology Is Changing The Way We Interact With Sports">
+            <a:extLst>
+              <a:ext uri="{FF2B5EF4-FFF2-40B4-BE49-F238E27FC236}">
+                <a16:creationId xmlns:a16="http://schemas.microsoft.com/office/drawing/2014/main" id="{4E9F8D62-1E12-F1D7-8AEB-F48A808F096C}"/>
+              </a:ext>
+            </a:extLst>
+          </p:cNvPr>
+          <p:cNvPicPr>
+            <a:picLocks noChangeAspect="1" noChangeArrowheads="1"/>
+          </p:cNvPicPr>
+          <p:nvPr/>
+        </p:nvPicPr>
+        <p:blipFill>
+          <a:blip r:embed="rId4">
+            <a:extLst>
+              <a:ext uri="{28A0092B-C50C-407E-A947-70E740481C1C}">
+                <a14:useLocalDpi xmlns:a14="http://schemas.microsoft.com/office/drawing/2010/main" val="0"/>
+              </a:ext>
+            </a:extLst>
+          </a:blip>
+          <a:srcRect t="11639" b="4091"/>
+          <a:stretch/>
+        </p:blipFill>
+        <p:spPr bwMode="auto">
+          <a:xfrm>
+            <a:off x="20" y="10"/>
+            <a:ext cx="12191980" cy="6857990"/>
+          </a:xfrm>
+          <a:prstGeom prst="rect">
+            <a:avLst/>
+          </a:prstGeom>
+          <a:noFill/>
+          <a:extLst>
+            <a:ext uri="{909E8E84-426E-40DD-AFC4-6F175D3DCCD1}">
+              <a14:hiddenFill xmlns:a14="http://schemas.microsoft.com/office/drawing/2010/main">
+                <a:solidFill>
+                  <a:srgbClr val="FFFFFF"/>
+                </a:solidFill>
+              </a14:hiddenFill>
+            </a:ext>
+          </a:extLst>
+        </p:spPr>
+      </p:pic>
+      <p:pic>
+        <p:nvPicPr>
+          <p:cNvPr id="2055" name="Picture 2054">
+            <a:extLst>
+              <a:ext uri="{FF2B5EF4-FFF2-40B4-BE49-F238E27FC236}">
+                <a16:creationId xmlns:a16="http://schemas.microsoft.com/office/drawing/2014/main" id="{F28C5E77-0080-4457-B42A-3E5420A7C8DC}"/>
+              </a:ext>
+              <a:ext uri="{C183D7F6-B498-43B3-948B-1728B52AA6E4}">
+                <adec:decorative xmlns:adec="http://schemas.microsoft.com/office/drawing/2017/decorative" val="1"/>
+              </a:ext>
+            </a:extLst>
+          </p:cNvPr>
+          <p:cNvPicPr>
+            <a:picLocks noGrp="1" noRot="1" noChangeAspect="1" noMove="1" noResize="1" noEditPoints="1" noAdjustHandles="1" noChangeArrowheads="1" noChangeShapeType="1" noCrop="1"/>
+          </p:cNvPicPr>
+          <p:nvPr>
+            <p:extLst>
+              <p:ext uri="{386F3935-93C4-4BCD-93E2-E3B085C9AB24}">
+                <p16:designElem xmlns:p16="http://schemas.microsoft.com/office/powerpoint/2015/main" val="1"/>
+              </p:ext>
+            </p:extLst>
+          </p:nvPr>
+        </p:nvPicPr>
+        <p:blipFill>
+          <a:blip r:embed="rId5">
+            <a:extLst>
+              <a:ext uri="{28A0092B-C50C-407E-A947-70E740481C1C}">
+                <a14:useLocalDpi xmlns:a14="http://schemas.microsoft.com/office/drawing/2010/main" val="0"/>
+              </a:ext>
+            </a:extLst>
+          </a:blip>
+          <a:stretch>
+            <a:fillRect/>
+          </a:stretch>
+        </p:blipFill>
+        <p:spPr>
+          <a:xfrm>
+            <a:off x="0" y="0"/>
+            <a:ext cx="12188825" cy="6856214"/>
+          </a:xfrm>
+          <a:prstGeom prst="rect">
+            <a:avLst/>
+          </a:prstGeom>
+        </p:spPr>
+      </p:pic>
+      <p:sp>
+        <p:nvSpPr>
+          <p:cNvPr id="2057" name="Rectangle 2056">
+            <a:extLst>
+              <a:ext uri="{FF2B5EF4-FFF2-40B4-BE49-F238E27FC236}">
+                <a16:creationId xmlns:a16="http://schemas.microsoft.com/office/drawing/2014/main" id="{DE6F2CF7-0423-4CC7-90FD-1FEBA0CA5B4D}"/>
+              </a:ext>
+              <a:ext uri="{C183D7F6-B498-43B3-948B-1728B52AA6E4}">
+                <adec:decorative xmlns:adec="http://schemas.microsoft.com/office/drawing/2017/decorative" val="1"/>
+              </a:ext>
+            </a:extLst>
+          </p:cNvPr>
+          <p:cNvSpPr>
+            <a:spLocks noGrp="1" noRot="1" noChangeAspect="1" noMove="1" noResize="1" noEditPoints="1" noAdjustHandles="1" noChangeArrowheads="1" noChangeShapeType="1" noTextEdit="1"/>
+          </p:cNvSpPr>
+          <p:nvPr>
+            <p:extLst>
+              <p:ext uri="{386F3935-93C4-4BCD-93E2-E3B085C9AB24}">
+                <p16:designElem xmlns:p16="http://schemas.microsoft.com/office/powerpoint/2015/main" val="1"/>
+              </p:ext>
+            </p:extLst>
+          </p:nvPr>
+        </p:nvSpPr>
+        <p:spPr bwMode="grayWhite">
+          <a:xfrm>
+            <a:off x="1712912" y="2125133"/>
+            <a:ext cx="8736013" cy="2607734"/>
+          </a:xfrm>
+          <a:prstGeom prst="rect">
+            <a:avLst/>
+          </a:prstGeom>
+          <a:solidFill>
+            <a:schemeClr val="bg1">
+              <a:alpha val="70000"/>
+            </a:schemeClr>
+          </a:solidFill>
+          <a:ln w="50800" cap="sq" cmpd="dbl">
+            <a:gradFill flip="none" rotWithShape="1">
+              <a:gsLst>
+                <a:gs pos="0">
+                  <a:srgbClr val="FFFFFF"/>
+                </a:gs>
+                <a:gs pos="100000">
+                  <a:schemeClr val="tx1">
+                    <a:alpha val="0"/>
+                  </a:schemeClr>
+                </a:gs>
+              </a:gsLst>
+              <a:path path="circle">
+                <a:fillToRect l="50000" t="50000" r="50000" b="50000"/>
+              </a:path>
+              <a:tileRect/>
+            </a:gradFill>
+            <a:miter lim="800000"/>
+          </a:ln>
+          <a:effectLst>
+            <a:outerShdw blurRad="254000" algn="tl" rotWithShape="0">
+              <a:srgbClr val="000000">
+                <a:alpha val="43000"/>
+              </a:srgbClr>
+            </a:outerShdw>
+          </a:effectLst>
+        </p:spPr>
+        <p:txBody>
+          <a:bodyPr vert="horz" lIns="91440" tIns="45720" rIns="91440" bIns="45720" rtlCol="0" anchor="t">
+            <a:normAutofit/>
+          </a:bodyPr>
+          <a:lstStyle/>
+          <a:p>
+            <a:pPr algn="ctr">
+              <a:spcAft>
+                <a:spcPts val="1000"/>
+              </a:spcAft>
+              <a:buClr>
+                <a:schemeClr val="tx1"/>
+              </a:buClr>
+              <a:buSzPct val="100000"/>
+              <a:buFont typeface="Arial"/>
+              <a:buNone/>
+            </a:pPr>
+            <a:endParaRPr lang="en-US" sz="1600" cap="all">
+              <a:solidFill>
+                <a:schemeClr val="tx1"/>
+              </a:solidFill>
+            </a:endParaRPr>
+          </a:p>
+        </p:txBody>
+      </p:sp>
+      <p:sp>
+        <p:nvSpPr>
+          <p:cNvPr id="2" name="Titel 1">
+            <a:extLst>
+              <a:ext uri="{FF2B5EF4-FFF2-40B4-BE49-F238E27FC236}">
+                <a16:creationId xmlns:a16="http://schemas.microsoft.com/office/drawing/2014/main" id="{F2452700-7B44-25BB-C830-76EFF63C32DF}"/>
+              </a:ext>
+            </a:extLst>
+          </p:cNvPr>
+          <p:cNvSpPr>
+            <a:spLocks noGrp="1"/>
+          </p:cNvSpPr>
+          <p:nvPr>
+            <p:ph type="ctrTitle"/>
+          </p:nvPr>
+        </p:nvSpPr>
+        <p:spPr>
+          <a:xfrm>
+            <a:off x="1922991" y="2298700"/>
+            <a:ext cx="8347076" cy="1595952"/>
+          </a:xfrm>
+        </p:spPr>
+        <p:txBody>
+          <a:bodyPr>
+            <a:normAutofit/>
+          </a:bodyPr>
+          <a:lstStyle/>
+          <a:p>
+            <a:pPr algn="ctr"/>
+            <a:r>
+              <a:rPr lang="nl-BE" dirty="0"/>
+              <a:t>IT en sport</a:t>
+            </a:r>
+            <a:endParaRPr lang="nl-BE"/>
+          </a:p>
+        </p:txBody>
+      </p:sp>
+      <p:sp>
+        <p:nvSpPr>
+          <p:cNvPr id="3" name="Ondertitel 2">
+            <a:extLst>
+              <a:ext uri="{FF2B5EF4-FFF2-40B4-BE49-F238E27FC236}">
+                <a16:creationId xmlns:a16="http://schemas.microsoft.com/office/drawing/2014/main" id="{AB1952D5-FFA8-BDE8-D498-1B1DF81838DA}"/>
+              </a:ext>
+            </a:extLst>
+          </p:cNvPr>
+          <p:cNvSpPr>
+            <a:spLocks noGrp="1"/>
+          </p:cNvSpPr>
+          <p:nvPr>
+            <p:ph type="subTitle" idx="1"/>
+          </p:nvPr>
+        </p:nvSpPr>
+        <p:spPr>
+          <a:xfrm>
+            <a:off x="10058434" y="5860137"/>
+            <a:ext cx="2130391" cy="997863"/>
+          </a:xfrm>
+        </p:spPr>
+        <p:txBody>
+          <a:bodyPr>
+            <a:noAutofit/>
+          </a:bodyPr>
+          <a:lstStyle/>
+          <a:p>
+            <a:pPr algn="ctr">
+              <a:lnSpc>
+                <a:spcPct val="90000"/>
+              </a:lnSpc>
+            </a:pPr>
+            <a:r>
+              <a:rPr lang="nl-BE" dirty="0"/>
+              <a:t>Bas de </a:t>
+            </a:r>
+            <a:r>
+              <a:rPr lang="nl-BE" dirty="0" err="1"/>
+              <a:t>meurichy</a:t>
+            </a:r>
+            <a:endParaRPr lang="nl-BE" dirty="0"/>
+          </a:p>
+          <a:p>
+            <a:pPr algn="ctr">
+              <a:lnSpc>
+                <a:spcPct val="90000"/>
+              </a:lnSpc>
+            </a:pPr>
+            <a:r>
+              <a:rPr lang="nl-BE" dirty="0"/>
+              <a:t>Luca </a:t>
+            </a:r>
+            <a:r>
+              <a:rPr lang="nl-BE" dirty="0" err="1"/>
+              <a:t>lobbestael</a:t>
+            </a:r>
+            <a:endParaRPr lang="nl-BE" dirty="0"/>
+          </a:p>
+          <a:p>
+            <a:pPr algn="ctr">
+              <a:lnSpc>
+                <a:spcPct val="90000"/>
+              </a:lnSpc>
+            </a:pPr>
+            <a:r>
+              <a:rPr lang="nl-BE" dirty="0"/>
+              <a:t>2ITsof3a</a:t>
+            </a:r>
+          </a:p>
+        </p:txBody>
+      </p:sp>
+    </p:spTree>
+    <p:extLst>
+      <p:ext uri="{BB962C8B-B14F-4D97-AF65-F5344CB8AC3E}">
+        <p14:creationId xmlns:p14="http://schemas.microsoft.com/office/powerpoint/2010/main" val="2375574348"/>
+      </p:ext>
+    </p:extLst>
+  </p:cSld>
+  <p:clrMapOvr>
+    <a:masterClrMapping/>
+  </p:clrMapOvr>
+  <p:timing>
+    <p:tnLst>
+      <p:par>
+        <p:cTn id="1" dur="indefinite" restart="never" nodeType="tmRoot">
+          <p:childTnLst>
+            <p:seq concurrent="1" nextAc="seek">
+              <p:cTn id="2" dur="indefinite" nodeType="mainSeq">
+                <p:childTnLst>
+                  <p:par>
+                    <p:cTn id="3" fill="hold">
+                      <p:stCondLst>
+                        <p:cond delay="indefinite"/>
+                        <p:cond evt="onBegin" delay="0">
+                          <p:tn val="2"/>
+                        </p:cond>
+                      </p:stCondLst>
+                      <p:childTnLst>
+                        <p:par>
+                          <p:cTn id="4" fill="hold">
+                            <p:stCondLst>
+                              <p:cond delay="0"/>
+                            </p:stCondLst>
+                            <p:childTnLst>
+                              <p:par>
+                                <p:cTn id="5" presetID="10" presetClass="entr" presetSubtype="0" fill="hold" grpId="0" nodeType="withEffect">
+                                  <p:stCondLst>
+                                    <p:cond delay="1000"/>
+                                  </p:stCondLst>
+                                  <p:iterate>
+                                    <p:tmPct val="10000"/>
+                                  </p:iterate>
+                                  <p:childTnLst>
+                                    <p:set>
+                                      <p:cBhvr>
+                                        <p:cTn id="6" dur="1" fill="hold">
+                                          <p:stCondLst>
+                                            <p:cond delay="0"/>
+                                          </p:stCondLst>
+                                        </p:cTn>
+                                        <p:tgtEl>
+                                          <p:spTgt spid="2"/>
+                                        </p:tgtEl>
+                                        <p:attrNameLst>
+                                          <p:attrName>style.visibility</p:attrName>
+                                        </p:attrNameLst>
+                                      </p:cBhvr>
+                                      <p:to>
+                                        <p:strVal val="visible"/>
+                                      </p:to>
+                                    </p:set>
+                                    <p:animEffect transition="in" filter="fade">
+                                      <p:cBhvr>
+                                        <p:cTn id="7" dur="700"/>
+                                        <p:tgtEl>
+                                          <p:spTgt spid="2"/>
+                                        </p:tgtEl>
+                                      </p:cBhvr>
+                                    </p:animEffect>
+                                  </p:childTnLst>
+                                </p:cTn>
+                              </p:par>
+                            </p:childTnLst>
+                          </p:cTn>
+                        </p:par>
+                      </p:childTnLst>
+                    </p:cTn>
+                  </p:par>
+                </p:childTnLst>
+              </p:cTn>
+              <p:prevCondLst>
+                <p:cond evt="onPrev" delay="0">
+                  <p:tgtEl>
+                    <p:sldTgt/>
+                  </p:tgtEl>
+                </p:cond>
+              </p:prevCondLst>
+              <p:nextCondLst>
+                <p:cond evt="onNext" delay="0">
+                  <p:tgtEl>
+                    <p:sldTgt/>
+                  </p:tgtEl>
+                </p:cond>
+              </p:nextCondLst>
+            </p:seq>
+          </p:childTnLst>
+        </p:cTn>
+      </p:par>
+    </p:tnLst>
+    <p:bldLst>
+      <p:bldP spid="2" grpId="0"/>
+    </p:bldLst>
+  </p:timing>
+</p:sld>
+</file>
+
+<file path=ppt/slides/slide2.xml><?xml version="1.0" encoding="utf-8"?>
+<p:sld xmlns:a="http://schemas.openxmlformats.org/drawingml/2006/main" xmlns:r="http://schemas.openxmlformats.org/officeDocument/2006/relationships" xmlns:p="http://schemas.openxmlformats.org/presentationml/2006/main">
+  <p:cSld>
+    <p:bg>
+      <p:bgPr>
+        <a:blipFill>
+          <a:blip r:embed="rId2"/>
+          <a:stretch/>
+        </a:blipFill>
+        <a:effectLst/>
+      </p:bgPr>
+    </p:bg>
     <p:spTree>
       <p:nvGrpSpPr>
         <p:cNvPr id="1" name=""/>
@@ -9333,7 +11301,7 @@
           <p:cNvPr id="2" name="Titel 1">
             <a:extLst>
               <a:ext uri="{FF2B5EF4-FFF2-40B4-BE49-F238E27FC236}">
-                <a16:creationId xmlns:a16="http://schemas.microsoft.com/office/drawing/2014/main" id="{F2452700-7B44-25BB-C830-76EFF63C32DF}"/>
+                <a16:creationId xmlns:a16="http://schemas.microsoft.com/office/drawing/2014/main" id="{807EAC50-4CFA-4F64-06CE-A585061AAA58}"/>
               </a:ext>
             </a:extLst>
           </p:cNvPr>
@@ -9341,122 +11309,92 @@
             <a:spLocks noGrp="1"/>
           </p:cNvSpPr>
           <p:nvPr>
-            <p:ph type="ctrTitle"/>
+            <p:ph type="title"/>
           </p:nvPr>
         </p:nvSpPr>
-        <p:spPr/>
+        <p:spPr>
+          <a:xfrm>
+            <a:off x="4955458" y="639097"/>
+            <a:ext cx="6593075" cy="1612490"/>
+          </a:xfrm>
+        </p:spPr>
         <p:txBody>
-          <a:bodyPr/>
+          <a:bodyPr>
+            <a:normAutofit/>
+          </a:bodyPr>
           <a:lstStyle/>
           <a:p>
             <a:r>
-              <a:rPr lang="nl-BE" dirty="0"/>
-              <a:t>IT in sport</a:t>
-            </a:r>
-          </a:p>
-        </p:txBody>
-      </p:sp>
-      <p:sp>
-        <p:nvSpPr>
-          <p:cNvPr id="3" name="Ondertitel 2">
-            <a:extLst>
-              <a:ext uri="{FF2B5EF4-FFF2-40B4-BE49-F238E27FC236}">
-                <a16:creationId xmlns:a16="http://schemas.microsoft.com/office/drawing/2014/main" id="{AB1952D5-FFA8-BDE8-D498-1B1DF81838DA}"/>
-              </a:ext>
-            </a:extLst>
-          </p:cNvPr>
-          <p:cNvSpPr>
-            <a:spLocks noGrp="1"/>
-          </p:cNvSpPr>
-          <p:nvPr>
-            <p:ph type="subTitle" idx="1"/>
-          </p:nvPr>
-        </p:nvSpPr>
-        <p:spPr/>
-        <p:txBody>
-          <a:bodyPr/>
-          <a:lstStyle/>
-          <a:p>
-            <a:r>
-              <a:rPr lang="nl-BE" dirty="0"/>
-              <a:t>Bas de </a:t>
-            </a:r>
-            <a:r>
-              <a:rPr lang="nl-BE" dirty="0" err="1"/>
-              <a:t>meurichy</a:t>
-            </a:r>
-            <a:endParaRPr lang="nl-BE" dirty="0"/>
-          </a:p>
-          <a:p>
-            <a:r>
-              <a:rPr lang="nl-BE" dirty="0"/>
-              <a:t>Luca </a:t>
-            </a:r>
-            <a:r>
-              <a:rPr lang="nl-BE" dirty="0" err="1"/>
-              <a:t>lobbestael</a:t>
-            </a:r>
-            <a:endParaRPr lang="nl-BE" dirty="0"/>
-          </a:p>
-          <a:p>
-            <a:r>
-              <a:rPr lang="nl-BE" dirty="0"/>
-              <a:t>2ITsof3a</a:t>
+              <a:rPr lang="nl-BE"/>
+              <a:t>Inhoud</a:t>
             </a:r>
           </a:p>
         </p:txBody>
       </p:sp>
       <p:pic>
         <p:nvPicPr>
-          <p:cNvPr id="1036" name="Picture 12" descr="Sports PNG, Vector, PSD, and Clipart With Transparent Background for Free  Download | Pngtree">
+          <p:cNvPr id="4" name="Afbeelding 3" descr="Een fluitje dat aan de mur hangt">
             <a:extLst>
               <a:ext uri="{FF2B5EF4-FFF2-40B4-BE49-F238E27FC236}">
-                <a16:creationId xmlns:a16="http://schemas.microsoft.com/office/drawing/2014/main" id="{D45EE193-E538-0943-A00E-9BE2A3244FF0}"/>
+                <a16:creationId xmlns:a16="http://schemas.microsoft.com/office/drawing/2014/main" id="{84C2F377-79C3-A62C-AC6B-3D7F9882AEAD}"/>
               </a:ext>
             </a:extLst>
           </p:cNvPr>
           <p:cNvPicPr>
-            <a:picLocks noChangeAspect="1" noChangeArrowheads="1"/>
+            <a:picLocks noChangeAspect="1"/>
           </p:cNvPicPr>
           <p:nvPr/>
         </p:nvPicPr>
         <p:blipFill>
-          <a:blip r:embed="rId2">
-            <a:extLst>
-              <a:ext uri="{28A0092B-C50C-407E-A947-70E740481C1C}">
-                <a14:useLocalDpi xmlns:a14="http://schemas.microsoft.com/office/drawing/2010/main" val="0"/>
-              </a:ext>
-            </a:extLst>
-          </a:blip>
-          <a:srcRect/>
-          <a:stretch>
-            <a:fillRect/>
-          </a:stretch>
+          <a:blip r:embed="rId3"/>
+          <a:srcRect l="47445" r="7431" b="-2"/>
+          <a:stretch/>
         </p:blipFill>
-        <p:spPr bwMode="auto">
+        <p:spPr>
           <a:xfrm>
-            <a:off x="1450976" y="1146175"/>
-            <a:ext cx="4645024" cy="4645024"/>
+            <a:off x="20" y="975"/>
+            <a:ext cx="4635988" cy="6858000"/>
           </a:xfrm>
           <a:prstGeom prst="rect">
             <a:avLst/>
           </a:prstGeom>
-          <a:noFill/>
-          <a:extLst>
-            <a:ext uri="{909E8E84-426E-40DD-AFC4-6F175D3DCCD1}">
-              <a14:hiddenFill xmlns:a14="http://schemas.microsoft.com/office/drawing/2010/main">
-                <a:solidFill>
-                  <a:srgbClr val="FFFFFF"/>
-                </a:solidFill>
-              </a14:hiddenFill>
-            </a:ext>
-          </a:extLst>
         </p:spPr>
       </p:pic>
+      <p:graphicFrame>
+        <p:nvGraphicFramePr>
+          <p:cNvPr id="5" name="Tijdelijke aanduiding voor inhoud 2">
+            <a:extLst>
+              <a:ext uri="{FF2B5EF4-FFF2-40B4-BE49-F238E27FC236}">
+                <a16:creationId xmlns:a16="http://schemas.microsoft.com/office/drawing/2014/main" id="{6A658801-F24C-AD68-9AF1-51C8F6ACE7EF}"/>
+              </a:ext>
+            </a:extLst>
+          </p:cNvPr>
+          <p:cNvGraphicFramePr>
+            <a:graphicFrameLocks noGrp="1"/>
+          </p:cNvGraphicFramePr>
+          <p:nvPr>
+            <p:ph idx="1"/>
+            <p:extLst>
+              <p:ext uri="{D42A27DB-BD31-4B8C-83A1-F6EECF244321}">
+                <p14:modId xmlns:p14="http://schemas.microsoft.com/office/powerpoint/2010/main" val="3103078240"/>
+              </p:ext>
+            </p:extLst>
+          </p:nvPr>
+        </p:nvGraphicFramePr>
+        <p:xfrm>
+          <a:off x="4955458" y="2251587"/>
+          <a:ext cx="6593075" cy="3972232"/>
+        </p:xfrm>
+        <a:graphic>
+          <a:graphicData uri="http://schemas.openxmlformats.org/drawingml/2006/diagram">
+            <dgm:relIds xmlns:dgm="http://schemas.openxmlformats.org/drawingml/2006/diagram" xmlns:r="http://schemas.openxmlformats.org/officeDocument/2006/relationships" r:dm="rId4" r:lo="rId5" r:qs="rId6" r:cs="rId7"/>
+          </a:graphicData>
+        </a:graphic>
+      </p:graphicFrame>
     </p:spTree>
     <p:extLst>
       <p:ext uri="{BB962C8B-B14F-4D97-AF65-F5344CB8AC3E}">
-        <p14:creationId xmlns:p14="http://schemas.microsoft.com/office/powerpoint/2010/main" val="2375574348"/>
+        <p14:creationId xmlns:p14="http://schemas.microsoft.com/office/powerpoint/2010/main" val="2825015977"/>
       </p:ext>
     </p:extLst>
   </p:cSld>
@@ -9466,14 +11404,15 @@
 </p:sld>
 </file>
 
-<file path=ppt/slides/slide2.xml><?xml version="1.0" encoding="utf-8"?>
+<file path=ppt/slides/slide3.xml><?xml version="1.0" encoding="utf-8"?>
 <p:sld xmlns:a="http://schemas.openxmlformats.org/drawingml/2006/main" xmlns:r="http://schemas.openxmlformats.org/officeDocument/2006/relationships" xmlns:p="http://schemas.openxmlformats.org/presentationml/2006/main">
   <p:cSld>
     <p:bg>
       <p:bgPr>
-        <a:solidFill>
-          <a:schemeClr val="bg1"/>
-        </a:solidFill>
+        <a:blipFill>
+          <a:blip r:embed="rId3"/>
+          <a:stretch/>
+        </a:blipFill>
         <a:effectLst/>
       </p:bgPr>
     </p:bg>
@@ -9491,228 +11430,12 @@
           <a:chExt cx="0" cy="0"/>
         </a:xfrm>
       </p:grpSpPr>
-      <p:sp useBgFill="1">
-        <p:nvSpPr>
-          <p:cNvPr id="9" name="Rectangle 8">
-            <a:extLst>
-              <a:ext uri="{FF2B5EF4-FFF2-40B4-BE49-F238E27FC236}">
-                <a16:creationId xmlns:a16="http://schemas.microsoft.com/office/drawing/2014/main" id="{75F65CD9-825D-44BD-8681-D42D260D4C63}"/>
-              </a:ext>
-              <a:ext uri="{C183D7F6-B498-43B3-948B-1728B52AA6E4}">
-                <adec:decorative xmlns:adec="http://schemas.microsoft.com/office/drawing/2017/decorative" val="1"/>
-              </a:ext>
-            </a:extLst>
-          </p:cNvPr>
-          <p:cNvSpPr>
-            <a:spLocks noGrp="1" noRot="1" noChangeAspect="1" noMove="1" noResize="1" noEditPoints="1" noAdjustHandles="1" noChangeArrowheads="1" noChangeShapeType="1" noTextEdit="1"/>
-          </p:cNvSpPr>
-          <p:nvPr>
-            <p:extLst>
-              <p:ext uri="{386F3935-93C4-4BCD-93E2-E3B085C9AB24}">
-                <p16:designElem xmlns:p16="http://schemas.microsoft.com/office/powerpoint/2015/main" val="1"/>
-              </p:ext>
-            </p:extLst>
-          </p:nvPr>
-        </p:nvSpPr>
-        <p:spPr>
-          <a:xfrm>
-            <a:off x="0" y="0"/>
-            <a:ext cx="12192000" cy="6858000"/>
-          </a:xfrm>
-          <a:prstGeom prst="rect">
-            <a:avLst/>
-          </a:prstGeom>
-          <a:ln>
-            <a:noFill/>
-          </a:ln>
-        </p:spPr>
-        <p:style>
-          <a:lnRef idx="2">
-            <a:schemeClr val="accent1">
-              <a:shade val="50000"/>
-            </a:schemeClr>
-          </a:lnRef>
-          <a:fillRef idx="1">
-            <a:schemeClr val="accent1"/>
-          </a:fillRef>
-          <a:effectRef idx="0">
-            <a:schemeClr val="accent1"/>
-          </a:effectRef>
-          <a:fontRef idx="minor">
-            <a:schemeClr val="lt1"/>
-          </a:fontRef>
-        </p:style>
-        <p:txBody>
-          <a:bodyPr rtlCol="0" anchor="ctr"/>
-          <a:lstStyle/>
-          <a:p>
-            <a:pPr algn="ctr"/>
-            <a:endParaRPr lang="en-US"/>
-          </a:p>
-        </p:txBody>
-      </p:sp>
-      <p:sp>
-        <p:nvSpPr>
-          <p:cNvPr id="11" name="Freeform: Shape 10">
-            <a:extLst>
-              <a:ext uri="{FF2B5EF4-FFF2-40B4-BE49-F238E27FC236}">
-                <a16:creationId xmlns:a16="http://schemas.microsoft.com/office/drawing/2014/main" id="{B2F64C47-BE0B-4DA4-A62F-C6922DD2082F}"/>
-              </a:ext>
-              <a:ext uri="{C183D7F6-B498-43B3-948B-1728B52AA6E4}">
-                <adec:decorative xmlns:adec="http://schemas.microsoft.com/office/drawing/2017/decorative" val="1"/>
-              </a:ext>
-            </a:extLst>
-          </p:cNvPr>
-          <p:cNvSpPr>
-            <a:spLocks noGrp="1" noRot="1" noChangeAspect="1" noMove="1" noResize="1" noEditPoints="1" noAdjustHandles="1" noChangeArrowheads="1" noChangeShapeType="1" noTextEdit="1"/>
-          </p:cNvSpPr>
-          <p:nvPr>
-            <p:extLst>
-              <p:ext uri="{386F3935-93C4-4BCD-93E2-E3B085C9AB24}">
-                <p16:designElem xmlns:p16="http://schemas.microsoft.com/office/powerpoint/2015/main" val="1"/>
-              </p:ext>
-            </p:extLst>
-          </p:nvPr>
-        </p:nvSpPr>
-        <p:spPr>
-          <a:xfrm flipH="1">
-            <a:off x="0" y="-2"/>
-            <a:ext cx="4125976" cy="6858002"/>
-          </a:xfrm>
-          <a:custGeom>
-            <a:avLst/>
-            <a:gdLst>
-              <a:gd name="connsiteX0" fmla="*/ 4125976 w 4125976"/>
-              <a:gd name="connsiteY0" fmla="*/ 0 h 6858002"/>
-              <a:gd name="connsiteX1" fmla="*/ 1300393 w 4125976"/>
-              <a:gd name="connsiteY1" fmla="*/ 0 h 6858002"/>
-              <a:gd name="connsiteX2" fmla="*/ 1300393 w 4125976"/>
-              <a:gd name="connsiteY2" fmla="*/ 2 h 6858002"/>
-              <a:gd name="connsiteX3" fmla="*/ 1155520 w 4125976"/>
-              <a:gd name="connsiteY3" fmla="*/ 2 h 6858002"/>
-              <a:gd name="connsiteX4" fmla="*/ 1074856 w 4125976"/>
-              <a:gd name="connsiteY4" fmla="*/ 88573 h 6858002"/>
-              <a:gd name="connsiteX5" fmla="*/ 0 w 4125976"/>
-              <a:gd name="connsiteY5" fmla="*/ 3396600 h 6858002"/>
-              <a:gd name="connsiteX6" fmla="*/ 1222540 w 4125976"/>
-              <a:gd name="connsiteY6" fmla="*/ 6858002 h 6858002"/>
-              <a:gd name="connsiteX7" fmla="*/ 4125598 w 4125976"/>
-              <a:gd name="connsiteY7" fmla="*/ 6858002 h 6858002"/>
-              <a:gd name="connsiteX8" fmla="*/ 4125976 w 4125976"/>
-              <a:gd name="connsiteY8" fmla="*/ 6857600 h 6858002"/>
-            </a:gdLst>
-            <a:ahLst/>
-            <a:cxnLst>
-              <a:cxn ang="0">
-                <a:pos x="connsiteX0" y="connsiteY0"/>
-              </a:cxn>
-              <a:cxn ang="0">
-                <a:pos x="connsiteX1" y="connsiteY1"/>
-              </a:cxn>
-              <a:cxn ang="0">
-                <a:pos x="connsiteX2" y="connsiteY2"/>
-              </a:cxn>
-              <a:cxn ang="0">
-                <a:pos x="connsiteX3" y="connsiteY3"/>
-              </a:cxn>
-              <a:cxn ang="0">
-                <a:pos x="connsiteX4" y="connsiteY4"/>
-              </a:cxn>
-              <a:cxn ang="0">
-                <a:pos x="connsiteX5" y="connsiteY5"/>
-              </a:cxn>
-              <a:cxn ang="0">
-                <a:pos x="connsiteX6" y="connsiteY6"/>
-              </a:cxn>
-              <a:cxn ang="0">
-                <a:pos x="connsiteX7" y="connsiteY7"/>
-              </a:cxn>
-              <a:cxn ang="0">
-                <a:pos x="connsiteX8" y="connsiteY8"/>
-              </a:cxn>
-            </a:cxnLst>
-            <a:rect l="l" t="t" r="r" b="b"/>
-            <a:pathLst>
-              <a:path w="4125976" h="6858002">
-                <a:moveTo>
-                  <a:pt x="4125976" y="0"/>
-                </a:moveTo>
-                <a:lnTo>
-                  <a:pt x="1300393" y="0"/>
-                </a:lnTo>
-                <a:lnTo>
-                  <a:pt x="1300393" y="2"/>
-                </a:lnTo>
-                <a:lnTo>
-                  <a:pt x="1155520" y="2"/>
-                </a:lnTo>
-                <a:lnTo>
-                  <a:pt x="1074856" y="88573"/>
-                </a:lnTo>
-                <a:cubicBezTo>
-                  <a:pt x="422987" y="841260"/>
-                  <a:pt x="0" y="2042663"/>
-                  <a:pt x="0" y="3396600"/>
-                </a:cubicBezTo>
-                <a:cubicBezTo>
-                  <a:pt x="0" y="4846647"/>
-                  <a:pt x="488259" y="6121285"/>
-                  <a:pt x="1222540" y="6858002"/>
-                </a:cubicBezTo>
-                <a:cubicBezTo>
-                  <a:pt x="4125598" y="6858002"/>
-                  <a:pt x="4125598" y="6858002"/>
-                  <a:pt x="4125598" y="6858002"/>
-                </a:cubicBezTo>
-                <a:lnTo>
-                  <a:pt x="4125976" y="6857600"/>
-                </a:lnTo>
-                <a:close/>
-              </a:path>
-            </a:pathLst>
-          </a:custGeom>
-          <a:blipFill dpi="0" rotWithShape="1">
-            <a:blip r:embed="rId2"/>
-            <a:srcRect/>
-            <a:tile tx="0" ty="0" sx="100000" sy="100000" flip="none" algn="tl"/>
-          </a:blipFill>
-          <a:ln>
-            <a:noFill/>
-          </a:ln>
-        </p:spPr>
-        <p:style>
-          <a:lnRef idx="2">
-            <a:schemeClr val="accent1">
-              <a:shade val="50000"/>
-            </a:schemeClr>
-          </a:lnRef>
-          <a:fillRef idx="1003">
-            <a:schemeClr val="dk2"/>
-          </a:fillRef>
-          <a:effectRef idx="0">
-            <a:schemeClr val="accent1"/>
-          </a:effectRef>
-          <a:fontRef idx="minor">
-            <a:schemeClr val="lt1"/>
-          </a:fontRef>
-        </p:style>
-        <p:txBody>
-          <a:bodyPr wrap="square" rtlCol="0" anchor="ctr">
-            <a:noAutofit/>
-          </a:bodyPr>
-          <a:lstStyle/>
-          <a:p>
-            <a:pPr algn="ctr"/>
-            <a:endParaRPr lang="en-US"/>
-          </a:p>
-        </p:txBody>
-      </p:sp>
       <p:sp>
         <p:nvSpPr>
           <p:cNvPr id="2" name="Titel 1">
             <a:extLst>
               <a:ext uri="{FF2B5EF4-FFF2-40B4-BE49-F238E27FC236}">
-                <a16:creationId xmlns:a16="http://schemas.microsoft.com/office/drawing/2014/main" id="{807EAC50-4CFA-4F64-06CE-A585061AAA58}"/>
+                <a16:creationId xmlns:a16="http://schemas.microsoft.com/office/drawing/2014/main" id="{74661C10-3BC9-DA2E-45B1-8FF0FF5970BD}"/>
               </a:ext>
             </a:extLst>
           </p:cNvPr>
@@ -9725,8 +11448,196 @@
         </p:nvSpPr>
         <p:spPr>
           <a:xfrm>
-            <a:off x="685801" y="643466"/>
-            <a:ext cx="2590799" cy="4995333"/>
+            <a:off x="6717278" y="1030288"/>
+            <a:ext cx="4601511" cy="1035579"/>
+          </a:xfrm>
+        </p:spPr>
+        <p:txBody>
+          <a:bodyPr>
+            <a:noAutofit/>
+          </a:bodyPr>
+          <a:lstStyle/>
+          <a:p>
+            <a:pPr>
+              <a:lnSpc>
+                <a:spcPct val="90000"/>
+              </a:lnSpc>
+            </a:pPr>
+            <a:r>
+              <a:rPr lang="nl-BE" sz="4800" dirty="0"/>
+              <a:t>IT in sportscholen</a:t>
+            </a:r>
+          </a:p>
+        </p:txBody>
+      </p:sp>
+      <p:pic>
+        <p:nvPicPr>
+          <p:cNvPr id="1028" name="Picture 4" descr="Beats of Golf | LinkedIn">
+            <a:extLst>
+              <a:ext uri="{FF2B5EF4-FFF2-40B4-BE49-F238E27FC236}">
+                <a16:creationId xmlns:a16="http://schemas.microsoft.com/office/drawing/2014/main" id="{0C4B6CC1-AEF5-C80C-3675-C093EFBEE678}"/>
+              </a:ext>
+            </a:extLst>
+          </p:cNvPr>
+          <p:cNvPicPr>
+            <a:picLocks noChangeAspect="1" noChangeArrowheads="1"/>
+          </p:cNvPicPr>
+          <p:nvPr/>
+        </p:nvPicPr>
+        <p:blipFill>
+          <a:blip r:embed="rId4">
+            <a:extLst>
+              <a:ext uri="{28A0092B-C50C-407E-A947-70E740481C1C}">
+                <a14:useLocalDpi xmlns:a14="http://schemas.microsoft.com/office/drawing/2010/main" val="0"/>
+              </a:ext>
+            </a:extLst>
+          </a:blip>
+          <a:stretch>
+            <a:fillRect/>
+          </a:stretch>
+        </p:blipFill>
+        <p:spPr bwMode="auto">
+          <a:xfrm>
+            <a:off x="1374103" y="376914"/>
+            <a:ext cx="4033594" cy="2954608"/>
+          </a:xfrm>
+          <a:prstGeom prst="roundRect">
+            <a:avLst>
+              <a:gd name="adj" fmla="val 6267"/>
+            </a:avLst>
+          </a:prstGeom>
+          <a:noFill/>
+          <a:ln w="50800" cap="sq" cmpd="dbl">
+            <a:gradFill flip="none" rotWithShape="1">
+              <a:gsLst>
+                <a:gs pos="0">
+                  <a:srgbClr val="FFFFFF"/>
+                </a:gs>
+                <a:gs pos="100000">
+                  <a:schemeClr val="tx1">
+                    <a:alpha val="0"/>
+                  </a:schemeClr>
+                </a:gs>
+              </a:gsLst>
+              <a:path path="circle">
+                <a:fillToRect l="50000" t="50000" r="50000" b="50000"/>
+              </a:path>
+              <a:tileRect/>
+            </a:gradFill>
+            <a:miter lim="800000"/>
+          </a:ln>
+          <a:effectLst>
+            <a:outerShdw blurRad="254000" algn="tl" rotWithShape="0">
+              <a:srgbClr val="000000">
+                <a:alpha val="43000"/>
+              </a:srgbClr>
+            </a:outerShdw>
+          </a:effectLst>
+          <a:extLst>
+            <a:ext uri="{909E8E84-426E-40DD-AFC4-6F175D3DCCD1}">
+              <a14:hiddenFill xmlns:a14="http://schemas.microsoft.com/office/drawing/2010/main">
+                <a:solidFill>
+                  <a:srgbClr val="FFFFFF"/>
+                </a:solidFill>
+              </a14:hiddenFill>
+            </a:ext>
+          </a:extLst>
+        </p:spPr>
+      </p:pic>
+      <p:pic>
+        <p:nvPicPr>
+          <p:cNvPr id="1026" name="Picture 2" descr="Golfpro - Foto van Beats of Golf, Antwerpen - Tripadvisor">
+            <a:extLst>
+              <a:ext uri="{FF2B5EF4-FFF2-40B4-BE49-F238E27FC236}">
+                <a16:creationId xmlns:a16="http://schemas.microsoft.com/office/drawing/2014/main" id="{F3F573AE-D1F6-3F22-8418-D8212018754B}"/>
+              </a:ext>
+            </a:extLst>
+          </p:cNvPr>
+          <p:cNvPicPr>
+            <a:picLocks noChangeAspect="1" noChangeArrowheads="1"/>
+          </p:cNvPicPr>
+          <p:nvPr/>
+        </p:nvPicPr>
+        <p:blipFill>
+          <a:blip r:embed="rId5">
+            <a:extLst>
+              <a:ext uri="{28A0092B-C50C-407E-A947-70E740481C1C}">
+                <a14:useLocalDpi xmlns:a14="http://schemas.microsoft.com/office/drawing/2010/main" val="0"/>
+              </a:ext>
+            </a:extLst>
+          </a:blip>
+          <a:stretch>
+            <a:fillRect/>
+          </a:stretch>
+        </p:blipFill>
+        <p:spPr bwMode="auto">
+          <a:xfrm>
+            <a:off x="1374103" y="3522111"/>
+            <a:ext cx="4033594" cy="2692424"/>
+          </a:xfrm>
+          <a:prstGeom prst="roundRect">
+            <a:avLst>
+              <a:gd name="adj" fmla="val 6267"/>
+            </a:avLst>
+          </a:prstGeom>
+          <a:noFill/>
+          <a:ln w="50800" cap="sq" cmpd="dbl">
+            <a:gradFill flip="none" rotWithShape="1">
+              <a:gsLst>
+                <a:gs pos="0">
+                  <a:srgbClr val="FFFFFF"/>
+                </a:gs>
+                <a:gs pos="100000">
+                  <a:schemeClr val="tx1">
+                    <a:alpha val="0"/>
+                  </a:schemeClr>
+                </a:gs>
+              </a:gsLst>
+              <a:path path="circle">
+                <a:fillToRect l="50000" t="50000" r="50000" b="50000"/>
+              </a:path>
+              <a:tileRect/>
+            </a:gradFill>
+            <a:miter lim="800000"/>
+          </a:ln>
+          <a:effectLst>
+            <a:outerShdw blurRad="254000" algn="tl" rotWithShape="0">
+              <a:srgbClr val="000000">
+                <a:alpha val="43000"/>
+              </a:srgbClr>
+            </a:outerShdw>
+          </a:effectLst>
+          <a:extLst>
+            <a:ext uri="{909E8E84-426E-40DD-AFC4-6F175D3DCCD1}">
+              <a14:hiddenFill xmlns:a14="http://schemas.microsoft.com/office/drawing/2010/main">
+                <a:solidFill>
+                  <a:srgbClr val="FFFFFF"/>
+                </a:solidFill>
+              </a14:hiddenFill>
+            </a:ext>
+          </a:extLst>
+        </p:spPr>
+      </p:pic>
+      <p:sp>
+        <p:nvSpPr>
+          <p:cNvPr id="3" name="Tijdelijke aanduiding voor inhoud 2">
+            <a:extLst>
+              <a:ext uri="{FF2B5EF4-FFF2-40B4-BE49-F238E27FC236}">
+                <a16:creationId xmlns:a16="http://schemas.microsoft.com/office/drawing/2014/main" id="{AAE55B15-4307-1B79-D5BF-806D1C1939C4}"/>
+              </a:ext>
+            </a:extLst>
+          </p:cNvPr>
+          <p:cNvSpPr>
+            <a:spLocks noGrp="1"/>
+          </p:cNvSpPr>
+          <p:nvPr>
+            <p:ph idx="1"/>
+          </p:nvPr>
+        </p:nvSpPr>
+        <p:spPr>
+          <a:xfrm>
+            <a:off x="6717278" y="2142067"/>
+            <a:ext cx="4099947" cy="3649133"/>
           </a:xfrm>
         </p:spPr>
         <p:txBody>
@@ -9736,63 +11647,323 @@
           <a:lstStyle/>
           <a:p>
             <a:r>
-              <a:rPr lang="nl-BE">
-                <a:solidFill>
-                  <a:srgbClr val="FFFFFF"/>
-                </a:solidFill>
-              </a:rPr>
-              <a:t>Inhoud</a:t>
-            </a:r>
+              <a:rPr lang="nl-BE" sz="3200" dirty="0"/>
+              <a:t>Sportelementen</a:t>
+            </a:r>
+          </a:p>
+          <a:p>
+            <a:r>
+              <a:rPr lang="nl-BE" sz="3200" dirty="0"/>
+              <a:t>Simulaties</a:t>
+            </a:r>
+          </a:p>
+          <a:p>
+            <a:r>
+              <a:rPr lang="nl-BE" sz="3200" dirty="0"/>
+              <a:t>Beats Of Golf</a:t>
+            </a:r>
+          </a:p>
+          <a:p>
+            <a:endParaRPr lang="nl-BE" dirty="0"/>
           </a:p>
         </p:txBody>
       </p:sp>
-      <p:graphicFrame>
-        <p:nvGraphicFramePr>
-          <p:cNvPr id="5" name="Tijdelijke aanduiding voor inhoud 2">
-            <a:extLst>
-              <a:ext uri="{FF2B5EF4-FFF2-40B4-BE49-F238E27FC236}">
-                <a16:creationId xmlns:a16="http://schemas.microsoft.com/office/drawing/2014/main" id="{6A658801-F24C-AD68-9AF1-51C8F6ACE7EF}"/>
-              </a:ext>
-            </a:extLst>
-          </p:cNvPr>
-          <p:cNvGraphicFramePr>
-            <a:graphicFrameLocks noGrp="1"/>
-          </p:cNvGraphicFramePr>
-          <p:nvPr>
-            <p:ph idx="1"/>
-            <p:extLst>
-              <p:ext uri="{D42A27DB-BD31-4B8C-83A1-F6EECF244321}">
-                <p14:modId xmlns:p14="http://schemas.microsoft.com/office/powerpoint/2010/main" val="2060882439"/>
-              </p:ext>
-            </p:extLst>
-          </p:nvPr>
-        </p:nvGraphicFramePr>
-        <p:xfrm>
-          <a:off x="4808601" y="901700"/>
-          <a:ext cx="6545199" cy="4820182"/>
-        </p:xfrm>
-        <a:graphic>
-          <a:graphicData uri="http://schemas.openxmlformats.org/drawingml/2006/diagram">
-            <dgm:relIds xmlns:dgm="http://schemas.openxmlformats.org/drawingml/2006/diagram" xmlns:r="http://schemas.openxmlformats.org/officeDocument/2006/relationships" r:dm="rId3" r:lo="rId4" r:qs="rId5" r:cs="rId6"/>
-          </a:graphicData>
-        </a:graphic>
-      </p:graphicFrame>
     </p:spTree>
     <p:extLst>
       <p:ext uri="{BB962C8B-B14F-4D97-AF65-F5344CB8AC3E}">
-        <p14:creationId xmlns:p14="http://schemas.microsoft.com/office/powerpoint/2010/main" val="2825015977"/>
+        <p14:creationId xmlns:p14="http://schemas.microsoft.com/office/powerpoint/2010/main" val="3688820447"/>
       </p:ext>
     </p:extLst>
   </p:cSld>
   <p:clrMapOvr>
-    <a:overrideClrMapping bg1="lt1" tx1="dk1" bg2="lt2" tx2="dk2" accent1="accent1" accent2="accent2" accent3="accent3" accent4="accent4" accent5="accent5" accent6="accent6" hlink="hlink" folHlink="folHlink"/>
+    <a:masterClrMapping/>
   </p:clrMapOvr>
 </p:sld>
 </file>
 
-<file path=ppt/slides/slide3.xml><?xml version="1.0" encoding="utf-8"?>
+<file path=ppt/slides/slide4.xml><?xml version="1.0" encoding="utf-8"?>
 <p:sld xmlns:a="http://schemas.openxmlformats.org/drawingml/2006/main" xmlns:r="http://schemas.openxmlformats.org/officeDocument/2006/relationships" xmlns:p="http://schemas.openxmlformats.org/presentationml/2006/main">
   <p:cSld>
+    <p:bg>
+      <p:bgPr>
+        <a:blipFill>
+          <a:blip r:embed="rId3"/>
+          <a:stretch/>
+        </a:blipFill>
+        <a:effectLst/>
+      </p:bgPr>
+    </p:bg>
+    <p:spTree>
+      <p:nvGrpSpPr>
+        <p:cNvPr id="1" name=""/>
+        <p:cNvGrpSpPr/>
+        <p:nvPr/>
+      </p:nvGrpSpPr>
+      <p:grpSpPr>
+        <a:xfrm>
+          <a:off x="0" y="0"/>
+          <a:ext cx="0" cy="0"/>
+          <a:chOff x="0" y="0"/>
+          <a:chExt cx="0" cy="0"/>
+        </a:xfrm>
+      </p:grpSpPr>
+      <p:sp>
+        <p:nvSpPr>
+          <p:cNvPr id="2" name="Titel 1">
+            <a:extLst>
+              <a:ext uri="{FF2B5EF4-FFF2-40B4-BE49-F238E27FC236}">
+                <a16:creationId xmlns:a16="http://schemas.microsoft.com/office/drawing/2014/main" id="{1234C37F-7A36-3B3A-A534-9FB6AC588E8E}"/>
+              </a:ext>
+            </a:extLst>
+          </p:cNvPr>
+          <p:cNvSpPr>
+            <a:spLocks noGrp="1"/>
+          </p:cNvSpPr>
+          <p:nvPr>
+            <p:ph type="title"/>
+          </p:nvPr>
+        </p:nvSpPr>
+        <p:spPr>
+          <a:xfrm>
+            <a:off x="1327255" y="1030288"/>
+            <a:ext cx="6368945" cy="1035579"/>
+          </a:xfrm>
+        </p:spPr>
+        <p:txBody>
+          <a:bodyPr>
+            <a:noAutofit/>
+          </a:bodyPr>
+          <a:lstStyle/>
+          <a:p>
+            <a:pPr>
+              <a:lnSpc>
+                <a:spcPct val="90000"/>
+              </a:lnSpc>
+            </a:pPr>
+            <a:r>
+              <a:rPr lang="nl-BE" sz="4800" dirty="0"/>
+              <a:t>Gezondheidstracking</a:t>
+            </a:r>
+          </a:p>
+        </p:txBody>
+      </p:sp>
+      <p:sp>
+        <p:nvSpPr>
+          <p:cNvPr id="3" name="Tijdelijke aanduiding voor inhoud 2">
+            <a:extLst>
+              <a:ext uri="{FF2B5EF4-FFF2-40B4-BE49-F238E27FC236}">
+                <a16:creationId xmlns:a16="http://schemas.microsoft.com/office/drawing/2014/main" id="{35FFB7A2-5C39-DAE2-62F1-FC98070C1FC8}"/>
+              </a:ext>
+            </a:extLst>
+          </p:cNvPr>
+          <p:cNvSpPr>
+            <a:spLocks noGrp="1"/>
+          </p:cNvSpPr>
+          <p:nvPr>
+            <p:ph idx="1"/>
+          </p:nvPr>
+        </p:nvSpPr>
+        <p:spPr>
+          <a:xfrm>
+            <a:off x="1327255" y="2142067"/>
+            <a:ext cx="5435495" cy="3649133"/>
+          </a:xfrm>
+        </p:spPr>
+        <p:txBody>
+          <a:bodyPr>
+            <a:normAutofit/>
+          </a:bodyPr>
+          <a:lstStyle/>
+          <a:p>
+            <a:r>
+              <a:rPr lang="nl-BE" sz="3200" dirty="0"/>
+              <a:t>Smartwatches</a:t>
+            </a:r>
+          </a:p>
+          <a:p>
+            <a:r>
+              <a:rPr lang="nl-BE" sz="3200" dirty="0"/>
+              <a:t>Medische toepassingen</a:t>
+            </a:r>
+          </a:p>
+          <a:p>
+            <a:endParaRPr lang="nl-BE" dirty="0"/>
+          </a:p>
+        </p:txBody>
+      </p:sp>
+      <p:pic>
+        <p:nvPicPr>
+          <p:cNvPr id="5122" name="Picture 2">
+            <a:extLst>
+              <a:ext uri="{FF2B5EF4-FFF2-40B4-BE49-F238E27FC236}">
+                <a16:creationId xmlns:a16="http://schemas.microsoft.com/office/drawing/2014/main" id="{B76B7EA7-30D8-45FC-85EC-8656F6A3A8A2}"/>
+              </a:ext>
+            </a:extLst>
+          </p:cNvPr>
+          <p:cNvPicPr>
+            <a:picLocks noChangeAspect="1" noChangeArrowheads="1"/>
+          </p:cNvPicPr>
+          <p:nvPr/>
+        </p:nvPicPr>
+        <p:blipFill>
+          <a:blip r:embed="rId4">
+            <a:extLst>
+              <a:ext uri="{28A0092B-C50C-407E-A947-70E740481C1C}">
+                <a14:useLocalDpi xmlns:a14="http://schemas.microsoft.com/office/drawing/2010/main" val="0"/>
+              </a:ext>
+            </a:extLst>
+          </a:blip>
+          <a:stretch>
+            <a:fillRect/>
+          </a:stretch>
+        </p:blipFill>
+        <p:spPr bwMode="auto">
+          <a:xfrm>
+            <a:off x="7889524" y="639097"/>
+            <a:ext cx="3707664" cy="5575437"/>
+          </a:xfrm>
+          <a:prstGeom prst="roundRect">
+            <a:avLst>
+              <a:gd name="adj" fmla="val 6267"/>
+            </a:avLst>
+          </a:prstGeom>
+          <a:noFill/>
+          <a:ln w="50800" cap="sq" cmpd="dbl">
+            <a:gradFill flip="none" rotWithShape="1">
+              <a:gsLst>
+                <a:gs pos="0">
+                  <a:srgbClr val="FFFFFF"/>
+                </a:gs>
+                <a:gs pos="100000">
+                  <a:schemeClr val="tx1">
+                    <a:alpha val="0"/>
+                  </a:schemeClr>
+                </a:gs>
+              </a:gsLst>
+              <a:path path="circle">
+                <a:fillToRect l="50000" t="50000" r="50000" b="50000"/>
+              </a:path>
+              <a:tileRect/>
+            </a:gradFill>
+            <a:miter lim="800000"/>
+          </a:ln>
+          <a:effectLst>
+            <a:outerShdw blurRad="254000" algn="tl" rotWithShape="0">
+              <a:srgbClr val="000000">
+                <a:alpha val="43000"/>
+              </a:srgbClr>
+            </a:outerShdw>
+          </a:effectLst>
+          <a:extLst>
+            <a:ext uri="{909E8E84-426E-40DD-AFC4-6F175D3DCCD1}">
+              <a14:hiddenFill xmlns:a14="http://schemas.microsoft.com/office/drawing/2010/main">
+                <a:solidFill>
+                  <a:srgbClr val="FFFFFF"/>
+                </a:solidFill>
+              </a14:hiddenFill>
+            </a:ext>
+          </a:extLst>
+        </p:spPr>
+      </p:pic>
+      <p:pic>
+        <p:nvPicPr>
+          <p:cNvPr id="3074" name="Picture 2" descr="Apple Watch PNG Image - PurePNG | Free transparent CC0 PNG Image Library">
+            <a:extLst>
+              <a:ext uri="{FF2B5EF4-FFF2-40B4-BE49-F238E27FC236}">
+                <a16:creationId xmlns:a16="http://schemas.microsoft.com/office/drawing/2014/main" id="{E5B3EA5B-CE09-D494-FE26-4D086069592B}"/>
+              </a:ext>
+            </a:extLst>
+          </p:cNvPr>
+          <p:cNvPicPr>
+            <a:picLocks noChangeAspect="1" noChangeArrowheads="1"/>
+          </p:cNvPicPr>
+          <p:nvPr/>
+        </p:nvPicPr>
+        <p:blipFill>
+          <a:blip r:embed="rId5">
+            <a:extLst>
+              <a:ext uri="{28A0092B-C50C-407E-A947-70E740481C1C}">
+                <a14:useLocalDpi xmlns:a14="http://schemas.microsoft.com/office/drawing/2010/main" val="0"/>
+              </a:ext>
+            </a:extLst>
+          </a:blip>
+          <a:stretch>
+            <a:fillRect/>
+          </a:stretch>
+        </p:blipFill>
+        <p:spPr bwMode="auto">
+          <a:xfrm>
+            <a:off x="7152556" y="3966633"/>
+            <a:ext cx="3065000" cy="3304584"/>
+          </a:xfrm>
+          <a:prstGeom prst="roundRect">
+            <a:avLst>
+              <a:gd name="adj" fmla="val 6267"/>
+            </a:avLst>
+          </a:prstGeom>
+          <a:noFill/>
+          <a:ln w="50800" cap="sq" cmpd="dbl">
+            <a:gradFill flip="none" rotWithShape="1">
+              <a:gsLst>
+                <a:gs pos="0">
+                  <a:srgbClr val="FFFFFF"/>
+                </a:gs>
+                <a:gs pos="100000">
+                  <a:schemeClr val="tx1">
+                    <a:alpha val="0"/>
+                  </a:schemeClr>
+                </a:gs>
+              </a:gsLst>
+              <a:path path="circle">
+                <a:fillToRect l="50000" t="50000" r="50000" b="50000"/>
+              </a:path>
+              <a:tileRect/>
+            </a:gradFill>
+            <a:miter lim="800000"/>
+          </a:ln>
+          <a:effectLst>
+            <a:outerShdw blurRad="254000" algn="tl" rotWithShape="0">
+              <a:srgbClr val="000000">
+                <a:alpha val="43000"/>
+              </a:srgbClr>
+            </a:outerShdw>
+          </a:effectLst>
+          <a:extLst>
+            <a:ext uri="{909E8E84-426E-40DD-AFC4-6F175D3DCCD1}">
+              <a14:hiddenFill xmlns:a14="http://schemas.microsoft.com/office/drawing/2010/main">
+                <a:solidFill>
+                  <a:srgbClr val="FFFFFF"/>
+                </a:solidFill>
+              </a14:hiddenFill>
+            </a:ext>
+          </a:extLst>
+        </p:spPr>
+      </p:pic>
+    </p:spTree>
+    <p:extLst>
+      <p:ext uri="{BB962C8B-B14F-4D97-AF65-F5344CB8AC3E}">
+        <p14:creationId xmlns:p14="http://schemas.microsoft.com/office/powerpoint/2010/main" val="603538061"/>
+      </p:ext>
+    </p:extLst>
+  </p:cSld>
+  <p:clrMapOvr>
+    <a:masterClrMapping/>
+  </p:clrMapOvr>
+</p:sld>
+</file>
+
+<file path=ppt/slides/slide5.xml><?xml version="1.0" encoding="utf-8"?>
+<p:sld xmlns:a="http://schemas.openxmlformats.org/drawingml/2006/main" xmlns:r="http://schemas.openxmlformats.org/officeDocument/2006/relationships" xmlns:p="http://schemas.openxmlformats.org/presentationml/2006/main">
+  <p:cSld>
+    <p:bg>
+      <p:bgPr>
+        <a:blipFill>
+          <a:blip r:embed="rId3"/>
+          <a:stretch/>
+        </a:blipFill>
+        <a:effectLst/>
+      </p:bgPr>
+    </p:bg>
     <p:spTree>
       <p:nvGrpSpPr>
         <p:cNvPr id="1" name=""/>
@@ -9823,16 +11994,26 @@
             <p:ph type="title"/>
           </p:nvPr>
         </p:nvSpPr>
-        <p:spPr/>
+        <p:spPr>
+          <a:xfrm>
+            <a:off x="1327255" y="1030288"/>
+            <a:ext cx="4099947" cy="1035579"/>
+          </a:xfrm>
+        </p:spPr>
         <p:txBody>
           <a:bodyPr>
             <a:normAutofit/>
           </a:bodyPr>
           <a:lstStyle/>
           <a:p>
-            <a:r>
-              <a:rPr lang="nl-BE" sz="4800" dirty="0"/>
-              <a:t>IT als hulpmiddel</a:t>
+            <a:pPr>
+              <a:lnSpc>
+                <a:spcPct val="90000"/>
+              </a:lnSpc>
+            </a:pPr>
+            <a:r>
+              <a:rPr lang="nl-BE" sz="3300"/>
+              <a:t>IT binnen sportclubs</a:t>
             </a:r>
           </a:p>
         </p:txBody>
@@ -9853,23 +12034,43 @@
             <p:ph idx="1"/>
           </p:nvPr>
         </p:nvSpPr>
-        <p:spPr/>
+        <p:spPr>
+          <a:xfrm>
+            <a:off x="1163559" y="2178579"/>
+            <a:ext cx="4487372" cy="3649133"/>
+          </a:xfrm>
+        </p:spPr>
         <p:txBody>
           <a:bodyPr>
             <a:normAutofit/>
           </a:bodyPr>
           <a:lstStyle/>
           <a:p>
-            <a:endParaRPr lang="nl-BE" sz="3200" dirty="0"/>
+            <a:r>
+              <a:rPr lang="nl-BE" sz="3200" dirty="0"/>
+              <a:t>Database spelers</a:t>
+            </a:r>
+          </a:p>
+          <a:p>
+            <a:r>
+              <a:rPr lang="nl-BE" sz="3200" dirty="0"/>
+              <a:t>Streaming wedstrijden</a:t>
+            </a:r>
+          </a:p>
+          <a:p>
+            <a:r>
+              <a:rPr lang="nl-BE" sz="3200" dirty="0"/>
+              <a:t>Wedstrijdinfo</a:t>
+            </a:r>
           </a:p>
         </p:txBody>
       </p:sp>
       <p:pic>
         <p:nvPicPr>
-          <p:cNvPr id="2054" name="Picture 6" descr="Treadmill PNG transparent image download, size: 1350x1050px">
+          <p:cNvPr id="3076" name="Picture 4">
             <a:extLst>
               <a:ext uri="{FF2B5EF4-FFF2-40B4-BE49-F238E27FC236}">
-                <a16:creationId xmlns:a16="http://schemas.microsoft.com/office/drawing/2014/main" id="{E7509C86-C66F-7333-5173-15ECD22E2426}"/>
+                <a16:creationId xmlns:a16="http://schemas.microsoft.com/office/drawing/2014/main" id="{1BD9440E-B633-F6A1-1987-5C1026335DDC}"/>
               </a:ext>
             </a:extLst>
           </p:cNvPr>
@@ -9879,27 +12080,128 @@
           <p:nvPr/>
         </p:nvPicPr>
         <p:blipFill>
-          <a:blip r:embed="rId3">
+          <a:blip r:embed="rId4">
             <a:extLst>
               <a:ext uri="{28A0092B-C50C-407E-A947-70E740481C1C}">
                 <a14:useLocalDpi xmlns:a14="http://schemas.microsoft.com/office/drawing/2010/main" val="0"/>
               </a:ext>
             </a:extLst>
           </a:blip>
-          <a:srcRect/>
           <a:stretch>
             <a:fillRect/>
           </a:stretch>
         </p:blipFill>
         <p:spPr bwMode="auto">
           <a:xfrm>
-            <a:off x="6578835" y="1902278"/>
-            <a:ext cx="3925653" cy="3053443"/>
+            <a:off x="6541068" y="639098"/>
+            <a:ext cx="4487373" cy="2692424"/>
           </a:xfrm>
-          <a:prstGeom prst="rect">
-            <a:avLst/>
+          <a:prstGeom prst="roundRect">
+            <a:avLst>
+              <a:gd name="adj" fmla="val 6267"/>
+            </a:avLst>
           </a:prstGeom>
           <a:noFill/>
+          <a:ln w="50800" cap="sq" cmpd="dbl">
+            <a:gradFill flip="none" rotWithShape="1">
+              <a:gsLst>
+                <a:gs pos="0">
+                  <a:srgbClr val="FFFFFF"/>
+                </a:gs>
+                <a:gs pos="100000">
+                  <a:schemeClr val="tx1">
+                    <a:alpha val="0"/>
+                  </a:schemeClr>
+                </a:gs>
+              </a:gsLst>
+              <a:path path="circle">
+                <a:fillToRect l="50000" t="50000" r="50000" b="50000"/>
+              </a:path>
+              <a:tileRect/>
+            </a:gradFill>
+            <a:miter lim="800000"/>
+          </a:ln>
+          <a:effectLst>
+            <a:outerShdw blurRad="254000" algn="tl" rotWithShape="0">
+              <a:srgbClr val="000000">
+                <a:alpha val="43000"/>
+              </a:srgbClr>
+            </a:outerShdw>
+          </a:effectLst>
+          <a:extLst>
+            <a:ext uri="{909E8E84-426E-40DD-AFC4-6F175D3DCCD1}">
+              <a14:hiddenFill xmlns:a14="http://schemas.microsoft.com/office/drawing/2010/main">
+                <a:solidFill>
+                  <a:srgbClr val="FFFFFF"/>
+                </a:solidFill>
+              </a14:hiddenFill>
+            </a:ext>
+          </a:extLst>
+        </p:spPr>
+      </p:pic>
+      <p:pic>
+        <p:nvPicPr>
+          <p:cNvPr id="3074" name="Picture 2" descr="Kai Havertz in actie tegen Oranje.">
+            <a:extLst>
+              <a:ext uri="{FF2B5EF4-FFF2-40B4-BE49-F238E27FC236}">
+                <a16:creationId xmlns:a16="http://schemas.microsoft.com/office/drawing/2014/main" id="{76D37FD8-5BDF-B56E-EA14-A6CA353FB62B}"/>
+              </a:ext>
+            </a:extLst>
+          </p:cNvPr>
+          <p:cNvPicPr>
+            <a:picLocks noChangeAspect="1" noChangeArrowheads="1"/>
+          </p:cNvPicPr>
+          <p:nvPr/>
+        </p:nvPicPr>
+        <p:blipFill>
+          <a:blip r:embed="rId5">
+            <a:extLst>
+              <a:ext uri="{28A0092B-C50C-407E-A947-70E740481C1C}">
+                <a14:useLocalDpi xmlns:a14="http://schemas.microsoft.com/office/drawing/2010/main" val="0"/>
+              </a:ext>
+            </a:extLst>
+          </a:blip>
+          <a:stretch>
+            <a:fillRect/>
+          </a:stretch>
+        </p:blipFill>
+        <p:spPr bwMode="auto">
+          <a:xfrm>
+            <a:off x="6391489" y="3522111"/>
+            <a:ext cx="4786531" cy="2692424"/>
+          </a:xfrm>
+          <a:prstGeom prst="roundRect">
+            <a:avLst>
+              <a:gd name="adj" fmla="val 6267"/>
+            </a:avLst>
+          </a:prstGeom>
+          <a:noFill/>
+          <a:ln w="50800" cap="sq" cmpd="dbl">
+            <a:gradFill flip="none" rotWithShape="1">
+              <a:gsLst>
+                <a:gs pos="0">
+                  <a:srgbClr val="FFFFFF"/>
+                </a:gs>
+                <a:gs pos="100000">
+                  <a:schemeClr val="tx1">
+                    <a:alpha val="0"/>
+                  </a:schemeClr>
+                </a:gs>
+              </a:gsLst>
+              <a:path path="circle">
+                <a:fillToRect l="50000" t="50000" r="50000" b="50000"/>
+              </a:path>
+              <a:tileRect/>
+            </a:gradFill>
+            <a:miter lim="800000"/>
+          </a:ln>
+          <a:effectLst>
+            <a:outerShdw blurRad="254000" algn="tl" rotWithShape="0">
+              <a:srgbClr val="000000">
+                <a:alpha val="43000"/>
+              </a:srgbClr>
+            </a:outerShdw>
+          </a:effectLst>
           <a:extLst>
             <a:ext uri="{909E8E84-426E-40DD-AFC4-6F175D3DCCD1}">
               <a14:hiddenFill xmlns:a14="http://schemas.microsoft.com/office/drawing/2010/main">
@@ -9915,269 +12217,6 @@
     <p:extLst>
       <p:ext uri="{BB962C8B-B14F-4D97-AF65-F5344CB8AC3E}">
         <p14:creationId xmlns:p14="http://schemas.microsoft.com/office/powerpoint/2010/main" val="1342668425"/>
-      </p:ext>
-    </p:extLst>
-  </p:cSld>
-  <p:clrMapOvr>
-    <a:masterClrMapping/>
-  </p:clrMapOvr>
-</p:sld>
-</file>
-
-<file path=ppt/slides/slide4.xml><?xml version="1.0" encoding="utf-8"?>
-<p:sld xmlns:a="http://schemas.openxmlformats.org/drawingml/2006/main" xmlns:r="http://schemas.openxmlformats.org/officeDocument/2006/relationships" xmlns:p="http://schemas.openxmlformats.org/presentationml/2006/main">
-  <p:cSld>
-    <p:spTree>
-      <p:nvGrpSpPr>
-        <p:cNvPr id="1" name=""/>
-        <p:cNvGrpSpPr/>
-        <p:nvPr/>
-      </p:nvGrpSpPr>
-      <p:grpSpPr>
-        <a:xfrm>
-          <a:off x="0" y="0"/>
-          <a:ext cx="0" cy="0"/>
-          <a:chOff x="0" y="0"/>
-          <a:chExt cx="0" cy="0"/>
-        </a:xfrm>
-      </p:grpSpPr>
-      <p:sp>
-        <p:nvSpPr>
-          <p:cNvPr id="2" name="Titel 1">
-            <a:extLst>
-              <a:ext uri="{FF2B5EF4-FFF2-40B4-BE49-F238E27FC236}">
-                <a16:creationId xmlns:a16="http://schemas.microsoft.com/office/drawing/2014/main" id="{1234C37F-7A36-3B3A-A534-9FB6AC588E8E}"/>
-              </a:ext>
-            </a:extLst>
-          </p:cNvPr>
-          <p:cNvSpPr>
-            <a:spLocks noGrp="1"/>
-          </p:cNvSpPr>
-          <p:nvPr>
-            <p:ph type="title"/>
-          </p:nvPr>
-        </p:nvSpPr>
-        <p:spPr/>
-        <p:txBody>
-          <a:bodyPr>
-            <a:normAutofit/>
-          </a:bodyPr>
-          <a:lstStyle/>
-          <a:p>
-            <a:r>
-              <a:rPr lang="nl-BE" sz="4800" dirty="0"/>
-              <a:t>Gezondheidstracking</a:t>
-            </a:r>
-          </a:p>
-        </p:txBody>
-      </p:sp>
-      <p:sp>
-        <p:nvSpPr>
-          <p:cNvPr id="3" name="Tijdelijke aanduiding voor inhoud 2">
-            <a:extLst>
-              <a:ext uri="{FF2B5EF4-FFF2-40B4-BE49-F238E27FC236}">
-                <a16:creationId xmlns:a16="http://schemas.microsoft.com/office/drawing/2014/main" id="{35FFB7A2-5C39-DAE2-62F1-FC98070C1FC8}"/>
-              </a:ext>
-            </a:extLst>
-          </p:cNvPr>
-          <p:cNvSpPr>
-            <a:spLocks noGrp="1"/>
-          </p:cNvSpPr>
-          <p:nvPr>
-            <p:ph idx="1"/>
-          </p:nvPr>
-        </p:nvSpPr>
-        <p:spPr/>
-        <p:txBody>
-          <a:bodyPr>
-            <a:normAutofit fontScale="92500" lnSpcReduction="20000"/>
-          </a:bodyPr>
-          <a:lstStyle/>
-          <a:p>
-            <a:r>
-              <a:rPr lang="nl-BE" sz="3200" dirty="0"/>
-              <a:t>Weegschaal</a:t>
-            </a:r>
-          </a:p>
-          <a:p>
-            <a:pPr lvl="1"/>
-            <a:r>
-              <a:rPr lang="nl-BE" sz="3000" dirty="0"/>
-              <a:t>Spiermassa, eiwitgehalte, …</a:t>
-            </a:r>
-          </a:p>
-          <a:p>
-            <a:r>
-              <a:rPr lang="nl-BE" sz="3200" dirty="0"/>
-              <a:t>Horloges</a:t>
-            </a:r>
-          </a:p>
-          <a:p>
-            <a:pPr lvl="1"/>
-            <a:r>
-              <a:rPr lang="nl-BE" sz="3000" dirty="0"/>
-              <a:t>Calorieën, meters, …</a:t>
-            </a:r>
-          </a:p>
-          <a:p>
-            <a:r>
-              <a:rPr lang="nl-BE" sz="3200" dirty="0"/>
-              <a:t>Dieet apps</a:t>
-            </a:r>
-          </a:p>
-          <a:p>
-            <a:r>
-              <a:rPr lang="nl-BE" sz="3200" dirty="0"/>
-              <a:t>Revalidatie</a:t>
-            </a:r>
-          </a:p>
-          <a:p>
-            <a:pPr lvl="1"/>
-            <a:r>
-              <a:rPr lang="nl-BE" sz="3000" dirty="0"/>
-              <a:t>Krachtmetingen, scans, …</a:t>
-            </a:r>
-          </a:p>
-        </p:txBody>
-      </p:sp>
-      <p:pic>
-        <p:nvPicPr>
-          <p:cNvPr id="3074" name="Picture 2" descr="Apple Watch PNG Image - PurePNG | Free transparent CC0 PNG Image Library">
-            <a:extLst>
-              <a:ext uri="{FF2B5EF4-FFF2-40B4-BE49-F238E27FC236}">
-                <a16:creationId xmlns:a16="http://schemas.microsoft.com/office/drawing/2014/main" id="{E5B3EA5B-CE09-D494-FE26-4D086069592B}"/>
-              </a:ext>
-            </a:extLst>
-          </p:cNvPr>
-          <p:cNvPicPr>
-            <a:picLocks noChangeAspect="1" noChangeArrowheads="1"/>
-          </p:cNvPicPr>
-          <p:nvPr/>
-        </p:nvPicPr>
-        <p:blipFill>
-          <a:blip r:embed="rId2">
-            <a:extLst>
-              <a:ext uri="{28A0092B-C50C-407E-A947-70E740481C1C}">
-                <a14:useLocalDpi xmlns:a14="http://schemas.microsoft.com/office/drawing/2010/main" val="0"/>
-              </a:ext>
-            </a:extLst>
-          </a:blip>
-          <a:srcRect/>
-          <a:stretch>
-            <a:fillRect/>
-          </a:stretch>
-        </p:blipFill>
-        <p:spPr bwMode="auto">
-          <a:xfrm>
-            <a:off x="7139135" y="1917397"/>
-            <a:ext cx="3805317" cy="4098471"/>
-          </a:xfrm>
-          <a:prstGeom prst="rect">
-            <a:avLst/>
-          </a:prstGeom>
-          <a:noFill/>
-          <a:extLst>
-            <a:ext uri="{909E8E84-426E-40DD-AFC4-6F175D3DCCD1}">
-              <a14:hiddenFill xmlns:a14="http://schemas.microsoft.com/office/drawing/2010/main">
-                <a:solidFill>
-                  <a:srgbClr val="FFFFFF"/>
-                </a:solidFill>
-              </a14:hiddenFill>
-            </a:ext>
-          </a:extLst>
-        </p:spPr>
-      </p:pic>
-    </p:spTree>
-    <p:extLst>
-      <p:ext uri="{BB962C8B-B14F-4D97-AF65-F5344CB8AC3E}">
-        <p14:creationId xmlns:p14="http://schemas.microsoft.com/office/powerpoint/2010/main" val="603538061"/>
-      </p:ext>
-    </p:extLst>
-  </p:cSld>
-  <p:clrMapOvr>
-    <a:masterClrMapping/>
-  </p:clrMapOvr>
-</p:sld>
-</file>
-
-<file path=ppt/slides/slide5.xml><?xml version="1.0" encoding="utf-8"?>
-<p:sld xmlns:a="http://schemas.openxmlformats.org/drawingml/2006/main" xmlns:r="http://schemas.openxmlformats.org/officeDocument/2006/relationships" xmlns:p="http://schemas.openxmlformats.org/presentationml/2006/main">
-  <p:cSld>
-    <p:spTree>
-      <p:nvGrpSpPr>
-        <p:cNvPr id="1" name=""/>
-        <p:cNvGrpSpPr/>
-        <p:nvPr/>
-      </p:nvGrpSpPr>
-      <p:grpSpPr>
-        <a:xfrm>
-          <a:off x="0" y="0"/>
-          <a:ext cx="0" cy="0"/>
-          <a:chOff x="0" y="0"/>
-          <a:chExt cx="0" cy="0"/>
-        </a:xfrm>
-      </p:grpSpPr>
-      <p:sp>
-        <p:nvSpPr>
-          <p:cNvPr id="2" name="Titel 1">
-            <a:extLst>
-              <a:ext uri="{FF2B5EF4-FFF2-40B4-BE49-F238E27FC236}">
-                <a16:creationId xmlns:a16="http://schemas.microsoft.com/office/drawing/2014/main" id="{74661C10-3BC9-DA2E-45B1-8FF0FF5970BD}"/>
-              </a:ext>
-            </a:extLst>
-          </p:cNvPr>
-          <p:cNvSpPr>
-            <a:spLocks noGrp="1"/>
-          </p:cNvSpPr>
-          <p:nvPr>
-            <p:ph type="title"/>
-          </p:nvPr>
-        </p:nvSpPr>
-        <p:spPr/>
-        <p:txBody>
-          <a:bodyPr>
-            <a:normAutofit/>
-          </a:bodyPr>
-          <a:lstStyle/>
-          <a:p>
-            <a:r>
-              <a:rPr lang="nl-BE" sz="4800" dirty="0"/>
-              <a:t>IT binnen sportclubs</a:t>
-            </a:r>
-          </a:p>
-        </p:txBody>
-      </p:sp>
-      <p:sp>
-        <p:nvSpPr>
-          <p:cNvPr id="3" name="Tijdelijke aanduiding voor inhoud 2">
-            <a:extLst>
-              <a:ext uri="{FF2B5EF4-FFF2-40B4-BE49-F238E27FC236}">
-                <a16:creationId xmlns:a16="http://schemas.microsoft.com/office/drawing/2014/main" id="{AAE55B15-4307-1B79-D5BF-806D1C1939C4}"/>
-              </a:ext>
-            </a:extLst>
-          </p:cNvPr>
-          <p:cNvSpPr>
-            <a:spLocks noGrp="1"/>
-          </p:cNvSpPr>
-          <p:nvPr>
-            <p:ph idx="1"/>
-          </p:nvPr>
-        </p:nvSpPr>
-        <p:spPr/>
-        <p:txBody>
-          <a:bodyPr>
-            <a:normAutofit/>
-          </a:bodyPr>
-          <a:lstStyle/>
-          <a:p>
-            <a:endParaRPr lang="nl-BE" sz="3200" dirty="0"/>
-          </a:p>
-        </p:txBody>
-      </p:sp>
-    </p:spTree>
-    <p:extLst>
-      <p:ext uri="{BB962C8B-B14F-4D97-AF65-F5344CB8AC3E}">
-        <p14:creationId xmlns:p14="http://schemas.microsoft.com/office/powerpoint/2010/main" val="3688820447"/>
       </p:ext>
     </p:extLst>
   </p:cSld>
@@ -10256,6 +12295,24 @@
             <a:normAutofit/>
           </a:bodyPr>
           <a:lstStyle/>
+          <a:p>
+            <a:r>
+              <a:rPr lang="nl-BE" sz="3200" dirty="0"/>
+              <a:t>Prijs</a:t>
+            </a:r>
+          </a:p>
+          <a:p>
+            <a:r>
+              <a:rPr lang="nl-BE" sz="3200" dirty="0"/>
+              <a:t>Niet teveel</a:t>
+            </a:r>
+          </a:p>
+          <a:p>
+            <a:r>
+              <a:rPr lang="nl-BE" sz="3200" dirty="0"/>
+              <a:t>Voldoende mogelijkheden</a:t>
+            </a:r>
+          </a:p>
           <a:p>
             <a:endParaRPr lang="nl-BE" sz="3200" dirty="0"/>
           </a:p>
@@ -10352,6 +12409,1008 @@
     <p:extLst>
       <p:ext uri="{BB962C8B-B14F-4D97-AF65-F5344CB8AC3E}">
         <p14:creationId xmlns:p14="http://schemas.microsoft.com/office/powerpoint/2010/main" val="1782503977"/>
+      </p:ext>
+    </p:extLst>
+  </p:cSld>
+  <p:clrMapOvr>
+    <a:masterClrMapping/>
+  </p:clrMapOvr>
+</p:sld>
+</file>
+
+<file path=ppt/slides/slide8.xml><?xml version="1.0" encoding="utf-8"?>
+<p:sld xmlns:a="http://schemas.openxmlformats.org/drawingml/2006/main" xmlns:r="http://schemas.openxmlformats.org/officeDocument/2006/relationships" xmlns:p="http://schemas.openxmlformats.org/presentationml/2006/main">
+  <p:cSld>
+    <p:spTree>
+      <p:nvGrpSpPr>
+        <p:cNvPr id="1" name=""/>
+        <p:cNvGrpSpPr/>
+        <p:nvPr/>
+      </p:nvGrpSpPr>
+      <p:grpSpPr>
+        <a:xfrm>
+          <a:off x="0" y="0"/>
+          <a:ext cx="0" cy="0"/>
+          <a:chOff x="0" y="0"/>
+          <a:chExt cx="0" cy="0"/>
+        </a:xfrm>
+      </p:grpSpPr>
+      <p:sp>
+        <p:nvSpPr>
+          <p:cNvPr id="2" name="Titel 1">
+            <a:extLst>
+              <a:ext uri="{FF2B5EF4-FFF2-40B4-BE49-F238E27FC236}">
+                <a16:creationId xmlns:a16="http://schemas.microsoft.com/office/drawing/2014/main" id="{879700FA-E340-E0F5-3186-80A2DE46701E}"/>
+              </a:ext>
+            </a:extLst>
+          </p:cNvPr>
+          <p:cNvSpPr>
+            <a:spLocks noGrp="1"/>
+          </p:cNvSpPr>
+          <p:nvPr>
+            <p:ph type="title"/>
+          </p:nvPr>
+        </p:nvSpPr>
+        <p:spPr/>
+        <p:txBody>
+          <a:bodyPr/>
+          <a:lstStyle/>
+          <a:p>
+            <a:r>
+              <a:rPr lang="nl-BE" dirty="0"/>
+              <a:t>Bronnen</a:t>
+            </a:r>
+          </a:p>
+        </p:txBody>
+      </p:sp>
+      <p:sp>
+        <p:nvSpPr>
+          <p:cNvPr id="8" name="Rectangle 4">
+            <a:extLst>
+              <a:ext uri="{FF2B5EF4-FFF2-40B4-BE49-F238E27FC236}">
+                <a16:creationId xmlns:a16="http://schemas.microsoft.com/office/drawing/2014/main" id="{B34937EF-E902-F998-5B14-8C8A855A665F}"/>
+              </a:ext>
+            </a:extLst>
+          </p:cNvPr>
+          <p:cNvSpPr>
+            <a:spLocks noGrp="1" noChangeArrowheads="1"/>
+          </p:cNvSpPr>
+          <p:nvPr>
+            <p:ph idx="1"/>
+          </p:nvPr>
+        </p:nvSpPr>
+        <p:spPr bwMode="auto">
+          <a:xfrm>
+            <a:off x="685801" y="2945475"/>
+            <a:ext cx="35514996" cy="1846659"/>
+          </a:xfrm>
+          <a:prstGeom prst="rect">
+            <a:avLst/>
+          </a:prstGeom>
+          <a:noFill/>
+          <a:ln>
+            <a:noFill/>
+          </a:ln>
+          <a:effectLst/>
+          <a:extLst>
+            <a:ext uri="{909E8E84-426E-40DD-AFC4-6F175D3DCCD1}">
+              <a14:hiddenFill xmlns:a14="http://schemas.microsoft.com/office/drawing/2010/main">
+                <a:solidFill>
+                  <a:schemeClr val="accent1"/>
+                </a:solidFill>
+              </a14:hiddenFill>
+            </a:ext>
+            <a:ext uri="{91240B29-F687-4F45-9708-019B960494DF}">
+              <a14:hiddenLine xmlns:a14="http://schemas.microsoft.com/office/drawing/2010/main" w="9525">
+                <a:solidFill>
+                  <a:schemeClr val="tx1"/>
+                </a:solidFill>
+                <a:miter lim="800000"/>
+                <a:headEnd/>
+                <a:tailEnd/>
+              </a14:hiddenLine>
+            </a:ext>
+            <a:ext uri="{AF507438-7753-43E0-B8FC-AC1667EBCBE1}">
+              <a14:hiddenEffects xmlns:a14="http://schemas.microsoft.com/office/drawing/2010/main">
+                <a:effectLst>
+                  <a:outerShdw dist="35921" dir="2700000" algn="ctr" rotWithShape="0">
+                    <a:schemeClr val="bg2"/>
+                  </a:outerShdw>
+                </a:effectLst>
+              </a14:hiddenEffects>
+            </a:ext>
+          </a:extLst>
+        </p:spPr>
+        <p:txBody>
+          <a:bodyPr vert="horz" wrap="none" lIns="-457056" tIns="0" rIns="91440" bIns="0" numCol="1" anchor="ctr" anchorCtr="0" compatLnSpc="1">
+            <a:prstTxWarp prst="textNoShape">
+              <a:avLst/>
+            </a:prstTxWarp>
+            <a:spAutoFit/>
+          </a:bodyPr>
+          <a:lstStyle>
+            <a:lvl1pPr eaLnBrk="0" fontAlgn="base" hangingPunct="0">
+              <a:spcBef>
+                <a:spcPct val="0"/>
+              </a:spcBef>
+              <a:spcAft>
+                <a:spcPct val="0"/>
+              </a:spcAft>
+              <a:defRPr>
+                <a:solidFill>
+                  <a:schemeClr val="tx1"/>
+                </a:solidFill>
+                <a:latin typeface="Arial" panose="020B0604020202020204" pitchFamily="34" charset="0"/>
+              </a:defRPr>
+            </a:lvl1pPr>
+            <a:lvl2pPr eaLnBrk="0" fontAlgn="base" hangingPunct="0">
+              <a:spcBef>
+                <a:spcPct val="0"/>
+              </a:spcBef>
+              <a:spcAft>
+                <a:spcPct val="0"/>
+              </a:spcAft>
+              <a:defRPr>
+                <a:solidFill>
+                  <a:schemeClr val="tx1"/>
+                </a:solidFill>
+                <a:latin typeface="Arial" panose="020B0604020202020204" pitchFamily="34" charset="0"/>
+              </a:defRPr>
+            </a:lvl2pPr>
+            <a:lvl3pPr eaLnBrk="0" fontAlgn="base" hangingPunct="0">
+              <a:spcBef>
+                <a:spcPct val="0"/>
+              </a:spcBef>
+              <a:spcAft>
+                <a:spcPct val="0"/>
+              </a:spcAft>
+              <a:defRPr>
+                <a:solidFill>
+                  <a:schemeClr val="tx1"/>
+                </a:solidFill>
+                <a:latin typeface="Arial" panose="020B0604020202020204" pitchFamily="34" charset="0"/>
+              </a:defRPr>
+            </a:lvl3pPr>
+            <a:lvl4pPr eaLnBrk="0" fontAlgn="base" hangingPunct="0">
+              <a:spcBef>
+                <a:spcPct val="0"/>
+              </a:spcBef>
+              <a:spcAft>
+                <a:spcPct val="0"/>
+              </a:spcAft>
+              <a:defRPr>
+                <a:solidFill>
+                  <a:schemeClr val="tx1"/>
+                </a:solidFill>
+                <a:latin typeface="Arial" panose="020B0604020202020204" pitchFamily="34" charset="0"/>
+              </a:defRPr>
+            </a:lvl4pPr>
+            <a:lvl5pPr eaLnBrk="0" fontAlgn="base" hangingPunct="0">
+              <a:spcBef>
+                <a:spcPct val="0"/>
+              </a:spcBef>
+              <a:spcAft>
+                <a:spcPct val="0"/>
+              </a:spcAft>
+              <a:defRPr>
+                <a:solidFill>
+                  <a:schemeClr val="tx1"/>
+                </a:solidFill>
+                <a:latin typeface="Arial" panose="020B0604020202020204" pitchFamily="34" charset="0"/>
+              </a:defRPr>
+            </a:lvl5pPr>
+            <a:lvl6pPr eaLnBrk="0" fontAlgn="base" hangingPunct="0">
+              <a:spcBef>
+                <a:spcPct val="0"/>
+              </a:spcBef>
+              <a:spcAft>
+                <a:spcPct val="0"/>
+              </a:spcAft>
+              <a:defRPr>
+                <a:solidFill>
+                  <a:schemeClr val="tx1"/>
+                </a:solidFill>
+                <a:latin typeface="Arial" panose="020B0604020202020204" pitchFamily="34" charset="0"/>
+              </a:defRPr>
+            </a:lvl6pPr>
+            <a:lvl7pPr eaLnBrk="0" fontAlgn="base" hangingPunct="0">
+              <a:spcBef>
+                <a:spcPct val="0"/>
+              </a:spcBef>
+              <a:spcAft>
+                <a:spcPct val="0"/>
+              </a:spcAft>
+              <a:defRPr>
+                <a:solidFill>
+                  <a:schemeClr val="tx1"/>
+                </a:solidFill>
+                <a:latin typeface="Arial" panose="020B0604020202020204" pitchFamily="34" charset="0"/>
+              </a:defRPr>
+            </a:lvl7pPr>
+            <a:lvl8pPr eaLnBrk="0" fontAlgn="base" hangingPunct="0">
+              <a:spcBef>
+                <a:spcPct val="0"/>
+              </a:spcBef>
+              <a:spcAft>
+                <a:spcPct val="0"/>
+              </a:spcAft>
+              <a:defRPr>
+                <a:solidFill>
+                  <a:schemeClr val="tx1"/>
+                </a:solidFill>
+                <a:latin typeface="Arial" panose="020B0604020202020204" pitchFamily="34" charset="0"/>
+              </a:defRPr>
+            </a:lvl8pPr>
+            <a:lvl9pPr eaLnBrk="0" fontAlgn="base" hangingPunct="0">
+              <a:spcBef>
+                <a:spcPct val="0"/>
+              </a:spcBef>
+              <a:spcAft>
+                <a:spcPct val="0"/>
+              </a:spcAft>
+              <a:defRPr>
+                <a:solidFill>
+                  <a:schemeClr val="tx1"/>
+                </a:solidFill>
+                <a:latin typeface="Arial" panose="020B0604020202020204" pitchFamily="34" charset="0"/>
+              </a:defRPr>
+            </a:lvl9pPr>
+          </a:lstStyle>
+          <a:p>
+            <a:pPr defTabSz="914400">
+              <a:buClrTx/>
+              <a:buSzTx/>
+            </a:pPr>
+            <a:r>
+              <a:rPr kumimoji="0" lang="nl-BE" altLang="nl-BE" sz="2000" b="0" i="1" u="none" strike="noStrike" cap="none" normalizeH="0" baseline="0" dirty="0">
+                <a:ln>
+                  <a:noFill/>
+                </a:ln>
+                <a:solidFill>
+                  <a:schemeClr val="tx1"/>
+                </a:solidFill>
+                <a:effectLst/>
+                <a:latin typeface="Times New Roman" panose="02020603050405020304" pitchFamily="18" charset="0"/>
+                <a:cs typeface="Times New Roman" panose="02020603050405020304" pitchFamily="18" charset="0"/>
+              </a:rPr>
+              <a:t>(5) Beats of Golf: overzicht | LinkedIn</a:t>
+            </a:r>
+            <a:r>
+              <a:rPr kumimoji="0" lang="nl-BE" altLang="nl-BE" sz="2000" b="0" i="0" u="none" strike="noStrike" cap="none" normalizeH="0" baseline="0" dirty="0">
+                <a:ln>
+                  <a:noFill/>
+                </a:ln>
+                <a:solidFill>
+                  <a:schemeClr val="tx1"/>
+                </a:solidFill>
+                <a:effectLst/>
+                <a:latin typeface="Times New Roman" panose="02020603050405020304" pitchFamily="18" charset="0"/>
+                <a:cs typeface="Times New Roman" panose="02020603050405020304" pitchFamily="18" charset="0"/>
+              </a:rPr>
+              <a:t>. (</a:t>
+            </a:r>
+            <a:r>
+              <a:rPr kumimoji="0" lang="nl-BE" altLang="nl-BE" sz="2000" b="0" i="0" u="none" strike="noStrike" cap="none" normalizeH="0" baseline="0" dirty="0" err="1">
+                <a:ln>
+                  <a:noFill/>
+                </a:ln>
+                <a:solidFill>
+                  <a:schemeClr val="tx1"/>
+                </a:solidFill>
+                <a:effectLst/>
+                <a:latin typeface="Times New Roman" panose="02020603050405020304" pitchFamily="18" charset="0"/>
+                <a:cs typeface="Times New Roman" panose="02020603050405020304" pitchFamily="18" charset="0"/>
+              </a:rPr>
+              <a:t>n.d</a:t>
+            </a:r>
+            <a:r>
+              <a:rPr kumimoji="0" lang="nl-BE" altLang="nl-BE" sz="2000" b="0" i="0" u="none" strike="noStrike" cap="none" normalizeH="0" baseline="0" dirty="0">
+                <a:ln>
+                  <a:noFill/>
+                </a:ln>
+                <a:solidFill>
+                  <a:schemeClr val="tx1"/>
+                </a:solidFill>
+                <a:effectLst/>
+                <a:latin typeface="Times New Roman" panose="02020603050405020304" pitchFamily="18" charset="0"/>
+                <a:cs typeface="Times New Roman" panose="02020603050405020304" pitchFamily="18" charset="0"/>
+              </a:rPr>
+              <a:t>.). https://www.linkedin.com/company/beats-of-golf/?originalSubdomain=at</a:t>
+            </a:r>
+            <a:endParaRPr kumimoji="0" lang="nl-BE" altLang="nl-BE" sz="2000" b="0" i="0" u="none" strike="noStrike" cap="none" normalizeH="0" baseline="0" dirty="0">
+              <a:ln>
+                <a:noFill/>
+              </a:ln>
+              <a:solidFill>
+                <a:schemeClr val="tx1"/>
+              </a:solidFill>
+              <a:effectLst/>
+            </a:endParaRPr>
+          </a:p>
+          <a:p>
+            <a:pPr defTabSz="914400">
+              <a:buClrTx/>
+              <a:buSzTx/>
+            </a:pPr>
+            <a:r>
+              <a:rPr kumimoji="0" lang="nl-BE" altLang="nl-BE" sz="2000" b="0" i="0" u="none" strike="noStrike" cap="none" normalizeH="0" baseline="0" dirty="0" err="1">
+                <a:ln>
+                  <a:noFill/>
+                </a:ln>
+                <a:solidFill>
+                  <a:schemeClr val="tx1"/>
+                </a:solidFill>
+                <a:effectLst/>
+                <a:latin typeface="Times New Roman" panose="02020603050405020304" pitchFamily="18" charset="0"/>
+                <a:cs typeface="Times New Roman" panose="02020603050405020304" pitchFamily="18" charset="0"/>
+              </a:rPr>
+              <a:t>Bădescu</a:t>
+            </a:r>
+            <a:r>
+              <a:rPr kumimoji="0" lang="nl-BE" altLang="nl-BE" sz="2000" b="0" i="0" u="none" strike="noStrike" cap="none" normalizeH="0" baseline="0" dirty="0">
+                <a:ln>
+                  <a:noFill/>
+                </a:ln>
+                <a:solidFill>
+                  <a:schemeClr val="tx1"/>
+                </a:solidFill>
+                <a:effectLst/>
+                <a:latin typeface="Times New Roman" panose="02020603050405020304" pitchFamily="18" charset="0"/>
+                <a:cs typeface="Times New Roman" panose="02020603050405020304" pitchFamily="18" charset="0"/>
+              </a:rPr>
+              <a:t>, D., </a:t>
+            </a:r>
+            <a:r>
+              <a:rPr kumimoji="0" lang="nl-BE" altLang="nl-BE" sz="2000" b="0" i="0" u="none" strike="noStrike" cap="none" normalizeH="0" baseline="0" dirty="0" err="1">
+                <a:ln>
+                  <a:noFill/>
+                </a:ln>
+                <a:solidFill>
+                  <a:schemeClr val="tx1"/>
+                </a:solidFill>
+                <a:effectLst/>
+                <a:latin typeface="Times New Roman" panose="02020603050405020304" pitchFamily="18" charset="0"/>
+                <a:cs typeface="Times New Roman" panose="02020603050405020304" pitchFamily="18" charset="0"/>
+              </a:rPr>
+              <a:t>Zaharie</a:t>
+            </a:r>
+            <a:r>
+              <a:rPr kumimoji="0" lang="nl-BE" altLang="nl-BE" sz="2000" b="0" i="0" u="none" strike="noStrike" cap="none" normalizeH="0" baseline="0" dirty="0">
+                <a:ln>
+                  <a:noFill/>
+                </a:ln>
+                <a:solidFill>
+                  <a:schemeClr val="tx1"/>
+                </a:solidFill>
+                <a:effectLst/>
+                <a:latin typeface="Times New Roman" panose="02020603050405020304" pitchFamily="18" charset="0"/>
+                <a:cs typeface="Times New Roman" panose="02020603050405020304" pitchFamily="18" charset="0"/>
+              </a:rPr>
+              <a:t>, N., </a:t>
+            </a:r>
+            <a:r>
+              <a:rPr kumimoji="0" lang="nl-BE" altLang="nl-BE" sz="2000" b="0" i="0" u="none" strike="noStrike" cap="none" normalizeH="0" baseline="0" dirty="0" err="1">
+                <a:ln>
+                  <a:noFill/>
+                </a:ln>
+                <a:solidFill>
+                  <a:schemeClr val="tx1"/>
+                </a:solidFill>
+                <a:effectLst/>
+                <a:latin typeface="Times New Roman" panose="02020603050405020304" pitchFamily="18" charset="0"/>
+                <a:cs typeface="Times New Roman" panose="02020603050405020304" pitchFamily="18" charset="0"/>
+              </a:rPr>
+              <a:t>Stoian</a:t>
+            </a:r>
+            <a:r>
+              <a:rPr kumimoji="0" lang="nl-BE" altLang="nl-BE" sz="2000" b="0" i="0" u="none" strike="noStrike" cap="none" normalizeH="0" baseline="0" dirty="0">
+                <a:ln>
+                  <a:noFill/>
+                </a:ln>
+                <a:solidFill>
+                  <a:schemeClr val="tx1"/>
+                </a:solidFill>
+                <a:effectLst/>
+                <a:latin typeface="Times New Roman" panose="02020603050405020304" pitchFamily="18" charset="0"/>
+                <a:cs typeface="Times New Roman" panose="02020603050405020304" pitchFamily="18" charset="0"/>
+              </a:rPr>
+              <a:t>, I., </a:t>
+            </a:r>
+            <a:r>
+              <a:rPr kumimoji="0" lang="nl-BE" altLang="nl-BE" sz="2000" b="0" i="0" u="none" strike="noStrike" cap="none" normalizeH="0" baseline="0" dirty="0" err="1">
+                <a:ln>
+                  <a:noFill/>
+                </a:ln>
+                <a:solidFill>
+                  <a:schemeClr val="tx1"/>
+                </a:solidFill>
+                <a:effectLst/>
+                <a:latin typeface="Times New Roman" panose="02020603050405020304" pitchFamily="18" charset="0"/>
+                <a:cs typeface="Times New Roman" panose="02020603050405020304" pitchFamily="18" charset="0"/>
+              </a:rPr>
+              <a:t>Bădescu</a:t>
+            </a:r>
+            <a:r>
+              <a:rPr kumimoji="0" lang="nl-BE" altLang="nl-BE" sz="2000" b="0" i="0" u="none" strike="noStrike" cap="none" normalizeH="0" baseline="0" dirty="0">
+                <a:ln>
+                  <a:noFill/>
+                </a:ln>
+                <a:solidFill>
+                  <a:schemeClr val="tx1"/>
+                </a:solidFill>
+                <a:effectLst/>
+                <a:latin typeface="Times New Roman" panose="02020603050405020304" pitchFamily="18" charset="0"/>
+                <a:cs typeface="Times New Roman" panose="02020603050405020304" pitchFamily="18" charset="0"/>
+              </a:rPr>
+              <a:t>, M., &amp; </a:t>
+            </a:r>
+            <a:r>
+              <a:rPr kumimoji="0" lang="nl-BE" altLang="nl-BE" sz="2000" b="0" i="0" u="none" strike="noStrike" cap="none" normalizeH="0" baseline="0" dirty="0" err="1">
+                <a:ln>
+                  <a:noFill/>
+                </a:ln>
+                <a:solidFill>
+                  <a:schemeClr val="tx1"/>
+                </a:solidFill>
+                <a:effectLst/>
+                <a:latin typeface="Times New Roman" panose="02020603050405020304" pitchFamily="18" charset="0"/>
+                <a:cs typeface="Times New Roman" panose="02020603050405020304" pitchFamily="18" charset="0"/>
+              </a:rPr>
+              <a:t>Stanciu</a:t>
+            </a:r>
+            <a:r>
+              <a:rPr kumimoji="0" lang="nl-BE" altLang="nl-BE" sz="2000" b="0" i="0" u="none" strike="noStrike" cap="none" normalizeH="0" baseline="0" dirty="0">
+                <a:ln>
+                  <a:noFill/>
+                </a:ln>
+                <a:solidFill>
+                  <a:schemeClr val="tx1"/>
+                </a:solidFill>
+                <a:effectLst/>
+                <a:latin typeface="Times New Roman" panose="02020603050405020304" pitchFamily="18" charset="0"/>
+                <a:cs typeface="Times New Roman" panose="02020603050405020304" pitchFamily="18" charset="0"/>
+              </a:rPr>
+              <a:t>, C. (2022). A </a:t>
+            </a:r>
+            <a:r>
+              <a:rPr kumimoji="0" lang="nl-BE" altLang="nl-BE" sz="2000" b="0" i="0" u="none" strike="noStrike" cap="none" normalizeH="0" baseline="0" dirty="0" err="1">
+                <a:ln>
+                  <a:noFill/>
+                </a:ln>
+                <a:solidFill>
+                  <a:schemeClr val="tx1"/>
+                </a:solidFill>
+                <a:effectLst/>
+                <a:latin typeface="Times New Roman" panose="02020603050405020304" pitchFamily="18" charset="0"/>
+                <a:cs typeface="Times New Roman" panose="02020603050405020304" pitchFamily="18" charset="0"/>
+              </a:rPr>
+              <a:t>Narrative</a:t>
+            </a:r>
+            <a:r>
+              <a:rPr kumimoji="0" lang="nl-BE" altLang="nl-BE" sz="2000" b="0" i="0" u="none" strike="noStrike" cap="none" normalizeH="0" baseline="0" dirty="0">
+                <a:ln>
+                  <a:noFill/>
+                </a:ln>
+                <a:solidFill>
+                  <a:schemeClr val="tx1"/>
+                </a:solidFill>
+                <a:effectLst/>
+                <a:latin typeface="Times New Roman" panose="02020603050405020304" pitchFamily="18" charset="0"/>
+                <a:cs typeface="Times New Roman" panose="02020603050405020304" pitchFamily="18" charset="0"/>
+              </a:rPr>
+              <a:t> Review of </a:t>
+            </a:r>
+            <a:r>
+              <a:rPr kumimoji="0" lang="nl-BE" altLang="nl-BE" sz="2000" b="0" i="0" u="none" strike="noStrike" cap="none" normalizeH="0" baseline="0" dirty="0" err="1">
+                <a:ln>
+                  <a:noFill/>
+                </a:ln>
+                <a:solidFill>
+                  <a:schemeClr val="tx1"/>
+                </a:solidFill>
+                <a:effectLst/>
+                <a:latin typeface="Times New Roman" panose="02020603050405020304" pitchFamily="18" charset="0"/>
+                <a:cs typeface="Times New Roman" panose="02020603050405020304" pitchFamily="18" charset="0"/>
+              </a:rPr>
+              <a:t>the</a:t>
+            </a:r>
+            <a:r>
+              <a:rPr kumimoji="0" lang="nl-BE" altLang="nl-BE" sz="2000" b="0" i="0" u="none" strike="noStrike" cap="none" normalizeH="0" baseline="0" dirty="0">
+                <a:ln>
+                  <a:noFill/>
+                </a:ln>
+                <a:solidFill>
+                  <a:schemeClr val="tx1"/>
+                </a:solidFill>
+                <a:effectLst/>
+                <a:latin typeface="Times New Roman" panose="02020603050405020304" pitchFamily="18" charset="0"/>
+                <a:cs typeface="Times New Roman" panose="02020603050405020304" pitchFamily="18" charset="0"/>
+              </a:rPr>
+              <a:t> Link </a:t>
+            </a:r>
+            <a:r>
+              <a:rPr kumimoji="0" lang="nl-BE" altLang="nl-BE" sz="2000" b="0" i="0" u="none" strike="noStrike" cap="none" normalizeH="0" baseline="0" dirty="0" err="1">
+                <a:ln>
+                  <a:noFill/>
+                </a:ln>
+                <a:solidFill>
+                  <a:schemeClr val="tx1"/>
+                </a:solidFill>
+                <a:effectLst/>
+                <a:latin typeface="Times New Roman" panose="02020603050405020304" pitchFamily="18" charset="0"/>
+                <a:cs typeface="Times New Roman" panose="02020603050405020304" pitchFamily="18" charset="0"/>
+              </a:rPr>
+              <a:t>between</a:t>
+            </a:r>
+            <a:r>
+              <a:rPr kumimoji="0" lang="nl-BE" altLang="nl-BE" sz="2000" b="0" i="0" u="none" strike="noStrike" cap="none" normalizeH="0" baseline="0" dirty="0">
+                <a:ln>
+                  <a:noFill/>
+                </a:ln>
+                <a:solidFill>
+                  <a:schemeClr val="tx1"/>
+                </a:solidFill>
+                <a:effectLst/>
+                <a:latin typeface="Times New Roman" panose="02020603050405020304" pitchFamily="18" charset="0"/>
+                <a:cs typeface="Times New Roman" panose="02020603050405020304" pitchFamily="18" charset="0"/>
+              </a:rPr>
+              <a:t> Sport </a:t>
+            </a:r>
+            <a:r>
+              <a:rPr kumimoji="0" lang="nl-BE" altLang="nl-BE" sz="2000" b="0" i="0" u="none" strike="noStrike" cap="none" normalizeH="0" baseline="0" dirty="0" err="1">
+                <a:ln>
+                  <a:noFill/>
+                </a:ln>
+                <a:solidFill>
+                  <a:schemeClr val="tx1"/>
+                </a:solidFill>
+                <a:effectLst/>
+                <a:latin typeface="Times New Roman" panose="02020603050405020304" pitchFamily="18" charset="0"/>
+                <a:cs typeface="Times New Roman" panose="02020603050405020304" pitchFamily="18" charset="0"/>
+              </a:rPr>
+              <a:t>and</a:t>
+            </a:r>
+            <a:r>
+              <a:rPr kumimoji="0" lang="nl-BE" altLang="nl-BE" sz="2000" b="0" i="0" u="none" strike="noStrike" cap="none" normalizeH="0" baseline="0" dirty="0">
+                <a:ln>
+                  <a:noFill/>
+                </a:ln>
+                <a:solidFill>
+                  <a:schemeClr val="tx1"/>
+                </a:solidFill>
+                <a:effectLst/>
+                <a:latin typeface="Times New Roman" panose="02020603050405020304" pitchFamily="18" charset="0"/>
+                <a:cs typeface="Times New Roman" panose="02020603050405020304" pitchFamily="18" charset="0"/>
+              </a:rPr>
+              <a:t> Technology. </a:t>
+            </a:r>
+            <a:r>
+              <a:rPr kumimoji="0" lang="nl-BE" altLang="nl-BE" sz="2000" b="0" i="1" u="none" strike="noStrike" cap="none" normalizeH="0" baseline="0" dirty="0" err="1">
+                <a:ln>
+                  <a:noFill/>
+                </a:ln>
+                <a:solidFill>
+                  <a:schemeClr val="tx1"/>
+                </a:solidFill>
+                <a:effectLst/>
+                <a:latin typeface="Times New Roman" panose="02020603050405020304" pitchFamily="18" charset="0"/>
+                <a:cs typeface="Times New Roman" panose="02020603050405020304" pitchFamily="18" charset="0"/>
+              </a:rPr>
+              <a:t>Sustainability</a:t>
+            </a:r>
+            <a:r>
+              <a:rPr kumimoji="0" lang="nl-BE" altLang="nl-BE" sz="2000" b="0" i="0" u="none" strike="noStrike" cap="none" normalizeH="0" baseline="0" dirty="0">
+                <a:ln>
+                  <a:noFill/>
+                </a:ln>
+                <a:solidFill>
+                  <a:schemeClr val="tx1"/>
+                </a:solidFill>
+                <a:effectLst/>
+                <a:latin typeface="Times New Roman" panose="02020603050405020304" pitchFamily="18" charset="0"/>
+                <a:cs typeface="Times New Roman" panose="02020603050405020304" pitchFamily="18" charset="0"/>
+              </a:rPr>
+              <a:t>, </a:t>
+            </a:r>
+            <a:r>
+              <a:rPr kumimoji="0" lang="nl-BE" altLang="nl-BE" sz="2000" b="0" i="1" u="none" strike="noStrike" cap="none" normalizeH="0" baseline="0" dirty="0">
+                <a:ln>
+                  <a:noFill/>
+                </a:ln>
+                <a:solidFill>
+                  <a:schemeClr val="tx1"/>
+                </a:solidFill>
+                <a:effectLst/>
+                <a:latin typeface="Times New Roman" panose="02020603050405020304" pitchFamily="18" charset="0"/>
+                <a:cs typeface="Times New Roman" panose="02020603050405020304" pitchFamily="18" charset="0"/>
+              </a:rPr>
+              <a:t>14</a:t>
+            </a:r>
+            <a:r>
+              <a:rPr kumimoji="0" lang="nl-BE" altLang="nl-BE" sz="2000" b="0" i="0" u="none" strike="noStrike" cap="none" normalizeH="0" baseline="0" dirty="0">
+                <a:ln>
+                  <a:noFill/>
+                </a:ln>
+                <a:solidFill>
+                  <a:schemeClr val="tx1"/>
+                </a:solidFill>
+                <a:effectLst/>
+                <a:latin typeface="Times New Roman" panose="02020603050405020304" pitchFamily="18" charset="0"/>
+                <a:cs typeface="Times New Roman" panose="02020603050405020304" pitchFamily="18" charset="0"/>
+              </a:rPr>
+              <a:t>(23), 16265. https://doi.org/10.3390/su142316265</a:t>
+            </a:r>
+            <a:endParaRPr kumimoji="0" lang="nl-BE" altLang="nl-BE" sz="2000" b="0" i="0" u="none" strike="noStrike" cap="none" normalizeH="0" baseline="0" dirty="0">
+              <a:ln>
+                <a:noFill/>
+              </a:ln>
+              <a:solidFill>
+                <a:schemeClr val="tx1"/>
+              </a:solidFill>
+              <a:effectLst/>
+            </a:endParaRPr>
+          </a:p>
+          <a:p>
+            <a:pPr defTabSz="914400">
+              <a:buClrTx/>
+              <a:buSzTx/>
+            </a:pPr>
+            <a:r>
+              <a:rPr kumimoji="0" lang="nl-BE" altLang="nl-BE" sz="2000" b="0" i="0" u="none" strike="noStrike" cap="none" normalizeH="0" baseline="0" dirty="0">
+                <a:ln>
+                  <a:noFill/>
+                </a:ln>
+                <a:solidFill>
+                  <a:schemeClr val="tx1"/>
+                </a:solidFill>
+                <a:effectLst/>
+                <a:latin typeface="Times New Roman" panose="02020603050405020304" pitchFamily="18" charset="0"/>
+                <a:cs typeface="Times New Roman" panose="02020603050405020304" pitchFamily="18" charset="0"/>
+              </a:rPr>
+              <a:t>Correspondent, O. (2024, </a:t>
+            </a:r>
+            <a:r>
+              <a:rPr kumimoji="0" lang="nl-BE" altLang="nl-BE" sz="2000" b="0" i="0" u="none" strike="noStrike" cap="none" normalizeH="0" baseline="0" dirty="0" err="1">
+                <a:ln>
+                  <a:noFill/>
+                </a:ln>
+                <a:solidFill>
+                  <a:schemeClr val="tx1"/>
+                </a:solidFill>
+                <a:effectLst/>
+                <a:latin typeface="Times New Roman" panose="02020603050405020304" pitchFamily="18" charset="0"/>
+                <a:cs typeface="Times New Roman" panose="02020603050405020304" pitchFamily="18" charset="0"/>
+              </a:rPr>
+              <a:t>October</a:t>
+            </a:r>
+            <a:r>
+              <a:rPr kumimoji="0" lang="nl-BE" altLang="nl-BE" sz="2000" b="0" i="0" u="none" strike="noStrike" cap="none" normalizeH="0" baseline="0" dirty="0">
+                <a:ln>
+                  <a:noFill/>
+                </a:ln>
+                <a:solidFill>
+                  <a:schemeClr val="tx1"/>
+                </a:solidFill>
+                <a:effectLst/>
+                <a:latin typeface="Times New Roman" panose="02020603050405020304" pitchFamily="18" charset="0"/>
+                <a:cs typeface="Times New Roman" panose="02020603050405020304" pitchFamily="18" charset="0"/>
+              </a:rPr>
+              <a:t> 6). Nieuwe tegenvaller voor Duitsland: ook Kai </a:t>
+            </a:r>
+            <a:r>
+              <a:rPr kumimoji="0" lang="nl-BE" altLang="nl-BE" sz="2000" b="0" i="0" u="none" strike="noStrike" cap="none" normalizeH="0" baseline="0" dirty="0" err="1">
+                <a:ln>
+                  <a:noFill/>
+                </a:ln>
+                <a:solidFill>
+                  <a:schemeClr val="tx1"/>
+                </a:solidFill>
+                <a:effectLst/>
+                <a:latin typeface="Times New Roman" panose="02020603050405020304" pitchFamily="18" charset="0"/>
+                <a:cs typeface="Times New Roman" panose="02020603050405020304" pitchFamily="18" charset="0"/>
+              </a:rPr>
+              <a:t>Havertz</a:t>
+            </a:r>
+            <a:r>
+              <a:rPr kumimoji="0" lang="nl-BE" altLang="nl-BE" sz="2000" b="0" i="0" u="none" strike="noStrike" cap="none" normalizeH="0" baseline="0" dirty="0">
+                <a:ln>
+                  <a:noFill/>
+                </a:ln>
+                <a:solidFill>
+                  <a:schemeClr val="tx1"/>
+                </a:solidFill>
+                <a:effectLst/>
+                <a:latin typeface="Times New Roman" panose="02020603050405020304" pitchFamily="18" charset="0"/>
+                <a:cs typeface="Times New Roman" panose="02020603050405020304" pitchFamily="18" charset="0"/>
+              </a:rPr>
+              <a:t> ontbreekt tegen Nederlands elftal. </a:t>
+            </a:r>
+            <a:r>
+              <a:rPr kumimoji="0" lang="nl-BE" altLang="nl-BE" sz="2000" b="0" i="1" u="none" strike="noStrike" cap="none" normalizeH="0" baseline="0" dirty="0">
+                <a:ln>
+                  <a:noFill/>
+                </a:ln>
+                <a:solidFill>
+                  <a:schemeClr val="tx1"/>
+                </a:solidFill>
+                <a:effectLst/>
+                <a:latin typeface="Times New Roman" panose="02020603050405020304" pitchFamily="18" charset="0"/>
+                <a:cs typeface="Times New Roman" panose="02020603050405020304" pitchFamily="18" charset="0"/>
+              </a:rPr>
+              <a:t>Telegraaf</a:t>
+            </a:r>
+            <a:r>
+              <a:rPr kumimoji="0" lang="nl-BE" altLang="nl-BE" sz="2000" b="0" i="0" u="none" strike="noStrike" cap="none" normalizeH="0" baseline="0" dirty="0">
+                <a:ln>
+                  <a:noFill/>
+                </a:ln>
+                <a:solidFill>
+                  <a:schemeClr val="tx1"/>
+                </a:solidFill>
+                <a:effectLst/>
+                <a:latin typeface="Times New Roman" panose="02020603050405020304" pitchFamily="18" charset="0"/>
+                <a:cs typeface="Times New Roman" panose="02020603050405020304" pitchFamily="18" charset="0"/>
+              </a:rPr>
+              <a:t>. https://www.telegraaf.nl/sport/166997363/nieuwe-tegenvaller-voor-duitsland-ook-kai-havertz-ontbreekt-tegen-nederlands-elftal</a:t>
+            </a:r>
+            <a:endParaRPr kumimoji="0" lang="nl-BE" altLang="nl-BE" sz="2000" b="0" i="0" u="none" strike="noStrike" cap="none" normalizeH="0" baseline="0" dirty="0">
+              <a:ln>
+                <a:noFill/>
+              </a:ln>
+              <a:solidFill>
+                <a:schemeClr val="tx1"/>
+              </a:solidFill>
+              <a:effectLst/>
+            </a:endParaRPr>
+          </a:p>
+          <a:p>
+            <a:pPr defTabSz="914400">
+              <a:buClrTx/>
+              <a:buSzTx/>
+            </a:pPr>
+            <a:r>
+              <a:rPr kumimoji="0" lang="nl-BE" altLang="nl-BE" sz="2000" b="0" i="1" u="none" strike="noStrike" cap="none" normalizeH="0" baseline="0" dirty="0" err="1">
+                <a:ln>
+                  <a:noFill/>
+                </a:ln>
+                <a:solidFill>
+                  <a:schemeClr val="tx1"/>
+                </a:solidFill>
+                <a:effectLst/>
+                <a:latin typeface="Times New Roman" panose="02020603050405020304" pitchFamily="18" charset="0"/>
+                <a:cs typeface="Times New Roman" panose="02020603050405020304" pitchFamily="18" charset="0"/>
+              </a:rPr>
+              <a:t>Golfpro</a:t>
+            </a:r>
+            <a:r>
+              <a:rPr kumimoji="0" lang="nl-BE" altLang="nl-BE" sz="2000" b="0" i="1" u="none" strike="noStrike" cap="none" normalizeH="0" baseline="0" dirty="0">
+                <a:ln>
+                  <a:noFill/>
+                </a:ln>
+                <a:solidFill>
+                  <a:schemeClr val="tx1"/>
+                </a:solidFill>
+                <a:effectLst/>
+                <a:latin typeface="Times New Roman" panose="02020603050405020304" pitchFamily="18" charset="0"/>
+                <a:cs typeface="Times New Roman" panose="02020603050405020304" pitchFamily="18" charset="0"/>
+              </a:rPr>
+              <a:t> - Foto van Beats of Golf, Antwerpen - </a:t>
+            </a:r>
+            <a:r>
+              <a:rPr kumimoji="0" lang="nl-BE" altLang="nl-BE" sz="2000" b="0" i="1" u="none" strike="noStrike" cap="none" normalizeH="0" baseline="0" dirty="0" err="1">
+                <a:ln>
+                  <a:noFill/>
+                </a:ln>
+                <a:solidFill>
+                  <a:schemeClr val="tx1"/>
+                </a:solidFill>
+                <a:effectLst/>
+                <a:latin typeface="Times New Roman" panose="02020603050405020304" pitchFamily="18" charset="0"/>
+                <a:cs typeface="Times New Roman" panose="02020603050405020304" pitchFamily="18" charset="0"/>
+              </a:rPr>
+              <a:t>Tripadvisor</a:t>
+            </a:r>
+            <a:r>
+              <a:rPr kumimoji="0" lang="nl-BE" altLang="nl-BE" sz="2000" b="0" i="0" u="none" strike="noStrike" cap="none" normalizeH="0" baseline="0" dirty="0">
+                <a:ln>
+                  <a:noFill/>
+                </a:ln>
+                <a:solidFill>
+                  <a:schemeClr val="tx1"/>
+                </a:solidFill>
+                <a:effectLst/>
+                <a:latin typeface="Times New Roman" panose="02020603050405020304" pitchFamily="18" charset="0"/>
+                <a:cs typeface="Times New Roman" panose="02020603050405020304" pitchFamily="18" charset="0"/>
+              </a:rPr>
+              <a:t>. (</a:t>
+            </a:r>
+            <a:r>
+              <a:rPr kumimoji="0" lang="nl-BE" altLang="nl-BE" sz="2000" b="0" i="0" u="none" strike="noStrike" cap="none" normalizeH="0" baseline="0" dirty="0" err="1">
+                <a:ln>
+                  <a:noFill/>
+                </a:ln>
+                <a:solidFill>
+                  <a:schemeClr val="tx1"/>
+                </a:solidFill>
+                <a:effectLst/>
+                <a:latin typeface="Times New Roman" panose="02020603050405020304" pitchFamily="18" charset="0"/>
+                <a:cs typeface="Times New Roman" panose="02020603050405020304" pitchFamily="18" charset="0"/>
+              </a:rPr>
+              <a:t>n.d</a:t>
+            </a:r>
+            <a:r>
+              <a:rPr kumimoji="0" lang="nl-BE" altLang="nl-BE" sz="2000" b="0" i="0" u="none" strike="noStrike" cap="none" normalizeH="0" baseline="0" dirty="0">
+                <a:ln>
+                  <a:noFill/>
+                </a:ln>
+                <a:solidFill>
+                  <a:schemeClr val="tx1"/>
+                </a:solidFill>
+                <a:effectLst/>
+                <a:latin typeface="Times New Roman" panose="02020603050405020304" pitchFamily="18" charset="0"/>
+                <a:cs typeface="Times New Roman" panose="02020603050405020304" pitchFamily="18" charset="0"/>
+              </a:rPr>
+              <a:t>.). https://www.tripadvisor.be/LocationPhotoDirectLink-g188636-d23542732-i493436553-Beats_of_Golf-Antwerp_Antwerp_Province.html</a:t>
+            </a:r>
+            <a:endParaRPr kumimoji="0" lang="nl-BE" altLang="nl-BE" sz="2000" b="0" i="0" u="none" strike="noStrike" cap="none" normalizeH="0" baseline="0" dirty="0">
+              <a:ln>
+                <a:noFill/>
+              </a:ln>
+              <a:solidFill>
+                <a:schemeClr val="tx1"/>
+              </a:solidFill>
+              <a:effectLst/>
+            </a:endParaRPr>
+          </a:p>
+          <a:p>
+            <a:pPr defTabSz="914400">
+              <a:buClrTx/>
+              <a:buSzTx/>
+            </a:pPr>
+            <a:r>
+              <a:rPr kumimoji="0" lang="nl-BE" altLang="nl-BE" sz="2000" b="0" i="1" u="none" strike="noStrike" cap="none" normalizeH="0" baseline="0" dirty="0">
+                <a:ln>
+                  <a:noFill/>
+                </a:ln>
+                <a:solidFill>
+                  <a:schemeClr val="tx1"/>
+                </a:solidFill>
+                <a:effectLst/>
+                <a:latin typeface="Times New Roman" panose="02020603050405020304" pitchFamily="18" charset="0"/>
+                <a:cs typeface="Times New Roman" panose="02020603050405020304" pitchFamily="18" charset="0"/>
+              </a:rPr>
+              <a:t>Home Golf | Beats of Golf</a:t>
+            </a:r>
+            <a:r>
+              <a:rPr kumimoji="0" lang="nl-BE" altLang="nl-BE" sz="2000" b="0" i="0" u="none" strike="noStrike" cap="none" normalizeH="0" baseline="0" dirty="0">
+                <a:ln>
+                  <a:noFill/>
+                </a:ln>
+                <a:solidFill>
+                  <a:schemeClr val="tx1"/>
+                </a:solidFill>
+                <a:effectLst/>
+                <a:latin typeface="Times New Roman" panose="02020603050405020304" pitchFamily="18" charset="0"/>
+                <a:cs typeface="Times New Roman" panose="02020603050405020304" pitchFamily="18" charset="0"/>
+              </a:rPr>
+              <a:t>. (</a:t>
+            </a:r>
+            <a:r>
+              <a:rPr kumimoji="0" lang="nl-BE" altLang="nl-BE" sz="2000" b="0" i="0" u="none" strike="noStrike" cap="none" normalizeH="0" baseline="0" dirty="0" err="1">
+                <a:ln>
+                  <a:noFill/>
+                </a:ln>
+                <a:solidFill>
+                  <a:schemeClr val="tx1"/>
+                </a:solidFill>
+                <a:effectLst/>
+                <a:latin typeface="Times New Roman" panose="02020603050405020304" pitchFamily="18" charset="0"/>
+                <a:cs typeface="Times New Roman" panose="02020603050405020304" pitchFamily="18" charset="0"/>
+              </a:rPr>
+              <a:t>n.d</a:t>
+            </a:r>
+            <a:r>
+              <a:rPr kumimoji="0" lang="nl-BE" altLang="nl-BE" sz="2000" b="0" i="0" u="none" strike="noStrike" cap="none" normalizeH="0" baseline="0" dirty="0">
+                <a:ln>
+                  <a:noFill/>
+                </a:ln>
+                <a:solidFill>
+                  <a:schemeClr val="tx1"/>
+                </a:solidFill>
+                <a:effectLst/>
+                <a:latin typeface="Times New Roman" panose="02020603050405020304" pitchFamily="18" charset="0"/>
+                <a:cs typeface="Times New Roman" panose="02020603050405020304" pitchFamily="18" charset="0"/>
+              </a:rPr>
+              <a:t>.). Beats of Golf. https://www.beatsofgolf.com/homegolf?src=search_home_golf&amp;utm_source=googleads&amp;utm_medium=search&amp;utm_campaign=search_home_golf&amp;gad_source=1&amp;gclid=Cj0KCQjwjY64BhCaARIsAIfc7YYoXLSCNRDuIWK87vSPrpN0FXUIICT66b7mVvZCaI9DzrreoRv4T8EaAjNOEALw_wcB</a:t>
+            </a:r>
+            <a:endParaRPr kumimoji="0" lang="nl-BE" altLang="nl-BE" sz="2000" b="0" i="0" u="none" strike="noStrike" cap="none" normalizeH="0" baseline="0" dirty="0">
+              <a:ln>
+                <a:noFill/>
+              </a:ln>
+              <a:solidFill>
+                <a:schemeClr val="tx1"/>
+              </a:solidFill>
+              <a:effectLst/>
+            </a:endParaRPr>
+          </a:p>
+          <a:p>
+            <a:pPr defTabSz="914400">
+              <a:buClrTx/>
+              <a:buSzTx/>
+            </a:pPr>
+            <a:r>
+              <a:rPr kumimoji="0" lang="nl-BE" altLang="nl-BE" sz="2000" b="0" i="1" u="none" strike="noStrike" cap="none" normalizeH="0" baseline="0" dirty="0">
+                <a:ln>
+                  <a:noFill/>
+                </a:ln>
+                <a:solidFill>
+                  <a:schemeClr val="tx1"/>
+                </a:solidFill>
+                <a:effectLst/>
+                <a:latin typeface="Times New Roman" panose="02020603050405020304" pitchFamily="18" charset="0"/>
+                <a:cs typeface="Times New Roman" panose="02020603050405020304" pitchFamily="18" charset="0"/>
+              </a:rPr>
+              <a:t>Indoor golf in Nederland</a:t>
+            </a:r>
+            <a:r>
+              <a:rPr kumimoji="0" lang="nl-BE" altLang="nl-BE" sz="2000" b="0" i="0" u="none" strike="noStrike" cap="none" normalizeH="0" baseline="0" dirty="0">
+                <a:ln>
+                  <a:noFill/>
+                </a:ln>
+                <a:solidFill>
+                  <a:schemeClr val="tx1"/>
+                </a:solidFill>
+                <a:effectLst/>
+                <a:latin typeface="Times New Roman" panose="02020603050405020304" pitchFamily="18" charset="0"/>
+                <a:cs typeface="Times New Roman" panose="02020603050405020304" pitchFamily="18" charset="0"/>
+              </a:rPr>
+              <a:t>. (</a:t>
+            </a:r>
+            <a:r>
+              <a:rPr kumimoji="0" lang="nl-BE" altLang="nl-BE" sz="2000" b="0" i="0" u="none" strike="noStrike" cap="none" normalizeH="0" baseline="0" dirty="0" err="1">
+                <a:ln>
+                  <a:noFill/>
+                </a:ln>
+                <a:solidFill>
+                  <a:schemeClr val="tx1"/>
+                </a:solidFill>
+                <a:effectLst/>
+                <a:latin typeface="Times New Roman" panose="02020603050405020304" pitchFamily="18" charset="0"/>
+                <a:cs typeface="Times New Roman" panose="02020603050405020304" pitchFamily="18" charset="0"/>
+              </a:rPr>
+              <a:t>n.d</a:t>
+            </a:r>
+            <a:r>
+              <a:rPr kumimoji="0" lang="nl-BE" altLang="nl-BE" sz="2000" b="0" i="0" u="none" strike="noStrike" cap="none" normalizeH="0" baseline="0" dirty="0">
+                <a:ln>
+                  <a:noFill/>
+                </a:ln>
+                <a:solidFill>
+                  <a:schemeClr val="tx1"/>
+                </a:solidFill>
+                <a:effectLst/>
+                <a:latin typeface="Times New Roman" panose="02020603050405020304" pitchFamily="18" charset="0"/>
+                <a:cs typeface="Times New Roman" panose="02020603050405020304" pitchFamily="18" charset="0"/>
+              </a:rPr>
+              <a:t>.). Golf.nl - Hét Platform Voor Golfend Nederland. https://www.golf.nl/beter-golfen/tips/indoor-golf</a:t>
+            </a:r>
+            <a:endParaRPr kumimoji="0" lang="nl-BE" altLang="nl-BE" sz="2000" b="0" i="0" u="none" strike="noStrike" cap="none" normalizeH="0" baseline="0" dirty="0">
+              <a:ln>
+                <a:noFill/>
+              </a:ln>
+              <a:solidFill>
+                <a:schemeClr val="tx1"/>
+              </a:solidFill>
+              <a:effectLst/>
+              <a:latin typeface="Arial" panose="020B0604020202020204" pitchFamily="34" charset="0"/>
+            </a:endParaRPr>
+          </a:p>
+        </p:txBody>
+      </p:sp>
+    </p:spTree>
+    <p:extLst>
+      <p:ext uri="{BB962C8B-B14F-4D97-AF65-F5344CB8AC3E}">
+        <p14:creationId xmlns:p14="http://schemas.microsoft.com/office/powerpoint/2010/main" val="159247346"/>
       </p:ext>
     </p:extLst>
   </p:cSld>

--- a/Presentatie_powerpoint.pptx
+++ b/Presentatie_powerpoint.pptx
@@ -4,14 +4,18 @@
   <p:sldMasterIdLst>
     <p:sldMasterId id="2147483648" r:id="rId1"/>
   </p:sldMasterIdLst>
+  <p:notesMasterIdLst>
+    <p:notesMasterId r:id="rId10"/>
+  </p:notesMasterIdLst>
   <p:sldIdLst>
     <p:sldId id="256" r:id="rId2"/>
     <p:sldId id="257" r:id="rId3"/>
-    <p:sldId id="258" r:id="rId4"/>
+    <p:sldId id="260" r:id="rId4"/>
     <p:sldId id="259" r:id="rId5"/>
-    <p:sldId id="260" r:id="rId6"/>
+    <p:sldId id="258" r:id="rId6"/>
     <p:sldId id="261" r:id="rId7"/>
     <p:sldId id="262" r:id="rId8"/>
+    <p:sldId id="263" r:id="rId9"/>
   </p:sldIdLst>
   <p:sldSz cx="12192000" cy="6858000"/>
   <p:notesSz cx="6858000" cy="9144000"/>
@@ -374,15 +378,15 @@
 </file>
 
 <file path=ppt/diagrams/colors1.xml><?xml version="1.0" encoding="utf-8"?>
-<dgm:colorsDef xmlns:dgm="http://schemas.openxmlformats.org/drawingml/2006/diagram" xmlns:a="http://schemas.openxmlformats.org/drawingml/2006/main" uniqueId="urn:microsoft.com/office/officeart/2005/8/colors/colorful2">
+<dgm:colorsDef xmlns:dgm="http://schemas.openxmlformats.org/drawingml/2006/diagram" xmlns:a="http://schemas.openxmlformats.org/drawingml/2006/main" uniqueId="urn:microsoft.com/office/officeart/2005/8/colors/colorful5">
   <dgm:title val=""/>
   <dgm:desc val=""/>
   <dgm:catLst>
-    <dgm:cat type="colorful" pri="10200"/>
+    <dgm:cat type="colorful" pri="10500"/>
   </dgm:catLst>
   <dgm:styleLbl name="node0">
     <dgm:fillClrLst meth="repeat">
-      <a:schemeClr val="accent1"/>
+      <a:schemeClr val="accent4"/>
     </dgm:fillClrLst>
     <dgm:linClrLst meth="repeat">
       <a:schemeClr val="lt1"/>
@@ -394,8 +398,8 @@
   </dgm:styleLbl>
   <dgm:styleLbl name="node1">
     <dgm:fillClrLst>
-      <a:schemeClr val="accent2"/>
-      <a:schemeClr val="accent3"/>
+      <a:schemeClr val="accent5"/>
+      <a:schemeClr val="accent6"/>
     </dgm:fillClrLst>
     <dgm:linClrLst meth="repeat">
       <a:schemeClr val="lt1"/>
@@ -407,12 +411,12 @@
   </dgm:styleLbl>
   <dgm:styleLbl name="alignNode1">
     <dgm:fillClrLst>
-      <a:schemeClr val="accent2"/>
-      <a:schemeClr val="accent3"/>
+      <a:schemeClr val="accent5"/>
+      <a:schemeClr val="accent6"/>
     </dgm:fillClrLst>
     <dgm:linClrLst>
-      <a:schemeClr val="accent2"/>
-      <a:schemeClr val="accent3"/>
+      <a:schemeClr val="accent5"/>
+      <a:schemeClr val="accent6"/>
     </dgm:linClrLst>
     <dgm:effectClrLst/>
     <dgm:txLinClrLst/>
@@ -421,8 +425,8 @@
   </dgm:styleLbl>
   <dgm:styleLbl name="lnNode1">
     <dgm:fillClrLst>
-      <a:schemeClr val="accent2"/>
-      <a:schemeClr val="accent3"/>
+      <a:schemeClr val="accent5"/>
+      <a:schemeClr val="accent6"/>
     </dgm:fillClrLst>
     <dgm:linClrLst meth="repeat">
       <a:schemeClr val="lt1"/>
@@ -434,10 +438,10 @@
   </dgm:styleLbl>
   <dgm:styleLbl name="vennNode1">
     <dgm:fillClrLst>
-      <a:schemeClr val="accent2">
+      <a:schemeClr val="accent5">
         <a:alpha val="50000"/>
       </a:schemeClr>
-      <a:schemeClr val="accent3">
+      <a:schemeClr val="accent6">
         <a:alpha val="50000"/>
       </a:schemeClr>
     </dgm:fillClrLst>
@@ -451,7 +455,7 @@
   </dgm:styleLbl>
   <dgm:styleLbl name="node2">
     <dgm:fillClrLst>
-      <a:schemeClr val="accent3"/>
+      <a:schemeClr val="accent6"/>
     </dgm:fillClrLst>
     <dgm:linClrLst meth="repeat">
       <a:schemeClr val="lt1"/>
@@ -463,7 +467,7 @@
   </dgm:styleLbl>
   <dgm:styleLbl name="node3">
     <dgm:fillClrLst>
-      <a:schemeClr val="accent4"/>
+      <a:schemeClr val="accent1"/>
     </dgm:fillClrLst>
     <dgm:linClrLst meth="repeat">
       <a:schemeClr val="lt1"/>
@@ -475,7 +479,7 @@
   </dgm:styleLbl>
   <dgm:styleLbl name="node4">
     <dgm:fillClrLst>
-      <a:schemeClr val="accent5"/>
+      <a:schemeClr val="accent2"/>
     </dgm:fillClrLst>
     <dgm:linClrLst meth="repeat">
       <a:schemeClr val="lt1"/>
@@ -487,10 +491,10 @@
   </dgm:styleLbl>
   <dgm:styleLbl name="fgImgPlace1">
     <dgm:fillClrLst>
-      <a:schemeClr val="accent2">
+      <a:schemeClr val="accent5">
         <a:tint val="50000"/>
       </a:schemeClr>
-      <a:schemeClr val="accent3">
+      <a:schemeClr val="accent6">
         <a:tint val="50000"/>
       </a:schemeClr>
     </dgm:fillClrLst>
@@ -506,10 +510,10 @@
   </dgm:styleLbl>
   <dgm:styleLbl name="alignImgPlace1">
     <dgm:fillClrLst>
-      <a:schemeClr val="accent2">
+      <a:schemeClr val="accent5">
         <a:tint val="50000"/>
       </a:schemeClr>
-      <a:schemeClr val="accent3">
+      <a:schemeClr val="accent6">
         <a:tint val="20000"/>
       </a:schemeClr>
     </dgm:fillClrLst>
@@ -525,10 +529,10 @@
   </dgm:styleLbl>
   <dgm:styleLbl name="bgImgPlace1">
     <dgm:fillClrLst>
-      <a:schemeClr val="accent2">
+      <a:schemeClr val="accent5">
         <a:tint val="50000"/>
       </a:schemeClr>
-      <a:schemeClr val="accent3">
+      <a:schemeClr val="accent6">
         <a:tint val="20000"/>
       </a:schemeClr>
     </dgm:fillClrLst>
@@ -544,8 +548,8 @@
   </dgm:styleLbl>
   <dgm:styleLbl name="sibTrans2D1">
     <dgm:fillClrLst>
-      <a:schemeClr val="accent2"/>
-      <a:schemeClr val="accent3"/>
+      <a:schemeClr val="accent5"/>
+      <a:schemeClr val="accent6"/>
     </dgm:fillClrLst>
     <dgm:linClrLst meth="repeat">
       <a:schemeClr val="lt1"/>
@@ -557,8 +561,8 @@
   </dgm:styleLbl>
   <dgm:styleLbl name="fgSibTrans2D1">
     <dgm:fillClrLst>
-      <a:schemeClr val="accent2"/>
-      <a:schemeClr val="accent3"/>
+      <a:schemeClr val="accent5"/>
+      <a:schemeClr val="accent6"/>
     </dgm:fillClrLst>
     <dgm:linClrLst meth="repeat">
       <a:schemeClr val="lt1"/>
@@ -572,8 +576,8 @@
   </dgm:styleLbl>
   <dgm:styleLbl name="bgSibTrans2D1">
     <dgm:fillClrLst>
-      <a:schemeClr val="accent2"/>
-      <a:schemeClr val="accent3"/>
+      <a:schemeClr val="accent5"/>
+      <a:schemeClr val="accent6"/>
     </dgm:fillClrLst>
     <dgm:linClrLst meth="repeat">
       <a:schemeClr val="lt1"/>
@@ -588,8 +592,8 @@
   <dgm:styleLbl name="sibTrans1D1">
     <dgm:fillClrLst/>
     <dgm:linClrLst>
-      <a:schemeClr val="accent2"/>
-      <a:schemeClr val="accent3"/>
+      <a:schemeClr val="accent5"/>
+      <a:schemeClr val="accent6"/>
     </dgm:linClrLst>
     <dgm:effectClrLst/>
     <dgm:txLinClrLst/>
@@ -600,10 +604,10 @@
   </dgm:styleLbl>
   <dgm:styleLbl name="callout">
     <dgm:fillClrLst meth="repeat">
-      <a:schemeClr val="accent2"/>
+      <a:schemeClr val="accent5"/>
     </dgm:fillClrLst>
     <dgm:linClrLst meth="repeat">
-      <a:schemeClr val="accent2">
+      <a:schemeClr val="accent5">
         <a:tint val="50000"/>
       </a:schemeClr>
     </dgm:linClrLst>
@@ -616,7 +620,7 @@
   </dgm:styleLbl>
   <dgm:styleLbl name="asst0">
     <dgm:fillClrLst meth="repeat">
-      <a:schemeClr val="accent2"/>
+      <a:schemeClr val="accent5"/>
     </dgm:fillClrLst>
     <dgm:linClrLst meth="repeat">
       <a:schemeClr val="lt1">
@@ -630,7 +634,7 @@
   </dgm:styleLbl>
   <dgm:styleLbl name="asst1">
     <dgm:fillClrLst meth="repeat">
-      <a:schemeClr val="accent3"/>
+      <a:schemeClr val="accent6"/>
     </dgm:fillClrLst>
     <dgm:linClrLst meth="repeat">
       <a:schemeClr val="lt1">
@@ -644,7 +648,7 @@
   </dgm:styleLbl>
   <dgm:styleLbl name="asst2">
     <dgm:fillClrLst>
-      <a:schemeClr val="accent4"/>
+      <a:schemeClr val="accent1"/>
     </dgm:fillClrLst>
     <dgm:linClrLst meth="repeat">
       <a:schemeClr val="lt1"/>
@@ -656,7 +660,7 @@
   </dgm:styleLbl>
   <dgm:styleLbl name="asst3">
     <dgm:fillClrLst>
-      <a:schemeClr val="accent5"/>
+      <a:schemeClr val="accent2"/>
     </dgm:fillClrLst>
     <dgm:linClrLst meth="repeat">
       <a:schemeClr val="lt1"/>
@@ -668,7 +672,7 @@
   </dgm:styleLbl>
   <dgm:styleLbl name="asst4">
     <dgm:fillClrLst>
-      <a:schemeClr val="accent6"/>
+      <a:schemeClr val="accent3"/>
     </dgm:fillClrLst>
     <dgm:linClrLst meth="repeat">
       <a:schemeClr val="lt1"/>
@@ -680,7 +684,7 @@
   </dgm:styleLbl>
   <dgm:styleLbl name="parChTrans2D1">
     <dgm:fillClrLst meth="repeat">
-      <a:schemeClr val="accent2"/>
+      <a:schemeClr val="accent5"/>
     </dgm:fillClrLst>
     <dgm:linClrLst meth="repeat">
       <a:schemeClr val="lt1"/>
@@ -694,7 +698,7 @@
   </dgm:styleLbl>
   <dgm:styleLbl name="parChTrans2D2">
     <dgm:fillClrLst meth="repeat">
-      <a:schemeClr val="accent3"/>
+      <a:schemeClr val="accent6"/>
     </dgm:fillClrLst>
     <dgm:linClrLst meth="repeat">
       <a:schemeClr val="lt1"/>
@@ -706,7 +710,7 @@
   </dgm:styleLbl>
   <dgm:styleLbl name="parChTrans2D3">
     <dgm:fillClrLst meth="repeat">
-      <a:schemeClr val="accent4"/>
+      <a:schemeClr val="accent6"/>
     </dgm:fillClrLst>
     <dgm:linClrLst meth="repeat">
       <a:schemeClr val="lt1"/>
@@ -718,7 +722,7 @@
   </dgm:styleLbl>
   <dgm:styleLbl name="parChTrans2D4">
     <dgm:fillClrLst meth="repeat">
-      <a:schemeClr val="accent5"/>
+      <a:schemeClr val="accent1"/>
     </dgm:fillClrLst>
     <dgm:linClrLst meth="repeat">
       <a:schemeClr val="lt1"/>
@@ -732,10 +736,10 @@
   </dgm:styleLbl>
   <dgm:styleLbl name="parChTrans1D1">
     <dgm:fillClrLst meth="repeat">
-      <a:schemeClr val="accent2"/>
+      <a:schemeClr val="accent5"/>
     </dgm:fillClrLst>
     <dgm:linClrLst meth="repeat">
-      <a:schemeClr val="accent2"/>
+      <a:schemeClr val="accent5"/>
     </dgm:linClrLst>
     <dgm:effectClrLst/>
     <dgm:txLinClrLst/>
@@ -746,12 +750,12 @@
   </dgm:styleLbl>
   <dgm:styleLbl name="parChTrans1D2">
     <dgm:fillClrLst meth="repeat">
-      <a:schemeClr val="accent2">
+      <a:schemeClr val="accent6">
         <a:tint val="90000"/>
       </a:schemeClr>
     </dgm:fillClrLst>
     <dgm:linClrLst meth="repeat">
-      <a:schemeClr val="accent3"/>
+      <a:schemeClr val="accent6"/>
     </dgm:linClrLst>
     <dgm:effectClrLst/>
     <dgm:txLinClrLst/>
@@ -762,12 +766,12 @@
   </dgm:styleLbl>
   <dgm:styleLbl name="parChTrans1D3">
     <dgm:fillClrLst meth="repeat">
-      <a:schemeClr val="accent2">
+      <a:schemeClr val="accent6">
         <a:tint val="70000"/>
       </a:schemeClr>
     </dgm:fillClrLst>
     <dgm:linClrLst meth="repeat">
-      <a:schemeClr val="accent4"/>
+      <a:schemeClr val="accent1"/>
     </dgm:linClrLst>
     <dgm:effectClrLst/>
     <dgm:txLinClrLst/>
@@ -778,12 +782,12 @@
   </dgm:styleLbl>
   <dgm:styleLbl name="parChTrans1D4">
     <dgm:fillClrLst meth="repeat">
-      <a:schemeClr val="accent2">
+      <a:schemeClr val="accent6">
         <a:tint val="50000"/>
       </a:schemeClr>
     </dgm:fillClrLst>
     <dgm:linClrLst meth="repeat">
-      <a:schemeClr val="accent5"/>
+      <a:schemeClr val="accent2"/>
     </dgm:linClrLst>
     <dgm:effectClrLst/>
     <dgm:txLinClrLst/>
@@ -799,8 +803,8 @@
       </a:schemeClr>
     </dgm:fillClrLst>
     <dgm:linClrLst>
-      <a:schemeClr val="accent2"/>
-      <a:schemeClr val="accent3"/>
+      <a:schemeClr val="accent5"/>
+      <a:schemeClr val="accent6"/>
     </dgm:linClrLst>
     <dgm:effectClrLst/>
     <dgm:txLinClrLst/>
@@ -816,8 +820,8 @@
       </a:schemeClr>
     </dgm:fillClrLst>
     <dgm:linClrLst>
-      <a:schemeClr val="accent2"/>
-      <a:schemeClr val="accent3"/>
+      <a:schemeClr val="accent5"/>
+      <a:schemeClr val="accent6"/>
     </dgm:linClrLst>
     <dgm:effectClrLst/>
     <dgm:txLinClrLst/>
@@ -833,8 +837,8 @@
       </a:schemeClr>
     </dgm:fillClrLst>
     <dgm:linClrLst>
-      <a:schemeClr val="accent2"/>
-      <a:schemeClr val="accent3"/>
+      <a:schemeClr val="accent5"/>
+      <a:schemeClr val="accent6"/>
     </dgm:linClrLst>
     <dgm:effectClrLst/>
     <dgm:txLinClrLst/>
@@ -850,7 +854,7 @@
       </a:schemeClr>
     </dgm:fillClrLst>
     <dgm:linClrLst meth="repeat">
-      <a:schemeClr val="accent2"/>
+      <a:schemeClr val="accent5"/>
     </dgm:linClrLst>
     <dgm:effectClrLst/>
     <dgm:txLinClrLst/>
@@ -866,8 +870,8 @@
       </a:schemeClr>
     </dgm:fillClrLst>
     <dgm:linClrLst>
-      <a:schemeClr val="accent2"/>
-      <a:schemeClr val="accent3"/>
+      <a:schemeClr val="accent5"/>
+      <a:schemeClr val="accent6"/>
     </dgm:linClrLst>
     <dgm:effectClrLst/>
     <dgm:txLinClrLst/>
@@ -881,8 +885,8 @@
       <a:schemeClr val="lt1"/>
     </dgm:fillClrLst>
     <dgm:linClrLst>
-      <a:schemeClr val="accent2"/>
-      <a:schemeClr val="accent3"/>
+      <a:schemeClr val="accent5"/>
+      <a:schemeClr val="accent6"/>
     </dgm:linClrLst>
     <dgm:effectClrLst/>
     <dgm:txLinClrLst/>
@@ -896,8 +900,8 @@
       <a:schemeClr val="lt1"/>
     </dgm:fillClrLst>
     <dgm:linClrLst>
-      <a:schemeClr val="accent2"/>
-      <a:schemeClr val="accent3"/>
+      <a:schemeClr val="accent5"/>
+      <a:schemeClr val="accent6"/>
     </dgm:linClrLst>
     <dgm:effectClrLst/>
     <dgm:txLinClrLst/>
@@ -911,8 +915,8 @@
       <a:schemeClr val="lt1"/>
     </dgm:fillClrLst>
     <dgm:linClrLst>
-      <a:schemeClr val="accent2"/>
-      <a:schemeClr val="accent3"/>
+      <a:schemeClr val="accent5"/>
+      <a:schemeClr val="accent6"/>
     </dgm:linClrLst>
     <dgm:effectClrLst/>
     <dgm:txLinClrLst/>
@@ -923,21 +927,21 @@
   </dgm:styleLbl>
   <dgm:styleLbl name="fgAccFollowNode1">
     <dgm:fillClrLst>
-      <a:schemeClr val="accent2">
+      <a:schemeClr val="accent5">
         <a:tint val="40000"/>
         <a:alpha val="90000"/>
       </a:schemeClr>
-      <a:schemeClr val="accent3">
+      <a:schemeClr val="accent6">
         <a:tint val="40000"/>
         <a:alpha val="90000"/>
       </a:schemeClr>
     </dgm:fillClrLst>
     <dgm:linClrLst>
-      <a:schemeClr val="accent2">
+      <a:schemeClr val="accent5">
         <a:tint val="40000"/>
         <a:alpha val="90000"/>
       </a:schemeClr>
-      <a:schemeClr val="accent3">
+      <a:schemeClr val="accent5">
         <a:tint val="40000"/>
         <a:alpha val="90000"/>
       </a:schemeClr>
@@ -951,21 +955,21 @@
   </dgm:styleLbl>
   <dgm:styleLbl name="alignAccFollowNode1">
     <dgm:fillClrLst>
-      <a:schemeClr val="accent2">
+      <a:schemeClr val="accent5">
         <a:tint val="40000"/>
         <a:alpha val="90000"/>
       </a:schemeClr>
-      <a:schemeClr val="accent3">
+      <a:schemeClr val="accent6">
         <a:tint val="40000"/>
         <a:alpha val="90000"/>
       </a:schemeClr>
     </dgm:fillClrLst>
     <dgm:linClrLst>
-      <a:schemeClr val="accent2">
+      <a:schemeClr val="accent5">
         <a:tint val="40000"/>
         <a:alpha val="90000"/>
       </a:schemeClr>
-      <a:schemeClr val="accent3">
+      <a:schemeClr val="accent6">
         <a:tint val="40000"/>
         <a:alpha val="90000"/>
       </a:schemeClr>
@@ -979,21 +983,21 @@
   </dgm:styleLbl>
   <dgm:styleLbl name="bgAccFollowNode1">
     <dgm:fillClrLst>
-      <a:schemeClr val="accent2">
+      <a:schemeClr val="accent5">
         <a:tint val="40000"/>
         <a:alpha val="90000"/>
       </a:schemeClr>
-      <a:schemeClr val="accent3">
+      <a:schemeClr val="accent6">
         <a:tint val="40000"/>
         <a:alpha val="90000"/>
       </a:schemeClr>
     </dgm:fillClrLst>
     <dgm:linClrLst>
-      <a:schemeClr val="accent2">
+      <a:schemeClr val="accent5">
         <a:tint val="40000"/>
         <a:alpha val="90000"/>
       </a:schemeClr>
-      <a:schemeClr val="accent3">
+      <a:schemeClr val="accent6">
         <a:tint val="40000"/>
         <a:alpha val="90000"/>
       </a:schemeClr>
@@ -1012,7 +1016,7 @@
       </a:schemeClr>
     </dgm:fillClrLst>
     <dgm:linClrLst>
-      <a:schemeClr val="accent1"/>
+      <a:schemeClr val="accent4"/>
     </dgm:linClrLst>
     <dgm:effectClrLst/>
     <dgm:txLinClrLst/>
@@ -1028,7 +1032,7 @@
       </a:schemeClr>
     </dgm:fillClrLst>
     <dgm:linClrLst>
-      <a:schemeClr val="accent3"/>
+      <a:schemeClr val="accent6"/>
     </dgm:linClrLst>
     <dgm:effectClrLst/>
     <dgm:txLinClrLst/>
@@ -1044,7 +1048,7 @@
       </a:schemeClr>
     </dgm:fillClrLst>
     <dgm:linClrLst>
-      <a:schemeClr val="accent4"/>
+      <a:schemeClr val="accent1"/>
     </dgm:linClrLst>
     <dgm:effectClrLst/>
     <dgm:txLinClrLst/>
@@ -1060,7 +1064,7 @@
       </a:schemeClr>
     </dgm:fillClrLst>
     <dgm:linClrLst>
-      <a:schemeClr val="accent5"/>
+      <a:schemeClr val="accent2"/>
     </dgm:linClrLst>
     <dgm:effectClrLst/>
     <dgm:txLinClrLst/>
@@ -1071,7 +1075,7 @@
   </dgm:styleLbl>
   <dgm:styleLbl name="bgShp">
     <dgm:fillClrLst meth="repeat">
-      <a:schemeClr val="accent2">
+      <a:schemeClr val="accent5">
         <a:tint val="40000"/>
       </a:schemeClr>
     </dgm:fillClrLst>
@@ -1087,7 +1091,7 @@
   </dgm:styleLbl>
   <dgm:styleLbl name="dkBgShp">
     <dgm:fillClrLst meth="repeat">
-      <a:schemeClr val="accent2">
+      <a:schemeClr val="accent5">
         <a:shade val="90000"/>
       </a:schemeClr>
     </dgm:fillClrLst>
@@ -1103,13 +1107,13 @@
   </dgm:styleLbl>
   <dgm:styleLbl name="trBgShp">
     <dgm:fillClrLst meth="repeat">
-      <a:schemeClr val="accent2">
+      <a:schemeClr val="accent5">
         <a:tint val="50000"/>
         <a:alpha val="40000"/>
       </a:schemeClr>
     </dgm:fillClrLst>
     <dgm:linClrLst meth="repeat">
-      <a:schemeClr val="accent2"/>
+      <a:schemeClr val="accent5"/>
     </dgm:linClrLst>
     <dgm:effectClrLst/>
     <dgm:txLinClrLst/>
@@ -1120,7 +1124,7 @@
   </dgm:styleLbl>
   <dgm:styleLbl name="fgShp">
     <dgm:fillClrLst meth="repeat">
-      <a:schemeClr val="accent2">
+      <a:schemeClr val="accent5">
         <a:tint val="40000"/>
       </a:schemeClr>
     </dgm:fillClrLst>
@@ -1159,7 +1163,7 @@
 <dgm:dataModel xmlns:dgm="http://schemas.openxmlformats.org/drawingml/2006/diagram" xmlns:a="http://schemas.openxmlformats.org/drawingml/2006/main">
   <dgm:ptLst>
     <dgm:pt modelId="{83A1DB12-05CA-416C-8564-43039C54A3AE}" type="doc">
-      <dgm:prSet loTypeId="urn:microsoft.com/office/officeart/2005/8/layout/vList2" loCatId="list" qsTypeId="urn:microsoft.com/office/officeart/2005/8/quickstyle/simple4" qsCatId="simple" csTypeId="urn:microsoft.com/office/officeart/2005/8/colors/colorful2" csCatId="colorful"/>
+      <dgm:prSet loTypeId="urn:microsoft.com/office/officeart/2005/8/layout/vProcess5" loCatId="process" qsTypeId="urn:microsoft.com/office/officeart/2005/8/quickstyle/simple4" qsCatId="simple" csTypeId="urn:microsoft.com/office/officeart/2005/8/colors/colorful5" csCatId="colorful" phldr="1"/>
       <dgm:spPr/>
       <dgm:t>
         <a:bodyPr/>
@@ -1177,10 +1181,10 @@
         <a:lstStyle/>
         <a:p>
           <a:r>
-            <a:rPr lang="nl-BE"/>
-            <a:t>IT dat sporten helpt</a:t>
+            <a:rPr lang="nl-BE" dirty="0"/>
+            <a:t>IT in sportscholen</a:t>
           </a:r>
-          <a:endParaRPr lang="en-US"/>
+          <a:endParaRPr lang="en-US" dirty="0"/>
         </a:p>
       </dgm:t>
     </dgm:pt>
@@ -1214,10 +1218,10 @@
         <a:lstStyle/>
         <a:p>
           <a:r>
-            <a:rPr lang="nl-BE"/>
+            <a:rPr lang="nl-BE" dirty="0"/>
             <a:t>Gezondheidstracking</a:t>
           </a:r>
-          <a:endParaRPr lang="en-US"/>
+          <a:endParaRPr lang="en-US" dirty="0"/>
         </a:p>
       </dgm:t>
     </dgm:pt>
@@ -1251,10 +1255,10 @@
         <a:lstStyle/>
         <a:p>
           <a:r>
-            <a:rPr lang="nl-BE"/>
-            <a:t>IT in sportclubs</a:t>
+            <a:rPr lang="nl-BE" dirty="0"/>
+            <a:t>IT binnen sportclubs</a:t>
           </a:r>
-          <a:endParaRPr lang="en-US"/>
+          <a:endParaRPr lang="en-US" dirty="0"/>
         </a:p>
       </dgm:t>
     </dgm:pt>
@@ -1288,10 +1292,10 @@
         <a:lstStyle/>
         <a:p>
           <a:r>
-            <a:rPr lang="nl-BE"/>
+            <a:rPr lang="nl-BE" dirty="0"/>
             <a:t>Conclusie</a:t>
           </a:r>
-          <a:endParaRPr lang="en-US"/>
+          <a:endParaRPr lang="en-US" dirty="0"/>
         </a:p>
       </dgm:t>
     </dgm:pt>
@@ -1317,58 +1321,105 @@
         </a:p>
       </dgm:t>
     </dgm:pt>
-    <dgm:pt modelId="{85B31F96-B206-432C-8DED-AB31E541C0F0}" type="pres">
-      <dgm:prSet presAssocID="{83A1DB12-05CA-416C-8564-43039C54A3AE}" presName="linear" presStyleCnt="0">
+    <dgm:pt modelId="{35E7C1BC-3D17-45E2-A225-E3D4AA8DC769}" type="pres">
+      <dgm:prSet presAssocID="{83A1DB12-05CA-416C-8564-43039C54A3AE}" presName="outerComposite" presStyleCnt="0">
         <dgm:presLayoutVars>
-          <dgm:animLvl val="lvl"/>
+          <dgm:chMax val="5"/>
+          <dgm:dir/>
           <dgm:resizeHandles val="exact"/>
         </dgm:presLayoutVars>
       </dgm:prSet>
       <dgm:spPr/>
     </dgm:pt>
-    <dgm:pt modelId="{B4A937C5-4400-4202-BB87-C9677F29104F}" type="pres">
-      <dgm:prSet presAssocID="{E2B026C2-A6DE-4AA4-B638-20AE24E6FA46}" presName="parentText" presStyleLbl="node1" presStyleIdx="0" presStyleCnt="4">
+    <dgm:pt modelId="{DEDCEA67-F2E5-4D44-9C6B-1045159948F6}" type="pres">
+      <dgm:prSet presAssocID="{83A1DB12-05CA-416C-8564-43039C54A3AE}" presName="dummyMaxCanvas" presStyleCnt="0">
+        <dgm:presLayoutVars/>
+      </dgm:prSet>
+      <dgm:spPr/>
+    </dgm:pt>
+    <dgm:pt modelId="{450BEDB3-B6AC-4A2B-A478-7E6B44655F02}" type="pres">
+      <dgm:prSet presAssocID="{83A1DB12-05CA-416C-8564-43039C54A3AE}" presName="FourNodes_1" presStyleLbl="node1" presStyleIdx="0" presStyleCnt="4">
         <dgm:presLayoutVars>
-          <dgm:chMax val="0"/>
           <dgm:bulletEnabled val="1"/>
         </dgm:presLayoutVars>
       </dgm:prSet>
       <dgm:spPr/>
     </dgm:pt>
-    <dgm:pt modelId="{0A03C885-7EB7-4284-B4F6-F148D06058F7}" type="pres">
-      <dgm:prSet presAssocID="{66B3F912-9725-42C5-93D8-726E104B2BDF}" presName="spacer" presStyleCnt="0"/>
-      <dgm:spPr/>
-    </dgm:pt>
-    <dgm:pt modelId="{B1C199EE-336B-4D3D-8F04-62FFF6521632}" type="pres">
-      <dgm:prSet presAssocID="{41F02600-CEEC-4EFC-BD9E-D6309E692D90}" presName="parentText" presStyleLbl="node1" presStyleIdx="1" presStyleCnt="4">
+    <dgm:pt modelId="{B65142A8-87BF-4D55-A70C-38D5EC1F7AAF}" type="pres">
+      <dgm:prSet presAssocID="{83A1DB12-05CA-416C-8564-43039C54A3AE}" presName="FourNodes_2" presStyleLbl="node1" presStyleIdx="1" presStyleCnt="4">
         <dgm:presLayoutVars>
-          <dgm:chMax val="0"/>
           <dgm:bulletEnabled val="1"/>
         </dgm:presLayoutVars>
       </dgm:prSet>
       <dgm:spPr/>
     </dgm:pt>
-    <dgm:pt modelId="{13BB5C00-2342-4874-B0BA-2DB0DEC56A4E}" type="pres">
-      <dgm:prSet presAssocID="{89CDB0AE-E020-4BB7-80FC-D11F0DD13044}" presName="spacer" presStyleCnt="0"/>
-      <dgm:spPr/>
-    </dgm:pt>
-    <dgm:pt modelId="{5D925B11-65FF-464C-8AF4-5E3562792F8F}" type="pres">
-      <dgm:prSet presAssocID="{B0CAB23E-75FC-498D-9FD3-67C5046D63E7}" presName="parentText" presStyleLbl="node1" presStyleIdx="2" presStyleCnt="4">
+    <dgm:pt modelId="{7058F285-8002-4465-9E71-9F495C784C91}" type="pres">
+      <dgm:prSet presAssocID="{83A1DB12-05CA-416C-8564-43039C54A3AE}" presName="FourNodes_3" presStyleLbl="node1" presStyleIdx="2" presStyleCnt="4">
         <dgm:presLayoutVars>
-          <dgm:chMax val="0"/>
           <dgm:bulletEnabled val="1"/>
         </dgm:presLayoutVars>
       </dgm:prSet>
       <dgm:spPr/>
     </dgm:pt>
-    <dgm:pt modelId="{1D3BAA01-EA1D-48B3-8B46-14C908494DB6}" type="pres">
-      <dgm:prSet presAssocID="{45F977A9-5884-4497-A781-CE2AAB8C8B72}" presName="spacer" presStyleCnt="0"/>
+    <dgm:pt modelId="{3EC47E6B-AB30-4D7A-8180-D5828D668C66}" type="pres">
+      <dgm:prSet presAssocID="{83A1DB12-05CA-416C-8564-43039C54A3AE}" presName="FourNodes_4" presStyleLbl="node1" presStyleIdx="3" presStyleCnt="4">
+        <dgm:presLayoutVars>
+          <dgm:bulletEnabled val="1"/>
+        </dgm:presLayoutVars>
+      </dgm:prSet>
       <dgm:spPr/>
     </dgm:pt>
-    <dgm:pt modelId="{6FBDE440-1378-4AD1-8470-3609C580C7D4}" type="pres">
-      <dgm:prSet presAssocID="{3DDFE797-D85D-4F2D-AE7A-3C692B803B0E}" presName="parentText" presStyleLbl="node1" presStyleIdx="3" presStyleCnt="4">
+    <dgm:pt modelId="{59F08D83-D108-4C75-B5BB-4FA4BC723340}" type="pres">
+      <dgm:prSet presAssocID="{83A1DB12-05CA-416C-8564-43039C54A3AE}" presName="FourConn_1-2" presStyleLbl="fgAccFollowNode1" presStyleIdx="0" presStyleCnt="3">
         <dgm:presLayoutVars>
-          <dgm:chMax val="0"/>
+          <dgm:bulletEnabled val="1"/>
+        </dgm:presLayoutVars>
+      </dgm:prSet>
+      <dgm:spPr/>
+    </dgm:pt>
+    <dgm:pt modelId="{974C9B2F-8CE4-4286-9BC8-25216AA6FBD2}" type="pres">
+      <dgm:prSet presAssocID="{83A1DB12-05CA-416C-8564-43039C54A3AE}" presName="FourConn_2-3" presStyleLbl="fgAccFollowNode1" presStyleIdx="1" presStyleCnt="3">
+        <dgm:presLayoutVars>
+          <dgm:bulletEnabled val="1"/>
+        </dgm:presLayoutVars>
+      </dgm:prSet>
+      <dgm:spPr/>
+    </dgm:pt>
+    <dgm:pt modelId="{09D07063-49BD-47F2-A054-E2731A1637D6}" type="pres">
+      <dgm:prSet presAssocID="{83A1DB12-05CA-416C-8564-43039C54A3AE}" presName="FourConn_3-4" presStyleLbl="fgAccFollowNode1" presStyleIdx="2" presStyleCnt="3">
+        <dgm:presLayoutVars>
+          <dgm:bulletEnabled val="1"/>
+        </dgm:presLayoutVars>
+      </dgm:prSet>
+      <dgm:spPr/>
+    </dgm:pt>
+    <dgm:pt modelId="{B7A7D6A8-89BE-43C1-822B-CA9865F0E933}" type="pres">
+      <dgm:prSet presAssocID="{83A1DB12-05CA-416C-8564-43039C54A3AE}" presName="FourNodes_1_text" presStyleLbl="node1" presStyleIdx="3" presStyleCnt="4">
+        <dgm:presLayoutVars>
+          <dgm:bulletEnabled val="1"/>
+        </dgm:presLayoutVars>
+      </dgm:prSet>
+      <dgm:spPr/>
+    </dgm:pt>
+    <dgm:pt modelId="{78399C9A-A2E2-4701-A1B8-461E77E272D6}" type="pres">
+      <dgm:prSet presAssocID="{83A1DB12-05CA-416C-8564-43039C54A3AE}" presName="FourNodes_2_text" presStyleLbl="node1" presStyleIdx="3" presStyleCnt="4">
+        <dgm:presLayoutVars>
+          <dgm:bulletEnabled val="1"/>
+        </dgm:presLayoutVars>
+      </dgm:prSet>
+      <dgm:spPr/>
+    </dgm:pt>
+    <dgm:pt modelId="{36CAE754-6CBA-48BE-AC53-08A180672608}" type="pres">
+      <dgm:prSet presAssocID="{83A1DB12-05CA-416C-8564-43039C54A3AE}" presName="FourNodes_3_text" presStyleLbl="node1" presStyleIdx="3" presStyleCnt="4">
+        <dgm:presLayoutVars>
+          <dgm:bulletEnabled val="1"/>
+        </dgm:presLayoutVars>
+      </dgm:prSet>
+      <dgm:spPr/>
+    </dgm:pt>
+    <dgm:pt modelId="{B0BE4370-C8D7-46AB-8F49-33698C822199}" type="pres">
+      <dgm:prSet presAssocID="{83A1DB12-05CA-416C-8564-43039C54A3AE}" presName="FourNodes_4_text" presStyleLbl="node1" presStyleIdx="3" presStyleCnt="4">
+        <dgm:presLayoutVars>
           <dgm:bulletEnabled val="1"/>
         </dgm:presLayoutVars>
       </dgm:prSet>
@@ -1376,28 +1427,40 @@
     </dgm:pt>
   </dgm:ptLst>
   <dgm:cxnLst>
-    <dgm:cxn modelId="{16E78B05-A42F-4A9E-B382-E9C38ED75742}" type="presOf" srcId="{3DDFE797-D85D-4F2D-AE7A-3C692B803B0E}" destId="{6FBDE440-1378-4AD1-8470-3609C580C7D4}" srcOrd="0" destOrd="0" presId="urn:microsoft.com/office/officeart/2005/8/layout/vList2"/>
+    <dgm:cxn modelId="{D2C40212-DC4B-4D17-BB48-5559904885C5}" type="presOf" srcId="{E2B026C2-A6DE-4AA4-B638-20AE24E6FA46}" destId="{B7A7D6A8-89BE-43C1-822B-CA9865F0E933}" srcOrd="1" destOrd="0" presId="urn:microsoft.com/office/officeart/2005/8/layout/vProcess5"/>
+    <dgm:cxn modelId="{223F8816-24EE-494F-A13C-E1201E286E3C}" type="presOf" srcId="{83A1DB12-05CA-416C-8564-43039C54A3AE}" destId="{35E7C1BC-3D17-45E2-A225-E3D4AA8DC769}" srcOrd="0" destOrd="0" presId="urn:microsoft.com/office/officeart/2005/8/layout/vProcess5"/>
+    <dgm:cxn modelId="{D2776319-649A-4750-B563-15614118A432}" type="presOf" srcId="{89CDB0AE-E020-4BB7-80FC-D11F0DD13044}" destId="{974C9B2F-8CE4-4286-9BC8-25216AA6FBD2}" srcOrd="0" destOrd="0" presId="urn:microsoft.com/office/officeart/2005/8/layout/vProcess5"/>
+    <dgm:cxn modelId="{4466B730-85BB-435E-8E16-3A9396605E83}" type="presOf" srcId="{B0CAB23E-75FC-498D-9FD3-67C5046D63E7}" destId="{7058F285-8002-4465-9E71-9F495C784C91}" srcOrd="0" destOrd="0" presId="urn:microsoft.com/office/officeart/2005/8/layout/vProcess5"/>
     <dgm:cxn modelId="{31EC835C-FBFA-40A9-99F7-5A4DBDC9D950}" srcId="{83A1DB12-05CA-416C-8564-43039C54A3AE}" destId="{E2B026C2-A6DE-4AA4-B638-20AE24E6FA46}" srcOrd="0" destOrd="0" parTransId="{B1A18598-573B-499E-BCDD-B1D7B05F41C6}" sibTransId="{66B3F912-9725-42C5-93D8-726E104B2BDF}"/>
-    <dgm:cxn modelId="{BC5EA244-EC4B-496A-8CBC-A03B9C220E03}" type="presOf" srcId="{E2B026C2-A6DE-4AA4-B638-20AE24E6FA46}" destId="{B4A937C5-4400-4202-BB87-C9677F29104F}" srcOrd="0" destOrd="0" presId="urn:microsoft.com/office/officeart/2005/8/layout/vList2"/>
-    <dgm:cxn modelId="{0995F375-CBBF-4803-8CAB-A0EDCF10F465}" type="presOf" srcId="{B0CAB23E-75FC-498D-9FD3-67C5046D63E7}" destId="{5D925B11-65FF-464C-8AF4-5E3562792F8F}" srcOrd="0" destOrd="0" presId="urn:microsoft.com/office/officeart/2005/8/layout/vList2"/>
-    <dgm:cxn modelId="{271F2557-DE8A-4B8C-8DB5-2BF8B4E026E8}" type="presOf" srcId="{41F02600-CEEC-4EFC-BD9E-D6309E692D90}" destId="{B1C199EE-336B-4D3D-8F04-62FFF6521632}" srcOrd="0" destOrd="0" presId="urn:microsoft.com/office/officeart/2005/8/layout/vList2"/>
     <dgm:cxn modelId="{715BBA7B-B07C-4B4D-9170-340E929D6227}" srcId="{83A1DB12-05CA-416C-8564-43039C54A3AE}" destId="{41F02600-CEEC-4EFC-BD9E-D6309E692D90}" srcOrd="1" destOrd="0" parTransId="{0E52AD0F-346A-4AB2-939A-D44A62490ABC}" sibTransId="{89CDB0AE-E020-4BB7-80FC-D11F0DD13044}"/>
+    <dgm:cxn modelId="{7C8BBD7D-4E09-4AA5-BEE6-251020B2D94A}" type="presOf" srcId="{3DDFE797-D85D-4F2D-AE7A-3C692B803B0E}" destId="{3EC47E6B-AB30-4D7A-8180-D5828D668C66}" srcOrd="0" destOrd="0" presId="urn:microsoft.com/office/officeart/2005/8/layout/vProcess5"/>
+    <dgm:cxn modelId="{D2CB9380-80BE-4897-B511-C6DF9A20EE7D}" type="presOf" srcId="{E2B026C2-A6DE-4AA4-B638-20AE24E6FA46}" destId="{450BEDB3-B6AC-4A2B-A478-7E6B44655F02}" srcOrd="0" destOrd="0" presId="urn:microsoft.com/office/officeart/2005/8/layout/vProcess5"/>
+    <dgm:cxn modelId="{D0990A96-8BFC-4E12-AB48-89306DA80935}" type="presOf" srcId="{41F02600-CEEC-4EFC-BD9E-D6309E692D90}" destId="{78399C9A-A2E2-4701-A1B8-461E77E272D6}" srcOrd="1" destOrd="0" presId="urn:microsoft.com/office/officeart/2005/8/layout/vProcess5"/>
+    <dgm:cxn modelId="{F0C77997-EA18-4A7D-A886-5B4B38D3F1DD}" type="presOf" srcId="{41F02600-CEEC-4EFC-BD9E-D6309E692D90}" destId="{B65142A8-87BF-4D55-A70C-38D5EC1F7AAF}" srcOrd="0" destOrd="0" presId="urn:microsoft.com/office/officeart/2005/8/layout/vProcess5"/>
+    <dgm:cxn modelId="{5DF038A7-C9E0-468D-8625-016586EEA279}" type="presOf" srcId="{66B3F912-9725-42C5-93D8-726E104B2BDF}" destId="{59F08D83-D108-4C75-B5BB-4FA4BC723340}" srcOrd="0" destOrd="0" presId="urn:microsoft.com/office/officeart/2005/8/layout/vProcess5"/>
     <dgm:cxn modelId="{5C8BB3A8-38F4-4C18-B626-868C734732C8}" srcId="{83A1DB12-05CA-416C-8564-43039C54A3AE}" destId="{B0CAB23E-75FC-498D-9FD3-67C5046D63E7}" srcOrd="2" destOrd="0" parTransId="{951B08BC-BFF3-462D-87BC-991EDC1CDE9C}" sibTransId="{45F977A9-5884-4497-A781-CE2AAB8C8B72}"/>
-    <dgm:cxn modelId="{D7E7A2D5-5521-4A10-B6EC-2AA6322D9B8C}" type="presOf" srcId="{83A1DB12-05CA-416C-8564-43039C54A3AE}" destId="{85B31F96-B206-432C-8DED-AB31E541C0F0}" srcOrd="0" destOrd="0" presId="urn:microsoft.com/office/officeart/2005/8/layout/vList2"/>
+    <dgm:cxn modelId="{0A7CE4C7-FA76-411F-B7DC-4577DB538CA1}" type="presOf" srcId="{45F977A9-5884-4497-A781-CE2AAB8C8B72}" destId="{09D07063-49BD-47F2-A054-E2731A1637D6}" srcOrd="0" destOrd="0" presId="urn:microsoft.com/office/officeart/2005/8/layout/vProcess5"/>
     <dgm:cxn modelId="{90D643DE-8C85-43CC-AEE8-28E5678681A4}" srcId="{83A1DB12-05CA-416C-8564-43039C54A3AE}" destId="{3DDFE797-D85D-4F2D-AE7A-3C692B803B0E}" srcOrd="3" destOrd="0" parTransId="{50EF7EC6-5F00-4FD3-A4A4-BA560C4EA1F5}" sibTransId="{67EF54F7-265E-48F6-9643-8F589AC2640A}"/>
-    <dgm:cxn modelId="{B369275B-60CF-4A3F-853F-DA6964F9B041}" type="presParOf" srcId="{85B31F96-B206-432C-8DED-AB31E541C0F0}" destId="{B4A937C5-4400-4202-BB87-C9677F29104F}" srcOrd="0" destOrd="0" presId="urn:microsoft.com/office/officeart/2005/8/layout/vList2"/>
-    <dgm:cxn modelId="{53A395C4-FBA3-49CB-ACAF-6BA195DE2C7A}" type="presParOf" srcId="{85B31F96-B206-432C-8DED-AB31E541C0F0}" destId="{0A03C885-7EB7-4284-B4F6-F148D06058F7}" srcOrd="1" destOrd="0" presId="urn:microsoft.com/office/officeart/2005/8/layout/vList2"/>
-    <dgm:cxn modelId="{FF7F3E56-9ADA-469F-A3B4-2B4DAD958BFC}" type="presParOf" srcId="{85B31F96-B206-432C-8DED-AB31E541C0F0}" destId="{B1C199EE-336B-4D3D-8F04-62FFF6521632}" srcOrd="2" destOrd="0" presId="urn:microsoft.com/office/officeart/2005/8/layout/vList2"/>
-    <dgm:cxn modelId="{FBD04494-84B2-46FC-B3E1-ED1DF46F076B}" type="presParOf" srcId="{85B31F96-B206-432C-8DED-AB31E541C0F0}" destId="{13BB5C00-2342-4874-B0BA-2DB0DEC56A4E}" srcOrd="3" destOrd="0" presId="urn:microsoft.com/office/officeart/2005/8/layout/vList2"/>
-    <dgm:cxn modelId="{ED8AB4E2-AB62-432E-B298-250A81523533}" type="presParOf" srcId="{85B31F96-B206-432C-8DED-AB31E541C0F0}" destId="{5D925B11-65FF-464C-8AF4-5E3562792F8F}" srcOrd="4" destOrd="0" presId="urn:microsoft.com/office/officeart/2005/8/layout/vList2"/>
-    <dgm:cxn modelId="{DB1AE991-DFBE-4872-94B6-AFF1F51118E1}" type="presParOf" srcId="{85B31F96-B206-432C-8DED-AB31E541C0F0}" destId="{1D3BAA01-EA1D-48B3-8B46-14C908494DB6}" srcOrd="5" destOrd="0" presId="urn:microsoft.com/office/officeart/2005/8/layout/vList2"/>
-    <dgm:cxn modelId="{27F1E414-1D2D-4D10-83E7-A84512AA0685}" type="presParOf" srcId="{85B31F96-B206-432C-8DED-AB31E541C0F0}" destId="{6FBDE440-1378-4AD1-8470-3609C580C7D4}" srcOrd="6" destOrd="0" presId="urn:microsoft.com/office/officeart/2005/8/layout/vList2"/>
+    <dgm:cxn modelId="{284B60EB-0249-4E26-8458-D747D8466115}" type="presOf" srcId="{B0CAB23E-75FC-498D-9FD3-67C5046D63E7}" destId="{36CAE754-6CBA-48BE-AC53-08A180672608}" srcOrd="1" destOrd="0" presId="urn:microsoft.com/office/officeart/2005/8/layout/vProcess5"/>
+    <dgm:cxn modelId="{35E237F6-D451-49AB-803E-253A007FCD7D}" type="presOf" srcId="{3DDFE797-D85D-4F2D-AE7A-3C692B803B0E}" destId="{B0BE4370-C8D7-46AB-8F49-33698C822199}" srcOrd="1" destOrd="0" presId="urn:microsoft.com/office/officeart/2005/8/layout/vProcess5"/>
+    <dgm:cxn modelId="{44CA8F98-2BEB-404C-8E5F-8A03344B0C0F}" type="presParOf" srcId="{35E7C1BC-3D17-45E2-A225-E3D4AA8DC769}" destId="{DEDCEA67-F2E5-4D44-9C6B-1045159948F6}" srcOrd="0" destOrd="0" presId="urn:microsoft.com/office/officeart/2005/8/layout/vProcess5"/>
+    <dgm:cxn modelId="{9775E545-D195-4615-9AFB-4C46B043ABDB}" type="presParOf" srcId="{35E7C1BC-3D17-45E2-A225-E3D4AA8DC769}" destId="{450BEDB3-B6AC-4A2B-A478-7E6B44655F02}" srcOrd="1" destOrd="0" presId="urn:microsoft.com/office/officeart/2005/8/layout/vProcess5"/>
+    <dgm:cxn modelId="{B28735CB-356A-4F29-A48F-46C1AF1E52CD}" type="presParOf" srcId="{35E7C1BC-3D17-45E2-A225-E3D4AA8DC769}" destId="{B65142A8-87BF-4D55-A70C-38D5EC1F7AAF}" srcOrd="2" destOrd="0" presId="urn:microsoft.com/office/officeart/2005/8/layout/vProcess5"/>
+    <dgm:cxn modelId="{770A1BBC-782A-4D36-A5F6-51E7CB5B4738}" type="presParOf" srcId="{35E7C1BC-3D17-45E2-A225-E3D4AA8DC769}" destId="{7058F285-8002-4465-9E71-9F495C784C91}" srcOrd="3" destOrd="0" presId="urn:microsoft.com/office/officeart/2005/8/layout/vProcess5"/>
+    <dgm:cxn modelId="{65A43188-AEC4-4E68-8A20-89825DA71355}" type="presParOf" srcId="{35E7C1BC-3D17-45E2-A225-E3D4AA8DC769}" destId="{3EC47E6B-AB30-4D7A-8180-D5828D668C66}" srcOrd="4" destOrd="0" presId="urn:microsoft.com/office/officeart/2005/8/layout/vProcess5"/>
+    <dgm:cxn modelId="{315F76B3-9646-426F-9B34-51ABF645B214}" type="presParOf" srcId="{35E7C1BC-3D17-45E2-A225-E3D4AA8DC769}" destId="{59F08D83-D108-4C75-B5BB-4FA4BC723340}" srcOrd="5" destOrd="0" presId="urn:microsoft.com/office/officeart/2005/8/layout/vProcess5"/>
+    <dgm:cxn modelId="{82675397-7FC8-4F0E-8251-F13F0120FE0D}" type="presParOf" srcId="{35E7C1BC-3D17-45E2-A225-E3D4AA8DC769}" destId="{974C9B2F-8CE4-4286-9BC8-25216AA6FBD2}" srcOrd="6" destOrd="0" presId="urn:microsoft.com/office/officeart/2005/8/layout/vProcess5"/>
+    <dgm:cxn modelId="{C0552E4E-5A22-4FAB-B362-D97958A859F5}" type="presParOf" srcId="{35E7C1BC-3D17-45E2-A225-E3D4AA8DC769}" destId="{09D07063-49BD-47F2-A054-E2731A1637D6}" srcOrd="7" destOrd="0" presId="urn:microsoft.com/office/officeart/2005/8/layout/vProcess5"/>
+    <dgm:cxn modelId="{94ED4933-8BE3-420F-A8AE-D756FB2566DB}" type="presParOf" srcId="{35E7C1BC-3D17-45E2-A225-E3D4AA8DC769}" destId="{B7A7D6A8-89BE-43C1-822B-CA9865F0E933}" srcOrd="8" destOrd="0" presId="urn:microsoft.com/office/officeart/2005/8/layout/vProcess5"/>
+    <dgm:cxn modelId="{BC214F0A-7BE9-4363-A826-2575411D7E66}" type="presParOf" srcId="{35E7C1BC-3D17-45E2-A225-E3D4AA8DC769}" destId="{78399C9A-A2E2-4701-A1B8-461E77E272D6}" srcOrd="9" destOrd="0" presId="urn:microsoft.com/office/officeart/2005/8/layout/vProcess5"/>
+    <dgm:cxn modelId="{55CC1E33-8028-402D-B310-7011299C24E7}" type="presParOf" srcId="{35E7C1BC-3D17-45E2-A225-E3D4AA8DC769}" destId="{36CAE754-6CBA-48BE-AC53-08A180672608}" srcOrd="10" destOrd="0" presId="urn:microsoft.com/office/officeart/2005/8/layout/vProcess5"/>
+    <dgm:cxn modelId="{06476616-9783-4978-BFA4-EE65B81165D7}" type="presParOf" srcId="{35E7C1BC-3D17-45E2-A225-E3D4AA8DC769}" destId="{B0BE4370-C8D7-46AB-8F49-33698C822199}" srcOrd="11" destOrd="0" presId="urn:microsoft.com/office/officeart/2005/8/layout/vProcess5"/>
   </dgm:cxnLst>
   <dgm:bg/>
   <dgm:whole/>
   <dgm:extLst>
     <a:ext uri="http://schemas.microsoft.com/office/drawing/2008/diagram">
-      <dsp:dataModelExt xmlns:dsp="http://schemas.microsoft.com/office/drawing/2008/diagram" relId="rId7" minVer="http://schemas.openxmlformats.org/drawingml/2006/diagram"/>
+      <dsp:dataModelExt xmlns:dsp="http://schemas.microsoft.com/office/drawing/2008/diagram" relId="rId8" minVer="http://schemas.openxmlformats.org/drawingml/2006/diagram"/>
     </a:ext>
   </dgm:extLst>
 </dgm:dataModel>
@@ -1411,23 +1474,25 @@
       <dsp:cNvGrpSpPr/>
     </dsp:nvGrpSpPr>
     <dsp:grpSpPr/>
-    <dsp:sp modelId="{B4A937C5-4400-4202-BB87-C9677F29104F}">
+    <dsp:sp modelId="{450BEDB3-B6AC-4A2B-A478-7E6B44655F02}">
       <dsp:nvSpPr>
         <dsp:cNvPr id="0" name=""/>
         <dsp:cNvSpPr/>
       </dsp:nvSpPr>
       <dsp:spPr>
         <a:xfrm>
-          <a:off x="0" y="4750"/>
-          <a:ext cx="6545199" cy="1103310"/>
+          <a:off x="0" y="0"/>
+          <a:ext cx="5274460" cy="873891"/>
         </a:xfrm>
         <a:prstGeom prst="roundRect">
-          <a:avLst/>
+          <a:avLst>
+            <a:gd name="adj" fmla="val 10000"/>
+          </a:avLst>
         </a:prstGeom>
         <a:gradFill rotWithShape="0">
           <a:gsLst>
             <a:gs pos="0">
-              <a:schemeClr val="accent2">
+              <a:schemeClr val="accent5">
                 <a:hueOff val="0"/>
                 <a:satOff val="0"/>
                 <a:lumOff val="0"/>
@@ -1437,7 +1502,7 @@
               </a:schemeClr>
             </a:gs>
             <a:gs pos="100000">
-              <a:schemeClr val="accent2">
+              <a:schemeClr val="accent5">
                 <a:hueOff val="0"/>
                 <a:satOff val="0"/>
                 <a:lumOff val="0"/>
@@ -1475,12 +1540,12 @@
         </a:fontRef>
       </dsp:style>
       <dsp:txBody>
-        <a:bodyPr spcFirstLastPara="0" vert="horz" wrap="square" lIns="175260" tIns="175260" rIns="175260" bIns="175260" numCol="1" spcCol="1270" anchor="ctr" anchorCtr="0">
+        <a:bodyPr spcFirstLastPara="0" vert="horz" wrap="square" lIns="137160" tIns="137160" rIns="137160" bIns="137160" numCol="1" spcCol="1270" anchor="ctr" anchorCtr="0">
           <a:noAutofit/>
         </a:bodyPr>
         <a:lstStyle/>
         <a:p>
-          <a:pPr marL="0" lvl="0" indent="0" algn="l" defTabSz="2044700">
+          <a:pPr marL="0" lvl="0" indent="0" algn="l" defTabSz="1600200">
             <a:lnSpc>
               <a:spcPct val="90000"/>
             </a:lnSpc>
@@ -1493,47 +1558,49 @@
             <a:buNone/>
           </a:pPr>
           <a:r>
-            <a:rPr lang="nl-BE" sz="4600" kern="1200"/>
-            <a:t>IT dat sporten helpt</a:t>
+            <a:rPr lang="nl-BE" sz="3600" kern="1200" dirty="0"/>
+            <a:t>IT in sportscholen</a:t>
           </a:r>
-          <a:endParaRPr lang="en-US" sz="4600" kern="1200"/>
+          <a:endParaRPr lang="en-US" sz="3600" kern="1200" dirty="0"/>
         </a:p>
       </dsp:txBody>
       <dsp:txXfrm>
-        <a:off x="53859" y="58609"/>
-        <a:ext cx="6437481" cy="995592"/>
+        <a:off x="25595" y="25595"/>
+        <a:ext cx="4257620" cy="822701"/>
       </dsp:txXfrm>
     </dsp:sp>
-    <dsp:sp modelId="{B1C199EE-336B-4D3D-8F04-62FFF6521632}">
+    <dsp:sp modelId="{B65142A8-87BF-4D55-A70C-38D5EC1F7AAF}">
       <dsp:nvSpPr>
         <dsp:cNvPr id="0" name=""/>
         <dsp:cNvSpPr/>
       </dsp:nvSpPr>
       <dsp:spPr>
         <a:xfrm>
-          <a:off x="0" y="1240540"/>
-          <a:ext cx="6545199" cy="1103310"/>
+          <a:off x="441736" y="1032780"/>
+          <a:ext cx="5274460" cy="873891"/>
         </a:xfrm>
         <a:prstGeom prst="roundRect">
-          <a:avLst/>
+          <a:avLst>
+            <a:gd name="adj" fmla="val 10000"/>
+          </a:avLst>
         </a:prstGeom>
         <a:gradFill rotWithShape="0">
           <a:gsLst>
             <a:gs pos="0">
-              <a:schemeClr val="accent2">
-                <a:hueOff val="-1036716"/>
-                <a:satOff val="-5484"/>
-                <a:lumOff val="-2091"/>
+              <a:schemeClr val="accent5">
+                <a:hueOff val="-668312"/>
+                <a:satOff val="367"/>
+                <a:lumOff val="1765"/>
                 <a:alphaOff val="0"/>
                 <a:tint val="98000"/>
                 <a:lumMod val="100000"/>
               </a:schemeClr>
             </a:gs>
             <a:gs pos="100000">
-              <a:schemeClr val="accent2">
-                <a:hueOff val="-1036716"/>
-                <a:satOff val="-5484"/>
-                <a:lumOff val="-2091"/>
+              <a:schemeClr val="accent5">
+                <a:hueOff val="-668312"/>
+                <a:satOff val="367"/>
+                <a:lumOff val="1765"/>
                 <a:alphaOff val="0"/>
                 <a:shade val="88000"/>
                 <a:lumMod val="88000"/>
@@ -1568,12 +1635,12 @@
         </a:fontRef>
       </dsp:style>
       <dsp:txBody>
-        <a:bodyPr spcFirstLastPara="0" vert="horz" wrap="square" lIns="175260" tIns="175260" rIns="175260" bIns="175260" numCol="1" spcCol="1270" anchor="ctr" anchorCtr="0">
+        <a:bodyPr spcFirstLastPara="0" vert="horz" wrap="square" lIns="137160" tIns="137160" rIns="137160" bIns="137160" numCol="1" spcCol="1270" anchor="ctr" anchorCtr="0">
           <a:noAutofit/>
         </a:bodyPr>
         <a:lstStyle/>
         <a:p>
-          <a:pPr marL="0" lvl="0" indent="0" algn="l" defTabSz="2044700">
+          <a:pPr marL="0" lvl="0" indent="0" algn="l" defTabSz="1600200">
             <a:lnSpc>
               <a:spcPct val="90000"/>
             </a:lnSpc>
@@ -1586,47 +1653,49 @@
             <a:buNone/>
           </a:pPr>
           <a:r>
-            <a:rPr lang="nl-BE" sz="4600" kern="1200"/>
+            <a:rPr lang="nl-BE" sz="3600" kern="1200" dirty="0"/>
             <a:t>Gezondheidstracking</a:t>
           </a:r>
-          <a:endParaRPr lang="en-US" sz="4600" kern="1200"/>
+          <a:endParaRPr lang="en-US" sz="3600" kern="1200" dirty="0"/>
         </a:p>
       </dsp:txBody>
       <dsp:txXfrm>
-        <a:off x="53859" y="1294399"/>
-        <a:ext cx="6437481" cy="995592"/>
+        <a:off x="467331" y="1058375"/>
+        <a:ext cx="4213504" cy="822701"/>
       </dsp:txXfrm>
     </dsp:sp>
-    <dsp:sp modelId="{5D925B11-65FF-464C-8AF4-5E3562792F8F}">
+    <dsp:sp modelId="{7058F285-8002-4465-9E71-9F495C784C91}">
       <dsp:nvSpPr>
         <dsp:cNvPr id="0" name=""/>
         <dsp:cNvSpPr/>
       </dsp:nvSpPr>
       <dsp:spPr>
         <a:xfrm>
-          <a:off x="0" y="2476331"/>
-          <a:ext cx="6545199" cy="1103310"/>
+          <a:off x="876878" y="2065560"/>
+          <a:ext cx="5274460" cy="873891"/>
         </a:xfrm>
         <a:prstGeom prst="roundRect">
-          <a:avLst/>
+          <a:avLst>
+            <a:gd name="adj" fmla="val 10000"/>
+          </a:avLst>
         </a:prstGeom>
         <a:gradFill rotWithShape="0">
           <a:gsLst>
             <a:gs pos="0">
-              <a:schemeClr val="accent2">
-                <a:hueOff val="-2073432"/>
-                <a:satOff val="-10969"/>
-                <a:lumOff val="-4183"/>
+              <a:schemeClr val="accent5">
+                <a:hueOff val="-1336625"/>
+                <a:satOff val="735"/>
+                <a:lumOff val="3529"/>
                 <a:alphaOff val="0"/>
                 <a:tint val="98000"/>
                 <a:lumMod val="100000"/>
               </a:schemeClr>
             </a:gs>
             <a:gs pos="100000">
-              <a:schemeClr val="accent2">
-                <a:hueOff val="-2073432"/>
-                <a:satOff val="-10969"/>
-                <a:lumOff val="-4183"/>
+              <a:schemeClr val="accent5">
+                <a:hueOff val="-1336625"/>
+                <a:satOff val="735"/>
+                <a:lumOff val="3529"/>
                 <a:alphaOff val="0"/>
                 <a:shade val="88000"/>
                 <a:lumMod val="88000"/>
@@ -1661,12 +1730,12 @@
         </a:fontRef>
       </dsp:style>
       <dsp:txBody>
-        <a:bodyPr spcFirstLastPara="0" vert="horz" wrap="square" lIns="175260" tIns="175260" rIns="175260" bIns="175260" numCol="1" spcCol="1270" anchor="ctr" anchorCtr="0">
+        <a:bodyPr spcFirstLastPara="0" vert="horz" wrap="square" lIns="137160" tIns="137160" rIns="137160" bIns="137160" numCol="1" spcCol="1270" anchor="ctr" anchorCtr="0">
           <a:noAutofit/>
         </a:bodyPr>
         <a:lstStyle/>
         <a:p>
-          <a:pPr marL="0" lvl="0" indent="0" algn="l" defTabSz="2044700">
+          <a:pPr marL="0" lvl="0" indent="0" algn="l" defTabSz="1600200">
             <a:lnSpc>
               <a:spcPct val="90000"/>
             </a:lnSpc>
@@ -1679,47 +1748,49 @@
             <a:buNone/>
           </a:pPr>
           <a:r>
-            <a:rPr lang="nl-BE" sz="4600" kern="1200"/>
-            <a:t>IT in sportclubs</a:t>
+            <a:rPr lang="nl-BE" sz="3600" kern="1200" dirty="0"/>
+            <a:t>IT binnen sportclubs</a:t>
           </a:r>
-          <a:endParaRPr lang="en-US" sz="4600" kern="1200"/>
+          <a:endParaRPr lang="en-US" sz="3600" kern="1200" dirty="0"/>
         </a:p>
       </dsp:txBody>
       <dsp:txXfrm>
-        <a:off x="53859" y="2530190"/>
-        <a:ext cx="6437481" cy="995592"/>
+        <a:off x="902473" y="2091155"/>
+        <a:ext cx="4220097" cy="822701"/>
       </dsp:txXfrm>
     </dsp:sp>
-    <dsp:sp modelId="{6FBDE440-1378-4AD1-8470-3609C580C7D4}">
+    <dsp:sp modelId="{3EC47E6B-AB30-4D7A-8180-D5828D668C66}">
       <dsp:nvSpPr>
         <dsp:cNvPr id="0" name=""/>
         <dsp:cNvSpPr/>
       </dsp:nvSpPr>
       <dsp:spPr>
         <a:xfrm>
-          <a:off x="0" y="3712121"/>
-          <a:ext cx="6545199" cy="1103310"/>
+          <a:off x="1318614" y="3098340"/>
+          <a:ext cx="5274460" cy="873891"/>
         </a:xfrm>
         <a:prstGeom prst="roundRect">
-          <a:avLst/>
+          <a:avLst>
+            <a:gd name="adj" fmla="val 10000"/>
+          </a:avLst>
         </a:prstGeom>
         <a:gradFill rotWithShape="0">
           <a:gsLst>
             <a:gs pos="0">
-              <a:schemeClr val="accent2">
-                <a:hueOff val="-3110148"/>
-                <a:satOff val="-16453"/>
-                <a:lumOff val="-6274"/>
+              <a:schemeClr val="accent5">
+                <a:hueOff val="-2004937"/>
+                <a:satOff val="1102"/>
+                <a:lumOff val="5294"/>
                 <a:alphaOff val="0"/>
                 <a:tint val="98000"/>
                 <a:lumMod val="100000"/>
               </a:schemeClr>
             </a:gs>
             <a:gs pos="100000">
-              <a:schemeClr val="accent2">
-                <a:hueOff val="-3110148"/>
-                <a:satOff val="-16453"/>
-                <a:lumOff val="-6274"/>
+              <a:schemeClr val="accent5">
+                <a:hueOff val="-2004937"/>
+                <a:satOff val="1102"/>
+                <a:lumOff val="5294"/>
                 <a:alphaOff val="0"/>
                 <a:shade val="88000"/>
                 <a:lumMod val="88000"/>
@@ -1754,12 +1825,12 @@
         </a:fontRef>
       </dsp:style>
       <dsp:txBody>
-        <a:bodyPr spcFirstLastPara="0" vert="horz" wrap="square" lIns="175260" tIns="175260" rIns="175260" bIns="175260" numCol="1" spcCol="1270" anchor="ctr" anchorCtr="0">
+        <a:bodyPr spcFirstLastPara="0" vert="horz" wrap="square" lIns="137160" tIns="137160" rIns="137160" bIns="137160" numCol="1" spcCol="1270" anchor="ctr" anchorCtr="0">
           <a:noAutofit/>
         </a:bodyPr>
         <a:lstStyle/>
         <a:p>
-          <a:pPr marL="0" lvl="0" indent="0" algn="l" defTabSz="2044700">
+          <a:pPr marL="0" lvl="0" indent="0" algn="l" defTabSz="1600200">
             <a:lnSpc>
               <a:spcPct val="90000"/>
             </a:lnSpc>
@@ -1772,15 +1843,252 @@
             <a:buNone/>
           </a:pPr>
           <a:r>
-            <a:rPr lang="nl-BE" sz="4600" kern="1200"/>
+            <a:rPr lang="nl-BE" sz="3600" kern="1200" dirty="0"/>
             <a:t>Conclusie</a:t>
           </a:r>
-          <a:endParaRPr lang="en-US" sz="4600" kern="1200"/>
+          <a:endParaRPr lang="en-US" sz="3600" kern="1200" dirty="0"/>
         </a:p>
       </dsp:txBody>
       <dsp:txXfrm>
-        <a:off x="53859" y="3765980"/>
-        <a:ext cx="6437481" cy="995592"/>
+        <a:off x="1344209" y="3123935"/>
+        <a:ext cx="4213504" cy="822701"/>
+      </dsp:txXfrm>
+    </dsp:sp>
+    <dsp:sp modelId="{59F08D83-D108-4C75-B5BB-4FA4BC723340}">
+      <dsp:nvSpPr>
+        <dsp:cNvPr id="0" name=""/>
+        <dsp:cNvSpPr/>
+      </dsp:nvSpPr>
+      <dsp:spPr>
+        <a:xfrm>
+          <a:off x="4706430" y="669321"/>
+          <a:ext cx="568029" cy="568029"/>
+        </a:xfrm>
+        <a:prstGeom prst="downArrow">
+          <a:avLst>
+            <a:gd name="adj1" fmla="val 55000"/>
+            <a:gd name="adj2" fmla="val 45000"/>
+          </a:avLst>
+        </a:prstGeom>
+        <a:solidFill>
+          <a:schemeClr val="accent5">
+            <a:tint val="40000"/>
+            <a:alpha val="90000"/>
+            <a:hueOff val="0"/>
+            <a:satOff val="0"/>
+            <a:lumOff val="0"/>
+            <a:alphaOff val="0"/>
+          </a:schemeClr>
+        </a:solidFill>
+        <a:ln w="9525" cap="rnd" cmpd="sng" algn="ctr">
+          <a:solidFill>
+            <a:schemeClr val="accent5">
+              <a:tint val="40000"/>
+              <a:alpha val="90000"/>
+              <a:hueOff val="0"/>
+              <a:satOff val="0"/>
+              <a:lumOff val="0"/>
+              <a:alphaOff val="0"/>
+            </a:schemeClr>
+          </a:solidFill>
+          <a:prstDash val="solid"/>
+        </a:ln>
+        <a:effectLst/>
+      </dsp:spPr>
+      <dsp:style>
+        <a:lnRef idx="1">
+          <a:scrgbClr r="0" g="0" b="0"/>
+        </a:lnRef>
+        <a:fillRef idx="1">
+          <a:scrgbClr r="0" g="0" b="0"/>
+        </a:fillRef>
+        <a:effectRef idx="0">
+          <a:scrgbClr r="0" g="0" b="0"/>
+        </a:effectRef>
+        <a:fontRef idx="minor"/>
+      </dsp:style>
+      <dsp:txBody>
+        <a:bodyPr spcFirstLastPara="0" vert="horz" wrap="square" lIns="31750" tIns="31750" rIns="31750" bIns="31750" numCol="1" spcCol="1270" anchor="ctr" anchorCtr="0">
+          <a:noAutofit/>
+        </a:bodyPr>
+        <a:lstStyle/>
+        <a:p>
+          <a:pPr marL="0" lvl="0" indent="0" algn="ctr" defTabSz="1111250">
+            <a:lnSpc>
+              <a:spcPct val="90000"/>
+            </a:lnSpc>
+            <a:spcBef>
+              <a:spcPct val="0"/>
+            </a:spcBef>
+            <a:spcAft>
+              <a:spcPct val="35000"/>
+            </a:spcAft>
+            <a:buNone/>
+          </a:pPr>
+          <a:endParaRPr lang="en-US" sz="2500" kern="1200"/>
+        </a:p>
+      </dsp:txBody>
+      <dsp:txXfrm>
+        <a:off x="4834237" y="669321"/>
+        <a:ext cx="312415" cy="427442"/>
+      </dsp:txXfrm>
+    </dsp:sp>
+    <dsp:sp modelId="{974C9B2F-8CE4-4286-9BC8-25216AA6FBD2}">
+      <dsp:nvSpPr>
+        <dsp:cNvPr id="0" name=""/>
+        <dsp:cNvSpPr/>
+      </dsp:nvSpPr>
+      <dsp:spPr>
+        <a:xfrm>
+          <a:off x="5148166" y="1702101"/>
+          <a:ext cx="568029" cy="568029"/>
+        </a:xfrm>
+        <a:prstGeom prst="downArrow">
+          <a:avLst>
+            <a:gd name="adj1" fmla="val 55000"/>
+            <a:gd name="adj2" fmla="val 45000"/>
+          </a:avLst>
+        </a:prstGeom>
+        <a:solidFill>
+          <a:schemeClr val="accent5">
+            <a:tint val="40000"/>
+            <a:alpha val="90000"/>
+            <a:hueOff val="-783884"/>
+            <a:satOff val="1750"/>
+            <a:lumOff val="363"/>
+            <a:alphaOff val="0"/>
+          </a:schemeClr>
+        </a:solidFill>
+        <a:ln w="9525" cap="rnd" cmpd="sng" algn="ctr">
+          <a:solidFill>
+            <a:schemeClr val="accent5">
+              <a:tint val="40000"/>
+              <a:alpha val="90000"/>
+              <a:hueOff val="0"/>
+              <a:satOff val="0"/>
+              <a:lumOff val="0"/>
+              <a:alphaOff val="0"/>
+            </a:schemeClr>
+          </a:solidFill>
+          <a:prstDash val="solid"/>
+        </a:ln>
+        <a:effectLst/>
+      </dsp:spPr>
+      <dsp:style>
+        <a:lnRef idx="1">
+          <a:scrgbClr r="0" g="0" b="0"/>
+        </a:lnRef>
+        <a:fillRef idx="1">
+          <a:scrgbClr r="0" g="0" b="0"/>
+        </a:fillRef>
+        <a:effectRef idx="0">
+          <a:scrgbClr r="0" g="0" b="0"/>
+        </a:effectRef>
+        <a:fontRef idx="minor"/>
+      </dsp:style>
+      <dsp:txBody>
+        <a:bodyPr spcFirstLastPara="0" vert="horz" wrap="square" lIns="31750" tIns="31750" rIns="31750" bIns="31750" numCol="1" spcCol="1270" anchor="ctr" anchorCtr="0">
+          <a:noAutofit/>
+        </a:bodyPr>
+        <a:lstStyle/>
+        <a:p>
+          <a:pPr marL="0" lvl="0" indent="0" algn="ctr" defTabSz="1111250">
+            <a:lnSpc>
+              <a:spcPct val="90000"/>
+            </a:lnSpc>
+            <a:spcBef>
+              <a:spcPct val="0"/>
+            </a:spcBef>
+            <a:spcAft>
+              <a:spcPct val="35000"/>
+            </a:spcAft>
+            <a:buNone/>
+          </a:pPr>
+          <a:endParaRPr lang="en-US" sz="2500" kern="1200"/>
+        </a:p>
+      </dsp:txBody>
+      <dsp:txXfrm>
+        <a:off x="5275973" y="1702101"/>
+        <a:ext cx="312415" cy="427442"/>
+      </dsp:txXfrm>
+    </dsp:sp>
+    <dsp:sp modelId="{09D07063-49BD-47F2-A054-E2731A1637D6}">
+      <dsp:nvSpPr>
+        <dsp:cNvPr id="0" name=""/>
+        <dsp:cNvSpPr/>
+      </dsp:nvSpPr>
+      <dsp:spPr>
+        <a:xfrm>
+          <a:off x="5583309" y="2734881"/>
+          <a:ext cx="568029" cy="568029"/>
+        </a:xfrm>
+        <a:prstGeom prst="downArrow">
+          <a:avLst>
+            <a:gd name="adj1" fmla="val 55000"/>
+            <a:gd name="adj2" fmla="val 45000"/>
+          </a:avLst>
+        </a:prstGeom>
+        <a:solidFill>
+          <a:schemeClr val="accent5">
+            <a:tint val="40000"/>
+            <a:alpha val="90000"/>
+            <a:hueOff val="-1567769"/>
+            <a:satOff val="3499"/>
+            <a:lumOff val="727"/>
+            <a:alphaOff val="0"/>
+          </a:schemeClr>
+        </a:solidFill>
+        <a:ln w="9525" cap="rnd" cmpd="sng" algn="ctr">
+          <a:solidFill>
+            <a:schemeClr val="accent5">
+              <a:tint val="40000"/>
+              <a:alpha val="90000"/>
+              <a:hueOff val="0"/>
+              <a:satOff val="0"/>
+              <a:lumOff val="0"/>
+              <a:alphaOff val="0"/>
+            </a:schemeClr>
+          </a:solidFill>
+          <a:prstDash val="solid"/>
+        </a:ln>
+        <a:effectLst/>
+      </dsp:spPr>
+      <dsp:style>
+        <a:lnRef idx="1">
+          <a:scrgbClr r="0" g="0" b="0"/>
+        </a:lnRef>
+        <a:fillRef idx="1">
+          <a:scrgbClr r="0" g="0" b="0"/>
+        </a:fillRef>
+        <a:effectRef idx="0">
+          <a:scrgbClr r="0" g="0" b="0"/>
+        </a:effectRef>
+        <a:fontRef idx="minor"/>
+      </dsp:style>
+      <dsp:txBody>
+        <a:bodyPr spcFirstLastPara="0" vert="horz" wrap="square" lIns="31750" tIns="31750" rIns="31750" bIns="31750" numCol="1" spcCol="1270" anchor="ctr" anchorCtr="0">
+          <a:noAutofit/>
+        </a:bodyPr>
+        <a:lstStyle/>
+        <a:p>
+          <a:pPr marL="0" lvl="0" indent="0" algn="ctr" defTabSz="1111250">
+            <a:lnSpc>
+              <a:spcPct val="90000"/>
+            </a:lnSpc>
+            <a:spcBef>
+              <a:spcPct val="0"/>
+            </a:spcBef>
+            <a:spcAft>
+              <a:spcPct val="35000"/>
+            </a:spcAft>
+            <a:buNone/>
+          </a:pPr>
+          <a:endParaRPr lang="en-US" sz="2500" kern="1200"/>
+        </a:p>
+      </dsp:txBody>
+      <dsp:txXfrm>
+        <a:off x="5711116" y="2734881"/>
+        <a:ext cx="312415" cy="427442"/>
       </dsp:txXfrm>
     </dsp:sp>
   </dsp:spTree>
@@ -1788,12 +2096,11 @@
 </file>
 
 <file path=ppt/diagrams/layout1.xml><?xml version="1.0" encoding="utf-8"?>
-<dgm:layoutDef xmlns:dgm="http://schemas.openxmlformats.org/drawingml/2006/diagram" xmlns:a="http://schemas.openxmlformats.org/drawingml/2006/main" uniqueId="urn:microsoft.com/office/officeart/2005/8/layout/vList2">
+<dgm:layoutDef xmlns:dgm="http://schemas.openxmlformats.org/drawingml/2006/diagram" xmlns:a="http://schemas.openxmlformats.org/drawingml/2006/main" uniqueId="urn:microsoft.com/office/officeart/2005/8/layout/vProcess5">
   <dgm:title val=""/>
   <dgm:desc val=""/>
   <dgm:catLst>
-    <dgm:cat type="list" pri="3000"/>
-    <dgm:cat type="convert" pri="1000"/>
+    <dgm:cat type="process" pri="14000"/>
   </dgm:catLst>
   <dgm:sampData>
     <dgm:dataModel>
@@ -1802,21 +2109,17 @@
         <dgm:pt modelId="1">
           <dgm:prSet phldr="1"/>
         </dgm:pt>
-        <dgm:pt modelId="11">
-          <dgm:prSet phldr="1"/>
-        </dgm:pt>
         <dgm:pt modelId="2">
           <dgm:prSet phldr="1"/>
         </dgm:pt>
-        <dgm:pt modelId="21">
+        <dgm:pt modelId="3">
           <dgm:prSet phldr="1"/>
         </dgm:pt>
       </dgm:ptLst>
       <dgm:cxnLst>
-        <dgm:cxn modelId="4" srcId="0" destId="1" srcOrd="0" destOrd="0"/>
-        <dgm:cxn modelId="5" srcId="0" destId="2" srcOrd="1" destOrd="0"/>
-        <dgm:cxn modelId="12" srcId="1" destId="11" srcOrd="0" destOrd="0"/>
-        <dgm:cxn modelId="23" srcId="2" destId="21" srcOrd="0" destOrd="0"/>
+        <dgm:cxn modelId="5" srcId="0" destId="1" srcOrd="0" destOrd="0"/>
+        <dgm:cxn modelId="6" srcId="0" destId="2" srcOrd="1" destOrd="0"/>
+        <dgm:cxn modelId="7" srcId="0" destId="3" srcOrd="2" destOrd="0"/>
       </dgm:cxnLst>
       <dgm:bg/>
       <dgm:whole/>
@@ -1847,109 +2150,1173 @@
         <dgm:pt modelId="4"/>
       </dgm:ptLst>
       <dgm:cxnLst>
-        <dgm:cxn modelId="5" srcId="0" destId="1" srcOrd="0" destOrd="0"/>
-        <dgm:cxn modelId="6" srcId="0" destId="2" srcOrd="1" destOrd="0"/>
-        <dgm:cxn modelId="7" srcId="0" destId="3" srcOrd="2" destOrd="0"/>
-        <dgm:cxn modelId="8" srcId="0" destId="4" srcOrd="3" destOrd="0"/>
+        <dgm:cxn modelId="6" srcId="0" destId="1" srcOrd="0" destOrd="0"/>
+        <dgm:cxn modelId="7" srcId="0" destId="2" srcOrd="1" destOrd="0"/>
+        <dgm:cxn modelId="8" srcId="0" destId="3" srcOrd="2" destOrd="0"/>
+        <dgm:cxn modelId="9" srcId="0" destId="4" srcOrd="3" destOrd="0"/>
       </dgm:cxnLst>
       <dgm:bg/>
       <dgm:whole/>
     </dgm:dataModel>
   </dgm:clrData>
-  <dgm:layoutNode name="linear">
+  <dgm:layoutNode name="outerComposite">
     <dgm:varLst>
-      <dgm:animLvl val="lvl"/>
+      <dgm:chMax val="5"/>
+      <dgm:dir/>
       <dgm:resizeHandles val="exact"/>
     </dgm:varLst>
-    <dgm:alg type="lin">
-      <dgm:param type="linDir" val="fromT"/>
-      <dgm:param type="vertAlign" val="mid"/>
-    </dgm:alg>
+    <dgm:alg type="composite"/>
     <dgm:shape xmlns:r="http://schemas.openxmlformats.org/officeDocument/2006/relationships" r:blip="">
       <dgm:adjLst/>
     </dgm:shape>
     <dgm:presOf/>
-    <dgm:constrLst>
-      <dgm:constr type="w" for="ch" forName="parentText" refType="w"/>
-      <dgm:constr type="h" for="ch" forName="parentText" refType="primFontSz" refFor="ch" refForName="parentText" fact="0.52"/>
-      <dgm:constr type="w" for="ch" forName="childText" refType="w"/>
-      <dgm:constr type="h" for="ch" forName="childText" refType="primFontSz" refFor="ch" refForName="parentText" fact="0.46"/>
-      <dgm:constr type="h" for="ch" forName="parentText" op="equ"/>
-      <dgm:constr type="primFontSz" for="ch" forName="parentText" op="equ" val="65"/>
-      <dgm:constr type="primFontSz" for="ch" forName="childText" refType="primFontSz" refFor="ch" refForName="parentText" op="equ"/>
-      <dgm:constr type="h" for="ch" forName="spacer" refType="primFontSz" refFor="ch" refForName="parentText" fact="0.08"/>
-    </dgm:constrLst>
-    <dgm:ruleLst>
-      <dgm:rule type="primFontSz" for="ch" forName="parentText" val="5" fact="NaN" max="NaN"/>
-    </dgm:ruleLst>
-    <dgm:forEach name="Name0" axis="ch" ptType="node">
-      <dgm:layoutNode name="parentText" styleLbl="node1">
-        <dgm:varLst>
-          <dgm:chMax val="0"/>
-          <dgm:bulletEnabled val="1"/>
-        </dgm:varLst>
-        <dgm:alg type="tx">
-          <dgm:param type="parTxLTRAlign" val="l"/>
-          <dgm:param type="parTxRTLAlign" val="r"/>
-        </dgm:alg>
-        <dgm:shape xmlns:r="http://schemas.openxmlformats.org/officeDocument/2006/relationships" type="roundRect" r:blip="">
-          <dgm:adjLst/>
-        </dgm:shape>
-        <dgm:presOf axis="self"/>
+    <dgm:choose name="Name0">
+      <dgm:if name="Name1" func="var" arg="dir" op="equ" val="norm">
         <dgm:constrLst>
-          <dgm:constr type="tMarg" refType="primFontSz" fact="0.3"/>
-          <dgm:constr type="bMarg" refType="primFontSz" fact="0.3"/>
-          <dgm:constr type="lMarg" refType="primFontSz" fact="0.3"/>
-          <dgm:constr type="rMarg" refType="primFontSz" fact="0.3"/>
+          <dgm:constr type="primFontSz" for="ch" ptType="node" op="equ" val="65"/>
+          <dgm:constr type="w" for="ch" forName="dummyMaxCanvas" refType="w"/>
+          <dgm:constr type="h" for="ch" forName="dummyMaxCanvas" refType="h"/>
+          <dgm:constr type="w" for="ch" forName="OneNode_1" refType="w"/>
+          <dgm:constr type="h" for="ch" forName="OneNode_1" refType="h" fact="0.5"/>
+          <dgm:constr type="ctrY" for="ch" forName="OneNode_1" refType="h" fact="0.5"/>
+          <dgm:constr type="w" for="ch" forName="TwoNodes_1" refType="w" fact="0.85"/>
+          <dgm:constr type="h" for="ch" forName="TwoNodes_1" refType="h" fact="0.45"/>
+          <dgm:constr type="t" for="ch" forName="TwoNodes_1"/>
+          <dgm:constr type="l" for="ch" forName="TwoNodes_1"/>
+          <dgm:constr type="w" for="ch" forName="TwoNodes_2" refType="w" fact="0.85"/>
+          <dgm:constr type="h" for="ch" forName="TwoNodes_2" refType="h" fact="0.45"/>
+          <dgm:constr type="b" for="ch" forName="TwoNodes_2" refType="h"/>
+          <dgm:constr type="r" for="ch" forName="TwoNodes_2" refType="w"/>
+          <dgm:constr type="w" for="ch" forName="TwoConn_1-2" refType="h" refFor="ch" refForName="TwoNodes_1" fact="0.65"/>
+          <dgm:constr type="h" for="ch" forName="TwoConn_1-2" refType="h" refFor="ch" refForName="TwoNodes_1" fact="0.65"/>
+          <dgm:constr type="ctrY" for="ch" forName="TwoConn_1-2" refType="h" fact="0.5"/>
+          <dgm:constr type="r" for="ch" forName="TwoConn_1-2" refType="r" refFor="ch" refForName="TwoNodes_1"/>
+          <dgm:constr type="r" for="ch" forName="TwoNodes_1_text" refType="l" refFor="ch" refForName="TwoConn_1-2"/>
+          <dgm:constr type="rOff" for="ch" forName="TwoNodes_1_text" refType="w" refFor="ch" refForName="TwoConn_1-2" fact="-0.5"/>
+          <dgm:constr type="t" for="ch" forName="TwoNodes_1_text" refType="t" refFor="ch" refForName="TwoNodes_1"/>
+          <dgm:constr type="b" for="ch" forName="TwoNodes_1_text" refType="b" refFor="ch" refForName="TwoNodes_1"/>
+          <dgm:constr type="l" for="ch" forName="TwoNodes_1_text" refType="l" refFor="ch" refForName="TwoNodes_1"/>
+          <dgm:constr type="r" for="ch" forName="TwoNodes_2_text" refType="l" refFor="ch" refForName="TwoConn_1-2"/>
+          <dgm:constr type="t" for="ch" forName="TwoNodes_2_text" refType="t" refFor="ch" refForName="TwoNodes_2"/>
+          <dgm:constr type="b" for="ch" forName="TwoNodes_2_text" refType="b" refFor="ch" refForName="TwoNodes_2"/>
+          <dgm:constr type="l" for="ch" forName="TwoNodes_2_text" refType="l" refFor="ch" refForName="TwoNodes_2"/>
+          <dgm:constr type="w" for="ch" forName="ThreeNodes_1" refType="w" fact="0.85"/>
+          <dgm:constr type="h" for="ch" forName="ThreeNodes_1" refType="h" fact="0.3"/>
+          <dgm:constr type="t" for="ch" forName="ThreeNodes_1"/>
+          <dgm:constr type="l" for="ch" forName="ThreeNodes_1"/>
+          <dgm:constr type="w" for="ch" forName="ThreeNodes_2" refType="w" fact="0.85"/>
+          <dgm:constr type="h" for="ch" forName="ThreeNodes_2" refType="h" fact="0.3"/>
+          <dgm:constr type="ctrY" for="ch" forName="ThreeNodes_2" refType="h" fact="0.5"/>
+          <dgm:constr type="ctrX" for="ch" forName="ThreeNodes_2" refType="w" fact="0.5"/>
+          <dgm:constr type="w" for="ch" forName="ThreeNodes_3" refType="w" fact="0.85"/>
+          <dgm:constr type="h" for="ch" forName="ThreeNodes_3" refType="h" fact="0.3"/>
+          <dgm:constr type="b" for="ch" forName="ThreeNodes_3" refType="h"/>
+          <dgm:constr type="r" for="ch" forName="ThreeNodes_3" refType="w"/>
+          <dgm:constr type="w" for="ch" forName="ThreeConn_1-2" refType="h" refFor="ch" refForName="ThreeNodes_1" fact="0.65"/>
+          <dgm:constr type="h" for="ch" forName="ThreeConn_1-2" refType="h" refFor="ch" refForName="ThreeNodes_1" fact="0.65"/>
+          <dgm:constr type="ctrY" for="ch" forName="ThreeConn_1-2" refType="h" fact="0.325"/>
+          <dgm:constr type="r" for="ch" forName="ThreeConn_1-2" refType="r" refFor="ch" refForName="ThreeNodes_1"/>
+          <dgm:constr type="w" for="ch" forName="ThreeConn_2-3" refType="h" refFor="ch" refForName="ThreeNodes_2" fact="0.65"/>
+          <dgm:constr type="h" for="ch" forName="ThreeConn_2-3" refType="h" refFor="ch" refForName="ThreeNodes_2" fact="0.65"/>
+          <dgm:constr type="ctrY" for="ch" forName="ThreeConn_2-3" refType="h" fact="0.673"/>
+          <dgm:constr type="r" for="ch" forName="ThreeConn_2-3" refType="r" refFor="ch" refForName="ThreeNodes_2"/>
+          <dgm:constr type="r" for="ch" forName="ThreeNodes_1_text" refType="l" refFor="ch" refForName="ThreeConn_1-2"/>
+          <dgm:constr type="rOff" for="ch" forName="ThreeNodes_1_text" refType="w" refFor="ch" refForName="ThreeConn_1-2" fact="-0.57"/>
+          <dgm:constr type="t" for="ch" forName="ThreeNodes_1_text" refType="t" refFor="ch" refForName="ThreeNodes_1"/>
+          <dgm:constr type="b" for="ch" forName="ThreeNodes_1_text" refType="b" refFor="ch" refForName="ThreeNodes_1"/>
+          <dgm:constr type="l" for="ch" forName="ThreeNodes_1_text" refType="l" refFor="ch" refForName="ThreeNodes_1"/>
+          <dgm:constr type="r" for="ch" forName="ThreeNodes_2_text" refType="l" refFor="ch" refForName="ThreeConn_1-2"/>
+          <dgm:constr type="t" for="ch" forName="ThreeNodes_2_text" refType="t" refFor="ch" refForName="ThreeNodes_2"/>
+          <dgm:constr type="b" for="ch" forName="ThreeNodes_2_text" refType="b" refFor="ch" refForName="ThreeNodes_2"/>
+          <dgm:constr type="l" for="ch" forName="ThreeNodes_2_text" refType="l" refFor="ch" refForName="ThreeNodes_2"/>
+          <dgm:constr type="r" for="ch" forName="ThreeNodes_3_text" refType="l" refFor="ch" refForName="ThreeConn_2-3"/>
+          <dgm:constr type="t" for="ch" forName="ThreeNodes_3_text" refType="t" refFor="ch" refForName="ThreeNodes_3"/>
+          <dgm:constr type="b" for="ch" forName="ThreeNodes_3_text" refType="b" refFor="ch" refForName="ThreeNodes_3"/>
+          <dgm:constr type="l" for="ch" forName="ThreeNodes_3_text" refType="l" refFor="ch" refForName="ThreeNodes_3"/>
+          <dgm:constr type="w" for="ch" forName="FourNodes_1" refType="w" fact="0.8"/>
+          <dgm:constr type="h" for="ch" forName="FourNodes_1" refType="h" fact="0.22"/>
+          <dgm:constr type="t" for="ch" forName="FourNodes_1"/>
+          <dgm:constr type="l" for="ch" forName="FourNodes_1"/>
+          <dgm:constr type="w" for="ch" forName="FourNodes_2" refType="w" fact="0.8"/>
+          <dgm:constr type="h" for="ch" forName="FourNodes_2" refType="h" fact="0.22"/>
+          <dgm:constr type="ctrY" for="ch" forName="FourNodes_2" refType="h" fact="0.37"/>
+          <dgm:constr type="ctrX" for="ch" forName="FourNodes_2" refType="w" fact="0.467"/>
+          <dgm:constr type="w" for="ch" forName="FourNodes_3" refType="w" fact="0.8"/>
+          <dgm:constr type="h" for="ch" forName="FourNodes_3" refType="h" fact="0.22"/>
+          <dgm:constr type="ctrY" for="ch" forName="FourNodes_3" refType="h" fact="0.63"/>
+          <dgm:constr type="ctrX" for="ch" forName="FourNodes_3" refType="w" fact="0.533"/>
+          <dgm:constr type="w" for="ch" forName="FourNodes_4" refType="w" fact="0.8"/>
+          <dgm:constr type="h" for="ch" forName="FourNodes_4" refType="h" fact="0.22"/>
+          <dgm:constr type="b" for="ch" forName="FourNodes_4" refType="h"/>
+          <dgm:constr type="r" for="ch" forName="FourNodes_4" refType="w"/>
+          <dgm:constr type="w" for="ch" forName="FourConn_1-2" refType="h" refFor="ch" refForName="FourNodes_1" fact="0.65"/>
+          <dgm:constr type="h" for="ch" forName="FourConn_1-2" refType="h" refFor="ch" refForName="FourNodes_1" fact="0.65"/>
+          <dgm:constr type="ctrY" for="ch" forName="FourConn_1-2" refType="h" fact="0.24"/>
+          <dgm:constr type="r" for="ch" forName="FourConn_1-2" refType="r" refFor="ch" refForName="FourNodes_1"/>
+          <dgm:constr type="w" for="ch" forName="FourConn_2-3" refType="h" refFor="ch" refForName="FourNodes_2" fact="0.65"/>
+          <dgm:constr type="h" for="ch" forName="FourConn_2-3" refType="h" refFor="ch" refForName="FourNodes_2" fact="0.65"/>
+          <dgm:constr type="ctrY" for="ch" forName="FourConn_2-3" refType="h" fact="0.5"/>
+          <dgm:constr type="r" for="ch" forName="FourConn_2-3" refType="r" refFor="ch" refForName="FourNodes_2"/>
+          <dgm:constr type="w" for="ch" forName="FourConn_3-4" refType="h" refFor="ch" refForName="FourNodes_3" fact="0.65"/>
+          <dgm:constr type="h" for="ch" forName="FourConn_3-4" refType="h" refFor="ch" refForName="FourNodes_3" fact="0.65"/>
+          <dgm:constr type="ctrY" for="ch" forName="FourConn_3-4" refType="h" fact="0.76"/>
+          <dgm:constr type="r" for="ch" forName="FourConn_3-4" refType="r" refFor="ch" refForName="FourNodes_3"/>
+          <dgm:constr type="r" for="ch" forName="FourNodes_1_text" refType="l" refFor="ch" refForName="FourConn_1-2"/>
+          <dgm:constr type="rOff" for="ch" forName="FourNodes_1_text" refType="w" refFor="ch" refForName="FourConn_1-2" fact="-0.7"/>
+          <dgm:constr type="t" for="ch" forName="FourNodes_1_text" refType="t" refFor="ch" refForName="FourNodes_1"/>
+          <dgm:constr type="b" for="ch" forName="FourNodes_1_text" refType="b" refFor="ch" refForName="FourNodes_1"/>
+          <dgm:constr type="l" for="ch" forName="FourNodes_1_text" refType="l" refFor="ch" refForName="FourNodes_1"/>
+          <dgm:constr type="r" for="ch" forName="FourNodes_2_text" refType="l" refFor="ch" refForName="FourConn_1-2"/>
+          <dgm:constr type="t" for="ch" forName="FourNodes_2_text" refType="t" refFor="ch" refForName="FourNodes_2"/>
+          <dgm:constr type="b" for="ch" forName="FourNodes_2_text" refType="b" refFor="ch" refForName="FourNodes_2"/>
+          <dgm:constr type="l" for="ch" forName="FourNodes_2_text" refType="l" refFor="ch" refForName="FourNodes_2"/>
+          <dgm:constr type="r" for="ch" forName="FourNodes_3_text" refType="l" refFor="ch" refForName="FourConn_2-3"/>
+          <dgm:constr type="t" for="ch" forName="FourNodes_3_text" refType="t" refFor="ch" refForName="FourNodes_3"/>
+          <dgm:constr type="b" for="ch" forName="FourNodes_3_text" refType="b" refFor="ch" refForName="FourNodes_3"/>
+          <dgm:constr type="l" for="ch" forName="FourNodes_3_text" refType="l" refFor="ch" refForName="FourNodes_3"/>
+          <dgm:constr type="r" for="ch" forName="FourNodes_4_text" refType="l" refFor="ch" refForName="FourConn_3-4"/>
+          <dgm:constr type="t" for="ch" forName="FourNodes_4_text" refType="t" refFor="ch" refForName="FourNodes_4"/>
+          <dgm:constr type="b" for="ch" forName="FourNodes_4_text" refType="b" refFor="ch" refForName="FourNodes_4"/>
+          <dgm:constr type="l" for="ch" forName="FourNodes_4_text" refType="l" refFor="ch" refForName="FourNodes_4"/>
+          <dgm:constr type="w" for="ch" forName="FiveNodes_1" refType="w" fact="0.77"/>
+          <dgm:constr type="h" for="ch" forName="FiveNodes_1" refType="h" fact="0.18"/>
+          <dgm:constr type="t" for="ch" forName="FiveNodes_1"/>
+          <dgm:constr type="l" for="ch" forName="FiveNodes_1"/>
+          <dgm:constr type="w" for="ch" forName="FiveNodes_2" refType="w" fact="0.77"/>
+          <dgm:constr type="h" for="ch" forName="FiveNodes_2" refType="h" fact="0.18"/>
+          <dgm:constr type="ctrY" for="ch" forName="FiveNodes_2" refType="h" fact="0.295"/>
+          <dgm:constr type="ctrX" for="ch" forName="FiveNodes_2" refType="w" fact="0.4425"/>
+          <dgm:constr type="w" for="ch" forName="FiveNodes_3" refType="w" fact="0.77"/>
+          <dgm:constr type="h" for="ch" forName="FiveNodes_3" refType="h" fact="0.18"/>
+          <dgm:constr type="ctrY" for="ch" forName="FiveNodes_3" refType="h" fact="0.5"/>
+          <dgm:constr type="ctrX" for="ch" forName="FiveNodes_3" refType="w" fact="0.5"/>
+          <dgm:constr type="w" for="ch" forName="FiveNodes_4" refType="w" fact="0.77"/>
+          <dgm:constr type="h" for="ch" forName="FiveNodes_4" refType="h" fact="0.18"/>
+          <dgm:constr type="ctrY" for="ch" forName="FiveNodes_4" refType="h" fact="0.705"/>
+          <dgm:constr type="ctrX" for="ch" forName="FiveNodes_4" refType="w" fact="0.5575"/>
+          <dgm:constr type="w" for="ch" forName="FiveNodes_5" refType="w" fact="0.77"/>
+          <dgm:constr type="h" for="ch" forName="FiveNodes_5" refType="h" fact="0.18"/>
+          <dgm:constr type="b" for="ch" forName="FiveNodes_5" refType="h"/>
+          <dgm:constr type="r" for="ch" forName="FiveNodes_5" refType="w"/>
+          <dgm:constr type="w" for="ch" forName="FiveConn_1-2" refType="h" refFor="ch" refForName="FiveNodes_1" fact="0.65"/>
+          <dgm:constr type="h" for="ch" forName="FiveConn_1-2" refType="h" refFor="ch" refForName="FiveNodes_1" fact="0.65"/>
+          <dgm:constr type="ctrY" for="ch" forName="FiveConn_1-2" refType="h" fact="0.19"/>
+          <dgm:constr type="r" for="ch" forName="FiveConn_1-2" refType="r" refFor="ch" refForName="FiveNodes_1"/>
+          <dgm:constr type="w" for="ch" forName="FiveConn_2-3" refType="h" refFor="ch" refForName="FiveNodes_2" fact="0.65"/>
+          <dgm:constr type="h" for="ch" forName="FiveConn_2-3" refType="h" refFor="ch" refForName="FiveNodes_2" fact="0.65"/>
+          <dgm:constr type="ctrY" for="ch" forName="FiveConn_2-3" refType="h" fact="0.395"/>
+          <dgm:constr type="r" for="ch" forName="FiveConn_2-3" refType="r" refFor="ch" refForName="FiveNodes_2"/>
+          <dgm:constr type="w" for="ch" forName="FiveConn_3-4" refType="h" refFor="ch" refForName="FiveNodes_3" fact="0.65"/>
+          <dgm:constr type="h" for="ch" forName="FiveConn_3-4" refType="h" refFor="ch" refForName="FiveNodes_3" fact="0.65"/>
+          <dgm:constr type="ctrY" for="ch" forName="FiveConn_3-4" refType="h" fact="0.597"/>
+          <dgm:constr type="r" for="ch" forName="FiveConn_3-4" refType="r" refFor="ch" refForName="FiveNodes_3"/>
+          <dgm:constr type="w" for="ch" forName="FiveConn_4-5" refType="h" refFor="ch" refForName="FiveNodes_4" fact="0.65"/>
+          <dgm:constr type="h" for="ch" forName="FiveConn_4-5" refType="h" refFor="ch" refForName="FiveNodes_4" fact="0.65"/>
+          <dgm:constr type="ctrY" for="ch" forName="FiveConn_4-5" refType="h" fact="0.804"/>
+          <dgm:constr type="r" for="ch" forName="FiveConn_4-5" refType="r" refFor="ch" refForName="FiveNodes_4"/>
+          <dgm:constr type="r" for="ch" forName="FiveNodes_1_text" refType="l" refFor="ch" refForName="FiveConn_1-2"/>
+          <dgm:constr type="rOff" for="ch" forName="FiveNodes_1_text" refType="w" refFor="ch" refForName="FiveConn_1-2" fact="-0.75"/>
+          <dgm:constr type="t" for="ch" forName="FiveNodes_1_text" refType="t" refFor="ch" refForName="FiveNodes_1"/>
+          <dgm:constr type="b" for="ch" forName="FiveNodes_1_text" refType="b" refFor="ch" refForName="FiveNodes_1"/>
+          <dgm:constr type="l" for="ch" forName="FiveNodes_1_text" refType="l" refFor="ch" refForName="FiveNodes_1"/>
+          <dgm:constr type="r" for="ch" forName="FiveNodes_2_text" refType="l" refFor="ch" refForName="FiveConn_1-2"/>
+          <dgm:constr type="t" for="ch" forName="FiveNodes_2_text" refType="t" refFor="ch" refForName="FiveNodes_2"/>
+          <dgm:constr type="b" for="ch" forName="FiveNodes_2_text" refType="b" refFor="ch" refForName="FiveNodes_2"/>
+          <dgm:constr type="l" for="ch" forName="FiveNodes_2_text" refType="l" refFor="ch" refForName="FiveNodes_2"/>
+          <dgm:constr type="r" for="ch" forName="FiveNodes_3_text" refType="l" refFor="ch" refForName="FiveConn_2-3"/>
+          <dgm:constr type="t" for="ch" forName="FiveNodes_3_text" refType="t" refFor="ch" refForName="FiveNodes_3"/>
+          <dgm:constr type="b" for="ch" forName="FiveNodes_3_text" refType="b" refFor="ch" refForName="FiveNodes_3"/>
+          <dgm:constr type="l" for="ch" forName="FiveNodes_3_text" refType="l" refFor="ch" refForName="FiveNodes_3"/>
+          <dgm:constr type="r" for="ch" forName="FiveNodes_4_text" refType="l" refFor="ch" refForName="FiveConn_3-4"/>
+          <dgm:constr type="t" for="ch" forName="FiveNodes_4_text" refType="t" refFor="ch" refForName="FiveNodes_4"/>
+          <dgm:constr type="b" for="ch" forName="FiveNodes_4_text" refType="b" refFor="ch" refForName="FiveNodes_4"/>
+          <dgm:constr type="l" for="ch" forName="FiveNodes_4_text" refType="l" refFor="ch" refForName="FiveNodes_4"/>
+          <dgm:constr type="r" for="ch" forName="FiveNodes_5_text" refType="l" refFor="ch" refForName="FiveConn_4-5"/>
+          <dgm:constr type="t" for="ch" forName="FiveNodes_5_text" refType="t" refFor="ch" refForName="FiveNodes_5"/>
+          <dgm:constr type="b" for="ch" forName="FiveNodes_5_text" refType="b" refFor="ch" refForName="FiveNodes_5"/>
+          <dgm:constr type="l" for="ch" forName="FiveNodes_5_text" refType="l" refFor="ch" refForName="FiveNodes_5"/>
         </dgm:constrLst>
-        <dgm:ruleLst>
-          <dgm:rule type="h" val="INF" fact="NaN" max="NaN"/>
-        </dgm:ruleLst>
-      </dgm:layoutNode>
-      <dgm:choose name="Name1">
-        <dgm:if name="Name2" axis="ch" ptType="node" func="cnt" op="gte" val="1">
-          <dgm:layoutNode name="childText" styleLbl="revTx">
-            <dgm:varLst>
-              <dgm:bulletEnabled val="1"/>
-            </dgm:varLst>
-            <dgm:alg type="tx">
-              <dgm:param type="stBulletLvl" val="1"/>
-              <dgm:param type="lnSpAfChP" val="20"/>
-            </dgm:alg>
-            <dgm:shape xmlns:r="http://schemas.openxmlformats.org/officeDocument/2006/relationships" type="rect" r:blip="">
-              <dgm:adjLst/>
-            </dgm:shape>
-            <dgm:presOf axis="des" ptType="node"/>
-            <dgm:constrLst>
-              <dgm:constr type="tMarg" refType="primFontSz" fact="0.1"/>
-              <dgm:constr type="bMarg" refType="primFontSz" fact="0.1"/>
-              <dgm:constr type="lMarg" refType="w" fact="0.09"/>
-            </dgm:constrLst>
-            <dgm:ruleLst>
-              <dgm:rule type="h" val="INF" fact="NaN" max="NaN"/>
-            </dgm:ruleLst>
-          </dgm:layoutNode>
-        </dgm:if>
-        <dgm:else name="Name3">
-          <dgm:choose name="Name4">
-            <dgm:if name="Name5" axis="par ch" ptType="doc node" func="cnt" op="gte" val="2">
-              <dgm:forEach name="Name6" axis="followSib" ptType="sibTrans" cnt="1">
-                <dgm:layoutNode name="spacer">
+      </dgm:if>
+      <dgm:else name="Name2">
+        <dgm:constrLst>
+          <dgm:constr type="primFontSz" for="ch" ptType="node" op="equ" val="65"/>
+          <dgm:constr type="w" for="ch" forName="dummyMaxCanvas" refType="w"/>
+          <dgm:constr type="h" for="ch" forName="dummyMaxCanvas" refType="h"/>
+          <dgm:constr type="w" for="ch" forName="OneNode_1" refType="w"/>
+          <dgm:constr type="h" for="ch" forName="OneNode_1" refType="h" fact="0.5"/>
+          <dgm:constr type="ctrY" for="ch" forName="OneNode_1" refType="h" fact="0.5"/>
+          <dgm:constr type="w" for="ch" forName="TwoNodes_1" refType="w" fact="0.85"/>
+          <dgm:constr type="h" for="ch" forName="TwoNodes_1" refType="h" fact="0.45"/>
+          <dgm:constr type="t" for="ch" forName="TwoNodes_1"/>
+          <dgm:constr type="r" for="ch" forName="TwoNodes_1" refType="w"/>
+          <dgm:constr type="w" for="ch" forName="TwoNodes_2" refType="w" fact="0.85"/>
+          <dgm:constr type="h" for="ch" forName="TwoNodes_2" refType="h" fact="0.45"/>
+          <dgm:constr type="b" for="ch" forName="TwoNodes_2" refType="h"/>
+          <dgm:constr type="l" for="ch" forName="TwoNodes_2"/>
+          <dgm:constr type="w" for="ch" forName="TwoConn_1-2" refType="h" refFor="ch" refForName="TwoNodes_1" fact="0.65"/>
+          <dgm:constr type="h" for="ch" forName="TwoConn_1-2" refType="h" refFor="ch" refForName="TwoNodes_1" fact="0.65"/>
+          <dgm:constr type="ctrY" for="ch" forName="TwoConn_1-2" refType="h" fact="0.5"/>
+          <dgm:constr type="l" for="ch" forName="TwoConn_1-2" refType="l" refFor="ch" refForName="TwoNodes_1"/>
+          <dgm:constr type="l" for="ch" forName="TwoNodes_1_text" refType="r" refFor="ch" refForName="TwoConn_1-2"/>
+          <dgm:constr type="lOff" for="ch" forName="TwoNodes_1_text" refType="w" refFor="ch" refForName="TwoConn_1-2" fact="0.5"/>
+          <dgm:constr type="t" for="ch" forName="TwoNodes_1_text" refType="t" refFor="ch" refForName="TwoNodes_1"/>
+          <dgm:constr type="b" for="ch" forName="TwoNodes_1_text" refType="b" refFor="ch" refForName="TwoNodes_1"/>
+          <dgm:constr type="r" for="ch" forName="TwoNodes_1_text" refType="r" refFor="ch" refForName="TwoNodes_1"/>
+          <dgm:constr type="l" for="ch" forName="TwoNodes_2_text" refType="r" refFor="ch" refForName="TwoConn_1-2"/>
+          <dgm:constr type="t" for="ch" forName="TwoNodes_2_text" refType="t" refFor="ch" refForName="TwoNodes_2"/>
+          <dgm:constr type="b" for="ch" forName="TwoNodes_2_text" refType="b" refFor="ch" refForName="TwoNodes_2"/>
+          <dgm:constr type="r" for="ch" forName="TwoNodes_2_text" refType="r" refFor="ch" refForName="TwoNodes_2"/>
+          <dgm:constr type="w" for="ch" forName="ThreeNodes_1" refType="w" fact="0.85"/>
+          <dgm:constr type="h" for="ch" forName="ThreeNodes_1" refType="h" fact="0.3"/>
+          <dgm:constr type="t" for="ch" forName="ThreeNodes_1"/>
+          <dgm:constr type="r" for="ch" forName="ThreeNodes_1" refType="w"/>
+          <dgm:constr type="w" for="ch" forName="ThreeNodes_2" refType="w" fact="0.85"/>
+          <dgm:constr type="h" for="ch" forName="ThreeNodes_2" refType="h" fact="0.3"/>
+          <dgm:constr type="ctrY" for="ch" forName="ThreeNodes_2" refType="h" fact="0.5"/>
+          <dgm:constr type="ctrX" for="ch" forName="ThreeNodes_2" refType="w" fact="0.5"/>
+          <dgm:constr type="w" for="ch" forName="ThreeNodes_3" refType="w" fact="0.85"/>
+          <dgm:constr type="h" for="ch" forName="ThreeNodes_3" refType="h" fact="0.3"/>
+          <dgm:constr type="b" for="ch" forName="ThreeNodes_3" refType="h"/>
+          <dgm:constr type="l" for="ch" forName="ThreeNodes_3"/>
+          <dgm:constr type="w" for="ch" forName="ThreeConn_1-2" refType="h" refFor="ch" refForName="ThreeNodes_1" fact="0.65"/>
+          <dgm:constr type="h" for="ch" forName="ThreeConn_1-2" refType="h" refFor="ch" refForName="ThreeNodes_1" fact="0.65"/>
+          <dgm:constr type="ctrY" for="ch" forName="ThreeConn_1-2" refType="h" fact="0.325"/>
+          <dgm:constr type="l" for="ch" forName="ThreeConn_1-2" refType="l" refFor="ch" refForName="ThreeNodes_1"/>
+          <dgm:constr type="w" for="ch" forName="ThreeConn_2-3" refType="h" refFor="ch" refForName="ThreeNodes_2" fact="0.65"/>
+          <dgm:constr type="h" for="ch" forName="ThreeConn_2-3" refType="h" refFor="ch" refForName="ThreeNodes_2" fact="0.65"/>
+          <dgm:constr type="ctrY" for="ch" forName="ThreeConn_2-3" refType="h" fact="0.673"/>
+          <dgm:constr type="l" for="ch" forName="ThreeConn_2-3" refType="l" refFor="ch" refForName="ThreeNodes_2"/>
+          <dgm:constr type="l" for="ch" forName="ThreeNodes_1_text" refType="r" refFor="ch" refForName="ThreeConn_1-2"/>
+          <dgm:constr type="lOff" for="ch" forName="ThreeNodes_1_text" refType="w" refFor="ch" refForName="ThreeConn_1-2" fact="0.55"/>
+          <dgm:constr type="t" for="ch" forName="ThreeNodes_1_text" refType="t" refFor="ch" refForName="ThreeNodes_1"/>
+          <dgm:constr type="b" for="ch" forName="ThreeNodes_1_text" refType="b" refFor="ch" refForName="ThreeNodes_1"/>
+          <dgm:constr type="r" for="ch" forName="ThreeNodes_1_text" refType="r" refFor="ch" refForName="ThreeNodes_1"/>
+          <dgm:constr type="l" for="ch" forName="ThreeNodes_2_text" refType="r" refFor="ch" refForName="ThreeConn_1-2"/>
+          <dgm:constr type="t" for="ch" forName="ThreeNodes_2_text" refType="t" refFor="ch" refForName="ThreeNodes_2"/>
+          <dgm:constr type="b" for="ch" forName="ThreeNodes_2_text" refType="b" refFor="ch" refForName="ThreeNodes_2"/>
+          <dgm:constr type="r" for="ch" forName="ThreeNodes_2_text" refType="r" refFor="ch" refForName="ThreeNodes_2"/>
+          <dgm:constr type="l" for="ch" forName="ThreeNodes_3_text" refType="r" refFor="ch" refForName="ThreeConn_2-3"/>
+          <dgm:constr type="t" for="ch" forName="ThreeNodes_3_text" refType="t" refFor="ch" refForName="ThreeNodes_3"/>
+          <dgm:constr type="b" for="ch" forName="ThreeNodes_3_text" refType="b" refFor="ch" refForName="ThreeNodes_3"/>
+          <dgm:constr type="r" for="ch" forName="ThreeNodes_3_text" refType="r" refFor="ch" refForName="ThreeNodes_3"/>
+          <dgm:constr type="w" for="ch" forName="FourNodes_1" refType="w" fact="0.8"/>
+          <dgm:constr type="h" for="ch" forName="FourNodes_1" refType="h" fact="0.22"/>
+          <dgm:constr type="t" for="ch" forName="FourNodes_1"/>
+          <dgm:constr type="r" for="ch" forName="FourNodes_1" refType="w"/>
+          <dgm:constr type="w" for="ch" forName="FourNodes_2" refType="w" fact="0.8"/>
+          <dgm:constr type="h" for="ch" forName="FourNodes_2" refType="h" fact="0.22"/>
+          <dgm:constr type="ctrY" for="ch" forName="FourNodes_2" refType="h" fact="0.37"/>
+          <dgm:constr type="ctrX" for="ch" forName="FourNodes_2" refType="w" fact="0.533"/>
+          <dgm:constr type="w" for="ch" forName="FourNodes_3" refType="w" fact="0.8"/>
+          <dgm:constr type="h" for="ch" forName="FourNodes_3" refType="h" fact="0.22"/>
+          <dgm:constr type="ctrY" for="ch" forName="FourNodes_3" refType="h" fact="0.63"/>
+          <dgm:constr type="ctrX" for="ch" forName="FourNodes_3" refType="w" fact="0.467"/>
+          <dgm:constr type="w" for="ch" forName="FourNodes_4" refType="w" fact="0.8"/>
+          <dgm:constr type="h" for="ch" forName="FourNodes_4" refType="h" fact="0.22"/>
+          <dgm:constr type="b" for="ch" forName="FourNodes_4" refType="h"/>
+          <dgm:constr type="l" for="ch" forName="FourNodes_4"/>
+          <dgm:constr type="w" for="ch" forName="FourConn_1-2" refType="h" refFor="ch" refForName="FourNodes_1" fact="0.65"/>
+          <dgm:constr type="h" for="ch" forName="FourConn_1-2" refType="h" refFor="ch" refForName="FourNodes_1" fact="0.65"/>
+          <dgm:constr type="ctrY" for="ch" forName="FourConn_1-2" refType="h" fact="0.24"/>
+          <dgm:constr type="l" for="ch" forName="FourConn_1-2" refType="l" refFor="ch" refForName="FourNodes_1"/>
+          <dgm:constr type="w" for="ch" forName="FourConn_2-3" refType="h" refFor="ch" refForName="FourNodes_2" fact="0.65"/>
+          <dgm:constr type="h" for="ch" forName="FourConn_2-3" refType="h" refFor="ch" refForName="FourNodes_2" fact="0.65"/>
+          <dgm:constr type="ctrY" for="ch" forName="FourConn_2-3" refType="h" fact="0.5"/>
+          <dgm:constr type="l" for="ch" forName="FourConn_2-3" refType="l" refFor="ch" refForName="FourNodes_2"/>
+          <dgm:constr type="w" for="ch" forName="FourConn_3-4" refType="h" refFor="ch" refForName="FourNodes_3" fact="0.65"/>
+          <dgm:constr type="h" for="ch" forName="FourConn_3-4" refType="h" refFor="ch" refForName="FourNodes_3" fact="0.65"/>
+          <dgm:constr type="ctrY" for="ch" forName="FourConn_3-4" refType="h" fact="0.76"/>
+          <dgm:constr type="l" for="ch" forName="FourConn_3-4" refType="l" refFor="ch" refForName="FourNodes_3"/>
+          <dgm:constr type="l" for="ch" forName="FourNodes_1_text" refType="r" refFor="ch" refForName="FourConn_1-2"/>
+          <dgm:constr type="lOff" for="ch" forName="FourNodes_1_text" refType="w" refFor="ch" refForName="FourConn_1-2" fact="0.69"/>
+          <dgm:constr type="t" for="ch" forName="FourNodes_1_text" refType="t" refFor="ch" refForName="FourNodes_1"/>
+          <dgm:constr type="b" for="ch" forName="FourNodes_1_text" refType="b" refFor="ch" refForName="FourNodes_1"/>
+          <dgm:constr type="r" for="ch" forName="FourNodes_1_text" refType="r" refFor="ch" refForName="FourNodes_1"/>
+          <dgm:constr type="l" for="ch" forName="FourNodes_2_text" refType="r" refFor="ch" refForName="FourConn_1-2"/>
+          <dgm:constr type="t" for="ch" forName="FourNodes_2_text" refType="t" refFor="ch" refForName="FourNodes_2"/>
+          <dgm:constr type="b" for="ch" forName="FourNodes_2_text" refType="b" refFor="ch" refForName="FourNodes_2"/>
+          <dgm:constr type="r" for="ch" forName="FourNodes_2_text" refType="r" refFor="ch" refForName="FourNodes_2"/>
+          <dgm:constr type="l" for="ch" forName="FourNodes_3_text" refType="r" refFor="ch" refForName="FourConn_2-3"/>
+          <dgm:constr type="t" for="ch" forName="FourNodes_3_text" refType="t" refFor="ch" refForName="FourNodes_3"/>
+          <dgm:constr type="b" for="ch" forName="FourNodes_3_text" refType="b" refFor="ch" refForName="FourNodes_3"/>
+          <dgm:constr type="r" for="ch" forName="FourNodes_3_text" refType="r" refFor="ch" refForName="FourNodes_3"/>
+          <dgm:constr type="l" for="ch" forName="FourNodes_4_text" refType="r" refFor="ch" refForName="FourConn_3-4"/>
+          <dgm:constr type="t" for="ch" forName="FourNodes_4_text" refType="t" refFor="ch" refForName="FourNodes_4"/>
+          <dgm:constr type="b" for="ch" forName="FourNodes_4_text" refType="b" refFor="ch" refForName="FourNodes_4"/>
+          <dgm:constr type="r" for="ch" forName="FourNodes_4_text" refType="r" refFor="ch" refForName="FourNodes_4"/>
+          <dgm:constr type="w" for="ch" forName="FiveNodes_1" refType="w" fact="0.77"/>
+          <dgm:constr type="h" for="ch" forName="FiveNodes_1" refType="h" fact="0.18"/>
+          <dgm:constr type="t" for="ch" forName="FiveNodes_1"/>
+          <dgm:constr type="r" for="ch" forName="FiveNodes_1" refType="w"/>
+          <dgm:constr type="w" for="ch" forName="FiveNodes_2" refType="w" fact="0.77"/>
+          <dgm:constr type="h" for="ch" forName="FiveNodes_2" refType="h" fact="0.18"/>
+          <dgm:constr type="ctrY" for="ch" forName="FiveNodes_2" refType="h" fact="0.295"/>
+          <dgm:constr type="ctrX" for="ch" forName="FiveNodes_2" refType="w" fact="0.5575"/>
+          <dgm:constr type="w" for="ch" forName="FiveNodes_3" refType="w" fact="0.77"/>
+          <dgm:constr type="h" for="ch" forName="FiveNodes_3" refType="h" fact="0.18"/>
+          <dgm:constr type="ctrY" for="ch" forName="FiveNodes_3" refType="h" fact="0.5"/>
+          <dgm:constr type="ctrX" for="ch" forName="FiveNodes_3" refType="w" fact="0.5"/>
+          <dgm:constr type="w" for="ch" forName="FiveNodes_4" refType="w" fact="0.77"/>
+          <dgm:constr type="h" for="ch" forName="FiveNodes_4" refType="h" fact="0.18"/>
+          <dgm:constr type="ctrY" for="ch" forName="FiveNodes_4" refType="h" fact="0.705"/>
+          <dgm:constr type="ctrX" for="ch" forName="FiveNodes_4" refType="w" fact="0.4425"/>
+          <dgm:constr type="w" for="ch" forName="FiveNodes_5" refType="w" fact="0.77"/>
+          <dgm:constr type="h" for="ch" forName="FiveNodes_5" refType="h" fact="0.18"/>
+          <dgm:constr type="b" for="ch" forName="FiveNodes_5" refType="h"/>
+          <dgm:constr type="l" for="ch" forName="FiveNodes_5"/>
+          <dgm:constr type="w" for="ch" forName="FiveConn_1-2" refType="h" refFor="ch" refForName="FiveNodes_1" fact="0.65"/>
+          <dgm:constr type="h" for="ch" forName="FiveConn_1-2" refType="h" refFor="ch" refForName="FiveNodes_1" fact="0.65"/>
+          <dgm:constr type="ctrY" for="ch" forName="FiveConn_1-2" refType="h" fact="0.19"/>
+          <dgm:constr type="l" for="ch" forName="FiveConn_1-2" refType="l" refFor="ch" refForName="FiveNodes_1"/>
+          <dgm:constr type="w" for="ch" forName="FiveConn_2-3" refType="h" refFor="ch" refForName="FiveNodes_2" fact="0.65"/>
+          <dgm:constr type="h" for="ch" forName="FiveConn_2-3" refType="h" refFor="ch" refForName="FiveNodes_2" fact="0.65"/>
+          <dgm:constr type="ctrY" for="ch" forName="FiveConn_2-3" refType="h" fact="0.395"/>
+          <dgm:constr type="l" for="ch" forName="FiveConn_2-3" refType="l" refFor="ch" refForName="FiveNodes_2"/>
+          <dgm:constr type="w" for="ch" forName="FiveConn_3-4" refType="h" refFor="ch" refForName="FiveNodes_3" fact="0.65"/>
+          <dgm:constr type="h" for="ch" forName="FiveConn_3-4" refType="h" refFor="ch" refForName="FiveNodes_3" fact="0.65"/>
+          <dgm:constr type="ctrY" for="ch" forName="FiveConn_3-4" refType="h" fact="0.597"/>
+          <dgm:constr type="l" for="ch" forName="FiveConn_3-4" refType="l" refFor="ch" refForName="FiveNodes_3"/>
+          <dgm:constr type="w" for="ch" forName="FiveConn_4-5" refType="h" refFor="ch" refForName="FiveNodes_4" fact="0.65"/>
+          <dgm:constr type="h" for="ch" forName="FiveConn_4-5" refType="h" refFor="ch" refForName="FiveNodes_4" fact="0.65"/>
+          <dgm:constr type="ctrY" for="ch" forName="FiveConn_4-5" refType="h" fact="0.804"/>
+          <dgm:constr type="l" for="ch" forName="FiveConn_4-5" refType="l" refFor="ch" refForName="FiveNodes_4"/>
+          <dgm:constr type="l" for="ch" forName="FiveNodes_1_text" refType="r" refFor="ch" refForName="FiveConn_1-2"/>
+          <dgm:constr type="lOff" for="ch" forName="FiveNodes_1_text" refType="w" refFor="ch" refForName="FiveConn_1-2" fact="0.73"/>
+          <dgm:constr type="t" for="ch" forName="FiveNodes_1_text" refType="t" refFor="ch" refForName="FiveNodes_1"/>
+          <dgm:constr type="b" for="ch" forName="FiveNodes_1_text" refType="b" refFor="ch" refForName="FiveNodes_1"/>
+          <dgm:constr type="r" for="ch" forName="FiveNodes_1_text" refType="r" refFor="ch" refForName="FiveNodes_1"/>
+          <dgm:constr type="l" for="ch" forName="FiveNodes_2_text" refType="r" refFor="ch" refForName="FiveConn_1-2"/>
+          <dgm:constr type="t" for="ch" forName="FiveNodes_2_text" refType="t" refFor="ch" refForName="FiveNodes_2"/>
+          <dgm:constr type="b" for="ch" forName="FiveNodes_2_text" refType="b" refFor="ch" refForName="FiveNodes_2"/>
+          <dgm:constr type="r" for="ch" forName="FiveNodes_2_text" refType="r" refFor="ch" refForName="FiveNodes_2"/>
+          <dgm:constr type="l" for="ch" forName="FiveNodes_3_text" refType="r" refFor="ch" refForName="FiveConn_2-3"/>
+          <dgm:constr type="t" for="ch" forName="FiveNodes_3_text" refType="t" refFor="ch" refForName="FiveNodes_3"/>
+          <dgm:constr type="b" for="ch" forName="FiveNodes_3_text" refType="b" refFor="ch" refForName="FiveNodes_3"/>
+          <dgm:constr type="r" for="ch" forName="FiveNodes_3_text" refType="r" refFor="ch" refForName="FiveNodes_3"/>
+          <dgm:constr type="l" for="ch" forName="FiveNodes_4_text" refType="r" refFor="ch" refForName="FiveConn_3-4"/>
+          <dgm:constr type="t" for="ch" forName="FiveNodes_4_text" refType="t" refFor="ch" refForName="FiveNodes_4"/>
+          <dgm:constr type="b" for="ch" forName="FiveNodes_4_text" refType="b" refFor="ch" refForName="FiveNodes_4"/>
+          <dgm:constr type="r" for="ch" forName="FiveNodes_4_text" refType="r" refFor="ch" refForName="FiveNodes_4"/>
+          <dgm:constr type="l" for="ch" forName="FiveNodes_5_text" refType="r" refFor="ch" refForName="FiveConn_4-5"/>
+          <dgm:constr type="t" for="ch" forName="FiveNodes_5_text" refType="t" refFor="ch" refForName="FiveNodes_5"/>
+          <dgm:constr type="b" for="ch" forName="FiveNodes_5_text" refType="b" refFor="ch" refForName="FiveNodes_5"/>
+          <dgm:constr type="r" for="ch" forName="FiveNodes_5_text" refType="r" refFor="ch" refForName="FiveNodes_5"/>
+        </dgm:constrLst>
+      </dgm:else>
+    </dgm:choose>
+    <dgm:ruleLst/>
+    <dgm:layoutNode name="dummyMaxCanvas">
+      <dgm:varLst/>
+      <dgm:alg type="sp"/>
+      <dgm:shape xmlns:r="http://schemas.openxmlformats.org/officeDocument/2006/relationships" r:blip="">
+        <dgm:adjLst/>
+      </dgm:shape>
+      <dgm:presOf/>
+      <dgm:constrLst/>
+      <dgm:ruleLst/>
+    </dgm:layoutNode>
+    <dgm:choose name="Name3">
+      <dgm:if name="Name4" axis="ch" ptType="node" func="cnt" op="equ" val="1">
+        <dgm:layoutNode name="OneNode_1">
+          <dgm:varLst>
+            <dgm:bulletEnabled val="1"/>
+          </dgm:varLst>
+          <dgm:alg type="tx"/>
+          <dgm:shape xmlns:r="http://schemas.openxmlformats.org/officeDocument/2006/relationships" type="roundRect" r:blip="">
+            <dgm:adjLst>
+              <dgm:adj idx="1" val="0.1"/>
+            </dgm:adjLst>
+          </dgm:shape>
+          <dgm:presOf axis="ch desOrSelf" ptType="node node" st="1 1" cnt="1 0"/>
+          <dgm:constrLst>
+            <dgm:constr type="lMarg" refType="primFontSz" fact="0.3"/>
+            <dgm:constr type="rMarg" refType="primFontSz" fact="0.3"/>
+            <dgm:constr type="tMarg" refType="primFontSz" fact="0.3"/>
+            <dgm:constr type="bMarg" refType="primFontSz" fact="0.3"/>
+          </dgm:constrLst>
+          <dgm:ruleLst>
+            <dgm:rule type="primFontSz" val="5" fact="NaN" max="NaN"/>
+          </dgm:ruleLst>
+        </dgm:layoutNode>
+      </dgm:if>
+      <dgm:else name="Name5">
+        <dgm:choose name="Name6">
+          <dgm:if name="Name7" axis="ch" ptType="node" func="cnt" op="equ" val="2">
+            <dgm:layoutNode name="TwoNodes_1">
+              <dgm:varLst>
+                <dgm:bulletEnabled val="1"/>
+              </dgm:varLst>
+              <dgm:alg type="sp"/>
+              <dgm:shape xmlns:r="http://schemas.openxmlformats.org/officeDocument/2006/relationships" type="roundRect" r:blip="">
+                <dgm:adjLst>
+                  <dgm:adj idx="1" val="0.1"/>
+                </dgm:adjLst>
+              </dgm:shape>
+              <dgm:presOf axis="ch desOrSelf" ptType="node node" st="1 1" cnt="1 0"/>
+              <dgm:constrLst/>
+              <dgm:ruleLst/>
+            </dgm:layoutNode>
+            <dgm:layoutNode name="TwoNodes_2">
+              <dgm:varLst>
+                <dgm:bulletEnabled val="1"/>
+              </dgm:varLst>
+              <dgm:alg type="sp"/>
+              <dgm:shape xmlns:r="http://schemas.openxmlformats.org/officeDocument/2006/relationships" type="roundRect" r:blip="">
+                <dgm:adjLst>
+                  <dgm:adj idx="1" val="0.1"/>
+                </dgm:adjLst>
+              </dgm:shape>
+              <dgm:presOf axis="ch desOrSelf" ptType="node node" st="2 1" cnt="1 0"/>
+              <dgm:constrLst/>
+              <dgm:ruleLst/>
+            </dgm:layoutNode>
+            <dgm:layoutNode name="TwoConn_1-2" styleLbl="fgAccFollowNode1">
+              <dgm:varLst>
+                <dgm:bulletEnabled val="1"/>
+              </dgm:varLst>
+              <dgm:alg type="tx"/>
+              <dgm:shape xmlns:r="http://schemas.openxmlformats.org/officeDocument/2006/relationships" type="downArrow" r:blip="">
+                <dgm:adjLst>
+                  <dgm:adj idx="1" val="0.55"/>
+                  <dgm:adj idx="2" val="0.45"/>
+                </dgm:adjLst>
+              </dgm:shape>
+              <dgm:presOf axis="ch" ptType="sibTrans" cnt="1"/>
+              <dgm:constrLst>
+                <dgm:constr type="lMarg" refType="primFontSz" fact="0.1"/>
+                <dgm:constr type="rMarg" refType="primFontSz" fact="0.1"/>
+                <dgm:constr type="tMarg" refType="primFontSz" fact="0.1"/>
+                <dgm:constr type="bMarg" refType="primFontSz" fact="0.1"/>
+              </dgm:constrLst>
+              <dgm:ruleLst>
+                <dgm:rule type="primFontSz" val="5" fact="NaN" max="NaN"/>
+              </dgm:ruleLst>
+            </dgm:layoutNode>
+            <dgm:layoutNode name="TwoNodes_1_text">
+              <dgm:varLst>
+                <dgm:bulletEnabled val="1"/>
+              </dgm:varLst>
+              <dgm:alg type="tx">
+                <dgm:param type="parTxLTRAlign" val="l"/>
+                <dgm:param type="txAnchorVertCh" val="mid"/>
+              </dgm:alg>
+              <dgm:shape xmlns:r="http://schemas.openxmlformats.org/officeDocument/2006/relationships" type="roundRect" r:blip="" hideGeom="1">
+                <dgm:adjLst>
+                  <dgm:adj idx="1" val="0.1"/>
+                </dgm:adjLst>
+              </dgm:shape>
+              <dgm:presOf axis="ch desOrSelf" ptType="node node" st="1 1" cnt="1 0"/>
+              <dgm:constrLst>
+                <dgm:constr type="lMarg" refType="primFontSz" fact="0.3"/>
+                <dgm:constr type="rMarg" refType="primFontSz" fact="0.3"/>
+                <dgm:constr type="tMarg" refType="primFontSz" fact="0.3"/>
+                <dgm:constr type="bMarg" refType="primFontSz" fact="0.3"/>
+              </dgm:constrLst>
+              <dgm:ruleLst>
+                <dgm:rule type="primFontSz" val="5" fact="NaN" max="NaN"/>
+              </dgm:ruleLst>
+            </dgm:layoutNode>
+            <dgm:layoutNode name="TwoNodes_2_text">
+              <dgm:varLst>
+                <dgm:bulletEnabled val="1"/>
+              </dgm:varLst>
+              <dgm:alg type="tx">
+                <dgm:param type="parTxLTRAlign" val="l"/>
+                <dgm:param type="txAnchorVertCh" val="mid"/>
+              </dgm:alg>
+              <dgm:shape xmlns:r="http://schemas.openxmlformats.org/officeDocument/2006/relationships" type="roundRect" r:blip="" hideGeom="1">
+                <dgm:adjLst>
+                  <dgm:adj idx="1" val="0.1"/>
+                </dgm:adjLst>
+              </dgm:shape>
+              <dgm:presOf axis="ch desOrSelf" ptType="node node" st="2 1" cnt="1 0"/>
+              <dgm:constrLst>
+                <dgm:constr type="lMarg" refType="primFontSz" fact="0.3"/>
+                <dgm:constr type="rMarg" refType="primFontSz" fact="0.3"/>
+                <dgm:constr type="tMarg" refType="primFontSz" fact="0.3"/>
+                <dgm:constr type="bMarg" refType="primFontSz" fact="0.3"/>
+              </dgm:constrLst>
+              <dgm:ruleLst>
+                <dgm:rule type="primFontSz" val="5" fact="NaN" max="NaN"/>
+              </dgm:ruleLst>
+            </dgm:layoutNode>
+          </dgm:if>
+          <dgm:else name="Name8">
+            <dgm:choose name="Name9">
+              <dgm:if name="Name10" axis="ch" ptType="node" func="cnt" op="equ" val="3">
+                <dgm:layoutNode name="ThreeNodes_1">
+                  <dgm:varLst>
+                    <dgm:bulletEnabled val="1"/>
+                  </dgm:varLst>
                   <dgm:alg type="sp"/>
-                  <dgm:shape xmlns:r="http://schemas.openxmlformats.org/officeDocument/2006/relationships" r:blip="">
-                    <dgm:adjLst/>
+                  <dgm:shape xmlns:r="http://schemas.openxmlformats.org/officeDocument/2006/relationships" type="roundRect" r:blip="">
+                    <dgm:adjLst>
+                      <dgm:adj idx="1" val="0.1"/>
+                    </dgm:adjLst>
                   </dgm:shape>
-                  <dgm:presOf/>
+                  <dgm:presOf axis="ch desOrSelf" ptType="node node" st="1 1" cnt="1 0"/>
                   <dgm:constrLst/>
                   <dgm:ruleLst/>
                 </dgm:layoutNode>
-              </dgm:forEach>
-            </dgm:if>
-            <dgm:else name="Name7"/>
-          </dgm:choose>
-        </dgm:else>
-      </dgm:choose>
-    </dgm:forEach>
+                <dgm:layoutNode name="ThreeNodes_2">
+                  <dgm:varLst>
+                    <dgm:bulletEnabled val="1"/>
+                  </dgm:varLst>
+                  <dgm:alg type="sp"/>
+                  <dgm:shape xmlns:r="http://schemas.openxmlformats.org/officeDocument/2006/relationships" type="roundRect" r:blip="">
+                    <dgm:adjLst>
+                      <dgm:adj idx="1" val="0.1"/>
+                    </dgm:adjLst>
+                  </dgm:shape>
+                  <dgm:presOf axis="ch desOrSelf" ptType="node node" st="2 1" cnt="1 0"/>
+                  <dgm:constrLst/>
+                  <dgm:ruleLst/>
+                </dgm:layoutNode>
+                <dgm:layoutNode name="ThreeNodes_3">
+                  <dgm:varLst>
+                    <dgm:bulletEnabled val="1"/>
+                  </dgm:varLst>
+                  <dgm:alg type="sp"/>
+                  <dgm:shape xmlns:r="http://schemas.openxmlformats.org/officeDocument/2006/relationships" type="roundRect" r:blip="">
+                    <dgm:adjLst>
+                      <dgm:adj idx="1" val="0.1"/>
+                    </dgm:adjLst>
+                  </dgm:shape>
+                  <dgm:presOf axis="ch desOrSelf" ptType="node node" st="3 1" cnt="1 0"/>
+                  <dgm:constrLst/>
+                  <dgm:ruleLst/>
+                </dgm:layoutNode>
+                <dgm:layoutNode name="ThreeConn_1-2" styleLbl="fgAccFollowNode1">
+                  <dgm:varLst>
+                    <dgm:bulletEnabled val="1"/>
+                  </dgm:varLst>
+                  <dgm:alg type="tx"/>
+                  <dgm:shape xmlns:r="http://schemas.openxmlformats.org/officeDocument/2006/relationships" type="downArrow" r:blip="">
+                    <dgm:adjLst>
+                      <dgm:adj idx="1" val="0.55"/>
+                      <dgm:adj idx="2" val="0.45"/>
+                    </dgm:adjLst>
+                  </dgm:shape>
+                  <dgm:presOf axis="ch" ptType="sibTrans" cnt="1"/>
+                  <dgm:constrLst>
+                    <dgm:constr type="lMarg" refType="primFontSz" fact="0.1"/>
+                    <dgm:constr type="rMarg" refType="primFontSz" fact="0.1"/>
+                    <dgm:constr type="tMarg" refType="primFontSz" fact="0.1"/>
+                    <dgm:constr type="bMarg" refType="primFontSz" fact="0.1"/>
+                  </dgm:constrLst>
+                  <dgm:ruleLst>
+                    <dgm:rule type="primFontSz" val="5" fact="NaN" max="NaN"/>
+                  </dgm:ruleLst>
+                </dgm:layoutNode>
+                <dgm:layoutNode name="ThreeConn_2-3" styleLbl="fgAccFollowNode1">
+                  <dgm:varLst>
+                    <dgm:bulletEnabled val="1"/>
+                  </dgm:varLst>
+                  <dgm:alg type="tx"/>
+                  <dgm:shape xmlns:r="http://schemas.openxmlformats.org/officeDocument/2006/relationships" type="downArrow" r:blip="">
+                    <dgm:adjLst>
+                      <dgm:adj idx="1" val="0.55"/>
+                      <dgm:adj idx="2" val="0.45"/>
+                    </dgm:adjLst>
+                  </dgm:shape>
+                  <dgm:presOf axis="ch" ptType="sibTrans" st="2" cnt="1"/>
+                  <dgm:constrLst>
+                    <dgm:constr type="lMarg" refType="primFontSz" fact="0.1"/>
+                    <dgm:constr type="rMarg" refType="primFontSz" fact="0.1"/>
+                    <dgm:constr type="tMarg" refType="primFontSz" fact="0.1"/>
+                    <dgm:constr type="bMarg" refType="primFontSz" fact="0.1"/>
+                  </dgm:constrLst>
+                  <dgm:ruleLst>
+                    <dgm:rule type="primFontSz" val="5" fact="NaN" max="NaN"/>
+                  </dgm:ruleLst>
+                </dgm:layoutNode>
+                <dgm:layoutNode name="ThreeNodes_1_text">
+                  <dgm:varLst>
+                    <dgm:bulletEnabled val="1"/>
+                  </dgm:varLst>
+                  <dgm:alg type="tx">
+                    <dgm:param type="parTxLTRAlign" val="l"/>
+                    <dgm:param type="txAnchorVertCh" val="mid"/>
+                  </dgm:alg>
+                  <dgm:shape xmlns:r="http://schemas.openxmlformats.org/officeDocument/2006/relationships" type="roundRect" r:blip="" hideGeom="1">
+                    <dgm:adjLst>
+                      <dgm:adj idx="1" val="0.1"/>
+                    </dgm:adjLst>
+                  </dgm:shape>
+                  <dgm:presOf axis="ch desOrSelf" ptType="node node" st="1 1" cnt="1 0"/>
+                  <dgm:constrLst>
+                    <dgm:constr type="lMarg" refType="primFontSz" fact="0.3"/>
+                    <dgm:constr type="rMarg" refType="primFontSz" fact="0.3"/>
+                    <dgm:constr type="tMarg" refType="primFontSz" fact="0.3"/>
+                    <dgm:constr type="bMarg" refType="primFontSz" fact="0.3"/>
+                  </dgm:constrLst>
+                  <dgm:ruleLst>
+                    <dgm:rule type="primFontSz" val="5" fact="NaN" max="NaN"/>
+                  </dgm:ruleLst>
+                </dgm:layoutNode>
+                <dgm:layoutNode name="ThreeNodes_2_text">
+                  <dgm:varLst>
+                    <dgm:bulletEnabled val="1"/>
+                  </dgm:varLst>
+                  <dgm:alg type="tx">
+                    <dgm:param type="parTxLTRAlign" val="l"/>
+                    <dgm:param type="txAnchorVertCh" val="mid"/>
+                  </dgm:alg>
+                  <dgm:shape xmlns:r="http://schemas.openxmlformats.org/officeDocument/2006/relationships" type="roundRect" r:blip="" hideGeom="1">
+                    <dgm:adjLst>
+                      <dgm:adj idx="1" val="0.1"/>
+                    </dgm:adjLst>
+                  </dgm:shape>
+                  <dgm:presOf axis="ch desOrSelf" ptType="node node" st="2 1" cnt="1 0"/>
+                  <dgm:constrLst>
+                    <dgm:constr type="lMarg" refType="primFontSz" fact="0.3"/>
+                    <dgm:constr type="rMarg" refType="primFontSz" fact="0.3"/>
+                    <dgm:constr type="tMarg" refType="primFontSz" fact="0.3"/>
+                    <dgm:constr type="bMarg" refType="primFontSz" fact="0.3"/>
+                  </dgm:constrLst>
+                  <dgm:ruleLst>
+                    <dgm:rule type="primFontSz" val="5" fact="NaN" max="NaN"/>
+                  </dgm:ruleLst>
+                </dgm:layoutNode>
+                <dgm:layoutNode name="ThreeNodes_3_text">
+                  <dgm:varLst>
+                    <dgm:bulletEnabled val="1"/>
+                  </dgm:varLst>
+                  <dgm:alg type="tx">
+                    <dgm:param type="parTxLTRAlign" val="l"/>
+                    <dgm:param type="txAnchorVertCh" val="mid"/>
+                  </dgm:alg>
+                  <dgm:shape xmlns:r="http://schemas.openxmlformats.org/officeDocument/2006/relationships" type="roundRect" r:blip="" hideGeom="1">
+                    <dgm:adjLst>
+                      <dgm:adj idx="1" val="0.1"/>
+                    </dgm:adjLst>
+                  </dgm:shape>
+                  <dgm:presOf axis="ch desOrSelf" ptType="node node" st="3 1" cnt="1 0"/>
+                  <dgm:constrLst>
+                    <dgm:constr type="lMarg" refType="primFontSz" fact="0.3"/>
+                    <dgm:constr type="rMarg" refType="primFontSz" fact="0.3"/>
+                    <dgm:constr type="tMarg" refType="primFontSz" fact="0.3"/>
+                    <dgm:constr type="bMarg" refType="primFontSz" fact="0.3"/>
+                  </dgm:constrLst>
+                  <dgm:ruleLst>
+                    <dgm:rule type="primFontSz" val="5" fact="NaN" max="NaN"/>
+                  </dgm:ruleLst>
+                </dgm:layoutNode>
+              </dgm:if>
+              <dgm:else name="Name11">
+                <dgm:choose name="Name12">
+                  <dgm:if name="Name13" axis="ch" ptType="node" func="cnt" op="equ" val="4">
+                    <dgm:layoutNode name="FourNodes_1">
+                      <dgm:varLst>
+                        <dgm:bulletEnabled val="1"/>
+                      </dgm:varLst>
+                      <dgm:alg type="sp"/>
+                      <dgm:shape xmlns:r="http://schemas.openxmlformats.org/officeDocument/2006/relationships" type="roundRect" r:blip="">
+                        <dgm:adjLst>
+                          <dgm:adj idx="1" val="0.1"/>
+                        </dgm:adjLst>
+                      </dgm:shape>
+                      <dgm:presOf axis="ch desOrSelf" ptType="node node" st="1 1" cnt="1 0"/>
+                      <dgm:constrLst/>
+                      <dgm:ruleLst/>
+                    </dgm:layoutNode>
+                    <dgm:layoutNode name="FourNodes_2">
+                      <dgm:varLst>
+                        <dgm:bulletEnabled val="1"/>
+                      </dgm:varLst>
+                      <dgm:alg type="sp"/>
+                      <dgm:shape xmlns:r="http://schemas.openxmlformats.org/officeDocument/2006/relationships" type="roundRect" r:blip="">
+                        <dgm:adjLst>
+                          <dgm:adj idx="1" val="0.1"/>
+                        </dgm:adjLst>
+                      </dgm:shape>
+                      <dgm:presOf axis="ch desOrSelf" ptType="node node" st="2 1" cnt="1 0"/>
+                      <dgm:constrLst/>
+                      <dgm:ruleLst/>
+                    </dgm:layoutNode>
+                    <dgm:layoutNode name="FourNodes_3">
+                      <dgm:varLst>
+                        <dgm:bulletEnabled val="1"/>
+                      </dgm:varLst>
+                      <dgm:alg type="sp"/>
+                      <dgm:shape xmlns:r="http://schemas.openxmlformats.org/officeDocument/2006/relationships" type="roundRect" r:blip="">
+                        <dgm:adjLst>
+                          <dgm:adj idx="1" val="0.1"/>
+                        </dgm:adjLst>
+                      </dgm:shape>
+                      <dgm:presOf axis="ch desOrSelf" ptType="node node" st="3 1" cnt="1 0"/>
+                      <dgm:constrLst/>
+                      <dgm:ruleLst/>
+                    </dgm:layoutNode>
+                    <dgm:layoutNode name="FourNodes_4">
+                      <dgm:varLst>
+                        <dgm:bulletEnabled val="1"/>
+                      </dgm:varLst>
+                      <dgm:alg type="sp"/>
+                      <dgm:shape xmlns:r="http://schemas.openxmlformats.org/officeDocument/2006/relationships" type="roundRect" r:blip="">
+                        <dgm:adjLst>
+                          <dgm:adj idx="1" val="0.1"/>
+                        </dgm:adjLst>
+                      </dgm:shape>
+                      <dgm:presOf axis="ch desOrSelf" ptType="node node" st="4 1" cnt="1 0"/>
+                      <dgm:constrLst/>
+                      <dgm:ruleLst/>
+                    </dgm:layoutNode>
+                    <dgm:layoutNode name="FourConn_1-2" styleLbl="fgAccFollowNode1">
+                      <dgm:varLst>
+                        <dgm:bulletEnabled val="1"/>
+                      </dgm:varLst>
+                      <dgm:alg type="tx"/>
+                      <dgm:shape xmlns:r="http://schemas.openxmlformats.org/officeDocument/2006/relationships" type="downArrow" r:blip="">
+                        <dgm:adjLst>
+                          <dgm:adj idx="1" val="0.55"/>
+                          <dgm:adj idx="2" val="0.45"/>
+                        </dgm:adjLst>
+                      </dgm:shape>
+                      <dgm:presOf axis="ch" ptType="sibTrans" cnt="1"/>
+                      <dgm:constrLst>
+                        <dgm:constr type="lMarg" refType="primFontSz" fact="0.1"/>
+                        <dgm:constr type="rMarg" refType="primFontSz" fact="0.1"/>
+                        <dgm:constr type="tMarg" refType="primFontSz" fact="0.1"/>
+                        <dgm:constr type="bMarg" refType="primFontSz" fact="0.1"/>
+                      </dgm:constrLst>
+                      <dgm:ruleLst>
+                        <dgm:rule type="primFontSz" val="5" fact="NaN" max="NaN"/>
+                      </dgm:ruleLst>
+                    </dgm:layoutNode>
+                    <dgm:layoutNode name="FourConn_2-3" styleLbl="fgAccFollowNode1">
+                      <dgm:varLst>
+                        <dgm:bulletEnabled val="1"/>
+                      </dgm:varLst>
+                      <dgm:alg type="tx"/>
+                      <dgm:shape xmlns:r="http://schemas.openxmlformats.org/officeDocument/2006/relationships" type="downArrow" r:blip="">
+                        <dgm:adjLst>
+                          <dgm:adj idx="1" val="0.55"/>
+                          <dgm:adj idx="2" val="0.45"/>
+                        </dgm:adjLst>
+                      </dgm:shape>
+                      <dgm:presOf axis="ch" ptType="sibTrans" st="2" cnt="1"/>
+                      <dgm:constrLst>
+                        <dgm:constr type="lMarg" refType="primFontSz" fact="0.1"/>
+                        <dgm:constr type="rMarg" refType="primFontSz" fact="0.1"/>
+                        <dgm:constr type="tMarg" refType="primFontSz" fact="0.1"/>
+                        <dgm:constr type="bMarg" refType="primFontSz" fact="0.1"/>
+                      </dgm:constrLst>
+                      <dgm:ruleLst>
+                        <dgm:rule type="primFontSz" val="5" fact="NaN" max="NaN"/>
+                      </dgm:ruleLst>
+                    </dgm:layoutNode>
+                    <dgm:layoutNode name="FourConn_3-4" styleLbl="fgAccFollowNode1">
+                      <dgm:varLst>
+                        <dgm:bulletEnabled val="1"/>
+                      </dgm:varLst>
+                      <dgm:alg type="tx"/>
+                      <dgm:shape xmlns:r="http://schemas.openxmlformats.org/officeDocument/2006/relationships" type="downArrow" r:blip="">
+                        <dgm:adjLst>
+                          <dgm:adj idx="1" val="0.55"/>
+                          <dgm:adj idx="2" val="0.45"/>
+                        </dgm:adjLst>
+                      </dgm:shape>
+                      <dgm:presOf axis="ch" ptType="sibTrans" st="3" cnt="1"/>
+                      <dgm:constrLst>
+                        <dgm:constr type="lMarg" refType="primFontSz" fact="0.1"/>
+                        <dgm:constr type="rMarg" refType="primFontSz" fact="0.1"/>
+                        <dgm:constr type="tMarg" refType="primFontSz" fact="0.1"/>
+                        <dgm:constr type="bMarg" refType="primFontSz" fact="0.1"/>
+                      </dgm:constrLst>
+                      <dgm:ruleLst>
+                        <dgm:rule type="primFontSz" val="5" fact="NaN" max="NaN"/>
+                      </dgm:ruleLst>
+                    </dgm:layoutNode>
+                    <dgm:layoutNode name="FourNodes_1_text">
+                      <dgm:varLst>
+                        <dgm:bulletEnabled val="1"/>
+                      </dgm:varLst>
+                      <dgm:alg type="tx">
+                        <dgm:param type="parTxLTRAlign" val="l"/>
+                        <dgm:param type="txAnchorVertCh" val="mid"/>
+                      </dgm:alg>
+                      <dgm:shape xmlns:r="http://schemas.openxmlformats.org/officeDocument/2006/relationships" type="roundRect" r:blip="" hideGeom="1">
+                        <dgm:adjLst>
+                          <dgm:adj idx="1" val="0.1"/>
+                        </dgm:adjLst>
+                      </dgm:shape>
+                      <dgm:presOf axis="ch desOrSelf" ptType="node node" st="1 1" cnt="1 0"/>
+                      <dgm:constrLst>
+                        <dgm:constr type="lMarg" refType="primFontSz" fact="0.3"/>
+                        <dgm:constr type="rMarg" refType="primFontSz" fact="0.3"/>
+                        <dgm:constr type="tMarg" refType="primFontSz" fact="0.3"/>
+                        <dgm:constr type="bMarg" refType="primFontSz" fact="0.3"/>
+                      </dgm:constrLst>
+                      <dgm:ruleLst>
+                        <dgm:rule type="primFontSz" val="5" fact="NaN" max="NaN"/>
+                      </dgm:ruleLst>
+                    </dgm:layoutNode>
+                    <dgm:layoutNode name="FourNodes_2_text">
+                      <dgm:varLst>
+                        <dgm:bulletEnabled val="1"/>
+                      </dgm:varLst>
+                      <dgm:alg type="tx">
+                        <dgm:param type="parTxLTRAlign" val="l"/>
+                        <dgm:param type="txAnchorVertCh" val="mid"/>
+                      </dgm:alg>
+                      <dgm:shape xmlns:r="http://schemas.openxmlformats.org/officeDocument/2006/relationships" type="roundRect" r:blip="" hideGeom="1">
+                        <dgm:adjLst>
+                          <dgm:adj idx="1" val="0.1"/>
+                        </dgm:adjLst>
+                      </dgm:shape>
+                      <dgm:presOf axis="ch desOrSelf" ptType="node node" st="2 1" cnt="1 0"/>
+                      <dgm:constrLst>
+                        <dgm:constr type="lMarg" refType="primFontSz" fact="0.3"/>
+                        <dgm:constr type="rMarg" refType="primFontSz" fact="0.3"/>
+                        <dgm:constr type="tMarg" refType="primFontSz" fact="0.3"/>
+                        <dgm:constr type="bMarg" refType="primFontSz" fact="0.3"/>
+                      </dgm:constrLst>
+                      <dgm:ruleLst>
+                        <dgm:rule type="primFontSz" val="5" fact="NaN" max="NaN"/>
+                      </dgm:ruleLst>
+                    </dgm:layoutNode>
+                    <dgm:layoutNode name="FourNodes_3_text">
+                      <dgm:varLst>
+                        <dgm:bulletEnabled val="1"/>
+                      </dgm:varLst>
+                      <dgm:alg type="tx">
+                        <dgm:param type="parTxLTRAlign" val="l"/>
+                        <dgm:param type="txAnchorVertCh" val="mid"/>
+                      </dgm:alg>
+                      <dgm:shape xmlns:r="http://schemas.openxmlformats.org/officeDocument/2006/relationships" type="roundRect" r:blip="" hideGeom="1">
+                        <dgm:adjLst>
+                          <dgm:adj idx="1" val="0.1"/>
+                        </dgm:adjLst>
+                      </dgm:shape>
+                      <dgm:presOf axis="ch desOrSelf" ptType="node node" st="3 1" cnt="1 0"/>
+                      <dgm:constrLst>
+                        <dgm:constr type="lMarg" refType="primFontSz" fact="0.3"/>
+                        <dgm:constr type="rMarg" refType="primFontSz" fact="0.3"/>
+                        <dgm:constr type="tMarg" refType="primFontSz" fact="0.3"/>
+                        <dgm:constr type="bMarg" refType="primFontSz" fact="0.3"/>
+                      </dgm:constrLst>
+                      <dgm:ruleLst>
+                        <dgm:rule type="primFontSz" val="5" fact="NaN" max="NaN"/>
+                      </dgm:ruleLst>
+                    </dgm:layoutNode>
+                    <dgm:layoutNode name="FourNodes_4_text">
+                      <dgm:varLst>
+                        <dgm:bulletEnabled val="1"/>
+                      </dgm:varLst>
+                      <dgm:alg type="tx">
+                        <dgm:param type="parTxLTRAlign" val="l"/>
+                        <dgm:param type="txAnchorVertCh" val="mid"/>
+                      </dgm:alg>
+                      <dgm:shape xmlns:r="http://schemas.openxmlformats.org/officeDocument/2006/relationships" type="roundRect" r:blip="" hideGeom="1">
+                        <dgm:adjLst>
+                          <dgm:adj idx="1" val="0.1"/>
+                        </dgm:adjLst>
+                      </dgm:shape>
+                      <dgm:presOf axis="ch desOrSelf" ptType="node node" st="4 1" cnt="1 0"/>
+                      <dgm:constrLst>
+                        <dgm:constr type="lMarg" refType="primFontSz" fact="0.3"/>
+                        <dgm:constr type="rMarg" refType="primFontSz" fact="0.3"/>
+                        <dgm:constr type="tMarg" refType="primFontSz" fact="0.3"/>
+                        <dgm:constr type="bMarg" refType="primFontSz" fact="0.3"/>
+                      </dgm:constrLst>
+                      <dgm:ruleLst>
+                        <dgm:rule type="primFontSz" val="5" fact="NaN" max="NaN"/>
+                      </dgm:ruleLst>
+                    </dgm:layoutNode>
+                  </dgm:if>
+                  <dgm:else name="Name14">
+                    <dgm:choose name="Name15">
+                      <dgm:if name="Name16" axis="ch" ptType="node" func="cnt" op="gte" val="5">
+                        <dgm:layoutNode name="FiveNodes_1">
+                          <dgm:varLst>
+                            <dgm:bulletEnabled val="1"/>
+                          </dgm:varLst>
+                          <dgm:alg type="sp"/>
+                          <dgm:shape xmlns:r="http://schemas.openxmlformats.org/officeDocument/2006/relationships" type="roundRect" r:blip="">
+                            <dgm:adjLst>
+                              <dgm:adj idx="1" val="0.1"/>
+                            </dgm:adjLst>
+                          </dgm:shape>
+                          <dgm:presOf axis="ch desOrSelf" ptType="node node" st="1 1" cnt="1 0"/>
+                          <dgm:constrLst/>
+                          <dgm:ruleLst/>
+                        </dgm:layoutNode>
+                        <dgm:layoutNode name="FiveNodes_2">
+                          <dgm:varLst>
+                            <dgm:bulletEnabled val="1"/>
+                          </dgm:varLst>
+                          <dgm:alg type="sp"/>
+                          <dgm:shape xmlns:r="http://schemas.openxmlformats.org/officeDocument/2006/relationships" type="roundRect" r:blip="">
+                            <dgm:adjLst>
+                              <dgm:adj idx="1" val="0.1"/>
+                            </dgm:adjLst>
+                          </dgm:shape>
+                          <dgm:presOf axis="ch desOrSelf" ptType="node node" st="2 1" cnt="1 0"/>
+                          <dgm:constrLst/>
+                          <dgm:ruleLst/>
+                        </dgm:layoutNode>
+                        <dgm:layoutNode name="FiveNodes_3">
+                          <dgm:varLst>
+                            <dgm:bulletEnabled val="1"/>
+                          </dgm:varLst>
+                          <dgm:alg type="sp"/>
+                          <dgm:shape xmlns:r="http://schemas.openxmlformats.org/officeDocument/2006/relationships" type="roundRect" r:blip="">
+                            <dgm:adjLst>
+                              <dgm:adj idx="1" val="0.1"/>
+                            </dgm:adjLst>
+                          </dgm:shape>
+                          <dgm:presOf axis="ch desOrSelf" ptType="node node" st="3 1" cnt="1 0"/>
+                          <dgm:constrLst/>
+                          <dgm:ruleLst/>
+                        </dgm:layoutNode>
+                        <dgm:layoutNode name="FiveNodes_4">
+                          <dgm:varLst>
+                            <dgm:bulletEnabled val="1"/>
+                          </dgm:varLst>
+                          <dgm:alg type="sp"/>
+                          <dgm:shape xmlns:r="http://schemas.openxmlformats.org/officeDocument/2006/relationships" type="roundRect" r:blip="">
+                            <dgm:adjLst>
+                              <dgm:adj idx="1" val="0.1"/>
+                            </dgm:adjLst>
+                          </dgm:shape>
+                          <dgm:presOf axis="ch desOrSelf" ptType="node node" st="4 1" cnt="1 0"/>
+                          <dgm:constrLst/>
+                          <dgm:ruleLst/>
+                        </dgm:layoutNode>
+                        <dgm:layoutNode name="FiveNodes_5">
+                          <dgm:varLst>
+                            <dgm:bulletEnabled val="1"/>
+                          </dgm:varLst>
+                          <dgm:alg type="sp"/>
+                          <dgm:shape xmlns:r="http://schemas.openxmlformats.org/officeDocument/2006/relationships" type="roundRect" r:blip="">
+                            <dgm:adjLst>
+                              <dgm:adj idx="1" val="0.1"/>
+                            </dgm:adjLst>
+                          </dgm:shape>
+                          <dgm:presOf axis="ch desOrSelf" ptType="node node" st="5 1" cnt="1 0"/>
+                          <dgm:constrLst/>
+                          <dgm:ruleLst/>
+                        </dgm:layoutNode>
+                        <dgm:layoutNode name="FiveConn_1-2" styleLbl="fgAccFollowNode1">
+                          <dgm:varLst>
+                            <dgm:bulletEnabled val="1"/>
+                          </dgm:varLst>
+                          <dgm:alg type="tx"/>
+                          <dgm:shape xmlns:r="http://schemas.openxmlformats.org/officeDocument/2006/relationships" type="downArrow" r:blip="">
+                            <dgm:adjLst>
+                              <dgm:adj idx="1" val="0.55"/>
+                              <dgm:adj idx="2" val="0.45"/>
+                            </dgm:adjLst>
+                          </dgm:shape>
+                          <dgm:presOf axis="ch" ptType="sibTrans" cnt="1"/>
+                          <dgm:constrLst>
+                            <dgm:constr type="lMarg" refType="primFontSz" fact="0.1"/>
+                            <dgm:constr type="rMarg" refType="primFontSz" fact="0.1"/>
+                            <dgm:constr type="tMarg" refType="primFontSz" fact="0.1"/>
+                            <dgm:constr type="bMarg" refType="primFontSz" fact="0.1"/>
+                          </dgm:constrLst>
+                          <dgm:ruleLst>
+                            <dgm:rule type="primFontSz" val="5" fact="NaN" max="NaN"/>
+                          </dgm:ruleLst>
+                        </dgm:layoutNode>
+                        <dgm:layoutNode name="FiveConn_2-3" styleLbl="fgAccFollowNode1">
+                          <dgm:varLst>
+                            <dgm:bulletEnabled val="1"/>
+                          </dgm:varLst>
+                          <dgm:alg type="tx"/>
+                          <dgm:shape xmlns:r="http://schemas.openxmlformats.org/officeDocument/2006/relationships" type="downArrow" r:blip="">
+                            <dgm:adjLst>
+                              <dgm:adj idx="1" val="0.55"/>
+                              <dgm:adj idx="2" val="0.45"/>
+                            </dgm:adjLst>
+                          </dgm:shape>
+                          <dgm:presOf axis="ch" ptType="sibTrans" st="2" cnt="1"/>
+                          <dgm:constrLst>
+                            <dgm:constr type="lMarg" refType="primFontSz" fact="0.1"/>
+                            <dgm:constr type="rMarg" refType="primFontSz" fact="0.1"/>
+                            <dgm:constr type="tMarg" refType="primFontSz" fact="0.1"/>
+                            <dgm:constr type="bMarg" refType="primFontSz" fact="0.1"/>
+                          </dgm:constrLst>
+                          <dgm:ruleLst>
+                            <dgm:rule type="primFontSz" val="5" fact="NaN" max="NaN"/>
+                          </dgm:ruleLst>
+                        </dgm:layoutNode>
+                        <dgm:layoutNode name="FiveConn_3-4" styleLbl="fgAccFollowNode1">
+                          <dgm:varLst>
+                            <dgm:bulletEnabled val="1"/>
+                          </dgm:varLst>
+                          <dgm:alg type="tx"/>
+                          <dgm:shape xmlns:r="http://schemas.openxmlformats.org/officeDocument/2006/relationships" type="downArrow" r:blip="">
+                            <dgm:adjLst>
+                              <dgm:adj idx="1" val="0.55"/>
+                              <dgm:adj idx="2" val="0.45"/>
+                            </dgm:adjLst>
+                          </dgm:shape>
+                          <dgm:presOf axis="ch" ptType="sibTrans" st="3" cnt="1"/>
+                          <dgm:constrLst>
+                            <dgm:constr type="lMarg" refType="primFontSz" fact="0.1"/>
+                            <dgm:constr type="rMarg" refType="primFontSz" fact="0.1"/>
+                            <dgm:constr type="tMarg" refType="primFontSz" fact="0.1"/>
+                            <dgm:constr type="bMarg" refType="primFontSz" fact="0.1"/>
+                          </dgm:constrLst>
+                          <dgm:ruleLst>
+                            <dgm:rule type="primFontSz" val="5" fact="NaN" max="NaN"/>
+                          </dgm:ruleLst>
+                        </dgm:layoutNode>
+                        <dgm:layoutNode name="FiveConn_4-5" styleLbl="fgAccFollowNode1">
+                          <dgm:varLst>
+                            <dgm:bulletEnabled val="1"/>
+                          </dgm:varLst>
+                          <dgm:alg type="tx"/>
+                          <dgm:shape xmlns:r="http://schemas.openxmlformats.org/officeDocument/2006/relationships" type="downArrow" r:blip="">
+                            <dgm:adjLst>
+                              <dgm:adj idx="1" val="0.55"/>
+                              <dgm:adj idx="2" val="0.45"/>
+                            </dgm:adjLst>
+                          </dgm:shape>
+                          <dgm:presOf axis="ch" ptType="sibTrans" st="4" cnt="1"/>
+                          <dgm:constrLst>
+                            <dgm:constr type="lMarg" refType="primFontSz" fact="0.1"/>
+                            <dgm:constr type="rMarg" refType="primFontSz" fact="0.1"/>
+                            <dgm:constr type="tMarg" refType="primFontSz" fact="0.1"/>
+                            <dgm:constr type="bMarg" refType="primFontSz" fact="0.1"/>
+                          </dgm:constrLst>
+                          <dgm:ruleLst>
+                            <dgm:rule type="primFontSz" val="5" fact="NaN" max="NaN"/>
+                          </dgm:ruleLst>
+                        </dgm:layoutNode>
+                        <dgm:layoutNode name="FiveNodes_1_text">
+                          <dgm:varLst>
+                            <dgm:bulletEnabled val="1"/>
+                          </dgm:varLst>
+                          <dgm:alg type="tx">
+                            <dgm:param type="parTxLTRAlign" val="l"/>
+                            <dgm:param type="txAnchorVertCh" val="mid"/>
+                          </dgm:alg>
+                          <dgm:shape xmlns:r="http://schemas.openxmlformats.org/officeDocument/2006/relationships" type="roundRect" r:blip="" hideGeom="1">
+                            <dgm:adjLst>
+                              <dgm:adj idx="1" val="0.1"/>
+                            </dgm:adjLst>
+                          </dgm:shape>
+                          <dgm:presOf axis="ch desOrSelf" ptType="node node" st="1 1" cnt="1 0"/>
+                          <dgm:constrLst>
+                            <dgm:constr type="lMarg" refType="primFontSz" fact="0.3"/>
+                            <dgm:constr type="rMarg" refType="primFontSz" fact="0.3"/>
+                            <dgm:constr type="tMarg" refType="primFontSz" fact="0.3"/>
+                            <dgm:constr type="bMarg" refType="primFontSz" fact="0.3"/>
+                          </dgm:constrLst>
+                          <dgm:ruleLst>
+                            <dgm:rule type="primFontSz" val="5" fact="NaN" max="NaN"/>
+                          </dgm:ruleLst>
+                        </dgm:layoutNode>
+                        <dgm:layoutNode name="FiveNodes_2_text">
+                          <dgm:varLst>
+                            <dgm:bulletEnabled val="1"/>
+                          </dgm:varLst>
+                          <dgm:alg type="tx">
+                            <dgm:param type="parTxLTRAlign" val="l"/>
+                            <dgm:param type="txAnchorVertCh" val="mid"/>
+                          </dgm:alg>
+                          <dgm:shape xmlns:r="http://schemas.openxmlformats.org/officeDocument/2006/relationships" type="roundRect" r:blip="" hideGeom="1">
+                            <dgm:adjLst>
+                              <dgm:adj idx="1" val="0.1"/>
+                            </dgm:adjLst>
+                          </dgm:shape>
+                          <dgm:presOf axis="ch desOrSelf" ptType="node node" st="2 1" cnt="1 0"/>
+                          <dgm:constrLst>
+                            <dgm:constr type="lMarg" refType="primFontSz" fact="0.3"/>
+                            <dgm:constr type="rMarg" refType="primFontSz" fact="0.3"/>
+                            <dgm:constr type="tMarg" refType="primFontSz" fact="0.3"/>
+                            <dgm:constr type="bMarg" refType="primFontSz" fact="0.3"/>
+                          </dgm:constrLst>
+                          <dgm:ruleLst>
+                            <dgm:rule type="primFontSz" val="5" fact="NaN" max="NaN"/>
+                          </dgm:ruleLst>
+                        </dgm:layoutNode>
+                        <dgm:layoutNode name="FiveNodes_3_text">
+                          <dgm:varLst>
+                            <dgm:bulletEnabled val="1"/>
+                          </dgm:varLst>
+                          <dgm:alg type="tx">
+                            <dgm:param type="parTxLTRAlign" val="l"/>
+                            <dgm:param type="txAnchorVertCh" val="mid"/>
+                          </dgm:alg>
+                          <dgm:shape xmlns:r="http://schemas.openxmlformats.org/officeDocument/2006/relationships" type="roundRect" r:blip="" hideGeom="1">
+                            <dgm:adjLst>
+                              <dgm:adj idx="1" val="0.1"/>
+                            </dgm:adjLst>
+                          </dgm:shape>
+                          <dgm:presOf axis="ch desOrSelf" ptType="node node" st="3 1" cnt="1 0"/>
+                          <dgm:constrLst>
+                            <dgm:constr type="lMarg" refType="primFontSz" fact="0.3"/>
+                            <dgm:constr type="rMarg" refType="primFontSz" fact="0.3"/>
+                            <dgm:constr type="tMarg" refType="primFontSz" fact="0.3"/>
+                            <dgm:constr type="bMarg" refType="primFontSz" fact="0.3"/>
+                          </dgm:constrLst>
+                          <dgm:ruleLst>
+                            <dgm:rule type="primFontSz" val="5" fact="NaN" max="NaN"/>
+                          </dgm:ruleLst>
+                        </dgm:layoutNode>
+                        <dgm:layoutNode name="FiveNodes_4_text">
+                          <dgm:varLst>
+                            <dgm:bulletEnabled val="1"/>
+                          </dgm:varLst>
+                          <dgm:alg type="tx">
+                            <dgm:param type="parTxLTRAlign" val="l"/>
+                            <dgm:param type="txAnchorVertCh" val="mid"/>
+                          </dgm:alg>
+                          <dgm:shape xmlns:r="http://schemas.openxmlformats.org/officeDocument/2006/relationships" type="roundRect" r:blip="" hideGeom="1">
+                            <dgm:adjLst>
+                              <dgm:adj idx="1" val="0.1"/>
+                            </dgm:adjLst>
+                          </dgm:shape>
+                          <dgm:presOf axis="ch desOrSelf" ptType="node node" st="4 1" cnt="1 0"/>
+                          <dgm:constrLst>
+                            <dgm:constr type="lMarg" refType="primFontSz" fact="0.3"/>
+                            <dgm:constr type="rMarg" refType="primFontSz" fact="0.3"/>
+                            <dgm:constr type="tMarg" refType="primFontSz" fact="0.3"/>
+                            <dgm:constr type="bMarg" refType="primFontSz" fact="0.3"/>
+                          </dgm:constrLst>
+                          <dgm:ruleLst>
+                            <dgm:rule type="primFontSz" val="5" fact="NaN" max="NaN"/>
+                          </dgm:ruleLst>
+                        </dgm:layoutNode>
+                        <dgm:layoutNode name="FiveNodes_5_text">
+                          <dgm:varLst>
+                            <dgm:bulletEnabled val="1"/>
+                          </dgm:varLst>
+                          <dgm:alg type="tx">
+                            <dgm:param type="parTxLTRAlign" val="l"/>
+                            <dgm:param type="txAnchorVertCh" val="mid"/>
+                          </dgm:alg>
+                          <dgm:shape xmlns:r="http://schemas.openxmlformats.org/officeDocument/2006/relationships" type="roundRect" r:blip="" hideGeom="1">
+                            <dgm:adjLst>
+                              <dgm:adj idx="1" val="0.1"/>
+                            </dgm:adjLst>
+                          </dgm:shape>
+                          <dgm:presOf axis="ch desOrSelf" ptType="node node" st="5 1" cnt="1 0"/>
+                          <dgm:constrLst>
+                            <dgm:constr type="lMarg" refType="primFontSz" fact="0.3"/>
+                            <dgm:constr type="rMarg" refType="primFontSz" fact="0.3"/>
+                            <dgm:constr type="tMarg" refType="primFontSz" fact="0.3"/>
+                            <dgm:constr type="bMarg" refType="primFontSz" fact="0.3"/>
+                          </dgm:constrLst>
+                          <dgm:ruleLst>
+                            <dgm:rule type="primFontSz" val="5" fact="NaN" max="NaN"/>
+                          </dgm:ruleLst>
+                        </dgm:layoutNode>
+                      </dgm:if>
+                      <dgm:else name="Name17"/>
+                    </dgm:choose>
+                  </dgm:else>
+                </dgm:choose>
+              </dgm:else>
+            </dgm:choose>
+          </dgm:else>
+        </dgm:choose>
+      </dgm:else>
+    </dgm:choose>
   </dgm:layoutNode>
 </dgm:layoutDef>
 </file>
@@ -2986,6 +4353,858 @@
     </dgm:style>
   </dgm:styleLbl>
 </dgm:styleDef>
+</file>
+
+<file path=ppt/notesMasters/notesMaster1.xml><?xml version="1.0" encoding="utf-8"?>
+<p:notesMaster xmlns:a="http://schemas.openxmlformats.org/drawingml/2006/main" xmlns:r="http://schemas.openxmlformats.org/officeDocument/2006/relationships" xmlns:p="http://schemas.openxmlformats.org/presentationml/2006/main">
+  <p:cSld>
+    <p:bg>
+      <p:bgRef idx="1001">
+        <a:schemeClr val="bg1"/>
+      </p:bgRef>
+    </p:bg>
+    <p:spTree>
+      <p:nvGrpSpPr>
+        <p:cNvPr id="1" name=""/>
+        <p:cNvGrpSpPr/>
+        <p:nvPr/>
+      </p:nvGrpSpPr>
+      <p:grpSpPr>
+        <a:xfrm>
+          <a:off x="0" y="0"/>
+          <a:ext cx="0" cy="0"/>
+          <a:chOff x="0" y="0"/>
+          <a:chExt cx="0" cy="0"/>
+        </a:xfrm>
+      </p:grpSpPr>
+      <p:sp>
+        <p:nvSpPr>
+          <p:cNvPr id="2" name="Tijdelijke aanduiding voor koptekst 1"/>
+          <p:cNvSpPr>
+            <a:spLocks noGrp="1"/>
+          </p:cNvSpPr>
+          <p:nvPr>
+            <p:ph type="hdr" sz="quarter"/>
+          </p:nvPr>
+        </p:nvSpPr>
+        <p:spPr>
+          <a:xfrm>
+            <a:off x="0" y="0"/>
+            <a:ext cx="2971800" cy="458788"/>
+          </a:xfrm>
+          <a:prstGeom prst="rect">
+            <a:avLst/>
+          </a:prstGeom>
+        </p:spPr>
+        <p:txBody>
+          <a:bodyPr vert="horz" lIns="91440" tIns="45720" rIns="91440" bIns="45720" rtlCol="0"/>
+          <a:lstStyle>
+            <a:lvl1pPr algn="l">
+              <a:defRPr sz="1200"/>
+            </a:lvl1pPr>
+          </a:lstStyle>
+          <a:p>
+            <a:endParaRPr lang="nl-NL"/>
+          </a:p>
+        </p:txBody>
+      </p:sp>
+      <p:sp>
+        <p:nvSpPr>
+          <p:cNvPr id="3" name="Tijdelijke aanduiding voor datum 2"/>
+          <p:cNvSpPr>
+            <a:spLocks noGrp="1"/>
+          </p:cNvSpPr>
+          <p:nvPr>
+            <p:ph type="dt" idx="1"/>
+          </p:nvPr>
+        </p:nvSpPr>
+        <p:spPr>
+          <a:xfrm>
+            <a:off x="3884613" y="0"/>
+            <a:ext cx="2971800" cy="458788"/>
+          </a:xfrm>
+          <a:prstGeom prst="rect">
+            <a:avLst/>
+          </a:prstGeom>
+        </p:spPr>
+        <p:txBody>
+          <a:bodyPr vert="horz" lIns="91440" tIns="45720" rIns="91440" bIns="45720" rtlCol="0"/>
+          <a:lstStyle>
+            <a:lvl1pPr algn="r">
+              <a:defRPr sz="1200"/>
+            </a:lvl1pPr>
+          </a:lstStyle>
+          <a:p>
+            <a:fld id="{C722F3E1-CB26-48F9-850F-095D388C7B08}" type="datetimeFigureOut">
+              <a:rPr lang="nl-NL" smtClean="0"/>
+              <a:t>7-10-2024</a:t>
+            </a:fld>
+            <a:endParaRPr lang="nl-NL"/>
+          </a:p>
+        </p:txBody>
+      </p:sp>
+      <p:sp>
+        <p:nvSpPr>
+          <p:cNvPr id="4" name="Tijdelijke aanduiding voor dia-afbeelding 3"/>
+          <p:cNvSpPr>
+            <a:spLocks noGrp="1" noRot="1" noChangeAspect="1"/>
+          </p:cNvSpPr>
+          <p:nvPr>
+            <p:ph type="sldImg" idx="2"/>
+          </p:nvPr>
+        </p:nvSpPr>
+        <p:spPr>
+          <a:xfrm>
+            <a:off x="685800" y="1143000"/>
+            <a:ext cx="5486400" cy="3086100"/>
+          </a:xfrm>
+          <a:prstGeom prst="rect">
+            <a:avLst/>
+          </a:prstGeom>
+          <a:noFill/>
+          <a:ln w="12700">
+            <a:solidFill>
+              <a:prstClr val="black"/>
+            </a:solidFill>
+          </a:ln>
+        </p:spPr>
+        <p:txBody>
+          <a:bodyPr vert="horz" lIns="91440" tIns="45720" rIns="91440" bIns="45720" rtlCol="0" anchor="ctr"/>
+          <a:lstStyle/>
+          <a:p>
+            <a:endParaRPr lang="nl-NL"/>
+          </a:p>
+        </p:txBody>
+      </p:sp>
+      <p:sp>
+        <p:nvSpPr>
+          <p:cNvPr id="5" name="Tijdelijke aanduiding voor notities 4"/>
+          <p:cNvSpPr>
+            <a:spLocks noGrp="1"/>
+          </p:cNvSpPr>
+          <p:nvPr>
+            <p:ph type="body" sz="quarter" idx="3"/>
+          </p:nvPr>
+        </p:nvSpPr>
+        <p:spPr>
+          <a:xfrm>
+            <a:off x="685800" y="4400550"/>
+            <a:ext cx="5486400" cy="3600450"/>
+          </a:xfrm>
+          <a:prstGeom prst="rect">
+            <a:avLst/>
+          </a:prstGeom>
+        </p:spPr>
+        <p:txBody>
+          <a:bodyPr vert="horz" lIns="91440" tIns="45720" rIns="91440" bIns="45720" rtlCol="0"/>
+          <a:lstStyle/>
+          <a:p>
+            <a:pPr lvl="0"/>
+            <a:r>
+              <a:rPr lang="nl-NL"/>
+              <a:t>Klikken om de tekststijl van het model te bewerken</a:t>
+            </a:r>
+          </a:p>
+          <a:p>
+            <a:pPr lvl="1"/>
+            <a:r>
+              <a:rPr lang="nl-NL"/>
+              <a:t>Tweede niveau</a:t>
+            </a:r>
+          </a:p>
+          <a:p>
+            <a:pPr lvl="2"/>
+            <a:r>
+              <a:rPr lang="nl-NL"/>
+              <a:t>Derde niveau</a:t>
+            </a:r>
+          </a:p>
+          <a:p>
+            <a:pPr lvl="3"/>
+            <a:r>
+              <a:rPr lang="nl-NL"/>
+              <a:t>Vierde niveau</a:t>
+            </a:r>
+          </a:p>
+          <a:p>
+            <a:pPr lvl="4"/>
+            <a:r>
+              <a:rPr lang="nl-NL"/>
+              <a:t>Vijfde niveau</a:t>
+            </a:r>
+          </a:p>
+        </p:txBody>
+      </p:sp>
+      <p:sp>
+        <p:nvSpPr>
+          <p:cNvPr id="6" name="Tijdelijke aanduiding voor voettekst 5"/>
+          <p:cNvSpPr>
+            <a:spLocks noGrp="1"/>
+          </p:cNvSpPr>
+          <p:nvPr>
+            <p:ph type="ftr" sz="quarter" idx="4"/>
+          </p:nvPr>
+        </p:nvSpPr>
+        <p:spPr>
+          <a:xfrm>
+            <a:off x="0" y="8685213"/>
+            <a:ext cx="2971800" cy="458787"/>
+          </a:xfrm>
+          <a:prstGeom prst="rect">
+            <a:avLst/>
+          </a:prstGeom>
+        </p:spPr>
+        <p:txBody>
+          <a:bodyPr vert="horz" lIns="91440" tIns="45720" rIns="91440" bIns="45720" rtlCol="0" anchor="b"/>
+          <a:lstStyle>
+            <a:lvl1pPr algn="l">
+              <a:defRPr sz="1200"/>
+            </a:lvl1pPr>
+          </a:lstStyle>
+          <a:p>
+            <a:endParaRPr lang="nl-NL"/>
+          </a:p>
+        </p:txBody>
+      </p:sp>
+      <p:sp>
+        <p:nvSpPr>
+          <p:cNvPr id="7" name="Tijdelijke aanduiding voor dianummer 6"/>
+          <p:cNvSpPr>
+            <a:spLocks noGrp="1"/>
+          </p:cNvSpPr>
+          <p:nvPr>
+            <p:ph type="sldNum" sz="quarter" idx="5"/>
+          </p:nvPr>
+        </p:nvSpPr>
+        <p:spPr>
+          <a:xfrm>
+            <a:off x="3884613" y="8685213"/>
+            <a:ext cx="2971800" cy="458787"/>
+          </a:xfrm>
+          <a:prstGeom prst="rect">
+            <a:avLst/>
+          </a:prstGeom>
+        </p:spPr>
+        <p:txBody>
+          <a:bodyPr vert="horz" lIns="91440" tIns="45720" rIns="91440" bIns="45720" rtlCol="0" anchor="b"/>
+          <a:lstStyle>
+            <a:lvl1pPr algn="r">
+              <a:defRPr sz="1200"/>
+            </a:lvl1pPr>
+          </a:lstStyle>
+          <a:p>
+            <a:fld id="{AB363037-1310-4CF1-84A3-3BF13FF51853}" type="slidenum">
+              <a:rPr lang="nl-NL" smtClean="0"/>
+              <a:t>‹nr.›</a:t>
+            </a:fld>
+            <a:endParaRPr lang="nl-NL"/>
+          </a:p>
+        </p:txBody>
+      </p:sp>
+    </p:spTree>
+    <p:extLst>
+      <p:ext uri="{BB962C8B-B14F-4D97-AF65-F5344CB8AC3E}">
+        <p14:creationId xmlns:p14="http://schemas.microsoft.com/office/powerpoint/2010/main" val="1922099806"/>
+      </p:ext>
+    </p:extLst>
+  </p:cSld>
+  <p:clrMap bg1="lt1" tx1="dk1" bg2="lt2" tx2="dk2" accent1="accent1" accent2="accent2" accent3="accent3" accent4="accent4" accent5="accent5" accent6="accent6" hlink="hlink" folHlink="folHlink"/>
+  <p:notesStyle>
+    <a:lvl1pPr marL="0" algn="l" defTabSz="914400" rtl="0" eaLnBrk="1" latinLnBrk="0" hangingPunct="1">
+      <a:defRPr sz="1200" kern="1200">
+        <a:solidFill>
+          <a:schemeClr val="tx1"/>
+        </a:solidFill>
+        <a:latin typeface="+mn-lt"/>
+        <a:ea typeface="+mn-ea"/>
+        <a:cs typeface="+mn-cs"/>
+      </a:defRPr>
+    </a:lvl1pPr>
+    <a:lvl2pPr marL="457200" algn="l" defTabSz="914400" rtl="0" eaLnBrk="1" latinLnBrk="0" hangingPunct="1">
+      <a:defRPr sz="1200" kern="1200">
+        <a:solidFill>
+          <a:schemeClr val="tx1"/>
+        </a:solidFill>
+        <a:latin typeface="+mn-lt"/>
+        <a:ea typeface="+mn-ea"/>
+        <a:cs typeface="+mn-cs"/>
+      </a:defRPr>
+    </a:lvl2pPr>
+    <a:lvl3pPr marL="914400" algn="l" defTabSz="914400" rtl="0" eaLnBrk="1" latinLnBrk="0" hangingPunct="1">
+      <a:defRPr sz="1200" kern="1200">
+        <a:solidFill>
+          <a:schemeClr val="tx1"/>
+        </a:solidFill>
+        <a:latin typeface="+mn-lt"/>
+        <a:ea typeface="+mn-ea"/>
+        <a:cs typeface="+mn-cs"/>
+      </a:defRPr>
+    </a:lvl3pPr>
+    <a:lvl4pPr marL="1371600" algn="l" defTabSz="914400" rtl="0" eaLnBrk="1" latinLnBrk="0" hangingPunct="1">
+      <a:defRPr sz="1200" kern="1200">
+        <a:solidFill>
+          <a:schemeClr val="tx1"/>
+        </a:solidFill>
+        <a:latin typeface="+mn-lt"/>
+        <a:ea typeface="+mn-ea"/>
+        <a:cs typeface="+mn-cs"/>
+      </a:defRPr>
+    </a:lvl4pPr>
+    <a:lvl5pPr marL="1828800" algn="l" defTabSz="914400" rtl="0" eaLnBrk="1" latinLnBrk="0" hangingPunct="1">
+      <a:defRPr sz="1200" kern="1200">
+        <a:solidFill>
+          <a:schemeClr val="tx1"/>
+        </a:solidFill>
+        <a:latin typeface="+mn-lt"/>
+        <a:ea typeface="+mn-ea"/>
+        <a:cs typeface="+mn-cs"/>
+      </a:defRPr>
+    </a:lvl5pPr>
+    <a:lvl6pPr marL="2286000" algn="l" defTabSz="914400" rtl="0" eaLnBrk="1" latinLnBrk="0" hangingPunct="1">
+      <a:defRPr sz="1200" kern="1200">
+        <a:solidFill>
+          <a:schemeClr val="tx1"/>
+        </a:solidFill>
+        <a:latin typeface="+mn-lt"/>
+        <a:ea typeface="+mn-ea"/>
+        <a:cs typeface="+mn-cs"/>
+      </a:defRPr>
+    </a:lvl6pPr>
+    <a:lvl7pPr marL="2743200" algn="l" defTabSz="914400" rtl="0" eaLnBrk="1" latinLnBrk="0" hangingPunct="1">
+      <a:defRPr sz="1200" kern="1200">
+        <a:solidFill>
+          <a:schemeClr val="tx1"/>
+        </a:solidFill>
+        <a:latin typeface="+mn-lt"/>
+        <a:ea typeface="+mn-ea"/>
+        <a:cs typeface="+mn-cs"/>
+      </a:defRPr>
+    </a:lvl7pPr>
+    <a:lvl8pPr marL="3200400" algn="l" defTabSz="914400" rtl="0" eaLnBrk="1" latinLnBrk="0" hangingPunct="1">
+      <a:defRPr sz="1200" kern="1200">
+        <a:solidFill>
+          <a:schemeClr val="tx1"/>
+        </a:solidFill>
+        <a:latin typeface="+mn-lt"/>
+        <a:ea typeface="+mn-ea"/>
+        <a:cs typeface="+mn-cs"/>
+      </a:defRPr>
+    </a:lvl8pPr>
+    <a:lvl9pPr marL="3657600" algn="l" defTabSz="914400" rtl="0" eaLnBrk="1" latinLnBrk="0" hangingPunct="1">
+      <a:defRPr sz="1200" kern="1200">
+        <a:solidFill>
+          <a:schemeClr val="tx1"/>
+        </a:solidFill>
+        <a:latin typeface="+mn-lt"/>
+        <a:ea typeface="+mn-ea"/>
+        <a:cs typeface="+mn-cs"/>
+      </a:defRPr>
+    </a:lvl9pPr>
+  </p:notesStyle>
+</p:notesMaster>
+</file>
+
+<file path=ppt/notesSlides/notesSlide1.xml><?xml version="1.0" encoding="utf-8"?>
+<p:notes xmlns:a="http://schemas.openxmlformats.org/drawingml/2006/main" xmlns:r="http://schemas.openxmlformats.org/officeDocument/2006/relationships" xmlns:p="http://schemas.openxmlformats.org/presentationml/2006/main">
+  <p:cSld>
+    <p:spTree>
+      <p:nvGrpSpPr>
+        <p:cNvPr id="1" name=""/>
+        <p:cNvGrpSpPr/>
+        <p:nvPr/>
+      </p:nvGrpSpPr>
+      <p:grpSpPr>
+        <a:xfrm>
+          <a:off x="0" y="0"/>
+          <a:ext cx="0" cy="0"/>
+          <a:chOff x="0" y="0"/>
+          <a:chExt cx="0" cy="0"/>
+        </a:xfrm>
+      </p:grpSpPr>
+      <p:sp>
+        <p:nvSpPr>
+          <p:cNvPr id="2" name="Tijdelijke aanduiding voor dia-afbeelding 1"/>
+          <p:cNvSpPr>
+            <a:spLocks noGrp="1" noRot="1" noChangeAspect="1"/>
+          </p:cNvSpPr>
+          <p:nvPr>
+            <p:ph type="sldImg"/>
+          </p:nvPr>
+        </p:nvSpPr>
+        <p:spPr/>
+      </p:sp>
+      <p:sp>
+        <p:nvSpPr>
+          <p:cNvPr id="3" name="Tijdelijke aanduiding voor notities 2"/>
+          <p:cNvSpPr>
+            <a:spLocks noGrp="1"/>
+          </p:cNvSpPr>
+          <p:nvPr>
+            <p:ph type="body" idx="1"/>
+          </p:nvPr>
+        </p:nvSpPr>
+        <p:spPr/>
+        <p:txBody>
+          <a:bodyPr/>
+          <a:lstStyle/>
+          <a:p>
+            <a:endParaRPr lang="nl-BE" dirty="0"/>
+          </a:p>
+        </p:txBody>
+      </p:sp>
+      <p:sp>
+        <p:nvSpPr>
+          <p:cNvPr id="4" name="Tijdelijke aanduiding voor dianummer 3"/>
+          <p:cNvSpPr>
+            <a:spLocks noGrp="1"/>
+          </p:cNvSpPr>
+          <p:nvPr>
+            <p:ph type="sldNum" sz="quarter" idx="5"/>
+          </p:nvPr>
+        </p:nvSpPr>
+        <p:spPr/>
+        <p:txBody>
+          <a:bodyPr/>
+          <a:lstStyle/>
+          <a:p>
+            <a:fld id="{AB363037-1310-4CF1-84A3-3BF13FF51853}" type="slidenum">
+              <a:rPr lang="nl-NL" smtClean="0"/>
+              <a:t>1</a:t>
+            </a:fld>
+            <a:endParaRPr lang="nl-NL"/>
+          </a:p>
+        </p:txBody>
+      </p:sp>
+    </p:spTree>
+    <p:extLst>
+      <p:ext uri="{BB962C8B-B14F-4D97-AF65-F5344CB8AC3E}">
+        <p14:creationId xmlns:p14="http://schemas.microsoft.com/office/powerpoint/2010/main" val="513018331"/>
+      </p:ext>
+    </p:extLst>
+  </p:cSld>
+  <p:clrMapOvr>
+    <a:masterClrMapping/>
+  </p:clrMapOvr>
+</p:notes>
+</file>
+
+<file path=ppt/notesSlides/notesSlide2.xml><?xml version="1.0" encoding="utf-8"?>
+<p:notes xmlns:a="http://schemas.openxmlformats.org/drawingml/2006/main" xmlns:r="http://schemas.openxmlformats.org/officeDocument/2006/relationships" xmlns:p="http://schemas.openxmlformats.org/presentationml/2006/main">
+  <p:cSld>
+    <p:spTree>
+      <p:nvGrpSpPr>
+        <p:cNvPr id="1" name=""/>
+        <p:cNvGrpSpPr/>
+        <p:nvPr/>
+      </p:nvGrpSpPr>
+      <p:grpSpPr>
+        <a:xfrm>
+          <a:off x="0" y="0"/>
+          <a:ext cx="0" cy="0"/>
+          <a:chOff x="0" y="0"/>
+          <a:chExt cx="0" cy="0"/>
+        </a:xfrm>
+      </p:grpSpPr>
+      <p:sp>
+        <p:nvSpPr>
+          <p:cNvPr id="2" name="Tijdelijke aanduiding voor dia-afbeelding 1"/>
+          <p:cNvSpPr>
+            <a:spLocks noGrp="1" noRot="1" noChangeAspect="1"/>
+          </p:cNvSpPr>
+          <p:nvPr>
+            <p:ph type="sldImg"/>
+          </p:nvPr>
+        </p:nvSpPr>
+        <p:spPr/>
+      </p:sp>
+      <p:sp>
+        <p:nvSpPr>
+          <p:cNvPr id="3" name="Tijdelijke aanduiding voor notities 2"/>
+          <p:cNvSpPr>
+            <a:spLocks noGrp="1"/>
+          </p:cNvSpPr>
+          <p:nvPr>
+            <p:ph type="body" idx="1"/>
+          </p:nvPr>
+        </p:nvSpPr>
+        <p:spPr/>
+        <p:txBody>
+          <a:bodyPr/>
+          <a:lstStyle/>
+          <a:p>
+            <a:endParaRPr lang="nl-NL" dirty="0"/>
+          </a:p>
+        </p:txBody>
+      </p:sp>
+      <p:sp>
+        <p:nvSpPr>
+          <p:cNvPr id="4" name="Tijdelijke aanduiding voor dianummer 3"/>
+          <p:cNvSpPr>
+            <a:spLocks noGrp="1"/>
+          </p:cNvSpPr>
+          <p:nvPr>
+            <p:ph type="sldNum" sz="quarter" idx="5"/>
+          </p:nvPr>
+        </p:nvSpPr>
+        <p:spPr/>
+        <p:txBody>
+          <a:bodyPr/>
+          <a:lstStyle/>
+          <a:p>
+            <a:fld id="{AB363037-1310-4CF1-84A3-3BF13FF51853}" type="slidenum">
+              <a:rPr lang="nl-NL" smtClean="0"/>
+              <a:t>3</a:t>
+            </a:fld>
+            <a:endParaRPr lang="nl-NL"/>
+          </a:p>
+        </p:txBody>
+      </p:sp>
+    </p:spTree>
+    <p:extLst>
+      <p:ext uri="{BB962C8B-B14F-4D97-AF65-F5344CB8AC3E}">
+        <p14:creationId xmlns:p14="http://schemas.microsoft.com/office/powerpoint/2010/main" val="895495498"/>
+      </p:ext>
+    </p:extLst>
+  </p:cSld>
+  <p:clrMapOvr>
+    <a:masterClrMapping/>
+  </p:clrMapOvr>
+</p:notes>
+</file>
+
+<file path=ppt/notesSlides/notesSlide3.xml><?xml version="1.0" encoding="utf-8"?>
+<p:notes xmlns:a="http://schemas.openxmlformats.org/drawingml/2006/main" xmlns:r="http://schemas.openxmlformats.org/officeDocument/2006/relationships" xmlns:p="http://schemas.openxmlformats.org/presentationml/2006/main">
+  <p:cSld>
+    <p:spTree>
+      <p:nvGrpSpPr>
+        <p:cNvPr id="1" name=""/>
+        <p:cNvGrpSpPr/>
+        <p:nvPr/>
+      </p:nvGrpSpPr>
+      <p:grpSpPr>
+        <a:xfrm>
+          <a:off x="0" y="0"/>
+          <a:ext cx="0" cy="0"/>
+          <a:chOff x="0" y="0"/>
+          <a:chExt cx="0" cy="0"/>
+        </a:xfrm>
+      </p:grpSpPr>
+      <p:sp>
+        <p:nvSpPr>
+          <p:cNvPr id="2" name="Tijdelijke aanduiding voor dia-afbeelding 1"/>
+          <p:cNvSpPr>
+            <a:spLocks noGrp="1" noRot="1" noChangeAspect="1"/>
+          </p:cNvSpPr>
+          <p:nvPr>
+            <p:ph type="sldImg"/>
+          </p:nvPr>
+        </p:nvSpPr>
+        <p:spPr/>
+      </p:sp>
+      <p:sp>
+        <p:nvSpPr>
+          <p:cNvPr id="3" name="Tijdelijke aanduiding voor notities 2"/>
+          <p:cNvSpPr>
+            <a:spLocks noGrp="1"/>
+          </p:cNvSpPr>
+          <p:nvPr>
+            <p:ph type="body" idx="1"/>
+          </p:nvPr>
+        </p:nvSpPr>
+        <p:spPr/>
+        <p:txBody>
+          <a:bodyPr/>
+          <a:lstStyle/>
+          <a:p>
+            <a:r>
+              <a:rPr lang="nl-BE" sz="3200" dirty="0"/>
+              <a:t>Weegschaal</a:t>
+            </a:r>
+          </a:p>
+          <a:p>
+            <a:pPr lvl="1"/>
+            <a:r>
+              <a:rPr lang="nl-BE" sz="3000" dirty="0"/>
+              <a:t>Spiermassa, eiwitgehalte, …</a:t>
+            </a:r>
+          </a:p>
+          <a:p>
+            <a:r>
+              <a:rPr lang="nl-BE" sz="3200" dirty="0"/>
+              <a:t>Horloges</a:t>
+            </a:r>
+          </a:p>
+          <a:p>
+            <a:pPr lvl="1"/>
+            <a:r>
+              <a:rPr lang="nl-BE" sz="3000" dirty="0"/>
+              <a:t>Calorieën, meters, …</a:t>
+            </a:r>
+          </a:p>
+          <a:p>
+            <a:r>
+              <a:rPr lang="nl-BE" sz="3200" dirty="0"/>
+              <a:t>Dieet apps</a:t>
+            </a:r>
+          </a:p>
+          <a:p>
+            <a:r>
+              <a:rPr lang="nl-BE" sz="3200" dirty="0"/>
+              <a:t>Revalidatie</a:t>
+            </a:r>
+          </a:p>
+          <a:p>
+            <a:pPr lvl="1"/>
+            <a:r>
+              <a:rPr lang="nl-BE" sz="3000" dirty="0"/>
+              <a:t>Krachtmetingen, scans, …</a:t>
+            </a:r>
+          </a:p>
+          <a:p>
+            <a:endParaRPr lang="nl-BE" dirty="0"/>
+          </a:p>
+        </p:txBody>
+      </p:sp>
+      <p:sp>
+        <p:nvSpPr>
+          <p:cNvPr id="4" name="Tijdelijke aanduiding voor dianummer 3"/>
+          <p:cNvSpPr>
+            <a:spLocks noGrp="1"/>
+          </p:cNvSpPr>
+          <p:nvPr>
+            <p:ph type="sldNum" sz="quarter" idx="5"/>
+          </p:nvPr>
+        </p:nvSpPr>
+        <p:spPr/>
+        <p:txBody>
+          <a:bodyPr/>
+          <a:lstStyle/>
+          <a:p>
+            <a:fld id="{AB363037-1310-4CF1-84A3-3BF13FF51853}" type="slidenum">
+              <a:rPr lang="nl-NL" smtClean="0"/>
+              <a:t>4</a:t>
+            </a:fld>
+            <a:endParaRPr lang="nl-NL"/>
+          </a:p>
+        </p:txBody>
+      </p:sp>
+    </p:spTree>
+    <p:extLst>
+      <p:ext uri="{BB962C8B-B14F-4D97-AF65-F5344CB8AC3E}">
+        <p14:creationId xmlns:p14="http://schemas.microsoft.com/office/powerpoint/2010/main" val="2474943307"/>
+      </p:ext>
+    </p:extLst>
+  </p:cSld>
+  <p:clrMapOvr>
+    <a:masterClrMapping/>
+  </p:clrMapOvr>
+</p:notes>
+</file>
+
+<file path=ppt/notesSlides/notesSlide4.xml><?xml version="1.0" encoding="utf-8"?>
+<p:notes xmlns:a="http://schemas.openxmlformats.org/drawingml/2006/main" xmlns:r="http://schemas.openxmlformats.org/officeDocument/2006/relationships" xmlns:p="http://schemas.openxmlformats.org/presentationml/2006/main">
+  <p:cSld>
+    <p:spTree>
+      <p:nvGrpSpPr>
+        <p:cNvPr id="1" name=""/>
+        <p:cNvGrpSpPr/>
+        <p:nvPr/>
+      </p:nvGrpSpPr>
+      <p:grpSpPr>
+        <a:xfrm>
+          <a:off x="0" y="0"/>
+          <a:ext cx="0" cy="0"/>
+          <a:chOff x="0" y="0"/>
+          <a:chExt cx="0" cy="0"/>
+        </a:xfrm>
+      </p:grpSpPr>
+      <p:sp>
+        <p:nvSpPr>
+          <p:cNvPr id="2" name="Tijdelijke aanduiding voor dia-afbeelding 1"/>
+          <p:cNvSpPr>
+            <a:spLocks noGrp="1" noRot="1" noChangeAspect="1"/>
+          </p:cNvSpPr>
+          <p:nvPr>
+            <p:ph type="sldImg"/>
+          </p:nvPr>
+        </p:nvSpPr>
+        <p:spPr/>
+      </p:sp>
+      <p:sp>
+        <p:nvSpPr>
+          <p:cNvPr id="3" name="Tijdelijke aanduiding voor notities 2"/>
+          <p:cNvSpPr>
+            <a:spLocks noGrp="1"/>
+          </p:cNvSpPr>
+          <p:nvPr>
+            <p:ph type="body" idx="1"/>
+          </p:nvPr>
+        </p:nvSpPr>
+        <p:spPr/>
+        <p:txBody>
+          <a:bodyPr/>
+          <a:lstStyle/>
+          <a:p>
+            <a:r>
+              <a:rPr lang="nl-BE" sz="3200" dirty="0"/>
+              <a:t>Sporttoestellen</a:t>
+            </a:r>
+          </a:p>
+          <a:p>
+            <a:r>
+              <a:rPr lang="nl-BE" sz="3200" dirty="0"/>
+              <a:t>Krachtmetingen</a:t>
+            </a:r>
+          </a:p>
+          <a:p>
+            <a:r>
+              <a:rPr lang="nl-BE" sz="3200" dirty="0"/>
+              <a:t>Revalidatie</a:t>
+            </a:r>
+          </a:p>
+          <a:p>
+            <a:r>
+              <a:rPr lang="nl-BE" sz="3200" dirty="0"/>
+              <a:t>Hartslag</a:t>
+            </a:r>
+          </a:p>
+          <a:p>
+            <a:pPr lvl="1"/>
+            <a:r>
+              <a:rPr lang="nl-BE" sz="3000" dirty="0"/>
+              <a:t>Meten</a:t>
+            </a:r>
+          </a:p>
+          <a:p>
+            <a:pPr lvl="1"/>
+            <a:r>
+              <a:rPr lang="nl-BE" sz="3000" dirty="0"/>
+              <a:t>Stabiel houden (pacemaker)</a:t>
+            </a:r>
+          </a:p>
+          <a:p>
+            <a:endParaRPr lang="nl-NL" dirty="0"/>
+          </a:p>
+        </p:txBody>
+      </p:sp>
+      <p:sp>
+        <p:nvSpPr>
+          <p:cNvPr id="4" name="Tijdelijke aanduiding voor dianummer 3"/>
+          <p:cNvSpPr>
+            <a:spLocks noGrp="1"/>
+          </p:cNvSpPr>
+          <p:nvPr>
+            <p:ph type="sldNum" sz="quarter" idx="5"/>
+          </p:nvPr>
+        </p:nvSpPr>
+        <p:spPr/>
+        <p:txBody>
+          <a:bodyPr/>
+          <a:lstStyle/>
+          <a:p>
+            <a:fld id="{AB363037-1310-4CF1-84A3-3BF13FF51853}" type="slidenum">
+              <a:rPr lang="nl-NL" smtClean="0"/>
+              <a:t>5</a:t>
+            </a:fld>
+            <a:endParaRPr lang="nl-NL"/>
+          </a:p>
+        </p:txBody>
+      </p:sp>
+    </p:spTree>
+    <p:extLst>
+      <p:ext uri="{BB962C8B-B14F-4D97-AF65-F5344CB8AC3E}">
+        <p14:creationId xmlns:p14="http://schemas.microsoft.com/office/powerpoint/2010/main" val="2341590838"/>
+      </p:ext>
+    </p:extLst>
+  </p:cSld>
+  <p:clrMapOvr>
+    <a:masterClrMapping/>
+  </p:clrMapOvr>
+</p:notes>
+</file>
+
+<file path=ppt/notesSlides/notesSlide5.xml><?xml version="1.0" encoding="utf-8"?>
+<p:notes xmlns:a="http://schemas.openxmlformats.org/drawingml/2006/main" xmlns:r="http://schemas.openxmlformats.org/officeDocument/2006/relationships" xmlns:p="http://schemas.openxmlformats.org/presentationml/2006/main">
+  <p:cSld>
+    <p:spTree>
+      <p:nvGrpSpPr>
+        <p:cNvPr id="1" name=""/>
+        <p:cNvGrpSpPr/>
+        <p:nvPr/>
+      </p:nvGrpSpPr>
+      <p:grpSpPr>
+        <a:xfrm>
+          <a:off x="0" y="0"/>
+          <a:ext cx="0" cy="0"/>
+          <a:chOff x="0" y="0"/>
+          <a:chExt cx="0" cy="0"/>
+        </a:xfrm>
+      </p:grpSpPr>
+      <p:sp>
+        <p:nvSpPr>
+          <p:cNvPr id="2" name="Tijdelijke aanduiding voor dia-afbeelding 1"/>
+          <p:cNvSpPr>
+            <a:spLocks noGrp="1" noRot="1" noChangeAspect="1"/>
+          </p:cNvSpPr>
+          <p:nvPr>
+            <p:ph type="sldImg"/>
+          </p:nvPr>
+        </p:nvSpPr>
+        <p:spPr/>
+      </p:sp>
+      <p:sp>
+        <p:nvSpPr>
+          <p:cNvPr id="3" name="Tijdelijke aanduiding voor notities 2"/>
+          <p:cNvSpPr>
+            <a:spLocks noGrp="1"/>
+          </p:cNvSpPr>
+          <p:nvPr>
+            <p:ph type="body" idx="1"/>
+          </p:nvPr>
+        </p:nvSpPr>
+        <p:spPr/>
+        <p:txBody>
+          <a:bodyPr/>
+          <a:lstStyle/>
+          <a:p>
+            <a:endParaRPr lang="nl-NL" dirty="0"/>
+          </a:p>
+        </p:txBody>
+      </p:sp>
+      <p:sp>
+        <p:nvSpPr>
+          <p:cNvPr id="4" name="Tijdelijke aanduiding voor dianummer 3"/>
+          <p:cNvSpPr>
+            <a:spLocks noGrp="1"/>
+          </p:cNvSpPr>
+          <p:nvPr>
+            <p:ph type="sldNum" sz="quarter" idx="5"/>
+          </p:nvPr>
+        </p:nvSpPr>
+        <p:spPr/>
+        <p:txBody>
+          <a:bodyPr/>
+          <a:lstStyle/>
+          <a:p>
+            <a:fld id="{AB363037-1310-4CF1-84A3-3BF13FF51853}" type="slidenum">
+              <a:rPr lang="nl-NL" smtClean="0"/>
+              <a:t>6</a:t>
+            </a:fld>
+            <a:endParaRPr lang="nl-NL"/>
+          </a:p>
+        </p:txBody>
+      </p:sp>
+    </p:spTree>
+    <p:extLst>
+      <p:ext uri="{BB962C8B-B14F-4D97-AF65-F5344CB8AC3E}">
+        <p14:creationId xmlns:p14="http://schemas.microsoft.com/office/powerpoint/2010/main" val="1812045418"/>
+      </p:ext>
+    </p:extLst>
+  </p:cSld>
+  <p:clrMapOvr>
+    <a:masterClrMapping/>
+  </p:clrMapOvr>
+</p:notes>
 </file>
 
 <file path=ppt/slideLayouts/slideLayout1.xml><?xml version="1.0" encoding="utf-8"?>
@@ -3218,7 +5437,7 @@
             <a:fld id="{B61BEF0D-F0BB-DE4B-95CE-6DB70DBA9567}" type="datetimeFigureOut">
               <a:rPr lang="en-US" dirty="0"/>
               <a:pPr/>
-              <a:t>10/6/2024</a:t>
+              <a:t>10/7/2024</a:t>
             </a:fld>
             <a:endParaRPr lang="en-US" dirty="0"/>
           </a:p>
@@ -3549,7 +5768,7 @@
             <a:fld id="{B61BEF0D-F0BB-DE4B-95CE-6DB70DBA9567}" type="datetimeFigureOut">
               <a:rPr lang="en-US" dirty="0"/>
               <a:pPr/>
-              <a:t>10/6/2024</a:t>
+              <a:t>10/7/2024</a:t>
             </a:fld>
             <a:endParaRPr lang="en-US" dirty="0"/>
           </a:p>
@@ -3824,7 +6043,7 @@
             <a:fld id="{B61BEF0D-F0BB-DE4B-95CE-6DB70DBA9567}" type="datetimeFigureOut">
               <a:rPr lang="en-US" dirty="0"/>
               <a:pPr/>
-              <a:t>10/6/2024</a:t>
+              <a:t>10/7/2024</a:t>
             </a:fld>
             <a:endParaRPr lang="en-US" dirty="0"/>
           </a:p>
@@ -4389,7 +6608,7 @@
             <a:fld id="{B61BEF0D-F0BB-DE4B-95CE-6DB70DBA9567}" type="datetimeFigureOut">
               <a:rPr lang="en-US" dirty="0"/>
               <a:pPr/>
-              <a:t>10/6/2024</a:t>
+              <a:t>10/7/2024</a:t>
             </a:fld>
             <a:endParaRPr lang="en-US" dirty="0"/>
           </a:p>
@@ -4664,7 +6883,7 @@
             <a:fld id="{B61BEF0D-F0BB-DE4B-95CE-6DB70DBA9567}" type="datetimeFigureOut">
               <a:rPr lang="en-US" dirty="0"/>
               <a:pPr/>
-              <a:t>10/6/2024</a:t>
+              <a:t>10/7/2024</a:t>
             </a:fld>
             <a:endParaRPr lang="en-US" dirty="0"/>
           </a:p>
@@ -5223,7 +7442,7 @@
             <a:fld id="{B61BEF0D-F0BB-DE4B-95CE-6DB70DBA9567}" type="datetimeFigureOut">
               <a:rPr lang="en-US" dirty="0"/>
               <a:pPr/>
-              <a:t>10/6/2024</a:t>
+              <a:t>10/7/2024</a:t>
             </a:fld>
             <a:endParaRPr lang="en-US" dirty="0"/>
           </a:p>
@@ -5547,7 +7766,7 @@
             <a:fld id="{B61BEF0D-F0BB-DE4B-95CE-6DB70DBA9567}" type="datetimeFigureOut">
               <a:rPr lang="en-US" dirty="0"/>
               <a:pPr/>
-              <a:t>10/6/2024</a:t>
+              <a:t>10/7/2024</a:t>
             </a:fld>
             <a:endParaRPr lang="en-US" dirty="0"/>
           </a:p>
@@ -5721,7 +7940,7 @@
             <a:fld id="{B61BEF0D-F0BB-DE4B-95CE-6DB70DBA9567}" type="datetimeFigureOut">
               <a:rPr lang="en-US" dirty="0"/>
               <a:pPr/>
-              <a:t>10/6/2024</a:t>
+              <a:t>10/7/2024</a:t>
             </a:fld>
             <a:endParaRPr lang="en-US" dirty="0"/>
           </a:p>
@@ -5956,7 +8175,7 @@
             <a:fld id="{B61BEF0D-F0BB-DE4B-95CE-6DB70DBA9567}" type="datetimeFigureOut">
               <a:rPr lang="en-US" dirty="0"/>
               <a:pPr/>
-              <a:t>10/6/2024</a:t>
+              <a:t>10/7/2024</a:t>
             </a:fld>
             <a:endParaRPr lang="en-US" dirty="0"/>
           </a:p>
@@ -6153,7 +8372,7 @@
             <a:fld id="{B61BEF0D-F0BB-DE4B-95CE-6DB70DBA9567}" type="datetimeFigureOut">
               <a:rPr lang="en-US" dirty="0"/>
               <a:pPr/>
-              <a:t>10/6/2024</a:t>
+              <a:t>10/7/2024</a:t>
             </a:fld>
             <a:endParaRPr lang="en-US" dirty="0"/>
           </a:p>
@@ -6426,7 +8645,7 @@
             <a:fld id="{B61BEF0D-F0BB-DE4B-95CE-6DB70DBA9567}" type="datetimeFigureOut">
               <a:rPr lang="en-US" dirty="0"/>
               <a:pPr/>
-              <a:t>10/6/2024</a:t>
+              <a:t>10/7/2024</a:t>
             </a:fld>
             <a:endParaRPr lang="en-US" dirty="0"/>
           </a:p>
@@ -6689,7 +8908,7 @@
             <a:fld id="{B61BEF0D-F0BB-DE4B-95CE-6DB70DBA9567}" type="datetimeFigureOut">
               <a:rPr lang="en-US" dirty="0"/>
               <a:pPr/>
-              <a:t>10/6/2024</a:t>
+              <a:t>10/7/2024</a:t>
             </a:fld>
             <a:endParaRPr lang="en-US" dirty="0"/>
           </a:p>
@@ -7060,7 +9279,7 @@
             <a:fld id="{B61BEF0D-F0BB-DE4B-95CE-6DB70DBA9567}" type="datetimeFigureOut">
               <a:rPr lang="en-US" dirty="0"/>
               <a:pPr/>
-              <a:t>10/6/2024</a:t>
+              <a:t>10/7/2024</a:t>
             </a:fld>
             <a:endParaRPr lang="en-US" dirty="0"/>
           </a:p>
@@ -7205,7 +9424,7 @@
             <a:fld id="{B61BEF0D-F0BB-DE4B-95CE-6DB70DBA9567}" type="datetimeFigureOut">
               <a:rPr lang="en-US" dirty="0"/>
               <a:pPr/>
-              <a:t>10/6/2024</a:t>
+              <a:t>10/7/2024</a:t>
             </a:fld>
             <a:endParaRPr lang="en-US" dirty="0"/>
           </a:p>
@@ -7327,7 +9546,7 @@
             <a:fld id="{B61BEF0D-F0BB-DE4B-95CE-6DB70DBA9567}" type="datetimeFigureOut">
               <a:rPr lang="en-US" dirty="0"/>
               <a:pPr/>
-              <a:t>10/6/2024</a:t>
+              <a:t>10/7/2024</a:t>
             </a:fld>
             <a:endParaRPr lang="en-US" dirty="0"/>
           </a:p>
@@ -7609,7 +9828,7 @@
             <a:fld id="{B61BEF0D-F0BB-DE4B-95CE-6DB70DBA9567}" type="datetimeFigureOut">
               <a:rPr lang="en-US" dirty="0"/>
               <a:pPr/>
-              <a:t>10/6/2024</a:t>
+              <a:t>10/7/2024</a:t>
             </a:fld>
             <a:endParaRPr lang="en-US" dirty="0"/>
           </a:p>
@@ -7930,7 +10149,7 @@
             <a:fld id="{B61BEF0D-F0BB-DE4B-95CE-6DB70DBA9567}" type="datetimeFigureOut">
               <a:rPr lang="en-US" dirty="0"/>
               <a:pPr/>
-              <a:t>10/6/2024</a:t>
+              <a:t>10/7/2024</a:t>
             </a:fld>
             <a:endParaRPr lang="en-US" dirty="0"/>
           </a:p>
@@ -8141,7 +10360,7 @@
             <a:fld id="{B61BEF0D-F0BB-DE4B-95CE-6DB70DBA9567}" type="datetimeFigureOut">
               <a:rPr lang="en-US" dirty="0"/>
               <a:pPr/>
-              <a:t>10/6/2024</a:t>
+              <a:t>10/7/2024</a:t>
             </a:fld>
             <a:endParaRPr lang="en-US" dirty="0"/>
           </a:p>
@@ -8636,6 +10855,433 @@
 <file path=ppt/slides/slide1.xml><?xml version="1.0" encoding="utf-8"?>
 <p:sld xmlns:a="http://schemas.openxmlformats.org/drawingml/2006/main" xmlns:r="http://schemas.openxmlformats.org/officeDocument/2006/relationships" xmlns:p="http://schemas.openxmlformats.org/presentationml/2006/main">
   <p:cSld>
+    <p:bg>
+      <p:bgPr>
+        <a:blipFill>
+          <a:blip r:embed="rId3"/>
+          <a:stretch/>
+        </a:blipFill>
+        <a:effectLst/>
+      </p:bgPr>
+    </p:bg>
+    <p:spTree>
+      <p:nvGrpSpPr>
+        <p:cNvPr id="1" name=""/>
+        <p:cNvGrpSpPr/>
+        <p:nvPr/>
+      </p:nvGrpSpPr>
+      <p:grpSpPr>
+        <a:xfrm>
+          <a:off x="0" y="0"/>
+          <a:ext cx="0" cy="0"/>
+          <a:chOff x="0" y="0"/>
+          <a:chExt cx="0" cy="0"/>
+        </a:xfrm>
+      </p:grpSpPr>
+      <p:pic>
+        <p:nvPicPr>
+          <p:cNvPr id="2050" name="Picture 2" descr="Technology Is Changing The Way We Interact With Sports">
+            <a:extLst>
+              <a:ext uri="{FF2B5EF4-FFF2-40B4-BE49-F238E27FC236}">
+                <a16:creationId xmlns:a16="http://schemas.microsoft.com/office/drawing/2014/main" id="{4E9F8D62-1E12-F1D7-8AEB-F48A808F096C}"/>
+              </a:ext>
+            </a:extLst>
+          </p:cNvPr>
+          <p:cNvPicPr>
+            <a:picLocks noChangeAspect="1" noChangeArrowheads="1"/>
+          </p:cNvPicPr>
+          <p:nvPr/>
+        </p:nvPicPr>
+        <p:blipFill>
+          <a:blip r:embed="rId4">
+            <a:extLst>
+              <a:ext uri="{28A0092B-C50C-407E-A947-70E740481C1C}">
+                <a14:useLocalDpi xmlns:a14="http://schemas.microsoft.com/office/drawing/2010/main" val="0"/>
+              </a:ext>
+            </a:extLst>
+          </a:blip>
+          <a:srcRect t="11639" b="4091"/>
+          <a:stretch/>
+        </p:blipFill>
+        <p:spPr bwMode="auto">
+          <a:xfrm>
+            <a:off x="20" y="10"/>
+            <a:ext cx="12191980" cy="6857990"/>
+          </a:xfrm>
+          <a:prstGeom prst="rect">
+            <a:avLst/>
+          </a:prstGeom>
+          <a:noFill/>
+          <a:extLst>
+            <a:ext uri="{909E8E84-426E-40DD-AFC4-6F175D3DCCD1}">
+              <a14:hiddenFill xmlns:a14="http://schemas.microsoft.com/office/drawing/2010/main">
+                <a:solidFill>
+                  <a:srgbClr val="FFFFFF"/>
+                </a:solidFill>
+              </a14:hiddenFill>
+            </a:ext>
+          </a:extLst>
+        </p:spPr>
+      </p:pic>
+      <p:pic>
+        <p:nvPicPr>
+          <p:cNvPr id="2055" name="Picture 2054">
+            <a:extLst>
+              <a:ext uri="{FF2B5EF4-FFF2-40B4-BE49-F238E27FC236}">
+                <a16:creationId xmlns:a16="http://schemas.microsoft.com/office/drawing/2014/main" id="{F28C5E77-0080-4457-B42A-3E5420A7C8DC}"/>
+              </a:ext>
+              <a:ext uri="{C183D7F6-B498-43B3-948B-1728B52AA6E4}">
+                <adec:decorative xmlns:adec="http://schemas.microsoft.com/office/drawing/2017/decorative" val="1"/>
+              </a:ext>
+            </a:extLst>
+          </p:cNvPr>
+          <p:cNvPicPr>
+            <a:picLocks noGrp="1" noRot="1" noChangeAspect="1" noMove="1" noResize="1" noEditPoints="1" noAdjustHandles="1" noChangeArrowheads="1" noChangeShapeType="1" noCrop="1"/>
+          </p:cNvPicPr>
+          <p:nvPr>
+            <p:extLst>
+              <p:ext uri="{386F3935-93C4-4BCD-93E2-E3B085C9AB24}">
+                <p16:designElem xmlns:p16="http://schemas.microsoft.com/office/powerpoint/2015/main" val="1"/>
+              </p:ext>
+            </p:extLst>
+          </p:nvPr>
+        </p:nvPicPr>
+        <p:blipFill>
+          <a:blip r:embed="rId5">
+            <a:extLst>
+              <a:ext uri="{28A0092B-C50C-407E-A947-70E740481C1C}">
+                <a14:useLocalDpi xmlns:a14="http://schemas.microsoft.com/office/drawing/2010/main" val="0"/>
+              </a:ext>
+            </a:extLst>
+          </a:blip>
+          <a:stretch>
+            <a:fillRect/>
+          </a:stretch>
+        </p:blipFill>
+        <p:spPr>
+          <a:xfrm>
+            <a:off x="0" y="0"/>
+            <a:ext cx="12188825" cy="6856214"/>
+          </a:xfrm>
+          <a:prstGeom prst="rect">
+            <a:avLst/>
+          </a:prstGeom>
+        </p:spPr>
+      </p:pic>
+      <p:sp>
+        <p:nvSpPr>
+          <p:cNvPr id="2057" name="Rectangle 2056">
+            <a:extLst>
+              <a:ext uri="{FF2B5EF4-FFF2-40B4-BE49-F238E27FC236}">
+                <a16:creationId xmlns:a16="http://schemas.microsoft.com/office/drawing/2014/main" id="{DE6F2CF7-0423-4CC7-90FD-1FEBA0CA5B4D}"/>
+              </a:ext>
+              <a:ext uri="{C183D7F6-B498-43B3-948B-1728B52AA6E4}">
+                <adec:decorative xmlns:adec="http://schemas.microsoft.com/office/drawing/2017/decorative" val="1"/>
+              </a:ext>
+            </a:extLst>
+          </p:cNvPr>
+          <p:cNvSpPr>
+            <a:spLocks noGrp="1" noRot="1" noChangeAspect="1" noMove="1" noResize="1" noEditPoints="1" noAdjustHandles="1" noChangeArrowheads="1" noChangeShapeType="1" noTextEdit="1"/>
+          </p:cNvSpPr>
+          <p:nvPr>
+            <p:extLst>
+              <p:ext uri="{386F3935-93C4-4BCD-93E2-E3B085C9AB24}">
+                <p16:designElem xmlns:p16="http://schemas.microsoft.com/office/powerpoint/2015/main" val="1"/>
+              </p:ext>
+            </p:extLst>
+          </p:nvPr>
+        </p:nvSpPr>
+        <p:spPr bwMode="grayWhite">
+          <a:xfrm>
+            <a:off x="1712912" y="2125133"/>
+            <a:ext cx="8736013" cy="2607734"/>
+          </a:xfrm>
+          <a:prstGeom prst="rect">
+            <a:avLst/>
+          </a:prstGeom>
+          <a:solidFill>
+            <a:schemeClr val="bg1">
+              <a:alpha val="70000"/>
+            </a:schemeClr>
+          </a:solidFill>
+          <a:ln w="50800" cap="sq" cmpd="dbl">
+            <a:gradFill flip="none" rotWithShape="1">
+              <a:gsLst>
+                <a:gs pos="0">
+                  <a:srgbClr val="FFFFFF"/>
+                </a:gs>
+                <a:gs pos="100000">
+                  <a:schemeClr val="tx1">
+                    <a:alpha val="0"/>
+                  </a:schemeClr>
+                </a:gs>
+              </a:gsLst>
+              <a:path path="circle">
+                <a:fillToRect l="50000" t="50000" r="50000" b="50000"/>
+              </a:path>
+              <a:tileRect/>
+            </a:gradFill>
+            <a:miter lim="800000"/>
+          </a:ln>
+          <a:effectLst>
+            <a:outerShdw blurRad="254000" algn="tl" rotWithShape="0">
+              <a:srgbClr val="000000">
+                <a:alpha val="43000"/>
+              </a:srgbClr>
+            </a:outerShdw>
+          </a:effectLst>
+        </p:spPr>
+        <p:txBody>
+          <a:bodyPr vert="horz" lIns="91440" tIns="45720" rIns="91440" bIns="45720" rtlCol="0" anchor="t">
+            <a:normAutofit/>
+          </a:bodyPr>
+          <a:lstStyle/>
+          <a:p>
+            <a:pPr algn="ctr">
+              <a:spcAft>
+                <a:spcPts val="1000"/>
+              </a:spcAft>
+              <a:buClr>
+                <a:schemeClr val="tx1"/>
+              </a:buClr>
+              <a:buSzPct val="100000"/>
+              <a:buFont typeface="Arial"/>
+              <a:buNone/>
+            </a:pPr>
+            <a:endParaRPr lang="en-US" sz="1600" cap="all">
+              <a:solidFill>
+                <a:schemeClr val="tx1"/>
+              </a:solidFill>
+            </a:endParaRPr>
+          </a:p>
+        </p:txBody>
+      </p:sp>
+      <p:sp>
+        <p:nvSpPr>
+          <p:cNvPr id="2" name="Titel 1">
+            <a:extLst>
+              <a:ext uri="{FF2B5EF4-FFF2-40B4-BE49-F238E27FC236}">
+                <a16:creationId xmlns:a16="http://schemas.microsoft.com/office/drawing/2014/main" id="{F2452700-7B44-25BB-C830-76EFF63C32DF}"/>
+              </a:ext>
+            </a:extLst>
+          </p:cNvPr>
+          <p:cNvSpPr>
+            <a:spLocks noGrp="1"/>
+          </p:cNvSpPr>
+          <p:nvPr>
+            <p:ph type="ctrTitle"/>
+          </p:nvPr>
+        </p:nvSpPr>
+        <p:spPr>
+          <a:xfrm>
+            <a:off x="1922991" y="2298700"/>
+            <a:ext cx="8347076" cy="1595952"/>
+          </a:xfrm>
+        </p:spPr>
+        <p:txBody>
+          <a:bodyPr>
+            <a:normAutofit/>
+          </a:bodyPr>
+          <a:lstStyle/>
+          <a:p>
+            <a:pPr algn="ctr"/>
+            <a:r>
+              <a:rPr lang="nl-BE" dirty="0"/>
+              <a:t>IT en sport</a:t>
+            </a:r>
+            <a:endParaRPr lang="nl-BE"/>
+          </a:p>
+        </p:txBody>
+      </p:sp>
+      <p:sp>
+        <p:nvSpPr>
+          <p:cNvPr id="3" name="Ondertitel 2">
+            <a:extLst>
+              <a:ext uri="{FF2B5EF4-FFF2-40B4-BE49-F238E27FC236}">
+                <a16:creationId xmlns:a16="http://schemas.microsoft.com/office/drawing/2014/main" id="{AB1952D5-FFA8-BDE8-D498-1B1DF81838DA}"/>
+              </a:ext>
+            </a:extLst>
+          </p:cNvPr>
+          <p:cNvSpPr>
+            <a:spLocks noGrp="1"/>
+          </p:cNvSpPr>
+          <p:nvPr>
+            <p:ph type="subTitle" idx="1"/>
+          </p:nvPr>
+        </p:nvSpPr>
+        <p:spPr>
+          <a:xfrm>
+            <a:off x="10058434" y="5860137"/>
+            <a:ext cx="2130391" cy="997863"/>
+          </a:xfrm>
+        </p:spPr>
+        <p:txBody>
+          <a:bodyPr>
+            <a:noAutofit/>
+          </a:bodyPr>
+          <a:lstStyle/>
+          <a:p>
+            <a:pPr algn="ctr">
+              <a:lnSpc>
+                <a:spcPct val="90000"/>
+              </a:lnSpc>
+            </a:pPr>
+            <a:r>
+              <a:rPr lang="nl-BE" dirty="0"/>
+              <a:t>Bas de </a:t>
+            </a:r>
+            <a:r>
+              <a:rPr lang="nl-BE" dirty="0" err="1"/>
+              <a:t>meurichy</a:t>
+            </a:r>
+            <a:endParaRPr lang="nl-BE" dirty="0"/>
+          </a:p>
+          <a:p>
+            <a:pPr algn="ctr">
+              <a:lnSpc>
+                <a:spcPct val="90000"/>
+              </a:lnSpc>
+            </a:pPr>
+            <a:r>
+              <a:rPr lang="nl-BE" dirty="0"/>
+              <a:t>Luca </a:t>
+            </a:r>
+            <a:r>
+              <a:rPr lang="nl-BE" dirty="0" err="1"/>
+              <a:t>lobbestael</a:t>
+            </a:r>
+            <a:endParaRPr lang="nl-BE" dirty="0"/>
+          </a:p>
+          <a:p>
+            <a:pPr algn="ctr">
+              <a:lnSpc>
+                <a:spcPct val="90000"/>
+              </a:lnSpc>
+            </a:pPr>
+            <a:r>
+              <a:rPr lang="nl-BE" dirty="0"/>
+              <a:t>2ITsof3a</a:t>
+            </a:r>
+          </a:p>
+        </p:txBody>
+      </p:sp>
+    </p:spTree>
+    <p:extLst>
+      <p:ext uri="{BB962C8B-B14F-4D97-AF65-F5344CB8AC3E}">
+        <p14:creationId xmlns:p14="http://schemas.microsoft.com/office/powerpoint/2010/main" val="2375574348"/>
+      </p:ext>
+    </p:extLst>
+  </p:cSld>
+  <p:clrMapOvr>
+    <a:masterClrMapping/>
+  </p:clrMapOvr>
+  <p:timing>
+    <p:tnLst>
+      <p:par>
+        <p:cTn id="1" dur="indefinite" restart="never" nodeType="tmRoot">
+          <p:childTnLst>
+            <p:seq concurrent="1" nextAc="seek">
+              <p:cTn id="2" dur="indefinite" nodeType="mainSeq">
+                <p:childTnLst>
+                  <p:par>
+                    <p:cTn id="3" fill="hold">
+                      <p:stCondLst>
+                        <p:cond delay="indefinite"/>
+                        <p:cond evt="onBegin" delay="0">
+                          <p:tn val="2"/>
+                        </p:cond>
+                      </p:stCondLst>
+                      <p:childTnLst>
+                        <p:par>
+                          <p:cTn id="4" fill="hold">
+                            <p:stCondLst>
+                              <p:cond delay="0"/>
+                            </p:stCondLst>
+                            <p:childTnLst>
+                              <p:par>
+                                <p:cTn id="5" presetID="10" presetClass="entr" presetSubtype="0" fill="hold" grpId="0" nodeType="withEffect">
+                                  <p:stCondLst>
+                                    <p:cond delay="1000"/>
+                                  </p:stCondLst>
+                                  <p:iterate>
+                                    <p:tmPct val="10000"/>
+                                  </p:iterate>
+                                  <p:childTnLst>
+                                    <p:set>
+                                      <p:cBhvr>
+                                        <p:cTn id="6" dur="1" fill="hold">
+                                          <p:stCondLst>
+                                            <p:cond delay="0"/>
+                                          </p:stCondLst>
+                                        </p:cTn>
+                                        <p:tgtEl>
+                                          <p:spTgt spid="2"/>
+                                        </p:tgtEl>
+                                        <p:attrNameLst>
+                                          <p:attrName>style.visibility</p:attrName>
+                                        </p:attrNameLst>
+                                      </p:cBhvr>
+                                      <p:to>
+                                        <p:strVal val="visible"/>
+                                      </p:to>
+                                    </p:set>
+                                    <p:animEffect transition="in" filter="fade">
+                                      <p:cBhvr>
+                                        <p:cTn id="7" dur="700"/>
+                                        <p:tgtEl>
+                                          <p:spTgt spid="2"/>
+                                        </p:tgtEl>
+                                      </p:cBhvr>
+                                    </p:animEffect>
+                                  </p:childTnLst>
+                                </p:cTn>
+                              </p:par>
+                            </p:childTnLst>
+                          </p:cTn>
+                        </p:par>
+                      </p:childTnLst>
+                    </p:cTn>
+                  </p:par>
+                </p:childTnLst>
+              </p:cTn>
+              <p:prevCondLst>
+                <p:cond evt="onPrev" delay="0">
+                  <p:tgtEl>
+                    <p:sldTgt/>
+                  </p:tgtEl>
+                </p:cond>
+              </p:prevCondLst>
+              <p:nextCondLst>
+                <p:cond evt="onNext" delay="0">
+                  <p:tgtEl>
+                    <p:sldTgt/>
+                  </p:tgtEl>
+                </p:cond>
+              </p:nextCondLst>
+            </p:seq>
+          </p:childTnLst>
+        </p:cTn>
+      </p:par>
+    </p:tnLst>
+    <p:bldLst>
+      <p:bldP spid="2" grpId="0"/>
+    </p:bldLst>
+  </p:timing>
+</p:sld>
+</file>
+
+<file path=ppt/slides/slide2.xml><?xml version="1.0" encoding="utf-8"?>
+<p:sld xmlns:a="http://schemas.openxmlformats.org/drawingml/2006/main" xmlns:r="http://schemas.openxmlformats.org/officeDocument/2006/relationships" xmlns:p="http://schemas.openxmlformats.org/presentationml/2006/main">
+  <p:cSld>
+    <p:bg>
+      <p:bgPr>
+        <a:blipFill>
+          <a:blip r:embed="rId2"/>
+          <a:stretch/>
+        </a:blipFill>
+        <a:effectLst/>
+      </p:bgPr>
+    </p:bg>
     <p:spTree>
       <p:nvGrpSpPr>
         <p:cNvPr id="1" name=""/>
@@ -8655,7 +11301,7 @@
           <p:cNvPr id="2" name="Titel 1">
             <a:extLst>
               <a:ext uri="{FF2B5EF4-FFF2-40B4-BE49-F238E27FC236}">
-                <a16:creationId xmlns:a16="http://schemas.microsoft.com/office/drawing/2014/main" id="{F2452700-7B44-25BB-C830-76EFF63C32DF}"/>
+                <a16:creationId xmlns:a16="http://schemas.microsoft.com/office/drawing/2014/main" id="{807EAC50-4CFA-4F64-06CE-A585061AAA58}"/>
               </a:ext>
             </a:extLst>
           </p:cNvPr>
@@ -8663,122 +11309,92 @@
             <a:spLocks noGrp="1"/>
           </p:cNvSpPr>
           <p:nvPr>
-            <p:ph type="ctrTitle"/>
+            <p:ph type="title"/>
           </p:nvPr>
         </p:nvSpPr>
-        <p:spPr/>
+        <p:spPr>
+          <a:xfrm>
+            <a:off x="4955458" y="639097"/>
+            <a:ext cx="6593075" cy="1612490"/>
+          </a:xfrm>
+        </p:spPr>
         <p:txBody>
-          <a:bodyPr/>
+          <a:bodyPr>
+            <a:normAutofit/>
+          </a:bodyPr>
           <a:lstStyle/>
           <a:p>
             <a:r>
-              <a:rPr lang="nl-BE" dirty="0"/>
-              <a:t>IT in sport</a:t>
-            </a:r>
-          </a:p>
-        </p:txBody>
-      </p:sp>
-      <p:sp>
-        <p:nvSpPr>
-          <p:cNvPr id="3" name="Ondertitel 2">
-            <a:extLst>
-              <a:ext uri="{FF2B5EF4-FFF2-40B4-BE49-F238E27FC236}">
-                <a16:creationId xmlns:a16="http://schemas.microsoft.com/office/drawing/2014/main" id="{AB1952D5-FFA8-BDE8-D498-1B1DF81838DA}"/>
-              </a:ext>
-            </a:extLst>
-          </p:cNvPr>
-          <p:cNvSpPr>
-            <a:spLocks noGrp="1"/>
-          </p:cNvSpPr>
-          <p:nvPr>
-            <p:ph type="subTitle" idx="1"/>
-          </p:nvPr>
-        </p:nvSpPr>
-        <p:spPr/>
-        <p:txBody>
-          <a:bodyPr/>
-          <a:lstStyle/>
-          <a:p>
-            <a:r>
-              <a:rPr lang="nl-BE" dirty="0"/>
-              <a:t>Bas de </a:t>
-            </a:r>
-            <a:r>
-              <a:rPr lang="nl-BE" dirty="0" err="1"/>
-              <a:t>meurichy</a:t>
-            </a:r>
-            <a:endParaRPr lang="nl-BE" dirty="0"/>
-          </a:p>
-          <a:p>
-            <a:r>
-              <a:rPr lang="nl-BE" dirty="0"/>
-              <a:t>Luca </a:t>
-            </a:r>
-            <a:r>
-              <a:rPr lang="nl-BE" dirty="0" err="1"/>
-              <a:t>lobbestael</a:t>
-            </a:r>
-            <a:endParaRPr lang="nl-BE" dirty="0"/>
-          </a:p>
-          <a:p>
-            <a:r>
-              <a:rPr lang="nl-BE" dirty="0"/>
-              <a:t>2ITsof3a</a:t>
+              <a:rPr lang="nl-BE"/>
+              <a:t>Inhoud</a:t>
             </a:r>
           </a:p>
         </p:txBody>
       </p:sp>
       <p:pic>
         <p:nvPicPr>
-          <p:cNvPr id="1036" name="Picture 12" descr="Sports PNG, Vector, PSD, and Clipart With Transparent Background for Free  Download | Pngtree">
+          <p:cNvPr id="4" name="Afbeelding 3" descr="Een fluitje dat aan de mur hangt">
             <a:extLst>
               <a:ext uri="{FF2B5EF4-FFF2-40B4-BE49-F238E27FC236}">
-                <a16:creationId xmlns:a16="http://schemas.microsoft.com/office/drawing/2014/main" id="{D45EE193-E538-0943-A00E-9BE2A3244FF0}"/>
+                <a16:creationId xmlns:a16="http://schemas.microsoft.com/office/drawing/2014/main" id="{84C2F377-79C3-A62C-AC6B-3D7F9882AEAD}"/>
               </a:ext>
             </a:extLst>
           </p:cNvPr>
           <p:cNvPicPr>
-            <a:picLocks noChangeAspect="1" noChangeArrowheads="1"/>
+            <a:picLocks noChangeAspect="1"/>
           </p:cNvPicPr>
           <p:nvPr/>
         </p:nvPicPr>
         <p:blipFill>
-          <a:blip r:embed="rId2">
-            <a:extLst>
-              <a:ext uri="{28A0092B-C50C-407E-A947-70E740481C1C}">
-                <a14:useLocalDpi xmlns:a14="http://schemas.microsoft.com/office/drawing/2010/main" val="0"/>
-              </a:ext>
-            </a:extLst>
-          </a:blip>
-          <a:srcRect/>
-          <a:stretch>
-            <a:fillRect/>
-          </a:stretch>
+          <a:blip r:embed="rId3"/>
+          <a:srcRect l="47445" r="7431" b="-2"/>
+          <a:stretch/>
         </p:blipFill>
-        <p:spPr bwMode="auto">
+        <p:spPr>
           <a:xfrm>
-            <a:off x="1450976" y="1146175"/>
-            <a:ext cx="4645024" cy="4645024"/>
+            <a:off x="20" y="975"/>
+            <a:ext cx="4635988" cy="6858000"/>
           </a:xfrm>
           <a:prstGeom prst="rect">
             <a:avLst/>
           </a:prstGeom>
-          <a:noFill/>
-          <a:extLst>
-            <a:ext uri="{909E8E84-426E-40DD-AFC4-6F175D3DCCD1}">
-              <a14:hiddenFill xmlns:a14="http://schemas.microsoft.com/office/drawing/2010/main">
-                <a:solidFill>
-                  <a:srgbClr val="FFFFFF"/>
-                </a:solidFill>
-              </a14:hiddenFill>
-            </a:ext>
-          </a:extLst>
         </p:spPr>
       </p:pic>
+      <p:graphicFrame>
+        <p:nvGraphicFramePr>
+          <p:cNvPr id="5" name="Tijdelijke aanduiding voor inhoud 2">
+            <a:extLst>
+              <a:ext uri="{FF2B5EF4-FFF2-40B4-BE49-F238E27FC236}">
+                <a16:creationId xmlns:a16="http://schemas.microsoft.com/office/drawing/2014/main" id="{6A658801-F24C-AD68-9AF1-51C8F6ACE7EF}"/>
+              </a:ext>
+            </a:extLst>
+          </p:cNvPr>
+          <p:cNvGraphicFramePr>
+            <a:graphicFrameLocks noGrp="1"/>
+          </p:cNvGraphicFramePr>
+          <p:nvPr>
+            <p:ph idx="1"/>
+            <p:extLst>
+              <p:ext uri="{D42A27DB-BD31-4B8C-83A1-F6EECF244321}">
+                <p14:modId xmlns:p14="http://schemas.microsoft.com/office/powerpoint/2010/main" val="3103078240"/>
+              </p:ext>
+            </p:extLst>
+          </p:nvPr>
+        </p:nvGraphicFramePr>
+        <p:xfrm>
+          <a:off x="4955458" y="2251587"/>
+          <a:ext cx="6593075" cy="3972232"/>
+        </p:xfrm>
+        <a:graphic>
+          <a:graphicData uri="http://schemas.openxmlformats.org/drawingml/2006/diagram">
+            <dgm:relIds xmlns:dgm="http://schemas.openxmlformats.org/drawingml/2006/diagram" xmlns:r="http://schemas.openxmlformats.org/officeDocument/2006/relationships" r:dm="rId4" r:lo="rId5" r:qs="rId6" r:cs="rId7"/>
+          </a:graphicData>
+        </a:graphic>
+      </p:graphicFrame>
     </p:spTree>
     <p:extLst>
       <p:ext uri="{BB962C8B-B14F-4D97-AF65-F5344CB8AC3E}">
-        <p14:creationId xmlns:p14="http://schemas.microsoft.com/office/powerpoint/2010/main" val="2375574348"/>
+        <p14:creationId xmlns:p14="http://schemas.microsoft.com/office/powerpoint/2010/main" val="2825015977"/>
       </p:ext>
     </p:extLst>
   </p:cSld>
@@ -8788,14 +11404,15 @@
 </p:sld>
 </file>
 
-<file path=ppt/slides/slide2.xml><?xml version="1.0" encoding="utf-8"?>
+<file path=ppt/slides/slide3.xml><?xml version="1.0" encoding="utf-8"?>
 <p:sld xmlns:a="http://schemas.openxmlformats.org/drawingml/2006/main" xmlns:r="http://schemas.openxmlformats.org/officeDocument/2006/relationships" xmlns:p="http://schemas.openxmlformats.org/presentationml/2006/main">
   <p:cSld>
     <p:bg>
       <p:bgPr>
-        <a:solidFill>
-          <a:schemeClr val="bg1"/>
-        </a:solidFill>
+        <a:blipFill>
+          <a:blip r:embed="rId3"/>
+          <a:stretch/>
+        </a:blipFill>
         <a:effectLst/>
       </p:bgPr>
     </p:bg>
@@ -8813,228 +11430,12 @@
           <a:chExt cx="0" cy="0"/>
         </a:xfrm>
       </p:grpSpPr>
-      <p:sp useBgFill="1">
-        <p:nvSpPr>
-          <p:cNvPr id="9" name="Rectangle 8">
-            <a:extLst>
-              <a:ext uri="{FF2B5EF4-FFF2-40B4-BE49-F238E27FC236}">
-                <a16:creationId xmlns:a16="http://schemas.microsoft.com/office/drawing/2014/main" id="{75F65CD9-825D-44BD-8681-D42D260D4C63}"/>
-              </a:ext>
-              <a:ext uri="{C183D7F6-B498-43B3-948B-1728B52AA6E4}">
-                <adec:decorative xmlns:adec="http://schemas.microsoft.com/office/drawing/2017/decorative" val="1"/>
-              </a:ext>
-            </a:extLst>
-          </p:cNvPr>
-          <p:cNvSpPr>
-            <a:spLocks noGrp="1" noRot="1" noChangeAspect="1" noMove="1" noResize="1" noEditPoints="1" noAdjustHandles="1" noChangeArrowheads="1" noChangeShapeType="1" noTextEdit="1"/>
-          </p:cNvSpPr>
-          <p:nvPr>
-            <p:extLst>
-              <p:ext uri="{386F3935-93C4-4BCD-93E2-E3B085C9AB24}">
-                <p16:designElem xmlns:p16="http://schemas.microsoft.com/office/powerpoint/2015/main" val="1"/>
-              </p:ext>
-            </p:extLst>
-          </p:nvPr>
-        </p:nvSpPr>
-        <p:spPr>
-          <a:xfrm>
-            <a:off x="0" y="0"/>
-            <a:ext cx="12192000" cy="6858000"/>
-          </a:xfrm>
-          <a:prstGeom prst="rect">
-            <a:avLst/>
-          </a:prstGeom>
-          <a:ln>
-            <a:noFill/>
-          </a:ln>
-        </p:spPr>
-        <p:style>
-          <a:lnRef idx="2">
-            <a:schemeClr val="accent1">
-              <a:shade val="50000"/>
-            </a:schemeClr>
-          </a:lnRef>
-          <a:fillRef idx="1">
-            <a:schemeClr val="accent1"/>
-          </a:fillRef>
-          <a:effectRef idx="0">
-            <a:schemeClr val="accent1"/>
-          </a:effectRef>
-          <a:fontRef idx="minor">
-            <a:schemeClr val="lt1"/>
-          </a:fontRef>
-        </p:style>
-        <p:txBody>
-          <a:bodyPr rtlCol="0" anchor="ctr"/>
-          <a:lstStyle/>
-          <a:p>
-            <a:pPr algn="ctr"/>
-            <a:endParaRPr lang="en-US"/>
-          </a:p>
-        </p:txBody>
-      </p:sp>
-      <p:sp>
-        <p:nvSpPr>
-          <p:cNvPr id="11" name="Freeform: Shape 10">
-            <a:extLst>
-              <a:ext uri="{FF2B5EF4-FFF2-40B4-BE49-F238E27FC236}">
-                <a16:creationId xmlns:a16="http://schemas.microsoft.com/office/drawing/2014/main" id="{B2F64C47-BE0B-4DA4-A62F-C6922DD2082F}"/>
-              </a:ext>
-              <a:ext uri="{C183D7F6-B498-43B3-948B-1728B52AA6E4}">
-                <adec:decorative xmlns:adec="http://schemas.microsoft.com/office/drawing/2017/decorative" val="1"/>
-              </a:ext>
-            </a:extLst>
-          </p:cNvPr>
-          <p:cNvSpPr>
-            <a:spLocks noGrp="1" noRot="1" noChangeAspect="1" noMove="1" noResize="1" noEditPoints="1" noAdjustHandles="1" noChangeArrowheads="1" noChangeShapeType="1" noTextEdit="1"/>
-          </p:cNvSpPr>
-          <p:nvPr>
-            <p:extLst>
-              <p:ext uri="{386F3935-93C4-4BCD-93E2-E3B085C9AB24}">
-                <p16:designElem xmlns:p16="http://schemas.microsoft.com/office/powerpoint/2015/main" val="1"/>
-              </p:ext>
-            </p:extLst>
-          </p:nvPr>
-        </p:nvSpPr>
-        <p:spPr>
-          <a:xfrm flipH="1">
-            <a:off x="0" y="-2"/>
-            <a:ext cx="4125976" cy="6858002"/>
-          </a:xfrm>
-          <a:custGeom>
-            <a:avLst/>
-            <a:gdLst>
-              <a:gd name="connsiteX0" fmla="*/ 4125976 w 4125976"/>
-              <a:gd name="connsiteY0" fmla="*/ 0 h 6858002"/>
-              <a:gd name="connsiteX1" fmla="*/ 1300393 w 4125976"/>
-              <a:gd name="connsiteY1" fmla="*/ 0 h 6858002"/>
-              <a:gd name="connsiteX2" fmla="*/ 1300393 w 4125976"/>
-              <a:gd name="connsiteY2" fmla="*/ 2 h 6858002"/>
-              <a:gd name="connsiteX3" fmla="*/ 1155520 w 4125976"/>
-              <a:gd name="connsiteY3" fmla="*/ 2 h 6858002"/>
-              <a:gd name="connsiteX4" fmla="*/ 1074856 w 4125976"/>
-              <a:gd name="connsiteY4" fmla="*/ 88573 h 6858002"/>
-              <a:gd name="connsiteX5" fmla="*/ 0 w 4125976"/>
-              <a:gd name="connsiteY5" fmla="*/ 3396600 h 6858002"/>
-              <a:gd name="connsiteX6" fmla="*/ 1222540 w 4125976"/>
-              <a:gd name="connsiteY6" fmla="*/ 6858002 h 6858002"/>
-              <a:gd name="connsiteX7" fmla="*/ 4125598 w 4125976"/>
-              <a:gd name="connsiteY7" fmla="*/ 6858002 h 6858002"/>
-              <a:gd name="connsiteX8" fmla="*/ 4125976 w 4125976"/>
-              <a:gd name="connsiteY8" fmla="*/ 6857600 h 6858002"/>
-            </a:gdLst>
-            <a:ahLst/>
-            <a:cxnLst>
-              <a:cxn ang="0">
-                <a:pos x="connsiteX0" y="connsiteY0"/>
-              </a:cxn>
-              <a:cxn ang="0">
-                <a:pos x="connsiteX1" y="connsiteY1"/>
-              </a:cxn>
-              <a:cxn ang="0">
-                <a:pos x="connsiteX2" y="connsiteY2"/>
-              </a:cxn>
-              <a:cxn ang="0">
-                <a:pos x="connsiteX3" y="connsiteY3"/>
-              </a:cxn>
-              <a:cxn ang="0">
-                <a:pos x="connsiteX4" y="connsiteY4"/>
-              </a:cxn>
-              <a:cxn ang="0">
-                <a:pos x="connsiteX5" y="connsiteY5"/>
-              </a:cxn>
-              <a:cxn ang="0">
-                <a:pos x="connsiteX6" y="connsiteY6"/>
-              </a:cxn>
-              <a:cxn ang="0">
-                <a:pos x="connsiteX7" y="connsiteY7"/>
-              </a:cxn>
-              <a:cxn ang="0">
-                <a:pos x="connsiteX8" y="connsiteY8"/>
-              </a:cxn>
-            </a:cxnLst>
-            <a:rect l="l" t="t" r="r" b="b"/>
-            <a:pathLst>
-              <a:path w="4125976" h="6858002">
-                <a:moveTo>
-                  <a:pt x="4125976" y="0"/>
-                </a:moveTo>
-                <a:lnTo>
-                  <a:pt x="1300393" y="0"/>
-                </a:lnTo>
-                <a:lnTo>
-                  <a:pt x="1300393" y="2"/>
-                </a:lnTo>
-                <a:lnTo>
-                  <a:pt x="1155520" y="2"/>
-                </a:lnTo>
-                <a:lnTo>
-                  <a:pt x="1074856" y="88573"/>
-                </a:lnTo>
-                <a:cubicBezTo>
-                  <a:pt x="422987" y="841260"/>
-                  <a:pt x="0" y="2042663"/>
-                  <a:pt x="0" y="3396600"/>
-                </a:cubicBezTo>
-                <a:cubicBezTo>
-                  <a:pt x="0" y="4846647"/>
-                  <a:pt x="488259" y="6121285"/>
-                  <a:pt x="1222540" y="6858002"/>
-                </a:cubicBezTo>
-                <a:cubicBezTo>
-                  <a:pt x="4125598" y="6858002"/>
-                  <a:pt x="4125598" y="6858002"/>
-                  <a:pt x="4125598" y="6858002"/>
-                </a:cubicBezTo>
-                <a:lnTo>
-                  <a:pt x="4125976" y="6857600"/>
-                </a:lnTo>
-                <a:close/>
-              </a:path>
-            </a:pathLst>
-          </a:custGeom>
-          <a:blipFill dpi="0" rotWithShape="1">
-            <a:blip r:embed="rId2"/>
-            <a:srcRect/>
-            <a:tile tx="0" ty="0" sx="100000" sy="100000" flip="none" algn="tl"/>
-          </a:blipFill>
-          <a:ln>
-            <a:noFill/>
-          </a:ln>
-        </p:spPr>
-        <p:style>
-          <a:lnRef idx="2">
-            <a:schemeClr val="accent1">
-              <a:shade val="50000"/>
-            </a:schemeClr>
-          </a:lnRef>
-          <a:fillRef idx="1003">
-            <a:schemeClr val="dk2"/>
-          </a:fillRef>
-          <a:effectRef idx="0">
-            <a:schemeClr val="accent1"/>
-          </a:effectRef>
-          <a:fontRef idx="minor">
-            <a:schemeClr val="lt1"/>
-          </a:fontRef>
-        </p:style>
-        <p:txBody>
-          <a:bodyPr wrap="square" rtlCol="0" anchor="ctr">
-            <a:noAutofit/>
-          </a:bodyPr>
-          <a:lstStyle/>
-          <a:p>
-            <a:pPr algn="ctr"/>
-            <a:endParaRPr lang="en-US"/>
-          </a:p>
-        </p:txBody>
-      </p:sp>
       <p:sp>
         <p:nvSpPr>
           <p:cNvPr id="2" name="Titel 1">
             <a:extLst>
               <a:ext uri="{FF2B5EF4-FFF2-40B4-BE49-F238E27FC236}">
-                <a16:creationId xmlns:a16="http://schemas.microsoft.com/office/drawing/2014/main" id="{807EAC50-4CFA-4F64-06CE-A585061AAA58}"/>
+                <a16:creationId xmlns:a16="http://schemas.microsoft.com/office/drawing/2014/main" id="{74661C10-3BC9-DA2E-45B1-8FF0FF5970BD}"/>
               </a:ext>
             </a:extLst>
           </p:cNvPr>
@@ -9047,8 +11448,196 @@
         </p:nvSpPr>
         <p:spPr>
           <a:xfrm>
-            <a:off x="685801" y="643466"/>
-            <a:ext cx="2590799" cy="4995333"/>
+            <a:off x="6717278" y="1030288"/>
+            <a:ext cx="4601511" cy="1035579"/>
+          </a:xfrm>
+        </p:spPr>
+        <p:txBody>
+          <a:bodyPr>
+            <a:noAutofit/>
+          </a:bodyPr>
+          <a:lstStyle/>
+          <a:p>
+            <a:pPr>
+              <a:lnSpc>
+                <a:spcPct val="90000"/>
+              </a:lnSpc>
+            </a:pPr>
+            <a:r>
+              <a:rPr lang="nl-BE" sz="4800" dirty="0"/>
+              <a:t>IT in sportscholen</a:t>
+            </a:r>
+          </a:p>
+        </p:txBody>
+      </p:sp>
+      <p:pic>
+        <p:nvPicPr>
+          <p:cNvPr id="1028" name="Picture 4" descr="Beats of Golf | LinkedIn">
+            <a:extLst>
+              <a:ext uri="{FF2B5EF4-FFF2-40B4-BE49-F238E27FC236}">
+                <a16:creationId xmlns:a16="http://schemas.microsoft.com/office/drawing/2014/main" id="{0C4B6CC1-AEF5-C80C-3675-C093EFBEE678}"/>
+              </a:ext>
+            </a:extLst>
+          </p:cNvPr>
+          <p:cNvPicPr>
+            <a:picLocks noChangeAspect="1" noChangeArrowheads="1"/>
+          </p:cNvPicPr>
+          <p:nvPr/>
+        </p:nvPicPr>
+        <p:blipFill>
+          <a:blip r:embed="rId4">
+            <a:extLst>
+              <a:ext uri="{28A0092B-C50C-407E-A947-70E740481C1C}">
+                <a14:useLocalDpi xmlns:a14="http://schemas.microsoft.com/office/drawing/2010/main" val="0"/>
+              </a:ext>
+            </a:extLst>
+          </a:blip>
+          <a:stretch>
+            <a:fillRect/>
+          </a:stretch>
+        </p:blipFill>
+        <p:spPr bwMode="auto">
+          <a:xfrm>
+            <a:off x="1374103" y="376914"/>
+            <a:ext cx="4033594" cy="2954608"/>
+          </a:xfrm>
+          <a:prstGeom prst="roundRect">
+            <a:avLst>
+              <a:gd name="adj" fmla="val 6267"/>
+            </a:avLst>
+          </a:prstGeom>
+          <a:noFill/>
+          <a:ln w="50800" cap="sq" cmpd="dbl">
+            <a:gradFill flip="none" rotWithShape="1">
+              <a:gsLst>
+                <a:gs pos="0">
+                  <a:srgbClr val="FFFFFF"/>
+                </a:gs>
+                <a:gs pos="100000">
+                  <a:schemeClr val="tx1">
+                    <a:alpha val="0"/>
+                  </a:schemeClr>
+                </a:gs>
+              </a:gsLst>
+              <a:path path="circle">
+                <a:fillToRect l="50000" t="50000" r="50000" b="50000"/>
+              </a:path>
+              <a:tileRect/>
+            </a:gradFill>
+            <a:miter lim="800000"/>
+          </a:ln>
+          <a:effectLst>
+            <a:outerShdw blurRad="254000" algn="tl" rotWithShape="0">
+              <a:srgbClr val="000000">
+                <a:alpha val="43000"/>
+              </a:srgbClr>
+            </a:outerShdw>
+          </a:effectLst>
+          <a:extLst>
+            <a:ext uri="{909E8E84-426E-40DD-AFC4-6F175D3DCCD1}">
+              <a14:hiddenFill xmlns:a14="http://schemas.microsoft.com/office/drawing/2010/main">
+                <a:solidFill>
+                  <a:srgbClr val="FFFFFF"/>
+                </a:solidFill>
+              </a14:hiddenFill>
+            </a:ext>
+          </a:extLst>
+        </p:spPr>
+      </p:pic>
+      <p:pic>
+        <p:nvPicPr>
+          <p:cNvPr id="1026" name="Picture 2" descr="Golfpro - Foto van Beats of Golf, Antwerpen - Tripadvisor">
+            <a:extLst>
+              <a:ext uri="{FF2B5EF4-FFF2-40B4-BE49-F238E27FC236}">
+                <a16:creationId xmlns:a16="http://schemas.microsoft.com/office/drawing/2014/main" id="{F3F573AE-D1F6-3F22-8418-D8212018754B}"/>
+              </a:ext>
+            </a:extLst>
+          </p:cNvPr>
+          <p:cNvPicPr>
+            <a:picLocks noChangeAspect="1" noChangeArrowheads="1"/>
+          </p:cNvPicPr>
+          <p:nvPr/>
+        </p:nvPicPr>
+        <p:blipFill>
+          <a:blip r:embed="rId5">
+            <a:extLst>
+              <a:ext uri="{28A0092B-C50C-407E-A947-70E740481C1C}">
+                <a14:useLocalDpi xmlns:a14="http://schemas.microsoft.com/office/drawing/2010/main" val="0"/>
+              </a:ext>
+            </a:extLst>
+          </a:blip>
+          <a:stretch>
+            <a:fillRect/>
+          </a:stretch>
+        </p:blipFill>
+        <p:spPr bwMode="auto">
+          <a:xfrm>
+            <a:off x="1374103" y="3522111"/>
+            <a:ext cx="4033594" cy="2692424"/>
+          </a:xfrm>
+          <a:prstGeom prst="roundRect">
+            <a:avLst>
+              <a:gd name="adj" fmla="val 6267"/>
+            </a:avLst>
+          </a:prstGeom>
+          <a:noFill/>
+          <a:ln w="50800" cap="sq" cmpd="dbl">
+            <a:gradFill flip="none" rotWithShape="1">
+              <a:gsLst>
+                <a:gs pos="0">
+                  <a:srgbClr val="FFFFFF"/>
+                </a:gs>
+                <a:gs pos="100000">
+                  <a:schemeClr val="tx1">
+                    <a:alpha val="0"/>
+                  </a:schemeClr>
+                </a:gs>
+              </a:gsLst>
+              <a:path path="circle">
+                <a:fillToRect l="50000" t="50000" r="50000" b="50000"/>
+              </a:path>
+              <a:tileRect/>
+            </a:gradFill>
+            <a:miter lim="800000"/>
+          </a:ln>
+          <a:effectLst>
+            <a:outerShdw blurRad="254000" algn="tl" rotWithShape="0">
+              <a:srgbClr val="000000">
+                <a:alpha val="43000"/>
+              </a:srgbClr>
+            </a:outerShdw>
+          </a:effectLst>
+          <a:extLst>
+            <a:ext uri="{909E8E84-426E-40DD-AFC4-6F175D3DCCD1}">
+              <a14:hiddenFill xmlns:a14="http://schemas.microsoft.com/office/drawing/2010/main">
+                <a:solidFill>
+                  <a:srgbClr val="FFFFFF"/>
+                </a:solidFill>
+              </a14:hiddenFill>
+            </a:ext>
+          </a:extLst>
+        </p:spPr>
+      </p:pic>
+      <p:sp>
+        <p:nvSpPr>
+          <p:cNvPr id="3" name="Tijdelijke aanduiding voor inhoud 2">
+            <a:extLst>
+              <a:ext uri="{FF2B5EF4-FFF2-40B4-BE49-F238E27FC236}">
+                <a16:creationId xmlns:a16="http://schemas.microsoft.com/office/drawing/2014/main" id="{AAE55B15-4307-1B79-D5BF-806D1C1939C4}"/>
+              </a:ext>
+            </a:extLst>
+          </p:cNvPr>
+          <p:cNvSpPr>
+            <a:spLocks noGrp="1"/>
+          </p:cNvSpPr>
+          <p:nvPr>
+            <p:ph idx="1"/>
+          </p:nvPr>
+        </p:nvSpPr>
+        <p:spPr>
+          <a:xfrm>
+            <a:off x="6717278" y="2142067"/>
+            <a:ext cx="4099947" cy="3649133"/>
           </a:xfrm>
         </p:spPr>
         <p:txBody>
@@ -9058,63 +11647,323 @@
           <a:lstStyle/>
           <a:p>
             <a:r>
-              <a:rPr lang="nl-BE">
-                <a:solidFill>
-                  <a:srgbClr val="FFFFFF"/>
-                </a:solidFill>
-              </a:rPr>
-              <a:t>Inhoud</a:t>
-            </a:r>
+              <a:rPr lang="nl-BE" sz="3200" dirty="0"/>
+              <a:t>Sportelementen</a:t>
+            </a:r>
+          </a:p>
+          <a:p>
+            <a:r>
+              <a:rPr lang="nl-BE" sz="3200" dirty="0"/>
+              <a:t>Simulaties</a:t>
+            </a:r>
+          </a:p>
+          <a:p>
+            <a:r>
+              <a:rPr lang="nl-BE" sz="3200" dirty="0"/>
+              <a:t>Beats Of Golf</a:t>
+            </a:r>
+          </a:p>
+          <a:p>
+            <a:endParaRPr lang="nl-BE" dirty="0"/>
           </a:p>
         </p:txBody>
       </p:sp>
-      <p:graphicFrame>
-        <p:nvGraphicFramePr>
-          <p:cNvPr id="5" name="Tijdelijke aanduiding voor inhoud 2">
-            <a:extLst>
-              <a:ext uri="{FF2B5EF4-FFF2-40B4-BE49-F238E27FC236}">
-                <a16:creationId xmlns:a16="http://schemas.microsoft.com/office/drawing/2014/main" id="{6A658801-F24C-AD68-9AF1-51C8F6ACE7EF}"/>
-              </a:ext>
-            </a:extLst>
-          </p:cNvPr>
-          <p:cNvGraphicFramePr>
-            <a:graphicFrameLocks noGrp="1"/>
-          </p:cNvGraphicFramePr>
-          <p:nvPr>
-            <p:ph idx="1"/>
-            <p:extLst>
-              <p:ext uri="{D42A27DB-BD31-4B8C-83A1-F6EECF244321}">
-                <p14:modId xmlns:p14="http://schemas.microsoft.com/office/powerpoint/2010/main" val="185748636"/>
-              </p:ext>
-            </p:extLst>
-          </p:nvPr>
-        </p:nvGraphicFramePr>
-        <p:xfrm>
-          <a:off x="4808601" y="901700"/>
-          <a:ext cx="6545199" cy="4820182"/>
-        </p:xfrm>
-        <a:graphic>
-          <a:graphicData uri="http://schemas.openxmlformats.org/drawingml/2006/diagram">
-            <dgm:relIds xmlns:dgm="http://schemas.openxmlformats.org/drawingml/2006/diagram" xmlns:r="http://schemas.openxmlformats.org/officeDocument/2006/relationships" r:dm="rId3" r:lo="rId4" r:qs="rId5" r:cs="rId6"/>
-          </a:graphicData>
-        </a:graphic>
-      </p:graphicFrame>
     </p:spTree>
     <p:extLst>
       <p:ext uri="{BB962C8B-B14F-4D97-AF65-F5344CB8AC3E}">
-        <p14:creationId xmlns:p14="http://schemas.microsoft.com/office/powerpoint/2010/main" val="2825015977"/>
+        <p14:creationId xmlns:p14="http://schemas.microsoft.com/office/powerpoint/2010/main" val="3688820447"/>
       </p:ext>
     </p:extLst>
   </p:cSld>
   <p:clrMapOvr>
-    <a:overrideClrMapping bg1="lt1" tx1="dk1" bg2="lt2" tx2="dk2" accent1="accent1" accent2="accent2" accent3="accent3" accent4="accent4" accent5="accent5" accent6="accent6" hlink="hlink" folHlink="folHlink"/>
+    <a:masterClrMapping/>
   </p:clrMapOvr>
 </p:sld>
 </file>
 
-<file path=ppt/slides/slide3.xml><?xml version="1.0" encoding="utf-8"?>
+<file path=ppt/slides/slide4.xml><?xml version="1.0" encoding="utf-8"?>
 <p:sld xmlns:a="http://schemas.openxmlformats.org/drawingml/2006/main" xmlns:r="http://schemas.openxmlformats.org/officeDocument/2006/relationships" xmlns:p="http://schemas.openxmlformats.org/presentationml/2006/main">
   <p:cSld>
+    <p:bg>
+      <p:bgPr>
+        <a:blipFill>
+          <a:blip r:embed="rId3"/>
+          <a:stretch/>
+        </a:blipFill>
+        <a:effectLst/>
+      </p:bgPr>
+    </p:bg>
+    <p:spTree>
+      <p:nvGrpSpPr>
+        <p:cNvPr id="1" name=""/>
+        <p:cNvGrpSpPr/>
+        <p:nvPr/>
+      </p:nvGrpSpPr>
+      <p:grpSpPr>
+        <a:xfrm>
+          <a:off x="0" y="0"/>
+          <a:ext cx="0" cy="0"/>
+          <a:chOff x="0" y="0"/>
+          <a:chExt cx="0" cy="0"/>
+        </a:xfrm>
+      </p:grpSpPr>
+      <p:sp>
+        <p:nvSpPr>
+          <p:cNvPr id="2" name="Titel 1">
+            <a:extLst>
+              <a:ext uri="{FF2B5EF4-FFF2-40B4-BE49-F238E27FC236}">
+                <a16:creationId xmlns:a16="http://schemas.microsoft.com/office/drawing/2014/main" id="{1234C37F-7A36-3B3A-A534-9FB6AC588E8E}"/>
+              </a:ext>
+            </a:extLst>
+          </p:cNvPr>
+          <p:cNvSpPr>
+            <a:spLocks noGrp="1"/>
+          </p:cNvSpPr>
+          <p:nvPr>
+            <p:ph type="title"/>
+          </p:nvPr>
+        </p:nvSpPr>
+        <p:spPr>
+          <a:xfrm>
+            <a:off x="1327255" y="1030288"/>
+            <a:ext cx="6368945" cy="1035579"/>
+          </a:xfrm>
+        </p:spPr>
+        <p:txBody>
+          <a:bodyPr>
+            <a:noAutofit/>
+          </a:bodyPr>
+          <a:lstStyle/>
+          <a:p>
+            <a:pPr>
+              <a:lnSpc>
+                <a:spcPct val="90000"/>
+              </a:lnSpc>
+            </a:pPr>
+            <a:r>
+              <a:rPr lang="nl-BE" sz="4800" dirty="0"/>
+              <a:t>Gezondheidstracking</a:t>
+            </a:r>
+          </a:p>
+        </p:txBody>
+      </p:sp>
+      <p:sp>
+        <p:nvSpPr>
+          <p:cNvPr id="3" name="Tijdelijke aanduiding voor inhoud 2">
+            <a:extLst>
+              <a:ext uri="{FF2B5EF4-FFF2-40B4-BE49-F238E27FC236}">
+                <a16:creationId xmlns:a16="http://schemas.microsoft.com/office/drawing/2014/main" id="{35FFB7A2-5C39-DAE2-62F1-FC98070C1FC8}"/>
+              </a:ext>
+            </a:extLst>
+          </p:cNvPr>
+          <p:cNvSpPr>
+            <a:spLocks noGrp="1"/>
+          </p:cNvSpPr>
+          <p:nvPr>
+            <p:ph idx="1"/>
+          </p:nvPr>
+        </p:nvSpPr>
+        <p:spPr>
+          <a:xfrm>
+            <a:off x="1327255" y="2142067"/>
+            <a:ext cx="5435495" cy="3649133"/>
+          </a:xfrm>
+        </p:spPr>
+        <p:txBody>
+          <a:bodyPr>
+            <a:normAutofit/>
+          </a:bodyPr>
+          <a:lstStyle/>
+          <a:p>
+            <a:r>
+              <a:rPr lang="nl-BE" sz="3200" dirty="0"/>
+              <a:t>Smartwatches</a:t>
+            </a:r>
+          </a:p>
+          <a:p>
+            <a:r>
+              <a:rPr lang="nl-BE" sz="3200" dirty="0"/>
+              <a:t>Medische toepassingen</a:t>
+            </a:r>
+          </a:p>
+          <a:p>
+            <a:endParaRPr lang="nl-BE" dirty="0"/>
+          </a:p>
+        </p:txBody>
+      </p:sp>
+      <p:pic>
+        <p:nvPicPr>
+          <p:cNvPr id="5122" name="Picture 2">
+            <a:extLst>
+              <a:ext uri="{FF2B5EF4-FFF2-40B4-BE49-F238E27FC236}">
+                <a16:creationId xmlns:a16="http://schemas.microsoft.com/office/drawing/2014/main" id="{B76B7EA7-30D8-45FC-85EC-8656F6A3A8A2}"/>
+              </a:ext>
+            </a:extLst>
+          </p:cNvPr>
+          <p:cNvPicPr>
+            <a:picLocks noChangeAspect="1" noChangeArrowheads="1"/>
+          </p:cNvPicPr>
+          <p:nvPr/>
+        </p:nvPicPr>
+        <p:blipFill>
+          <a:blip r:embed="rId4">
+            <a:extLst>
+              <a:ext uri="{28A0092B-C50C-407E-A947-70E740481C1C}">
+                <a14:useLocalDpi xmlns:a14="http://schemas.microsoft.com/office/drawing/2010/main" val="0"/>
+              </a:ext>
+            </a:extLst>
+          </a:blip>
+          <a:stretch>
+            <a:fillRect/>
+          </a:stretch>
+        </p:blipFill>
+        <p:spPr bwMode="auto">
+          <a:xfrm>
+            <a:off x="7889524" y="639097"/>
+            <a:ext cx="3707664" cy="5575437"/>
+          </a:xfrm>
+          <a:prstGeom prst="roundRect">
+            <a:avLst>
+              <a:gd name="adj" fmla="val 6267"/>
+            </a:avLst>
+          </a:prstGeom>
+          <a:noFill/>
+          <a:ln w="50800" cap="sq" cmpd="dbl">
+            <a:gradFill flip="none" rotWithShape="1">
+              <a:gsLst>
+                <a:gs pos="0">
+                  <a:srgbClr val="FFFFFF"/>
+                </a:gs>
+                <a:gs pos="100000">
+                  <a:schemeClr val="tx1">
+                    <a:alpha val="0"/>
+                  </a:schemeClr>
+                </a:gs>
+              </a:gsLst>
+              <a:path path="circle">
+                <a:fillToRect l="50000" t="50000" r="50000" b="50000"/>
+              </a:path>
+              <a:tileRect/>
+            </a:gradFill>
+            <a:miter lim="800000"/>
+          </a:ln>
+          <a:effectLst>
+            <a:outerShdw blurRad="254000" algn="tl" rotWithShape="0">
+              <a:srgbClr val="000000">
+                <a:alpha val="43000"/>
+              </a:srgbClr>
+            </a:outerShdw>
+          </a:effectLst>
+          <a:extLst>
+            <a:ext uri="{909E8E84-426E-40DD-AFC4-6F175D3DCCD1}">
+              <a14:hiddenFill xmlns:a14="http://schemas.microsoft.com/office/drawing/2010/main">
+                <a:solidFill>
+                  <a:srgbClr val="FFFFFF"/>
+                </a:solidFill>
+              </a14:hiddenFill>
+            </a:ext>
+          </a:extLst>
+        </p:spPr>
+      </p:pic>
+      <p:pic>
+        <p:nvPicPr>
+          <p:cNvPr id="3074" name="Picture 2" descr="Apple Watch PNG Image - PurePNG | Free transparent CC0 PNG Image Library">
+            <a:extLst>
+              <a:ext uri="{FF2B5EF4-FFF2-40B4-BE49-F238E27FC236}">
+                <a16:creationId xmlns:a16="http://schemas.microsoft.com/office/drawing/2014/main" id="{E5B3EA5B-CE09-D494-FE26-4D086069592B}"/>
+              </a:ext>
+            </a:extLst>
+          </p:cNvPr>
+          <p:cNvPicPr>
+            <a:picLocks noChangeAspect="1" noChangeArrowheads="1"/>
+          </p:cNvPicPr>
+          <p:nvPr/>
+        </p:nvPicPr>
+        <p:blipFill>
+          <a:blip r:embed="rId5">
+            <a:extLst>
+              <a:ext uri="{28A0092B-C50C-407E-A947-70E740481C1C}">
+                <a14:useLocalDpi xmlns:a14="http://schemas.microsoft.com/office/drawing/2010/main" val="0"/>
+              </a:ext>
+            </a:extLst>
+          </a:blip>
+          <a:stretch>
+            <a:fillRect/>
+          </a:stretch>
+        </p:blipFill>
+        <p:spPr bwMode="auto">
+          <a:xfrm>
+            <a:off x="7152556" y="3966633"/>
+            <a:ext cx="3065000" cy="3304584"/>
+          </a:xfrm>
+          <a:prstGeom prst="roundRect">
+            <a:avLst>
+              <a:gd name="adj" fmla="val 6267"/>
+            </a:avLst>
+          </a:prstGeom>
+          <a:noFill/>
+          <a:ln w="50800" cap="sq" cmpd="dbl">
+            <a:gradFill flip="none" rotWithShape="1">
+              <a:gsLst>
+                <a:gs pos="0">
+                  <a:srgbClr val="FFFFFF"/>
+                </a:gs>
+                <a:gs pos="100000">
+                  <a:schemeClr val="tx1">
+                    <a:alpha val="0"/>
+                  </a:schemeClr>
+                </a:gs>
+              </a:gsLst>
+              <a:path path="circle">
+                <a:fillToRect l="50000" t="50000" r="50000" b="50000"/>
+              </a:path>
+              <a:tileRect/>
+            </a:gradFill>
+            <a:miter lim="800000"/>
+          </a:ln>
+          <a:effectLst>
+            <a:outerShdw blurRad="254000" algn="tl" rotWithShape="0">
+              <a:srgbClr val="000000">
+                <a:alpha val="43000"/>
+              </a:srgbClr>
+            </a:outerShdw>
+          </a:effectLst>
+          <a:extLst>
+            <a:ext uri="{909E8E84-426E-40DD-AFC4-6F175D3DCCD1}">
+              <a14:hiddenFill xmlns:a14="http://schemas.microsoft.com/office/drawing/2010/main">
+                <a:solidFill>
+                  <a:srgbClr val="FFFFFF"/>
+                </a:solidFill>
+              </a14:hiddenFill>
+            </a:ext>
+          </a:extLst>
+        </p:spPr>
+      </p:pic>
+    </p:spTree>
+    <p:extLst>
+      <p:ext uri="{BB962C8B-B14F-4D97-AF65-F5344CB8AC3E}">
+        <p14:creationId xmlns:p14="http://schemas.microsoft.com/office/powerpoint/2010/main" val="603538061"/>
+      </p:ext>
+    </p:extLst>
+  </p:cSld>
+  <p:clrMapOvr>
+    <a:masterClrMapping/>
+  </p:clrMapOvr>
+</p:sld>
+</file>
+
+<file path=ppt/slides/slide5.xml><?xml version="1.0" encoding="utf-8"?>
+<p:sld xmlns:a="http://schemas.openxmlformats.org/drawingml/2006/main" xmlns:r="http://schemas.openxmlformats.org/officeDocument/2006/relationships" xmlns:p="http://schemas.openxmlformats.org/presentationml/2006/main">
+  <p:cSld>
+    <p:bg>
+      <p:bgPr>
+        <a:blipFill>
+          <a:blip r:embed="rId3"/>
+          <a:stretch/>
+        </a:blipFill>
+        <a:effectLst/>
+      </p:bgPr>
+    </p:bg>
     <p:spTree>
       <p:nvGrpSpPr>
         <p:cNvPr id="1" name=""/>
@@ -9145,16 +11994,26 @@
             <p:ph type="title"/>
           </p:nvPr>
         </p:nvSpPr>
-        <p:spPr/>
+        <p:spPr>
+          <a:xfrm>
+            <a:off x="1327255" y="1030288"/>
+            <a:ext cx="4099947" cy="1035579"/>
+          </a:xfrm>
+        </p:spPr>
         <p:txBody>
           <a:bodyPr>
             <a:normAutofit/>
           </a:bodyPr>
           <a:lstStyle/>
           <a:p>
-            <a:r>
-              <a:rPr lang="nl-BE" sz="4800" dirty="0"/>
-              <a:t>IT dat sporten helpt</a:t>
+            <a:pPr>
+              <a:lnSpc>
+                <a:spcPct val="90000"/>
+              </a:lnSpc>
+            </a:pPr>
+            <a:r>
+              <a:rPr lang="nl-BE" sz="3300"/>
+              <a:t>IT binnen sportclubs</a:t>
             </a:r>
           </a:p>
         </p:txBody>
@@ -9175,61 +12034,43 @@
             <p:ph idx="1"/>
           </p:nvPr>
         </p:nvSpPr>
-        <p:spPr/>
+        <p:spPr>
+          <a:xfrm>
+            <a:off x="1163559" y="2178579"/>
+            <a:ext cx="4487372" cy="3649133"/>
+          </a:xfrm>
+        </p:spPr>
         <p:txBody>
           <a:bodyPr>
-            <a:normAutofit lnSpcReduction="10000"/>
+            <a:normAutofit/>
           </a:bodyPr>
           <a:lstStyle/>
           <a:p>
             <a:r>
               <a:rPr lang="nl-BE" sz="3200" dirty="0"/>
-              <a:t>Sporttoestellen</a:t>
+              <a:t>Database spelers</a:t>
             </a:r>
           </a:p>
           <a:p>
             <a:r>
               <a:rPr lang="nl-BE" sz="3200" dirty="0"/>
-              <a:t>Krachtmetingen</a:t>
+              <a:t>Streaming wedstrijden</a:t>
             </a:r>
           </a:p>
           <a:p>
             <a:r>
               <a:rPr lang="nl-BE" sz="3200" dirty="0"/>
-              <a:t>Revalidatie</a:t>
-            </a:r>
-          </a:p>
-          <a:p>
-            <a:r>
-              <a:rPr lang="nl-BE" sz="3200" dirty="0"/>
-              <a:t>Hartslag</a:t>
-            </a:r>
-          </a:p>
-          <a:p>
-            <a:pPr lvl="1"/>
-            <a:r>
-              <a:rPr lang="nl-BE" sz="3000" dirty="0"/>
-              <a:t>Meten</a:t>
-            </a:r>
-          </a:p>
-          <a:p>
-            <a:pPr lvl="1"/>
-            <a:r>
-              <a:rPr lang="nl-BE" sz="3000" dirty="0"/>
-              <a:t>Stabiel houden (pacemaker)</a:t>
-            </a:r>
-          </a:p>
-          <a:p>
-            <a:endParaRPr lang="nl-BE" sz="3200" dirty="0"/>
+              <a:t>Wedstrijdinfo</a:t>
+            </a:r>
           </a:p>
         </p:txBody>
       </p:sp>
       <p:pic>
         <p:nvPicPr>
-          <p:cNvPr id="2054" name="Picture 6" descr="Treadmill PNG transparent image download, size: 1350x1050px">
+          <p:cNvPr id="3076" name="Picture 4">
             <a:extLst>
               <a:ext uri="{FF2B5EF4-FFF2-40B4-BE49-F238E27FC236}">
-                <a16:creationId xmlns:a16="http://schemas.microsoft.com/office/drawing/2014/main" id="{E7509C86-C66F-7333-5173-15ECD22E2426}"/>
+                <a16:creationId xmlns:a16="http://schemas.microsoft.com/office/drawing/2014/main" id="{1BD9440E-B633-F6A1-1987-5C1026335DDC}"/>
               </a:ext>
             </a:extLst>
           </p:cNvPr>
@@ -9239,27 +12080,128 @@
           <p:nvPr/>
         </p:nvPicPr>
         <p:blipFill>
-          <a:blip r:embed="rId2">
+          <a:blip r:embed="rId4">
             <a:extLst>
               <a:ext uri="{28A0092B-C50C-407E-A947-70E740481C1C}">
                 <a14:useLocalDpi xmlns:a14="http://schemas.microsoft.com/office/drawing/2010/main" val="0"/>
               </a:ext>
             </a:extLst>
           </a:blip>
-          <a:srcRect/>
           <a:stretch>
             <a:fillRect/>
           </a:stretch>
         </p:blipFill>
         <p:spPr bwMode="auto">
           <a:xfrm>
-            <a:off x="6578835" y="1902278"/>
-            <a:ext cx="3925653" cy="3053443"/>
+            <a:off x="6541068" y="639098"/>
+            <a:ext cx="4487373" cy="2692424"/>
           </a:xfrm>
-          <a:prstGeom prst="rect">
-            <a:avLst/>
+          <a:prstGeom prst="roundRect">
+            <a:avLst>
+              <a:gd name="adj" fmla="val 6267"/>
+            </a:avLst>
           </a:prstGeom>
           <a:noFill/>
+          <a:ln w="50800" cap="sq" cmpd="dbl">
+            <a:gradFill flip="none" rotWithShape="1">
+              <a:gsLst>
+                <a:gs pos="0">
+                  <a:srgbClr val="FFFFFF"/>
+                </a:gs>
+                <a:gs pos="100000">
+                  <a:schemeClr val="tx1">
+                    <a:alpha val="0"/>
+                  </a:schemeClr>
+                </a:gs>
+              </a:gsLst>
+              <a:path path="circle">
+                <a:fillToRect l="50000" t="50000" r="50000" b="50000"/>
+              </a:path>
+              <a:tileRect/>
+            </a:gradFill>
+            <a:miter lim="800000"/>
+          </a:ln>
+          <a:effectLst>
+            <a:outerShdw blurRad="254000" algn="tl" rotWithShape="0">
+              <a:srgbClr val="000000">
+                <a:alpha val="43000"/>
+              </a:srgbClr>
+            </a:outerShdw>
+          </a:effectLst>
+          <a:extLst>
+            <a:ext uri="{909E8E84-426E-40DD-AFC4-6F175D3DCCD1}">
+              <a14:hiddenFill xmlns:a14="http://schemas.microsoft.com/office/drawing/2010/main">
+                <a:solidFill>
+                  <a:srgbClr val="FFFFFF"/>
+                </a:solidFill>
+              </a14:hiddenFill>
+            </a:ext>
+          </a:extLst>
+        </p:spPr>
+      </p:pic>
+      <p:pic>
+        <p:nvPicPr>
+          <p:cNvPr id="3074" name="Picture 2" descr="Kai Havertz in actie tegen Oranje.">
+            <a:extLst>
+              <a:ext uri="{FF2B5EF4-FFF2-40B4-BE49-F238E27FC236}">
+                <a16:creationId xmlns:a16="http://schemas.microsoft.com/office/drawing/2014/main" id="{76D37FD8-5BDF-B56E-EA14-A6CA353FB62B}"/>
+              </a:ext>
+            </a:extLst>
+          </p:cNvPr>
+          <p:cNvPicPr>
+            <a:picLocks noChangeAspect="1" noChangeArrowheads="1"/>
+          </p:cNvPicPr>
+          <p:nvPr/>
+        </p:nvPicPr>
+        <p:blipFill>
+          <a:blip r:embed="rId5">
+            <a:extLst>
+              <a:ext uri="{28A0092B-C50C-407E-A947-70E740481C1C}">
+                <a14:useLocalDpi xmlns:a14="http://schemas.microsoft.com/office/drawing/2010/main" val="0"/>
+              </a:ext>
+            </a:extLst>
+          </a:blip>
+          <a:stretch>
+            <a:fillRect/>
+          </a:stretch>
+        </p:blipFill>
+        <p:spPr bwMode="auto">
+          <a:xfrm>
+            <a:off x="6391489" y="3522111"/>
+            <a:ext cx="4786531" cy="2692424"/>
+          </a:xfrm>
+          <a:prstGeom prst="roundRect">
+            <a:avLst>
+              <a:gd name="adj" fmla="val 6267"/>
+            </a:avLst>
+          </a:prstGeom>
+          <a:noFill/>
+          <a:ln w="50800" cap="sq" cmpd="dbl">
+            <a:gradFill flip="none" rotWithShape="1">
+              <a:gsLst>
+                <a:gs pos="0">
+                  <a:srgbClr val="FFFFFF"/>
+                </a:gs>
+                <a:gs pos="100000">
+                  <a:schemeClr val="tx1">
+                    <a:alpha val="0"/>
+                  </a:schemeClr>
+                </a:gs>
+              </a:gsLst>
+              <a:path path="circle">
+                <a:fillToRect l="50000" t="50000" r="50000" b="50000"/>
+              </a:path>
+              <a:tileRect/>
+            </a:gradFill>
+            <a:miter lim="800000"/>
+          </a:ln>
+          <a:effectLst>
+            <a:outerShdw blurRad="254000" algn="tl" rotWithShape="0">
+              <a:srgbClr val="000000">
+                <a:alpha val="43000"/>
+              </a:srgbClr>
+            </a:outerShdw>
+          </a:effectLst>
           <a:extLst>
             <a:ext uri="{909E8E84-426E-40DD-AFC4-6F175D3DCCD1}">
               <a14:hiddenFill xmlns:a14="http://schemas.microsoft.com/office/drawing/2010/main">
@@ -9275,290 +12217,6 @@
     <p:extLst>
       <p:ext uri="{BB962C8B-B14F-4D97-AF65-F5344CB8AC3E}">
         <p14:creationId xmlns:p14="http://schemas.microsoft.com/office/powerpoint/2010/main" val="1342668425"/>
-      </p:ext>
-    </p:extLst>
-  </p:cSld>
-  <p:clrMapOvr>
-    <a:masterClrMapping/>
-  </p:clrMapOvr>
-</p:sld>
-</file>
-
-<file path=ppt/slides/slide4.xml><?xml version="1.0" encoding="utf-8"?>
-<p:sld xmlns:a="http://schemas.openxmlformats.org/drawingml/2006/main" xmlns:r="http://schemas.openxmlformats.org/officeDocument/2006/relationships" xmlns:p="http://schemas.openxmlformats.org/presentationml/2006/main">
-  <p:cSld>
-    <p:spTree>
-      <p:nvGrpSpPr>
-        <p:cNvPr id="1" name=""/>
-        <p:cNvGrpSpPr/>
-        <p:nvPr/>
-      </p:nvGrpSpPr>
-      <p:grpSpPr>
-        <a:xfrm>
-          <a:off x="0" y="0"/>
-          <a:ext cx="0" cy="0"/>
-          <a:chOff x="0" y="0"/>
-          <a:chExt cx="0" cy="0"/>
-        </a:xfrm>
-      </p:grpSpPr>
-      <p:sp>
-        <p:nvSpPr>
-          <p:cNvPr id="2" name="Titel 1">
-            <a:extLst>
-              <a:ext uri="{FF2B5EF4-FFF2-40B4-BE49-F238E27FC236}">
-                <a16:creationId xmlns:a16="http://schemas.microsoft.com/office/drawing/2014/main" id="{1234C37F-7A36-3B3A-A534-9FB6AC588E8E}"/>
-              </a:ext>
-            </a:extLst>
-          </p:cNvPr>
-          <p:cNvSpPr>
-            <a:spLocks noGrp="1"/>
-          </p:cNvSpPr>
-          <p:nvPr>
-            <p:ph type="title"/>
-          </p:nvPr>
-        </p:nvSpPr>
-        <p:spPr/>
-        <p:txBody>
-          <a:bodyPr>
-            <a:normAutofit/>
-          </a:bodyPr>
-          <a:lstStyle/>
-          <a:p>
-            <a:r>
-              <a:rPr lang="nl-BE" sz="4800" dirty="0"/>
-              <a:t>Gezondheidstracking</a:t>
-            </a:r>
-          </a:p>
-        </p:txBody>
-      </p:sp>
-      <p:sp>
-        <p:nvSpPr>
-          <p:cNvPr id="3" name="Tijdelijke aanduiding voor inhoud 2">
-            <a:extLst>
-              <a:ext uri="{FF2B5EF4-FFF2-40B4-BE49-F238E27FC236}">
-                <a16:creationId xmlns:a16="http://schemas.microsoft.com/office/drawing/2014/main" id="{35FFB7A2-5C39-DAE2-62F1-FC98070C1FC8}"/>
-              </a:ext>
-            </a:extLst>
-          </p:cNvPr>
-          <p:cNvSpPr>
-            <a:spLocks noGrp="1"/>
-          </p:cNvSpPr>
-          <p:nvPr>
-            <p:ph idx="1"/>
-          </p:nvPr>
-        </p:nvSpPr>
-        <p:spPr/>
-        <p:txBody>
-          <a:bodyPr>
-            <a:normAutofit fontScale="92500" lnSpcReduction="20000"/>
-          </a:bodyPr>
-          <a:lstStyle/>
-          <a:p>
-            <a:r>
-              <a:rPr lang="nl-BE" sz="3200" dirty="0"/>
-              <a:t>Weegschaal</a:t>
-            </a:r>
-          </a:p>
-          <a:p>
-            <a:pPr lvl="1"/>
-            <a:r>
-              <a:rPr lang="nl-BE" sz="3000" dirty="0"/>
-              <a:t>Spiermassa, eiwitgehalte, …</a:t>
-            </a:r>
-          </a:p>
-          <a:p>
-            <a:r>
-              <a:rPr lang="nl-BE" sz="3200" dirty="0"/>
-              <a:t>Horloges</a:t>
-            </a:r>
-          </a:p>
-          <a:p>
-            <a:pPr lvl="1"/>
-            <a:r>
-              <a:rPr lang="nl-BE" sz="3000" dirty="0"/>
-              <a:t>Calorieën, meters, …</a:t>
-            </a:r>
-          </a:p>
-          <a:p>
-            <a:r>
-              <a:rPr lang="nl-BE" sz="3200" dirty="0"/>
-              <a:t>Dieet apps</a:t>
-            </a:r>
-          </a:p>
-          <a:p>
-            <a:r>
-              <a:rPr lang="nl-BE" sz="3200" dirty="0"/>
-              <a:t>Revalidatie</a:t>
-            </a:r>
-          </a:p>
-          <a:p>
-            <a:pPr lvl="1"/>
-            <a:r>
-              <a:rPr lang="nl-BE" sz="3000" dirty="0"/>
-              <a:t>Krachtmetingen, scans, …</a:t>
-            </a:r>
-          </a:p>
-        </p:txBody>
-      </p:sp>
-      <p:pic>
-        <p:nvPicPr>
-          <p:cNvPr id="3074" name="Picture 2" descr="Apple Watch PNG Image - PurePNG | Free transparent CC0 PNG Image Library">
-            <a:extLst>
-              <a:ext uri="{FF2B5EF4-FFF2-40B4-BE49-F238E27FC236}">
-                <a16:creationId xmlns:a16="http://schemas.microsoft.com/office/drawing/2014/main" id="{E5B3EA5B-CE09-D494-FE26-4D086069592B}"/>
-              </a:ext>
-            </a:extLst>
-          </p:cNvPr>
-          <p:cNvPicPr>
-            <a:picLocks noChangeAspect="1" noChangeArrowheads="1"/>
-          </p:cNvPicPr>
-          <p:nvPr/>
-        </p:nvPicPr>
-        <p:blipFill>
-          <a:blip r:embed="rId2">
-            <a:extLst>
-              <a:ext uri="{28A0092B-C50C-407E-A947-70E740481C1C}">
-                <a14:useLocalDpi xmlns:a14="http://schemas.microsoft.com/office/drawing/2010/main" val="0"/>
-              </a:ext>
-            </a:extLst>
-          </a:blip>
-          <a:srcRect/>
-          <a:stretch>
-            <a:fillRect/>
-          </a:stretch>
-        </p:blipFill>
-        <p:spPr bwMode="auto">
-          <a:xfrm>
-            <a:off x="7139135" y="1917397"/>
-            <a:ext cx="3805317" cy="4098471"/>
-          </a:xfrm>
-          <a:prstGeom prst="rect">
-            <a:avLst/>
-          </a:prstGeom>
-          <a:noFill/>
-          <a:extLst>
-            <a:ext uri="{909E8E84-426E-40DD-AFC4-6F175D3DCCD1}">
-              <a14:hiddenFill xmlns:a14="http://schemas.microsoft.com/office/drawing/2010/main">
-                <a:solidFill>
-                  <a:srgbClr val="FFFFFF"/>
-                </a:solidFill>
-              </a14:hiddenFill>
-            </a:ext>
-          </a:extLst>
-        </p:spPr>
-      </p:pic>
-    </p:spTree>
-    <p:extLst>
-      <p:ext uri="{BB962C8B-B14F-4D97-AF65-F5344CB8AC3E}">
-        <p14:creationId xmlns:p14="http://schemas.microsoft.com/office/powerpoint/2010/main" val="603538061"/>
-      </p:ext>
-    </p:extLst>
-  </p:cSld>
-  <p:clrMapOvr>
-    <a:masterClrMapping/>
-  </p:clrMapOvr>
-</p:sld>
-</file>
-
-<file path=ppt/slides/slide5.xml><?xml version="1.0" encoding="utf-8"?>
-<p:sld xmlns:a="http://schemas.openxmlformats.org/drawingml/2006/main" xmlns:r="http://schemas.openxmlformats.org/officeDocument/2006/relationships" xmlns:p="http://schemas.openxmlformats.org/presentationml/2006/main">
-  <p:cSld>
-    <p:spTree>
-      <p:nvGrpSpPr>
-        <p:cNvPr id="1" name=""/>
-        <p:cNvGrpSpPr/>
-        <p:nvPr/>
-      </p:nvGrpSpPr>
-      <p:grpSpPr>
-        <a:xfrm>
-          <a:off x="0" y="0"/>
-          <a:ext cx="0" cy="0"/>
-          <a:chOff x="0" y="0"/>
-          <a:chExt cx="0" cy="0"/>
-        </a:xfrm>
-      </p:grpSpPr>
-      <p:sp>
-        <p:nvSpPr>
-          <p:cNvPr id="2" name="Titel 1">
-            <a:extLst>
-              <a:ext uri="{FF2B5EF4-FFF2-40B4-BE49-F238E27FC236}">
-                <a16:creationId xmlns:a16="http://schemas.microsoft.com/office/drawing/2014/main" id="{74661C10-3BC9-DA2E-45B1-8FF0FF5970BD}"/>
-              </a:ext>
-            </a:extLst>
-          </p:cNvPr>
-          <p:cNvSpPr>
-            <a:spLocks noGrp="1"/>
-          </p:cNvSpPr>
-          <p:nvPr>
-            <p:ph type="title"/>
-          </p:nvPr>
-        </p:nvSpPr>
-        <p:spPr/>
-        <p:txBody>
-          <a:bodyPr>
-            <a:normAutofit/>
-          </a:bodyPr>
-          <a:lstStyle/>
-          <a:p>
-            <a:r>
-              <a:rPr lang="nl-BE" sz="4800" dirty="0"/>
-              <a:t>IT in sportclubs</a:t>
-            </a:r>
-          </a:p>
-        </p:txBody>
-      </p:sp>
-      <p:sp>
-        <p:nvSpPr>
-          <p:cNvPr id="3" name="Tijdelijke aanduiding voor inhoud 2">
-            <a:extLst>
-              <a:ext uri="{FF2B5EF4-FFF2-40B4-BE49-F238E27FC236}">
-                <a16:creationId xmlns:a16="http://schemas.microsoft.com/office/drawing/2014/main" id="{AAE55B15-4307-1B79-D5BF-806D1C1939C4}"/>
-              </a:ext>
-            </a:extLst>
-          </p:cNvPr>
-          <p:cNvSpPr>
-            <a:spLocks noGrp="1"/>
-          </p:cNvSpPr>
-          <p:nvPr>
-            <p:ph idx="1"/>
-          </p:nvPr>
-        </p:nvSpPr>
-        <p:spPr/>
-        <p:txBody>
-          <a:bodyPr>
-            <a:normAutofit/>
-          </a:bodyPr>
-          <a:lstStyle/>
-          <a:p>
-            <a:r>
-              <a:rPr lang="nl-BE" sz="3200" dirty="0"/>
-              <a:t>Database bijhouden</a:t>
-            </a:r>
-          </a:p>
-          <a:p>
-            <a:r>
-              <a:rPr lang="nl-BE" sz="3200" dirty="0"/>
-              <a:t>Scoretelling</a:t>
-            </a:r>
-          </a:p>
-          <a:p>
-            <a:r>
-              <a:rPr lang="nl-BE" sz="3200" dirty="0"/>
-              <a:t>Websites toeschouwers</a:t>
-            </a:r>
-          </a:p>
-          <a:p>
-            <a:r>
-              <a:rPr lang="nl-BE" sz="3200" dirty="0"/>
-              <a:t>Klassementen bijhouden</a:t>
-            </a:r>
-          </a:p>
-        </p:txBody>
-      </p:sp>
-    </p:spTree>
-    <p:extLst>
-      <p:ext uri="{BB962C8B-B14F-4D97-AF65-F5344CB8AC3E}">
-        <p14:creationId xmlns:p14="http://schemas.microsoft.com/office/powerpoint/2010/main" val="3688820447"/>
       </p:ext>
     </p:extLst>
   </p:cSld>
@@ -9640,14 +12298,23 @@
           <a:p>
             <a:r>
               <a:rPr lang="nl-BE" sz="3200" dirty="0"/>
-              <a:t>Diverse gebruikswijzen</a:t>
+              <a:t>Prijs</a:t>
             </a:r>
           </a:p>
           <a:p>
             <a:r>
               <a:rPr lang="nl-BE" sz="3200" dirty="0"/>
-              <a:t>Niet enkel informatie bijhouden</a:t>
-            </a:r>
+              <a:t>Niet teveel</a:t>
+            </a:r>
+          </a:p>
+          <a:p>
+            <a:r>
+              <a:rPr lang="nl-BE" sz="3200" dirty="0"/>
+              <a:t>Voldoende mogelijkheden</a:t>
+            </a:r>
+          </a:p>
+          <a:p>
+            <a:endParaRPr lang="nl-BE" sz="3200" dirty="0"/>
           </a:p>
         </p:txBody>
       </p:sp>
@@ -9734,10 +12401,7 @@
           </a:bodyPr>
           <a:lstStyle/>
           <a:p>
-            <a:r>
-              <a:rPr lang="nl-BE" sz="3200" dirty="0"/>
-              <a:t>AA</a:t>
-            </a:r>
+            <a:endParaRPr lang="nl-BE" sz="3200" dirty="0"/>
           </a:p>
         </p:txBody>
       </p:sp>
@@ -9745,6 +12409,1008 @@
     <p:extLst>
       <p:ext uri="{BB962C8B-B14F-4D97-AF65-F5344CB8AC3E}">
         <p14:creationId xmlns:p14="http://schemas.microsoft.com/office/powerpoint/2010/main" val="1782503977"/>
+      </p:ext>
+    </p:extLst>
+  </p:cSld>
+  <p:clrMapOvr>
+    <a:masterClrMapping/>
+  </p:clrMapOvr>
+</p:sld>
+</file>
+
+<file path=ppt/slides/slide8.xml><?xml version="1.0" encoding="utf-8"?>
+<p:sld xmlns:a="http://schemas.openxmlformats.org/drawingml/2006/main" xmlns:r="http://schemas.openxmlformats.org/officeDocument/2006/relationships" xmlns:p="http://schemas.openxmlformats.org/presentationml/2006/main">
+  <p:cSld>
+    <p:spTree>
+      <p:nvGrpSpPr>
+        <p:cNvPr id="1" name=""/>
+        <p:cNvGrpSpPr/>
+        <p:nvPr/>
+      </p:nvGrpSpPr>
+      <p:grpSpPr>
+        <a:xfrm>
+          <a:off x="0" y="0"/>
+          <a:ext cx="0" cy="0"/>
+          <a:chOff x="0" y="0"/>
+          <a:chExt cx="0" cy="0"/>
+        </a:xfrm>
+      </p:grpSpPr>
+      <p:sp>
+        <p:nvSpPr>
+          <p:cNvPr id="2" name="Titel 1">
+            <a:extLst>
+              <a:ext uri="{FF2B5EF4-FFF2-40B4-BE49-F238E27FC236}">
+                <a16:creationId xmlns:a16="http://schemas.microsoft.com/office/drawing/2014/main" id="{879700FA-E340-E0F5-3186-80A2DE46701E}"/>
+              </a:ext>
+            </a:extLst>
+          </p:cNvPr>
+          <p:cNvSpPr>
+            <a:spLocks noGrp="1"/>
+          </p:cNvSpPr>
+          <p:nvPr>
+            <p:ph type="title"/>
+          </p:nvPr>
+        </p:nvSpPr>
+        <p:spPr/>
+        <p:txBody>
+          <a:bodyPr/>
+          <a:lstStyle/>
+          <a:p>
+            <a:r>
+              <a:rPr lang="nl-BE" dirty="0"/>
+              <a:t>Bronnen</a:t>
+            </a:r>
+          </a:p>
+        </p:txBody>
+      </p:sp>
+      <p:sp>
+        <p:nvSpPr>
+          <p:cNvPr id="8" name="Rectangle 4">
+            <a:extLst>
+              <a:ext uri="{FF2B5EF4-FFF2-40B4-BE49-F238E27FC236}">
+                <a16:creationId xmlns:a16="http://schemas.microsoft.com/office/drawing/2014/main" id="{B34937EF-E902-F998-5B14-8C8A855A665F}"/>
+              </a:ext>
+            </a:extLst>
+          </p:cNvPr>
+          <p:cNvSpPr>
+            <a:spLocks noGrp="1" noChangeArrowheads="1"/>
+          </p:cNvSpPr>
+          <p:nvPr>
+            <p:ph idx="1"/>
+          </p:nvPr>
+        </p:nvSpPr>
+        <p:spPr bwMode="auto">
+          <a:xfrm>
+            <a:off x="685801" y="2945475"/>
+            <a:ext cx="35514996" cy="1846659"/>
+          </a:xfrm>
+          <a:prstGeom prst="rect">
+            <a:avLst/>
+          </a:prstGeom>
+          <a:noFill/>
+          <a:ln>
+            <a:noFill/>
+          </a:ln>
+          <a:effectLst/>
+          <a:extLst>
+            <a:ext uri="{909E8E84-426E-40DD-AFC4-6F175D3DCCD1}">
+              <a14:hiddenFill xmlns:a14="http://schemas.microsoft.com/office/drawing/2010/main">
+                <a:solidFill>
+                  <a:schemeClr val="accent1"/>
+                </a:solidFill>
+              </a14:hiddenFill>
+            </a:ext>
+            <a:ext uri="{91240B29-F687-4F45-9708-019B960494DF}">
+              <a14:hiddenLine xmlns:a14="http://schemas.microsoft.com/office/drawing/2010/main" w="9525">
+                <a:solidFill>
+                  <a:schemeClr val="tx1"/>
+                </a:solidFill>
+                <a:miter lim="800000"/>
+                <a:headEnd/>
+                <a:tailEnd/>
+              </a14:hiddenLine>
+            </a:ext>
+            <a:ext uri="{AF507438-7753-43E0-B8FC-AC1667EBCBE1}">
+              <a14:hiddenEffects xmlns:a14="http://schemas.microsoft.com/office/drawing/2010/main">
+                <a:effectLst>
+                  <a:outerShdw dist="35921" dir="2700000" algn="ctr" rotWithShape="0">
+                    <a:schemeClr val="bg2"/>
+                  </a:outerShdw>
+                </a:effectLst>
+              </a14:hiddenEffects>
+            </a:ext>
+          </a:extLst>
+        </p:spPr>
+        <p:txBody>
+          <a:bodyPr vert="horz" wrap="none" lIns="-457056" tIns="0" rIns="91440" bIns="0" numCol="1" anchor="ctr" anchorCtr="0" compatLnSpc="1">
+            <a:prstTxWarp prst="textNoShape">
+              <a:avLst/>
+            </a:prstTxWarp>
+            <a:spAutoFit/>
+          </a:bodyPr>
+          <a:lstStyle>
+            <a:lvl1pPr eaLnBrk="0" fontAlgn="base" hangingPunct="0">
+              <a:spcBef>
+                <a:spcPct val="0"/>
+              </a:spcBef>
+              <a:spcAft>
+                <a:spcPct val="0"/>
+              </a:spcAft>
+              <a:defRPr>
+                <a:solidFill>
+                  <a:schemeClr val="tx1"/>
+                </a:solidFill>
+                <a:latin typeface="Arial" panose="020B0604020202020204" pitchFamily="34" charset="0"/>
+              </a:defRPr>
+            </a:lvl1pPr>
+            <a:lvl2pPr eaLnBrk="0" fontAlgn="base" hangingPunct="0">
+              <a:spcBef>
+                <a:spcPct val="0"/>
+              </a:spcBef>
+              <a:spcAft>
+                <a:spcPct val="0"/>
+              </a:spcAft>
+              <a:defRPr>
+                <a:solidFill>
+                  <a:schemeClr val="tx1"/>
+                </a:solidFill>
+                <a:latin typeface="Arial" panose="020B0604020202020204" pitchFamily="34" charset="0"/>
+              </a:defRPr>
+            </a:lvl2pPr>
+            <a:lvl3pPr eaLnBrk="0" fontAlgn="base" hangingPunct="0">
+              <a:spcBef>
+                <a:spcPct val="0"/>
+              </a:spcBef>
+              <a:spcAft>
+                <a:spcPct val="0"/>
+              </a:spcAft>
+              <a:defRPr>
+                <a:solidFill>
+                  <a:schemeClr val="tx1"/>
+                </a:solidFill>
+                <a:latin typeface="Arial" panose="020B0604020202020204" pitchFamily="34" charset="0"/>
+              </a:defRPr>
+            </a:lvl3pPr>
+            <a:lvl4pPr eaLnBrk="0" fontAlgn="base" hangingPunct="0">
+              <a:spcBef>
+                <a:spcPct val="0"/>
+              </a:spcBef>
+              <a:spcAft>
+                <a:spcPct val="0"/>
+              </a:spcAft>
+              <a:defRPr>
+                <a:solidFill>
+                  <a:schemeClr val="tx1"/>
+                </a:solidFill>
+                <a:latin typeface="Arial" panose="020B0604020202020204" pitchFamily="34" charset="0"/>
+              </a:defRPr>
+            </a:lvl4pPr>
+            <a:lvl5pPr eaLnBrk="0" fontAlgn="base" hangingPunct="0">
+              <a:spcBef>
+                <a:spcPct val="0"/>
+              </a:spcBef>
+              <a:spcAft>
+                <a:spcPct val="0"/>
+              </a:spcAft>
+              <a:defRPr>
+                <a:solidFill>
+                  <a:schemeClr val="tx1"/>
+                </a:solidFill>
+                <a:latin typeface="Arial" panose="020B0604020202020204" pitchFamily="34" charset="0"/>
+              </a:defRPr>
+            </a:lvl5pPr>
+            <a:lvl6pPr eaLnBrk="0" fontAlgn="base" hangingPunct="0">
+              <a:spcBef>
+                <a:spcPct val="0"/>
+              </a:spcBef>
+              <a:spcAft>
+                <a:spcPct val="0"/>
+              </a:spcAft>
+              <a:defRPr>
+                <a:solidFill>
+                  <a:schemeClr val="tx1"/>
+                </a:solidFill>
+                <a:latin typeface="Arial" panose="020B0604020202020204" pitchFamily="34" charset="0"/>
+              </a:defRPr>
+            </a:lvl6pPr>
+            <a:lvl7pPr eaLnBrk="0" fontAlgn="base" hangingPunct="0">
+              <a:spcBef>
+                <a:spcPct val="0"/>
+              </a:spcBef>
+              <a:spcAft>
+                <a:spcPct val="0"/>
+              </a:spcAft>
+              <a:defRPr>
+                <a:solidFill>
+                  <a:schemeClr val="tx1"/>
+                </a:solidFill>
+                <a:latin typeface="Arial" panose="020B0604020202020204" pitchFamily="34" charset="0"/>
+              </a:defRPr>
+            </a:lvl7pPr>
+            <a:lvl8pPr eaLnBrk="0" fontAlgn="base" hangingPunct="0">
+              <a:spcBef>
+                <a:spcPct val="0"/>
+              </a:spcBef>
+              <a:spcAft>
+                <a:spcPct val="0"/>
+              </a:spcAft>
+              <a:defRPr>
+                <a:solidFill>
+                  <a:schemeClr val="tx1"/>
+                </a:solidFill>
+                <a:latin typeface="Arial" panose="020B0604020202020204" pitchFamily="34" charset="0"/>
+              </a:defRPr>
+            </a:lvl8pPr>
+            <a:lvl9pPr eaLnBrk="0" fontAlgn="base" hangingPunct="0">
+              <a:spcBef>
+                <a:spcPct val="0"/>
+              </a:spcBef>
+              <a:spcAft>
+                <a:spcPct val="0"/>
+              </a:spcAft>
+              <a:defRPr>
+                <a:solidFill>
+                  <a:schemeClr val="tx1"/>
+                </a:solidFill>
+                <a:latin typeface="Arial" panose="020B0604020202020204" pitchFamily="34" charset="0"/>
+              </a:defRPr>
+            </a:lvl9pPr>
+          </a:lstStyle>
+          <a:p>
+            <a:pPr defTabSz="914400">
+              <a:buClrTx/>
+              <a:buSzTx/>
+            </a:pPr>
+            <a:r>
+              <a:rPr kumimoji="0" lang="nl-BE" altLang="nl-BE" sz="2000" b="0" i="1" u="none" strike="noStrike" cap="none" normalizeH="0" baseline="0" dirty="0">
+                <a:ln>
+                  <a:noFill/>
+                </a:ln>
+                <a:solidFill>
+                  <a:schemeClr val="tx1"/>
+                </a:solidFill>
+                <a:effectLst/>
+                <a:latin typeface="Times New Roman" panose="02020603050405020304" pitchFamily="18" charset="0"/>
+                <a:cs typeface="Times New Roman" panose="02020603050405020304" pitchFamily="18" charset="0"/>
+              </a:rPr>
+              <a:t>(5) Beats of Golf: overzicht | LinkedIn</a:t>
+            </a:r>
+            <a:r>
+              <a:rPr kumimoji="0" lang="nl-BE" altLang="nl-BE" sz="2000" b="0" i="0" u="none" strike="noStrike" cap="none" normalizeH="0" baseline="0" dirty="0">
+                <a:ln>
+                  <a:noFill/>
+                </a:ln>
+                <a:solidFill>
+                  <a:schemeClr val="tx1"/>
+                </a:solidFill>
+                <a:effectLst/>
+                <a:latin typeface="Times New Roman" panose="02020603050405020304" pitchFamily="18" charset="0"/>
+                <a:cs typeface="Times New Roman" panose="02020603050405020304" pitchFamily="18" charset="0"/>
+              </a:rPr>
+              <a:t>. (</a:t>
+            </a:r>
+            <a:r>
+              <a:rPr kumimoji="0" lang="nl-BE" altLang="nl-BE" sz="2000" b="0" i="0" u="none" strike="noStrike" cap="none" normalizeH="0" baseline="0" dirty="0" err="1">
+                <a:ln>
+                  <a:noFill/>
+                </a:ln>
+                <a:solidFill>
+                  <a:schemeClr val="tx1"/>
+                </a:solidFill>
+                <a:effectLst/>
+                <a:latin typeface="Times New Roman" panose="02020603050405020304" pitchFamily="18" charset="0"/>
+                <a:cs typeface="Times New Roman" panose="02020603050405020304" pitchFamily="18" charset="0"/>
+              </a:rPr>
+              <a:t>n.d</a:t>
+            </a:r>
+            <a:r>
+              <a:rPr kumimoji="0" lang="nl-BE" altLang="nl-BE" sz="2000" b="0" i="0" u="none" strike="noStrike" cap="none" normalizeH="0" baseline="0" dirty="0">
+                <a:ln>
+                  <a:noFill/>
+                </a:ln>
+                <a:solidFill>
+                  <a:schemeClr val="tx1"/>
+                </a:solidFill>
+                <a:effectLst/>
+                <a:latin typeface="Times New Roman" panose="02020603050405020304" pitchFamily="18" charset="0"/>
+                <a:cs typeface="Times New Roman" panose="02020603050405020304" pitchFamily="18" charset="0"/>
+              </a:rPr>
+              <a:t>.). https://www.linkedin.com/company/beats-of-golf/?originalSubdomain=at</a:t>
+            </a:r>
+            <a:endParaRPr kumimoji="0" lang="nl-BE" altLang="nl-BE" sz="2000" b="0" i="0" u="none" strike="noStrike" cap="none" normalizeH="0" baseline="0" dirty="0">
+              <a:ln>
+                <a:noFill/>
+              </a:ln>
+              <a:solidFill>
+                <a:schemeClr val="tx1"/>
+              </a:solidFill>
+              <a:effectLst/>
+            </a:endParaRPr>
+          </a:p>
+          <a:p>
+            <a:pPr defTabSz="914400">
+              <a:buClrTx/>
+              <a:buSzTx/>
+            </a:pPr>
+            <a:r>
+              <a:rPr kumimoji="0" lang="nl-BE" altLang="nl-BE" sz="2000" b="0" i="0" u="none" strike="noStrike" cap="none" normalizeH="0" baseline="0" dirty="0" err="1">
+                <a:ln>
+                  <a:noFill/>
+                </a:ln>
+                <a:solidFill>
+                  <a:schemeClr val="tx1"/>
+                </a:solidFill>
+                <a:effectLst/>
+                <a:latin typeface="Times New Roman" panose="02020603050405020304" pitchFamily="18" charset="0"/>
+                <a:cs typeface="Times New Roman" panose="02020603050405020304" pitchFamily="18" charset="0"/>
+              </a:rPr>
+              <a:t>Bădescu</a:t>
+            </a:r>
+            <a:r>
+              <a:rPr kumimoji="0" lang="nl-BE" altLang="nl-BE" sz="2000" b="0" i="0" u="none" strike="noStrike" cap="none" normalizeH="0" baseline="0" dirty="0">
+                <a:ln>
+                  <a:noFill/>
+                </a:ln>
+                <a:solidFill>
+                  <a:schemeClr val="tx1"/>
+                </a:solidFill>
+                <a:effectLst/>
+                <a:latin typeface="Times New Roman" panose="02020603050405020304" pitchFamily="18" charset="0"/>
+                <a:cs typeface="Times New Roman" panose="02020603050405020304" pitchFamily="18" charset="0"/>
+              </a:rPr>
+              <a:t>, D., </a:t>
+            </a:r>
+            <a:r>
+              <a:rPr kumimoji="0" lang="nl-BE" altLang="nl-BE" sz="2000" b="0" i="0" u="none" strike="noStrike" cap="none" normalizeH="0" baseline="0" dirty="0" err="1">
+                <a:ln>
+                  <a:noFill/>
+                </a:ln>
+                <a:solidFill>
+                  <a:schemeClr val="tx1"/>
+                </a:solidFill>
+                <a:effectLst/>
+                <a:latin typeface="Times New Roman" panose="02020603050405020304" pitchFamily="18" charset="0"/>
+                <a:cs typeface="Times New Roman" panose="02020603050405020304" pitchFamily="18" charset="0"/>
+              </a:rPr>
+              <a:t>Zaharie</a:t>
+            </a:r>
+            <a:r>
+              <a:rPr kumimoji="0" lang="nl-BE" altLang="nl-BE" sz="2000" b="0" i="0" u="none" strike="noStrike" cap="none" normalizeH="0" baseline="0" dirty="0">
+                <a:ln>
+                  <a:noFill/>
+                </a:ln>
+                <a:solidFill>
+                  <a:schemeClr val="tx1"/>
+                </a:solidFill>
+                <a:effectLst/>
+                <a:latin typeface="Times New Roman" panose="02020603050405020304" pitchFamily="18" charset="0"/>
+                <a:cs typeface="Times New Roman" panose="02020603050405020304" pitchFamily="18" charset="0"/>
+              </a:rPr>
+              <a:t>, N., </a:t>
+            </a:r>
+            <a:r>
+              <a:rPr kumimoji="0" lang="nl-BE" altLang="nl-BE" sz="2000" b="0" i="0" u="none" strike="noStrike" cap="none" normalizeH="0" baseline="0" dirty="0" err="1">
+                <a:ln>
+                  <a:noFill/>
+                </a:ln>
+                <a:solidFill>
+                  <a:schemeClr val="tx1"/>
+                </a:solidFill>
+                <a:effectLst/>
+                <a:latin typeface="Times New Roman" panose="02020603050405020304" pitchFamily="18" charset="0"/>
+                <a:cs typeface="Times New Roman" panose="02020603050405020304" pitchFamily="18" charset="0"/>
+              </a:rPr>
+              <a:t>Stoian</a:t>
+            </a:r>
+            <a:r>
+              <a:rPr kumimoji="0" lang="nl-BE" altLang="nl-BE" sz="2000" b="0" i="0" u="none" strike="noStrike" cap="none" normalizeH="0" baseline="0" dirty="0">
+                <a:ln>
+                  <a:noFill/>
+                </a:ln>
+                <a:solidFill>
+                  <a:schemeClr val="tx1"/>
+                </a:solidFill>
+                <a:effectLst/>
+                <a:latin typeface="Times New Roman" panose="02020603050405020304" pitchFamily="18" charset="0"/>
+                <a:cs typeface="Times New Roman" panose="02020603050405020304" pitchFamily="18" charset="0"/>
+              </a:rPr>
+              <a:t>, I., </a:t>
+            </a:r>
+            <a:r>
+              <a:rPr kumimoji="0" lang="nl-BE" altLang="nl-BE" sz="2000" b="0" i="0" u="none" strike="noStrike" cap="none" normalizeH="0" baseline="0" dirty="0" err="1">
+                <a:ln>
+                  <a:noFill/>
+                </a:ln>
+                <a:solidFill>
+                  <a:schemeClr val="tx1"/>
+                </a:solidFill>
+                <a:effectLst/>
+                <a:latin typeface="Times New Roman" panose="02020603050405020304" pitchFamily="18" charset="0"/>
+                <a:cs typeface="Times New Roman" panose="02020603050405020304" pitchFamily="18" charset="0"/>
+              </a:rPr>
+              <a:t>Bădescu</a:t>
+            </a:r>
+            <a:r>
+              <a:rPr kumimoji="0" lang="nl-BE" altLang="nl-BE" sz="2000" b="0" i="0" u="none" strike="noStrike" cap="none" normalizeH="0" baseline="0" dirty="0">
+                <a:ln>
+                  <a:noFill/>
+                </a:ln>
+                <a:solidFill>
+                  <a:schemeClr val="tx1"/>
+                </a:solidFill>
+                <a:effectLst/>
+                <a:latin typeface="Times New Roman" panose="02020603050405020304" pitchFamily="18" charset="0"/>
+                <a:cs typeface="Times New Roman" panose="02020603050405020304" pitchFamily="18" charset="0"/>
+              </a:rPr>
+              <a:t>, M., &amp; </a:t>
+            </a:r>
+            <a:r>
+              <a:rPr kumimoji="0" lang="nl-BE" altLang="nl-BE" sz="2000" b="0" i="0" u="none" strike="noStrike" cap="none" normalizeH="0" baseline="0" dirty="0" err="1">
+                <a:ln>
+                  <a:noFill/>
+                </a:ln>
+                <a:solidFill>
+                  <a:schemeClr val="tx1"/>
+                </a:solidFill>
+                <a:effectLst/>
+                <a:latin typeface="Times New Roman" panose="02020603050405020304" pitchFamily="18" charset="0"/>
+                <a:cs typeface="Times New Roman" panose="02020603050405020304" pitchFamily="18" charset="0"/>
+              </a:rPr>
+              <a:t>Stanciu</a:t>
+            </a:r>
+            <a:r>
+              <a:rPr kumimoji="0" lang="nl-BE" altLang="nl-BE" sz="2000" b="0" i="0" u="none" strike="noStrike" cap="none" normalizeH="0" baseline="0" dirty="0">
+                <a:ln>
+                  <a:noFill/>
+                </a:ln>
+                <a:solidFill>
+                  <a:schemeClr val="tx1"/>
+                </a:solidFill>
+                <a:effectLst/>
+                <a:latin typeface="Times New Roman" panose="02020603050405020304" pitchFamily="18" charset="0"/>
+                <a:cs typeface="Times New Roman" panose="02020603050405020304" pitchFamily="18" charset="0"/>
+              </a:rPr>
+              <a:t>, C. (2022). A </a:t>
+            </a:r>
+            <a:r>
+              <a:rPr kumimoji="0" lang="nl-BE" altLang="nl-BE" sz="2000" b="0" i="0" u="none" strike="noStrike" cap="none" normalizeH="0" baseline="0" dirty="0" err="1">
+                <a:ln>
+                  <a:noFill/>
+                </a:ln>
+                <a:solidFill>
+                  <a:schemeClr val="tx1"/>
+                </a:solidFill>
+                <a:effectLst/>
+                <a:latin typeface="Times New Roman" panose="02020603050405020304" pitchFamily="18" charset="0"/>
+                <a:cs typeface="Times New Roman" panose="02020603050405020304" pitchFamily="18" charset="0"/>
+              </a:rPr>
+              <a:t>Narrative</a:t>
+            </a:r>
+            <a:r>
+              <a:rPr kumimoji="0" lang="nl-BE" altLang="nl-BE" sz="2000" b="0" i="0" u="none" strike="noStrike" cap="none" normalizeH="0" baseline="0" dirty="0">
+                <a:ln>
+                  <a:noFill/>
+                </a:ln>
+                <a:solidFill>
+                  <a:schemeClr val="tx1"/>
+                </a:solidFill>
+                <a:effectLst/>
+                <a:latin typeface="Times New Roman" panose="02020603050405020304" pitchFamily="18" charset="0"/>
+                <a:cs typeface="Times New Roman" panose="02020603050405020304" pitchFamily="18" charset="0"/>
+              </a:rPr>
+              <a:t> Review of </a:t>
+            </a:r>
+            <a:r>
+              <a:rPr kumimoji="0" lang="nl-BE" altLang="nl-BE" sz="2000" b="0" i="0" u="none" strike="noStrike" cap="none" normalizeH="0" baseline="0" dirty="0" err="1">
+                <a:ln>
+                  <a:noFill/>
+                </a:ln>
+                <a:solidFill>
+                  <a:schemeClr val="tx1"/>
+                </a:solidFill>
+                <a:effectLst/>
+                <a:latin typeface="Times New Roman" panose="02020603050405020304" pitchFamily="18" charset="0"/>
+                <a:cs typeface="Times New Roman" panose="02020603050405020304" pitchFamily="18" charset="0"/>
+              </a:rPr>
+              <a:t>the</a:t>
+            </a:r>
+            <a:r>
+              <a:rPr kumimoji="0" lang="nl-BE" altLang="nl-BE" sz="2000" b="0" i="0" u="none" strike="noStrike" cap="none" normalizeH="0" baseline="0" dirty="0">
+                <a:ln>
+                  <a:noFill/>
+                </a:ln>
+                <a:solidFill>
+                  <a:schemeClr val="tx1"/>
+                </a:solidFill>
+                <a:effectLst/>
+                <a:latin typeface="Times New Roman" panose="02020603050405020304" pitchFamily="18" charset="0"/>
+                <a:cs typeface="Times New Roman" panose="02020603050405020304" pitchFamily="18" charset="0"/>
+              </a:rPr>
+              <a:t> Link </a:t>
+            </a:r>
+            <a:r>
+              <a:rPr kumimoji="0" lang="nl-BE" altLang="nl-BE" sz="2000" b="0" i="0" u="none" strike="noStrike" cap="none" normalizeH="0" baseline="0" dirty="0" err="1">
+                <a:ln>
+                  <a:noFill/>
+                </a:ln>
+                <a:solidFill>
+                  <a:schemeClr val="tx1"/>
+                </a:solidFill>
+                <a:effectLst/>
+                <a:latin typeface="Times New Roman" panose="02020603050405020304" pitchFamily="18" charset="0"/>
+                <a:cs typeface="Times New Roman" panose="02020603050405020304" pitchFamily="18" charset="0"/>
+              </a:rPr>
+              <a:t>between</a:t>
+            </a:r>
+            <a:r>
+              <a:rPr kumimoji="0" lang="nl-BE" altLang="nl-BE" sz="2000" b="0" i="0" u="none" strike="noStrike" cap="none" normalizeH="0" baseline="0" dirty="0">
+                <a:ln>
+                  <a:noFill/>
+                </a:ln>
+                <a:solidFill>
+                  <a:schemeClr val="tx1"/>
+                </a:solidFill>
+                <a:effectLst/>
+                <a:latin typeface="Times New Roman" panose="02020603050405020304" pitchFamily="18" charset="0"/>
+                <a:cs typeface="Times New Roman" panose="02020603050405020304" pitchFamily="18" charset="0"/>
+              </a:rPr>
+              <a:t> Sport </a:t>
+            </a:r>
+            <a:r>
+              <a:rPr kumimoji="0" lang="nl-BE" altLang="nl-BE" sz="2000" b="0" i="0" u="none" strike="noStrike" cap="none" normalizeH="0" baseline="0" dirty="0" err="1">
+                <a:ln>
+                  <a:noFill/>
+                </a:ln>
+                <a:solidFill>
+                  <a:schemeClr val="tx1"/>
+                </a:solidFill>
+                <a:effectLst/>
+                <a:latin typeface="Times New Roman" panose="02020603050405020304" pitchFamily="18" charset="0"/>
+                <a:cs typeface="Times New Roman" panose="02020603050405020304" pitchFamily="18" charset="0"/>
+              </a:rPr>
+              <a:t>and</a:t>
+            </a:r>
+            <a:r>
+              <a:rPr kumimoji="0" lang="nl-BE" altLang="nl-BE" sz="2000" b="0" i="0" u="none" strike="noStrike" cap="none" normalizeH="0" baseline="0" dirty="0">
+                <a:ln>
+                  <a:noFill/>
+                </a:ln>
+                <a:solidFill>
+                  <a:schemeClr val="tx1"/>
+                </a:solidFill>
+                <a:effectLst/>
+                <a:latin typeface="Times New Roman" panose="02020603050405020304" pitchFamily="18" charset="0"/>
+                <a:cs typeface="Times New Roman" panose="02020603050405020304" pitchFamily="18" charset="0"/>
+              </a:rPr>
+              <a:t> Technology. </a:t>
+            </a:r>
+            <a:r>
+              <a:rPr kumimoji="0" lang="nl-BE" altLang="nl-BE" sz="2000" b="0" i="1" u="none" strike="noStrike" cap="none" normalizeH="0" baseline="0" dirty="0" err="1">
+                <a:ln>
+                  <a:noFill/>
+                </a:ln>
+                <a:solidFill>
+                  <a:schemeClr val="tx1"/>
+                </a:solidFill>
+                <a:effectLst/>
+                <a:latin typeface="Times New Roman" panose="02020603050405020304" pitchFamily="18" charset="0"/>
+                <a:cs typeface="Times New Roman" panose="02020603050405020304" pitchFamily="18" charset="0"/>
+              </a:rPr>
+              <a:t>Sustainability</a:t>
+            </a:r>
+            <a:r>
+              <a:rPr kumimoji="0" lang="nl-BE" altLang="nl-BE" sz="2000" b="0" i="0" u="none" strike="noStrike" cap="none" normalizeH="0" baseline="0" dirty="0">
+                <a:ln>
+                  <a:noFill/>
+                </a:ln>
+                <a:solidFill>
+                  <a:schemeClr val="tx1"/>
+                </a:solidFill>
+                <a:effectLst/>
+                <a:latin typeface="Times New Roman" panose="02020603050405020304" pitchFamily="18" charset="0"/>
+                <a:cs typeface="Times New Roman" panose="02020603050405020304" pitchFamily="18" charset="0"/>
+              </a:rPr>
+              <a:t>, </a:t>
+            </a:r>
+            <a:r>
+              <a:rPr kumimoji="0" lang="nl-BE" altLang="nl-BE" sz="2000" b="0" i="1" u="none" strike="noStrike" cap="none" normalizeH="0" baseline="0" dirty="0">
+                <a:ln>
+                  <a:noFill/>
+                </a:ln>
+                <a:solidFill>
+                  <a:schemeClr val="tx1"/>
+                </a:solidFill>
+                <a:effectLst/>
+                <a:latin typeface="Times New Roman" panose="02020603050405020304" pitchFamily="18" charset="0"/>
+                <a:cs typeface="Times New Roman" panose="02020603050405020304" pitchFamily="18" charset="0"/>
+              </a:rPr>
+              <a:t>14</a:t>
+            </a:r>
+            <a:r>
+              <a:rPr kumimoji="0" lang="nl-BE" altLang="nl-BE" sz="2000" b="0" i="0" u="none" strike="noStrike" cap="none" normalizeH="0" baseline="0" dirty="0">
+                <a:ln>
+                  <a:noFill/>
+                </a:ln>
+                <a:solidFill>
+                  <a:schemeClr val="tx1"/>
+                </a:solidFill>
+                <a:effectLst/>
+                <a:latin typeface="Times New Roman" panose="02020603050405020304" pitchFamily="18" charset="0"/>
+                <a:cs typeface="Times New Roman" panose="02020603050405020304" pitchFamily="18" charset="0"/>
+              </a:rPr>
+              <a:t>(23), 16265. https://doi.org/10.3390/su142316265</a:t>
+            </a:r>
+            <a:endParaRPr kumimoji="0" lang="nl-BE" altLang="nl-BE" sz="2000" b="0" i="0" u="none" strike="noStrike" cap="none" normalizeH="0" baseline="0" dirty="0">
+              <a:ln>
+                <a:noFill/>
+              </a:ln>
+              <a:solidFill>
+                <a:schemeClr val="tx1"/>
+              </a:solidFill>
+              <a:effectLst/>
+            </a:endParaRPr>
+          </a:p>
+          <a:p>
+            <a:pPr defTabSz="914400">
+              <a:buClrTx/>
+              <a:buSzTx/>
+            </a:pPr>
+            <a:r>
+              <a:rPr kumimoji="0" lang="nl-BE" altLang="nl-BE" sz="2000" b="0" i="0" u="none" strike="noStrike" cap="none" normalizeH="0" baseline="0" dirty="0">
+                <a:ln>
+                  <a:noFill/>
+                </a:ln>
+                <a:solidFill>
+                  <a:schemeClr val="tx1"/>
+                </a:solidFill>
+                <a:effectLst/>
+                <a:latin typeface="Times New Roman" panose="02020603050405020304" pitchFamily="18" charset="0"/>
+                <a:cs typeface="Times New Roman" panose="02020603050405020304" pitchFamily="18" charset="0"/>
+              </a:rPr>
+              <a:t>Correspondent, O. (2024, </a:t>
+            </a:r>
+            <a:r>
+              <a:rPr kumimoji="0" lang="nl-BE" altLang="nl-BE" sz="2000" b="0" i="0" u="none" strike="noStrike" cap="none" normalizeH="0" baseline="0" dirty="0" err="1">
+                <a:ln>
+                  <a:noFill/>
+                </a:ln>
+                <a:solidFill>
+                  <a:schemeClr val="tx1"/>
+                </a:solidFill>
+                <a:effectLst/>
+                <a:latin typeface="Times New Roman" panose="02020603050405020304" pitchFamily="18" charset="0"/>
+                <a:cs typeface="Times New Roman" panose="02020603050405020304" pitchFamily="18" charset="0"/>
+              </a:rPr>
+              <a:t>October</a:t>
+            </a:r>
+            <a:r>
+              <a:rPr kumimoji="0" lang="nl-BE" altLang="nl-BE" sz="2000" b="0" i="0" u="none" strike="noStrike" cap="none" normalizeH="0" baseline="0" dirty="0">
+                <a:ln>
+                  <a:noFill/>
+                </a:ln>
+                <a:solidFill>
+                  <a:schemeClr val="tx1"/>
+                </a:solidFill>
+                <a:effectLst/>
+                <a:latin typeface="Times New Roman" panose="02020603050405020304" pitchFamily="18" charset="0"/>
+                <a:cs typeface="Times New Roman" panose="02020603050405020304" pitchFamily="18" charset="0"/>
+              </a:rPr>
+              <a:t> 6). Nieuwe tegenvaller voor Duitsland: ook Kai </a:t>
+            </a:r>
+            <a:r>
+              <a:rPr kumimoji="0" lang="nl-BE" altLang="nl-BE" sz="2000" b="0" i="0" u="none" strike="noStrike" cap="none" normalizeH="0" baseline="0" dirty="0" err="1">
+                <a:ln>
+                  <a:noFill/>
+                </a:ln>
+                <a:solidFill>
+                  <a:schemeClr val="tx1"/>
+                </a:solidFill>
+                <a:effectLst/>
+                <a:latin typeface="Times New Roman" panose="02020603050405020304" pitchFamily="18" charset="0"/>
+                <a:cs typeface="Times New Roman" panose="02020603050405020304" pitchFamily="18" charset="0"/>
+              </a:rPr>
+              <a:t>Havertz</a:t>
+            </a:r>
+            <a:r>
+              <a:rPr kumimoji="0" lang="nl-BE" altLang="nl-BE" sz="2000" b="0" i="0" u="none" strike="noStrike" cap="none" normalizeH="0" baseline="0" dirty="0">
+                <a:ln>
+                  <a:noFill/>
+                </a:ln>
+                <a:solidFill>
+                  <a:schemeClr val="tx1"/>
+                </a:solidFill>
+                <a:effectLst/>
+                <a:latin typeface="Times New Roman" panose="02020603050405020304" pitchFamily="18" charset="0"/>
+                <a:cs typeface="Times New Roman" panose="02020603050405020304" pitchFamily="18" charset="0"/>
+              </a:rPr>
+              <a:t> ontbreekt tegen Nederlands elftal. </a:t>
+            </a:r>
+            <a:r>
+              <a:rPr kumimoji="0" lang="nl-BE" altLang="nl-BE" sz="2000" b="0" i="1" u="none" strike="noStrike" cap="none" normalizeH="0" baseline="0" dirty="0">
+                <a:ln>
+                  <a:noFill/>
+                </a:ln>
+                <a:solidFill>
+                  <a:schemeClr val="tx1"/>
+                </a:solidFill>
+                <a:effectLst/>
+                <a:latin typeface="Times New Roman" panose="02020603050405020304" pitchFamily="18" charset="0"/>
+                <a:cs typeface="Times New Roman" panose="02020603050405020304" pitchFamily="18" charset="0"/>
+              </a:rPr>
+              <a:t>Telegraaf</a:t>
+            </a:r>
+            <a:r>
+              <a:rPr kumimoji="0" lang="nl-BE" altLang="nl-BE" sz="2000" b="0" i="0" u="none" strike="noStrike" cap="none" normalizeH="0" baseline="0" dirty="0">
+                <a:ln>
+                  <a:noFill/>
+                </a:ln>
+                <a:solidFill>
+                  <a:schemeClr val="tx1"/>
+                </a:solidFill>
+                <a:effectLst/>
+                <a:latin typeface="Times New Roman" panose="02020603050405020304" pitchFamily="18" charset="0"/>
+                <a:cs typeface="Times New Roman" panose="02020603050405020304" pitchFamily="18" charset="0"/>
+              </a:rPr>
+              <a:t>. https://www.telegraaf.nl/sport/166997363/nieuwe-tegenvaller-voor-duitsland-ook-kai-havertz-ontbreekt-tegen-nederlands-elftal</a:t>
+            </a:r>
+            <a:endParaRPr kumimoji="0" lang="nl-BE" altLang="nl-BE" sz="2000" b="0" i="0" u="none" strike="noStrike" cap="none" normalizeH="0" baseline="0" dirty="0">
+              <a:ln>
+                <a:noFill/>
+              </a:ln>
+              <a:solidFill>
+                <a:schemeClr val="tx1"/>
+              </a:solidFill>
+              <a:effectLst/>
+            </a:endParaRPr>
+          </a:p>
+          <a:p>
+            <a:pPr defTabSz="914400">
+              <a:buClrTx/>
+              <a:buSzTx/>
+            </a:pPr>
+            <a:r>
+              <a:rPr kumimoji="0" lang="nl-BE" altLang="nl-BE" sz="2000" b="0" i="1" u="none" strike="noStrike" cap="none" normalizeH="0" baseline="0" dirty="0" err="1">
+                <a:ln>
+                  <a:noFill/>
+                </a:ln>
+                <a:solidFill>
+                  <a:schemeClr val="tx1"/>
+                </a:solidFill>
+                <a:effectLst/>
+                <a:latin typeface="Times New Roman" panose="02020603050405020304" pitchFamily="18" charset="0"/>
+                <a:cs typeface="Times New Roman" panose="02020603050405020304" pitchFamily="18" charset="0"/>
+              </a:rPr>
+              <a:t>Golfpro</a:t>
+            </a:r>
+            <a:r>
+              <a:rPr kumimoji="0" lang="nl-BE" altLang="nl-BE" sz="2000" b="0" i="1" u="none" strike="noStrike" cap="none" normalizeH="0" baseline="0" dirty="0">
+                <a:ln>
+                  <a:noFill/>
+                </a:ln>
+                <a:solidFill>
+                  <a:schemeClr val="tx1"/>
+                </a:solidFill>
+                <a:effectLst/>
+                <a:latin typeface="Times New Roman" panose="02020603050405020304" pitchFamily="18" charset="0"/>
+                <a:cs typeface="Times New Roman" panose="02020603050405020304" pitchFamily="18" charset="0"/>
+              </a:rPr>
+              <a:t> - Foto van Beats of Golf, Antwerpen - </a:t>
+            </a:r>
+            <a:r>
+              <a:rPr kumimoji="0" lang="nl-BE" altLang="nl-BE" sz="2000" b="0" i="1" u="none" strike="noStrike" cap="none" normalizeH="0" baseline="0" dirty="0" err="1">
+                <a:ln>
+                  <a:noFill/>
+                </a:ln>
+                <a:solidFill>
+                  <a:schemeClr val="tx1"/>
+                </a:solidFill>
+                <a:effectLst/>
+                <a:latin typeface="Times New Roman" panose="02020603050405020304" pitchFamily="18" charset="0"/>
+                <a:cs typeface="Times New Roman" panose="02020603050405020304" pitchFamily="18" charset="0"/>
+              </a:rPr>
+              <a:t>Tripadvisor</a:t>
+            </a:r>
+            <a:r>
+              <a:rPr kumimoji="0" lang="nl-BE" altLang="nl-BE" sz="2000" b="0" i="0" u="none" strike="noStrike" cap="none" normalizeH="0" baseline="0" dirty="0">
+                <a:ln>
+                  <a:noFill/>
+                </a:ln>
+                <a:solidFill>
+                  <a:schemeClr val="tx1"/>
+                </a:solidFill>
+                <a:effectLst/>
+                <a:latin typeface="Times New Roman" panose="02020603050405020304" pitchFamily="18" charset="0"/>
+                <a:cs typeface="Times New Roman" panose="02020603050405020304" pitchFamily="18" charset="0"/>
+              </a:rPr>
+              <a:t>. (</a:t>
+            </a:r>
+            <a:r>
+              <a:rPr kumimoji="0" lang="nl-BE" altLang="nl-BE" sz="2000" b="0" i="0" u="none" strike="noStrike" cap="none" normalizeH="0" baseline="0" dirty="0" err="1">
+                <a:ln>
+                  <a:noFill/>
+                </a:ln>
+                <a:solidFill>
+                  <a:schemeClr val="tx1"/>
+                </a:solidFill>
+                <a:effectLst/>
+                <a:latin typeface="Times New Roman" panose="02020603050405020304" pitchFamily="18" charset="0"/>
+                <a:cs typeface="Times New Roman" panose="02020603050405020304" pitchFamily="18" charset="0"/>
+              </a:rPr>
+              <a:t>n.d</a:t>
+            </a:r>
+            <a:r>
+              <a:rPr kumimoji="0" lang="nl-BE" altLang="nl-BE" sz="2000" b="0" i="0" u="none" strike="noStrike" cap="none" normalizeH="0" baseline="0" dirty="0">
+                <a:ln>
+                  <a:noFill/>
+                </a:ln>
+                <a:solidFill>
+                  <a:schemeClr val="tx1"/>
+                </a:solidFill>
+                <a:effectLst/>
+                <a:latin typeface="Times New Roman" panose="02020603050405020304" pitchFamily="18" charset="0"/>
+                <a:cs typeface="Times New Roman" panose="02020603050405020304" pitchFamily="18" charset="0"/>
+              </a:rPr>
+              <a:t>.). https://www.tripadvisor.be/LocationPhotoDirectLink-g188636-d23542732-i493436553-Beats_of_Golf-Antwerp_Antwerp_Province.html</a:t>
+            </a:r>
+            <a:endParaRPr kumimoji="0" lang="nl-BE" altLang="nl-BE" sz="2000" b="0" i="0" u="none" strike="noStrike" cap="none" normalizeH="0" baseline="0" dirty="0">
+              <a:ln>
+                <a:noFill/>
+              </a:ln>
+              <a:solidFill>
+                <a:schemeClr val="tx1"/>
+              </a:solidFill>
+              <a:effectLst/>
+            </a:endParaRPr>
+          </a:p>
+          <a:p>
+            <a:pPr defTabSz="914400">
+              <a:buClrTx/>
+              <a:buSzTx/>
+            </a:pPr>
+            <a:r>
+              <a:rPr kumimoji="0" lang="nl-BE" altLang="nl-BE" sz="2000" b="0" i="1" u="none" strike="noStrike" cap="none" normalizeH="0" baseline="0" dirty="0">
+                <a:ln>
+                  <a:noFill/>
+                </a:ln>
+                <a:solidFill>
+                  <a:schemeClr val="tx1"/>
+                </a:solidFill>
+                <a:effectLst/>
+                <a:latin typeface="Times New Roman" panose="02020603050405020304" pitchFamily="18" charset="0"/>
+                <a:cs typeface="Times New Roman" panose="02020603050405020304" pitchFamily="18" charset="0"/>
+              </a:rPr>
+              <a:t>Home Golf | Beats of Golf</a:t>
+            </a:r>
+            <a:r>
+              <a:rPr kumimoji="0" lang="nl-BE" altLang="nl-BE" sz="2000" b="0" i="0" u="none" strike="noStrike" cap="none" normalizeH="0" baseline="0" dirty="0">
+                <a:ln>
+                  <a:noFill/>
+                </a:ln>
+                <a:solidFill>
+                  <a:schemeClr val="tx1"/>
+                </a:solidFill>
+                <a:effectLst/>
+                <a:latin typeface="Times New Roman" panose="02020603050405020304" pitchFamily="18" charset="0"/>
+                <a:cs typeface="Times New Roman" panose="02020603050405020304" pitchFamily="18" charset="0"/>
+              </a:rPr>
+              <a:t>. (</a:t>
+            </a:r>
+            <a:r>
+              <a:rPr kumimoji="0" lang="nl-BE" altLang="nl-BE" sz="2000" b="0" i="0" u="none" strike="noStrike" cap="none" normalizeH="0" baseline="0" dirty="0" err="1">
+                <a:ln>
+                  <a:noFill/>
+                </a:ln>
+                <a:solidFill>
+                  <a:schemeClr val="tx1"/>
+                </a:solidFill>
+                <a:effectLst/>
+                <a:latin typeface="Times New Roman" panose="02020603050405020304" pitchFamily="18" charset="0"/>
+                <a:cs typeface="Times New Roman" panose="02020603050405020304" pitchFamily="18" charset="0"/>
+              </a:rPr>
+              <a:t>n.d</a:t>
+            </a:r>
+            <a:r>
+              <a:rPr kumimoji="0" lang="nl-BE" altLang="nl-BE" sz="2000" b="0" i="0" u="none" strike="noStrike" cap="none" normalizeH="0" baseline="0" dirty="0">
+                <a:ln>
+                  <a:noFill/>
+                </a:ln>
+                <a:solidFill>
+                  <a:schemeClr val="tx1"/>
+                </a:solidFill>
+                <a:effectLst/>
+                <a:latin typeface="Times New Roman" panose="02020603050405020304" pitchFamily="18" charset="0"/>
+                <a:cs typeface="Times New Roman" panose="02020603050405020304" pitchFamily="18" charset="0"/>
+              </a:rPr>
+              <a:t>.). Beats of Golf. https://www.beatsofgolf.com/homegolf?src=search_home_golf&amp;utm_source=googleads&amp;utm_medium=search&amp;utm_campaign=search_home_golf&amp;gad_source=1&amp;gclid=Cj0KCQjwjY64BhCaARIsAIfc7YYoXLSCNRDuIWK87vSPrpN0FXUIICT66b7mVvZCaI9DzrreoRv4T8EaAjNOEALw_wcB</a:t>
+            </a:r>
+            <a:endParaRPr kumimoji="0" lang="nl-BE" altLang="nl-BE" sz="2000" b="0" i="0" u="none" strike="noStrike" cap="none" normalizeH="0" baseline="0" dirty="0">
+              <a:ln>
+                <a:noFill/>
+              </a:ln>
+              <a:solidFill>
+                <a:schemeClr val="tx1"/>
+              </a:solidFill>
+              <a:effectLst/>
+            </a:endParaRPr>
+          </a:p>
+          <a:p>
+            <a:pPr defTabSz="914400">
+              <a:buClrTx/>
+              <a:buSzTx/>
+            </a:pPr>
+            <a:r>
+              <a:rPr kumimoji="0" lang="nl-BE" altLang="nl-BE" sz="2000" b="0" i="1" u="none" strike="noStrike" cap="none" normalizeH="0" baseline="0" dirty="0">
+                <a:ln>
+                  <a:noFill/>
+                </a:ln>
+                <a:solidFill>
+                  <a:schemeClr val="tx1"/>
+                </a:solidFill>
+                <a:effectLst/>
+                <a:latin typeface="Times New Roman" panose="02020603050405020304" pitchFamily="18" charset="0"/>
+                <a:cs typeface="Times New Roman" panose="02020603050405020304" pitchFamily="18" charset="0"/>
+              </a:rPr>
+              <a:t>Indoor golf in Nederland</a:t>
+            </a:r>
+            <a:r>
+              <a:rPr kumimoji="0" lang="nl-BE" altLang="nl-BE" sz="2000" b="0" i="0" u="none" strike="noStrike" cap="none" normalizeH="0" baseline="0" dirty="0">
+                <a:ln>
+                  <a:noFill/>
+                </a:ln>
+                <a:solidFill>
+                  <a:schemeClr val="tx1"/>
+                </a:solidFill>
+                <a:effectLst/>
+                <a:latin typeface="Times New Roman" panose="02020603050405020304" pitchFamily="18" charset="0"/>
+                <a:cs typeface="Times New Roman" panose="02020603050405020304" pitchFamily="18" charset="0"/>
+              </a:rPr>
+              <a:t>. (</a:t>
+            </a:r>
+            <a:r>
+              <a:rPr kumimoji="0" lang="nl-BE" altLang="nl-BE" sz="2000" b="0" i="0" u="none" strike="noStrike" cap="none" normalizeH="0" baseline="0" dirty="0" err="1">
+                <a:ln>
+                  <a:noFill/>
+                </a:ln>
+                <a:solidFill>
+                  <a:schemeClr val="tx1"/>
+                </a:solidFill>
+                <a:effectLst/>
+                <a:latin typeface="Times New Roman" panose="02020603050405020304" pitchFamily="18" charset="0"/>
+                <a:cs typeface="Times New Roman" panose="02020603050405020304" pitchFamily="18" charset="0"/>
+              </a:rPr>
+              <a:t>n.d</a:t>
+            </a:r>
+            <a:r>
+              <a:rPr kumimoji="0" lang="nl-BE" altLang="nl-BE" sz="2000" b="0" i="0" u="none" strike="noStrike" cap="none" normalizeH="0" baseline="0" dirty="0">
+                <a:ln>
+                  <a:noFill/>
+                </a:ln>
+                <a:solidFill>
+                  <a:schemeClr val="tx1"/>
+                </a:solidFill>
+                <a:effectLst/>
+                <a:latin typeface="Times New Roman" panose="02020603050405020304" pitchFamily="18" charset="0"/>
+                <a:cs typeface="Times New Roman" panose="02020603050405020304" pitchFamily="18" charset="0"/>
+              </a:rPr>
+              <a:t>.). Golf.nl - Hét Platform Voor Golfend Nederland. https://www.golf.nl/beter-golfen/tips/indoor-golf</a:t>
+            </a:r>
+            <a:endParaRPr kumimoji="0" lang="nl-BE" altLang="nl-BE" sz="2000" b="0" i="0" u="none" strike="noStrike" cap="none" normalizeH="0" baseline="0" dirty="0">
+              <a:ln>
+                <a:noFill/>
+              </a:ln>
+              <a:solidFill>
+                <a:schemeClr val="tx1"/>
+              </a:solidFill>
+              <a:effectLst/>
+              <a:latin typeface="Arial" panose="020B0604020202020204" pitchFamily="34" charset="0"/>
+            </a:endParaRPr>
+          </a:p>
+        </p:txBody>
+      </p:sp>
+    </p:spTree>
+    <p:extLst>
+      <p:ext uri="{BB962C8B-B14F-4D97-AF65-F5344CB8AC3E}">
+        <p14:creationId xmlns:p14="http://schemas.microsoft.com/office/powerpoint/2010/main" val="159247346"/>
       </p:ext>
     </p:extLst>
   </p:cSld>
@@ -10001,4 +13667,319 @@
     </a:ext>
   </a:extLst>
 </a:theme>
+</file>
+
+<file path=ppt/theme/theme2.xml><?xml version="1.0" encoding="utf-8"?>
+<a:theme xmlns:a="http://schemas.openxmlformats.org/drawingml/2006/main" name="Kantoorthema">
+  <a:themeElements>
+    <a:clrScheme name="Office">
+      <a:dk1>
+        <a:sysClr val="windowText" lastClr="000000"/>
+      </a:dk1>
+      <a:lt1>
+        <a:sysClr val="window" lastClr="FFFFFF"/>
+      </a:lt1>
+      <a:dk2>
+        <a:srgbClr val="0E2841"/>
+      </a:dk2>
+      <a:lt2>
+        <a:srgbClr val="E8E8E8"/>
+      </a:lt2>
+      <a:accent1>
+        <a:srgbClr val="156082"/>
+      </a:accent1>
+      <a:accent2>
+        <a:srgbClr val="E97132"/>
+      </a:accent2>
+      <a:accent3>
+        <a:srgbClr val="196B24"/>
+      </a:accent3>
+      <a:accent4>
+        <a:srgbClr val="0F9ED5"/>
+      </a:accent4>
+      <a:accent5>
+        <a:srgbClr val="A02B93"/>
+      </a:accent5>
+      <a:accent6>
+        <a:srgbClr val="4EA72E"/>
+      </a:accent6>
+      <a:hlink>
+        <a:srgbClr val="467886"/>
+      </a:hlink>
+      <a:folHlink>
+        <a:srgbClr val="96607D"/>
+      </a:folHlink>
+    </a:clrScheme>
+    <a:fontScheme name="Office">
+      <a:majorFont>
+        <a:latin typeface="Aptos Display" panose="02110004020202020204"/>
+        <a:ea typeface=""/>
+        <a:cs typeface=""/>
+        <a:font script="Jpan" typeface="游ゴシック Light"/>
+        <a:font script="Hang" typeface="맑은 고딕"/>
+        <a:font script="Hans" typeface="等线 Light"/>
+        <a:font script="Hant" typeface="新細明體"/>
+        <a:font script="Arab" typeface="Times New Roman"/>
+        <a:font script="Hebr" typeface="Times New Roman"/>
+        <a:font script="Thai" typeface="Angsana New"/>
+        <a:font script="Ethi" typeface="Nyala"/>
+        <a:font script="Beng" typeface="Vrinda"/>
+        <a:font script="Gujr" typeface="Shruti"/>
+        <a:font script="Khmr" typeface="MoolBoran"/>
+        <a:font script="Knda" typeface="Tunga"/>
+        <a:font script="Guru" typeface="Raavi"/>
+        <a:font script="Cans" typeface="Euphemia"/>
+        <a:font script="Cher" typeface="Plantagenet Cherokee"/>
+        <a:font script="Yiii" typeface="Microsoft Yi Baiti"/>
+        <a:font script="Tibt" typeface="Microsoft Himalaya"/>
+        <a:font script="Thaa" typeface="MV Boli"/>
+        <a:font script="Deva" typeface="Mangal"/>
+        <a:font script="Telu" typeface="Gautami"/>
+        <a:font script="Taml" typeface="Latha"/>
+        <a:font script="Syrc" typeface="Estrangelo Edessa"/>
+        <a:font script="Orya" typeface="Kalinga"/>
+        <a:font script="Mlym" typeface="Kartika"/>
+        <a:font script="Laoo" typeface="DokChampa"/>
+        <a:font script="Sinh" typeface="Iskoola Pota"/>
+        <a:font script="Mong" typeface="Mongolian Baiti"/>
+        <a:font script="Viet" typeface="Times New Roman"/>
+        <a:font script="Uigh" typeface="Microsoft Uighur"/>
+        <a:font script="Geor" typeface="Sylfaen"/>
+        <a:font script="Armn" typeface="Arial"/>
+        <a:font script="Bugi" typeface="Leelawadee UI"/>
+        <a:font script="Bopo" typeface="Microsoft JhengHei"/>
+        <a:font script="Java" typeface="Javanese Text"/>
+        <a:font script="Lisu" typeface="Segoe UI"/>
+        <a:font script="Mymr" typeface="Myanmar Text"/>
+        <a:font script="Nkoo" typeface="Ebrima"/>
+        <a:font script="Olck" typeface="Nirmala UI"/>
+        <a:font script="Osma" typeface="Ebrima"/>
+        <a:font script="Phag" typeface="Phagspa"/>
+        <a:font script="Syrn" typeface="Estrangelo Edessa"/>
+        <a:font script="Syrj" typeface="Estrangelo Edessa"/>
+        <a:font script="Syre" typeface="Estrangelo Edessa"/>
+        <a:font script="Sora" typeface="Nirmala UI"/>
+        <a:font script="Tale" typeface="Microsoft Tai Le"/>
+        <a:font script="Talu" typeface="Microsoft New Tai Lue"/>
+        <a:font script="Tfng" typeface="Ebrima"/>
+      </a:majorFont>
+      <a:minorFont>
+        <a:latin typeface="Aptos" panose="02110004020202020204"/>
+        <a:ea typeface=""/>
+        <a:cs typeface=""/>
+        <a:font script="Jpan" typeface="游ゴシック"/>
+        <a:font script="Hang" typeface="맑은 고딕"/>
+        <a:font script="Hans" typeface="等线"/>
+        <a:font script="Hant" typeface="新細明體"/>
+        <a:font script="Arab" typeface="Arial"/>
+        <a:font script="Hebr" typeface="Arial"/>
+        <a:font script="Thai" typeface="Cordia New"/>
+        <a:font script="Ethi" typeface="Nyala"/>
+        <a:font script="Beng" typeface="Vrinda"/>
+        <a:font script="Gujr" typeface="Shruti"/>
+        <a:font script="Khmr" typeface="DaunPenh"/>
+        <a:font script="Knda" typeface="Tunga"/>
+        <a:font script="Guru" typeface="Raavi"/>
+        <a:font script="Cans" typeface="Euphemia"/>
+        <a:font script="Cher" typeface="Plantagenet Cherokee"/>
+        <a:font script="Yiii" typeface="Microsoft Yi Baiti"/>
+        <a:font script="Tibt" typeface="Microsoft Himalaya"/>
+        <a:font script="Thaa" typeface="MV Boli"/>
+        <a:font script="Deva" typeface="Mangal"/>
+        <a:font script="Telu" typeface="Gautami"/>
+        <a:font script="Taml" typeface="Latha"/>
+        <a:font script="Syrc" typeface="Estrangelo Edessa"/>
+        <a:font script="Orya" typeface="Kalinga"/>
+        <a:font script="Mlym" typeface="Kartika"/>
+        <a:font script="Laoo" typeface="DokChampa"/>
+        <a:font script="Sinh" typeface="Iskoola Pota"/>
+        <a:font script="Mong" typeface="Mongolian Baiti"/>
+        <a:font script="Viet" typeface="Arial"/>
+        <a:font script="Uigh" typeface="Microsoft Uighur"/>
+        <a:font script="Geor" typeface="Sylfaen"/>
+        <a:font script="Armn" typeface="Arial"/>
+        <a:font script="Bugi" typeface="Leelawadee UI"/>
+        <a:font script="Bopo" typeface="Microsoft JhengHei"/>
+        <a:font script="Java" typeface="Javanese Text"/>
+        <a:font script="Lisu" typeface="Segoe UI"/>
+        <a:font script="Mymr" typeface="Myanmar Text"/>
+        <a:font script="Nkoo" typeface="Ebrima"/>
+        <a:font script="Olck" typeface="Nirmala UI"/>
+        <a:font script="Osma" typeface="Ebrima"/>
+        <a:font script="Phag" typeface="Phagspa"/>
+        <a:font script="Syrn" typeface="Estrangelo Edessa"/>
+        <a:font script="Syrj" typeface="Estrangelo Edessa"/>
+        <a:font script="Syre" typeface="Estrangelo Edessa"/>
+        <a:font script="Sora" typeface="Nirmala UI"/>
+        <a:font script="Tale" typeface="Microsoft Tai Le"/>
+        <a:font script="Talu" typeface="Microsoft New Tai Lue"/>
+        <a:font script="Tfng" typeface="Ebrima"/>
+      </a:minorFont>
+    </a:fontScheme>
+    <a:fmtScheme name="Office">
+      <a:fillStyleLst>
+        <a:solidFill>
+          <a:schemeClr val="phClr"/>
+        </a:solidFill>
+        <a:gradFill rotWithShape="1">
+          <a:gsLst>
+            <a:gs pos="0">
+              <a:schemeClr val="phClr">
+                <a:lumMod val="110000"/>
+                <a:satMod val="105000"/>
+                <a:tint val="67000"/>
+              </a:schemeClr>
+            </a:gs>
+            <a:gs pos="50000">
+              <a:schemeClr val="phClr">
+                <a:lumMod val="105000"/>
+                <a:satMod val="103000"/>
+                <a:tint val="73000"/>
+              </a:schemeClr>
+            </a:gs>
+            <a:gs pos="100000">
+              <a:schemeClr val="phClr">
+                <a:lumMod val="105000"/>
+                <a:satMod val="109000"/>
+                <a:tint val="81000"/>
+              </a:schemeClr>
+            </a:gs>
+          </a:gsLst>
+          <a:lin ang="5400000" scaled="0"/>
+        </a:gradFill>
+        <a:gradFill rotWithShape="1">
+          <a:gsLst>
+            <a:gs pos="0">
+              <a:schemeClr val="phClr">
+                <a:satMod val="103000"/>
+                <a:lumMod val="102000"/>
+                <a:tint val="94000"/>
+              </a:schemeClr>
+            </a:gs>
+            <a:gs pos="50000">
+              <a:schemeClr val="phClr">
+                <a:satMod val="110000"/>
+                <a:lumMod val="100000"/>
+                <a:shade val="100000"/>
+              </a:schemeClr>
+            </a:gs>
+            <a:gs pos="100000">
+              <a:schemeClr val="phClr">
+                <a:lumMod val="99000"/>
+                <a:satMod val="120000"/>
+                <a:shade val="78000"/>
+              </a:schemeClr>
+            </a:gs>
+          </a:gsLst>
+          <a:lin ang="5400000" scaled="0"/>
+        </a:gradFill>
+      </a:fillStyleLst>
+      <a:lnStyleLst>
+        <a:ln w="12700" cap="flat" cmpd="sng" algn="ctr">
+          <a:solidFill>
+            <a:schemeClr val="phClr"/>
+          </a:solidFill>
+          <a:prstDash val="solid"/>
+          <a:miter lim="800000"/>
+        </a:ln>
+        <a:ln w="19050" cap="flat" cmpd="sng" algn="ctr">
+          <a:solidFill>
+            <a:schemeClr val="phClr"/>
+          </a:solidFill>
+          <a:prstDash val="solid"/>
+          <a:miter lim="800000"/>
+        </a:ln>
+        <a:ln w="25400" cap="flat" cmpd="sng" algn="ctr">
+          <a:solidFill>
+            <a:schemeClr val="phClr"/>
+          </a:solidFill>
+          <a:prstDash val="solid"/>
+          <a:miter lim="800000"/>
+        </a:ln>
+      </a:lnStyleLst>
+      <a:effectStyleLst>
+        <a:effectStyle>
+          <a:effectLst/>
+        </a:effectStyle>
+        <a:effectStyle>
+          <a:effectLst/>
+        </a:effectStyle>
+        <a:effectStyle>
+          <a:effectLst>
+            <a:outerShdw blurRad="57150" dist="19050" dir="5400000" algn="ctr" rotWithShape="0">
+              <a:srgbClr val="000000">
+                <a:alpha val="63000"/>
+              </a:srgbClr>
+            </a:outerShdw>
+          </a:effectLst>
+        </a:effectStyle>
+      </a:effectStyleLst>
+      <a:bgFillStyleLst>
+        <a:solidFill>
+          <a:schemeClr val="phClr"/>
+        </a:solidFill>
+        <a:solidFill>
+          <a:schemeClr val="phClr">
+            <a:tint val="95000"/>
+            <a:satMod val="170000"/>
+          </a:schemeClr>
+        </a:solidFill>
+        <a:gradFill rotWithShape="1">
+          <a:gsLst>
+            <a:gs pos="0">
+              <a:schemeClr val="phClr">
+                <a:tint val="93000"/>
+                <a:satMod val="150000"/>
+                <a:shade val="98000"/>
+                <a:lumMod val="102000"/>
+              </a:schemeClr>
+            </a:gs>
+            <a:gs pos="50000">
+              <a:schemeClr val="phClr">
+                <a:tint val="98000"/>
+                <a:satMod val="130000"/>
+                <a:shade val="90000"/>
+                <a:lumMod val="103000"/>
+              </a:schemeClr>
+            </a:gs>
+            <a:gs pos="100000">
+              <a:schemeClr val="phClr">
+                <a:shade val="63000"/>
+                <a:satMod val="120000"/>
+              </a:schemeClr>
+            </a:gs>
+          </a:gsLst>
+          <a:lin ang="5400000" scaled="0"/>
+        </a:gradFill>
+      </a:bgFillStyleLst>
+    </a:fmtScheme>
+  </a:themeElements>
+  <a:objectDefaults>
+    <a:lnDef>
+      <a:spPr/>
+      <a:bodyPr/>
+      <a:lstStyle/>
+      <a:style>
+        <a:lnRef idx="2">
+          <a:schemeClr val="accent1"/>
+        </a:lnRef>
+        <a:fillRef idx="0">
+          <a:schemeClr val="accent1"/>
+        </a:fillRef>
+        <a:effectRef idx="1">
+          <a:schemeClr val="accent1"/>
+        </a:effectRef>
+        <a:fontRef idx="minor">
+          <a:schemeClr val="tx1"/>
+        </a:fontRef>
+      </a:style>
+    </a:lnDef>
+  </a:objectDefaults>
+  <a:extraClrSchemeLst/>
+  <a:extLst>
+    <a:ext uri="{05A4C25C-085E-4340-85A3-A5531E510DB2}">
+      <thm15:themeFamily xmlns:thm15="http://schemas.microsoft.com/office/thememl/2012/main" name="Office Theme" id="{2E142A2C-CD16-42D6-873A-C26D2A0506FA}" vid="{1BDDFF52-6CD6-40A5-AB3C-68EB2F1E4D0A}"/>
+    </a:ext>
+  </a:extLst>
+</a:theme>
 </file>
--- a/Presentatie_powerpoint.pptx
+++ b/Presentatie_powerpoint.pptx
@@ -4437,7 +4437,7 @@
           <a:p>
             <a:fld id="{C722F3E1-CB26-48F9-850F-095D388C7B08}" type="datetimeFigureOut">
               <a:rPr lang="nl-NL" smtClean="0"/>
-              <a:t>7-10-2024</a:t>
+              <a:t>10-10-2024</a:t>
             </a:fld>
             <a:endParaRPr lang="nl-NL"/>
           </a:p>
@@ -5046,39 +5046,39 @@
           <a:lstStyle/>
           <a:p>
             <a:r>
-              <a:rPr lang="nl-BE" sz="3200" dirty="0"/>
+              <a:rPr lang="nl-BE" sz="1400" dirty="0"/>
               <a:t>Sporttoestellen</a:t>
             </a:r>
           </a:p>
           <a:p>
             <a:r>
-              <a:rPr lang="nl-BE" sz="3200" dirty="0"/>
+              <a:rPr lang="nl-BE" sz="1400" dirty="0"/>
               <a:t>Krachtmetingen</a:t>
             </a:r>
           </a:p>
           <a:p>
             <a:r>
-              <a:rPr lang="nl-BE" sz="3200" dirty="0"/>
+              <a:rPr lang="nl-BE" sz="1400" dirty="0"/>
               <a:t>Revalidatie</a:t>
             </a:r>
           </a:p>
           <a:p>
             <a:r>
-              <a:rPr lang="nl-BE" sz="3200" dirty="0"/>
+              <a:rPr lang="nl-BE" sz="1400" dirty="0"/>
               <a:t>Hartslag</a:t>
             </a:r>
           </a:p>
           <a:p>
             <a:pPr lvl="1"/>
             <a:r>
-              <a:rPr lang="nl-BE" sz="3000" dirty="0"/>
+              <a:rPr lang="nl-BE" sz="1400" dirty="0"/>
               <a:t>Meten</a:t>
             </a:r>
           </a:p>
           <a:p>
             <a:pPr lvl="1"/>
             <a:r>
-              <a:rPr lang="nl-BE" sz="3000" dirty="0"/>
+              <a:rPr lang="nl-BE" sz="1400" dirty="0"/>
               <a:t>Stabiel houden (pacemaker)</a:t>
             </a:r>
           </a:p>
@@ -5437,7 +5437,7 @@
             <a:fld id="{B61BEF0D-F0BB-DE4B-95CE-6DB70DBA9567}" type="datetimeFigureOut">
               <a:rPr lang="en-US" dirty="0"/>
               <a:pPr/>
-              <a:t>10/7/2024</a:t>
+              <a:t>10/10/2024</a:t>
             </a:fld>
             <a:endParaRPr lang="en-US" dirty="0"/>
           </a:p>
@@ -5768,7 +5768,7 @@
             <a:fld id="{B61BEF0D-F0BB-DE4B-95CE-6DB70DBA9567}" type="datetimeFigureOut">
               <a:rPr lang="en-US" dirty="0"/>
               <a:pPr/>
-              <a:t>10/7/2024</a:t>
+              <a:t>10/10/2024</a:t>
             </a:fld>
             <a:endParaRPr lang="en-US" dirty="0"/>
           </a:p>
@@ -6043,7 +6043,7 @@
             <a:fld id="{B61BEF0D-F0BB-DE4B-95CE-6DB70DBA9567}" type="datetimeFigureOut">
               <a:rPr lang="en-US" dirty="0"/>
               <a:pPr/>
-              <a:t>10/7/2024</a:t>
+              <a:t>10/10/2024</a:t>
             </a:fld>
             <a:endParaRPr lang="en-US" dirty="0"/>
           </a:p>
@@ -6608,7 +6608,7 @@
             <a:fld id="{B61BEF0D-F0BB-DE4B-95CE-6DB70DBA9567}" type="datetimeFigureOut">
               <a:rPr lang="en-US" dirty="0"/>
               <a:pPr/>
-              <a:t>10/7/2024</a:t>
+              <a:t>10/10/2024</a:t>
             </a:fld>
             <a:endParaRPr lang="en-US" dirty="0"/>
           </a:p>
@@ -6883,7 +6883,7 @@
             <a:fld id="{B61BEF0D-F0BB-DE4B-95CE-6DB70DBA9567}" type="datetimeFigureOut">
               <a:rPr lang="en-US" dirty="0"/>
               <a:pPr/>
-              <a:t>10/7/2024</a:t>
+              <a:t>10/10/2024</a:t>
             </a:fld>
             <a:endParaRPr lang="en-US" dirty="0"/>
           </a:p>
@@ -7442,7 +7442,7 @@
             <a:fld id="{B61BEF0D-F0BB-DE4B-95CE-6DB70DBA9567}" type="datetimeFigureOut">
               <a:rPr lang="en-US" dirty="0"/>
               <a:pPr/>
-              <a:t>10/7/2024</a:t>
+              <a:t>10/10/2024</a:t>
             </a:fld>
             <a:endParaRPr lang="en-US" dirty="0"/>
           </a:p>
@@ -7766,7 +7766,7 @@
             <a:fld id="{B61BEF0D-F0BB-DE4B-95CE-6DB70DBA9567}" type="datetimeFigureOut">
               <a:rPr lang="en-US" dirty="0"/>
               <a:pPr/>
-              <a:t>10/7/2024</a:t>
+              <a:t>10/10/2024</a:t>
             </a:fld>
             <a:endParaRPr lang="en-US" dirty="0"/>
           </a:p>
@@ -7940,7 +7940,7 @@
             <a:fld id="{B61BEF0D-F0BB-DE4B-95CE-6DB70DBA9567}" type="datetimeFigureOut">
               <a:rPr lang="en-US" dirty="0"/>
               <a:pPr/>
-              <a:t>10/7/2024</a:t>
+              <a:t>10/10/2024</a:t>
             </a:fld>
             <a:endParaRPr lang="en-US" dirty="0"/>
           </a:p>
@@ -8175,7 +8175,7 @@
             <a:fld id="{B61BEF0D-F0BB-DE4B-95CE-6DB70DBA9567}" type="datetimeFigureOut">
               <a:rPr lang="en-US" dirty="0"/>
               <a:pPr/>
-              <a:t>10/7/2024</a:t>
+              <a:t>10/10/2024</a:t>
             </a:fld>
             <a:endParaRPr lang="en-US" dirty="0"/>
           </a:p>
@@ -8372,7 +8372,7 @@
             <a:fld id="{B61BEF0D-F0BB-DE4B-95CE-6DB70DBA9567}" type="datetimeFigureOut">
               <a:rPr lang="en-US" dirty="0"/>
               <a:pPr/>
-              <a:t>10/7/2024</a:t>
+              <a:t>10/10/2024</a:t>
             </a:fld>
             <a:endParaRPr lang="en-US" dirty="0"/>
           </a:p>
@@ -8645,7 +8645,7 @@
             <a:fld id="{B61BEF0D-F0BB-DE4B-95CE-6DB70DBA9567}" type="datetimeFigureOut">
               <a:rPr lang="en-US" dirty="0"/>
               <a:pPr/>
-              <a:t>10/7/2024</a:t>
+              <a:t>10/10/2024</a:t>
             </a:fld>
             <a:endParaRPr lang="en-US" dirty="0"/>
           </a:p>
@@ -8908,7 +8908,7 @@
             <a:fld id="{B61BEF0D-F0BB-DE4B-95CE-6DB70DBA9567}" type="datetimeFigureOut">
               <a:rPr lang="en-US" dirty="0"/>
               <a:pPr/>
-              <a:t>10/7/2024</a:t>
+              <a:t>10/10/2024</a:t>
             </a:fld>
             <a:endParaRPr lang="en-US" dirty="0"/>
           </a:p>
@@ -9279,7 +9279,7 @@
             <a:fld id="{B61BEF0D-F0BB-DE4B-95CE-6DB70DBA9567}" type="datetimeFigureOut">
               <a:rPr lang="en-US" dirty="0"/>
               <a:pPr/>
-              <a:t>10/7/2024</a:t>
+              <a:t>10/10/2024</a:t>
             </a:fld>
             <a:endParaRPr lang="en-US" dirty="0"/>
           </a:p>
@@ -9424,7 +9424,7 @@
             <a:fld id="{B61BEF0D-F0BB-DE4B-95CE-6DB70DBA9567}" type="datetimeFigureOut">
               <a:rPr lang="en-US" dirty="0"/>
               <a:pPr/>
-              <a:t>10/7/2024</a:t>
+              <a:t>10/10/2024</a:t>
             </a:fld>
             <a:endParaRPr lang="en-US" dirty="0"/>
           </a:p>
@@ -9546,7 +9546,7 @@
             <a:fld id="{B61BEF0D-F0BB-DE4B-95CE-6DB70DBA9567}" type="datetimeFigureOut">
               <a:rPr lang="en-US" dirty="0"/>
               <a:pPr/>
-              <a:t>10/7/2024</a:t>
+              <a:t>10/10/2024</a:t>
             </a:fld>
             <a:endParaRPr lang="en-US" dirty="0"/>
           </a:p>
@@ -9828,7 +9828,7 @@
             <a:fld id="{B61BEF0D-F0BB-DE4B-95CE-6DB70DBA9567}" type="datetimeFigureOut">
               <a:rPr lang="en-US" dirty="0"/>
               <a:pPr/>
-              <a:t>10/7/2024</a:t>
+              <a:t>10/10/2024</a:t>
             </a:fld>
             <a:endParaRPr lang="en-US" dirty="0"/>
           </a:p>
@@ -10149,7 +10149,7 @@
             <a:fld id="{B61BEF0D-F0BB-DE4B-95CE-6DB70DBA9567}" type="datetimeFigureOut">
               <a:rPr lang="en-US" dirty="0"/>
               <a:pPr/>
-              <a:t>10/7/2024</a:t>
+              <a:t>10/10/2024</a:t>
             </a:fld>
             <a:endParaRPr lang="en-US" dirty="0"/>
           </a:p>
@@ -10360,7 +10360,7 @@
             <a:fld id="{B61BEF0D-F0BB-DE4B-95CE-6DB70DBA9567}" type="datetimeFigureOut">
               <a:rPr lang="en-US" dirty="0"/>
               <a:pPr/>
-              <a:t>10/7/2024</a:t>
+              <a:t>10/10/2024</a:t>
             </a:fld>
             <a:endParaRPr lang="en-US" dirty="0"/>
           </a:p>
@@ -11725,23 +11725,18 @@
         </p:nvSpPr>
         <p:spPr>
           <a:xfrm>
-            <a:off x="1327255" y="1030288"/>
-            <a:ext cx="6368945" cy="1035579"/>
+            <a:off x="685802" y="990599"/>
+            <a:ext cx="4791336" cy="1075268"/>
           </a:xfrm>
         </p:spPr>
         <p:txBody>
           <a:bodyPr>
-            <a:noAutofit/>
+            <a:normAutofit/>
           </a:bodyPr>
           <a:lstStyle/>
           <a:p>
-            <a:pPr>
-              <a:lnSpc>
-                <a:spcPct val="90000"/>
-              </a:lnSpc>
-            </a:pPr>
-            <a:r>
-              <a:rPr lang="nl-BE" sz="4800" dirty="0"/>
+            <a:r>
+              <a:rPr lang="nl-BE"/>
               <a:t>Gezondheidstracking</a:t>
             </a:r>
           </a:p>
@@ -11765,8 +11760,8 @@
         </p:nvSpPr>
         <p:spPr>
           <a:xfrm>
-            <a:off x="1327255" y="2142067"/>
-            <a:ext cx="5435495" cy="3649133"/>
+            <a:off x="685802" y="2142067"/>
+            <a:ext cx="4791336" cy="3649131"/>
           </a:xfrm>
         </p:spPr>
         <p:txBody>
@@ -11783,7 +11778,13 @@
           <a:p>
             <a:r>
               <a:rPr lang="nl-BE" sz="3200" dirty="0"/>
-              <a:t>Medische toepassingen</a:t>
+              <a:t>Slimme weegschaal</a:t>
+            </a:r>
+          </a:p>
+          <a:p>
+            <a:r>
+              <a:rPr lang="nl-BE" sz="3200" dirty="0"/>
+              <a:t>Revalidatie</a:t>
             </a:r>
           </a:p>
           <a:p>
@@ -11791,42 +11792,194 @@
           </a:p>
         </p:txBody>
       </p:sp>
-      <p:pic>
-        <p:nvPicPr>
-          <p:cNvPr id="5122" name="Picture 2">
+      <p:sp>
+        <p:nvSpPr>
+          <p:cNvPr id="5129" name="Freeform 30">
             <a:extLst>
               <a:ext uri="{FF2B5EF4-FFF2-40B4-BE49-F238E27FC236}">
-                <a16:creationId xmlns:a16="http://schemas.microsoft.com/office/drawing/2014/main" id="{B76B7EA7-30D8-45FC-85EC-8656F6A3A8A2}"/>
+                <a16:creationId xmlns:a16="http://schemas.microsoft.com/office/drawing/2014/main" id="{6B48CC9C-E443-4619-A5F1-8D19F764D4DB}"/>
+              </a:ext>
+              <a:ext uri="{C183D7F6-B498-43B3-948B-1728B52AA6E4}">
+                <adec:decorative xmlns:adec="http://schemas.microsoft.com/office/drawing/2017/decorative" val="1"/>
               </a:ext>
             </a:extLst>
           </p:cNvPr>
-          <p:cNvPicPr>
-            <a:picLocks noChangeAspect="1" noChangeArrowheads="1"/>
-          </p:cNvPicPr>
-          <p:nvPr/>
-        </p:nvPicPr>
-        <p:blipFill>
-          <a:blip r:embed="rId4">
-            <a:extLst>
-              <a:ext uri="{28A0092B-C50C-407E-A947-70E740481C1C}">
-                <a14:useLocalDpi xmlns:a14="http://schemas.microsoft.com/office/drawing/2010/main" val="0"/>
-              </a:ext>
-            </a:extLst>
-          </a:blip>
-          <a:stretch>
-            <a:fillRect/>
-          </a:stretch>
-        </p:blipFill>
-        <p:spPr bwMode="auto">
+          <p:cNvSpPr>
+            <a:spLocks noGrp="1" noRot="1" noChangeAspect="1" noMove="1" noResize="1" noEditPoints="1" noAdjustHandles="1" noChangeArrowheads="1" noChangeShapeType="1" noTextEdit="1"/>
+          </p:cNvSpPr>
+          <p:nvPr>
+            <p:extLst>
+              <p:ext uri="{386F3935-93C4-4BCD-93E2-E3B085C9AB24}">
+                <p16:designElem xmlns:p16="http://schemas.microsoft.com/office/powerpoint/2015/main" val="1"/>
+              </p:ext>
+            </p:extLst>
+          </p:nvPr>
+        </p:nvSpPr>
+        <p:spPr>
           <a:xfrm>
-            <a:off x="7889524" y="639097"/>
-            <a:ext cx="3707664" cy="5575437"/>
+            <a:off x="6100005" y="990599"/>
+            <a:ext cx="4965113" cy="4800599"/>
           </a:xfrm>
-          <a:prstGeom prst="roundRect">
-            <a:avLst>
-              <a:gd name="adj" fmla="val 6267"/>
-            </a:avLst>
-          </a:prstGeom>
+          <a:custGeom>
+            <a:avLst/>
+            <a:gdLst>
+              <a:gd name="connsiteX0" fmla="*/ 2543761 w 4965113"/>
+              <a:gd name="connsiteY0" fmla="*/ 2479677 h 4800599"/>
+              <a:gd name="connsiteX1" fmla="*/ 4965113 w 4965113"/>
+              <a:gd name="connsiteY1" fmla="*/ 2479677 h 4800599"/>
+              <a:gd name="connsiteX2" fmla="*/ 4965113 w 4965113"/>
+              <a:gd name="connsiteY2" fmla="*/ 4545255 h 4800599"/>
+              <a:gd name="connsiteX3" fmla="*/ 4709769 w 4965113"/>
+              <a:gd name="connsiteY3" fmla="*/ 4800599 h 4800599"/>
+              <a:gd name="connsiteX4" fmla="*/ 2543761 w 4965113"/>
+              <a:gd name="connsiteY4" fmla="*/ 4800599 h 4800599"/>
+              <a:gd name="connsiteX5" fmla="*/ 0 w 4965113"/>
+              <a:gd name="connsiteY5" fmla="*/ 2479677 h 4800599"/>
+              <a:gd name="connsiteX6" fmla="*/ 2392885 w 4965113"/>
+              <a:gd name="connsiteY6" fmla="*/ 2479677 h 4800599"/>
+              <a:gd name="connsiteX7" fmla="*/ 2392885 w 4965113"/>
+              <a:gd name="connsiteY7" fmla="*/ 4800599 h 4800599"/>
+              <a:gd name="connsiteX8" fmla="*/ 255344 w 4965113"/>
+              <a:gd name="connsiteY8" fmla="*/ 4800599 h 4800599"/>
+              <a:gd name="connsiteX9" fmla="*/ 0 w 4965113"/>
+              <a:gd name="connsiteY9" fmla="*/ 4545255 h 4800599"/>
+              <a:gd name="connsiteX10" fmla="*/ 255344 w 4965113"/>
+              <a:gd name="connsiteY10" fmla="*/ 0 h 4800599"/>
+              <a:gd name="connsiteX11" fmla="*/ 4709769 w 4965113"/>
+              <a:gd name="connsiteY11" fmla="*/ 0 h 4800599"/>
+              <a:gd name="connsiteX12" fmla="*/ 4965113 w 4965113"/>
+              <a:gd name="connsiteY12" fmla="*/ 255344 h 4800599"/>
+              <a:gd name="connsiteX13" fmla="*/ 4965113 w 4965113"/>
+              <a:gd name="connsiteY13" fmla="*/ 2328801 h 4800599"/>
+              <a:gd name="connsiteX14" fmla="*/ 0 w 4965113"/>
+              <a:gd name="connsiteY14" fmla="*/ 2328801 h 4800599"/>
+              <a:gd name="connsiteX15" fmla="*/ 0 w 4965113"/>
+              <a:gd name="connsiteY15" fmla="*/ 255344 h 4800599"/>
+              <a:gd name="connsiteX16" fmla="*/ 255344 w 4965113"/>
+              <a:gd name="connsiteY16" fmla="*/ 0 h 4800599"/>
+            </a:gdLst>
+            <a:ahLst/>
+            <a:cxnLst>
+              <a:cxn ang="0">
+                <a:pos x="connsiteX0" y="connsiteY0"/>
+              </a:cxn>
+              <a:cxn ang="0">
+                <a:pos x="connsiteX1" y="connsiteY1"/>
+              </a:cxn>
+              <a:cxn ang="0">
+                <a:pos x="connsiteX2" y="connsiteY2"/>
+              </a:cxn>
+              <a:cxn ang="0">
+                <a:pos x="connsiteX3" y="connsiteY3"/>
+              </a:cxn>
+              <a:cxn ang="0">
+                <a:pos x="connsiteX4" y="connsiteY4"/>
+              </a:cxn>
+              <a:cxn ang="0">
+                <a:pos x="connsiteX5" y="connsiteY5"/>
+              </a:cxn>
+              <a:cxn ang="0">
+                <a:pos x="connsiteX6" y="connsiteY6"/>
+              </a:cxn>
+              <a:cxn ang="0">
+                <a:pos x="connsiteX7" y="connsiteY7"/>
+              </a:cxn>
+              <a:cxn ang="0">
+                <a:pos x="connsiteX8" y="connsiteY8"/>
+              </a:cxn>
+              <a:cxn ang="0">
+                <a:pos x="connsiteX9" y="connsiteY9"/>
+              </a:cxn>
+              <a:cxn ang="0">
+                <a:pos x="connsiteX10" y="connsiteY10"/>
+              </a:cxn>
+              <a:cxn ang="0">
+                <a:pos x="connsiteX11" y="connsiteY11"/>
+              </a:cxn>
+              <a:cxn ang="0">
+                <a:pos x="connsiteX12" y="connsiteY12"/>
+              </a:cxn>
+              <a:cxn ang="0">
+                <a:pos x="connsiteX13" y="connsiteY13"/>
+              </a:cxn>
+              <a:cxn ang="0">
+                <a:pos x="connsiteX14" y="connsiteY14"/>
+              </a:cxn>
+              <a:cxn ang="0">
+                <a:pos x="connsiteX15" y="connsiteY15"/>
+              </a:cxn>
+              <a:cxn ang="0">
+                <a:pos x="connsiteX16" y="connsiteY16"/>
+              </a:cxn>
+            </a:cxnLst>
+            <a:rect l="l" t="t" r="r" b="b"/>
+            <a:pathLst>
+              <a:path w="4965113" h="4800599">
+                <a:moveTo>
+                  <a:pt x="2543761" y="2479677"/>
+                </a:moveTo>
+                <a:lnTo>
+                  <a:pt x="4965113" y="2479677"/>
+                </a:lnTo>
+                <a:lnTo>
+                  <a:pt x="4965113" y="4545255"/>
+                </a:lnTo>
+                <a:cubicBezTo>
+                  <a:pt x="4965113" y="4686278"/>
+                  <a:pt x="4850792" y="4800599"/>
+                  <a:pt x="4709769" y="4800599"/>
+                </a:cubicBezTo>
+                <a:lnTo>
+                  <a:pt x="2543761" y="4800599"/>
+                </a:lnTo>
+                <a:close/>
+                <a:moveTo>
+                  <a:pt x="0" y="2479677"/>
+                </a:moveTo>
+                <a:lnTo>
+                  <a:pt x="2392885" y="2479677"/>
+                </a:lnTo>
+                <a:lnTo>
+                  <a:pt x="2392885" y="4800599"/>
+                </a:lnTo>
+                <a:lnTo>
+                  <a:pt x="255344" y="4800599"/>
+                </a:lnTo>
+                <a:cubicBezTo>
+                  <a:pt x="114321" y="4800599"/>
+                  <a:pt x="0" y="4686278"/>
+                  <a:pt x="0" y="4545255"/>
+                </a:cubicBezTo>
+                <a:close/>
+                <a:moveTo>
+                  <a:pt x="255344" y="0"/>
+                </a:moveTo>
+                <a:lnTo>
+                  <a:pt x="4709769" y="0"/>
+                </a:lnTo>
+                <a:cubicBezTo>
+                  <a:pt x="4850792" y="0"/>
+                  <a:pt x="4965113" y="114321"/>
+                  <a:pt x="4965113" y="255344"/>
+                </a:cubicBezTo>
+                <a:lnTo>
+                  <a:pt x="4965113" y="2328801"/>
+                </a:lnTo>
+                <a:lnTo>
+                  <a:pt x="0" y="2328801"/>
+                </a:lnTo>
+                <a:lnTo>
+                  <a:pt x="0" y="255344"/>
+                </a:lnTo>
+                <a:cubicBezTo>
+                  <a:pt x="0" y="114321"/>
+                  <a:pt x="114321" y="0"/>
+                  <a:pt x="255344" y="0"/>
+                </a:cubicBezTo>
+                <a:close/>
+              </a:path>
+            </a:pathLst>
+          </a:custGeom>
           <a:noFill/>
           <a:ln w="50800" cap="sq" cmpd="dbl">
             <a:gradFill flip="none" rotWithShape="1">
@@ -11854,6 +12007,183 @@
               </a:srgbClr>
             </a:outerShdw>
           </a:effectLst>
+        </p:spPr>
+        <p:style>
+          <a:lnRef idx="2">
+            <a:schemeClr val="accent1">
+              <a:shade val="50000"/>
+            </a:schemeClr>
+          </a:lnRef>
+          <a:fillRef idx="1">
+            <a:schemeClr val="accent1"/>
+          </a:fillRef>
+          <a:effectRef idx="0">
+            <a:schemeClr val="accent1"/>
+          </a:effectRef>
+          <a:fontRef idx="minor">
+            <a:schemeClr val="lt1"/>
+          </a:fontRef>
+        </p:style>
+        <p:txBody>
+          <a:bodyPr wrap="square" rtlCol="0" anchor="ctr">
+            <a:noAutofit/>
+          </a:bodyPr>
+          <a:lstStyle/>
+          <a:p>
+            <a:pPr algn="ctr"/>
+            <a:endParaRPr lang="en-US"/>
+          </a:p>
+        </p:txBody>
+      </p:sp>
+      <p:pic>
+        <p:nvPicPr>
+          <p:cNvPr id="1026" name="Picture 2" descr="Pieter Meyns 2 08">
+            <a:extLst>
+              <a:ext uri="{FF2B5EF4-FFF2-40B4-BE49-F238E27FC236}">
+                <a16:creationId xmlns:a16="http://schemas.microsoft.com/office/drawing/2014/main" id="{74225092-4DF1-3445-4445-87A94DB03624}"/>
+              </a:ext>
+            </a:extLst>
+          </p:cNvPr>
+          <p:cNvPicPr>
+            <a:picLocks noChangeAspect="1" noChangeArrowheads="1"/>
+          </p:cNvPicPr>
+          <p:nvPr/>
+        </p:nvPicPr>
+        <p:blipFill>
+          <a:blip r:embed="rId4">
+            <a:extLst>
+              <a:ext uri="{28A0092B-C50C-407E-A947-70E740481C1C}">
+                <a14:useLocalDpi xmlns:a14="http://schemas.microsoft.com/office/drawing/2010/main" val="0"/>
+              </a:ext>
+            </a:extLst>
+          </a:blip>
+          <a:srcRect r="3" b="16138"/>
+          <a:stretch/>
+        </p:blipFill>
+        <p:spPr bwMode="auto">
+          <a:xfrm>
+            <a:off x="6100005" y="990600"/>
+            <a:ext cx="4936645" cy="2328800"/>
+          </a:xfrm>
+          <a:custGeom>
+            <a:avLst/>
+            <a:gdLst/>
+            <a:ahLst/>
+            <a:cxnLst/>
+            <a:rect l="l" t="t" r="r" b="b"/>
+            <a:pathLst>
+              <a:path w="4936645" h="2328800">
+                <a:moveTo>
+                  <a:pt x="210266" y="0"/>
+                </a:moveTo>
+                <a:lnTo>
+                  <a:pt x="4726379" y="0"/>
+                </a:lnTo>
+                <a:cubicBezTo>
+                  <a:pt x="4842506" y="0"/>
+                  <a:pt x="4936645" y="94139"/>
+                  <a:pt x="4936645" y="210266"/>
+                </a:cubicBezTo>
+                <a:lnTo>
+                  <a:pt x="4936645" y="2328800"/>
+                </a:lnTo>
+                <a:lnTo>
+                  <a:pt x="0" y="2328800"/>
+                </a:lnTo>
+                <a:lnTo>
+                  <a:pt x="0" y="210266"/>
+                </a:lnTo>
+                <a:cubicBezTo>
+                  <a:pt x="0" y="94139"/>
+                  <a:pt x="94139" y="0"/>
+                  <a:pt x="210266" y="0"/>
+                </a:cubicBezTo>
+                <a:close/>
+              </a:path>
+            </a:pathLst>
+          </a:custGeom>
+          <a:noFill/>
+          <a:ln w="50800" cap="sq" cmpd="dbl">
+            <a:noFill/>
+            <a:miter lim="800000"/>
+          </a:ln>
+          <a:effectLst/>
+          <a:extLst>
+            <a:ext uri="{909E8E84-426E-40DD-AFC4-6F175D3DCCD1}">
+              <a14:hiddenFill xmlns:a14="http://schemas.microsoft.com/office/drawing/2010/main">
+                <a:solidFill>
+                  <a:srgbClr val="FFFFFF"/>
+                </a:solidFill>
+              </a14:hiddenFill>
+            </a:ext>
+          </a:extLst>
+        </p:spPr>
+      </p:pic>
+      <p:pic>
+        <p:nvPicPr>
+          <p:cNvPr id="5122" name="Picture 2">
+            <a:extLst>
+              <a:ext uri="{FF2B5EF4-FFF2-40B4-BE49-F238E27FC236}">
+                <a16:creationId xmlns:a16="http://schemas.microsoft.com/office/drawing/2014/main" id="{B76B7EA7-30D8-45FC-85EC-8656F6A3A8A2}"/>
+              </a:ext>
+            </a:extLst>
+          </p:cNvPr>
+          <p:cNvPicPr>
+            <a:picLocks noChangeAspect="1" noChangeArrowheads="1"/>
+          </p:cNvPicPr>
+          <p:nvPr/>
+        </p:nvPicPr>
+        <p:blipFill>
+          <a:blip r:embed="rId5">
+            <a:extLst>
+              <a:ext uri="{28A0092B-C50C-407E-A947-70E740481C1C}">
+                <a14:useLocalDpi xmlns:a14="http://schemas.microsoft.com/office/drawing/2010/main" val="0"/>
+              </a:ext>
+            </a:extLst>
+          </a:blip>
+          <a:srcRect t="26436" r="2" b="9066"/>
+          <a:stretch/>
+        </p:blipFill>
+        <p:spPr bwMode="auto">
+          <a:xfrm>
+            <a:off x="6100006" y="3470276"/>
+            <a:ext cx="2392885" cy="2320923"/>
+          </a:xfrm>
+          <a:custGeom>
+            <a:avLst/>
+            <a:gdLst/>
+            <a:ahLst/>
+            <a:cxnLst/>
+            <a:rect l="l" t="t" r="r" b="b"/>
+            <a:pathLst>
+              <a:path w="2392885" h="2320923">
+                <a:moveTo>
+                  <a:pt x="0" y="0"/>
+                </a:moveTo>
+                <a:lnTo>
+                  <a:pt x="2392885" y="0"/>
+                </a:lnTo>
+                <a:lnTo>
+                  <a:pt x="2392885" y="2320923"/>
+                </a:lnTo>
+                <a:lnTo>
+                  <a:pt x="210266" y="2320923"/>
+                </a:lnTo>
+                <a:cubicBezTo>
+                  <a:pt x="94139" y="2320923"/>
+                  <a:pt x="0" y="2226784"/>
+                  <a:pt x="0" y="2110657"/>
+                </a:cubicBezTo>
+                <a:close/>
+              </a:path>
+            </a:pathLst>
+          </a:custGeom>
+          <a:noFill/>
+          <a:ln w="50800" cap="sq" cmpd="dbl">
+            <a:noFill/>
+            <a:miter lim="800000"/>
+          </a:ln>
+          <a:effectLst/>
           <a:extLst>
             <a:ext uri="{909E8E84-426E-40DD-AFC4-6F175D3DCCD1}">
               <a14:hiddenFill xmlns:a14="http://schemas.microsoft.com/office/drawing/2010/main">
@@ -11880,54 +12210,56 @@
           <p:nvPr/>
         </p:nvPicPr>
         <p:blipFill>
-          <a:blip r:embed="rId5">
+          <a:blip r:embed="rId6">
             <a:extLst>
               <a:ext uri="{28A0092B-C50C-407E-A947-70E740481C1C}">
                 <a14:useLocalDpi xmlns:a14="http://schemas.microsoft.com/office/drawing/2010/main" val="0"/>
               </a:ext>
             </a:extLst>
           </a:blip>
-          <a:stretch>
-            <a:fillRect/>
-          </a:stretch>
+          <a:srcRect t="4424" r="3" b="5618"/>
+          <a:stretch/>
         </p:blipFill>
         <p:spPr bwMode="auto">
           <a:xfrm>
-            <a:off x="7152556" y="3966633"/>
-            <a:ext cx="3065000" cy="3304584"/>
+            <a:off x="8643766" y="3470276"/>
+            <a:ext cx="2392884" cy="2320923"/>
           </a:xfrm>
-          <a:prstGeom prst="roundRect">
-            <a:avLst>
-              <a:gd name="adj" fmla="val 6267"/>
-            </a:avLst>
-          </a:prstGeom>
+          <a:custGeom>
+            <a:avLst/>
+            <a:gdLst/>
+            <a:ahLst/>
+            <a:cxnLst/>
+            <a:rect l="l" t="t" r="r" b="b"/>
+            <a:pathLst>
+              <a:path w="2392884" h="2320923">
+                <a:moveTo>
+                  <a:pt x="0" y="0"/>
+                </a:moveTo>
+                <a:lnTo>
+                  <a:pt x="2392884" y="0"/>
+                </a:lnTo>
+                <a:lnTo>
+                  <a:pt x="2392884" y="2110657"/>
+                </a:lnTo>
+                <a:cubicBezTo>
+                  <a:pt x="2392884" y="2226784"/>
+                  <a:pt x="2298745" y="2320923"/>
+                  <a:pt x="2182618" y="2320923"/>
+                </a:cubicBezTo>
+                <a:lnTo>
+                  <a:pt x="0" y="2320923"/>
+                </a:lnTo>
+                <a:close/>
+              </a:path>
+            </a:pathLst>
+          </a:custGeom>
           <a:noFill/>
           <a:ln w="50800" cap="sq" cmpd="dbl">
-            <a:gradFill flip="none" rotWithShape="1">
-              <a:gsLst>
-                <a:gs pos="0">
-                  <a:srgbClr val="FFFFFF"/>
-                </a:gs>
-                <a:gs pos="100000">
-                  <a:schemeClr val="tx1">
-                    <a:alpha val="0"/>
-                  </a:schemeClr>
-                </a:gs>
-              </a:gsLst>
-              <a:path path="circle">
-                <a:fillToRect l="50000" t="50000" r="50000" b="50000"/>
-              </a:path>
-              <a:tileRect/>
-            </a:gradFill>
+            <a:noFill/>
             <a:miter lim="800000"/>
           </a:ln>
-          <a:effectLst>
-            <a:outerShdw blurRad="254000" algn="tl" rotWithShape="0">
-              <a:srgbClr val="000000">
-                <a:alpha val="43000"/>
-              </a:srgbClr>
-            </a:outerShdw>
-          </a:effectLst>
+          <a:effectLst/>
           <a:extLst>
             <a:ext uri="{909E8E84-426E-40DD-AFC4-6F175D3DCCD1}">
               <a14:hiddenFill xmlns:a14="http://schemas.microsoft.com/office/drawing/2010/main">
@@ -12465,10 +12797,10 @@
       </p:sp>
       <p:sp>
         <p:nvSpPr>
-          <p:cNvPr id="8" name="Rectangle 4">
+          <p:cNvPr id="3" name="Rectangle 1">
             <a:extLst>
               <a:ext uri="{FF2B5EF4-FFF2-40B4-BE49-F238E27FC236}">
-                <a16:creationId xmlns:a16="http://schemas.microsoft.com/office/drawing/2014/main" id="{B34937EF-E902-F998-5B14-8C8A855A665F}"/>
+                <a16:creationId xmlns:a16="http://schemas.microsoft.com/office/drawing/2014/main" id="{7C25F310-76B6-4506-9528-489F13EC7D1E}"/>
               </a:ext>
             </a:extLst>
           </p:cNvPr>
@@ -12481,8 +12813,8 @@
         </p:nvSpPr>
         <p:spPr bwMode="auto">
           <a:xfrm>
-            <a:off x="685801" y="2945475"/>
-            <a:ext cx="35514996" cy="1846659"/>
+            <a:off x="685800" y="2760742"/>
+            <a:ext cx="21491221" cy="2215991"/>
           </a:xfrm>
           <a:prstGeom prst="rect">
             <a:avLst/>
@@ -12662,7 +12994,7 @@
               <a:buSzTx/>
             </a:pPr>
             <a:r>
-              <a:rPr kumimoji="0" lang="nl-BE" altLang="nl-BE" sz="2000" b="0" i="1" u="none" strike="noStrike" cap="none" normalizeH="0" baseline="0" dirty="0">
+              <a:rPr kumimoji="0" lang="nl-BE" altLang="nl-BE" sz="1200" b="0" i="1" u="none" strike="noStrike" cap="none" normalizeH="0" baseline="0" dirty="0">
                 <a:ln>
                   <a:noFill/>
                 </a:ln>
@@ -12676,7 +13008,7 @@
               <a:t>(5) Beats of Golf: overzicht | LinkedIn</a:t>
             </a:r>
             <a:r>
-              <a:rPr kumimoji="0" lang="nl-BE" altLang="nl-BE" sz="2000" b="0" i="0" u="none" strike="noStrike" cap="none" normalizeH="0" baseline="0" dirty="0">
+              <a:rPr kumimoji="0" lang="nl-BE" altLang="nl-BE" sz="1200" b="0" i="0" u="none" strike="noStrike" cap="none" normalizeH="0" baseline="0" dirty="0">
                 <a:ln>
                   <a:noFill/>
                 </a:ln>
@@ -12690,7 +13022,7 @@
               <a:t>. (</a:t>
             </a:r>
             <a:r>
-              <a:rPr kumimoji="0" lang="nl-BE" altLang="nl-BE" sz="2000" b="0" i="0" u="none" strike="noStrike" cap="none" normalizeH="0" baseline="0" dirty="0" err="1">
+              <a:rPr kumimoji="0" lang="nl-BE" altLang="nl-BE" sz="1200" b="0" i="0" u="none" strike="noStrike" cap="none" normalizeH="0" baseline="0" dirty="0" err="1">
                 <a:ln>
                   <a:noFill/>
                 </a:ln>
@@ -12704,7 +13036,7 @@
               <a:t>n.d</a:t>
             </a:r>
             <a:r>
-              <a:rPr kumimoji="0" lang="nl-BE" altLang="nl-BE" sz="2000" b="0" i="0" u="none" strike="noStrike" cap="none" normalizeH="0" baseline="0" dirty="0">
+              <a:rPr kumimoji="0" lang="nl-BE" altLang="nl-BE" sz="1200" b="0" i="0" u="none" strike="noStrike" cap="none" normalizeH="0" baseline="0" dirty="0">
                 <a:ln>
                   <a:noFill/>
                 </a:ln>
@@ -12715,9 +13047,38 @@
                 <a:latin typeface="Times New Roman" panose="02020603050405020304" pitchFamily="18" charset="0"/>
                 <a:cs typeface="Times New Roman" panose="02020603050405020304" pitchFamily="18" charset="0"/>
               </a:rPr>
-              <a:t>.). https://www.linkedin.com/company/beats-of-golf/?originalSubdomain=at</a:t>
-            </a:r>
-            <a:endParaRPr kumimoji="0" lang="nl-BE" altLang="nl-BE" sz="2000" b="0" i="0" u="none" strike="noStrike" cap="none" normalizeH="0" baseline="0" dirty="0">
+              <a:t>.). </a:t>
+            </a:r>
+            <a:r>
+              <a:rPr kumimoji="0" lang="nl-BE" altLang="nl-BE" sz="1200" b="0" i="0" u="none" strike="noStrike" cap="none" normalizeH="0" baseline="0" dirty="0">
+                <a:ln>
+                  <a:noFill/>
+                </a:ln>
+                <a:solidFill>
+                  <a:schemeClr val="tx1"/>
+                </a:solidFill>
+                <a:effectLst/>
+                <a:latin typeface="Times New Roman" panose="02020603050405020304" pitchFamily="18" charset="0"/>
+                <a:cs typeface="Times New Roman" panose="02020603050405020304" pitchFamily="18" charset="0"/>
+                <a:hlinkClick r:id="rId2"/>
+              </a:rPr>
+              <a:t>https://www.linkedin.com/company/beats-of-golf/?originalSubdomain=at</a:t>
+            </a:r>
+            <a:r>
+              <a:rPr kumimoji="0" lang="nl-BE" altLang="nl-BE" sz="1200" b="0" i="0" u="none" strike="noStrike" cap="none" normalizeH="0" baseline="0" dirty="0">
+                <a:ln>
+                  <a:noFill/>
+                </a:ln>
+                <a:solidFill>
+                  <a:schemeClr val="tx1"/>
+                </a:solidFill>
+                <a:effectLst/>
+                <a:latin typeface="Times New Roman" panose="02020603050405020304" pitchFamily="18" charset="0"/>
+                <a:cs typeface="Times New Roman" panose="02020603050405020304" pitchFamily="18" charset="0"/>
+              </a:rPr>
+              <a:t> </a:t>
+            </a:r>
+            <a:endParaRPr kumimoji="0" lang="nl-BE" altLang="nl-BE" sz="600" b="0" i="0" u="none" strike="noStrike" cap="none" normalizeH="0" baseline="0" dirty="0">
               <a:ln>
                 <a:noFill/>
               </a:ln>
@@ -12733,7 +13094,7 @@
               <a:buSzTx/>
             </a:pPr>
             <a:r>
-              <a:rPr kumimoji="0" lang="nl-BE" altLang="nl-BE" sz="2000" b="0" i="0" u="none" strike="noStrike" cap="none" normalizeH="0" baseline="0" dirty="0" err="1">
+              <a:rPr kumimoji="0" lang="nl-BE" altLang="nl-BE" sz="1200" b="0" i="0" u="none" strike="noStrike" cap="none" normalizeH="0" baseline="0" dirty="0" err="1">
                 <a:ln>
                   <a:noFill/>
                 </a:ln>
@@ -12747,7 +13108,7 @@
               <a:t>Bădescu</a:t>
             </a:r>
             <a:r>
-              <a:rPr kumimoji="0" lang="nl-BE" altLang="nl-BE" sz="2000" b="0" i="0" u="none" strike="noStrike" cap="none" normalizeH="0" baseline="0" dirty="0">
+              <a:rPr kumimoji="0" lang="nl-BE" altLang="nl-BE" sz="1200" b="0" i="0" u="none" strike="noStrike" cap="none" normalizeH="0" baseline="0" dirty="0">
                 <a:ln>
                   <a:noFill/>
                 </a:ln>
@@ -12761,7 +13122,7 @@
               <a:t>, D., </a:t>
             </a:r>
             <a:r>
-              <a:rPr kumimoji="0" lang="nl-BE" altLang="nl-BE" sz="2000" b="0" i="0" u="none" strike="noStrike" cap="none" normalizeH="0" baseline="0" dirty="0" err="1">
+              <a:rPr kumimoji="0" lang="nl-BE" altLang="nl-BE" sz="1200" b="0" i="0" u="none" strike="noStrike" cap="none" normalizeH="0" baseline="0" dirty="0" err="1">
                 <a:ln>
                   <a:noFill/>
                 </a:ln>
@@ -12775,7 +13136,7 @@
               <a:t>Zaharie</a:t>
             </a:r>
             <a:r>
-              <a:rPr kumimoji="0" lang="nl-BE" altLang="nl-BE" sz="2000" b="0" i="0" u="none" strike="noStrike" cap="none" normalizeH="0" baseline="0" dirty="0">
+              <a:rPr kumimoji="0" lang="nl-BE" altLang="nl-BE" sz="1200" b="0" i="0" u="none" strike="noStrike" cap="none" normalizeH="0" baseline="0" dirty="0">
                 <a:ln>
                   <a:noFill/>
                 </a:ln>
@@ -12789,7 +13150,7 @@
               <a:t>, N., </a:t>
             </a:r>
             <a:r>
-              <a:rPr kumimoji="0" lang="nl-BE" altLang="nl-BE" sz="2000" b="0" i="0" u="none" strike="noStrike" cap="none" normalizeH="0" baseline="0" dirty="0" err="1">
+              <a:rPr kumimoji="0" lang="nl-BE" altLang="nl-BE" sz="1200" b="0" i="0" u="none" strike="noStrike" cap="none" normalizeH="0" baseline="0" dirty="0" err="1">
                 <a:ln>
                   <a:noFill/>
                 </a:ln>
@@ -12803,7 +13164,7 @@
               <a:t>Stoian</a:t>
             </a:r>
             <a:r>
-              <a:rPr kumimoji="0" lang="nl-BE" altLang="nl-BE" sz="2000" b="0" i="0" u="none" strike="noStrike" cap="none" normalizeH="0" baseline="0" dirty="0">
+              <a:rPr kumimoji="0" lang="nl-BE" altLang="nl-BE" sz="1200" b="0" i="0" u="none" strike="noStrike" cap="none" normalizeH="0" baseline="0" dirty="0">
                 <a:ln>
                   <a:noFill/>
                 </a:ln>
@@ -12817,7 +13178,7 @@
               <a:t>, I., </a:t>
             </a:r>
             <a:r>
-              <a:rPr kumimoji="0" lang="nl-BE" altLang="nl-BE" sz="2000" b="0" i="0" u="none" strike="noStrike" cap="none" normalizeH="0" baseline="0" dirty="0" err="1">
+              <a:rPr kumimoji="0" lang="nl-BE" altLang="nl-BE" sz="1200" b="0" i="0" u="none" strike="noStrike" cap="none" normalizeH="0" baseline="0" dirty="0" err="1">
                 <a:ln>
                   <a:noFill/>
                 </a:ln>
@@ -12831,7 +13192,7 @@
               <a:t>Bădescu</a:t>
             </a:r>
             <a:r>
-              <a:rPr kumimoji="0" lang="nl-BE" altLang="nl-BE" sz="2000" b="0" i="0" u="none" strike="noStrike" cap="none" normalizeH="0" baseline="0" dirty="0">
+              <a:rPr kumimoji="0" lang="nl-BE" altLang="nl-BE" sz="1200" b="0" i="0" u="none" strike="noStrike" cap="none" normalizeH="0" baseline="0" dirty="0">
                 <a:ln>
                   <a:noFill/>
                 </a:ln>
@@ -12845,7 +13206,7 @@
               <a:t>, M., &amp; </a:t>
             </a:r>
             <a:r>
-              <a:rPr kumimoji="0" lang="nl-BE" altLang="nl-BE" sz="2000" b="0" i="0" u="none" strike="noStrike" cap="none" normalizeH="0" baseline="0" dirty="0" err="1">
+              <a:rPr kumimoji="0" lang="nl-BE" altLang="nl-BE" sz="1200" b="0" i="0" u="none" strike="noStrike" cap="none" normalizeH="0" baseline="0" dirty="0" err="1">
                 <a:ln>
                   <a:noFill/>
                 </a:ln>
@@ -12859,7 +13220,7 @@
               <a:t>Stanciu</a:t>
             </a:r>
             <a:r>
-              <a:rPr kumimoji="0" lang="nl-BE" altLang="nl-BE" sz="2000" b="0" i="0" u="none" strike="noStrike" cap="none" normalizeH="0" baseline="0" dirty="0">
+              <a:rPr kumimoji="0" lang="nl-BE" altLang="nl-BE" sz="1200" b="0" i="0" u="none" strike="noStrike" cap="none" normalizeH="0" baseline="0" dirty="0">
                 <a:ln>
                   <a:noFill/>
                 </a:ln>
@@ -12873,7 +13234,7 @@
               <a:t>, C. (2022). A </a:t>
             </a:r>
             <a:r>
-              <a:rPr kumimoji="0" lang="nl-BE" altLang="nl-BE" sz="2000" b="0" i="0" u="none" strike="noStrike" cap="none" normalizeH="0" baseline="0" dirty="0" err="1">
+              <a:rPr kumimoji="0" lang="nl-BE" altLang="nl-BE" sz="1200" b="0" i="0" u="none" strike="noStrike" cap="none" normalizeH="0" baseline="0" dirty="0" err="1">
                 <a:ln>
                   <a:noFill/>
                 </a:ln>
@@ -12887,7 +13248,7 @@
               <a:t>Narrative</a:t>
             </a:r>
             <a:r>
-              <a:rPr kumimoji="0" lang="nl-BE" altLang="nl-BE" sz="2000" b="0" i="0" u="none" strike="noStrike" cap="none" normalizeH="0" baseline="0" dirty="0">
+              <a:rPr kumimoji="0" lang="nl-BE" altLang="nl-BE" sz="1200" b="0" i="0" u="none" strike="noStrike" cap="none" normalizeH="0" baseline="0" dirty="0">
                 <a:ln>
                   <a:noFill/>
                 </a:ln>
@@ -12901,7 +13262,7 @@
               <a:t> Review of </a:t>
             </a:r>
             <a:r>
-              <a:rPr kumimoji="0" lang="nl-BE" altLang="nl-BE" sz="2000" b="0" i="0" u="none" strike="noStrike" cap="none" normalizeH="0" baseline="0" dirty="0" err="1">
+              <a:rPr kumimoji="0" lang="nl-BE" altLang="nl-BE" sz="1200" b="0" i="0" u="none" strike="noStrike" cap="none" normalizeH="0" baseline="0" dirty="0" err="1">
                 <a:ln>
                   <a:noFill/>
                 </a:ln>
@@ -12915,7 +13276,7 @@
               <a:t>the</a:t>
             </a:r>
             <a:r>
-              <a:rPr kumimoji="0" lang="nl-BE" altLang="nl-BE" sz="2000" b="0" i="0" u="none" strike="noStrike" cap="none" normalizeH="0" baseline="0" dirty="0">
+              <a:rPr kumimoji="0" lang="nl-BE" altLang="nl-BE" sz="1200" b="0" i="0" u="none" strike="noStrike" cap="none" normalizeH="0" baseline="0" dirty="0">
                 <a:ln>
                   <a:noFill/>
                 </a:ln>
@@ -12929,7 +13290,7 @@
               <a:t> Link </a:t>
             </a:r>
             <a:r>
-              <a:rPr kumimoji="0" lang="nl-BE" altLang="nl-BE" sz="2000" b="0" i="0" u="none" strike="noStrike" cap="none" normalizeH="0" baseline="0" dirty="0" err="1">
+              <a:rPr kumimoji="0" lang="nl-BE" altLang="nl-BE" sz="1200" b="0" i="0" u="none" strike="noStrike" cap="none" normalizeH="0" baseline="0" dirty="0" err="1">
                 <a:ln>
                   <a:noFill/>
                 </a:ln>
@@ -12943,7 +13304,7 @@
               <a:t>between</a:t>
             </a:r>
             <a:r>
-              <a:rPr kumimoji="0" lang="nl-BE" altLang="nl-BE" sz="2000" b="0" i="0" u="none" strike="noStrike" cap="none" normalizeH="0" baseline="0" dirty="0">
+              <a:rPr kumimoji="0" lang="nl-BE" altLang="nl-BE" sz="1200" b="0" i="0" u="none" strike="noStrike" cap="none" normalizeH="0" baseline="0" dirty="0">
                 <a:ln>
                   <a:noFill/>
                 </a:ln>
@@ -12957,7 +13318,7 @@
               <a:t> Sport </a:t>
             </a:r>
             <a:r>
-              <a:rPr kumimoji="0" lang="nl-BE" altLang="nl-BE" sz="2000" b="0" i="0" u="none" strike="noStrike" cap="none" normalizeH="0" baseline="0" dirty="0" err="1">
+              <a:rPr kumimoji="0" lang="nl-BE" altLang="nl-BE" sz="1200" b="0" i="0" u="none" strike="noStrike" cap="none" normalizeH="0" baseline="0" dirty="0" err="1">
                 <a:ln>
                   <a:noFill/>
                 </a:ln>
@@ -12971,7 +13332,7 @@
               <a:t>and</a:t>
             </a:r>
             <a:r>
-              <a:rPr kumimoji="0" lang="nl-BE" altLang="nl-BE" sz="2000" b="0" i="0" u="none" strike="noStrike" cap="none" normalizeH="0" baseline="0" dirty="0">
+              <a:rPr kumimoji="0" lang="nl-BE" altLang="nl-BE" sz="1200" b="0" i="0" u="none" strike="noStrike" cap="none" normalizeH="0" baseline="0" dirty="0">
                 <a:ln>
                   <a:noFill/>
                 </a:ln>
@@ -12985,7 +13346,7 @@
               <a:t> Technology. </a:t>
             </a:r>
             <a:r>
-              <a:rPr kumimoji="0" lang="nl-BE" altLang="nl-BE" sz="2000" b="0" i="1" u="none" strike="noStrike" cap="none" normalizeH="0" baseline="0" dirty="0" err="1">
+              <a:rPr kumimoji="0" lang="nl-BE" altLang="nl-BE" sz="1200" b="0" i="1" u="none" strike="noStrike" cap="none" normalizeH="0" baseline="0" dirty="0" err="1">
                 <a:ln>
                   <a:noFill/>
                 </a:ln>
@@ -12999,7 +13360,7 @@
               <a:t>Sustainability</a:t>
             </a:r>
             <a:r>
-              <a:rPr kumimoji="0" lang="nl-BE" altLang="nl-BE" sz="2000" b="0" i="0" u="none" strike="noStrike" cap="none" normalizeH="0" baseline="0" dirty="0">
+              <a:rPr kumimoji="0" lang="nl-BE" altLang="nl-BE" sz="1200" b="0" i="0" u="none" strike="noStrike" cap="none" normalizeH="0" baseline="0" dirty="0">
                 <a:ln>
                   <a:noFill/>
                 </a:ln>
@@ -13013,7 +13374,7 @@
               <a:t>, </a:t>
             </a:r>
             <a:r>
-              <a:rPr kumimoji="0" lang="nl-BE" altLang="nl-BE" sz="2000" b="0" i="1" u="none" strike="noStrike" cap="none" normalizeH="0" baseline="0" dirty="0">
+              <a:rPr kumimoji="0" lang="nl-BE" altLang="nl-BE" sz="1200" b="0" i="1" u="none" strike="noStrike" cap="none" normalizeH="0" baseline="0" dirty="0">
                 <a:ln>
                   <a:noFill/>
                 </a:ln>
@@ -13027,7 +13388,7 @@
               <a:t>14</a:t>
             </a:r>
             <a:r>
-              <a:rPr kumimoji="0" lang="nl-BE" altLang="nl-BE" sz="2000" b="0" i="0" u="none" strike="noStrike" cap="none" normalizeH="0" baseline="0" dirty="0">
+              <a:rPr kumimoji="0" lang="nl-BE" altLang="nl-BE" sz="1200" b="0" i="0" u="none" strike="noStrike" cap="none" normalizeH="0" baseline="0" dirty="0">
                 <a:ln>
                   <a:noFill/>
                 </a:ln>
@@ -13038,9 +13399,38 @@
                 <a:latin typeface="Times New Roman" panose="02020603050405020304" pitchFamily="18" charset="0"/>
                 <a:cs typeface="Times New Roman" panose="02020603050405020304" pitchFamily="18" charset="0"/>
               </a:rPr>
-              <a:t>(23), 16265. https://doi.org/10.3390/su142316265</a:t>
-            </a:r>
-            <a:endParaRPr kumimoji="0" lang="nl-BE" altLang="nl-BE" sz="2000" b="0" i="0" u="none" strike="noStrike" cap="none" normalizeH="0" baseline="0" dirty="0">
+              <a:t>(23), 16265. </a:t>
+            </a:r>
+            <a:r>
+              <a:rPr kumimoji="0" lang="nl-BE" altLang="nl-BE" sz="1200" b="0" i="0" u="none" strike="noStrike" cap="none" normalizeH="0" baseline="0" dirty="0">
+                <a:ln>
+                  <a:noFill/>
+                </a:ln>
+                <a:solidFill>
+                  <a:schemeClr val="tx1"/>
+                </a:solidFill>
+                <a:effectLst/>
+                <a:latin typeface="Times New Roman" panose="02020603050405020304" pitchFamily="18" charset="0"/>
+                <a:cs typeface="Times New Roman" panose="02020603050405020304" pitchFamily="18" charset="0"/>
+                <a:hlinkClick r:id="rId3"/>
+              </a:rPr>
+              <a:t>https://doi.org/10.3390/su142316265</a:t>
+            </a:r>
+            <a:r>
+              <a:rPr kumimoji="0" lang="nl-BE" altLang="nl-BE" sz="1200" b="0" i="0" u="none" strike="noStrike" cap="none" normalizeH="0" baseline="0" dirty="0">
+                <a:ln>
+                  <a:noFill/>
+                </a:ln>
+                <a:solidFill>
+                  <a:schemeClr val="tx1"/>
+                </a:solidFill>
+                <a:effectLst/>
+                <a:latin typeface="Times New Roman" panose="02020603050405020304" pitchFamily="18" charset="0"/>
+                <a:cs typeface="Times New Roman" panose="02020603050405020304" pitchFamily="18" charset="0"/>
+              </a:rPr>
+              <a:t> </a:t>
+            </a:r>
+            <a:endParaRPr kumimoji="0" lang="nl-BE" altLang="nl-BE" sz="600" b="0" i="0" u="none" strike="noStrike" cap="none" normalizeH="0" baseline="0" dirty="0">
               <a:ln>
                 <a:noFill/>
               </a:ln>
@@ -13056,7 +13446,7 @@
               <a:buSzTx/>
             </a:pPr>
             <a:r>
-              <a:rPr kumimoji="0" lang="nl-BE" altLang="nl-BE" sz="2000" b="0" i="0" u="none" strike="noStrike" cap="none" normalizeH="0" baseline="0" dirty="0">
+              <a:rPr kumimoji="0" lang="nl-BE" altLang="nl-BE" sz="1200" b="0" i="0" u="none" strike="noStrike" cap="none" normalizeH="0" baseline="0" dirty="0">
                 <a:ln>
                   <a:noFill/>
                 </a:ln>
@@ -13067,10 +13457,10 @@
                 <a:latin typeface="Times New Roman" panose="02020603050405020304" pitchFamily="18" charset="0"/>
                 <a:cs typeface="Times New Roman" panose="02020603050405020304" pitchFamily="18" charset="0"/>
               </a:rPr>
-              <a:t>Correspondent, O. (2024, </a:t>
-            </a:r>
-            <a:r>
-              <a:rPr kumimoji="0" lang="nl-BE" altLang="nl-BE" sz="2000" b="0" i="0" u="none" strike="noStrike" cap="none" normalizeH="0" baseline="0" dirty="0" err="1">
+              <a:t>Balk, Y. (2023, September 13). </a:t>
+            </a:r>
+            <a:r>
+              <a:rPr kumimoji="0" lang="nl-BE" altLang="nl-BE" sz="1200" b="0" i="1" u="none" strike="noStrike" cap="none" normalizeH="0" baseline="0" dirty="0">
                 <a:ln>
                   <a:noFill/>
                 </a:ln>
@@ -13081,10 +13471,10 @@
                 <a:latin typeface="Times New Roman" panose="02020603050405020304" pitchFamily="18" charset="0"/>
                 <a:cs typeface="Times New Roman" panose="02020603050405020304" pitchFamily="18" charset="0"/>
               </a:rPr>
-              <a:t>October</a:t>
-            </a:r>
-            <a:r>
-              <a:rPr kumimoji="0" lang="nl-BE" altLang="nl-BE" sz="2000" b="0" i="0" u="none" strike="noStrike" cap="none" normalizeH="0" baseline="0" dirty="0">
+              <a:t>Hoe smart is een smartwatch? #111</a:t>
+            </a:r>
+            <a:r>
+              <a:rPr kumimoji="0" lang="nl-BE" altLang="nl-BE" sz="1200" b="0" i="0" u="none" strike="noStrike" cap="none" normalizeH="0" baseline="0" dirty="0">
                 <a:ln>
                   <a:noFill/>
                 </a:ln>
@@ -13095,10 +13485,10 @@
                 <a:latin typeface="Times New Roman" panose="02020603050405020304" pitchFamily="18" charset="0"/>
                 <a:cs typeface="Times New Roman" panose="02020603050405020304" pitchFamily="18" charset="0"/>
               </a:rPr>
-              <a:t> 6). Nieuwe tegenvaller voor Duitsland: ook Kai </a:t>
-            </a:r>
-            <a:r>
-              <a:rPr kumimoji="0" lang="nl-BE" altLang="nl-BE" sz="2000" b="0" i="0" u="none" strike="noStrike" cap="none" normalizeH="0" baseline="0" dirty="0" err="1">
+              <a:t>. </a:t>
+            </a:r>
+            <a:r>
+              <a:rPr kumimoji="0" lang="nl-BE" altLang="nl-BE" sz="1200" b="0" i="0" u="none" strike="noStrike" cap="none" normalizeH="0" baseline="0" dirty="0" err="1">
                 <a:ln>
                   <a:noFill/>
                 </a:ln>
@@ -13109,10 +13499,10 @@
                 <a:latin typeface="Times New Roman" panose="02020603050405020304" pitchFamily="18" charset="0"/>
                 <a:cs typeface="Times New Roman" panose="02020603050405020304" pitchFamily="18" charset="0"/>
               </a:rPr>
-              <a:t>Havertz</a:t>
-            </a:r>
-            <a:r>
-              <a:rPr kumimoji="0" lang="nl-BE" altLang="nl-BE" sz="2000" b="0" i="0" u="none" strike="noStrike" cap="none" normalizeH="0" baseline="0" dirty="0">
+              <a:t>NLSportpsycholoog</a:t>
+            </a:r>
+            <a:r>
+              <a:rPr kumimoji="0" lang="nl-BE" altLang="nl-BE" sz="1200" b="0" i="0" u="none" strike="noStrike" cap="none" normalizeH="0" baseline="0" dirty="0">
                 <a:ln>
                   <a:noFill/>
                 </a:ln>
@@ -13123,10 +13513,25 @@
                 <a:latin typeface="Times New Roman" panose="02020603050405020304" pitchFamily="18" charset="0"/>
                 <a:cs typeface="Times New Roman" panose="02020603050405020304" pitchFamily="18" charset="0"/>
               </a:rPr>
-              <a:t> ontbreekt tegen Nederlands elftal. </a:t>
-            </a:r>
-            <a:r>
-              <a:rPr kumimoji="0" lang="nl-BE" altLang="nl-BE" sz="2000" b="0" i="1" u="none" strike="noStrike" cap="none" normalizeH="0" baseline="0" dirty="0">
+              <a:t>. </a:t>
+            </a:r>
+            <a:r>
+              <a:rPr kumimoji="0" lang="nl-BE" altLang="nl-BE" sz="1200" b="0" i="0" u="none" strike="noStrike" cap="none" normalizeH="0" baseline="0" dirty="0">
+                <a:ln>
+                  <a:noFill/>
+                </a:ln>
+                <a:solidFill>
+                  <a:schemeClr val="tx1"/>
+                </a:solidFill>
+                <a:effectLst/>
+                <a:latin typeface="Times New Roman" panose="02020603050405020304" pitchFamily="18" charset="0"/>
+                <a:cs typeface="Times New Roman" panose="02020603050405020304" pitchFamily="18" charset="0"/>
+                <a:hlinkClick r:id="rId4"/>
+              </a:rPr>
+              <a:t>https://www.nlsportpsycholoog.nl/blog/hoe-smart-is-een-smartwatch-111/#:~:text=Deze%20apparaten%20zijn%20vrij%20goed,betrouwbaarheid%20naar%2060%2D65%25</a:t>
+            </a:r>
+            <a:r>
+              <a:rPr kumimoji="0" lang="nl-BE" altLang="nl-BE" sz="1200" b="0" i="0" u="none" strike="noStrike" cap="none" normalizeH="0" baseline="0" dirty="0">
                 <a:ln>
                   <a:noFill/>
                 </a:ln>
@@ -13137,23 +13542,9 @@
                 <a:latin typeface="Times New Roman" panose="02020603050405020304" pitchFamily="18" charset="0"/>
                 <a:cs typeface="Times New Roman" panose="02020603050405020304" pitchFamily="18" charset="0"/>
               </a:rPr>
-              <a:t>Telegraaf</a:t>
-            </a:r>
-            <a:r>
-              <a:rPr kumimoji="0" lang="nl-BE" altLang="nl-BE" sz="2000" b="0" i="0" u="none" strike="noStrike" cap="none" normalizeH="0" baseline="0" dirty="0">
-                <a:ln>
-                  <a:noFill/>
-                </a:ln>
-                <a:solidFill>
-                  <a:schemeClr val="tx1"/>
-                </a:solidFill>
-                <a:effectLst/>
-                <a:latin typeface="Times New Roman" panose="02020603050405020304" pitchFamily="18" charset="0"/>
-                <a:cs typeface="Times New Roman" panose="02020603050405020304" pitchFamily="18" charset="0"/>
-              </a:rPr>
-              <a:t>. https://www.telegraaf.nl/sport/166997363/nieuwe-tegenvaller-voor-duitsland-ook-kai-havertz-ontbreekt-tegen-nederlands-elftal</a:t>
-            </a:r>
-            <a:endParaRPr kumimoji="0" lang="nl-BE" altLang="nl-BE" sz="2000" b="0" i="0" u="none" strike="noStrike" cap="none" normalizeH="0" baseline="0" dirty="0">
+              <a:t>. </a:t>
+            </a:r>
+            <a:endParaRPr kumimoji="0" lang="nl-BE" altLang="nl-BE" sz="600" b="0" i="0" u="none" strike="noStrike" cap="none" normalizeH="0" baseline="0" dirty="0">
               <a:ln>
                 <a:noFill/>
               </a:ln>
@@ -13169,7 +13560,7 @@
               <a:buSzTx/>
             </a:pPr>
             <a:r>
-              <a:rPr kumimoji="0" lang="nl-BE" altLang="nl-BE" sz="2000" b="0" i="1" u="none" strike="noStrike" cap="none" normalizeH="0" baseline="0" dirty="0" err="1">
+              <a:rPr kumimoji="0" lang="nl-BE" altLang="nl-BE" sz="1200" b="0" i="0" u="none" strike="noStrike" cap="none" normalizeH="0" baseline="0" dirty="0">
                 <a:ln>
                   <a:noFill/>
                 </a:ln>
@@ -13180,10 +13571,10 @@
                 <a:latin typeface="Times New Roman" panose="02020603050405020304" pitchFamily="18" charset="0"/>
                 <a:cs typeface="Times New Roman" panose="02020603050405020304" pitchFamily="18" charset="0"/>
               </a:rPr>
-              <a:t>Golfpro</a:t>
-            </a:r>
-            <a:r>
-              <a:rPr kumimoji="0" lang="nl-BE" altLang="nl-BE" sz="2000" b="0" i="1" u="none" strike="noStrike" cap="none" normalizeH="0" baseline="0" dirty="0">
+              <a:t>Correspondent, O. (2024, </a:t>
+            </a:r>
+            <a:r>
+              <a:rPr kumimoji="0" lang="nl-BE" altLang="nl-BE" sz="1200" b="0" i="0" u="none" strike="noStrike" cap="none" normalizeH="0" baseline="0" dirty="0" err="1">
                 <a:ln>
                   <a:noFill/>
                 </a:ln>
@@ -13194,10 +13585,10 @@
                 <a:latin typeface="Times New Roman" panose="02020603050405020304" pitchFamily="18" charset="0"/>
                 <a:cs typeface="Times New Roman" panose="02020603050405020304" pitchFamily="18" charset="0"/>
               </a:rPr>
-              <a:t> - Foto van Beats of Golf, Antwerpen - </a:t>
-            </a:r>
-            <a:r>
-              <a:rPr kumimoji="0" lang="nl-BE" altLang="nl-BE" sz="2000" b="0" i="1" u="none" strike="noStrike" cap="none" normalizeH="0" baseline="0" dirty="0" err="1">
+              <a:t>October</a:t>
+            </a:r>
+            <a:r>
+              <a:rPr kumimoji="0" lang="nl-BE" altLang="nl-BE" sz="1200" b="0" i="0" u="none" strike="noStrike" cap="none" normalizeH="0" baseline="0" dirty="0">
                 <a:ln>
                   <a:noFill/>
                 </a:ln>
@@ -13208,10 +13599,10 @@
                 <a:latin typeface="Times New Roman" panose="02020603050405020304" pitchFamily="18" charset="0"/>
                 <a:cs typeface="Times New Roman" panose="02020603050405020304" pitchFamily="18" charset="0"/>
               </a:rPr>
-              <a:t>Tripadvisor</a:t>
-            </a:r>
-            <a:r>
-              <a:rPr kumimoji="0" lang="nl-BE" altLang="nl-BE" sz="2000" b="0" i="0" u="none" strike="noStrike" cap="none" normalizeH="0" baseline="0" dirty="0">
+              <a:t> 6). Nieuwe tegenvaller voor Duitsland: ook Kai </a:t>
+            </a:r>
+            <a:r>
+              <a:rPr kumimoji="0" lang="nl-BE" altLang="nl-BE" sz="1200" b="0" i="0" u="none" strike="noStrike" cap="none" normalizeH="0" baseline="0" dirty="0" err="1">
                 <a:ln>
                   <a:noFill/>
                 </a:ln>
@@ -13222,10 +13613,10 @@
                 <a:latin typeface="Times New Roman" panose="02020603050405020304" pitchFamily="18" charset="0"/>
                 <a:cs typeface="Times New Roman" panose="02020603050405020304" pitchFamily="18" charset="0"/>
               </a:rPr>
-              <a:t>. (</a:t>
-            </a:r>
-            <a:r>
-              <a:rPr kumimoji="0" lang="nl-BE" altLang="nl-BE" sz="2000" b="0" i="0" u="none" strike="noStrike" cap="none" normalizeH="0" baseline="0" dirty="0" err="1">
+              <a:t>Havertz</a:t>
+            </a:r>
+            <a:r>
+              <a:rPr kumimoji="0" lang="nl-BE" altLang="nl-BE" sz="1200" b="0" i="0" u="none" strike="noStrike" cap="none" normalizeH="0" baseline="0" dirty="0">
                 <a:ln>
                   <a:noFill/>
                 </a:ln>
@@ -13236,10 +13627,10 @@
                 <a:latin typeface="Times New Roman" panose="02020603050405020304" pitchFamily="18" charset="0"/>
                 <a:cs typeface="Times New Roman" panose="02020603050405020304" pitchFamily="18" charset="0"/>
               </a:rPr>
-              <a:t>n.d</a:t>
-            </a:r>
-            <a:r>
-              <a:rPr kumimoji="0" lang="nl-BE" altLang="nl-BE" sz="2000" b="0" i="0" u="none" strike="noStrike" cap="none" normalizeH="0" baseline="0" dirty="0">
+              <a:t> ontbreekt tegen Nederlands elftal. </a:t>
+            </a:r>
+            <a:r>
+              <a:rPr kumimoji="0" lang="nl-BE" altLang="nl-BE" sz="1200" b="0" i="1" u="none" strike="noStrike" cap="none" normalizeH="0" baseline="0" dirty="0">
                 <a:ln>
                   <a:noFill/>
                 </a:ln>
@@ -13250,9 +13641,52 @@
                 <a:latin typeface="Times New Roman" panose="02020603050405020304" pitchFamily="18" charset="0"/>
                 <a:cs typeface="Times New Roman" panose="02020603050405020304" pitchFamily="18" charset="0"/>
               </a:rPr>
-              <a:t>.). https://www.tripadvisor.be/LocationPhotoDirectLink-g188636-d23542732-i493436553-Beats_of_Golf-Antwerp_Antwerp_Province.html</a:t>
-            </a:r>
-            <a:endParaRPr kumimoji="0" lang="nl-BE" altLang="nl-BE" sz="2000" b="0" i="0" u="none" strike="noStrike" cap="none" normalizeH="0" baseline="0" dirty="0">
+              <a:t>Telegraaf</a:t>
+            </a:r>
+            <a:r>
+              <a:rPr kumimoji="0" lang="nl-BE" altLang="nl-BE" sz="1200" b="0" i="0" u="none" strike="noStrike" cap="none" normalizeH="0" baseline="0" dirty="0">
+                <a:ln>
+                  <a:noFill/>
+                </a:ln>
+                <a:solidFill>
+                  <a:schemeClr val="tx1"/>
+                </a:solidFill>
+                <a:effectLst/>
+                <a:latin typeface="Times New Roman" panose="02020603050405020304" pitchFamily="18" charset="0"/>
+                <a:cs typeface="Times New Roman" panose="02020603050405020304" pitchFamily="18" charset="0"/>
+              </a:rPr>
+              <a:t>. </a:t>
+            </a:r>
+            <a:r>
+              <a:rPr kumimoji="0" lang="nl-BE" altLang="nl-BE" sz="1200" b="0" i="0" u="none" strike="noStrike" cap="none" normalizeH="0" baseline="0" dirty="0">
+                <a:ln>
+                  <a:noFill/>
+                </a:ln>
+                <a:solidFill>
+                  <a:schemeClr val="tx1"/>
+                </a:solidFill>
+                <a:effectLst/>
+                <a:latin typeface="Times New Roman" panose="02020603050405020304" pitchFamily="18" charset="0"/>
+                <a:cs typeface="Times New Roman" panose="02020603050405020304" pitchFamily="18" charset="0"/>
+                <a:hlinkClick r:id="rId5"/>
+              </a:rPr>
+              <a:t>https://www.telegraaf.nl/sport/166997363/nieuwe-tegenvaller-voor-duitsland-ook-kai-havertz-ontbreekt-tegen-nederlands-elftal</a:t>
+            </a:r>
+            <a:r>
+              <a:rPr kumimoji="0" lang="nl-BE" altLang="nl-BE" sz="1200" b="0" i="0" u="none" strike="noStrike" cap="none" normalizeH="0" baseline="0" dirty="0">
+                <a:ln>
+                  <a:noFill/>
+                </a:ln>
+                <a:solidFill>
+                  <a:schemeClr val="tx1"/>
+                </a:solidFill>
+                <a:effectLst/>
+                <a:latin typeface="Times New Roman" panose="02020603050405020304" pitchFamily="18" charset="0"/>
+                <a:cs typeface="Times New Roman" panose="02020603050405020304" pitchFamily="18" charset="0"/>
+              </a:rPr>
+              <a:t> </a:t>
+            </a:r>
+            <a:endParaRPr kumimoji="0" lang="nl-BE" altLang="nl-BE" sz="600" b="0" i="0" u="none" strike="noStrike" cap="none" normalizeH="0" baseline="0" dirty="0">
               <a:ln>
                 <a:noFill/>
               </a:ln>
@@ -13268,7 +13702,7 @@
               <a:buSzTx/>
             </a:pPr>
             <a:r>
-              <a:rPr kumimoji="0" lang="nl-BE" altLang="nl-BE" sz="2000" b="0" i="1" u="none" strike="noStrike" cap="none" normalizeH="0" baseline="0" dirty="0">
+              <a:rPr kumimoji="0" lang="nl-BE" altLang="nl-BE" sz="1200" b="0" i="0" u="none" strike="noStrike" cap="none" normalizeH="0" baseline="0" dirty="0">
                 <a:ln>
                   <a:noFill/>
                 </a:ln>
@@ -13279,10 +13713,10 @@
                 <a:latin typeface="Times New Roman" panose="02020603050405020304" pitchFamily="18" charset="0"/>
                 <a:cs typeface="Times New Roman" panose="02020603050405020304" pitchFamily="18" charset="0"/>
               </a:rPr>
-              <a:t>Home Golf | Beats of Golf</a:t>
-            </a:r>
-            <a:r>
-              <a:rPr kumimoji="0" lang="nl-BE" altLang="nl-BE" sz="2000" b="0" i="0" u="none" strike="noStrike" cap="none" normalizeH="0" baseline="0" dirty="0">
+              <a:t>De Jong, R. (2022, December 8). De werking van een weegschaal met lichaamsanalyse. </a:t>
+            </a:r>
+            <a:r>
+              <a:rPr kumimoji="0" lang="nl-BE" altLang="nl-BE" sz="1200" b="0" i="1" u="none" strike="noStrike" cap="none" normalizeH="0" baseline="0" dirty="0" err="1">
                 <a:ln>
                   <a:noFill/>
                 </a:ln>
@@ -13293,10 +13727,10 @@
                 <a:latin typeface="Times New Roman" panose="02020603050405020304" pitchFamily="18" charset="0"/>
                 <a:cs typeface="Times New Roman" panose="02020603050405020304" pitchFamily="18" charset="0"/>
               </a:rPr>
-              <a:t>. (</a:t>
-            </a:r>
-            <a:r>
-              <a:rPr kumimoji="0" lang="nl-BE" altLang="nl-BE" sz="2000" b="0" i="0" u="none" strike="noStrike" cap="none" normalizeH="0" baseline="0" dirty="0" err="1">
+              <a:t>Robistore</a:t>
+            </a:r>
+            <a:r>
+              <a:rPr kumimoji="0" lang="nl-BE" altLang="nl-BE" sz="1200" b="0" i="0" u="none" strike="noStrike" cap="none" normalizeH="0" baseline="0" dirty="0">
                 <a:ln>
                   <a:noFill/>
                 </a:ln>
@@ -13307,10 +13741,25 @@
                 <a:latin typeface="Times New Roman" panose="02020603050405020304" pitchFamily="18" charset="0"/>
                 <a:cs typeface="Times New Roman" panose="02020603050405020304" pitchFamily="18" charset="0"/>
               </a:rPr>
-              <a:t>n.d</a:t>
-            </a:r>
-            <a:r>
-              <a:rPr kumimoji="0" lang="nl-BE" altLang="nl-BE" sz="2000" b="0" i="0" u="none" strike="noStrike" cap="none" normalizeH="0" baseline="0" dirty="0">
+              <a:t>. </a:t>
+            </a:r>
+            <a:r>
+              <a:rPr kumimoji="0" lang="nl-BE" altLang="nl-BE" sz="1200" b="0" i="0" u="none" strike="noStrike" cap="none" normalizeH="0" baseline="0" dirty="0">
+                <a:ln>
+                  <a:noFill/>
+                </a:ln>
+                <a:solidFill>
+                  <a:schemeClr val="tx1"/>
+                </a:solidFill>
+                <a:effectLst/>
+                <a:latin typeface="Times New Roman" panose="02020603050405020304" pitchFamily="18" charset="0"/>
+                <a:cs typeface="Times New Roman" panose="02020603050405020304" pitchFamily="18" charset="0"/>
+                <a:hlinkClick r:id="rId6"/>
+              </a:rPr>
+              <a:t>https://robistore.nl/blogs/news/de-werking-van-een-weegschaal-met-lichaamsanalyse#:~:text=Bij%20een%20compleet%20lichaamsanalyse%2C%20stuurt,tot%20meetresultaten%20via%20een%20rekenmodel</a:t>
+            </a:r>
+            <a:r>
+              <a:rPr kumimoji="0" lang="nl-BE" altLang="nl-BE" sz="1200" b="0" i="0" u="none" strike="noStrike" cap="none" normalizeH="0" baseline="0" dirty="0">
                 <a:ln>
                   <a:noFill/>
                 </a:ln>
@@ -13321,9 +13770,9 @@
                 <a:latin typeface="Times New Roman" panose="02020603050405020304" pitchFamily="18" charset="0"/>
                 <a:cs typeface="Times New Roman" panose="02020603050405020304" pitchFamily="18" charset="0"/>
               </a:rPr>
-              <a:t>.). Beats of Golf. https://www.beatsofgolf.com/homegolf?src=search_home_golf&amp;utm_source=googleads&amp;utm_medium=search&amp;utm_campaign=search_home_golf&amp;gad_source=1&amp;gclid=Cj0KCQjwjY64BhCaARIsAIfc7YYoXLSCNRDuIWK87vSPrpN0FXUIICT66b7mVvZCaI9DzrreoRv4T8EaAjNOEALw_wcB</a:t>
-            </a:r>
-            <a:endParaRPr kumimoji="0" lang="nl-BE" altLang="nl-BE" sz="2000" b="0" i="0" u="none" strike="noStrike" cap="none" normalizeH="0" baseline="0" dirty="0">
+              <a:t>. </a:t>
+            </a:r>
+            <a:endParaRPr kumimoji="0" lang="nl-BE" altLang="nl-BE" sz="600" b="0" i="0" u="none" strike="noStrike" cap="none" normalizeH="0" baseline="0" dirty="0">
               <a:ln>
                 <a:noFill/>
               </a:ln>
@@ -13339,7 +13788,235 @@
               <a:buSzTx/>
             </a:pPr>
             <a:r>
-              <a:rPr kumimoji="0" lang="nl-BE" altLang="nl-BE" sz="2000" b="0" i="1" u="none" strike="noStrike" cap="none" normalizeH="0" baseline="0" dirty="0">
+              <a:rPr kumimoji="0" lang="nl-BE" altLang="nl-BE" sz="1200" b="0" i="1" u="none" strike="noStrike" cap="none" normalizeH="0" baseline="0" dirty="0" err="1">
+                <a:ln>
+                  <a:noFill/>
+                </a:ln>
+                <a:solidFill>
+                  <a:schemeClr val="tx1"/>
+                </a:solidFill>
+                <a:effectLst/>
+                <a:latin typeface="Times New Roman" panose="02020603050405020304" pitchFamily="18" charset="0"/>
+                <a:cs typeface="Times New Roman" panose="02020603050405020304" pitchFamily="18" charset="0"/>
+              </a:rPr>
+              <a:t>Golfpro</a:t>
+            </a:r>
+            <a:r>
+              <a:rPr kumimoji="0" lang="nl-BE" altLang="nl-BE" sz="1200" b="0" i="1" u="none" strike="noStrike" cap="none" normalizeH="0" baseline="0" dirty="0">
+                <a:ln>
+                  <a:noFill/>
+                </a:ln>
+                <a:solidFill>
+                  <a:schemeClr val="tx1"/>
+                </a:solidFill>
+                <a:effectLst/>
+                <a:latin typeface="Times New Roman" panose="02020603050405020304" pitchFamily="18" charset="0"/>
+                <a:cs typeface="Times New Roman" panose="02020603050405020304" pitchFamily="18" charset="0"/>
+              </a:rPr>
+              <a:t> - Foto van Beats of Golf, Antwerpen - </a:t>
+            </a:r>
+            <a:r>
+              <a:rPr kumimoji="0" lang="nl-BE" altLang="nl-BE" sz="1200" b="0" i="1" u="none" strike="noStrike" cap="none" normalizeH="0" baseline="0" dirty="0" err="1">
+                <a:ln>
+                  <a:noFill/>
+                </a:ln>
+                <a:solidFill>
+                  <a:schemeClr val="tx1"/>
+                </a:solidFill>
+                <a:effectLst/>
+                <a:latin typeface="Times New Roman" panose="02020603050405020304" pitchFamily="18" charset="0"/>
+                <a:cs typeface="Times New Roman" panose="02020603050405020304" pitchFamily="18" charset="0"/>
+              </a:rPr>
+              <a:t>Tripadvisor</a:t>
+            </a:r>
+            <a:r>
+              <a:rPr kumimoji="0" lang="nl-BE" altLang="nl-BE" sz="1200" b="0" i="0" u="none" strike="noStrike" cap="none" normalizeH="0" baseline="0" dirty="0">
+                <a:ln>
+                  <a:noFill/>
+                </a:ln>
+                <a:solidFill>
+                  <a:schemeClr val="tx1"/>
+                </a:solidFill>
+                <a:effectLst/>
+                <a:latin typeface="Times New Roman" panose="02020603050405020304" pitchFamily="18" charset="0"/>
+                <a:cs typeface="Times New Roman" panose="02020603050405020304" pitchFamily="18" charset="0"/>
+              </a:rPr>
+              <a:t>. (</a:t>
+            </a:r>
+            <a:r>
+              <a:rPr kumimoji="0" lang="nl-BE" altLang="nl-BE" sz="1200" b="0" i="0" u="none" strike="noStrike" cap="none" normalizeH="0" baseline="0" dirty="0" err="1">
+                <a:ln>
+                  <a:noFill/>
+                </a:ln>
+                <a:solidFill>
+                  <a:schemeClr val="tx1"/>
+                </a:solidFill>
+                <a:effectLst/>
+                <a:latin typeface="Times New Roman" panose="02020603050405020304" pitchFamily="18" charset="0"/>
+                <a:cs typeface="Times New Roman" panose="02020603050405020304" pitchFamily="18" charset="0"/>
+              </a:rPr>
+              <a:t>n.d</a:t>
+            </a:r>
+            <a:r>
+              <a:rPr kumimoji="0" lang="nl-BE" altLang="nl-BE" sz="1200" b="0" i="0" u="none" strike="noStrike" cap="none" normalizeH="0" baseline="0" dirty="0">
+                <a:ln>
+                  <a:noFill/>
+                </a:ln>
+                <a:solidFill>
+                  <a:schemeClr val="tx1"/>
+                </a:solidFill>
+                <a:effectLst/>
+                <a:latin typeface="Times New Roman" panose="02020603050405020304" pitchFamily="18" charset="0"/>
+                <a:cs typeface="Times New Roman" panose="02020603050405020304" pitchFamily="18" charset="0"/>
+              </a:rPr>
+              <a:t>.). </a:t>
+            </a:r>
+            <a:r>
+              <a:rPr kumimoji="0" lang="nl-BE" altLang="nl-BE" sz="1200" b="0" i="0" u="none" strike="noStrike" cap="none" normalizeH="0" baseline="0" dirty="0">
+                <a:ln>
+                  <a:noFill/>
+                </a:ln>
+                <a:solidFill>
+                  <a:schemeClr val="tx1"/>
+                </a:solidFill>
+                <a:effectLst/>
+                <a:latin typeface="Times New Roman" panose="02020603050405020304" pitchFamily="18" charset="0"/>
+                <a:cs typeface="Times New Roman" panose="02020603050405020304" pitchFamily="18" charset="0"/>
+                <a:hlinkClick r:id="rId7"/>
+              </a:rPr>
+              <a:t>https://www.tripadvisor.be/LocationPhotoDirectLink-g188636-d23542732-i493436553-Beats_of_Golf-Antwerp_Antwerp_Province.html</a:t>
+            </a:r>
+            <a:r>
+              <a:rPr kumimoji="0" lang="nl-BE" altLang="nl-BE" sz="1200" b="0" i="0" u="none" strike="noStrike" cap="none" normalizeH="0" baseline="0" dirty="0">
+                <a:ln>
+                  <a:noFill/>
+                </a:ln>
+                <a:solidFill>
+                  <a:schemeClr val="tx1"/>
+                </a:solidFill>
+                <a:effectLst/>
+                <a:latin typeface="Times New Roman" panose="02020603050405020304" pitchFamily="18" charset="0"/>
+                <a:cs typeface="Times New Roman" panose="02020603050405020304" pitchFamily="18" charset="0"/>
+              </a:rPr>
+              <a:t> </a:t>
+            </a:r>
+            <a:endParaRPr kumimoji="0" lang="nl-BE" altLang="nl-BE" sz="600" b="0" i="0" u="none" strike="noStrike" cap="none" normalizeH="0" baseline="0" dirty="0">
+              <a:ln>
+                <a:noFill/>
+              </a:ln>
+              <a:solidFill>
+                <a:schemeClr val="tx1"/>
+              </a:solidFill>
+              <a:effectLst/>
+            </a:endParaRPr>
+          </a:p>
+          <a:p>
+            <a:pPr defTabSz="914400">
+              <a:buClrTx/>
+              <a:buSzTx/>
+            </a:pPr>
+            <a:r>
+              <a:rPr kumimoji="0" lang="nl-BE" altLang="nl-BE" sz="1200" b="0" i="1" u="none" strike="noStrike" cap="none" normalizeH="0" baseline="0" dirty="0">
+                <a:ln>
+                  <a:noFill/>
+                </a:ln>
+                <a:solidFill>
+                  <a:schemeClr val="tx1"/>
+                </a:solidFill>
+                <a:effectLst/>
+                <a:latin typeface="Times New Roman" panose="02020603050405020304" pitchFamily="18" charset="0"/>
+                <a:cs typeface="Times New Roman" panose="02020603050405020304" pitchFamily="18" charset="0"/>
+              </a:rPr>
+              <a:t>Home Golf | Beats of Golf</a:t>
+            </a:r>
+            <a:r>
+              <a:rPr kumimoji="0" lang="nl-BE" altLang="nl-BE" sz="1200" b="0" i="0" u="none" strike="noStrike" cap="none" normalizeH="0" baseline="0" dirty="0">
+                <a:ln>
+                  <a:noFill/>
+                </a:ln>
+                <a:solidFill>
+                  <a:schemeClr val="tx1"/>
+                </a:solidFill>
+                <a:effectLst/>
+                <a:latin typeface="Times New Roman" panose="02020603050405020304" pitchFamily="18" charset="0"/>
+                <a:cs typeface="Times New Roman" panose="02020603050405020304" pitchFamily="18" charset="0"/>
+              </a:rPr>
+              <a:t>. (</a:t>
+            </a:r>
+            <a:r>
+              <a:rPr kumimoji="0" lang="nl-BE" altLang="nl-BE" sz="1200" b="0" i="0" u="none" strike="noStrike" cap="none" normalizeH="0" baseline="0" dirty="0" err="1">
+                <a:ln>
+                  <a:noFill/>
+                </a:ln>
+                <a:solidFill>
+                  <a:schemeClr val="tx1"/>
+                </a:solidFill>
+                <a:effectLst/>
+                <a:latin typeface="Times New Roman" panose="02020603050405020304" pitchFamily="18" charset="0"/>
+                <a:cs typeface="Times New Roman" panose="02020603050405020304" pitchFamily="18" charset="0"/>
+              </a:rPr>
+              <a:t>n.d</a:t>
+            </a:r>
+            <a:r>
+              <a:rPr kumimoji="0" lang="nl-BE" altLang="nl-BE" sz="1200" b="0" i="0" u="none" strike="noStrike" cap="none" normalizeH="0" baseline="0" dirty="0">
+                <a:ln>
+                  <a:noFill/>
+                </a:ln>
+                <a:solidFill>
+                  <a:schemeClr val="tx1"/>
+                </a:solidFill>
+                <a:effectLst/>
+                <a:latin typeface="Times New Roman" panose="02020603050405020304" pitchFamily="18" charset="0"/>
+                <a:cs typeface="Times New Roman" panose="02020603050405020304" pitchFamily="18" charset="0"/>
+              </a:rPr>
+              <a:t>.). Beats of Golf. </a:t>
+            </a:r>
+            <a:r>
+              <a:rPr kumimoji="0" lang="nl-BE" altLang="nl-BE" sz="1200" b="0" i="0" u="none" strike="noStrike" cap="none" normalizeH="0" baseline="0" dirty="0">
+                <a:ln>
+                  <a:noFill/>
+                </a:ln>
+                <a:solidFill>
+                  <a:schemeClr val="tx1"/>
+                </a:solidFill>
+                <a:effectLst/>
+                <a:latin typeface="Times New Roman" panose="02020603050405020304" pitchFamily="18" charset="0"/>
+                <a:cs typeface="Times New Roman" panose="02020603050405020304" pitchFamily="18" charset="0"/>
+                <a:hlinkClick r:id="rId8"/>
+              </a:rPr>
+              <a:t>https://www.beatsofgolf.com/homegolf?src=search_home_golf&amp;utm_source=googleads&amp;utm_medium=search&amp;utm_campaign=search_home_golf&amp;gad_source=1&amp;gclid=Cj0KCQjwjY64BhCaARIsAIfc7YYoXLSCNRDuIWK87vSPrpN0FXUIICT66b7mVvZCaI9DzrreoRv4T8EaAjNOEALw_wcB</a:t>
+            </a:r>
+            <a:r>
+              <a:rPr kumimoji="0" lang="nl-BE" altLang="nl-BE" sz="1200" b="0" i="0" u="none" strike="noStrike" cap="none" normalizeH="0" baseline="0" dirty="0">
+                <a:ln>
+                  <a:noFill/>
+                </a:ln>
+                <a:solidFill>
+                  <a:schemeClr val="tx1"/>
+                </a:solidFill>
+                <a:effectLst/>
+                <a:latin typeface="Times New Roman" panose="02020603050405020304" pitchFamily="18" charset="0"/>
+                <a:cs typeface="Times New Roman" panose="02020603050405020304" pitchFamily="18" charset="0"/>
+              </a:rPr>
+              <a:t> </a:t>
+            </a:r>
+            <a:endParaRPr kumimoji="0" lang="nl-BE" altLang="nl-BE" sz="600" b="0" i="0" u="none" strike="noStrike" cap="none" normalizeH="0" baseline="0" dirty="0">
+              <a:ln>
+                <a:noFill/>
+              </a:ln>
+              <a:solidFill>
+                <a:schemeClr val="tx1"/>
+              </a:solidFill>
+              <a:effectLst/>
+            </a:endParaRPr>
+          </a:p>
+          <a:p>
+            <a:pPr defTabSz="914400">
+              <a:buClrTx/>
+              <a:buSzTx/>
+            </a:pPr>
+            <a:r>
+              <a:rPr kumimoji="0" lang="nl-BE" altLang="nl-BE" sz="1200" b="0" i="1" u="none" strike="noStrike" cap="none" normalizeH="0" baseline="0" dirty="0">
                 <a:ln>
                   <a:noFill/>
                 </a:ln>
@@ -13353,7 +14030,7 @@
               <a:t>Indoor golf in Nederland</a:t>
             </a:r>
             <a:r>
-              <a:rPr kumimoji="0" lang="nl-BE" altLang="nl-BE" sz="2000" b="0" i="0" u="none" strike="noStrike" cap="none" normalizeH="0" baseline="0" dirty="0">
+              <a:rPr kumimoji="0" lang="nl-BE" altLang="nl-BE" sz="1200" b="0" i="0" u="none" strike="noStrike" cap="none" normalizeH="0" baseline="0" dirty="0">
                 <a:ln>
                   <a:noFill/>
                 </a:ln>
@@ -13367,7 +14044,7 @@
               <a:t>. (</a:t>
             </a:r>
             <a:r>
-              <a:rPr kumimoji="0" lang="nl-BE" altLang="nl-BE" sz="2000" b="0" i="0" u="none" strike="noStrike" cap="none" normalizeH="0" baseline="0" dirty="0" err="1">
+              <a:rPr kumimoji="0" lang="nl-BE" altLang="nl-BE" sz="1200" b="0" i="0" u="none" strike="noStrike" cap="none" normalizeH="0" baseline="0" dirty="0" err="1">
                 <a:ln>
                   <a:noFill/>
                 </a:ln>
@@ -13381,7 +14058,7 @@
               <a:t>n.d</a:t>
             </a:r>
             <a:r>
-              <a:rPr kumimoji="0" lang="nl-BE" altLang="nl-BE" sz="2000" b="0" i="0" u="none" strike="noStrike" cap="none" normalizeH="0" baseline="0" dirty="0">
+              <a:rPr kumimoji="0" lang="nl-BE" altLang="nl-BE" sz="1200" b="0" i="0" u="none" strike="noStrike" cap="none" normalizeH="0" baseline="0" dirty="0">
                 <a:ln>
                   <a:noFill/>
                 </a:ln>
@@ -13392,9 +14069,704 @@
                 <a:latin typeface="Times New Roman" panose="02020603050405020304" pitchFamily="18" charset="0"/>
                 <a:cs typeface="Times New Roman" panose="02020603050405020304" pitchFamily="18" charset="0"/>
               </a:rPr>
-              <a:t>.). Golf.nl - Hét Platform Voor Golfend Nederland. https://www.golf.nl/beter-golfen/tips/indoor-golf</a:t>
-            </a:r>
-            <a:endParaRPr kumimoji="0" lang="nl-BE" altLang="nl-BE" sz="2000" b="0" i="0" u="none" strike="noStrike" cap="none" normalizeH="0" baseline="0" dirty="0">
+              <a:t>.). Golf.nl - Hét Platform Voor Golfend Nederland. </a:t>
+            </a:r>
+            <a:r>
+              <a:rPr kumimoji="0" lang="nl-BE" altLang="nl-BE" sz="1200" b="0" i="0" u="none" strike="noStrike" cap="none" normalizeH="0" baseline="0" dirty="0">
+                <a:ln>
+                  <a:noFill/>
+                </a:ln>
+                <a:solidFill>
+                  <a:schemeClr val="tx1"/>
+                </a:solidFill>
+                <a:effectLst/>
+                <a:latin typeface="Times New Roman" panose="02020603050405020304" pitchFamily="18" charset="0"/>
+                <a:cs typeface="Times New Roman" panose="02020603050405020304" pitchFamily="18" charset="0"/>
+                <a:hlinkClick r:id="rId9"/>
+              </a:rPr>
+              <a:t>https://www.golf.nl/beter-golfen/tips/indoor-golf</a:t>
+            </a:r>
+            <a:r>
+              <a:rPr kumimoji="0" lang="nl-BE" altLang="nl-BE" sz="1200" b="0" i="0" u="none" strike="noStrike" cap="none" normalizeH="0" baseline="0" dirty="0">
+                <a:ln>
+                  <a:noFill/>
+                </a:ln>
+                <a:solidFill>
+                  <a:schemeClr val="tx1"/>
+                </a:solidFill>
+                <a:effectLst/>
+                <a:latin typeface="Times New Roman" panose="02020603050405020304" pitchFamily="18" charset="0"/>
+                <a:cs typeface="Times New Roman" panose="02020603050405020304" pitchFamily="18" charset="0"/>
+              </a:rPr>
+              <a:t> </a:t>
+            </a:r>
+            <a:endParaRPr kumimoji="0" lang="nl-BE" altLang="nl-BE" sz="600" b="0" i="0" u="none" strike="noStrike" cap="none" normalizeH="0" baseline="0" dirty="0">
+              <a:ln>
+                <a:noFill/>
+              </a:ln>
+              <a:solidFill>
+                <a:schemeClr val="tx1"/>
+              </a:solidFill>
+              <a:effectLst/>
+            </a:endParaRPr>
+          </a:p>
+          <a:p>
+            <a:pPr defTabSz="914400">
+              <a:buClrTx/>
+              <a:buSzTx/>
+            </a:pPr>
+            <a:r>
+              <a:rPr kumimoji="0" lang="nl-BE" altLang="nl-BE" sz="1200" b="0" i="1" u="none" strike="noStrike" cap="none" normalizeH="0" baseline="0" dirty="0" err="1">
+                <a:ln>
+                  <a:noFill/>
+                </a:ln>
+                <a:solidFill>
+                  <a:schemeClr val="tx1"/>
+                </a:solidFill>
+                <a:effectLst/>
+                <a:latin typeface="Times New Roman" panose="02020603050405020304" pitchFamily="18" charset="0"/>
+                <a:cs typeface="Times New Roman" panose="02020603050405020304" pitchFamily="18" charset="0"/>
+              </a:rPr>
+              <a:t>Polysomnografie</a:t>
+            </a:r>
+            <a:r>
+              <a:rPr kumimoji="0" lang="nl-BE" altLang="nl-BE" sz="1200" b="0" i="0" u="none" strike="noStrike" cap="none" normalizeH="0" baseline="0" dirty="0">
+                <a:ln>
+                  <a:noFill/>
+                </a:ln>
+                <a:solidFill>
+                  <a:schemeClr val="tx1"/>
+                </a:solidFill>
+                <a:effectLst/>
+                <a:latin typeface="Times New Roman" panose="02020603050405020304" pitchFamily="18" charset="0"/>
+                <a:cs typeface="Times New Roman" panose="02020603050405020304" pitchFamily="18" charset="0"/>
+              </a:rPr>
+              <a:t>. (</a:t>
+            </a:r>
+            <a:r>
+              <a:rPr kumimoji="0" lang="nl-BE" altLang="nl-BE" sz="1200" b="0" i="0" u="none" strike="noStrike" cap="none" normalizeH="0" baseline="0" dirty="0" err="1">
+                <a:ln>
+                  <a:noFill/>
+                </a:ln>
+                <a:solidFill>
+                  <a:schemeClr val="tx1"/>
+                </a:solidFill>
+                <a:effectLst/>
+                <a:latin typeface="Times New Roman" panose="02020603050405020304" pitchFamily="18" charset="0"/>
+                <a:cs typeface="Times New Roman" panose="02020603050405020304" pitchFamily="18" charset="0"/>
+              </a:rPr>
+              <a:t>n.d</a:t>
+            </a:r>
+            <a:r>
+              <a:rPr kumimoji="0" lang="nl-BE" altLang="nl-BE" sz="1200" b="0" i="0" u="none" strike="noStrike" cap="none" normalizeH="0" baseline="0" dirty="0">
+                <a:ln>
+                  <a:noFill/>
+                </a:ln>
+                <a:solidFill>
+                  <a:schemeClr val="tx1"/>
+                </a:solidFill>
+                <a:effectLst/>
+                <a:latin typeface="Times New Roman" panose="02020603050405020304" pitchFamily="18" charset="0"/>
+                <a:cs typeface="Times New Roman" panose="02020603050405020304" pitchFamily="18" charset="0"/>
+              </a:rPr>
+              <a:t>.). UZ Leuven. </a:t>
+            </a:r>
+            <a:r>
+              <a:rPr kumimoji="0" lang="nl-BE" altLang="nl-BE" sz="1200" b="0" i="0" u="none" strike="noStrike" cap="none" normalizeH="0" baseline="0" dirty="0">
+                <a:ln>
+                  <a:noFill/>
+                </a:ln>
+                <a:solidFill>
+                  <a:schemeClr val="tx1"/>
+                </a:solidFill>
+                <a:effectLst/>
+                <a:latin typeface="Times New Roman" panose="02020603050405020304" pitchFamily="18" charset="0"/>
+                <a:cs typeface="Times New Roman" panose="02020603050405020304" pitchFamily="18" charset="0"/>
+                <a:hlinkClick r:id="rId10"/>
+              </a:rPr>
+              <a:t>https://www.uzleuven.be/nl/polysomnografie</a:t>
+            </a:r>
+            <a:r>
+              <a:rPr kumimoji="0" lang="nl-BE" altLang="nl-BE" sz="1200" b="0" i="0" u="none" strike="noStrike" cap="none" normalizeH="0" baseline="0" dirty="0">
+                <a:ln>
+                  <a:noFill/>
+                </a:ln>
+                <a:solidFill>
+                  <a:schemeClr val="tx1"/>
+                </a:solidFill>
+                <a:effectLst/>
+                <a:latin typeface="Times New Roman" panose="02020603050405020304" pitchFamily="18" charset="0"/>
+                <a:cs typeface="Times New Roman" panose="02020603050405020304" pitchFamily="18" charset="0"/>
+              </a:rPr>
+              <a:t> </a:t>
+            </a:r>
+            <a:endParaRPr kumimoji="0" lang="nl-BE" altLang="nl-BE" sz="600" b="0" i="0" u="none" strike="noStrike" cap="none" normalizeH="0" baseline="0" dirty="0">
+              <a:ln>
+                <a:noFill/>
+              </a:ln>
+              <a:solidFill>
+                <a:schemeClr val="tx1"/>
+              </a:solidFill>
+              <a:effectLst/>
+            </a:endParaRPr>
+          </a:p>
+          <a:p>
+            <a:pPr defTabSz="914400">
+              <a:buClrTx/>
+              <a:buSzTx/>
+            </a:pPr>
+            <a:r>
+              <a:rPr kumimoji="0" lang="nl-BE" altLang="nl-BE" sz="1200" b="0" i="0" u="none" strike="noStrike" cap="none" normalizeH="0" baseline="0" dirty="0" err="1">
+                <a:ln>
+                  <a:noFill/>
+                </a:ln>
+                <a:solidFill>
+                  <a:schemeClr val="tx1"/>
+                </a:solidFill>
+                <a:effectLst/>
+                <a:latin typeface="Times New Roman" panose="02020603050405020304" pitchFamily="18" charset="0"/>
+                <a:cs typeface="Times New Roman" panose="02020603050405020304" pitchFamily="18" charset="0"/>
+              </a:rPr>
+              <a:t>Ruddock</a:t>
+            </a:r>
+            <a:r>
+              <a:rPr kumimoji="0" lang="nl-BE" altLang="nl-BE" sz="1200" b="0" i="0" u="none" strike="noStrike" cap="none" normalizeH="0" baseline="0" dirty="0">
+                <a:ln>
+                  <a:noFill/>
+                </a:ln>
+                <a:solidFill>
+                  <a:schemeClr val="tx1"/>
+                </a:solidFill>
+                <a:effectLst/>
+                <a:latin typeface="Times New Roman" panose="02020603050405020304" pitchFamily="18" charset="0"/>
+                <a:cs typeface="Times New Roman" panose="02020603050405020304" pitchFamily="18" charset="0"/>
+              </a:rPr>
+              <a:t>, J. (</a:t>
+            </a:r>
+            <a:r>
+              <a:rPr kumimoji="0" lang="nl-BE" altLang="nl-BE" sz="1200" b="0" i="0" u="none" strike="noStrike" cap="none" normalizeH="0" baseline="0" dirty="0" err="1">
+                <a:ln>
+                  <a:noFill/>
+                </a:ln>
+                <a:solidFill>
+                  <a:schemeClr val="tx1"/>
+                </a:solidFill>
+                <a:effectLst/>
+                <a:latin typeface="Times New Roman" panose="02020603050405020304" pitchFamily="18" charset="0"/>
+                <a:cs typeface="Times New Roman" panose="02020603050405020304" pitchFamily="18" charset="0"/>
+              </a:rPr>
+              <a:t>n.d</a:t>
+            </a:r>
+            <a:r>
+              <a:rPr kumimoji="0" lang="nl-BE" altLang="nl-BE" sz="1200" b="0" i="0" u="none" strike="noStrike" cap="none" normalizeH="0" baseline="0" dirty="0">
+                <a:ln>
+                  <a:noFill/>
+                </a:ln>
+                <a:solidFill>
+                  <a:schemeClr val="tx1"/>
+                </a:solidFill>
+                <a:effectLst/>
+                <a:latin typeface="Times New Roman" panose="02020603050405020304" pitchFamily="18" charset="0"/>
+                <a:cs typeface="Times New Roman" panose="02020603050405020304" pitchFamily="18" charset="0"/>
+              </a:rPr>
+              <a:t>.). </a:t>
+            </a:r>
+            <a:r>
+              <a:rPr kumimoji="0" lang="nl-BE" altLang="nl-BE" sz="1200" b="0" i="1" u="none" strike="noStrike" cap="none" normalizeH="0" baseline="0" dirty="0">
+                <a:ln>
+                  <a:noFill/>
+                </a:ln>
+                <a:solidFill>
+                  <a:schemeClr val="tx1"/>
+                </a:solidFill>
+                <a:effectLst/>
+                <a:latin typeface="Times New Roman" panose="02020603050405020304" pitchFamily="18" charset="0"/>
+                <a:cs typeface="Times New Roman" panose="02020603050405020304" pitchFamily="18" charset="0"/>
+              </a:rPr>
+              <a:t>Research </a:t>
+            </a:r>
+            <a:r>
+              <a:rPr kumimoji="0" lang="nl-BE" altLang="nl-BE" sz="1200" b="0" i="1" u="none" strike="noStrike" cap="none" normalizeH="0" baseline="0" dirty="0" err="1">
+                <a:ln>
+                  <a:noFill/>
+                </a:ln>
+                <a:solidFill>
+                  <a:schemeClr val="tx1"/>
+                </a:solidFill>
+                <a:effectLst/>
+                <a:latin typeface="Times New Roman" panose="02020603050405020304" pitchFamily="18" charset="0"/>
+                <a:cs typeface="Times New Roman" panose="02020603050405020304" pitchFamily="18" charset="0"/>
+              </a:rPr>
+              <a:t>reveals</a:t>
+            </a:r>
+            <a:r>
+              <a:rPr kumimoji="0" lang="nl-BE" altLang="nl-BE" sz="1200" b="0" i="1" u="none" strike="noStrike" cap="none" normalizeH="0" baseline="0" dirty="0">
+                <a:ln>
+                  <a:noFill/>
+                </a:ln>
+                <a:solidFill>
+                  <a:schemeClr val="tx1"/>
+                </a:solidFill>
+                <a:effectLst/>
+                <a:latin typeface="Times New Roman" panose="02020603050405020304" pitchFamily="18" charset="0"/>
+                <a:cs typeface="Times New Roman" panose="02020603050405020304" pitchFamily="18" charset="0"/>
+              </a:rPr>
+              <a:t> </a:t>
+            </a:r>
+            <a:r>
+              <a:rPr kumimoji="0" lang="nl-BE" altLang="nl-BE" sz="1200" b="0" i="1" u="none" strike="noStrike" cap="none" normalizeH="0" baseline="0" dirty="0" err="1">
+                <a:ln>
+                  <a:noFill/>
+                </a:ln>
+                <a:solidFill>
+                  <a:schemeClr val="tx1"/>
+                </a:solidFill>
+                <a:effectLst/>
+                <a:latin typeface="Times New Roman" panose="02020603050405020304" pitchFamily="18" charset="0"/>
+                <a:cs typeface="Times New Roman" panose="02020603050405020304" pitchFamily="18" charset="0"/>
+              </a:rPr>
+              <a:t>massive</a:t>
+            </a:r>
+            <a:r>
+              <a:rPr kumimoji="0" lang="nl-BE" altLang="nl-BE" sz="1200" b="0" i="1" u="none" strike="noStrike" cap="none" normalizeH="0" baseline="0" dirty="0">
+                <a:ln>
+                  <a:noFill/>
+                </a:ln>
+                <a:solidFill>
+                  <a:schemeClr val="tx1"/>
+                </a:solidFill>
+                <a:effectLst/>
+                <a:latin typeface="Times New Roman" panose="02020603050405020304" pitchFamily="18" charset="0"/>
+                <a:cs typeface="Times New Roman" panose="02020603050405020304" pitchFamily="18" charset="0"/>
+              </a:rPr>
+              <a:t> </a:t>
+            </a:r>
+            <a:r>
+              <a:rPr kumimoji="0" lang="nl-BE" altLang="nl-BE" sz="1200" b="0" i="1" u="none" strike="noStrike" cap="none" normalizeH="0" baseline="0" dirty="0" err="1">
+                <a:ln>
+                  <a:noFill/>
+                </a:ln>
+                <a:solidFill>
+                  <a:schemeClr val="tx1"/>
+                </a:solidFill>
+                <a:effectLst/>
+                <a:latin typeface="Times New Roman" panose="02020603050405020304" pitchFamily="18" charset="0"/>
+                <a:cs typeface="Times New Roman" panose="02020603050405020304" pitchFamily="18" charset="0"/>
+              </a:rPr>
+              <a:t>increase</a:t>
+            </a:r>
+            <a:r>
+              <a:rPr kumimoji="0" lang="nl-BE" altLang="nl-BE" sz="1200" b="0" i="1" u="none" strike="noStrike" cap="none" normalizeH="0" baseline="0" dirty="0">
+                <a:ln>
+                  <a:noFill/>
+                </a:ln>
+                <a:solidFill>
+                  <a:schemeClr val="tx1"/>
+                </a:solidFill>
+                <a:effectLst/>
+                <a:latin typeface="Times New Roman" panose="02020603050405020304" pitchFamily="18" charset="0"/>
+                <a:cs typeface="Times New Roman" panose="02020603050405020304" pitchFamily="18" charset="0"/>
+              </a:rPr>
+              <a:t> in </a:t>
+            </a:r>
+            <a:r>
+              <a:rPr kumimoji="0" lang="nl-BE" altLang="nl-BE" sz="1200" b="0" i="1" u="none" strike="noStrike" cap="none" normalizeH="0" baseline="0" dirty="0" err="1">
+                <a:ln>
+                  <a:noFill/>
+                </a:ln>
+                <a:solidFill>
+                  <a:schemeClr val="tx1"/>
+                </a:solidFill>
+                <a:effectLst/>
+                <a:latin typeface="Times New Roman" panose="02020603050405020304" pitchFamily="18" charset="0"/>
+                <a:cs typeface="Times New Roman" panose="02020603050405020304" pitchFamily="18" charset="0"/>
+              </a:rPr>
+              <a:t>number</a:t>
+            </a:r>
+            <a:r>
+              <a:rPr kumimoji="0" lang="nl-BE" altLang="nl-BE" sz="1200" b="0" i="1" u="none" strike="noStrike" cap="none" normalizeH="0" baseline="0" dirty="0">
+                <a:ln>
+                  <a:noFill/>
+                </a:ln>
+                <a:solidFill>
+                  <a:schemeClr val="tx1"/>
+                </a:solidFill>
+                <a:effectLst/>
+                <a:latin typeface="Times New Roman" panose="02020603050405020304" pitchFamily="18" charset="0"/>
+                <a:cs typeface="Times New Roman" panose="02020603050405020304" pitchFamily="18" charset="0"/>
+              </a:rPr>
+              <a:t> of fans live streaming </a:t>
+            </a:r>
+            <a:r>
+              <a:rPr kumimoji="0" lang="nl-BE" altLang="nl-BE" sz="1200" b="0" i="1" u="none" strike="noStrike" cap="none" normalizeH="0" baseline="0" dirty="0" err="1">
+                <a:ln>
+                  <a:noFill/>
+                </a:ln>
+                <a:solidFill>
+                  <a:schemeClr val="tx1"/>
+                </a:solidFill>
+                <a:effectLst/>
+                <a:latin typeface="Times New Roman" panose="02020603050405020304" pitchFamily="18" charset="0"/>
+                <a:cs typeface="Times New Roman" panose="02020603050405020304" pitchFamily="18" charset="0"/>
+              </a:rPr>
+              <a:t>football</a:t>
+            </a:r>
+            <a:r>
+              <a:rPr kumimoji="0" lang="nl-BE" altLang="nl-BE" sz="1200" b="0" i="1" u="none" strike="noStrike" cap="none" normalizeH="0" baseline="0" dirty="0">
+                <a:ln>
+                  <a:noFill/>
+                </a:ln>
+                <a:solidFill>
+                  <a:schemeClr val="tx1"/>
+                </a:solidFill>
+                <a:effectLst/>
+                <a:latin typeface="Times New Roman" panose="02020603050405020304" pitchFamily="18" charset="0"/>
+                <a:cs typeface="Times New Roman" panose="02020603050405020304" pitchFamily="18" charset="0"/>
+              </a:rPr>
+              <a:t> </a:t>
+            </a:r>
+            <a:r>
+              <a:rPr kumimoji="0" lang="nl-BE" altLang="nl-BE" sz="1200" b="0" i="1" u="none" strike="noStrike" cap="none" normalizeH="0" baseline="0" dirty="0" err="1">
+                <a:ln>
+                  <a:noFill/>
+                </a:ln>
+                <a:solidFill>
+                  <a:schemeClr val="tx1"/>
+                </a:solidFill>
+                <a:effectLst/>
+                <a:latin typeface="Times New Roman" panose="02020603050405020304" pitchFamily="18" charset="0"/>
+                <a:cs typeface="Times New Roman" panose="02020603050405020304" pitchFamily="18" charset="0"/>
+              </a:rPr>
+              <a:t>from</a:t>
+            </a:r>
+            <a:r>
+              <a:rPr kumimoji="0" lang="nl-BE" altLang="nl-BE" sz="1200" b="0" i="1" u="none" strike="noStrike" cap="none" normalizeH="0" baseline="0" dirty="0">
+                <a:ln>
+                  <a:noFill/>
+                </a:ln>
+                <a:solidFill>
+                  <a:schemeClr val="tx1"/>
+                </a:solidFill>
+                <a:effectLst/>
+                <a:latin typeface="Times New Roman" panose="02020603050405020304" pitchFamily="18" charset="0"/>
+                <a:cs typeface="Times New Roman" panose="02020603050405020304" pitchFamily="18" charset="0"/>
+              </a:rPr>
+              <a:t> home post-</a:t>
+            </a:r>
+            <a:r>
+              <a:rPr kumimoji="0" lang="nl-BE" altLang="nl-BE" sz="1200" b="0" i="1" u="none" strike="noStrike" cap="none" normalizeH="0" baseline="0" dirty="0" err="1">
+                <a:ln>
+                  <a:noFill/>
+                </a:ln>
+                <a:solidFill>
+                  <a:schemeClr val="tx1"/>
+                </a:solidFill>
+                <a:effectLst/>
+                <a:latin typeface="Times New Roman" panose="02020603050405020304" pitchFamily="18" charset="0"/>
+                <a:cs typeface="Times New Roman" panose="02020603050405020304" pitchFamily="18" charset="0"/>
+              </a:rPr>
+              <a:t>pandemic</a:t>
+            </a:r>
+            <a:r>
+              <a:rPr kumimoji="0" lang="nl-BE" altLang="nl-BE" sz="1200" b="0" i="0" u="none" strike="noStrike" cap="none" normalizeH="0" baseline="0" dirty="0">
+                <a:ln>
+                  <a:noFill/>
+                </a:ln>
+                <a:solidFill>
+                  <a:schemeClr val="tx1"/>
+                </a:solidFill>
+                <a:effectLst/>
+                <a:latin typeface="Times New Roman" panose="02020603050405020304" pitchFamily="18" charset="0"/>
+                <a:cs typeface="Times New Roman" panose="02020603050405020304" pitchFamily="18" charset="0"/>
+              </a:rPr>
+              <a:t>. SVG Europe. </a:t>
+            </a:r>
+            <a:r>
+              <a:rPr kumimoji="0" lang="nl-BE" altLang="nl-BE" sz="1200" b="0" i="0" u="none" strike="noStrike" cap="none" normalizeH="0" baseline="0" dirty="0">
+                <a:ln>
+                  <a:noFill/>
+                </a:ln>
+                <a:solidFill>
+                  <a:schemeClr val="tx1"/>
+                </a:solidFill>
+                <a:effectLst/>
+                <a:latin typeface="Times New Roman" panose="02020603050405020304" pitchFamily="18" charset="0"/>
+                <a:cs typeface="Times New Roman" panose="02020603050405020304" pitchFamily="18" charset="0"/>
+                <a:hlinkClick r:id="rId11"/>
+              </a:rPr>
+              <a:t>https://www.svgeurope.org/blog/headlines/research-reveals-massive-increase-in-number-of-fans-live-streaming-football-from-home-post-pandemic/</a:t>
+            </a:r>
+            <a:r>
+              <a:rPr kumimoji="0" lang="nl-BE" altLang="nl-BE" sz="1200" b="0" i="0" u="none" strike="noStrike" cap="none" normalizeH="0" baseline="0" dirty="0">
+                <a:ln>
+                  <a:noFill/>
+                </a:ln>
+                <a:solidFill>
+                  <a:schemeClr val="tx1"/>
+                </a:solidFill>
+                <a:effectLst/>
+                <a:latin typeface="Times New Roman" panose="02020603050405020304" pitchFamily="18" charset="0"/>
+                <a:cs typeface="Times New Roman" panose="02020603050405020304" pitchFamily="18" charset="0"/>
+              </a:rPr>
+              <a:t> </a:t>
+            </a:r>
+            <a:endParaRPr kumimoji="0" lang="nl-BE" altLang="nl-BE" sz="600" b="0" i="0" u="none" strike="noStrike" cap="none" normalizeH="0" baseline="0" dirty="0">
+              <a:ln>
+                <a:noFill/>
+              </a:ln>
+              <a:solidFill>
+                <a:schemeClr val="tx1"/>
+              </a:solidFill>
+              <a:effectLst/>
+            </a:endParaRPr>
+          </a:p>
+          <a:p>
+            <a:pPr defTabSz="914400">
+              <a:buClrTx/>
+              <a:buSzTx/>
+            </a:pPr>
+            <a:r>
+              <a:rPr kumimoji="0" lang="nl-BE" altLang="nl-BE" sz="1200" b="0" i="1" u="none" strike="noStrike" cap="none" normalizeH="0" baseline="0" dirty="0">
+                <a:ln>
+                  <a:noFill/>
+                </a:ln>
+                <a:solidFill>
+                  <a:schemeClr val="tx1"/>
+                </a:solidFill>
+                <a:effectLst/>
+                <a:latin typeface="Times New Roman" panose="02020603050405020304" pitchFamily="18" charset="0"/>
+                <a:cs typeface="Times New Roman" panose="02020603050405020304" pitchFamily="18" charset="0"/>
+              </a:rPr>
+              <a:t>Technologie-ondersteunde revalidatie - </a:t>
+            </a:r>
+            <a:r>
+              <a:rPr kumimoji="0" lang="nl-BE" altLang="nl-BE" sz="1200" b="0" i="1" u="none" strike="noStrike" cap="none" normalizeH="0" baseline="0" dirty="0" err="1">
+                <a:ln>
+                  <a:noFill/>
+                </a:ln>
+                <a:solidFill>
+                  <a:schemeClr val="tx1"/>
+                </a:solidFill>
+                <a:effectLst/>
+                <a:latin typeface="Times New Roman" panose="02020603050405020304" pitchFamily="18" charset="0"/>
+                <a:cs typeface="Times New Roman" panose="02020603050405020304" pitchFamily="18" charset="0"/>
+              </a:rPr>
+              <a:t>UHasselt</a:t>
+            </a:r>
+            <a:r>
+              <a:rPr kumimoji="0" lang="nl-BE" altLang="nl-BE" sz="1200" b="0" i="0" u="none" strike="noStrike" cap="none" normalizeH="0" baseline="0" dirty="0">
+                <a:ln>
+                  <a:noFill/>
+                </a:ln>
+                <a:solidFill>
+                  <a:schemeClr val="tx1"/>
+                </a:solidFill>
+                <a:effectLst/>
+                <a:latin typeface="Times New Roman" panose="02020603050405020304" pitchFamily="18" charset="0"/>
+                <a:cs typeface="Times New Roman" panose="02020603050405020304" pitchFamily="18" charset="0"/>
+              </a:rPr>
+              <a:t>. (</a:t>
+            </a:r>
+            <a:r>
+              <a:rPr kumimoji="0" lang="nl-BE" altLang="nl-BE" sz="1200" b="0" i="0" u="none" strike="noStrike" cap="none" normalizeH="0" baseline="0" dirty="0" err="1">
+                <a:ln>
+                  <a:noFill/>
+                </a:ln>
+                <a:solidFill>
+                  <a:schemeClr val="tx1"/>
+                </a:solidFill>
+                <a:effectLst/>
+                <a:latin typeface="Times New Roman" panose="02020603050405020304" pitchFamily="18" charset="0"/>
+                <a:cs typeface="Times New Roman" panose="02020603050405020304" pitchFamily="18" charset="0"/>
+              </a:rPr>
+              <a:t>n.d</a:t>
+            </a:r>
+            <a:r>
+              <a:rPr kumimoji="0" lang="nl-BE" altLang="nl-BE" sz="1200" b="0" i="0" u="none" strike="noStrike" cap="none" normalizeH="0" baseline="0" dirty="0">
+                <a:ln>
+                  <a:noFill/>
+                </a:ln>
+                <a:solidFill>
+                  <a:schemeClr val="tx1"/>
+                </a:solidFill>
+                <a:effectLst/>
+                <a:latin typeface="Times New Roman" panose="02020603050405020304" pitchFamily="18" charset="0"/>
+                <a:cs typeface="Times New Roman" panose="02020603050405020304" pitchFamily="18" charset="0"/>
+              </a:rPr>
+              <a:t>.). </a:t>
+            </a:r>
+            <a:r>
+              <a:rPr kumimoji="0" lang="nl-BE" altLang="nl-BE" sz="1200" b="0" i="0" u="none" strike="noStrike" cap="none" normalizeH="0" baseline="0" dirty="0" err="1">
+                <a:ln>
+                  <a:noFill/>
+                </a:ln>
+                <a:solidFill>
+                  <a:schemeClr val="tx1"/>
+                </a:solidFill>
+                <a:effectLst/>
+                <a:latin typeface="Times New Roman" panose="02020603050405020304" pitchFamily="18" charset="0"/>
+                <a:cs typeface="Times New Roman" panose="02020603050405020304" pitchFamily="18" charset="0"/>
+              </a:rPr>
+              <a:t>UHasselt</a:t>
+            </a:r>
+            <a:r>
+              <a:rPr kumimoji="0" lang="nl-BE" altLang="nl-BE" sz="1200" b="0" i="0" u="none" strike="noStrike" cap="none" normalizeH="0" baseline="0" dirty="0">
+                <a:ln>
+                  <a:noFill/>
+                </a:ln>
+                <a:solidFill>
+                  <a:schemeClr val="tx1"/>
+                </a:solidFill>
+                <a:effectLst/>
+                <a:latin typeface="Times New Roman" panose="02020603050405020304" pitchFamily="18" charset="0"/>
+                <a:cs typeface="Times New Roman" panose="02020603050405020304" pitchFamily="18" charset="0"/>
+              </a:rPr>
+              <a:t>. </a:t>
+            </a:r>
+            <a:r>
+              <a:rPr kumimoji="0" lang="nl-BE" altLang="nl-BE" sz="1200" b="0" i="0" u="none" strike="noStrike" cap="none" normalizeH="0" baseline="0" dirty="0">
+                <a:ln>
+                  <a:noFill/>
+                </a:ln>
+                <a:solidFill>
+                  <a:schemeClr val="tx1"/>
+                </a:solidFill>
+                <a:effectLst/>
+                <a:latin typeface="Times New Roman" panose="02020603050405020304" pitchFamily="18" charset="0"/>
+                <a:cs typeface="Times New Roman" panose="02020603050405020304" pitchFamily="18" charset="0"/>
+                <a:hlinkClick r:id="rId12"/>
+              </a:rPr>
+              <a:t>https://www.uhasselt.be/nl/onderzoeksgroepen/reval/technologie-ondersteunde-revalidatie</a:t>
+            </a:r>
+            <a:r>
+              <a:rPr kumimoji="0" lang="nl-BE" altLang="nl-BE" sz="1200" b="0" i="0" u="none" strike="noStrike" cap="none" normalizeH="0" baseline="0" dirty="0">
+                <a:ln>
+                  <a:noFill/>
+                </a:ln>
+                <a:solidFill>
+                  <a:schemeClr val="tx1"/>
+                </a:solidFill>
+                <a:effectLst/>
+                <a:latin typeface="Times New Roman" panose="02020603050405020304" pitchFamily="18" charset="0"/>
+                <a:cs typeface="Times New Roman" panose="02020603050405020304" pitchFamily="18" charset="0"/>
+              </a:rPr>
+              <a:t> </a:t>
+            </a:r>
+            <a:endParaRPr kumimoji="0" lang="nl-BE" altLang="nl-BE" sz="600" b="0" i="0" u="none" strike="noStrike" cap="none" normalizeH="0" baseline="0" dirty="0">
+              <a:ln>
+                <a:noFill/>
+              </a:ln>
+              <a:solidFill>
+                <a:schemeClr val="tx1"/>
+              </a:solidFill>
+              <a:effectLst/>
+            </a:endParaRPr>
+          </a:p>
+          <a:p>
+            <a:pPr defTabSz="914400">
+              <a:buClrTx/>
+              <a:buSzTx/>
+            </a:pPr>
+            <a:r>
+              <a:rPr kumimoji="0" lang="nl-BE" altLang="nl-BE" sz="1200" b="0" i="0" u="none" strike="noStrike" cap="none" normalizeH="0" baseline="0" dirty="0">
+                <a:ln>
+                  <a:noFill/>
+                </a:ln>
+                <a:solidFill>
+                  <a:schemeClr val="tx1"/>
+                </a:solidFill>
+                <a:effectLst/>
+                <a:latin typeface="Times New Roman" panose="02020603050405020304" pitchFamily="18" charset="0"/>
+                <a:cs typeface="Times New Roman" panose="02020603050405020304" pitchFamily="18" charset="0"/>
+              </a:rPr>
+              <a:t>UZ Antwerpen. (</a:t>
+            </a:r>
+            <a:r>
+              <a:rPr kumimoji="0" lang="nl-BE" altLang="nl-BE" sz="1200" b="0" i="0" u="none" strike="noStrike" cap="none" normalizeH="0" baseline="0" dirty="0" err="1">
+                <a:ln>
+                  <a:noFill/>
+                </a:ln>
+                <a:solidFill>
+                  <a:schemeClr val="tx1"/>
+                </a:solidFill>
+                <a:effectLst/>
+                <a:latin typeface="Times New Roman" panose="02020603050405020304" pitchFamily="18" charset="0"/>
+                <a:cs typeface="Times New Roman" panose="02020603050405020304" pitchFamily="18" charset="0"/>
+              </a:rPr>
+              <a:t>n.d</a:t>
+            </a:r>
+            <a:r>
+              <a:rPr kumimoji="0" lang="nl-BE" altLang="nl-BE" sz="1200" b="0" i="0" u="none" strike="noStrike" cap="none" normalizeH="0" baseline="0" dirty="0">
+                <a:ln>
+                  <a:noFill/>
+                </a:ln>
+                <a:solidFill>
+                  <a:schemeClr val="tx1"/>
+                </a:solidFill>
+                <a:effectLst/>
+                <a:latin typeface="Times New Roman" panose="02020603050405020304" pitchFamily="18" charset="0"/>
+                <a:cs typeface="Times New Roman" panose="02020603050405020304" pitchFamily="18" charset="0"/>
+              </a:rPr>
+              <a:t>.). </a:t>
+            </a:r>
+            <a:r>
+              <a:rPr kumimoji="0" lang="nl-BE" altLang="nl-BE" sz="1200" b="0" i="1" u="none" strike="noStrike" cap="none" normalizeH="0" baseline="0" dirty="0">
+                <a:ln>
+                  <a:noFill/>
+                </a:ln>
+                <a:solidFill>
+                  <a:schemeClr val="tx1"/>
+                </a:solidFill>
+                <a:effectLst/>
+                <a:latin typeface="Times New Roman" panose="02020603050405020304" pitchFamily="18" charset="0"/>
+                <a:cs typeface="Times New Roman" panose="02020603050405020304" pitchFamily="18" charset="0"/>
+              </a:rPr>
+              <a:t>Sportmedische keuring en preventie | UZA</a:t>
+            </a:r>
+            <a:r>
+              <a:rPr kumimoji="0" lang="nl-BE" altLang="nl-BE" sz="1200" b="0" i="0" u="none" strike="noStrike" cap="none" normalizeH="0" baseline="0" dirty="0">
+                <a:ln>
+                  <a:noFill/>
+                </a:ln>
+                <a:solidFill>
+                  <a:schemeClr val="tx1"/>
+                </a:solidFill>
+                <a:effectLst/>
+                <a:latin typeface="Times New Roman" panose="02020603050405020304" pitchFamily="18" charset="0"/>
+                <a:cs typeface="Times New Roman" panose="02020603050405020304" pitchFamily="18" charset="0"/>
+              </a:rPr>
+              <a:t>. </a:t>
+            </a:r>
+            <a:r>
+              <a:rPr kumimoji="0" lang="nl-BE" altLang="nl-BE" sz="1200" b="0" i="0" u="none" strike="noStrike" cap="none" normalizeH="0" baseline="0" dirty="0">
+                <a:ln>
+                  <a:noFill/>
+                </a:ln>
+                <a:solidFill>
+                  <a:schemeClr val="tx1"/>
+                </a:solidFill>
+                <a:effectLst/>
+                <a:latin typeface="Times New Roman" panose="02020603050405020304" pitchFamily="18" charset="0"/>
+                <a:cs typeface="Times New Roman" panose="02020603050405020304" pitchFamily="18" charset="0"/>
+                <a:hlinkClick r:id="rId13"/>
+              </a:rPr>
+              <a:t>https://www.uza.be/behandeling/sportmedische-keuring-en-preventie</a:t>
+            </a:r>
+            <a:r>
+              <a:rPr kumimoji="0" lang="nl-BE" altLang="nl-BE" sz="1200" b="0" i="0" u="none" strike="noStrike" cap="none" normalizeH="0" baseline="0" dirty="0">
+                <a:ln>
+                  <a:noFill/>
+                </a:ln>
+                <a:solidFill>
+                  <a:schemeClr val="tx1"/>
+                </a:solidFill>
+                <a:effectLst/>
+                <a:latin typeface="Times New Roman" panose="02020603050405020304" pitchFamily="18" charset="0"/>
+                <a:cs typeface="Times New Roman" panose="02020603050405020304" pitchFamily="18" charset="0"/>
+              </a:rPr>
+              <a:t> </a:t>
+            </a:r>
+            <a:endParaRPr kumimoji="0" lang="nl-BE" altLang="nl-BE" sz="1800" b="0" i="0" u="none" strike="noStrike" cap="none" normalizeH="0" baseline="0" dirty="0">
               <a:ln>
                 <a:noFill/>
               </a:ln>

--- a/Presentatie_powerpoint.pptx
+++ b/Presentatie_powerpoint.pptx
@@ -4437,7 +4437,7 @@
           <a:p>
             <a:fld id="{C722F3E1-CB26-48F9-850F-095D388C7B08}" type="datetimeFigureOut">
               <a:rPr lang="nl-NL" smtClean="0"/>
-              <a:t>10-10-2024</a:t>
+              <a:t>14-10-2024</a:t>
             </a:fld>
             <a:endParaRPr lang="nl-NL"/>
           </a:p>
@@ -5207,6 +5207,90 @@
 </p:notes>
 </file>
 
+<file path=ppt/notesSlides/notesSlide6.xml><?xml version="1.0" encoding="utf-8"?>
+<p:notes xmlns:a="http://schemas.openxmlformats.org/drawingml/2006/main" xmlns:r="http://schemas.openxmlformats.org/officeDocument/2006/relationships" xmlns:p="http://schemas.openxmlformats.org/presentationml/2006/main">
+  <p:cSld>
+    <p:spTree>
+      <p:nvGrpSpPr>
+        <p:cNvPr id="1" name=""/>
+        <p:cNvGrpSpPr/>
+        <p:nvPr/>
+      </p:nvGrpSpPr>
+      <p:grpSpPr>
+        <a:xfrm>
+          <a:off x="0" y="0"/>
+          <a:ext cx="0" cy="0"/>
+          <a:chOff x="0" y="0"/>
+          <a:chExt cx="0" cy="0"/>
+        </a:xfrm>
+      </p:grpSpPr>
+      <p:sp>
+        <p:nvSpPr>
+          <p:cNvPr id="2" name="Tijdelijke aanduiding voor dia-afbeelding 1"/>
+          <p:cNvSpPr>
+            <a:spLocks noGrp="1" noRot="1" noChangeAspect="1"/>
+          </p:cNvSpPr>
+          <p:nvPr>
+            <p:ph type="sldImg"/>
+          </p:nvPr>
+        </p:nvSpPr>
+        <p:spPr/>
+      </p:sp>
+      <p:sp>
+        <p:nvSpPr>
+          <p:cNvPr id="3" name="Tijdelijke aanduiding voor notities 2"/>
+          <p:cNvSpPr>
+            <a:spLocks noGrp="1"/>
+          </p:cNvSpPr>
+          <p:nvPr>
+            <p:ph type="body" idx="1"/>
+          </p:nvPr>
+        </p:nvSpPr>
+        <p:spPr/>
+        <p:txBody>
+          <a:bodyPr/>
+          <a:lstStyle/>
+          <a:p>
+            <a:endParaRPr lang="nl-BE" dirty="0"/>
+          </a:p>
+        </p:txBody>
+      </p:sp>
+      <p:sp>
+        <p:nvSpPr>
+          <p:cNvPr id="4" name="Tijdelijke aanduiding voor dianummer 3"/>
+          <p:cNvSpPr>
+            <a:spLocks noGrp="1"/>
+          </p:cNvSpPr>
+          <p:nvPr>
+            <p:ph type="sldNum" sz="quarter" idx="5"/>
+          </p:nvPr>
+        </p:nvSpPr>
+        <p:spPr/>
+        <p:txBody>
+          <a:bodyPr/>
+          <a:lstStyle/>
+          <a:p>
+            <a:fld id="{AB363037-1310-4CF1-84A3-3BF13FF51853}" type="slidenum">
+              <a:rPr lang="nl-NL" smtClean="0"/>
+              <a:t>7</a:t>
+            </a:fld>
+            <a:endParaRPr lang="nl-NL"/>
+          </a:p>
+        </p:txBody>
+      </p:sp>
+    </p:spTree>
+    <p:extLst>
+      <p:ext uri="{BB962C8B-B14F-4D97-AF65-F5344CB8AC3E}">
+        <p14:creationId xmlns:p14="http://schemas.microsoft.com/office/powerpoint/2010/main" val="3689479409"/>
+      </p:ext>
+    </p:extLst>
+  </p:cSld>
+  <p:clrMapOvr>
+    <a:masterClrMapping/>
+  </p:clrMapOvr>
+</p:notes>
+</file>
+
 <file path=ppt/slideLayouts/slideLayout1.xml><?xml version="1.0" encoding="utf-8"?>
 <p:sldLayout xmlns:a="http://schemas.openxmlformats.org/drawingml/2006/main" xmlns:r="http://schemas.openxmlformats.org/officeDocument/2006/relationships" xmlns:p="http://schemas.openxmlformats.org/presentationml/2006/main" type="title" preserve="1">
   <p:cSld name="Titeldia">
@@ -5437,7 +5521,7 @@
             <a:fld id="{B61BEF0D-F0BB-DE4B-95CE-6DB70DBA9567}" type="datetimeFigureOut">
               <a:rPr lang="en-US" dirty="0"/>
               <a:pPr/>
-              <a:t>10/10/2024</a:t>
+              <a:t>10/14/2024</a:t>
             </a:fld>
             <a:endParaRPr lang="en-US" dirty="0"/>
           </a:p>
@@ -5768,7 +5852,7 @@
             <a:fld id="{B61BEF0D-F0BB-DE4B-95CE-6DB70DBA9567}" type="datetimeFigureOut">
               <a:rPr lang="en-US" dirty="0"/>
               <a:pPr/>
-              <a:t>10/10/2024</a:t>
+              <a:t>10/14/2024</a:t>
             </a:fld>
             <a:endParaRPr lang="en-US" dirty="0"/>
           </a:p>
@@ -6043,7 +6127,7 @@
             <a:fld id="{B61BEF0D-F0BB-DE4B-95CE-6DB70DBA9567}" type="datetimeFigureOut">
               <a:rPr lang="en-US" dirty="0"/>
               <a:pPr/>
-              <a:t>10/10/2024</a:t>
+              <a:t>10/14/2024</a:t>
             </a:fld>
             <a:endParaRPr lang="en-US" dirty="0"/>
           </a:p>
@@ -6608,7 +6692,7 @@
             <a:fld id="{B61BEF0D-F0BB-DE4B-95CE-6DB70DBA9567}" type="datetimeFigureOut">
               <a:rPr lang="en-US" dirty="0"/>
               <a:pPr/>
-              <a:t>10/10/2024</a:t>
+              <a:t>10/14/2024</a:t>
             </a:fld>
             <a:endParaRPr lang="en-US" dirty="0"/>
           </a:p>
@@ -6883,7 +6967,7 @@
             <a:fld id="{B61BEF0D-F0BB-DE4B-95CE-6DB70DBA9567}" type="datetimeFigureOut">
               <a:rPr lang="en-US" dirty="0"/>
               <a:pPr/>
-              <a:t>10/10/2024</a:t>
+              <a:t>10/14/2024</a:t>
             </a:fld>
             <a:endParaRPr lang="en-US" dirty="0"/>
           </a:p>
@@ -7442,7 +7526,7 @@
             <a:fld id="{B61BEF0D-F0BB-DE4B-95CE-6DB70DBA9567}" type="datetimeFigureOut">
               <a:rPr lang="en-US" dirty="0"/>
               <a:pPr/>
-              <a:t>10/10/2024</a:t>
+              <a:t>10/14/2024</a:t>
             </a:fld>
             <a:endParaRPr lang="en-US" dirty="0"/>
           </a:p>
@@ -7766,7 +7850,7 @@
             <a:fld id="{B61BEF0D-F0BB-DE4B-95CE-6DB70DBA9567}" type="datetimeFigureOut">
               <a:rPr lang="en-US" dirty="0"/>
               <a:pPr/>
-              <a:t>10/10/2024</a:t>
+              <a:t>10/14/2024</a:t>
             </a:fld>
             <a:endParaRPr lang="en-US" dirty="0"/>
           </a:p>
@@ -7940,7 +8024,7 @@
             <a:fld id="{B61BEF0D-F0BB-DE4B-95CE-6DB70DBA9567}" type="datetimeFigureOut">
               <a:rPr lang="en-US" dirty="0"/>
               <a:pPr/>
-              <a:t>10/10/2024</a:t>
+              <a:t>10/14/2024</a:t>
             </a:fld>
             <a:endParaRPr lang="en-US" dirty="0"/>
           </a:p>
@@ -8175,7 +8259,7 @@
             <a:fld id="{B61BEF0D-F0BB-DE4B-95CE-6DB70DBA9567}" type="datetimeFigureOut">
               <a:rPr lang="en-US" dirty="0"/>
               <a:pPr/>
-              <a:t>10/10/2024</a:t>
+              <a:t>10/14/2024</a:t>
             </a:fld>
             <a:endParaRPr lang="en-US" dirty="0"/>
           </a:p>
@@ -8372,7 +8456,7 @@
             <a:fld id="{B61BEF0D-F0BB-DE4B-95CE-6DB70DBA9567}" type="datetimeFigureOut">
               <a:rPr lang="en-US" dirty="0"/>
               <a:pPr/>
-              <a:t>10/10/2024</a:t>
+              <a:t>10/14/2024</a:t>
             </a:fld>
             <a:endParaRPr lang="en-US" dirty="0"/>
           </a:p>
@@ -8645,7 +8729,7 @@
             <a:fld id="{B61BEF0D-F0BB-DE4B-95CE-6DB70DBA9567}" type="datetimeFigureOut">
               <a:rPr lang="en-US" dirty="0"/>
               <a:pPr/>
-              <a:t>10/10/2024</a:t>
+              <a:t>10/14/2024</a:t>
             </a:fld>
             <a:endParaRPr lang="en-US" dirty="0"/>
           </a:p>
@@ -8908,7 +8992,7 @@
             <a:fld id="{B61BEF0D-F0BB-DE4B-95CE-6DB70DBA9567}" type="datetimeFigureOut">
               <a:rPr lang="en-US" dirty="0"/>
               <a:pPr/>
-              <a:t>10/10/2024</a:t>
+              <a:t>10/14/2024</a:t>
             </a:fld>
             <a:endParaRPr lang="en-US" dirty="0"/>
           </a:p>
@@ -9279,7 +9363,7 @@
             <a:fld id="{B61BEF0D-F0BB-DE4B-95CE-6DB70DBA9567}" type="datetimeFigureOut">
               <a:rPr lang="en-US" dirty="0"/>
               <a:pPr/>
-              <a:t>10/10/2024</a:t>
+              <a:t>10/14/2024</a:t>
             </a:fld>
             <a:endParaRPr lang="en-US" dirty="0"/>
           </a:p>
@@ -9424,7 +9508,7 @@
             <a:fld id="{B61BEF0D-F0BB-DE4B-95CE-6DB70DBA9567}" type="datetimeFigureOut">
               <a:rPr lang="en-US" dirty="0"/>
               <a:pPr/>
-              <a:t>10/10/2024</a:t>
+              <a:t>10/14/2024</a:t>
             </a:fld>
             <a:endParaRPr lang="en-US" dirty="0"/>
           </a:p>
@@ -9546,7 +9630,7 @@
             <a:fld id="{B61BEF0D-F0BB-DE4B-95CE-6DB70DBA9567}" type="datetimeFigureOut">
               <a:rPr lang="en-US" dirty="0"/>
               <a:pPr/>
-              <a:t>10/10/2024</a:t>
+              <a:t>10/14/2024</a:t>
             </a:fld>
             <a:endParaRPr lang="en-US" dirty="0"/>
           </a:p>
@@ -9828,7 +9912,7 @@
             <a:fld id="{B61BEF0D-F0BB-DE4B-95CE-6DB70DBA9567}" type="datetimeFigureOut">
               <a:rPr lang="en-US" dirty="0"/>
               <a:pPr/>
-              <a:t>10/10/2024</a:t>
+              <a:t>10/14/2024</a:t>
             </a:fld>
             <a:endParaRPr lang="en-US" dirty="0"/>
           </a:p>
@@ -10149,7 +10233,7 @@
             <a:fld id="{B61BEF0D-F0BB-DE4B-95CE-6DB70DBA9567}" type="datetimeFigureOut">
               <a:rPr lang="en-US" dirty="0"/>
               <a:pPr/>
-              <a:t>10/10/2024</a:t>
+              <a:t>10/14/2024</a:t>
             </a:fld>
             <a:endParaRPr lang="en-US" dirty="0"/>
           </a:p>
@@ -10360,7 +10444,7 @@
             <a:fld id="{B61BEF0D-F0BB-DE4B-95CE-6DB70DBA9567}" type="datetimeFigureOut">
               <a:rPr lang="en-US" dirty="0"/>
               <a:pPr/>
-              <a:t>10/10/2024</a:t>
+              <a:t>10/14/2024</a:t>
             </a:fld>
             <a:endParaRPr lang="en-US" dirty="0"/>
           </a:p>
@@ -12395,6 +12479,13 @@
               <a:t>Wedstrijdinfo</a:t>
             </a:r>
           </a:p>
+          <a:p>
+            <a:r>
+              <a:rPr lang="nl-BE" sz="3200" dirty="0" err="1"/>
+              <a:t>Sporza</a:t>
+            </a:r>
+            <a:endParaRPr lang="nl-BE" sz="3200" dirty="0"/>
+          </a:p>
         </p:txBody>
       </p:sp>
       <p:pic>
@@ -12696,7 +12787,12 @@
             <p:ph type="title"/>
           </p:nvPr>
         </p:nvSpPr>
-        <p:spPr/>
+        <p:spPr>
+          <a:xfrm>
+            <a:off x="982981" y="720004"/>
+            <a:ext cx="1764029" cy="1456267"/>
+          </a:xfrm>
+        </p:spPr>
         <p:txBody>
           <a:bodyPr>
             <a:normAutofit/>
@@ -12710,33 +12806,50 @@
           </a:p>
         </p:txBody>
       </p:sp>
-      <p:sp>
-        <p:nvSpPr>
-          <p:cNvPr id="3" name="Tijdelijke aanduiding voor inhoud 2">
+      <p:pic>
+        <p:nvPicPr>
+          <p:cNvPr id="5" name="Afbeelding 4" descr="Afbeelding met hemel, buitenshuis, Achterverlichting, persoon&#10;&#10;Automatisch gegenereerde beschrijving">
             <a:extLst>
               <a:ext uri="{FF2B5EF4-FFF2-40B4-BE49-F238E27FC236}">
-                <a16:creationId xmlns:a16="http://schemas.microsoft.com/office/drawing/2014/main" id="{FDF975E5-9BED-413F-4B6C-4D7CE33314FB}"/>
+                <a16:creationId xmlns:a16="http://schemas.microsoft.com/office/drawing/2014/main" id="{2B89DDA8-2FD8-01EF-37A5-5CED14C086AA}"/>
               </a:ext>
             </a:extLst>
           </p:cNvPr>
-          <p:cNvSpPr>
-            <a:spLocks noGrp="1"/>
-          </p:cNvSpPr>
-          <p:nvPr>
-            <p:ph idx="1"/>
-          </p:nvPr>
-        </p:nvSpPr>
-        <p:spPr/>
-        <p:txBody>
-          <a:bodyPr>
-            <a:normAutofit/>
-          </a:bodyPr>
-          <a:lstStyle/>
-          <a:p>
-            <a:endParaRPr lang="nl-BE" sz="3200" dirty="0"/>
-          </a:p>
-        </p:txBody>
-      </p:sp>
+          <p:cNvPicPr>
+            <a:picLocks noChangeAspect="1"/>
+          </p:cNvPicPr>
+          <p:nvPr/>
+        </p:nvPicPr>
+        <p:blipFill>
+          <a:blip r:embed="rId3">
+            <a:extLst>
+              <a:ext uri="{837473B0-CC2E-450A-ABE3-18F120FF3D39}">
+                <a1611:picAttrSrcUrl xmlns:a1611="http://schemas.microsoft.com/office/drawing/2016/11/main" r:id="rId4"/>
+              </a:ext>
+            </a:extLst>
+          </a:blip>
+          <a:stretch>
+            <a:fillRect/>
+          </a:stretch>
+        </p:blipFill>
+        <p:spPr>
+          <a:xfrm>
+            <a:off x="3491865" y="1688964"/>
+            <a:ext cx="5208270" cy="3480071"/>
+          </a:xfrm>
+          <a:prstGeom prst="rect">
+            <a:avLst/>
+          </a:prstGeom>
+          <a:effectLst>
+            <a:outerShdw blurRad="76200" dir="13500000" sy="23000" kx="1200000" algn="br" rotWithShape="0">
+              <a:prstClr val="black">
+                <a:alpha val="20000"/>
+              </a:prstClr>
+            </a:outerShdw>
+            <a:softEdge rad="63500"/>
+          </a:effectLst>
+        </p:spPr>
+      </p:pic>
     </p:spTree>
     <p:extLst>
       <p:ext uri="{BB962C8B-B14F-4D97-AF65-F5344CB8AC3E}">
@@ -12783,7 +12896,12 @@
             <p:ph type="title"/>
           </p:nvPr>
         </p:nvSpPr>
-        <p:spPr/>
+        <p:spPr>
+          <a:xfrm>
+            <a:off x="685800" y="609600"/>
+            <a:ext cx="10131425" cy="1456267"/>
+          </a:xfrm>
+        </p:spPr>
         <p:txBody>
           <a:bodyPr/>
           <a:lstStyle/>
@@ -12797,24 +12915,22 @@
       </p:sp>
       <p:sp>
         <p:nvSpPr>
-          <p:cNvPr id="3" name="Rectangle 1">
+          <p:cNvPr id="9" name="Rectangle 4">
             <a:extLst>
               <a:ext uri="{FF2B5EF4-FFF2-40B4-BE49-F238E27FC236}">
-                <a16:creationId xmlns:a16="http://schemas.microsoft.com/office/drawing/2014/main" id="{7C25F310-76B6-4506-9528-489F13EC7D1E}"/>
+                <a16:creationId xmlns:a16="http://schemas.microsoft.com/office/drawing/2014/main" id="{9AE6C951-914F-19EC-CBF9-B83DA3FEEE88}"/>
               </a:ext>
             </a:extLst>
           </p:cNvPr>
           <p:cNvSpPr>
-            <a:spLocks noGrp="1" noChangeArrowheads="1"/>
+            <a:spLocks noChangeArrowheads="1"/>
           </p:cNvSpPr>
-          <p:nvPr>
-            <p:ph idx="1"/>
-          </p:nvPr>
+          <p:nvPr/>
         </p:nvSpPr>
         <p:spPr bwMode="auto">
           <a:xfrm>
-            <a:off x="685800" y="2760742"/>
-            <a:ext cx="21491221" cy="2215991"/>
+            <a:off x="902524" y="2510961"/>
+            <a:ext cx="23097506" cy="2585323"/>
           </a:xfrm>
           <a:prstGeom prst="rect">
             <a:avLst/>
@@ -12854,7 +12970,7 @@
           </a:extLst>
         </p:spPr>
         <p:txBody>
-          <a:bodyPr vert="horz" wrap="none" lIns="-457056" tIns="0" rIns="91440" bIns="0" numCol="1" anchor="ctr" anchorCtr="0" compatLnSpc="1">
+          <a:bodyPr vert="horz" wrap="square" lIns="-457056" tIns="0" rIns="91440" bIns="0" numCol="1" anchor="ctr" anchorCtr="0" compatLnSpc="1">
             <a:prstTxWarp prst="textNoShape">
               <a:avLst/>
             </a:prstTxWarp>
@@ -12989,9 +13105,21 @@
             </a:lvl9pPr>
           </a:lstStyle>
           <a:p>
-            <a:pPr defTabSz="914400">
+            <a:pPr marL="171450" marR="0" lvl="0" indent="-171450" algn="l" defTabSz="914400" rtl="0" eaLnBrk="0" fontAlgn="base" latinLnBrk="0" hangingPunct="0">
+              <a:lnSpc>
+                <a:spcPct val="100000"/>
+              </a:lnSpc>
+              <a:spcBef>
+                <a:spcPct val="0"/>
+              </a:spcBef>
+              <a:spcAft>
+                <a:spcPct val="0"/>
+              </a:spcAft>
               <a:buClrTx/>
               <a:buSzTx/>
+              <a:buFont typeface="Arial" panose="020B0604020202020204" pitchFamily="34" charset="0"/>
+              <a:buChar char="•"/>
+              <a:tabLst/>
             </a:pPr>
             <a:r>
               <a:rPr kumimoji="0" lang="nl-BE" altLang="nl-BE" sz="1200" b="0" i="1" u="none" strike="noStrike" cap="none" normalizeH="0" baseline="0" dirty="0">
@@ -13089,9 +13217,21 @@
             </a:endParaRPr>
           </a:p>
           <a:p>
-            <a:pPr defTabSz="914400">
+            <a:pPr marL="171450" marR="0" lvl="0" indent="-171450" algn="l" defTabSz="914400" rtl="0" eaLnBrk="0" fontAlgn="base" latinLnBrk="0" hangingPunct="0">
+              <a:lnSpc>
+                <a:spcPct val="100000"/>
+              </a:lnSpc>
+              <a:spcBef>
+                <a:spcPct val="0"/>
+              </a:spcBef>
+              <a:spcAft>
+                <a:spcPct val="0"/>
+              </a:spcAft>
               <a:buClrTx/>
               <a:buSzTx/>
+              <a:buFont typeface="Arial" panose="020B0604020202020204" pitchFamily="34" charset="0"/>
+              <a:buChar char="•"/>
+              <a:tabLst/>
             </a:pPr>
             <a:r>
               <a:rPr kumimoji="0" lang="nl-BE" altLang="nl-BE" sz="1200" b="0" i="0" u="none" strike="noStrike" cap="none" normalizeH="0" baseline="0" dirty="0" err="1">
@@ -13441,9 +13581,21 @@
             </a:endParaRPr>
           </a:p>
           <a:p>
-            <a:pPr defTabSz="914400">
+            <a:pPr marL="171450" marR="0" lvl="0" indent="-171450" algn="l" defTabSz="914400" rtl="0" eaLnBrk="0" fontAlgn="base" latinLnBrk="0" hangingPunct="0">
+              <a:lnSpc>
+                <a:spcPct val="100000"/>
+              </a:lnSpc>
+              <a:spcBef>
+                <a:spcPct val="0"/>
+              </a:spcBef>
+              <a:spcAft>
+                <a:spcPct val="0"/>
+              </a:spcAft>
               <a:buClrTx/>
               <a:buSzTx/>
+              <a:buFont typeface="Arial" panose="020B0604020202020204" pitchFamily="34" charset="0"/>
+              <a:buChar char="•"/>
+              <a:tabLst/>
             </a:pPr>
             <a:r>
               <a:rPr kumimoji="0" lang="nl-BE" altLang="nl-BE" sz="1200" b="0" i="0" u="none" strike="noStrike" cap="none" normalizeH="0" baseline="0" dirty="0">
@@ -13555,9 +13707,21 @@
             </a:endParaRPr>
           </a:p>
           <a:p>
-            <a:pPr defTabSz="914400">
+            <a:pPr marL="171450" marR="0" lvl="0" indent="-171450" algn="l" defTabSz="914400" rtl="0" eaLnBrk="0" fontAlgn="base" latinLnBrk="0" hangingPunct="0">
+              <a:lnSpc>
+                <a:spcPct val="100000"/>
+              </a:lnSpc>
+              <a:spcBef>
+                <a:spcPct val="0"/>
+              </a:spcBef>
+              <a:spcAft>
+                <a:spcPct val="0"/>
+              </a:spcAft>
               <a:buClrTx/>
               <a:buSzTx/>
+              <a:buFont typeface="Arial" panose="020B0604020202020204" pitchFamily="34" charset="0"/>
+              <a:buChar char="•"/>
+              <a:tabLst/>
             </a:pPr>
             <a:r>
               <a:rPr kumimoji="0" lang="nl-BE" altLang="nl-BE" sz="1200" b="0" i="0" u="none" strike="noStrike" cap="none" normalizeH="0" baseline="0" dirty="0">
@@ -13697,9 +13861,21 @@
             </a:endParaRPr>
           </a:p>
           <a:p>
-            <a:pPr defTabSz="914400">
+            <a:pPr marL="171450" marR="0" lvl="0" indent="-171450" algn="l" defTabSz="914400" rtl="0" eaLnBrk="0" fontAlgn="base" latinLnBrk="0" hangingPunct="0">
+              <a:lnSpc>
+                <a:spcPct val="100000"/>
+              </a:lnSpc>
+              <a:spcBef>
+                <a:spcPct val="0"/>
+              </a:spcBef>
+              <a:spcAft>
+                <a:spcPct val="0"/>
+              </a:spcAft>
               <a:buClrTx/>
               <a:buSzTx/>
+              <a:buFont typeface="Arial" panose="020B0604020202020204" pitchFamily="34" charset="0"/>
+              <a:buChar char="•"/>
+              <a:tabLst/>
             </a:pPr>
             <a:r>
               <a:rPr kumimoji="0" lang="nl-BE" altLang="nl-BE" sz="1200" b="0" i="0" u="none" strike="noStrike" cap="none" normalizeH="0" baseline="0" dirty="0">
@@ -13783,9 +13959,21 @@
             </a:endParaRPr>
           </a:p>
           <a:p>
-            <a:pPr defTabSz="914400">
+            <a:pPr marL="171450" marR="0" lvl="0" indent="-171450" algn="l" defTabSz="914400" rtl="0" eaLnBrk="0" fontAlgn="base" latinLnBrk="0" hangingPunct="0">
+              <a:lnSpc>
+                <a:spcPct val="100000"/>
+              </a:lnSpc>
+              <a:spcBef>
+                <a:spcPct val="0"/>
+              </a:spcBef>
+              <a:spcAft>
+                <a:spcPct val="0"/>
+              </a:spcAft>
               <a:buClrTx/>
               <a:buSzTx/>
+              <a:buFont typeface="Arial" panose="020B0604020202020204" pitchFamily="34" charset="0"/>
+              <a:buChar char="•"/>
+              <a:tabLst/>
             </a:pPr>
             <a:r>
               <a:rPr kumimoji="0" lang="nl-BE" altLang="nl-BE" sz="1200" b="0" i="1" u="none" strike="noStrike" cap="none" normalizeH="0" baseline="0" dirty="0" err="1">
@@ -13911,9 +14099,21 @@
             </a:endParaRPr>
           </a:p>
           <a:p>
-            <a:pPr defTabSz="914400">
+            <a:pPr marL="171450" marR="0" lvl="0" indent="-171450" algn="l" defTabSz="914400" rtl="0" eaLnBrk="0" fontAlgn="base" latinLnBrk="0" hangingPunct="0">
+              <a:lnSpc>
+                <a:spcPct val="100000"/>
+              </a:lnSpc>
+              <a:spcBef>
+                <a:spcPct val="0"/>
+              </a:spcBef>
+              <a:spcAft>
+                <a:spcPct val="0"/>
+              </a:spcAft>
               <a:buClrTx/>
               <a:buSzTx/>
+              <a:buFont typeface="Arial" panose="020B0604020202020204" pitchFamily="34" charset="0"/>
+              <a:buChar char="•"/>
+              <a:tabLst/>
             </a:pPr>
             <a:r>
               <a:rPr kumimoji="0" lang="nl-BE" altLang="nl-BE" sz="1200" b="0" i="1" u="none" strike="noStrike" cap="none" normalizeH="0" baseline="0" dirty="0">
@@ -14011,9 +14211,21 @@
             </a:endParaRPr>
           </a:p>
           <a:p>
-            <a:pPr defTabSz="914400">
+            <a:pPr marL="171450" marR="0" lvl="0" indent="-171450" algn="l" defTabSz="914400" rtl="0" eaLnBrk="0" fontAlgn="base" latinLnBrk="0" hangingPunct="0">
+              <a:lnSpc>
+                <a:spcPct val="100000"/>
+              </a:lnSpc>
+              <a:spcBef>
+                <a:spcPct val="0"/>
+              </a:spcBef>
+              <a:spcAft>
+                <a:spcPct val="0"/>
+              </a:spcAft>
               <a:buClrTx/>
               <a:buSzTx/>
+              <a:buFont typeface="Arial" panose="020B0604020202020204" pitchFamily="34" charset="0"/>
+              <a:buChar char="•"/>
+              <a:tabLst/>
             </a:pPr>
             <a:r>
               <a:rPr kumimoji="0" lang="nl-BE" altLang="nl-BE" sz="1200" b="0" i="1" u="none" strike="noStrike" cap="none" normalizeH="0" baseline="0" dirty="0">
@@ -14111,9 +14323,21 @@
             </a:endParaRPr>
           </a:p>
           <a:p>
-            <a:pPr defTabSz="914400">
+            <a:pPr marL="171450" marR="0" lvl="0" indent="-171450" algn="l" defTabSz="914400" rtl="0" eaLnBrk="0" fontAlgn="base" latinLnBrk="0" hangingPunct="0">
+              <a:lnSpc>
+                <a:spcPct val="100000"/>
+              </a:lnSpc>
+              <a:spcBef>
+                <a:spcPct val="0"/>
+              </a:spcBef>
+              <a:spcAft>
+                <a:spcPct val="0"/>
+              </a:spcAft>
               <a:buClrTx/>
               <a:buSzTx/>
+              <a:buFont typeface="Arial" panose="020B0604020202020204" pitchFamily="34" charset="0"/>
+              <a:buChar char="•"/>
+              <a:tabLst/>
             </a:pPr>
             <a:r>
               <a:rPr kumimoji="0" lang="nl-BE" altLang="nl-BE" sz="1200" b="0" i="1" u="none" strike="noStrike" cap="none" normalizeH="0" baseline="0" dirty="0" err="1">
@@ -14211,12 +14435,24 @@
             </a:endParaRPr>
           </a:p>
           <a:p>
-            <a:pPr defTabSz="914400">
+            <a:pPr marL="171450" marR="0" lvl="0" indent="-171450" algn="l" defTabSz="914400" rtl="0" eaLnBrk="0" fontAlgn="base" latinLnBrk="0" hangingPunct="0">
+              <a:lnSpc>
+                <a:spcPct val="100000"/>
+              </a:lnSpc>
+              <a:spcBef>
+                <a:spcPct val="0"/>
+              </a:spcBef>
+              <a:spcAft>
+                <a:spcPct val="0"/>
+              </a:spcAft>
               <a:buClrTx/>
               <a:buSzTx/>
+              <a:buFont typeface="Arial" panose="020B0604020202020204" pitchFamily="34" charset="0"/>
+              <a:buChar char="•"/>
+              <a:tabLst/>
             </a:pPr>
             <a:r>
-              <a:rPr kumimoji="0" lang="nl-BE" altLang="nl-BE" sz="1200" b="0" i="0" u="none" strike="noStrike" cap="none" normalizeH="0" baseline="0" dirty="0" err="1">
+              <a:rPr kumimoji="0" lang="nl-BE" altLang="nl-BE" sz="1200" b="0" i="1" u="none" strike="noStrike" cap="none" normalizeH="0" baseline="0" dirty="0">
                 <a:ln>
                   <a:noFill/>
                 </a:ln>
@@ -14227,7 +14463,35 @@
                 <a:latin typeface="Times New Roman" panose="02020603050405020304" pitchFamily="18" charset="0"/>
                 <a:cs typeface="Times New Roman" panose="02020603050405020304" pitchFamily="18" charset="0"/>
               </a:rPr>
-              <a:t>Ruddock</a:t>
+              <a:t>Royal </a:t>
+            </a:r>
+            <a:r>
+              <a:rPr kumimoji="0" lang="nl-BE" altLang="nl-BE" sz="1200" b="0" i="1" u="none" strike="noStrike" cap="none" normalizeH="0" baseline="0" dirty="0" err="1">
+                <a:ln>
+                  <a:noFill/>
+                </a:ln>
+                <a:solidFill>
+                  <a:schemeClr val="tx1"/>
+                </a:solidFill>
+                <a:effectLst/>
+                <a:latin typeface="Times New Roman" panose="02020603050405020304" pitchFamily="18" charset="0"/>
+                <a:cs typeface="Times New Roman" panose="02020603050405020304" pitchFamily="18" charset="0"/>
+              </a:rPr>
+              <a:t>Belgian</a:t>
+            </a:r>
+            <a:r>
+              <a:rPr kumimoji="0" lang="nl-BE" altLang="nl-BE" sz="1200" b="0" i="1" u="none" strike="noStrike" cap="none" normalizeH="0" baseline="0" dirty="0">
+                <a:ln>
+                  <a:noFill/>
+                </a:ln>
+                <a:solidFill>
+                  <a:schemeClr val="tx1"/>
+                </a:solidFill>
+                <a:effectLst/>
+                <a:latin typeface="Times New Roman" panose="02020603050405020304" pitchFamily="18" charset="0"/>
+                <a:cs typeface="Times New Roman" panose="02020603050405020304" pitchFamily="18" charset="0"/>
+              </a:rPr>
+              <a:t> FA</a:t>
             </a:r>
             <a:r>
               <a:rPr kumimoji="0" lang="nl-BE" altLang="nl-BE" sz="1200" b="0" i="0" u="none" strike="noStrike" cap="none" normalizeH="0" baseline="0" dirty="0">
@@ -14241,7 +14505,7 @@
                 <a:latin typeface="Times New Roman" panose="02020603050405020304" pitchFamily="18" charset="0"/>
                 <a:cs typeface="Times New Roman" panose="02020603050405020304" pitchFamily="18" charset="0"/>
               </a:rPr>
-              <a:t>, J. (</a:t>
+              <a:t>. (</a:t>
             </a:r>
             <a:r>
               <a:rPr kumimoji="0" lang="nl-BE" altLang="nl-BE" sz="1200" b="0" i="0" u="none" strike="noStrike" cap="none" normalizeH="0" baseline="0" dirty="0" err="1">
@@ -14272,216 +14536,6 @@
               <a:t>.). </a:t>
             </a:r>
             <a:r>
-              <a:rPr kumimoji="0" lang="nl-BE" altLang="nl-BE" sz="1200" b="0" i="1" u="none" strike="noStrike" cap="none" normalizeH="0" baseline="0" dirty="0">
-                <a:ln>
-                  <a:noFill/>
-                </a:ln>
-                <a:solidFill>
-                  <a:schemeClr val="tx1"/>
-                </a:solidFill>
-                <a:effectLst/>
-                <a:latin typeface="Times New Roman" panose="02020603050405020304" pitchFamily="18" charset="0"/>
-                <a:cs typeface="Times New Roman" panose="02020603050405020304" pitchFamily="18" charset="0"/>
-              </a:rPr>
-              <a:t>Research </a:t>
-            </a:r>
-            <a:r>
-              <a:rPr kumimoji="0" lang="nl-BE" altLang="nl-BE" sz="1200" b="0" i="1" u="none" strike="noStrike" cap="none" normalizeH="0" baseline="0" dirty="0" err="1">
-                <a:ln>
-                  <a:noFill/>
-                </a:ln>
-                <a:solidFill>
-                  <a:schemeClr val="tx1"/>
-                </a:solidFill>
-                <a:effectLst/>
-                <a:latin typeface="Times New Roman" panose="02020603050405020304" pitchFamily="18" charset="0"/>
-                <a:cs typeface="Times New Roman" panose="02020603050405020304" pitchFamily="18" charset="0"/>
-              </a:rPr>
-              <a:t>reveals</a:t>
-            </a:r>
-            <a:r>
-              <a:rPr kumimoji="0" lang="nl-BE" altLang="nl-BE" sz="1200" b="0" i="1" u="none" strike="noStrike" cap="none" normalizeH="0" baseline="0" dirty="0">
-                <a:ln>
-                  <a:noFill/>
-                </a:ln>
-                <a:solidFill>
-                  <a:schemeClr val="tx1"/>
-                </a:solidFill>
-                <a:effectLst/>
-                <a:latin typeface="Times New Roman" panose="02020603050405020304" pitchFamily="18" charset="0"/>
-                <a:cs typeface="Times New Roman" panose="02020603050405020304" pitchFamily="18" charset="0"/>
-              </a:rPr>
-              <a:t> </a:t>
-            </a:r>
-            <a:r>
-              <a:rPr kumimoji="0" lang="nl-BE" altLang="nl-BE" sz="1200" b="0" i="1" u="none" strike="noStrike" cap="none" normalizeH="0" baseline="0" dirty="0" err="1">
-                <a:ln>
-                  <a:noFill/>
-                </a:ln>
-                <a:solidFill>
-                  <a:schemeClr val="tx1"/>
-                </a:solidFill>
-                <a:effectLst/>
-                <a:latin typeface="Times New Roman" panose="02020603050405020304" pitchFamily="18" charset="0"/>
-                <a:cs typeface="Times New Roman" panose="02020603050405020304" pitchFamily="18" charset="0"/>
-              </a:rPr>
-              <a:t>massive</a:t>
-            </a:r>
-            <a:r>
-              <a:rPr kumimoji="0" lang="nl-BE" altLang="nl-BE" sz="1200" b="0" i="1" u="none" strike="noStrike" cap="none" normalizeH="0" baseline="0" dirty="0">
-                <a:ln>
-                  <a:noFill/>
-                </a:ln>
-                <a:solidFill>
-                  <a:schemeClr val="tx1"/>
-                </a:solidFill>
-                <a:effectLst/>
-                <a:latin typeface="Times New Roman" panose="02020603050405020304" pitchFamily="18" charset="0"/>
-                <a:cs typeface="Times New Roman" panose="02020603050405020304" pitchFamily="18" charset="0"/>
-              </a:rPr>
-              <a:t> </a:t>
-            </a:r>
-            <a:r>
-              <a:rPr kumimoji="0" lang="nl-BE" altLang="nl-BE" sz="1200" b="0" i="1" u="none" strike="noStrike" cap="none" normalizeH="0" baseline="0" dirty="0" err="1">
-                <a:ln>
-                  <a:noFill/>
-                </a:ln>
-                <a:solidFill>
-                  <a:schemeClr val="tx1"/>
-                </a:solidFill>
-                <a:effectLst/>
-                <a:latin typeface="Times New Roman" panose="02020603050405020304" pitchFamily="18" charset="0"/>
-                <a:cs typeface="Times New Roman" panose="02020603050405020304" pitchFamily="18" charset="0"/>
-              </a:rPr>
-              <a:t>increase</a:t>
-            </a:r>
-            <a:r>
-              <a:rPr kumimoji="0" lang="nl-BE" altLang="nl-BE" sz="1200" b="0" i="1" u="none" strike="noStrike" cap="none" normalizeH="0" baseline="0" dirty="0">
-                <a:ln>
-                  <a:noFill/>
-                </a:ln>
-                <a:solidFill>
-                  <a:schemeClr val="tx1"/>
-                </a:solidFill>
-                <a:effectLst/>
-                <a:latin typeface="Times New Roman" panose="02020603050405020304" pitchFamily="18" charset="0"/>
-                <a:cs typeface="Times New Roman" panose="02020603050405020304" pitchFamily="18" charset="0"/>
-              </a:rPr>
-              <a:t> in </a:t>
-            </a:r>
-            <a:r>
-              <a:rPr kumimoji="0" lang="nl-BE" altLang="nl-BE" sz="1200" b="0" i="1" u="none" strike="noStrike" cap="none" normalizeH="0" baseline="0" dirty="0" err="1">
-                <a:ln>
-                  <a:noFill/>
-                </a:ln>
-                <a:solidFill>
-                  <a:schemeClr val="tx1"/>
-                </a:solidFill>
-                <a:effectLst/>
-                <a:latin typeface="Times New Roman" panose="02020603050405020304" pitchFamily="18" charset="0"/>
-                <a:cs typeface="Times New Roman" panose="02020603050405020304" pitchFamily="18" charset="0"/>
-              </a:rPr>
-              <a:t>number</a:t>
-            </a:r>
-            <a:r>
-              <a:rPr kumimoji="0" lang="nl-BE" altLang="nl-BE" sz="1200" b="0" i="1" u="none" strike="noStrike" cap="none" normalizeH="0" baseline="0" dirty="0">
-                <a:ln>
-                  <a:noFill/>
-                </a:ln>
-                <a:solidFill>
-                  <a:schemeClr val="tx1"/>
-                </a:solidFill>
-                <a:effectLst/>
-                <a:latin typeface="Times New Roman" panose="02020603050405020304" pitchFamily="18" charset="0"/>
-                <a:cs typeface="Times New Roman" panose="02020603050405020304" pitchFamily="18" charset="0"/>
-              </a:rPr>
-              <a:t> of fans live streaming </a:t>
-            </a:r>
-            <a:r>
-              <a:rPr kumimoji="0" lang="nl-BE" altLang="nl-BE" sz="1200" b="0" i="1" u="none" strike="noStrike" cap="none" normalizeH="0" baseline="0" dirty="0" err="1">
-                <a:ln>
-                  <a:noFill/>
-                </a:ln>
-                <a:solidFill>
-                  <a:schemeClr val="tx1"/>
-                </a:solidFill>
-                <a:effectLst/>
-                <a:latin typeface="Times New Roman" panose="02020603050405020304" pitchFamily="18" charset="0"/>
-                <a:cs typeface="Times New Roman" panose="02020603050405020304" pitchFamily="18" charset="0"/>
-              </a:rPr>
-              <a:t>football</a:t>
-            </a:r>
-            <a:r>
-              <a:rPr kumimoji="0" lang="nl-BE" altLang="nl-BE" sz="1200" b="0" i="1" u="none" strike="noStrike" cap="none" normalizeH="0" baseline="0" dirty="0">
-                <a:ln>
-                  <a:noFill/>
-                </a:ln>
-                <a:solidFill>
-                  <a:schemeClr val="tx1"/>
-                </a:solidFill>
-                <a:effectLst/>
-                <a:latin typeface="Times New Roman" panose="02020603050405020304" pitchFamily="18" charset="0"/>
-                <a:cs typeface="Times New Roman" panose="02020603050405020304" pitchFamily="18" charset="0"/>
-              </a:rPr>
-              <a:t> </a:t>
-            </a:r>
-            <a:r>
-              <a:rPr kumimoji="0" lang="nl-BE" altLang="nl-BE" sz="1200" b="0" i="1" u="none" strike="noStrike" cap="none" normalizeH="0" baseline="0" dirty="0" err="1">
-                <a:ln>
-                  <a:noFill/>
-                </a:ln>
-                <a:solidFill>
-                  <a:schemeClr val="tx1"/>
-                </a:solidFill>
-                <a:effectLst/>
-                <a:latin typeface="Times New Roman" panose="02020603050405020304" pitchFamily="18" charset="0"/>
-                <a:cs typeface="Times New Roman" panose="02020603050405020304" pitchFamily="18" charset="0"/>
-              </a:rPr>
-              <a:t>from</a:t>
-            </a:r>
-            <a:r>
-              <a:rPr kumimoji="0" lang="nl-BE" altLang="nl-BE" sz="1200" b="0" i="1" u="none" strike="noStrike" cap="none" normalizeH="0" baseline="0" dirty="0">
-                <a:ln>
-                  <a:noFill/>
-                </a:ln>
-                <a:solidFill>
-                  <a:schemeClr val="tx1"/>
-                </a:solidFill>
-                <a:effectLst/>
-                <a:latin typeface="Times New Roman" panose="02020603050405020304" pitchFamily="18" charset="0"/>
-                <a:cs typeface="Times New Roman" panose="02020603050405020304" pitchFamily="18" charset="0"/>
-              </a:rPr>
-              <a:t> home post-</a:t>
-            </a:r>
-            <a:r>
-              <a:rPr kumimoji="0" lang="nl-BE" altLang="nl-BE" sz="1200" b="0" i="1" u="none" strike="noStrike" cap="none" normalizeH="0" baseline="0" dirty="0" err="1">
-                <a:ln>
-                  <a:noFill/>
-                </a:ln>
-                <a:solidFill>
-                  <a:schemeClr val="tx1"/>
-                </a:solidFill>
-                <a:effectLst/>
-                <a:latin typeface="Times New Roman" panose="02020603050405020304" pitchFamily="18" charset="0"/>
-                <a:cs typeface="Times New Roman" panose="02020603050405020304" pitchFamily="18" charset="0"/>
-              </a:rPr>
-              <a:t>pandemic</a:t>
-            </a:r>
-            <a:r>
-              <a:rPr kumimoji="0" lang="nl-BE" altLang="nl-BE" sz="1200" b="0" i="0" u="none" strike="noStrike" cap="none" normalizeH="0" baseline="0" dirty="0">
-                <a:ln>
-                  <a:noFill/>
-                </a:ln>
-                <a:solidFill>
-                  <a:schemeClr val="tx1"/>
-                </a:solidFill>
-                <a:effectLst/>
-                <a:latin typeface="Times New Roman" panose="02020603050405020304" pitchFamily="18" charset="0"/>
-                <a:cs typeface="Times New Roman" panose="02020603050405020304" pitchFamily="18" charset="0"/>
-              </a:rPr>
-              <a:t>. SVG Europe. </a:t>
-            </a:r>
-            <a:r>
               <a:rPr kumimoji="0" lang="nl-BE" altLang="nl-BE" sz="1200" b="0" i="0" u="none" strike="noStrike" cap="none" normalizeH="0" baseline="0" dirty="0">
                 <a:ln>
                   <a:noFill/>
@@ -14494,7 +14548,7 @@
                 <a:cs typeface="Times New Roman" panose="02020603050405020304" pitchFamily="18" charset="0"/>
                 <a:hlinkClick r:id="rId11"/>
               </a:rPr>
-              <a:t>https://www.svgeurope.org/blog/headlines/research-reveals-massive-increase-in-number-of-fans-live-streaming-football-from-home-post-pandemic/</a:t>
+              <a:t>https://www.rbfa.be/nl/nationale-ploegen/rode-duivels</a:t>
             </a:r>
             <a:r>
               <a:rPr kumimoji="0" lang="nl-BE" altLang="nl-BE" sz="1200" b="0" i="0" u="none" strike="noStrike" cap="none" normalizeH="0" baseline="0" dirty="0">
@@ -14521,12 +14575,24 @@
             </a:endParaRPr>
           </a:p>
           <a:p>
-            <a:pPr defTabSz="914400">
+            <a:pPr marL="171450" marR="0" lvl="0" indent="-171450" algn="l" defTabSz="914400" rtl="0" eaLnBrk="0" fontAlgn="base" latinLnBrk="0" hangingPunct="0">
+              <a:lnSpc>
+                <a:spcPct val="100000"/>
+              </a:lnSpc>
+              <a:spcBef>
+                <a:spcPct val="0"/>
+              </a:spcBef>
+              <a:spcAft>
+                <a:spcPct val="0"/>
+              </a:spcAft>
               <a:buClrTx/>
               <a:buSzTx/>
+              <a:buFont typeface="Arial" panose="020B0604020202020204" pitchFamily="34" charset="0"/>
+              <a:buChar char="•"/>
+              <a:tabLst/>
             </a:pPr>
             <a:r>
-              <a:rPr kumimoji="0" lang="nl-BE" altLang="nl-BE" sz="1200" b="0" i="1" u="none" strike="noStrike" cap="none" normalizeH="0" baseline="0" dirty="0">
+              <a:rPr kumimoji="0" lang="nl-BE" altLang="nl-BE" sz="1200" b="0" i="0" u="none" strike="noStrike" cap="none" normalizeH="0" baseline="0" dirty="0" err="1">
                 <a:ln>
                   <a:noFill/>
                 </a:ln>
@@ -14537,10 +14603,10 @@
                 <a:latin typeface="Times New Roman" panose="02020603050405020304" pitchFamily="18" charset="0"/>
                 <a:cs typeface="Times New Roman" panose="02020603050405020304" pitchFamily="18" charset="0"/>
               </a:rPr>
-              <a:t>Technologie-ondersteunde revalidatie - </a:t>
-            </a:r>
-            <a:r>
-              <a:rPr kumimoji="0" lang="nl-BE" altLang="nl-BE" sz="1200" b="0" i="1" u="none" strike="noStrike" cap="none" normalizeH="0" baseline="0" dirty="0" err="1">
+              <a:t>Ruddock</a:t>
+            </a:r>
+            <a:r>
+              <a:rPr kumimoji="0" lang="nl-BE" altLang="nl-BE" sz="1200" b="0" i="0" u="none" strike="noStrike" cap="none" normalizeH="0" baseline="0" dirty="0">
                 <a:ln>
                   <a:noFill/>
                 </a:ln>
@@ -14551,21 +14617,7 @@
                 <a:latin typeface="Times New Roman" panose="02020603050405020304" pitchFamily="18" charset="0"/>
                 <a:cs typeface="Times New Roman" panose="02020603050405020304" pitchFamily="18" charset="0"/>
               </a:rPr>
-              <a:t>UHasselt</a:t>
-            </a:r>
-            <a:r>
-              <a:rPr kumimoji="0" lang="nl-BE" altLang="nl-BE" sz="1200" b="0" i="0" u="none" strike="noStrike" cap="none" normalizeH="0" baseline="0" dirty="0">
-                <a:ln>
-                  <a:noFill/>
-                </a:ln>
-                <a:solidFill>
-                  <a:schemeClr val="tx1"/>
-                </a:solidFill>
-                <a:effectLst/>
-                <a:latin typeface="Times New Roman" panose="02020603050405020304" pitchFamily="18" charset="0"/>
-                <a:cs typeface="Times New Roman" panose="02020603050405020304" pitchFamily="18" charset="0"/>
-              </a:rPr>
-              <a:t>. (</a:t>
+              <a:t>, J. (</a:t>
             </a:r>
             <a:r>
               <a:rPr kumimoji="0" lang="nl-BE" altLang="nl-BE" sz="1200" b="0" i="0" u="none" strike="noStrike" cap="none" normalizeH="0" baseline="0" dirty="0" err="1">
@@ -14596,7 +14648,7 @@
               <a:t>.). </a:t>
             </a:r>
             <a:r>
-              <a:rPr kumimoji="0" lang="nl-BE" altLang="nl-BE" sz="1200" b="0" i="0" u="none" strike="noStrike" cap="none" normalizeH="0" baseline="0" dirty="0" err="1">
+              <a:rPr kumimoji="0" lang="nl-BE" altLang="nl-BE" sz="1200" b="0" i="1" u="none" strike="noStrike" cap="none" normalizeH="0" baseline="0" dirty="0">
                 <a:ln>
                   <a:noFill/>
                 </a:ln>
@@ -14607,7 +14659,189 @@
                 <a:latin typeface="Times New Roman" panose="02020603050405020304" pitchFamily="18" charset="0"/>
                 <a:cs typeface="Times New Roman" panose="02020603050405020304" pitchFamily="18" charset="0"/>
               </a:rPr>
-              <a:t>UHasselt</a:t>
+              <a:t>Research </a:t>
+            </a:r>
+            <a:r>
+              <a:rPr kumimoji="0" lang="nl-BE" altLang="nl-BE" sz="1200" b="0" i="1" u="none" strike="noStrike" cap="none" normalizeH="0" baseline="0" dirty="0" err="1">
+                <a:ln>
+                  <a:noFill/>
+                </a:ln>
+                <a:solidFill>
+                  <a:schemeClr val="tx1"/>
+                </a:solidFill>
+                <a:effectLst/>
+                <a:latin typeface="Times New Roman" panose="02020603050405020304" pitchFamily="18" charset="0"/>
+                <a:cs typeface="Times New Roman" panose="02020603050405020304" pitchFamily="18" charset="0"/>
+              </a:rPr>
+              <a:t>reveals</a:t>
+            </a:r>
+            <a:r>
+              <a:rPr kumimoji="0" lang="nl-BE" altLang="nl-BE" sz="1200" b="0" i="1" u="none" strike="noStrike" cap="none" normalizeH="0" baseline="0" dirty="0">
+                <a:ln>
+                  <a:noFill/>
+                </a:ln>
+                <a:solidFill>
+                  <a:schemeClr val="tx1"/>
+                </a:solidFill>
+                <a:effectLst/>
+                <a:latin typeface="Times New Roman" panose="02020603050405020304" pitchFamily="18" charset="0"/>
+                <a:cs typeface="Times New Roman" panose="02020603050405020304" pitchFamily="18" charset="0"/>
+              </a:rPr>
+              <a:t> </a:t>
+            </a:r>
+            <a:r>
+              <a:rPr kumimoji="0" lang="nl-BE" altLang="nl-BE" sz="1200" b="0" i="1" u="none" strike="noStrike" cap="none" normalizeH="0" baseline="0" dirty="0" err="1">
+                <a:ln>
+                  <a:noFill/>
+                </a:ln>
+                <a:solidFill>
+                  <a:schemeClr val="tx1"/>
+                </a:solidFill>
+                <a:effectLst/>
+                <a:latin typeface="Times New Roman" panose="02020603050405020304" pitchFamily="18" charset="0"/>
+                <a:cs typeface="Times New Roman" panose="02020603050405020304" pitchFamily="18" charset="0"/>
+              </a:rPr>
+              <a:t>massive</a:t>
+            </a:r>
+            <a:r>
+              <a:rPr kumimoji="0" lang="nl-BE" altLang="nl-BE" sz="1200" b="0" i="1" u="none" strike="noStrike" cap="none" normalizeH="0" baseline="0" dirty="0">
+                <a:ln>
+                  <a:noFill/>
+                </a:ln>
+                <a:solidFill>
+                  <a:schemeClr val="tx1"/>
+                </a:solidFill>
+                <a:effectLst/>
+                <a:latin typeface="Times New Roman" panose="02020603050405020304" pitchFamily="18" charset="0"/>
+                <a:cs typeface="Times New Roman" panose="02020603050405020304" pitchFamily="18" charset="0"/>
+              </a:rPr>
+              <a:t> </a:t>
+            </a:r>
+            <a:r>
+              <a:rPr kumimoji="0" lang="nl-BE" altLang="nl-BE" sz="1200" b="0" i="1" u="none" strike="noStrike" cap="none" normalizeH="0" baseline="0" dirty="0" err="1">
+                <a:ln>
+                  <a:noFill/>
+                </a:ln>
+                <a:solidFill>
+                  <a:schemeClr val="tx1"/>
+                </a:solidFill>
+                <a:effectLst/>
+                <a:latin typeface="Times New Roman" panose="02020603050405020304" pitchFamily="18" charset="0"/>
+                <a:cs typeface="Times New Roman" panose="02020603050405020304" pitchFamily="18" charset="0"/>
+              </a:rPr>
+              <a:t>increase</a:t>
+            </a:r>
+            <a:r>
+              <a:rPr kumimoji="0" lang="nl-BE" altLang="nl-BE" sz="1200" b="0" i="1" u="none" strike="noStrike" cap="none" normalizeH="0" baseline="0" dirty="0">
+                <a:ln>
+                  <a:noFill/>
+                </a:ln>
+                <a:solidFill>
+                  <a:schemeClr val="tx1"/>
+                </a:solidFill>
+                <a:effectLst/>
+                <a:latin typeface="Times New Roman" panose="02020603050405020304" pitchFamily="18" charset="0"/>
+                <a:cs typeface="Times New Roman" panose="02020603050405020304" pitchFamily="18" charset="0"/>
+              </a:rPr>
+              <a:t> in </a:t>
+            </a:r>
+            <a:r>
+              <a:rPr kumimoji="0" lang="nl-BE" altLang="nl-BE" sz="1200" b="0" i="1" u="none" strike="noStrike" cap="none" normalizeH="0" baseline="0" dirty="0" err="1">
+                <a:ln>
+                  <a:noFill/>
+                </a:ln>
+                <a:solidFill>
+                  <a:schemeClr val="tx1"/>
+                </a:solidFill>
+                <a:effectLst/>
+                <a:latin typeface="Times New Roman" panose="02020603050405020304" pitchFamily="18" charset="0"/>
+                <a:cs typeface="Times New Roman" panose="02020603050405020304" pitchFamily="18" charset="0"/>
+              </a:rPr>
+              <a:t>number</a:t>
+            </a:r>
+            <a:r>
+              <a:rPr kumimoji="0" lang="nl-BE" altLang="nl-BE" sz="1200" b="0" i="1" u="none" strike="noStrike" cap="none" normalizeH="0" baseline="0" dirty="0">
+                <a:ln>
+                  <a:noFill/>
+                </a:ln>
+                <a:solidFill>
+                  <a:schemeClr val="tx1"/>
+                </a:solidFill>
+                <a:effectLst/>
+                <a:latin typeface="Times New Roman" panose="02020603050405020304" pitchFamily="18" charset="0"/>
+                <a:cs typeface="Times New Roman" panose="02020603050405020304" pitchFamily="18" charset="0"/>
+              </a:rPr>
+              <a:t> of fans live streaming </a:t>
+            </a:r>
+            <a:r>
+              <a:rPr kumimoji="0" lang="nl-BE" altLang="nl-BE" sz="1200" b="0" i="1" u="none" strike="noStrike" cap="none" normalizeH="0" baseline="0" dirty="0" err="1">
+                <a:ln>
+                  <a:noFill/>
+                </a:ln>
+                <a:solidFill>
+                  <a:schemeClr val="tx1"/>
+                </a:solidFill>
+                <a:effectLst/>
+                <a:latin typeface="Times New Roman" panose="02020603050405020304" pitchFamily="18" charset="0"/>
+                <a:cs typeface="Times New Roman" panose="02020603050405020304" pitchFamily="18" charset="0"/>
+              </a:rPr>
+              <a:t>football</a:t>
+            </a:r>
+            <a:r>
+              <a:rPr kumimoji="0" lang="nl-BE" altLang="nl-BE" sz="1200" b="0" i="1" u="none" strike="noStrike" cap="none" normalizeH="0" baseline="0" dirty="0">
+                <a:ln>
+                  <a:noFill/>
+                </a:ln>
+                <a:solidFill>
+                  <a:schemeClr val="tx1"/>
+                </a:solidFill>
+                <a:effectLst/>
+                <a:latin typeface="Times New Roman" panose="02020603050405020304" pitchFamily="18" charset="0"/>
+                <a:cs typeface="Times New Roman" panose="02020603050405020304" pitchFamily="18" charset="0"/>
+              </a:rPr>
+              <a:t> </a:t>
+            </a:r>
+            <a:r>
+              <a:rPr kumimoji="0" lang="nl-BE" altLang="nl-BE" sz="1200" b="0" i="1" u="none" strike="noStrike" cap="none" normalizeH="0" baseline="0" dirty="0" err="1">
+                <a:ln>
+                  <a:noFill/>
+                </a:ln>
+                <a:solidFill>
+                  <a:schemeClr val="tx1"/>
+                </a:solidFill>
+                <a:effectLst/>
+                <a:latin typeface="Times New Roman" panose="02020603050405020304" pitchFamily="18" charset="0"/>
+                <a:cs typeface="Times New Roman" panose="02020603050405020304" pitchFamily="18" charset="0"/>
+              </a:rPr>
+              <a:t>from</a:t>
+            </a:r>
+            <a:r>
+              <a:rPr kumimoji="0" lang="nl-BE" altLang="nl-BE" sz="1200" b="0" i="1" u="none" strike="noStrike" cap="none" normalizeH="0" baseline="0" dirty="0">
+                <a:ln>
+                  <a:noFill/>
+                </a:ln>
+                <a:solidFill>
+                  <a:schemeClr val="tx1"/>
+                </a:solidFill>
+                <a:effectLst/>
+                <a:latin typeface="Times New Roman" panose="02020603050405020304" pitchFamily="18" charset="0"/>
+                <a:cs typeface="Times New Roman" panose="02020603050405020304" pitchFamily="18" charset="0"/>
+              </a:rPr>
+              <a:t> home post-</a:t>
+            </a:r>
+            <a:r>
+              <a:rPr kumimoji="0" lang="nl-BE" altLang="nl-BE" sz="1200" b="0" i="1" u="none" strike="noStrike" cap="none" normalizeH="0" baseline="0" dirty="0" err="1">
+                <a:ln>
+                  <a:noFill/>
+                </a:ln>
+                <a:solidFill>
+                  <a:schemeClr val="tx1"/>
+                </a:solidFill>
+                <a:effectLst/>
+                <a:latin typeface="Times New Roman" panose="02020603050405020304" pitchFamily="18" charset="0"/>
+                <a:cs typeface="Times New Roman" panose="02020603050405020304" pitchFamily="18" charset="0"/>
+              </a:rPr>
+              <a:t>pandemic</a:t>
             </a:r>
             <a:r>
               <a:rPr kumimoji="0" lang="nl-BE" altLang="nl-BE" sz="1200" b="0" i="0" u="none" strike="noStrike" cap="none" normalizeH="0" baseline="0" dirty="0">
@@ -14621,7 +14855,7 @@
                 <a:latin typeface="Times New Roman" panose="02020603050405020304" pitchFamily="18" charset="0"/>
                 <a:cs typeface="Times New Roman" panose="02020603050405020304" pitchFamily="18" charset="0"/>
               </a:rPr>
-              <a:t>. </a:t>
+              <a:t>. SVG Europe. </a:t>
             </a:r>
             <a:r>
               <a:rPr kumimoji="0" lang="nl-BE" altLang="nl-BE" sz="1200" b="0" i="0" u="none" strike="noStrike" cap="none" normalizeH="0" baseline="0" dirty="0">
@@ -14636,7 +14870,7 @@
                 <a:cs typeface="Times New Roman" panose="02020603050405020304" pitchFamily="18" charset="0"/>
                 <a:hlinkClick r:id="rId12"/>
               </a:rPr>
-              <a:t>https://www.uhasselt.be/nl/onderzoeksgroepen/reval/technologie-ondersteunde-revalidatie</a:t>
+              <a:t>https://www.svgeurope.org/blog/headlines/research-reveals-massive-increase-in-number-of-fans-live-streaming-football-from-home-post-pandemic/</a:t>
             </a:r>
             <a:r>
               <a:rPr kumimoji="0" lang="nl-BE" altLang="nl-BE" sz="1200" b="0" i="0" u="none" strike="noStrike" cap="none" normalizeH="0" baseline="0" dirty="0">
@@ -14663,9 +14897,287 @@
             </a:endParaRPr>
           </a:p>
           <a:p>
-            <a:pPr defTabSz="914400">
+            <a:pPr marL="171450" marR="0" lvl="0" indent="-171450" algn="l" defTabSz="914400" rtl="0" eaLnBrk="0" fontAlgn="base" latinLnBrk="0" hangingPunct="0">
+              <a:lnSpc>
+                <a:spcPct val="100000"/>
+              </a:lnSpc>
+              <a:spcBef>
+                <a:spcPct val="0"/>
+              </a:spcBef>
+              <a:spcAft>
+                <a:spcPct val="0"/>
+              </a:spcAft>
               <a:buClrTx/>
               <a:buSzTx/>
+              <a:buFont typeface="Arial" panose="020B0604020202020204" pitchFamily="34" charset="0"/>
+              <a:buChar char="•"/>
+              <a:tabLst/>
+            </a:pPr>
+            <a:r>
+              <a:rPr kumimoji="0" lang="nl-BE" altLang="nl-BE" sz="1200" b="0" i="1" u="none" strike="noStrike" cap="none" normalizeH="0" baseline="0" dirty="0" err="1">
+                <a:ln>
+                  <a:noFill/>
+                </a:ln>
+                <a:solidFill>
+                  <a:schemeClr val="tx1"/>
+                </a:solidFill>
+                <a:effectLst/>
+                <a:latin typeface="Times New Roman" panose="02020603050405020304" pitchFamily="18" charset="0"/>
+                <a:cs typeface="Times New Roman" panose="02020603050405020304" pitchFamily="18" charset="0"/>
+              </a:rPr>
+              <a:t>sporza</a:t>
+            </a:r>
+            <a:r>
+              <a:rPr kumimoji="0" lang="nl-BE" altLang="nl-BE" sz="1200" b="0" i="0" u="none" strike="noStrike" cap="none" normalizeH="0" baseline="0" dirty="0">
+                <a:ln>
+                  <a:noFill/>
+                </a:ln>
+                <a:solidFill>
+                  <a:schemeClr val="tx1"/>
+                </a:solidFill>
+                <a:effectLst/>
+                <a:latin typeface="Times New Roman" panose="02020603050405020304" pitchFamily="18" charset="0"/>
+                <a:cs typeface="Times New Roman" panose="02020603050405020304" pitchFamily="18" charset="0"/>
+              </a:rPr>
+              <a:t>. (2018, </a:t>
+            </a:r>
+            <a:r>
+              <a:rPr kumimoji="0" lang="nl-BE" altLang="nl-BE" sz="1200" b="0" i="0" u="none" strike="noStrike" cap="none" normalizeH="0" baseline="0" dirty="0" err="1">
+                <a:ln>
+                  <a:noFill/>
+                </a:ln>
+                <a:solidFill>
+                  <a:schemeClr val="tx1"/>
+                </a:solidFill>
+                <a:effectLst/>
+                <a:latin typeface="Times New Roman" panose="02020603050405020304" pitchFamily="18" charset="0"/>
+                <a:cs typeface="Times New Roman" panose="02020603050405020304" pitchFamily="18" charset="0"/>
+              </a:rPr>
+              <a:t>January</a:t>
+            </a:r>
+            <a:r>
+              <a:rPr kumimoji="0" lang="nl-BE" altLang="nl-BE" sz="1200" b="0" i="0" u="none" strike="noStrike" cap="none" normalizeH="0" baseline="0" dirty="0">
+                <a:ln>
+                  <a:noFill/>
+                </a:ln>
+                <a:solidFill>
+                  <a:schemeClr val="tx1"/>
+                </a:solidFill>
+                <a:effectLst/>
+                <a:latin typeface="Times New Roman" panose="02020603050405020304" pitchFamily="18" charset="0"/>
+                <a:cs typeface="Times New Roman" panose="02020603050405020304" pitchFamily="18" charset="0"/>
+              </a:rPr>
+              <a:t> 10). sporza.be. </a:t>
+            </a:r>
+            <a:r>
+              <a:rPr kumimoji="0" lang="nl-BE" altLang="nl-BE" sz="1200" b="0" i="0" u="none" strike="noStrike" cap="none" normalizeH="0" baseline="0" dirty="0">
+                <a:ln>
+                  <a:noFill/>
+                </a:ln>
+                <a:solidFill>
+                  <a:schemeClr val="tx1"/>
+                </a:solidFill>
+                <a:effectLst/>
+                <a:latin typeface="Times New Roman" panose="02020603050405020304" pitchFamily="18" charset="0"/>
+                <a:cs typeface="Times New Roman" panose="02020603050405020304" pitchFamily="18" charset="0"/>
+                <a:hlinkClick r:id="rId13"/>
+              </a:rPr>
+              <a:t>https://sporza.be/nl/</a:t>
+            </a:r>
+            <a:r>
+              <a:rPr kumimoji="0" lang="nl-BE" altLang="nl-BE" sz="1200" b="0" i="0" u="none" strike="noStrike" cap="none" normalizeH="0" baseline="0" dirty="0">
+                <a:ln>
+                  <a:noFill/>
+                </a:ln>
+                <a:solidFill>
+                  <a:schemeClr val="tx1"/>
+                </a:solidFill>
+                <a:effectLst/>
+                <a:latin typeface="Times New Roman" panose="02020603050405020304" pitchFamily="18" charset="0"/>
+                <a:cs typeface="Times New Roman" panose="02020603050405020304" pitchFamily="18" charset="0"/>
+              </a:rPr>
+              <a:t> </a:t>
+            </a:r>
+            <a:endParaRPr kumimoji="0" lang="nl-BE" altLang="nl-BE" sz="600" b="0" i="0" u="none" strike="noStrike" cap="none" normalizeH="0" baseline="0" dirty="0">
+              <a:ln>
+                <a:noFill/>
+              </a:ln>
+              <a:solidFill>
+                <a:schemeClr val="tx1"/>
+              </a:solidFill>
+              <a:effectLst/>
+            </a:endParaRPr>
+          </a:p>
+          <a:p>
+            <a:pPr marL="171450" marR="0" lvl="0" indent="-171450" algn="l" defTabSz="914400" rtl="0" eaLnBrk="0" fontAlgn="base" latinLnBrk="0" hangingPunct="0">
+              <a:lnSpc>
+                <a:spcPct val="100000"/>
+              </a:lnSpc>
+              <a:spcBef>
+                <a:spcPct val="0"/>
+              </a:spcBef>
+              <a:spcAft>
+                <a:spcPct val="0"/>
+              </a:spcAft>
+              <a:buClrTx/>
+              <a:buSzTx/>
+              <a:buFont typeface="Arial" panose="020B0604020202020204" pitchFamily="34" charset="0"/>
+              <a:buChar char="•"/>
+              <a:tabLst/>
+            </a:pPr>
+            <a:r>
+              <a:rPr kumimoji="0" lang="nl-BE" altLang="nl-BE" sz="1200" b="0" i="1" u="none" strike="noStrike" cap="none" normalizeH="0" baseline="0" dirty="0">
+                <a:ln>
+                  <a:noFill/>
+                </a:ln>
+                <a:solidFill>
+                  <a:schemeClr val="tx1"/>
+                </a:solidFill>
+                <a:effectLst/>
+                <a:latin typeface="Times New Roman" panose="02020603050405020304" pitchFamily="18" charset="0"/>
+                <a:cs typeface="Times New Roman" panose="02020603050405020304" pitchFamily="18" charset="0"/>
+              </a:rPr>
+              <a:t>Technologie-ondersteunde revalidatie - </a:t>
+            </a:r>
+            <a:r>
+              <a:rPr kumimoji="0" lang="nl-BE" altLang="nl-BE" sz="1200" b="0" i="1" u="none" strike="noStrike" cap="none" normalizeH="0" baseline="0" dirty="0" err="1">
+                <a:ln>
+                  <a:noFill/>
+                </a:ln>
+                <a:solidFill>
+                  <a:schemeClr val="tx1"/>
+                </a:solidFill>
+                <a:effectLst/>
+                <a:latin typeface="Times New Roman" panose="02020603050405020304" pitchFamily="18" charset="0"/>
+                <a:cs typeface="Times New Roman" panose="02020603050405020304" pitchFamily="18" charset="0"/>
+              </a:rPr>
+              <a:t>UHasselt</a:t>
+            </a:r>
+            <a:r>
+              <a:rPr kumimoji="0" lang="nl-BE" altLang="nl-BE" sz="1200" b="0" i="0" u="none" strike="noStrike" cap="none" normalizeH="0" baseline="0" dirty="0">
+                <a:ln>
+                  <a:noFill/>
+                </a:ln>
+                <a:solidFill>
+                  <a:schemeClr val="tx1"/>
+                </a:solidFill>
+                <a:effectLst/>
+                <a:latin typeface="Times New Roman" panose="02020603050405020304" pitchFamily="18" charset="0"/>
+                <a:cs typeface="Times New Roman" panose="02020603050405020304" pitchFamily="18" charset="0"/>
+              </a:rPr>
+              <a:t>. (</a:t>
+            </a:r>
+            <a:r>
+              <a:rPr kumimoji="0" lang="nl-BE" altLang="nl-BE" sz="1200" b="0" i="0" u="none" strike="noStrike" cap="none" normalizeH="0" baseline="0" dirty="0" err="1">
+                <a:ln>
+                  <a:noFill/>
+                </a:ln>
+                <a:solidFill>
+                  <a:schemeClr val="tx1"/>
+                </a:solidFill>
+                <a:effectLst/>
+                <a:latin typeface="Times New Roman" panose="02020603050405020304" pitchFamily="18" charset="0"/>
+                <a:cs typeface="Times New Roman" panose="02020603050405020304" pitchFamily="18" charset="0"/>
+              </a:rPr>
+              <a:t>n.d</a:t>
+            </a:r>
+            <a:r>
+              <a:rPr kumimoji="0" lang="nl-BE" altLang="nl-BE" sz="1200" b="0" i="0" u="none" strike="noStrike" cap="none" normalizeH="0" baseline="0" dirty="0">
+                <a:ln>
+                  <a:noFill/>
+                </a:ln>
+                <a:solidFill>
+                  <a:schemeClr val="tx1"/>
+                </a:solidFill>
+                <a:effectLst/>
+                <a:latin typeface="Times New Roman" panose="02020603050405020304" pitchFamily="18" charset="0"/>
+                <a:cs typeface="Times New Roman" panose="02020603050405020304" pitchFamily="18" charset="0"/>
+              </a:rPr>
+              <a:t>.). </a:t>
+            </a:r>
+            <a:r>
+              <a:rPr kumimoji="0" lang="nl-BE" altLang="nl-BE" sz="1200" b="0" i="0" u="none" strike="noStrike" cap="none" normalizeH="0" baseline="0" dirty="0" err="1">
+                <a:ln>
+                  <a:noFill/>
+                </a:ln>
+                <a:solidFill>
+                  <a:schemeClr val="tx1"/>
+                </a:solidFill>
+                <a:effectLst/>
+                <a:latin typeface="Times New Roman" panose="02020603050405020304" pitchFamily="18" charset="0"/>
+                <a:cs typeface="Times New Roman" panose="02020603050405020304" pitchFamily="18" charset="0"/>
+              </a:rPr>
+              <a:t>UHasselt</a:t>
+            </a:r>
+            <a:r>
+              <a:rPr kumimoji="0" lang="nl-BE" altLang="nl-BE" sz="1200" b="0" i="0" u="none" strike="noStrike" cap="none" normalizeH="0" baseline="0" dirty="0">
+                <a:ln>
+                  <a:noFill/>
+                </a:ln>
+                <a:solidFill>
+                  <a:schemeClr val="tx1"/>
+                </a:solidFill>
+                <a:effectLst/>
+                <a:latin typeface="Times New Roman" panose="02020603050405020304" pitchFamily="18" charset="0"/>
+                <a:cs typeface="Times New Roman" panose="02020603050405020304" pitchFamily="18" charset="0"/>
+              </a:rPr>
+              <a:t>. </a:t>
+            </a:r>
+            <a:r>
+              <a:rPr kumimoji="0" lang="nl-BE" altLang="nl-BE" sz="1200" b="0" i="0" u="none" strike="noStrike" cap="none" normalizeH="0" baseline="0" dirty="0">
+                <a:ln>
+                  <a:noFill/>
+                </a:ln>
+                <a:solidFill>
+                  <a:schemeClr val="tx1"/>
+                </a:solidFill>
+                <a:effectLst/>
+                <a:latin typeface="Times New Roman" panose="02020603050405020304" pitchFamily="18" charset="0"/>
+                <a:cs typeface="Times New Roman" panose="02020603050405020304" pitchFamily="18" charset="0"/>
+                <a:hlinkClick r:id="rId14"/>
+              </a:rPr>
+              <a:t>https://www.uhasselt.be/nl/onderzoeksgroepen/reval/technologie-ondersteunde-revalidatie</a:t>
+            </a:r>
+            <a:r>
+              <a:rPr kumimoji="0" lang="nl-BE" altLang="nl-BE" sz="1200" b="0" i="0" u="none" strike="noStrike" cap="none" normalizeH="0" baseline="0" dirty="0">
+                <a:ln>
+                  <a:noFill/>
+                </a:ln>
+                <a:solidFill>
+                  <a:schemeClr val="tx1"/>
+                </a:solidFill>
+                <a:effectLst/>
+                <a:latin typeface="Times New Roman" panose="02020603050405020304" pitchFamily="18" charset="0"/>
+                <a:cs typeface="Times New Roman" panose="02020603050405020304" pitchFamily="18" charset="0"/>
+              </a:rPr>
+              <a:t> </a:t>
+            </a:r>
+            <a:endParaRPr kumimoji="0" lang="nl-BE" altLang="nl-BE" sz="600" b="0" i="0" u="none" strike="noStrike" cap="none" normalizeH="0" baseline="0" dirty="0">
+              <a:ln>
+                <a:noFill/>
+              </a:ln>
+              <a:solidFill>
+                <a:schemeClr val="tx1"/>
+              </a:solidFill>
+              <a:effectLst/>
+            </a:endParaRPr>
+          </a:p>
+          <a:p>
+            <a:pPr marL="171450" marR="0" lvl="0" indent="-171450" algn="l" defTabSz="914400" rtl="0" eaLnBrk="0" fontAlgn="base" latinLnBrk="0" hangingPunct="0">
+              <a:lnSpc>
+                <a:spcPct val="100000"/>
+              </a:lnSpc>
+              <a:spcBef>
+                <a:spcPct val="0"/>
+              </a:spcBef>
+              <a:spcAft>
+                <a:spcPct val="0"/>
+              </a:spcAft>
+              <a:buClrTx/>
+              <a:buSzTx/>
+              <a:buFont typeface="Arial" panose="020B0604020202020204" pitchFamily="34" charset="0"/>
+              <a:buChar char="•"/>
+              <a:tabLst/>
             </a:pPr>
             <a:r>
               <a:rPr kumimoji="0" lang="nl-BE" altLang="nl-BE" sz="1200" b="0" i="0" u="none" strike="noStrike" cap="none" normalizeH="0" baseline="0" dirty="0">
@@ -14748,7 +15260,7 @@
                 <a:effectLst/>
                 <a:latin typeface="Times New Roman" panose="02020603050405020304" pitchFamily="18" charset="0"/>
                 <a:cs typeface="Times New Roman" panose="02020603050405020304" pitchFamily="18" charset="0"/>
-                <a:hlinkClick r:id="rId13"/>
+                <a:hlinkClick r:id="rId15"/>
               </a:rPr>
               <a:t>https://www.uza.be/behandeling/sportmedische-keuring-en-preventie</a:t>
             </a:r>
